--- a/Teil2/Teil2.pptx
+++ b/Teil2/Teil2.pptx
@@ -10,7 +10,10 @@
     <p:sldId id="257" r:id="rId4"/>
     <p:sldId id="260" r:id="rId5"/>
     <p:sldId id="261" r:id="rId6"/>
-    <p:sldId id="259" r:id="rId7"/>
+    <p:sldId id="265" r:id="rId7"/>
+    <p:sldId id="264" r:id="rId8"/>
+    <p:sldId id="266" r:id="rId9"/>
+    <p:sldId id="259" r:id="rId10"/>
   </p:sldIdLst>
   <p:sldSz cx="12192000" cy="6858000"/>
   <p:notesSz cx="6858000" cy="9144000"/>
@@ -120,1364 +123,11 @@
 <file path=ppt/revisionInfo.xml><?xml version="1.0" encoding="utf-8"?>
 <p1510:revInfo xmlns:a="http://schemas.openxmlformats.org/drawingml/2006/main" xmlns:r="http://schemas.openxmlformats.org/officeDocument/2006/relationships" xmlns:p1510="http://schemas.microsoft.com/office/powerpoint/2015/10/main">
   <p1510:revLst>
+    <p1510:client id="{75E04B9F-045C-45FF-B5C4-4FCB88812246}" v="338" dt="2022-11-24T16:18:48.718"/>
     <p1510:client id="{A2DBF853-F462-4956-82BF-5226F1DE29C2}" v="660" dt="2022-11-24T12:03:05.539"/>
+    <p1510:client id="{D18659C0-9C34-FFD4-6529-77F964009280}" v="7" dt="2022-11-24T15:14:52.652"/>
   </p1510:revLst>
 </p1510:revInfo>
-</file>
-
-<file path=ppt/changesInfos/changesInfo1.xml><?xml version="1.0" encoding="utf-8"?>
-<pc:chgInfo xmlns:a="http://schemas.openxmlformats.org/drawingml/2006/main" xmlns:r="http://schemas.openxmlformats.org/officeDocument/2006/relationships" xmlns:ac="http://schemas.microsoft.com/office/drawing/2013/main/command" xmlns:pc="http://schemas.microsoft.com/office/powerpoint/2013/main/command">
-  <pc:docChgLst>
-    <pc:chgData name="marius.huke" userId="S::marius.huke.tuil@technischeunivers049.onmicrosoft.com::8275c81d-49a9-42f7-895f-732bbed766ac" providerId="AD" clId="Web-{A2DBF853-F462-4956-82BF-5226F1DE29C2}"/>
-    <pc:docChg chg="addSld modSld addMainMaster delMainMaster">
-      <pc:chgData name="marius.huke" userId="S::marius.huke.tuil@technischeunivers049.onmicrosoft.com::8275c81d-49a9-42f7-895f-732bbed766ac" providerId="AD" clId="Web-{A2DBF853-F462-4956-82BF-5226F1DE29C2}" dt="2022-11-24T12:03:15.461" v="561" actId="1076"/>
-      <pc:docMkLst>
-        <pc:docMk/>
-      </pc:docMkLst>
-      <pc:sldChg chg="addSp delSp modSp mod setBg modClrScheme addAnim setClrOvrMap chgLayout">
-        <pc:chgData name="marius.huke" userId="S::marius.huke.tuil@technischeunivers049.onmicrosoft.com::8275c81d-49a9-42f7-895f-732bbed766ac" providerId="AD" clId="Web-{A2DBF853-F462-4956-82BF-5226F1DE29C2}" dt="2022-11-24T11:31:16.592" v="190" actId="20577"/>
-        <pc:sldMkLst>
-          <pc:docMk/>
-          <pc:sldMk cId="1577499883" sldId="256"/>
-        </pc:sldMkLst>
-        <pc:spChg chg="mod">
-          <ac:chgData name="marius.huke" userId="S::marius.huke.tuil@technischeunivers049.onmicrosoft.com::8275c81d-49a9-42f7-895f-732bbed766ac" providerId="AD" clId="Web-{A2DBF853-F462-4956-82BF-5226F1DE29C2}" dt="2022-11-24T11:29:21.120" v="140" actId="1076"/>
-          <ac:spMkLst>
-            <pc:docMk/>
-            <pc:sldMk cId="1577499883" sldId="256"/>
-            <ac:spMk id="2" creationId="{00000000-0000-0000-0000-000000000000}"/>
-          </ac:spMkLst>
-        </pc:spChg>
-        <pc:spChg chg="mod">
-          <ac:chgData name="marius.huke" userId="S::marius.huke.tuil@technischeunivers049.onmicrosoft.com::8275c81d-49a9-42f7-895f-732bbed766ac" providerId="AD" clId="Web-{A2DBF853-F462-4956-82BF-5226F1DE29C2}" dt="2022-11-24T11:29:25.323" v="141" actId="1076"/>
-          <ac:spMkLst>
-            <pc:docMk/>
-            <pc:sldMk cId="1577499883" sldId="256"/>
-            <ac:spMk id="3" creationId="{00000000-0000-0000-0000-000000000000}"/>
-          </ac:spMkLst>
-        </pc:spChg>
-        <pc:spChg chg="add del mod">
-          <ac:chgData name="marius.huke" userId="S::marius.huke.tuil@technischeunivers049.onmicrosoft.com::8275c81d-49a9-42f7-895f-732bbed766ac" providerId="AD" clId="Web-{A2DBF853-F462-4956-82BF-5226F1DE29C2}" dt="2022-11-24T11:27:53.476" v="125"/>
-          <ac:spMkLst>
-            <pc:docMk/>
-            <pc:sldMk cId="1577499883" sldId="256"/>
-            <ac:spMk id="6" creationId="{110E33D9-FAB7-7EA1-CF69-E143F0586B6B}"/>
-          </ac:spMkLst>
-        </pc:spChg>
-        <pc:spChg chg="add mod">
-          <ac:chgData name="marius.huke" userId="S::marius.huke.tuil@technischeunivers049.onmicrosoft.com::8275c81d-49a9-42f7-895f-732bbed766ac" providerId="AD" clId="Web-{A2DBF853-F462-4956-82BF-5226F1DE29C2}" dt="2022-11-24T11:31:16.592" v="190" actId="20577"/>
-          <ac:spMkLst>
-            <pc:docMk/>
-            <pc:sldMk cId="1577499883" sldId="256"/>
-            <ac:spMk id="7" creationId="{989B2B27-8BCA-5703-7877-AC9604640800}"/>
-          </ac:spMkLst>
-        </pc:spChg>
-        <pc:spChg chg="add del">
-          <ac:chgData name="marius.huke" userId="S::marius.huke.tuil@technischeunivers049.onmicrosoft.com::8275c81d-49a9-42f7-895f-732bbed766ac" providerId="AD" clId="Web-{A2DBF853-F462-4956-82BF-5226F1DE29C2}" dt="2022-11-24T11:21:16.683" v="44"/>
-          <ac:spMkLst>
-            <pc:docMk/>
-            <pc:sldMk cId="1577499883" sldId="256"/>
-            <ac:spMk id="9" creationId="{14F048CC-17C9-B246-BF2A-29E51AD1C6EA}"/>
-          </ac:spMkLst>
-        </pc:spChg>
-        <pc:spChg chg="add del">
-          <ac:chgData name="marius.huke" userId="S::marius.huke.tuil@technischeunivers049.onmicrosoft.com::8275c81d-49a9-42f7-895f-732bbed766ac" providerId="AD" clId="Web-{A2DBF853-F462-4956-82BF-5226F1DE29C2}" dt="2022-11-24T11:21:16.683" v="44"/>
-          <ac:spMkLst>
-            <pc:docMk/>
-            <pc:sldMk cId="1577499883" sldId="256"/>
-            <ac:spMk id="11" creationId="{53C4D10E-16D3-5D49-A995-1FD27619A96C}"/>
-          </ac:spMkLst>
-        </pc:spChg>
-        <pc:spChg chg="add del">
-          <ac:chgData name="marius.huke" userId="S::marius.huke.tuil@technischeunivers049.onmicrosoft.com::8275c81d-49a9-42f7-895f-732bbed766ac" providerId="AD" clId="Web-{A2DBF853-F462-4956-82BF-5226F1DE29C2}" dt="2022-11-24T11:21:16.683" v="44"/>
-          <ac:spMkLst>
-            <pc:docMk/>
-            <pc:sldMk cId="1577499883" sldId="256"/>
-            <ac:spMk id="13" creationId="{24124FF1-775D-AC4A-81D0-73FC0F54A682}"/>
-          </ac:spMkLst>
-        </pc:spChg>
-        <pc:spChg chg="add del">
-          <ac:chgData name="marius.huke" userId="S::marius.huke.tuil@technischeunivers049.onmicrosoft.com::8275c81d-49a9-42f7-895f-732bbed766ac" providerId="AD" clId="Web-{A2DBF853-F462-4956-82BF-5226F1DE29C2}" dt="2022-11-24T11:21:16.683" v="44"/>
-          <ac:spMkLst>
-            <pc:docMk/>
-            <pc:sldMk cId="1577499883" sldId="256"/>
-            <ac:spMk id="15" creationId="{C53E2C7F-F4FF-A94D-ACAE-82823EC88FEC}"/>
-          </ac:spMkLst>
-        </pc:spChg>
-        <pc:spChg chg="add del">
-          <ac:chgData name="marius.huke" userId="S::marius.huke.tuil@technischeunivers049.onmicrosoft.com::8275c81d-49a9-42f7-895f-732bbed766ac" providerId="AD" clId="Web-{A2DBF853-F462-4956-82BF-5226F1DE29C2}" dt="2022-11-24T11:28:01.273" v="127"/>
-          <ac:spMkLst>
-            <pc:docMk/>
-            <pc:sldMk cId="1577499883" sldId="256"/>
-            <ac:spMk id="17" creationId="{0DBF1ABE-8590-450D-BB49-BDDCCF3EEA9E}"/>
-          </ac:spMkLst>
-        </pc:spChg>
-        <pc:spChg chg="add del">
-          <ac:chgData name="marius.huke" userId="S::marius.huke.tuil@technischeunivers049.onmicrosoft.com::8275c81d-49a9-42f7-895f-732bbed766ac" providerId="AD" clId="Web-{A2DBF853-F462-4956-82BF-5226F1DE29C2}" dt="2022-11-24T11:28:01.273" v="127"/>
-          <ac:spMkLst>
-            <pc:docMk/>
-            <pc:sldMk cId="1577499883" sldId="256"/>
-            <ac:spMk id="18" creationId="{C7D887A3-61AD-4674-BC53-8DFA8CF7B410}"/>
-          </ac:spMkLst>
-        </pc:spChg>
-        <pc:spChg chg="add del">
-          <ac:chgData name="marius.huke" userId="S::marius.huke.tuil@technischeunivers049.onmicrosoft.com::8275c81d-49a9-42f7-895f-732bbed766ac" providerId="AD" clId="Web-{A2DBF853-F462-4956-82BF-5226F1DE29C2}" dt="2022-11-24T11:28:01.273" v="127"/>
-          <ac:spMkLst>
-            <pc:docMk/>
-            <pc:sldMk cId="1577499883" sldId="256"/>
-            <ac:spMk id="19" creationId="{479F0FB3-8461-462D-84A2-53106FBF4E5B}"/>
-          </ac:spMkLst>
-        </pc:spChg>
-        <pc:spChg chg="add del">
-          <ac:chgData name="marius.huke" userId="S::marius.huke.tuil@technischeunivers049.onmicrosoft.com::8275c81d-49a9-42f7-895f-732bbed766ac" providerId="AD" clId="Web-{A2DBF853-F462-4956-82BF-5226F1DE29C2}" dt="2022-11-24T11:20:45.948" v="43"/>
-          <ac:spMkLst>
-            <pc:docMk/>
-            <pc:sldMk cId="1577499883" sldId="256"/>
-            <ac:spMk id="20" creationId="{F1174801-1395-44C5-9B00-CCAC45C056E7}"/>
-          </ac:spMkLst>
-        </pc:spChg>
-        <pc:spChg chg="add del">
-          <ac:chgData name="marius.huke" userId="S::marius.huke.tuil@technischeunivers049.onmicrosoft.com::8275c81d-49a9-42f7-895f-732bbed766ac" providerId="AD" clId="Web-{A2DBF853-F462-4956-82BF-5226F1DE29C2}" dt="2022-11-24T11:20:45.948" v="43"/>
-          <ac:spMkLst>
-            <pc:docMk/>
-            <pc:sldMk cId="1577499883" sldId="256"/>
-            <ac:spMk id="22" creationId="{996DFAFB-BCE1-4BEC-82FB-D574234DEF0A}"/>
-          </ac:spMkLst>
-        </pc:spChg>
-        <pc:spChg chg="add del">
-          <ac:chgData name="marius.huke" userId="S::marius.huke.tuil@technischeunivers049.onmicrosoft.com::8275c81d-49a9-42f7-895f-732bbed766ac" providerId="AD" clId="Web-{A2DBF853-F462-4956-82BF-5226F1DE29C2}" dt="2022-11-24T11:28:01.273" v="127"/>
-          <ac:spMkLst>
-            <pc:docMk/>
-            <pc:sldMk cId="1577499883" sldId="256"/>
-            <ac:spMk id="26" creationId="{11E3C311-4E8A-45D9-97BF-07F5FD346974}"/>
-          </ac:spMkLst>
-        </pc:spChg>
-        <pc:spChg chg="add">
-          <ac:chgData name="marius.huke" userId="S::marius.huke.tuil@technischeunivers049.onmicrosoft.com::8275c81d-49a9-42f7-895f-732bbed766ac" providerId="AD" clId="Web-{A2DBF853-F462-4956-82BF-5226F1DE29C2}" dt="2022-11-24T11:28:01.273" v="127"/>
-          <ac:spMkLst>
-            <pc:docMk/>
-            <pc:sldMk cId="1577499883" sldId="256"/>
-            <ac:spMk id="31" creationId="{0DBF1ABE-8590-450D-BB49-BDDCCF3EEA9E}"/>
-          </ac:spMkLst>
-        </pc:spChg>
-        <pc:spChg chg="add del">
-          <ac:chgData name="marius.huke" userId="S::marius.huke.tuil@technischeunivers049.onmicrosoft.com::8275c81d-49a9-42f7-895f-732bbed766ac" providerId="AD" clId="Web-{A2DBF853-F462-4956-82BF-5226F1DE29C2}" dt="2022-11-24T11:20:42.151" v="41"/>
-          <ac:spMkLst>
-            <pc:docMk/>
-            <pc:sldMk cId="1577499883" sldId="256"/>
-            <ac:spMk id="53" creationId="{A5D0B0D3-D735-4619-AA45-B57B791E1744}"/>
-          </ac:spMkLst>
-        </pc:spChg>
-        <pc:spChg chg="add del">
-          <ac:chgData name="marius.huke" userId="S::marius.huke.tuil@technischeunivers049.onmicrosoft.com::8275c81d-49a9-42f7-895f-732bbed766ac" providerId="AD" clId="Web-{A2DBF853-F462-4956-82BF-5226F1DE29C2}" dt="2022-11-24T11:20:42.151" v="41"/>
-          <ac:spMkLst>
-            <pc:docMk/>
-            <pc:sldMk cId="1577499883" sldId="256"/>
-            <ac:spMk id="55" creationId="{8972B65B-8AFA-4B5C-BFC6-E443F37775FF}"/>
-          </ac:spMkLst>
-        </pc:spChg>
-        <pc:spChg chg="add del">
-          <ac:chgData name="marius.huke" userId="S::marius.huke.tuil@technischeunivers049.onmicrosoft.com::8275c81d-49a9-42f7-895f-732bbed766ac" providerId="AD" clId="Web-{A2DBF853-F462-4956-82BF-5226F1DE29C2}" dt="2022-11-24T11:20:42.151" v="41"/>
-          <ac:spMkLst>
-            <pc:docMk/>
-            <pc:sldMk cId="1577499883" sldId="256"/>
-            <ac:spMk id="65" creationId="{286E5E1D-FD49-448F-83C8-E06466BE54BB}"/>
-          </ac:spMkLst>
-        </pc:spChg>
-        <pc:grpChg chg="add del">
-          <ac:chgData name="marius.huke" userId="S::marius.huke.tuil@technischeunivers049.onmicrosoft.com::8275c81d-49a9-42f7-895f-732bbed766ac" providerId="AD" clId="Web-{A2DBF853-F462-4956-82BF-5226F1DE29C2}" dt="2022-11-24T11:20:45.948" v="43"/>
-          <ac:grpSpMkLst>
-            <pc:docMk/>
-            <pc:sldMk cId="1577499883" sldId="256"/>
-            <ac:grpSpMk id="24" creationId="{33609D13-CB83-4F4B-BB01-27F01BE4E911}"/>
-          </ac:grpSpMkLst>
-        </pc:grpChg>
-        <pc:grpChg chg="add">
-          <ac:chgData name="marius.huke" userId="S::marius.huke.tuil@technischeunivers049.onmicrosoft.com::8275c81d-49a9-42f7-895f-732bbed766ac" providerId="AD" clId="Web-{A2DBF853-F462-4956-82BF-5226F1DE29C2}" dt="2022-11-24T11:28:01.273" v="127"/>
-          <ac:grpSpMkLst>
-            <pc:docMk/>
-            <pc:sldMk cId="1577499883" sldId="256"/>
-            <ac:grpSpMk id="33" creationId="{54E5F18F-9D70-4BE5-8A38-603463EE84A2}"/>
-          </ac:grpSpMkLst>
-        </pc:grpChg>
-        <pc:grpChg chg="add del">
-          <ac:chgData name="marius.huke" userId="S::marius.huke.tuil@technischeunivers049.onmicrosoft.com::8275c81d-49a9-42f7-895f-732bbed766ac" providerId="AD" clId="Web-{A2DBF853-F462-4956-82BF-5226F1DE29C2}" dt="2022-11-24T11:20:45.948" v="43"/>
-          <ac:grpSpMkLst>
-            <pc:docMk/>
-            <pc:sldMk cId="1577499883" sldId="256"/>
-            <ac:grpSpMk id="36" creationId="{FF47B612-7B2E-4A09-9B53-40BDE4350E2C}"/>
-          </ac:grpSpMkLst>
-        </pc:grpChg>
-        <pc:grpChg chg="add del">
-          <ac:chgData name="marius.huke" userId="S::marius.huke.tuil@technischeunivers049.onmicrosoft.com::8275c81d-49a9-42f7-895f-732bbed766ac" providerId="AD" clId="Web-{A2DBF853-F462-4956-82BF-5226F1DE29C2}" dt="2022-11-24T11:20:45.948" v="43"/>
-          <ac:grpSpMkLst>
-            <pc:docMk/>
-            <pc:sldMk cId="1577499883" sldId="256"/>
-            <ac:grpSpMk id="46" creationId="{3BC5998F-E162-4A33-9E87-01942908A7AF}"/>
-          </ac:grpSpMkLst>
-        </pc:grpChg>
-        <pc:grpChg chg="add del">
-          <ac:chgData name="marius.huke" userId="S::marius.huke.tuil@technischeunivers049.onmicrosoft.com::8275c81d-49a9-42f7-895f-732bbed766ac" providerId="AD" clId="Web-{A2DBF853-F462-4956-82BF-5226F1DE29C2}" dt="2022-11-24T11:20:42.151" v="41"/>
-          <ac:grpSpMkLst>
-            <pc:docMk/>
-            <pc:sldMk cId="1577499883" sldId="256"/>
-            <ac:grpSpMk id="57" creationId="{8B32F32D-2578-47BA-A8C8-B9CC3F8A0958}"/>
-          </ac:grpSpMkLst>
-        </pc:grpChg>
-        <pc:grpChg chg="add del">
-          <ac:chgData name="marius.huke" userId="S::marius.huke.tuil@technischeunivers049.onmicrosoft.com::8275c81d-49a9-42f7-895f-732bbed766ac" providerId="AD" clId="Web-{A2DBF853-F462-4956-82BF-5226F1DE29C2}" dt="2022-11-24T11:20:42.151" v="41"/>
-          <ac:grpSpMkLst>
-            <pc:docMk/>
-            <pc:sldMk cId="1577499883" sldId="256"/>
-            <ac:grpSpMk id="67" creationId="{D82E7BA0-A7BA-4C61-9D6F-5345A540569F}"/>
-          </ac:grpSpMkLst>
-        </pc:grpChg>
-        <pc:picChg chg="add del">
-          <ac:chgData name="marius.huke" userId="S::marius.huke.tuil@technischeunivers049.onmicrosoft.com::8275c81d-49a9-42f7-895f-732bbed766ac" providerId="AD" clId="Web-{A2DBF853-F462-4956-82BF-5226F1DE29C2}" dt="2022-11-24T11:19:29.555" v="35"/>
-          <ac:picMkLst>
-            <pc:docMk/>
-            <pc:sldMk cId="1577499883" sldId="256"/>
-            <ac:picMk id="4" creationId="{4E7BD68C-E4D8-B81B-182A-64AEAC0EA200}"/>
-          </ac:picMkLst>
-        </pc:picChg>
-        <pc:picChg chg="add del mod modCrop">
-          <ac:chgData name="marius.huke" userId="S::marius.huke.tuil@technischeunivers049.onmicrosoft.com::8275c81d-49a9-42f7-895f-732bbed766ac" providerId="AD" clId="Web-{A2DBF853-F462-4956-82BF-5226F1DE29C2}" dt="2022-11-24T11:27:54.633" v="126"/>
-          <ac:picMkLst>
-            <pc:docMk/>
-            <pc:sldMk cId="1577499883" sldId="256"/>
-            <ac:picMk id="5" creationId="{CF29D9CA-B2ED-CFF6-556B-8BD809EE8496}"/>
-          </ac:picMkLst>
-        </pc:picChg>
-      </pc:sldChg>
-      <pc:sldChg chg="addSp modSp add replId">
-        <pc:chgData name="marius.huke" userId="S::marius.huke.tuil@technischeunivers049.onmicrosoft.com::8275c81d-49a9-42f7-895f-732bbed766ac" providerId="AD" clId="Web-{A2DBF853-F462-4956-82BF-5226F1DE29C2}" dt="2022-11-24T11:36:22.992" v="292" actId="1076"/>
-        <pc:sldMkLst>
-          <pc:docMk/>
-          <pc:sldMk cId="1521976352" sldId="257"/>
-        </pc:sldMkLst>
-        <pc:spChg chg="mod">
-          <ac:chgData name="marius.huke" userId="S::marius.huke.tuil@technischeunivers049.onmicrosoft.com::8275c81d-49a9-42f7-895f-732bbed766ac" providerId="AD" clId="Web-{A2DBF853-F462-4956-82BF-5226F1DE29C2}" dt="2022-11-24T11:35:23.537" v="281" actId="1076"/>
-          <ac:spMkLst>
-            <pc:docMk/>
-            <pc:sldMk cId="1521976352" sldId="257"/>
-            <ac:spMk id="2" creationId="{00000000-0000-0000-0000-000000000000}"/>
-          </ac:spMkLst>
-        </pc:spChg>
-        <pc:spChg chg="mod">
-          <ac:chgData name="marius.huke" userId="S::marius.huke.tuil@technischeunivers049.onmicrosoft.com::8275c81d-49a9-42f7-895f-732bbed766ac" providerId="AD" clId="Web-{A2DBF853-F462-4956-82BF-5226F1DE29C2}" dt="2022-11-24T11:35:18.521" v="280" actId="1076"/>
-          <ac:spMkLst>
-            <pc:docMk/>
-            <pc:sldMk cId="1521976352" sldId="257"/>
-            <ac:spMk id="3" creationId="{00000000-0000-0000-0000-000000000000}"/>
-          </ac:spMkLst>
-        </pc:spChg>
-        <pc:spChg chg="add mod">
-          <ac:chgData name="marius.huke" userId="S::marius.huke.tuil@technischeunivers049.onmicrosoft.com::8275c81d-49a9-42f7-895f-732bbed766ac" providerId="AD" clId="Web-{A2DBF853-F462-4956-82BF-5226F1DE29C2}" dt="2022-11-24T11:35:36.256" v="282" actId="1076"/>
-          <ac:spMkLst>
-            <pc:docMk/>
-            <pc:sldMk cId="1521976352" sldId="257"/>
-            <ac:spMk id="4" creationId="{296A58A0-7CC4-3F2B-1AE6-636D7A0BE4B4}"/>
-          </ac:spMkLst>
-        </pc:spChg>
-        <pc:spChg chg="add mod">
-          <ac:chgData name="marius.huke" userId="S::marius.huke.tuil@technischeunivers049.onmicrosoft.com::8275c81d-49a9-42f7-895f-732bbed766ac" providerId="AD" clId="Web-{A2DBF853-F462-4956-82BF-5226F1DE29C2}" dt="2022-11-24T11:36:22.992" v="292" actId="1076"/>
-          <ac:spMkLst>
-            <pc:docMk/>
-            <pc:sldMk cId="1521976352" sldId="257"/>
-            <ac:spMk id="7" creationId="{95EF63A6-9BB9-70AA-2B4A-544C0DF8D62F}"/>
-          </ac:spMkLst>
-        </pc:spChg>
-      </pc:sldChg>
-      <pc:sldChg chg="addSp delSp modSp add replId">
-        <pc:chgData name="marius.huke" userId="S::marius.huke.tuil@technischeunivers049.onmicrosoft.com::8275c81d-49a9-42f7-895f-732bbed766ac" providerId="AD" clId="Web-{A2DBF853-F462-4956-82BF-5226F1DE29C2}" dt="2022-11-24T11:40:25.108" v="334" actId="20577"/>
-        <pc:sldMkLst>
-          <pc:docMk/>
-          <pc:sldMk cId="2340538303" sldId="258"/>
-        </pc:sldMkLst>
-        <pc:spChg chg="mod">
-          <ac:chgData name="marius.huke" userId="S::marius.huke.tuil@technischeunivers049.onmicrosoft.com::8275c81d-49a9-42f7-895f-732bbed766ac" providerId="AD" clId="Web-{A2DBF853-F462-4956-82BF-5226F1DE29C2}" dt="2022-11-24T11:33:11.736" v="255"/>
-          <ac:spMkLst>
-            <pc:docMk/>
-            <pc:sldMk cId="2340538303" sldId="258"/>
-            <ac:spMk id="2" creationId="{00000000-0000-0000-0000-000000000000}"/>
-          </ac:spMkLst>
-        </pc:spChg>
-        <pc:spChg chg="mod">
-          <ac:chgData name="marius.huke" userId="S::marius.huke.tuil@technischeunivers049.onmicrosoft.com::8275c81d-49a9-42f7-895f-732bbed766ac" providerId="AD" clId="Web-{A2DBF853-F462-4956-82BF-5226F1DE29C2}" dt="2022-11-24T11:40:25.108" v="334" actId="20577"/>
-          <ac:spMkLst>
-            <pc:docMk/>
-            <pc:sldMk cId="2340538303" sldId="258"/>
-            <ac:spMk id="3" creationId="{00000000-0000-0000-0000-000000000000}"/>
-          </ac:spMkLst>
-        </pc:spChg>
-        <pc:spChg chg="del mod">
-          <ac:chgData name="marius.huke" userId="S::marius.huke.tuil@technischeunivers049.onmicrosoft.com::8275c81d-49a9-42f7-895f-732bbed766ac" providerId="AD" clId="Web-{A2DBF853-F462-4956-82BF-5226F1DE29C2}" dt="2022-11-24T11:31:48.421" v="197"/>
-          <ac:spMkLst>
-            <pc:docMk/>
-            <pc:sldMk cId="2340538303" sldId="258"/>
-            <ac:spMk id="7" creationId="{989B2B27-8BCA-5703-7877-AC9604640800}"/>
-          </ac:spMkLst>
-        </pc:spChg>
-        <pc:spChg chg="del">
-          <ac:chgData name="marius.huke" userId="S::marius.huke.tuil@technischeunivers049.onmicrosoft.com::8275c81d-49a9-42f7-895f-732bbed766ac" providerId="AD" clId="Web-{A2DBF853-F462-4956-82BF-5226F1DE29C2}" dt="2022-11-24T11:33:11.736" v="255"/>
-          <ac:spMkLst>
-            <pc:docMk/>
-            <pc:sldMk cId="2340538303" sldId="258"/>
-            <ac:spMk id="31" creationId="{0DBF1ABE-8590-450D-BB49-BDDCCF3EEA9E}"/>
-          </ac:spMkLst>
-        </pc:spChg>
-        <pc:spChg chg="add">
-          <ac:chgData name="marius.huke" userId="S::marius.huke.tuil@technischeunivers049.onmicrosoft.com::8275c81d-49a9-42f7-895f-732bbed766ac" providerId="AD" clId="Web-{A2DBF853-F462-4956-82BF-5226F1DE29C2}" dt="2022-11-24T11:33:11.736" v="255"/>
-          <ac:spMkLst>
-            <pc:docMk/>
-            <pc:sldMk cId="2340538303" sldId="258"/>
-            <ac:spMk id="47" creationId="{47FC6A8B-34F9-40FB-AA2D-E34168F52850}"/>
-          </ac:spMkLst>
-        </pc:spChg>
-        <pc:grpChg chg="del">
-          <ac:chgData name="marius.huke" userId="S::marius.huke.tuil@technischeunivers049.onmicrosoft.com::8275c81d-49a9-42f7-895f-732bbed766ac" providerId="AD" clId="Web-{A2DBF853-F462-4956-82BF-5226F1DE29C2}" dt="2022-11-24T11:33:11.736" v="255"/>
-          <ac:grpSpMkLst>
-            <pc:docMk/>
-            <pc:sldMk cId="2340538303" sldId="258"/>
-            <ac:grpSpMk id="33" creationId="{54E5F18F-9D70-4BE5-8A38-603463EE84A2}"/>
-          </ac:grpSpMkLst>
-        </pc:grpChg>
-        <pc:grpChg chg="add">
-          <ac:chgData name="marius.huke" userId="S::marius.huke.tuil@technischeunivers049.onmicrosoft.com::8275c81d-49a9-42f7-895f-732bbed766ac" providerId="AD" clId="Web-{A2DBF853-F462-4956-82BF-5226F1DE29C2}" dt="2022-11-24T11:33:11.736" v="255"/>
-          <ac:grpSpMkLst>
-            <pc:docMk/>
-            <pc:sldMk cId="2340538303" sldId="258"/>
-            <ac:grpSpMk id="49" creationId="{D4D684F8-91BF-481C-A965-722756A383D0}"/>
-          </ac:grpSpMkLst>
-        </pc:grpChg>
-        <pc:cxnChg chg="add">
-          <ac:chgData name="marius.huke" userId="S::marius.huke.tuil@technischeunivers049.onmicrosoft.com::8275c81d-49a9-42f7-895f-732bbed766ac" providerId="AD" clId="Web-{A2DBF853-F462-4956-82BF-5226F1DE29C2}" dt="2022-11-24T11:33:11.736" v="255"/>
-          <ac:cxnSpMkLst>
-            <pc:docMk/>
-            <pc:sldMk cId="2340538303" sldId="258"/>
-            <ac:cxnSpMk id="45" creationId="{430127AE-B29E-4FDF-99D2-A2F1E7003F74}"/>
-          </ac:cxnSpMkLst>
-        </pc:cxnChg>
-      </pc:sldChg>
-      <pc:sldChg chg="addSp delSp modSp add mod replId modClrScheme delDesignElem chgLayout">
-        <pc:chgData name="marius.huke" userId="S::marius.huke.tuil@technischeunivers049.onmicrosoft.com::8275c81d-49a9-42f7-895f-732bbed766ac" providerId="AD" clId="Web-{A2DBF853-F462-4956-82BF-5226F1DE29C2}" dt="2022-11-24T11:45:07.679" v="353" actId="20577"/>
-        <pc:sldMkLst>
-          <pc:docMk/>
-          <pc:sldMk cId="1189878764" sldId="259"/>
-        </pc:sldMkLst>
-        <pc:spChg chg="del">
-          <ac:chgData name="marius.huke" userId="S::marius.huke.tuil@technischeunivers049.onmicrosoft.com::8275c81d-49a9-42f7-895f-732bbed766ac" providerId="AD" clId="Web-{A2DBF853-F462-4956-82BF-5226F1DE29C2}" dt="2022-11-24T11:36:48.539" v="312"/>
-          <ac:spMkLst>
-            <pc:docMk/>
-            <pc:sldMk cId="1189878764" sldId="259"/>
-            <ac:spMk id="2" creationId="{00000000-0000-0000-0000-000000000000}"/>
-          </ac:spMkLst>
-        </pc:spChg>
-        <pc:spChg chg="mod ord">
-          <ac:chgData name="marius.huke" userId="S::marius.huke.tuil@technischeunivers049.onmicrosoft.com::8275c81d-49a9-42f7-895f-732bbed766ac" providerId="AD" clId="Web-{A2DBF853-F462-4956-82BF-5226F1DE29C2}" dt="2022-11-24T11:45:07.679" v="353" actId="20577"/>
-          <ac:spMkLst>
-            <pc:docMk/>
-            <pc:sldMk cId="1189878764" sldId="259"/>
-            <ac:spMk id="3" creationId="{00000000-0000-0000-0000-000000000000}"/>
-          </ac:spMkLst>
-        </pc:spChg>
-        <pc:spChg chg="mod">
-          <ac:chgData name="marius.huke" userId="S::marius.huke.tuil@technischeunivers049.onmicrosoft.com::8275c81d-49a9-42f7-895f-732bbed766ac" providerId="AD" clId="Web-{A2DBF853-F462-4956-82BF-5226F1DE29C2}" dt="2022-11-24T11:36:37.461" v="304" actId="20577"/>
-          <ac:spMkLst>
-            <pc:docMk/>
-            <pc:sldMk cId="1189878764" sldId="259"/>
-            <ac:spMk id="4" creationId="{296A58A0-7CC4-3F2B-1AE6-636D7A0BE4B4}"/>
-          </ac:spMkLst>
-        </pc:spChg>
-        <pc:spChg chg="del mod">
-          <ac:chgData name="marius.huke" userId="S::marius.huke.tuil@technischeunivers049.onmicrosoft.com::8275c81d-49a9-42f7-895f-732bbed766ac" providerId="AD" clId="Web-{A2DBF853-F462-4956-82BF-5226F1DE29C2}" dt="2022-11-24T11:36:47.180" v="311"/>
-          <ac:spMkLst>
-            <pc:docMk/>
-            <pc:sldMk cId="1189878764" sldId="259"/>
-            <ac:spMk id="6" creationId="{110E33D9-FAB7-7EA1-CF69-E143F0586B6B}"/>
-          </ac:spMkLst>
-        </pc:spChg>
-        <pc:spChg chg="del mod">
-          <ac:chgData name="marius.huke" userId="S::marius.huke.tuil@technischeunivers049.onmicrosoft.com::8275c81d-49a9-42f7-895f-732bbed766ac" providerId="AD" clId="Web-{A2DBF853-F462-4956-82BF-5226F1DE29C2}" dt="2022-11-24T11:36:43.570" v="309"/>
-          <ac:spMkLst>
-            <pc:docMk/>
-            <pc:sldMk cId="1189878764" sldId="259"/>
-            <ac:spMk id="7" creationId="{95EF63A6-9BB9-70AA-2B4A-544C0DF8D62F}"/>
-          </ac:spMkLst>
-        </pc:spChg>
-        <pc:spChg chg="add del mod">
-          <ac:chgData name="marius.huke" userId="S::marius.huke.tuil@technischeunivers049.onmicrosoft.com::8275c81d-49a9-42f7-895f-732bbed766ac" providerId="AD" clId="Web-{A2DBF853-F462-4956-82BF-5226F1DE29C2}" dt="2022-11-24T11:36:50.274" v="313"/>
-          <ac:spMkLst>
-            <pc:docMk/>
-            <pc:sldMk cId="1189878764" sldId="259"/>
-            <ac:spMk id="9" creationId="{3A84D49D-9160-5A64-D7A2-9AD88E5F8AA7}"/>
-          </ac:spMkLst>
-        </pc:spChg>
-        <pc:spChg chg="add del mod ord">
-          <ac:chgData name="marius.huke" userId="S::marius.huke.tuil@technischeunivers049.onmicrosoft.com::8275c81d-49a9-42f7-895f-732bbed766ac" providerId="AD" clId="Web-{A2DBF853-F462-4956-82BF-5226F1DE29C2}" dt="2022-11-24T11:38:37.058" v="322"/>
-          <ac:spMkLst>
-            <pc:docMk/>
-            <pc:sldMk cId="1189878764" sldId="259"/>
-            <ac:spMk id="10" creationId="{63A887CC-11DF-689D-93FF-1082848570F8}"/>
-          </ac:spMkLst>
-        </pc:spChg>
-        <pc:spChg chg="del">
-          <ac:chgData name="marius.huke" userId="S::marius.huke.tuil@technischeunivers049.onmicrosoft.com::8275c81d-49a9-42f7-895f-732bbed766ac" providerId="AD" clId="Web-{A2DBF853-F462-4956-82BF-5226F1DE29C2}" dt="2022-11-24T11:38:24.401" v="321"/>
-          <ac:spMkLst>
-            <pc:docMk/>
-            <pc:sldMk cId="1189878764" sldId="259"/>
-            <ac:spMk id="17" creationId="{0DBF1ABE-8590-450D-BB49-BDDCCF3EEA9E}"/>
-          </ac:spMkLst>
-        </pc:spChg>
-        <pc:spChg chg="del">
-          <ac:chgData name="marius.huke" userId="S::marius.huke.tuil@technischeunivers049.onmicrosoft.com::8275c81d-49a9-42f7-895f-732bbed766ac" providerId="AD" clId="Web-{A2DBF853-F462-4956-82BF-5226F1DE29C2}" dt="2022-11-24T11:38:24.401" v="321"/>
-          <ac:spMkLst>
-            <pc:docMk/>
-            <pc:sldMk cId="1189878764" sldId="259"/>
-            <ac:spMk id="18" creationId="{C7D887A3-61AD-4674-BC53-8DFA8CF7B410}"/>
-          </ac:spMkLst>
-        </pc:spChg>
-        <pc:spChg chg="del">
-          <ac:chgData name="marius.huke" userId="S::marius.huke.tuil@technischeunivers049.onmicrosoft.com::8275c81d-49a9-42f7-895f-732bbed766ac" providerId="AD" clId="Web-{A2DBF853-F462-4956-82BF-5226F1DE29C2}" dt="2022-11-24T11:38:24.401" v="321"/>
-          <ac:spMkLst>
-            <pc:docMk/>
-            <pc:sldMk cId="1189878764" sldId="259"/>
-            <ac:spMk id="19" creationId="{479F0FB3-8461-462D-84A2-53106FBF4E5B}"/>
-          </ac:spMkLst>
-        </pc:spChg>
-        <pc:spChg chg="del">
-          <ac:chgData name="marius.huke" userId="S::marius.huke.tuil@technischeunivers049.onmicrosoft.com::8275c81d-49a9-42f7-895f-732bbed766ac" providerId="AD" clId="Web-{A2DBF853-F462-4956-82BF-5226F1DE29C2}" dt="2022-11-24T11:38:24.401" v="321"/>
-          <ac:spMkLst>
-            <pc:docMk/>
-            <pc:sldMk cId="1189878764" sldId="259"/>
-            <ac:spMk id="26" creationId="{11E3C311-4E8A-45D9-97BF-07F5FD346974}"/>
-          </ac:spMkLst>
-        </pc:spChg>
-        <pc:picChg chg="del">
-          <ac:chgData name="marius.huke" userId="S::marius.huke.tuil@technischeunivers049.onmicrosoft.com::8275c81d-49a9-42f7-895f-732bbed766ac" providerId="AD" clId="Web-{A2DBF853-F462-4956-82BF-5226F1DE29C2}" dt="2022-11-24T11:36:40.805" v="306"/>
-          <ac:picMkLst>
-            <pc:docMk/>
-            <pc:sldMk cId="1189878764" sldId="259"/>
-            <ac:picMk id="5" creationId="{CF29D9CA-B2ED-CFF6-556B-8BD809EE8496}"/>
-          </ac:picMkLst>
-        </pc:picChg>
-      </pc:sldChg>
-      <pc:sldChg chg="addSp delSp modSp add replId">
-        <pc:chgData name="marius.huke" userId="S::marius.huke.tuil@technischeunivers049.onmicrosoft.com::8275c81d-49a9-42f7-895f-732bbed766ac" providerId="AD" clId="Web-{A2DBF853-F462-4956-82BF-5226F1DE29C2}" dt="2022-11-24T11:52:51.615" v="463" actId="20577"/>
-        <pc:sldMkLst>
-          <pc:docMk/>
-          <pc:sldMk cId="3778679500" sldId="260"/>
-        </pc:sldMkLst>
-        <pc:spChg chg="del mod">
-          <ac:chgData name="marius.huke" userId="S::marius.huke.tuil@technischeunivers049.onmicrosoft.com::8275c81d-49a9-42f7-895f-732bbed766ac" providerId="AD" clId="Web-{A2DBF853-F462-4956-82BF-5226F1DE29C2}" dt="2022-11-24T11:41:19.453" v="338"/>
-          <ac:spMkLst>
-            <pc:docMk/>
-            <pc:sldMk cId="3778679500" sldId="260"/>
-            <ac:spMk id="2" creationId="{00000000-0000-0000-0000-000000000000}"/>
-          </ac:spMkLst>
-        </pc:spChg>
-        <pc:spChg chg="del">
-          <ac:chgData name="marius.huke" userId="S::marius.huke.tuil@technischeunivers049.onmicrosoft.com::8275c81d-49a9-42f7-895f-732bbed766ac" providerId="AD" clId="Web-{A2DBF853-F462-4956-82BF-5226F1DE29C2}" dt="2022-11-24T11:41:18.094" v="337"/>
-          <ac:spMkLst>
-            <pc:docMk/>
-            <pc:sldMk cId="3778679500" sldId="260"/>
-            <ac:spMk id="3" creationId="{00000000-0000-0000-0000-000000000000}"/>
-          </ac:spMkLst>
-        </pc:spChg>
-        <pc:spChg chg="mod ord">
-          <ac:chgData name="marius.huke" userId="S::marius.huke.tuil@technischeunivers049.onmicrosoft.com::8275c81d-49a9-42f7-895f-732bbed766ac" providerId="AD" clId="Web-{A2DBF853-F462-4956-82BF-5226F1DE29C2}" dt="2022-11-24T11:50:36.736" v="435" actId="1076"/>
-          <ac:spMkLst>
-            <pc:docMk/>
-            <pc:sldMk cId="3778679500" sldId="260"/>
-            <ac:spMk id="4" creationId="{296A58A0-7CC4-3F2B-1AE6-636D7A0BE4B4}"/>
-          </ac:spMkLst>
-        </pc:spChg>
-        <pc:spChg chg="del">
-          <ac:chgData name="marius.huke" userId="S::marius.huke.tuil@technischeunivers049.onmicrosoft.com::8275c81d-49a9-42f7-895f-732bbed766ac" providerId="AD" clId="Web-{A2DBF853-F462-4956-82BF-5226F1DE29C2}" dt="2022-11-24T11:41:22.563" v="340"/>
-          <ac:spMkLst>
-            <pc:docMk/>
-            <pc:sldMk cId="3778679500" sldId="260"/>
-            <ac:spMk id="6" creationId="{110E33D9-FAB7-7EA1-CF69-E143F0586B6B}"/>
-          </ac:spMkLst>
-        </pc:spChg>
-        <pc:spChg chg="del">
-          <ac:chgData name="marius.huke" userId="S::marius.huke.tuil@technischeunivers049.onmicrosoft.com::8275c81d-49a9-42f7-895f-732bbed766ac" providerId="AD" clId="Web-{A2DBF853-F462-4956-82BF-5226F1DE29C2}" dt="2022-11-24T11:41:24.235" v="342"/>
-          <ac:spMkLst>
-            <pc:docMk/>
-            <pc:sldMk cId="3778679500" sldId="260"/>
-            <ac:spMk id="7" creationId="{95EF63A6-9BB9-70AA-2B4A-544C0DF8D62F}"/>
-          </ac:spMkLst>
-        </pc:spChg>
-        <pc:spChg chg="add del mod">
-          <ac:chgData name="marius.huke" userId="S::marius.huke.tuil@technischeunivers049.onmicrosoft.com::8275c81d-49a9-42f7-895f-732bbed766ac" providerId="AD" clId="Web-{A2DBF853-F462-4956-82BF-5226F1DE29C2}" dt="2022-11-24T11:41:20.829" v="339"/>
-          <ac:spMkLst>
-            <pc:docMk/>
-            <pc:sldMk cId="3778679500" sldId="260"/>
-            <ac:spMk id="9" creationId="{6FB1EC1C-43F0-DCA8-5C20-6D857F5832E1}"/>
-          </ac:spMkLst>
-        </pc:spChg>
-        <pc:spChg chg="add mod">
-          <ac:chgData name="marius.huke" userId="S::marius.huke.tuil@technischeunivers049.onmicrosoft.com::8275c81d-49a9-42f7-895f-732bbed766ac" providerId="AD" clId="Web-{A2DBF853-F462-4956-82BF-5226F1DE29C2}" dt="2022-11-24T11:52:51.615" v="463" actId="20577"/>
-          <ac:spMkLst>
-            <pc:docMk/>
-            <pc:sldMk cId="3778679500" sldId="260"/>
-            <ac:spMk id="11" creationId="{5ACA418D-4FD5-1ED4-3B2F-DEF74FFE5AEC}"/>
-          </ac:spMkLst>
-        </pc:spChg>
-        <pc:spChg chg="add del">
-          <ac:chgData name="marius.huke" userId="S::marius.huke.tuil@technischeunivers049.onmicrosoft.com::8275c81d-49a9-42f7-895f-732bbed766ac" providerId="AD" clId="Web-{A2DBF853-F462-4956-82BF-5226F1DE29C2}" dt="2022-11-24T11:45:36.414" v="357"/>
-          <ac:spMkLst>
-            <pc:docMk/>
-            <pc:sldMk cId="3778679500" sldId="260"/>
-            <ac:spMk id="17" creationId="{0DBF1ABE-8590-450D-BB49-BDDCCF3EEA9E}"/>
-          </ac:spMkLst>
-        </pc:spChg>
-        <pc:spChg chg="add del">
-          <ac:chgData name="marius.huke" userId="S::marius.huke.tuil@technischeunivers049.onmicrosoft.com::8275c81d-49a9-42f7-895f-732bbed766ac" providerId="AD" clId="Web-{A2DBF853-F462-4956-82BF-5226F1DE29C2}" dt="2022-11-24T11:45:36.414" v="357"/>
-          <ac:spMkLst>
-            <pc:docMk/>
-            <pc:sldMk cId="3778679500" sldId="260"/>
-            <ac:spMk id="18" creationId="{C7D887A3-61AD-4674-BC53-8DFA8CF7B410}"/>
-          </ac:spMkLst>
-        </pc:spChg>
-        <pc:spChg chg="add del">
-          <ac:chgData name="marius.huke" userId="S::marius.huke.tuil@technischeunivers049.onmicrosoft.com::8275c81d-49a9-42f7-895f-732bbed766ac" providerId="AD" clId="Web-{A2DBF853-F462-4956-82BF-5226F1DE29C2}" dt="2022-11-24T11:45:36.414" v="357"/>
-          <ac:spMkLst>
-            <pc:docMk/>
-            <pc:sldMk cId="3778679500" sldId="260"/>
-            <ac:spMk id="19" creationId="{479F0FB3-8461-462D-84A2-53106FBF4E5B}"/>
-          </ac:spMkLst>
-        </pc:spChg>
-        <pc:spChg chg="add del">
-          <ac:chgData name="marius.huke" userId="S::marius.huke.tuil@technischeunivers049.onmicrosoft.com::8275c81d-49a9-42f7-895f-732bbed766ac" providerId="AD" clId="Web-{A2DBF853-F462-4956-82BF-5226F1DE29C2}" dt="2022-11-24T11:45:36.414" v="357"/>
-          <ac:spMkLst>
-            <pc:docMk/>
-            <pc:sldMk cId="3778679500" sldId="260"/>
-            <ac:spMk id="26" creationId="{11E3C311-4E8A-45D9-97BF-07F5FD346974}"/>
-          </ac:spMkLst>
-        </pc:spChg>
-        <pc:spChg chg="add del">
-          <ac:chgData name="marius.huke" userId="S::marius.huke.tuil@technischeunivers049.onmicrosoft.com::8275c81d-49a9-42f7-895f-732bbed766ac" providerId="AD" clId="Web-{A2DBF853-F462-4956-82BF-5226F1DE29C2}" dt="2022-11-24T11:45:36.399" v="356"/>
-          <ac:spMkLst>
-            <pc:docMk/>
-            <pc:sldMk cId="3778679500" sldId="260"/>
-            <ac:spMk id="31" creationId="{E217F32C-75AA-4B97-ADFB-5E2C3C7ECBCF}"/>
-          </ac:spMkLst>
-        </pc:spChg>
-        <pc:spChg chg="add del">
-          <ac:chgData name="marius.huke" userId="S::marius.huke.tuil@technischeunivers049.onmicrosoft.com::8275c81d-49a9-42f7-895f-732bbed766ac" providerId="AD" clId="Web-{A2DBF853-F462-4956-82BF-5226F1DE29C2}" dt="2022-11-24T11:45:36.399" v="356"/>
-          <ac:spMkLst>
-            <pc:docMk/>
-            <pc:sldMk cId="3778679500" sldId="260"/>
-            <ac:spMk id="33" creationId="{4D76AAEA-AF3A-4616-9F99-E9AA131A51F5}"/>
-          </ac:spMkLst>
-        </pc:spChg>
-        <pc:spChg chg="add del">
-          <ac:chgData name="marius.huke" userId="S::marius.huke.tuil@technischeunivers049.onmicrosoft.com::8275c81d-49a9-42f7-895f-732bbed766ac" providerId="AD" clId="Web-{A2DBF853-F462-4956-82BF-5226F1DE29C2}" dt="2022-11-24T11:50:28.470" v="433"/>
-          <ac:spMkLst>
-            <pc:docMk/>
-            <pc:sldMk cId="3778679500" sldId="260"/>
-            <ac:spMk id="35" creationId="{0EE80047-1219-42E8-86D3-94F51205039D}"/>
-          </ac:spMkLst>
-        </pc:spChg>
-        <pc:spChg chg="add del">
-          <ac:chgData name="marius.huke" userId="S::marius.huke.tuil@technischeunivers049.onmicrosoft.com::8275c81d-49a9-42f7-895f-732bbed766ac" providerId="AD" clId="Web-{A2DBF853-F462-4956-82BF-5226F1DE29C2}" dt="2022-11-24T11:50:28.470" v="433"/>
-          <ac:spMkLst>
-            <pc:docMk/>
-            <pc:sldMk cId="3778679500" sldId="260"/>
-            <ac:spMk id="36" creationId="{AC8EEB0F-BA72-49AC-956F-331B60FDE79E}"/>
-          </ac:spMkLst>
-        </pc:spChg>
-        <pc:spChg chg="add del">
-          <ac:chgData name="marius.huke" userId="S::marius.huke.tuil@technischeunivers049.onmicrosoft.com::8275c81d-49a9-42f7-895f-732bbed766ac" providerId="AD" clId="Web-{A2DBF853-F462-4956-82BF-5226F1DE29C2}" dt="2022-11-24T11:50:28.470" v="433"/>
-          <ac:spMkLst>
-            <pc:docMk/>
-            <pc:sldMk cId="3778679500" sldId="260"/>
-            <ac:spMk id="37" creationId="{E83B29B1-18A6-4A7A-A498-90E521667991}"/>
-          </ac:spMkLst>
-        </pc:spChg>
-        <pc:spChg chg="add del">
-          <ac:chgData name="marius.huke" userId="S::marius.huke.tuil@technischeunivers049.onmicrosoft.com::8275c81d-49a9-42f7-895f-732bbed766ac" providerId="AD" clId="Web-{A2DBF853-F462-4956-82BF-5226F1DE29C2}" dt="2022-11-24T11:50:28.470" v="433"/>
-          <ac:spMkLst>
-            <pc:docMk/>
-            <pc:sldMk cId="3778679500" sldId="260"/>
-            <ac:spMk id="38" creationId="{14543B09-440D-4F57-BCB0-A4FCC922D80E}"/>
-          </ac:spMkLst>
-        </pc:spChg>
-        <pc:spChg chg="add">
-          <ac:chgData name="marius.huke" userId="S::marius.huke.tuil@technischeunivers049.onmicrosoft.com::8275c81d-49a9-42f7-895f-732bbed766ac" providerId="AD" clId="Web-{A2DBF853-F462-4956-82BF-5226F1DE29C2}" dt="2022-11-24T11:50:28.470" v="433"/>
-          <ac:spMkLst>
-            <pc:docMk/>
-            <pc:sldMk cId="3778679500" sldId="260"/>
-            <ac:spMk id="45" creationId="{3D5FBB81-B61B-416A-8F5D-A8DDF62530F1}"/>
-          </ac:spMkLst>
-        </pc:spChg>
-        <pc:spChg chg="add">
-          <ac:chgData name="marius.huke" userId="S::marius.huke.tuil@technischeunivers049.onmicrosoft.com::8275c81d-49a9-42f7-895f-732bbed766ac" providerId="AD" clId="Web-{A2DBF853-F462-4956-82BF-5226F1DE29C2}" dt="2022-11-24T11:50:28.470" v="433"/>
-          <ac:spMkLst>
-            <pc:docMk/>
-            <pc:sldMk cId="3778679500" sldId="260"/>
-            <ac:spMk id="47" creationId="{40C0D7D4-D83D-4C58-87D1-955F0A9173D7}"/>
-          </ac:spMkLst>
-        </pc:spChg>
-        <pc:spChg chg="add">
-          <ac:chgData name="marius.huke" userId="S::marius.huke.tuil@technischeunivers049.onmicrosoft.com::8275c81d-49a9-42f7-895f-732bbed766ac" providerId="AD" clId="Web-{A2DBF853-F462-4956-82BF-5226F1DE29C2}" dt="2022-11-24T11:50:28.470" v="433"/>
-          <ac:spMkLst>
-            <pc:docMk/>
-            <pc:sldMk cId="3778679500" sldId="260"/>
-            <ac:spMk id="49" creationId="{0BA56A81-C9DD-4EBA-9E13-32FFB51CFD45}"/>
-          </ac:spMkLst>
-        </pc:spChg>
-        <pc:spChg chg="add">
-          <ac:chgData name="marius.huke" userId="S::marius.huke.tuil@technischeunivers049.onmicrosoft.com::8275c81d-49a9-42f7-895f-732bbed766ac" providerId="AD" clId="Web-{A2DBF853-F462-4956-82BF-5226F1DE29C2}" dt="2022-11-24T11:50:28.470" v="433"/>
-          <ac:spMkLst>
-            <pc:docMk/>
-            <pc:sldMk cId="3778679500" sldId="260"/>
-            <ac:spMk id="51" creationId="{15F9A324-404E-4C5D-AFF0-C5D0D84182B0}"/>
-          </ac:spMkLst>
-        </pc:spChg>
-        <pc:picChg chg="del">
-          <ac:chgData name="marius.huke" userId="S::marius.huke.tuil@technischeunivers049.onmicrosoft.com::8275c81d-49a9-42f7-895f-732bbed766ac" providerId="AD" clId="Web-{A2DBF853-F462-4956-82BF-5226F1DE29C2}" dt="2022-11-24T11:41:23.094" v="341"/>
-          <ac:picMkLst>
-            <pc:docMk/>
-            <pc:sldMk cId="3778679500" sldId="260"/>
-            <ac:picMk id="5" creationId="{CF29D9CA-B2ED-CFF6-556B-8BD809EE8496}"/>
-          </ac:picMkLst>
-        </pc:picChg>
-        <pc:picChg chg="add mod">
-          <ac:chgData name="marius.huke" userId="S::marius.huke.tuil@technischeunivers049.onmicrosoft.com::8275c81d-49a9-42f7-895f-732bbed766ac" providerId="AD" clId="Web-{A2DBF853-F462-4956-82BF-5226F1DE29C2}" dt="2022-11-24T11:50:28.470" v="433"/>
-          <ac:picMkLst>
-            <pc:docMk/>
-            <pc:sldMk cId="3778679500" sldId="260"/>
-            <ac:picMk id="10" creationId="{69807071-955F-1F11-4FAA-3924E907A044}"/>
-          </ac:picMkLst>
-        </pc:picChg>
-        <pc:cxnChg chg="add">
-          <ac:chgData name="marius.huke" userId="S::marius.huke.tuil@technischeunivers049.onmicrosoft.com::8275c81d-49a9-42f7-895f-732bbed766ac" providerId="AD" clId="Web-{A2DBF853-F462-4956-82BF-5226F1DE29C2}" dt="2022-11-24T11:50:28.470" v="433"/>
-          <ac:cxnSpMkLst>
-            <pc:docMk/>
-            <pc:sldMk cId="3778679500" sldId="260"/>
-            <ac:cxnSpMk id="43" creationId="{430127AE-B29E-4FDF-99D2-A2F1E7003F74}"/>
-          </ac:cxnSpMkLst>
-        </pc:cxnChg>
-      </pc:sldChg>
-      <pc:sldChg chg="addSp delSp modSp add replId">
-        <pc:chgData name="marius.huke" userId="S::marius.huke.tuil@technischeunivers049.onmicrosoft.com::8275c81d-49a9-42f7-895f-732bbed766ac" providerId="AD" clId="Web-{A2DBF853-F462-4956-82BF-5226F1DE29C2}" dt="2022-11-24T12:03:15.461" v="561" actId="1076"/>
-        <pc:sldMkLst>
-          <pc:docMk/>
-          <pc:sldMk cId="1497961518" sldId="261"/>
-        </pc:sldMkLst>
-        <pc:spChg chg="add mod">
-          <ac:chgData name="marius.huke" userId="S::marius.huke.tuil@technischeunivers049.onmicrosoft.com::8275c81d-49a9-42f7-895f-732bbed766ac" providerId="AD" clId="Web-{A2DBF853-F462-4956-82BF-5226F1DE29C2}" dt="2022-11-24T12:03:05.539" v="559" actId="1076"/>
-          <ac:spMkLst>
-            <pc:docMk/>
-            <pc:sldMk cId="1497961518" sldId="261"/>
-            <ac:spMk id="3" creationId="{C33B3D6E-0567-14C0-60F1-A4D7EB11EA66}"/>
-          </ac:spMkLst>
-        </pc:spChg>
-        <pc:spChg chg="del">
-          <ac:chgData name="marius.huke" userId="S::marius.huke.tuil@technischeunivers049.onmicrosoft.com::8275c81d-49a9-42f7-895f-732bbed766ac" providerId="AD" clId="Web-{A2DBF853-F462-4956-82BF-5226F1DE29C2}" dt="2022-11-24T11:54:00.257" v="466"/>
-          <ac:spMkLst>
-            <pc:docMk/>
-            <pc:sldMk cId="1497961518" sldId="261"/>
-            <ac:spMk id="4" creationId="{296A58A0-7CC4-3F2B-1AE6-636D7A0BE4B4}"/>
-          </ac:spMkLst>
-        </pc:spChg>
-        <pc:spChg chg="add del mod">
-          <ac:chgData name="marius.huke" userId="S::marius.huke.tuil@technischeunivers049.onmicrosoft.com::8275c81d-49a9-42f7-895f-732bbed766ac" providerId="AD" clId="Web-{A2DBF853-F462-4956-82BF-5226F1DE29C2}" dt="2022-11-24T11:56:21.293" v="502"/>
-          <ac:spMkLst>
-            <pc:docMk/>
-            <pc:sldMk cId="1497961518" sldId="261"/>
-            <ac:spMk id="5" creationId="{CCA32127-5C77-F9BA-7945-2F7A8182A3C8}"/>
-          </ac:spMkLst>
-        </pc:spChg>
-        <pc:spChg chg="del">
-          <ac:chgData name="marius.huke" userId="S::marius.huke.tuil@technischeunivers049.onmicrosoft.com::8275c81d-49a9-42f7-895f-732bbed766ac" providerId="AD" clId="Web-{A2DBF853-F462-4956-82BF-5226F1DE29C2}" dt="2022-11-24T11:54:02.554" v="467"/>
-          <ac:spMkLst>
-            <pc:docMk/>
-            <pc:sldMk cId="1497961518" sldId="261"/>
-            <ac:spMk id="11" creationId="{5ACA418D-4FD5-1ED4-3B2F-DEF74FFE5AEC}"/>
-          </ac:spMkLst>
-        </pc:spChg>
-        <pc:spChg chg="del">
-          <ac:chgData name="marius.huke" userId="S::marius.huke.tuil@technischeunivers049.onmicrosoft.com::8275c81d-49a9-42f7-895f-732bbed766ac" providerId="AD" clId="Web-{A2DBF853-F462-4956-82BF-5226F1DE29C2}" dt="2022-11-24T11:56:21.293" v="502"/>
-          <ac:spMkLst>
-            <pc:docMk/>
-            <pc:sldMk cId="1497961518" sldId="261"/>
-            <ac:spMk id="45" creationId="{3D5FBB81-B61B-416A-8F5D-A8DDF62530F1}"/>
-          </ac:spMkLst>
-        </pc:spChg>
-        <pc:spChg chg="del">
-          <ac:chgData name="marius.huke" userId="S::marius.huke.tuil@technischeunivers049.onmicrosoft.com::8275c81d-49a9-42f7-895f-732bbed766ac" providerId="AD" clId="Web-{A2DBF853-F462-4956-82BF-5226F1DE29C2}" dt="2022-11-24T11:56:21.293" v="502"/>
-          <ac:spMkLst>
-            <pc:docMk/>
-            <pc:sldMk cId="1497961518" sldId="261"/>
-            <ac:spMk id="47" creationId="{40C0D7D4-D83D-4C58-87D1-955F0A9173D7}"/>
-          </ac:spMkLst>
-        </pc:spChg>
-        <pc:spChg chg="del">
-          <ac:chgData name="marius.huke" userId="S::marius.huke.tuil@technischeunivers049.onmicrosoft.com::8275c81d-49a9-42f7-895f-732bbed766ac" providerId="AD" clId="Web-{A2DBF853-F462-4956-82BF-5226F1DE29C2}" dt="2022-11-24T11:56:21.293" v="502"/>
-          <ac:spMkLst>
-            <pc:docMk/>
-            <pc:sldMk cId="1497961518" sldId="261"/>
-            <ac:spMk id="49" creationId="{0BA56A81-C9DD-4EBA-9E13-32FFB51CFD45}"/>
-          </ac:spMkLst>
-        </pc:spChg>
-        <pc:spChg chg="del">
-          <ac:chgData name="marius.huke" userId="S::marius.huke.tuil@technischeunivers049.onmicrosoft.com::8275c81d-49a9-42f7-895f-732bbed766ac" providerId="AD" clId="Web-{A2DBF853-F462-4956-82BF-5226F1DE29C2}" dt="2022-11-24T11:56:21.293" v="502"/>
-          <ac:spMkLst>
-            <pc:docMk/>
-            <pc:sldMk cId="1497961518" sldId="261"/>
-            <ac:spMk id="51" creationId="{15F9A324-404E-4C5D-AFF0-C5D0D84182B0}"/>
-          </ac:spMkLst>
-        </pc:spChg>
-        <pc:spChg chg="add del">
-          <ac:chgData name="marius.huke" userId="S::marius.huke.tuil@technischeunivers049.onmicrosoft.com::8275c81d-49a9-42f7-895f-732bbed766ac" providerId="AD" clId="Web-{A2DBF853-F462-4956-82BF-5226F1DE29C2}" dt="2022-11-24T11:59:06.313" v="507"/>
-          <ac:spMkLst>
-            <pc:docMk/>
-            <pc:sldMk cId="1497961518" sldId="261"/>
-            <ac:spMk id="59" creationId="{40ACA6C3-F2FA-4894-85C1-9FA6051045C5}"/>
-          </ac:spMkLst>
-        </pc:spChg>
-        <pc:spChg chg="add del">
-          <ac:chgData name="marius.huke" userId="S::marius.huke.tuil@technischeunivers049.onmicrosoft.com::8275c81d-49a9-42f7-895f-732bbed766ac" providerId="AD" clId="Web-{A2DBF853-F462-4956-82BF-5226F1DE29C2}" dt="2022-11-24T11:59:06.313" v="507"/>
-          <ac:spMkLst>
-            <pc:docMk/>
-            <pc:sldMk cId="1497961518" sldId="261"/>
-            <ac:spMk id="61" creationId="{76922BA5-6683-4195-97C3-F3D2A0BB16BD}"/>
-          </ac:spMkLst>
-        </pc:spChg>
-        <pc:spChg chg="add del">
-          <ac:chgData name="marius.huke" userId="S::marius.huke.tuil@technischeunivers049.onmicrosoft.com::8275c81d-49a9-42f7-895f-732bbed766ac" providerId="AD" clId="Web-{A2DBF853-F462-4956-82BF-5226F1DE29C2}" dt="2022-11-24T11:59:06.313" v="507"/>
-          <ac:spMkLst>
-            <pc:docMk/>
-            <pc:sldMk cId="1497961518" sldId="261"/>
-            <ac:spMk id="63" creationId="{E59169C9-0DBE-4B66-9C16-22A64324AA6C}"/>
-          </ac:spMkLst>
-        </pc:spChg>
-        <pc:spChg chg="add del">
-          <ac:chgData name="marius.huke" userId="S::marius.huke.tuil@technischeunivers049.onmicrosoft.com::8275c81d-49a9-42f7-895f-732bbed766ac" providerId="AD" clId="Web-{A2DBF853-F462-4956-82BF-5226F1DE29C2}" dt="2022-11-24T11:59:06.313" v="507"/>
-          <ac:spMkLst>
-            <pc:docMk/>
-            <pc:sldMk cId="1497961518" sldId="261"/>
-            <ac:spMk id="65" creationId="{F0457BB4-CED7-4065-8959-D6B51491BBAB}"/>
-          </ac:spMkLst>
-        </pc:spChg>
-        <pc:spChg chg="add del">
-          <ac:chgData name="marius.huke" userId="S::marius.huke.tuil@technischeunivers049.onmicrosoft.com::8275c81d-49a9-42f7-895f-732bbed766ac" providerId="AD" clId="Web-{A2DBF853-F462-4956-82BF-5226F1DE29C2}" dt="2022-11-24T12:00:52.754" v="539"/>
-          <ac:spMkLst>
-            <pc:docMk/>
-            <pc:sldMk cId="1497961518" sldId="261"/>
-            <ac:spMk id="72" creationId="{AC14302F-E955-47D0-A56B-D1D1A6953B51}"/>
-          </ac:spMkLst>
-        </pc:spChg>
-        <pc:spChg chg="add del">
-          <ac:chgData name="marius.huke" userId="S::marius.huke.tuil@technischeunivers049.onmicrosoft.com::8275c81d-49a9-42f7-895f-732bbed766ac" providerId="AD" clId="Web-{A2DBF853-F462-4956-82BF-5226F1DE29C2}" dt="2022-11-24T12:00:52.754" v="538"/>
-          <ac:spMkLst>
-            <pc:docMk/>
-            <pc:sldMk cId="1497961518" sldId="261"/>
-            <ac:spMk id="84" creationId="{10CE40DC-5723-449B-A365-A61D8C262E93}"/>
-          </ac:spMkLst>
-        </pc:spChg>
-        <pc:spChg chg="add del">
-          <ac:chgData name="marius.huke" userId="S::marius.huke.tuil@technischeunivers049.onmicrosoft.com::8275c81d-49a9-42f7-895f-732bbed766ac" providerId="AD" clId="Web-{A2DBF853-F462-4956-82BF-5226F1DE29C2}" dt="2022-11-24T12:00:52.754" v="538"/>
-          <ac:spMkLst>
-            <pc:docMk/>
-            <pc:sldMk cId="1497961518" sldId="261"/>
-            <ac:spMk id="86" creationId="{28207E96-6DFF-4119-B2EA-3299067D2F45}"/>
-          </ac:spMkLst>
-        </pc:spChg>
-        <pc:spChg chg="add del">
-          <ac:chgData name="marius.huke" userId="S::marius.huke.tuil@technischeunivers049.onmicrosoft.com::8275c81d-49a9-42f7-895f-732bbed766ac" providerId="AD" clId="Web-{A2DBF853-F462-4956-82BF-5226F1DE29C2}" dt="2022-11-24T12:00:52.754" v="538"/>
-          <ac:spMkLst>
-            <pc:docMk/>
-            <pc:sldMk cId="1497961518" sldId="261"/>
-            <ac:spMk id="88" creationId="{9E223C86-12C5-4A60-A21A-D7FC75EFC658}"/>
-          </ac:spMkLst>
-        </pc:spChg>
-        <pc:spChg chg="add del">
-          <ac:chgData name="marius.huke" userId="S::marius.huke.tuil@technischeunivers049.onmicrosoft.com::8275c81d-49a9-42f7-895f-732bbed766ac" providerId="AD" clId="Web-{A2DBF853-F462-4956-82BF-5226F1DE29C2}" dt="2022-11-24T12:00:52.754" v="538"/>
-          <ac:spMkLst>
-            <pc:docMk/>
-            <pc:sldMk cId="1497961518" sldId="261"/>
-            <ac:spMk id="90" creationId="{FA573AF0-3C0B-4895-A7A6-F41B03211538}"/>
-          </ac:spMkLst>
-        </pc:spChg>
-        <pc:spChg chg="add del">
-          <ac:chgData name="marius.huke" userId="S::marius.huke.tuil@technischeunivers049.onmicrosoft.com::8275c81d-49a9-42f7-895f-732bbed766ac" providerId="AD" clId="Web-{A2DBF853-F462-4956-82BF-5226F1DE29C2}" dt="2022-11-24T12:00:52.754" v="538"/>
-          <ac:spMkLst>
-            <pc:docMk/>
-            <pc:sldMk cId="1497961518" sldId="261"/>
-            <ac:spMk id="92" creationId="{62442AC3-A9B0-4865-8A8A-1504FFC6E4D0}"/>
-          </ac:spMkLst>
-        </pc:spChg>
-        <pc:spChg chg="add del">
-          <ac:chgData name="marius.huke" userId="S::marius.huke.tuil@technischeunivers049.onmicrosoft.com::8275c81d-49a9-42f7-895f-732bbed766ac" providerId="AD" clId="Web-{A2DBF853-F462-4956-82BF-5226F1DE29C2}" dt="2022-11-24T12:00:52.754" v="538"/>
-          <ac:spMkLst>
-            <pc:docMk/>
-            <pc:sldMk cId="1497961518" sldId="261"/>
-            <ac:spMk id="94" creationId="{68451DCE-129E-43B6-BA50-3C8339E4618E}"/>
-          </ac:spMkLst>
-        </pc:spChg>
-        <pc:spChg chg="add">
-          <ac:chgData name="marius.huke" userId="S::marius.huke.tuil@technischeunivers049.onmicrosoft.com::8275c81d-49a9-42f7-895f-732bbed766ac" providerId="AD" clId="Web-{A2DBF853-F462-4956-82BF-5226F1DE29C2}" dt="2022-11-24T12:00:52.754" v="539"/>
-          <ac:spMkLst>
-            <pc:docMk/>
-            <pc:sldMk cId="1497961518" sldId="261"/>
-            <ac:spMk id="96" creationId="{8950AD4C-6AF3-49F8-94E1-DBCAFB39478B}"/>
-          </ac:spMkLst>
-        </pc:spChg>
-        <pc:grpChg chg="add del">
-          <ac:chgData name="marius.huke" userId="S::marius.huke.tuil@technischeunivers049.onmicrosoft.com::8275c81d-49a9-42f7-895f-732bbed766ac" providerId="AD" clId="Web-{A2DBF853-F462-4956-82BF-5226F1DE29C2}" dt="2022-11-24T12:00:52.754" v="539"/>
-          <ac:grpSpMkLst>
-            <pc:docMk/>
-            <pc:sldMk cId="1497961518" sldId="261"/>
-            <ac:grpSpMk id="74" creationId="{DC310F6C-D8CB-4984-9F9B-BA18C171928E}"/>
-          </ac:grpSpMkLst>
-        </pc:grpChg>
-        <pc:graphicFrameChg chg="add mod modGraphic">
-          <ac:chgData name="marius.huke" userId="S::marius.huke.tuil@technischeunivers049.onmicrosoft.com::8275c81d-49a9-42f7-895f-732bbed766ac" providerId="AD" clId="Web-{A2DBF853-F462-4956-82BF-5226F1DE29C2}" dt="2022-11-24T12:03:08.664" v="560" actId="1076"/>
-          <ac:graphicFrameMkLst>
-            <pc:docMk/>
-            <pc:sldMk cId="1497961518" sldId="261"/>
-            <ac:graphicFrameMk id="53" creationId="{F21EF971-6374-5EF6-0A46-301524559D0B}"/>
-          </ac:graphicFrameMkLst>
-        </pc:graphicFrameChg>
-        <pc:graphicFrameChg chg="add mod modGraphic">
-          <ac:chgData name="marius.huke" userId="S::marius.huke.tuil@technischeunivers049.onmicrosoft.com::8275c81d-49a9-42f7-895f-732bbed766ac" providerId="AD" clId="Web-{A2DBF853-F462-4956-82BF-5226F1DE29C2}" dt="2022-11-24T12:03:15.461" v="561" actId="1076"/>
-          <ac:graphicFrameMkLst>
-            <pc:docMk/>
-            <pc:sldMk cId="1497961518" sldId="261"/>
-            <ac:graphicFrameMk id="403" creationId="{E2857FDC-B4E4-E306-5A56-2A0D8E8CA067}"/>
-          </ac:graphicFrameMkLst>
-        </pc:graphicFrameChg>
-        <pc:picChg chg="del">
-          <ac:chgData name="marius.huke" userId="S::marius.huke.tuil@technischeunivers049.onmicrosoft.com::8275c81d-49a9-42f7-895f-732bbed766ac" providerId="AD" clId="Web-{A2DBF853-F462-4956-82BF-5226F1DE29C2}" dt="2022-11-24T11:53:58.179" v="465"/>
-          <ac:picMkLst>
-            <pc:docMk/>
-            <pc:sldMk cId="1497961518" sldId="261"/>
-            <ac:picMk id="10" creationId="{69807071-955F-1F11-4FAA-3924E907A044}"/>
-          </ac:picMkLst>
-        </pc:picChg>
-        <pc:picChg chg="add del mod">
-          <ac:chgData name="marius.huke" userId="S::marius.huke.tuil@technischeunivers049.onmicrosoft.com::8275c81d-49a9-42f7-895f-732bbed766ac" providerId="AD" clId="Web-{A2DBF853-F462-4956-82BF-5226F1DE29C2}" dt="2022-11-24T11:58:47" v="506"/>
-          <ac:picMkLst>
-            <pc:docMk/>
-            <pc:sldMk cId="1497961518" sldId="261"/>
-            <ac:picMk id="17" creationId="{9196D68E-97A8-54E2-0F19-BEEF75417903}"/>
-          </ac:picMkLst>
-        </pc:picChg>
-        <pc:cxnChg chg="del">
-          <ac:chgData name="marius.huke" userId="S::marius.huke.tuil@technischeunivers049.onmicrosoft.com::8275c81d-49a9-42f7-895f-732bbed766ac" providerId="AD" clId="Web-{A2DBF853-F462-4956-82BF-5226F1DE29C2}" dt="2022-11-24T11:56:21.293" v="502"/>
-          <ac:cxnSpMkLst>
-            <pc:docMk/>
-            <pc:sldMk cId="1497961518" sldId="261"/>
-            <ac:cxnSpMk id="43" creationId="{430127AE-B29E-4FDF-99D2-A2F1E7003F74}"/>
-          </ac:cxnSpMkLst>
-        </pc:cxnChg>
-        <pc:cxnChg chg="add del">
-          <ac:chgData name="marius.huke" userId="S::marius.huke.tuil@technischeunivers049.onmicrosoft.com::8275c81d-49a9-42f7-895f-732bbed766ac" providerId="AD" clId="Web-{A2DBF853-F462-4956-82BF-5226F1DE29C2}" dt="2022-11-24T11:59:06.313" v="507"/>
-          <ac:cxnSpMkLst>
-            <pc:docMk/>
-            <pc:sldMk cId="1497961518" sldId="261"/>
-            <ac:cxnSpMk id="57" creationId="{430127AE-B29E-4FDF-99D2-A2F1E7003F74}"/>
-          </ac:cxnSpMkLst>
-        </pc:cxnChg>
-        <pc:cxnChg chg="add del">
-          <ac:chgData name="marius.huke" userId="S::marius.huke.tuil@technischeunivers049.onmicrosoft.com::8275c81d-49a9-42f7-895f-732bbed766ac" providerId="AD" clId="Web-{A2DBF853-F462-4956-82BF-5226F1DE29C2}" dt="2022-11-24T12:00:52.754" v="539"/>
-          <ac:cxnSpMkLst>
-            <pc:docMk/>
-            <pc:sldMk cId="1497961518" sldId="261"/>
-            <ac:cxnSpMk id="70" creationId="{430127AE-B29E-4FDF-99D2-A2F1E7003F74}"/>
-          </ac:cxnSpMkLst>
-        </pc:cxnChg>
-        <pc:cxnChg chg="add del">
-          <ac:chgData name="marius.huke" userId="S::marius.huke.tuil@technischeunivers049.onmicrosoft.com::8275c81d-49a9-42f7-895f-732bbed766ac" providerId="AD" clId="Web-{A2DBF853-F462-4956-82BF-5226F1DE29C2}" dt="2022-11-24T12:00:52.754" v="538"/>
-          <ac:cxnSpMkLst>
-            <pc:docMk/>
-            <pc:sldMk cId="1497961518" sldId="261"/>
-            <ac:cxnSpMk id="82" creationId="{430127AE-B29E-4FDF-99D2-A2F1E7003F74}"/>
-          </ac:cxnSpMkLst>
-        </pc:cxnChg>
-      </pc:sldChg>
-      <pc:sldMasterChg chg="del delSldLayout">
-        <pc:chgData name="marius.huke" userId="S::marius.huke.tuil@technischeunivers049.onmicrosoft.com::8275c81d-49a9-42f7-895f-732bbed766ac" providerId="AD" clId="Web-{A2DBF853-F462-4956-82BF-5226F1DE29C2}" dt="2022-11-24T11:05:14.373" v="0"/>
-        <pc:sldMasterMkLst>
-          <pc:docMk/>
-          <pc:sldMasterMk cId="594725491" sldId="2147483648"/>
-        </pc:sldMasterMkLst>
-        <pc:sldLayoutChg chg="del">
-          <pc:chgData name="marius.huke" userId="S::marius.huke.tuil@technischeunivers049.onmicrosoft.com::8275c81d-49a9-42f7-895f-732bbed766ac" providerId="AD" clId="Web-{A2DBF853-F462-4956-82BF-5226F1DE29C2}" dt="2022-11-24T11:05:14.373" v="0"/>
-          <pc:sldLayoutMkLst>
-            <pc:docMk/>
-            <pc:sldMasterMk cId="594725491" sldId="2147483648"/>
-            <pc:sldLayoutMk cId="4043166929" sldId="2147483649"/>
-          </pc:sldLayoutMkLst>
-        </pc:sldLayoutChg>
-        <pc:sldLayoutChg chg="del">
-          <pc:chgData name="marius.huke" userId="S::marius.huke.tuil@technischeunivers049.onmicrosoft.com::8275c81d-49a9-42f7-895f-732bbed766ac" providerId="AD" clId="Web-{A2DBF853-F462-4956-82BF-5226F1DE29C2}" dt="2022-11-24T11:05:14.373" v="0"/>
-          <pc:sldLayoutMkLst>
-            <pc:docMk/>
-            <pc:sldMasterMk cId="594725491" sldId="2147483648"/>
-            <pc:sldLayoutMk cId="3433200589" sldId="2147483650"/>
-          </pc:sldLayoutMkLst>
-        </pc:sldLayoutChg>
-        <pc:sldLayoutChg chg="del">
-          <pc:chgData name="marius.huke" userId="S::marius.huke.tuil@technischeunivers049.onmicrosoft.com::8275c81d-49a9-42f7-895f-732bbed766ac" providerId="AD" clId="Web-{A2DBF853-F462-4956-82BF-5226F1DE29C2}" dt="2022-11-24T11:05:14.373" v="0"/>
-          <pc:sldLayoutMkLst>
-            <pc:docMk/>
-            <pc:sldMasterMk cId="594725491" sldId="2147483648"/>
-            <pc:sldLayoutMk cId="2835585648" sldId="2147483651"/>
-          </pc:sldLayoutMkLst>
-        </pc:sldLayoutChg>
-        <pc:sldLayoutChg chg="del">
-          <pc:chgData name="marius.huke" userId="S::marius.huke.tuil@technischeunivers049.onmicrosoft.com::8275c81d-49a9-42f7-895f-732bbed766ac" providerId="AD" clId="Web-{A2DBF853-F462-4956-82BF-5226F1DE29C2}" dt="2022-11-24T11:05:14.373" v="0"/>
-          <pc:sldLayoutMkLst>
-            <pc:docMk/>
-            <pc:sldMasterMk cId="594725491" sldId="2147483648"/>
-            <pc:sldLayoutMk cId="742901757" sldId="2147483652"/>
-          </pc:sldLayoutMkLst>
-        </pc:sldLayoutChg>
-        <pc:sldLayoutChg chg="del">
-          <pc:chgData name="marius.huke" userId="S::marius.huke.tuil@technischeunivers049.onmicrosoft.com::8275c81d-49a9-42f7-895f-732bbed766ac" providerId="AD" clId="Web-{A2DBF853-F462-4956-82BF-5226F1DE29C2}" dt="2022-11-24T11:05:14.373" v="0"/>
-          <pc:sldLayoutMkLst>
-            <pc:docMk/>
-            <pc:sldMasterMk cId="594725491" sldId="2147483648"/>
-            <pc:sldLayoutMk cId="2024084034" sldId="2147483653"/>
-          </pc:sldLayoutMkLst>
-        </pc:sldLayoutChg>
-        <pc:sldLayoutChg chg="del">
-          <pc:chgData name="marius.huke" userId="S::marius.huke.tuil@technischeunivers049.onmicrosoft.com::8275c81d-49a9-42f7-895f-732bbed766ac" providerId="AD" clId="Web-{A2DBF853-F462-4956-82BF-5226F1DE29C2}" dt="2022-11-24T11:05:14.373" v="0"/>
-          <pc:sldLayoutMkLst>
-            <pc:docMk/>
-            <pc:sldMasterMk cId="594725491" sldId="2147483648"/>
-            <pc:sldLayoutMk cId="2440206447" sldId="2147483654"/>
-          </pc:sldLayoutMkLst>
-        </pc:sldLayoutChg>
-        <pc:sldLayoutChg chg="del">
-          <pc:chgData name="marius.huke" userId="S::marius.huke.tuil@technischeunivers049.onmicrosoft.com::8275c81d-49a9-42f7-895f-732bbed766ac" providerId="AD" clId="Web-{A2DBF853-F462-4956-82BF-5226F1DE29C2}" dt="2022-11-24T11:05:14.373" v="0"/>
-          <pc:sldLayoutMkLst>
-            <pc:docMk/>
-            <pc:sldMasterMk cId="594725491" sldId="2147483648"/>
-            <pc:sldLayoutMk cId="3087692832" sldId="2147483655"/>
-          </pc:sldLayoutMkLst>
-        </pc:sldLayoutChg>
-        <pc:sldLayoutChg chg="del">
-          <pc:chgData name="marius.huke" userId="S::marius.huke.tuil@technischeunivers049.onmicrosoft.com::8275c81d-49a9-42f7-895f-732bbed766ac" providerId="AD" clId="Web-{A2DBF853-F462-4956-82BF-5226F1DE29C2}" dt="2022-11-24T11:05:14.373" v="0"/>
-          <pc:sldLayoutMkLst>
-            <pc:docMk/>
-            <pc:sldMasterMk cId="594725491" sldId="2147483648"/>
-            <pc:sldLayoutMk cId="3453883237" sldId="2147483656"/>
-          </pc:sldLayoutMkLst>
-        </pc:sldLayoutChg>
-        <pc:sldLayoutChg chg="del">
-          <pc:chgData name="marius.huke" userId="S::marius.huke.tuil@technischeunivers049.onmicrosoft.com::8275c81d-49a9-42f7-895f-732bbed766ac" providerId="AD" clId="Web-{A2DBF853-F462-4956-82BF-5226F1DE29C2}" dt="2022-11-24T11:05:14.373" v="0"/>
-          <pc:sldLayoutMkLst>
-            <pc:docMk/>
-            <pc:sldMasterMk cId="594725491" sldId="2147483648"/>
-            <pc:sldLayoutMk cId="2509888776" sldId="2147483657"/>
-          </pc:sldLayoutMkLst>
-        </pc:sldLayoutChg>
-        <pc:sldLayoutChg chg="del">
-          <pc:chgData name="marius.huke" userId="S::marius.huke.tuil@technischeunivers049.onmicrosoft.com::8275c81d-49a9-42f7-895f-732bbed766ac" providerId="AD" clId="Web-{A2DBF853-F462-4956-82BF-5226F1DE29C2}" dt="2022-11-24T11:05:14.373" v="0"/>
-          <pc:sldLayoutMkLst>
-            <pc:docMk/>
-            <pc:sldMasterMk cId="594725491" sldId="2147483648"/>
-            <pc:sldLayoutMk cId="1699206799" sldId="2147483658"/>
-          </pc:sldLayoutMkLst>
-        </pc:sldLayoutChg>
-        <pc:sldLayoutChg chg="del">
-          <pc:chgData name="marius.huke" userId="S::marius.huke.tuil@technischeunivers049.onmicrosoft.com::8275c81d-49a9-42f7-895f-732bbed766ac" providerId="AD" clId="Web-{A2DBF853-F462-4956-82BF-5226F1DE29C2}" dt="2022-11-24T11:05:14.373" v="0"/>
-          <pc:sldLayoutMkLst>
-            <pc:docMk/>
-            <pc:sldMasterMk cId="594725491" sldId="2147483648"/>
-            <pc:sldLayoutMk cId="2809958959" sldId="2147483659"/>
-          </pc:sldLayoutMkLst>
-        </pc:sldLayoutChg>
-      </pc:sldMasterChg>
-      <pc:sldMasterChg chg="add del addSldLayout delSldLayout">
-        <pc:chgData name="marius.huke" userId="S::marius.huke.tuil@technischeunivers049.onmicrosoft.com::8275c81d-49a9-42f7-895f-732bbed766ac" providerId="AD" clId="Web-{A2DBF853-F462-4956-82BF-5226F1DE29C2}" dt="2022-11-24T11:21:16.683" v="44"/>
-        <pc:sldMasterMkLst>
-          <pc:docMk/>
-          <pc:sldMasterMk cId="2326518616" sldId="2147483699"/>
-        </pc:sldMasterMkLst>
-        <pc:sldLayoutChg chg="add del">
-          <pc:chgData name="marius.huke" userId="S::marius.huke.tuil@technischeunivers049.onmicrosoft.com::8275c81d-49a9-42f7-895f-732bbed766ac" providerId="AD" clId="Web-{A2DBF853-F462-4956-82BF-5226F1DE29C2}" dt="2022-11-24T11:21:16.683" v="44"/>
-          <pc:sldLayoutMkLst>
-            <pc:docMk/>
-            <pc:sldMasterMk cId="2326518616" sldId="2147483699"/>
-            <pc:sldLayoutMk cId="1462966018" sldId="2147483688"/>
-          </pc:sldLayoutMkLst>
-        </pc:sldLayoutChg>
-        <pc:sldLayoutChg chg="add del">
-          <pc:chgData name="marius.huke" userId="S::marius.huke.tuil@technischeunivers049.onmicrosoft.com::8275c81d-49a9-42f7-895f-732bbed766ac" providerId="AD" clId="Web-{A2DBF853-F462-4956-82BF-5226F1DE29C2}" dt="2022-11-24T11:21:16.683" v="44"/>
-          <pc:sldLayoutMkLst>
-            <pc:docMk/>
-            <pc:sldMasterMk cId="2326518616" sldId="2147483699"/>
-            <pc:sldLayoutMk cId="1911347333" sldId="2147483689"/>
-          </pc:sldLayoutMkLst>
-        </pc:sldLayoutChg>
-        <pc:sldLayoutChg chg="add del">
-          <pc:chgData name="marius.huke" userId="S::marius.huke.tuil@technischeunivers049.onmicrosoft.com::8275c81d-49a9-42f7-895f-732bbed766ac" providerId="AD" clId="Web-{A2DBF853-F462-4956-82BF-5226F1DE29C2}" dt="2022-11-24T11:21:16.683" v="44"/>
-          <pc:sldLayoutMkLst>
-            <pc:docMk/>
-            <pc:sldMasterMk cId="2326518616" sldId="2147483699"/>
-            <pc:sldLayoutMk cId="3958705234" sldId="2147483690"/>
-          </pc:sldLayoutMkLst>
-        </pc:sldLayoutChg>
-        <pc:sldLayoutChg chg="add del">
-          <pc:chgData name="marius.huke" userId="S::marius.huke.tuil@technischeunivers049.onmicrosoft.com::8275c81d-49a9-42f7-895f-732bbed766ac" providerId="AD" clId="Web-{A2DBF853-F462-4956-82BF-5226F1DE29C2}" dt="2022-11-24T11:21:16.683" v="44"/>
-          <pc:sldLayoutMkLst>
-            <pc:docMk/>
-            <pc:sldMasterMk cId="2326518616" sldId="2147483699"/>
-            <pc:sldLayoutMk cId="3656477632" sldId="2147483691"/>
-          </pc:sldLayoutMkLst>
-        </pc:sldLayoutChg>
-        <pc:sldLayoutChg chg="add del">
-          <pc:chgData name="marius.huke" userId="S::marius.huke.tuil@technischeunivers049.onmicrosoft.com::8275c81d-49a9-42f7-895f-732bbed766ac" providerId="AD" clId="Web-{A2DBF853-F462-4956-82BF-5226F1DE29C2}" dt="2022-11-24T11:21:16.683" v="44"/>
-          <pc:sldLayoutMkLst>
-            <pc:docMk/>
-            <pc:sldMasterMk cId="2326518616" sldId="2147483699"/>
-            <pc:sldLayoutMk cId="1619939231" sldId="2147483692"/>
-          </pc:sldLayoutMkLst>
-        </pc:sldLayoutChg>
-        <pc:sldLayoutChg chg="add del">
-          <pc:chgData name="marius.huke" userId="S::marius.huke.tuil@technischeunivers049.onmicrosoft.com::8275c81d-49a9-42f7-895f-732bbed766ac" providerId="AD" clId="Web-{A2DBF853-F462-4956-82BF-5226F1DE29C2}" dt="2022-11-24T11:21:16.683" v="44"/>
-          <pc:sldLayoutMkLst>
-            <pc:docMk/>
-            <pc:sldMasterMk cId="2326518616" sldId="2147483699"/>
-            <pc:sldLayoutMk cId="4040643984" sldId="2147483693"/>
-          </pc:sldLayoutMkLst>
-        </pc:sldLayoutChg>
-        <pc:sldLayoutChg chg="add del">
-          <pc:chgData name="marius.huke" userId="S::marius.huke.tuil@technischeunivers049.onmicrosoft.com::8275c81d-49a9-42f7-895f-732bbed766ac" providerId="AD" clId="Web-{A2DBF853-F462-4956-82BF-5226F1DE29C2}" dt="2022-11-24T11:21:16.683" v="44"/>
-          <pc:sldLayoutMkLst>
-            <pc:docMk/>
-            <pc:sldMasterMk cId="2326518616" sldId="2147483699"/>
-            <pc:sldLayoutMk cId="1045802210" sldId="2147483694"/>
-          </pc:sldLayoutMkLst>
-        </pc:sldLayoutChg>
-        <pc:sldLayoutChg chg="add del">
-          <pc:chgData name="marius.huke" userId="S::marius.huke.tuil@technischeunivers049.onmicrosoft.com::8275c81d-49a9-42f7-895f-732bbed766ac" providerId="AD" clId="Web-{A2DBF853-F462-4956-82BF-5226F1DE29C2}" dt="2022-11-24T11:21:16.683" v="44"/>
-          <pc:sldLayoutMkLst>
-            <pc:docMk/>
-            <pc:sldMasterMk cId="2326518616" sldId="2147483699"/>
-            <pc:sldLayoutMk cId="1759979390" sldId="2147483695"/>
-          </pc:sldLayoutMkLst>
-        </pc:sldLayoutChg>
-        <pc:sldLayoutChg chg="add del">
-          <pc:chgData name="marius.huke" userId="S::marius.huke.tuil@technischeunivers049.onmicrosoft.com::8275c81d-49a9-42f7-895f-732bbed766ac" providerId="AD" clId="Web-{A2DBF853-F462-4956-82BF-5226F1DE29C2}" dt="2022-11-24T11:21:16.683" v="44"/>
-          <pc:sldLayoutMkLst>
-            <pc:docMk/>
-            <pc:sldMasterMk cId="2326518616" sldId="2147483699"/>
-            <pc:sldLayoutMk cId="2654384563" sldId="2147483696"/>
-          </pc:sldLayoutMkLst>
-        </pc:sldLayoutChg>
-        <pc:sldLayoutChg chg="add del">
-          <pc:chgData name="marius.huke" userId="S::marius.huke.tuil@technischeunivers049.onmicrosoft.com::8275c81d-49a9-42f7-895f-732bbed766ac" providerId="AD" clId="Web-{A2DBF853-F462-4956-82BF-5226F1DE29C2}" dt="2022-11-24T11:21:16.683" v="44"/>
-          <pc:sldLayoutMkLst>
-            <pc:docMk/>
-            <pc:sldMasterMk cId="2326518616" sldId="2147483699"/>
-            <pc:sldLayoutMk cId="2107060152" sldId="2147483697"/>
-          </pc:sldLayoutMkLst>
-        </pc:sldLayoutChg>
-        <pc:sldLayoutChg chg="add del">
-          <pc:chgData name="marius.huke" userId="S::marius.huke.tuil@technischeunivers049.onmicrosoft.com::8275c81d-49a9-42f7-895f-732bbed766ac" providerId="AD" clId="Web-{A2DBF853-F462-4956-82BF-5226F1DE29C2}" dt="2022-11-24T11:21:16.683" v="44"/>
-          <pc:sldLayoutMkLst>
-            <pc:docMk/>
-            <pc:sldMasterMk cId="2326518616" sldId="2147483699"/>
-            <pc:sldLayoutMk cId="3898751912" sldId="2147483698"/>
-          </pc:sldLayoutMkLst>
-        </pc:sldLayoutChg>
-      </pc:sldMasterChg>
-      <pc:sldMasterChg chg="add del addSldLayout delSldLayout">
-        <pc:chgData name="marius.huke" userId="S::marius.huke.tuil@technischeunivers049.onmicrosoft.com::8275c81d-49a9-42f7-895f-732bbed766ac" providerId="AD" clId="Web-{A2DBF853-F462-4956-82BF-5226F1DE29C2}" dt="2022-11-24T11:20:45.948" v="43"/>
-        <pc:sldMasterMkLst>
-          <pc:docMk/>
-          <pc:sldMasterMk cId="2047423286" sldId="2147483723"/>
-        </pc:sldMasterMkLst>
-        <pc:sldLayoutChg chg="add del">
-          <pc:chgData name="marius.huke" userId="S::marius.huke.tuil@technischeunivers049.onmicrosoft.com::8275c81d-49a9-42f7-895f-732bbed766ac" providerId="AD" clId="Web-{A2DBF853-F462-4956-82BF-5226F1DE29C2}" dt="2022-11-24T11:20:45.948" v="43"/>
-          <pc:sldLayoutMkLst>
-            <pc:docMk/>
-            <pc:sldMasterMk cId="2047423286" sldId="2147483723"/>
-            <pc:sldLayoutMk cId="3519583099" sldId="2147483712"/>
-          </pc:sldLayoutMkLst>
-        </pc:sldLayoutChg>
-        <pc:sldLayoutChg chg="add del">
-          <pc:chgData name="marius.huke" userId="S::marius.huke.tuil@technischeunivers049.onmicrosoft.com::8275c81d-49a9-42f7-895f-732bbed766ac" providerId="AD" clId="Web-{A2DBF853-F462-4956-82BF-5226F1DE29C2}" dt="2022-11-24T11:20:45.948" v="43"/>
-          <pc:sldLayoutMkLst>
-            <pc:docMk/>
-            <pc:sldMasterMk cId="2047423286" sldId="2147483723"/>
-            <pc:sldLayoutMk cId="2377661930" sldId="2147483713"/>
-          </pc:sldLayoutMkLst>
-        </pc:sldLayoutChg>
-        <pc:sldLayoutChg chg="add del">
-          <pc:chgData name="marius.huke" userId="S::marius.huke.tuil@technischeunivers049.onmicrosoft.com::8275c81d-49a9-42f7-895f-732bbed766ac" providerId="AD" clId="Web-{A2DBF853-F462-4956-82BF-5226F1DE29C2}" dt="2022-11-24T11:20:45.948" v="43"/>
-          <pc:sldLayoutMkLst>
-            <pc:docMk/>
-            <pc:sldMasterMk cId="2047423286" sldId="2147483723"/>
-            <pc:sldLayoutMk cId="1745848260" sldId="2147483714"/>
-          </pc:sldLayoutMkLst>
-        </pc:sldLayoutChg>
-        <pc:sldLayoutChg chg="add del">
-          <pc:chgData name="marius.huke" userId="S::marius.huke.tuil@technischeunivers049.onmicrosoft.com::8275c81d-49a9-42f7-895f-732bbed766ac" providerId="AD" clId="Web-{A2DBF853-F462-4956-82BF-5226F1DE29C2}" dt="2022-11-24T11:20:45.948" v="43"/>
-          <pc:sldLayoutMkLst>
-            <pc:docMk/>
-            <pc:sldMasterMk cId="2047423286" sldId="2147483723"/>
-            <pc:sldLayoutMk cId="1403181277" sldId="2147483715"/>
-          </pc:sldLayoutMkLst>
-        </pc:sldLayoutChg>
-        <pc:sldLayoutChg chg="add del">
-          <pc:chgData name="marius.huke" userId="S::marius.huke.tuil@technischeunivers049.onmicrosoft.com::8275c81d-49a9-42f7-895f-732bbed766ac" providerId="AD" clId="Web-{A2DBF853-F462-4956-82BF-5226F1DE29C2}" dt="2022-11-24T11:20:45.948" v="43"/>
-          <pc:sldLayoutMkLst>
-            <pc:docMk/>
-            <pc:sldMasterMk cId="2047423286" sldId="2147483723"/>
-            <pc:sldLayoutMk cId="1712333081" sldId="2147483716"/>
-          </pc:sldLayoutMkLst>
-        </pc:sldLayoutChg>
-        <pc:sldLayoutChg chg="add del">
-          <pc:chgData name="marius.huke" userId="S::marius.huke.tuil@technischeunivers049.onmicrosoft.com::8275c81d-49a9-42f7-895f-732bbed766ac" providerId="AD" clId="Web-{A2DBF853-F462-4956-82BF-5226F1DE29C2}" dt="2022-11-24T11:20:45.948" v="43"/>
-          <pc:sldLayoutMkLst>
-            <pc:docMk/>
-            <pc:sldMasterMk cId="2047423286" sldId="2147483723"/>
-            <pc:sldLayoutMk cId="336810298" sldId="2147483717"/>
-          </pc:sldLayoutMkLst>
-        </pc:sldLayoutChg>
-        <pc:sldLayoutChg chg="add del">
-          <pc:chgData name="marius.huke" userId="S::marius.huke.tuil@technischeunivers049.onmicrosoft.com::8275c81d-49a9-42f7-895f-732bbed766ac" providerId="AD" clId="Web-{A2DBF853-F462-4956-82BF-5226F1DE29C2}" dt="2022-11-24T11:20:45.948" v="43"/>
-          <pc:sldLayoutMkLst>
-            <pc:docMk/>
-            <pc:sldMasterMk cId="2047423286" sldId="2147483723"/>
-            <pc:sldLayoutMk cId="2913313169" sldId="2147483718"/>
-          </pc:sldLayoutMkLst>
-        </pc:sldLayoutChg>
-        <pc:sldLayoutChg chg="add del">
-          <pc:chgData name="marius.huke" userId="S::marius.huke.tuil@technischeunivers049.onmicrosoft.com::8275c81d-49a9-42f7-895f-732bbed766ac" providerId="AD" clId="Web-{A2DBF853-F462-4956-82BF-5226F1DE29C2}" dt="2022-11-24T11:20:45.948" v="43"/>
-          <pc:sldLayoutMkLst>
-            <pc:docMk/>
-            <pc:sldMasterMk cId="2047423286" sldId="2147483723"/>
-            <pc:sldLayoutMk cId="290406794" sldId="2147483719"/>
-          </pc:sldLayoutMkLst>
-        </pc:sldLayoutChg>
-        <pc:sldLayoutChg chg="add del">
-          <pc:chgData name="marius.huke" userId="S::marius.huke.tuil@technischeunivers049.onmicrosoft.com::8275c81d-49a9-42f7-895f-732bbed766ac" providerId="AD" clId="Web-{A2DBF853-F462-4956-82BF-5226F1DE29C2}" dt="2022-11-24T11:20:45.948" v="43"/>
-          <pc:sldLayoutMkLst>
-            <pc:docMk/>
-            <pc:sldMasterMk cId="2047423286" sldId="2147483723"/>
-            <pc:sldLayoutMk cId="4152013765" sldId="2147483720"/>
-          </pc:sldLayoutMkLst>
-        </pc:sldLayoutChg>
-        <pc:sldLayoutChg chg="add del">
-          <pc:chgData name="marius.huke" userId="S::marius.huke.tuil@technischeunivers049.onmicrosoft.com::8275c81d-49a9-42f7-895f-732bbed766ac" providerId="AD" clId="Web-{A2DBF853-F462-4956-82BF-5226F1DE29C2}" dt="2022-11-24T11:20:45.948" v="43"/>
-          <pc:sldLayoutMkLst>
-            <pc:docMk/>
-            <pc:sldMasterMk cId="2047423286" sldId="2147483723"/>
-            <pc:sldLayoutMk cId="569760213" sldId="2147483721"/>
-          </pc:sldLayoutMkLst>
-        </pc:sldLayoutChg>
-        <pc:sldLayoutChg chg="add del">
-          <pc:chgData name="marius.huke" userId="S::marius.huke.tuil@technischeunivers049.onmicrosoft.com::8275c81d-49a9-42f7-895f-732bbed766ac" providerId="AD" clId="Web-{A2DBF853-F462-4956-82BF-5226F1DE29C2}" dt="2022-11-24T11:20:45.948" v="43"/>
-          <pc:sldLayoutMkLst>
-            <pc:docMk/>
-            <pc:sldMasterMk cId="2047423286" sldId="2147483723"/>
-            <pc:sldLayoutMk cId="1015800323" sldId="2147483722"/>
-          </pc:sldLayoutMkLst>
-        </pc:sldLayoutChg>
-      </pc:sldMasterChg>
-      <pc:sldMasterChg chg="add addSldLayout">
-        <pc:chgData name="marius.huke" userId="S::marius.huke.tuil@technischeunivers049.onmicrosoft.com::8275c81d-49a9-42f7-895f-732bbed766ac" providerId="AD" clId="Web-{A2DBF853-F462-4956-82BF-5226F1DE29C2}" dt="2022-11-24T11:21:16.683" v="44"/>
-        <pc:sldMasterMkLst>
-          <pc:docMk/>
-          <pc:sldMasterMk cId="2539132511" sldId="2147483723"/>
-        </pc:sldMasterMkLst>
-        <pc:sldLayoutChg chg="add">
-          <pc:chgData name="marius.huke" userId="S::marius.huke.tuil@technischeunivers049.onmicrosoft.com::8275c81d-49a9-42f7-895f-732bbed766ac" providerId="AD" clId="Web-{A2DBF853-F462-4956-82BF-5226F1DE29C2}" dt="2022-11-24T11:21:16.683" v="44"/>
-          <pc:sldLayoutMkLst>
-            <pc:docMk/>
-            <pc:sldMasterMk cId="2539132511" sldId="2147483723"/>
-            <pc:sldLayoutMk cId="2616731061" sldId="2147483712"/>
-          </pc:sldLayoutMkLst>
-        </pc:sldLayoutChg>
-        <pc:sldLayoutChg chg="add">
-          <pc:chgData name="marius.huke" userId="S::marius.huke.tuil@technischeunivers049.onmicrosoft.com::8275c81d-49a9-42f7-895f-732bbed766ac" providerId="AD" clId="Web-{A2DBF853-F462-4956-82BF-5226F1DE29C2}" dt="2022-11-24T11:21:16.683" v="44"/>
-          <pc:sldLayoutMkLst>
-            <pc:docMk/>
-            <pc:sldMasterMk cId="2539132511" sldId="2147483723"/>
-            <pc:sldLayoutMk cId="609830867" sldId="2147483713"/>
-          </pc:sldLayoutMkLst>
-        </pc:sldLayoutChg>
-        <pc:sldLayoutChg chg="add">
-          <pc:chgData name="marius.huke" userId="S::marius.huke.tuil@technischeunivers049.onmicrosoft.com::8275c81d-49a9-42f7-895f-732bbed766ac" providerId="AD" clId="Web-{A2DBF853-F462-4956-82BF-5226F1DE29C2}" dt="2022-11-24T11:21:16.683" v="44"/>
-          <pc:sldLayoutMkLst>
-            <pc:docMk/>
-            <pc:sldMasterMk cId="2539132511" sldId="2147483723"/>
-            <pc:sldLayoutMk cId="2026628734" sldId="2147483714"/>
-          </pc:sldLayoutMkLst>
-        </pc:sldLayoutChg>
-        <pc:sldLayoutChg chg="add">
-          <pc:chgData name="marius.huke" userId="S::marius.huke.tuil@technischeunivers049.onmicrosoft.com::8275c81d-49a9-42f7-895f-732bbed766ac" providerId="AD" clId="Web-{A2DBF853-F462-4956-82BF-5226F1DE29C2}" dt="2022-11-24T11:21:16.683" v="44"/>
-          <pc:sldLayoutMkLst>
-            <pc:docMk/>
-            <pc:sldMasterMk cId="2539132511" sldId="2147483723"/>
-            <pc:sldLayoutMk cId="3428309890" sldId="2147483715"/>
-          </pc:sldLayoutMkLst>
-        </pc:sldLayoutChg>
-        <pc:sldLayoutChg chg="add">
-          <pc:chgData name="marius.huke" userId="S::marius.huke.tuil@technischeunivers049.onmicrosoft.com::8275c81d-49a9-42f7-895f-732bbed766ac" providerId="AD" clId="Web-{A2DBF853-F462-4956-82BF-5226F1DE29C2}" dt="2022-11-24T11:21:16.683" v="44"/>
-          <pc:sldLayoutMkLst>
-            <pc:docMk/>
-            <pc:sldMasterMk cId="2539132511" sldId="2147483723"/>
-            <pc:sldLayoutMk cId="3524805561" sldId="2147483716"/>
-          </pc:sldLayoutMkLst>
-        </pc:sldLayoutChg>
-        <pc:sldLayoutChg chg="add">
-          <pc:chgData name="marius.huke" userId="S::marius.huke.tuil@technischeunivers049.onmicrosoft.com::8275c81d-49a9-42f7-895f-732bbed766ac" providerId="AD" clId="Web-{A2DBF853-F462-4956-82BF-5226F1DE29C2}" dt="2022-11-24T11:21:16.683" v="44"/>
-          <pc:sldLayoutMkLst>
-            <pc:docMk/>
-            <pc:sldMasterMk cId="2539132511" sldId="2147483723"/>
-            <pc:sldLayoutMk cId="613979340" sldId="2147483717"/>
-          </pc:sldLayoutMkLst>
-        </pc:sldLayoutChg>
-        <pc:sldLayoutChg chg="add">
-          <pc:chgData name="marius.huke" userId="S::marius.huke.tuil@technischeunivers049.onmicrosoft.com::8275c81d-49a9-42f7-895f-732bbed766ac" providerId="AD" clId="Web-{A2DBF853-F462-4956-82BF-5226F1DE29C2}" dt="2022-11-24T11:21:16.683" v="44"/>
-          <pc:sldLayoutMkLst>
-            <pc:docMk/>
-            <pc:sldMasterMk cId="2539132511" sldId="2147483723"/>
-            <pc:sldLayoutMk cId="2457931887" sldId="2147483718"/>
-          </pc:sldLayoutMkLst>
-        </pc:sldLayoutChg>
-        <pc:sldLayoutChg chg="add">
-          <pc:chgData name="marius.huke" userId="S::marius.huke.tuil@technischeunivers049.onmicrosoft.com::8275c81d-49a9-42f7-895f-732bbed766ac" providerId="AD" clId="Web-{A2DBF853-F462-4956-82BF-5226F1DE29C2}" dt="2022-11-24T11:21:16.683" v="44"/>
-          <pc:sldLayoutMkLst>
-            <pc:docMk/>
-            <pc:sldMasterMk cId="2539132511" sldId="2147483723"/>
-            <pc:sldLayoutMk cId="3159857694" sldId="2147483719"/>
-          </pc:sldLayoutMkLst>
-        </pc:sldLayoutChg>
-        <pc:sldLayoutChg chg="add">
-          <pc:chgData name="marius.huke" userId="S::marius.huke.tuil@technischeunivers049.onmicrosoft.com::8275c81d-49a9-42f7-895f-732bbed766ac" providerId="AD" clId="Web-{A2DBF853-F462-4956-82BF-5226F1DE29C2}" dt="2022-11-24T11:21:16.683" v="44"/>
-          <pc:sldLayoutMkLst>
-            <pc:docMk/>
-            <pc:sldMasterMk cId="2539132511" sldId="2147483723"/>
-            <pc:sldLayoutMk cId="3706151669" sldId="2147483720"/>
-          </pc:sldLayoutMkLst>
-        </pc:sldLayoutChg>
-        <pc:sldLayoutChg chg="add">
-          <pc:chgData name="marius.huke" userId="S::marius.huke.tuil@technischeunivers049.onmicrosoft.com::8275c81d-49a9-42f7-895f-732bbed766ac" providerId="AD" clId="Web-{A2DBF853-F462-4956-82BF-5226F1DE29C2}" dt="2022-11-24T11:21:16.683" v="44"/>
-          <pc:sldLayoutMkLst>
-            <pc:docMk/>
-            <pc:sldMasterMk cId="2539132511" sldId="2147483723"/>
-            <pc:sldLayoutMk cId="2622994170" sldId="2147483721"/>
-          </pc:sldLayoutMkLst>
-        </pc:sldLayoutChg>
-        <pc:sldLayoutChg chg="add">
-          <pc:chgData name="marius.huke" userId="S::marius.huke.tuil@technischeunivers049.onmicrosoft.com::8275c81d-49a9-42f7-895f-732bbed766ac" providerId="AD" clId="Web-{A2DBF853-F462-4956-82BF-5226F1DE29C2}" dt="2022-11-24T11:21:16.683" v="44"/>
-          <pc:sldLayoutMkLst>
-            <pc:docMk/>
-            <pc:sldMasterMk cId="2539132511" sldId="2147483723"/>
-            <pc:sldLayoutMk cId="2263010859" sldId="2147483722"/>
-          </pc:sldLayoutMkLst>
-        </pc:sldLayoutChg>
-      </pc:sldMasterChg>
-      <pc:sldMasterChg chg="add del addSldLayout delSldLayout">
-        <pc:chgData name="marius.huke" userId="S::marius.huke.tuil@technischeunivers049.onmicrosoft.com::8275c81d-49a9-42f7-895f-732bbed766ac" providerId="AD" clId="Web-{A2DBF853-F462-4956-82BF-5226F1DE29C2}" dt="2022-11-24T11:20:42.151" v="41"/>
-        <pc:sldMasterMkLst>
-          <pc:docMk/>
-          <pc:sldMasterMk cId="79716177" sldId="2147483786"/>
-        </pc:sldMasterMkLst>
-        <pc:sldLayoutChg chg="add del">
-          <pc:chgData name="marius.huke" userId="S::marius.huke.tuil@technischeunivers049.onmicrosoft.com::8275c81d-49a9-42f7-895f-732bbed766ac" providerId="AD" clId="Web-{A2DBF853-F462-4956-82BF-5226F1DE29C2}" dt="2022-11-24T11:20:42.151" v="41"/>
-          <pc:sldLayoutMkLst>
-            <pc:docMk/>
-            <pc:sldMasterMk cId="79716177" sldId="2147483786"/>
-            <pc:sldLayoutMk cId="4067568349" sldId="2147483775"/>
-          </pc:sldLayoutMkLst>
-        </pc:sldLayoutChg>
-        <pc:sldLayoutChg chg="add del">
-          <pc:chgData name="marius.huke" userId="S::marius.huke.tuil@technischeunivers049.onmicrosoft.com::8275c81d-49a9-42f7-895f-732bbed766ac" providerId="AD" clId="Web-{A2DBF853-F462-4956-82BF-5226F1DE29C2}" dt="2022-11-24T11:20:42.151" v="41"/>
-          <pc:sldLayoutMkLst>
-            <pc:docMk/>
-            <pc:sldMasterMk cId="79716177" sldId="2147483786"/>
-            <pc:sldLayoutMk cId="1715154534" sldId="2147483776"/>
-          </pc:sldLayoutMkLst>
-        </pc:sldLayoutChg>
-        <pc:sldLayoutChg chg="add del">
-          <pc:chgData name="marius.huke" userId="S::marius.huke.tuil@technischeunivers049.onmicrosoft.com::8275c81d-49a9-42f7-895f-732bbed766ac" providerId="AD" clId="Web-{A2DBF853-F462-4956-82BF-5226F1DE29C2}" dt="2022-11-24T11:20:42.151" v="41"/>
-          <pc:sldLayoutMkLst>
-            <pc:docMk/>
-            <pc:sldMasterMk cId="79716177" sldId="2147483786"/>
-            <pc:sldLayoutMk cId="4257764037" sldId="2147483777"/>
-          </pc:sldLayoutMkLst>
-        </pc:sldLayoutChg>
-        <pc:sldLayoutChg chg="add del">
-          <pc:chgData name="marius.huke" userId="S::marius.huke.tuil@technischeunivers049.onmicrosoft.com::8275c81d-49a9-42f7-895f-732bbed766ac" providerId="AD" clId="Web-{A2DBF853-F462-4956-82BF-5226F1DE29C2}" dt="2022-11-24T11:20:42.151" v="41"/>
-          <pc:sldLayoutMkLst>
-            <pc:docMk/>
-            <pc:sldMasterMk cId="79716177" sldId="2147483786"/>
-            <pc:sldLayoutMk cId="1084321600" sldId="2147483778"/>
-          </pc:sldLayoutMkLst>
-        </pc:sldLayoutChg>
-        <pc:sldLayoutChg chg="add del">
-          <pc:chgData name="marius.huke" userId="S::marius.huke.tuil@technischeunivers049.onmicrosoft.com::8275c81d-49a9-42f7-895f-732bbed766ac" providerId="AD" clId="Web-{A2DBF853-F462-4956-82BF-5226F1DE29C2}" dt="2022-11-24T11:20:42.151" v="41"/>
-          <pc:sldLayoutMkLst>
-            <pc:docMk/>
-            <pc:sldMasterMk cId="79716177" sldId="2147483786"/>
-            <pc:sldLayoutMk cId="2020587829" sldId="2147483779"/>
-          </pc:sldLayoutMkLst>
-        </pc:sldLayoutChg>
-        <pc:sldLayoutChg chg="add del">
-          <pc:chgData name="marius.huke" userId="S::marius.huke.tuil@technischeunivers049.onmicrosoft.com::8275c81d-49a9-42f7-895f-732bbed766ac" providerId="AD" clId="Web-{A2DBF853-F462-4956-82BF-5226F1DE29C2}" dt="2022-11-24T11:20:42.151" v="41"/>
-          <pc:sldLayoutMkLst>
-            <pc:docMk/>
-            <pc:sldMasterMk cId="79716177" sldId="2147483786"/>
-            <pc:sldLayoutMk cId="1663042769" sldId="2147483780"/>
-          </pc:sldLayoutMkLst>
-        </pc:sldLayoutChg>
-        <pc:sldLayoutChg chg="add del">
-          <pc:chgData name="marius.huke" userId="S::marius.huke.tuil@technischeunivers049.onmicrosoft.com::8275c81d-49a9-42f7-895f-732bbed766ac" providerId="AD" clId="Web-{A2DBF853-F462-4956-82BF-5226F1DE29C2}" dt="2022-11-24T11:20:42.151" v="41"/>
-          <pc:sldLayoutMkLst>
-            <pc:docMk/>
-            <pc:sldMasterMk cId="79716177" sldId="2147483786"/>
-            <pc:sldLayoutMk cId="3209153706" sldId="2147483781"/>
-          </pc:sldLayoutMkLst>
-        </pc:sldLayoutChg>
-        <pc:sldLayoutChg chg="add del">
-          <pc:chgData name="marius.huke" userId="S::marius.huke.tuil@technischeunivers049.onmicrosoft.com::8275c81d-49a9-42f7-895f-732bbed766ac" providerId="AD" clId="Web-{A2DBF853-F462-4956-82BF-5226F1DE29C2}" dt="2022-11-24T11:20:42.151" v="41"/>
-          <pc:sldLayoutMkLst>
-            <pc:docMk/>
-            <pc:sldMasterMk cId="79716177" sldId="2147483786"/>
-            <pc:sldLayoutMk cId="3411248507" sldId="2147483782"/>
-          </pc:sldLayoutMkLst>
-        </pc:sldLayoutChg>
-        <pc:sldLayoutChg chg="add del">
-          <pc:chgData name="marius.huke" userId="S::marius.huke.tuil@technischeunivers049.onmicrosoft.com::8275c81d-49a9-42f7-895f-732bbed766ac" providerId="AD" clId="Web-{A2DBF853-F462-4956-82BF-5226F1DE29C2}" dt="2022-11-24T11:20:42.151" v="41"/>
-          <pc:sldLayoutMkLst>
-            <pc:docMk/>
-            <pc:sldMasterMk cId="79716177" sldId="2147483786"/>
-            <pc:sldLayoutMk cId="894931266" sldId="2147483783"/>
-          </pc:sldLayoutMkLst>
-        </pc:sldLayoutChg>
-        <pc:sldLayoutChg chg="add del">
-          <pc:chgData name="marius.huke" userId="S::marius.huke.tuil@technischeunivers049.onmicrosoft.com::8275c81d-49a9-42f7-895f-732bbed766ac" providerId="AD" clId="Web-{A2DBF853-F462-4956-82BF-5226F1DE29C2}" dt="2022-11-24T11:20:42.151" v="41"/>
-          <pc:sldLayoutMkLst>
-            <pc:docMk/>
-            <pc:sldMasterMk cId="79716177" sldId="2147483786"/>
-            <pc:sldLayoutMk cId="3359490980" sldId="2147483784"/>
-          </pc:sldLayoutMkLst>
-        </pc:sldLayoutChg>
-        <pc:sldLayoutChg chg="add del">
-          <pc:chgData name="marius.huke" userId="S::marius.huke.tuil@technischeunivers049.onmicrosoft.com::8275c81d-49a9-42f7-895f-732bbed766ac" providerId="AD" clId="Web-{A2DBF853-F462-4956-82BF-5226F1DE29C2}" dt="2022-11-24T11:20:42.151" v="41"/>
-          <pc:sldLayoutMkLst>
-            <pc:docMk/>
-            <pc:sldMasterMk cId="79716177" sldId="2147483786"/>
-            <pc:sldLayoutMk cId="3681546526" sldId="2147483785"/>
-          </pc:sldLayoutMkLst>
-        </pc:sldLayoutChg>
-      </pc:sldMasterChg>
-    </pc:docChg>
-  </pc:docChgLst>
-</pc:chgInfo>
 </file>
 
 <file path=ppt/diagrams/colors1.xml><?xml version="1.0" encoding="utf-8"?>
@@ -3147,6 +1797,788 @@
   <dgm:styleLbl name="fgShp">
     <dgm:fillClrLst meth="repeat">
       <a:schemeClr val="accent4">
+        <a:tint val="40000"/>
+      </a:schemeClr>
+    </dgm:fillClrLst>
+    <dgm:linClrLst meth="repeat">
+      <a:schemeClr val="lt1"/>
+    </dgm:linClrLst>
+    <dgm:effectClrLst/>
+    <dgm:txLinClrLst/>
+    <dgm:txFillClrLst meth="repeat">
+      <a:schemeClr val="dk1"/>
+    </dgm:txFillClrLst>
+    <dgm:txEffectClrLst/>
+  </dgm:styleLbl>
+  <dgm:styleLbl name="revTx">
+    <dgm:fillClrLst meth="repeat">
+      <a:schemeClr val="lt1">
+        <a:alpha val="0"/>
+      </a:schemeClr>
+    </dgm:fillClrLst>
+    <dgm:linClrLst meth="repeat">
+      <a:schemeClr val="dk1">
+        <a:alpha val="0"/>
+      </a:schemeClr>
+    </dgm:linClrLst>
+    <dgm:effectClrLst/>
+    <dgm:txLinClrLst/>
+    <dgm:txFillClrLst meth="repeat">
+      <a:schemeClr val="tx1"/>
+    </dgm:txFillClrLst>
+    <dgm:txEffectClrLst/>
+  </dgm:styleLbl>
+</dgm:colorsDef>
+</file>
+
+<file path=ppt/diagrams/colors3.xml><?xml version="1.0" encoding="utf-8"?>
+<dgm:colorsDef xmlns:dgm="http://schemas.openxmlformats.org/drawingml/2006/diagram" xmlns:a="http://schemas.openxmlformats.org/drawingml/2006/main" uniqueId="urn:microsoft.com/office/officeart/2005/8/colors/colorful5">
+  <dgm:title val=""/>
+  <dgm:desc val=""/>
+  <dgm:catLst>
+    <dgm:cat type="colorful" pri="10500"/>
+  </dgm:catLst>
+  <dgm:styleLbl name="node0">
+    <dgm:fillClrLst meth="repeat">
+      <a:schemeClr val="accent4"/>
+    </dgm:fillClrLst>
+    <dgm:linClrLst meth="repeat">
+      <a:schemeClr val="lt1"/>
+    </dgm:linClrLst>
+    <dgm:effectClrLst/>
+    <dgm:txLinClrLst/>
+    <dgm:txFillClrLst/>
+    <dgm:txEffectClrLst/>
+  </dgm:styleLbl>
+  <dgm:styleLbl name="node1">
+    <dgm:fillClrLst>
+      <a:schemeClr val="accent5"/>
+      <a:schemeClr val="accent6"/>
+    </dgm:fillClrLst>
+    <dgm:linClrLst meth="repeat">
+      <a:schemeClr val="lt1"/>
+    </dgm:linClrLst>
+    <dgm:effectClrLst/>
+    <dgm:txLinClrLst/>
+    <dgm:txFillClrLst/>
+    <dgm:txEffectClrLst/>
+  </dgm:styleLbl>
+  <dgm:styleLbl name="alignNode1">
+    <dgm:fillClrLst>
+      <a:schemeClr val="accent5"/>
+      <a:schemeClr val="accent6"/>
+    </dgm:fillClrLst>
+    <dgm:linClrLst>
+      <a:schemeClr val="accent5"/>
+      <a:schemeClr val="accent6"/>
+    </dgm:linClrLst>
+    <dgm:effectClrLst/>
+    <dgm:txLinClrLst/>
+    <dgm:txFillClrLst/>
+    <dgm:txEffectClrLst/>
+  </dgm:styleLbl>
+  <dgm:styleLbl name="lnNode1">
+    <dgm:fillClrLst>
+      <a:schemeClr val="accent5"/>
+      <a:schemeClr val="accent6"/>
+    </dgm:fillClrLst>
+    <dgm:linClrLst meth="repeat">
+      <a:schemeClr val="lt1"/>
+    </dgm:linClrLst>
+    <dgm:effectClrLst/>
+    <dgm:txLinClrLst/>
+    <dgm:txFillClrLst/>
+    <dgm:txEffectClrLst/>
+  </dgm:styleLbl>
+  <dgm:styleLbl name="vennNode1">
+    <dgm:fillClrLst>
+      <a:schemeClr val="accent5">
+        <a:alpha val="50000"/>
+      </a:schemeClr>
+      <a:schemeClr val="accent6">
+        <a:alpha val="50000"/>
+      </a:schemeClr>
+    </dgm:fillClrLst>
+    <dgm:linClrLst meth="repeat">
+      <a:schemeClr val="lt1"/>
+    </dgm:linClrLst>
+    <dgm:effectClrLst/>
+    <dgm:txLinClrLst/>
+    <dgm:txFillClrLst/>
+    <dgm:txEffectClrLst/>
+  </dgm:styleLbl>
+  <dgm:styleLbl name="node2">
+    <dgm:fillClrLst>
+      <a:schemeClr val="accent6"/>
+    </dgm:fillClrLst>
+    <dgm:linClrLst meth="repeat">
+      <a:schemeClr val="lt1"/>
+    </dgm:linClrLst>
+    <dgm:effectClrLst/>
+    <dgm:txLinClrLst/>
+    <dgm:txFillClrLst/>
+    <dgm:txEffectClrLst/>
+  </dgm:styleLbl>
+  <dgm:styleLbl name="node3">
+    <dgm:fillClrLst>
+      <a:schemeClr val="accent1"/>
+    </dgm:fillClrLst>
+    <dgm:linClrLst meth="repeat">
+      <a:schemeClr val="lt1"/>
+    </dgm:linClrLst>
+    <dgm:effectClrLst/>
+    <dgm:txLinClrLst/>
+    <dgm:txFillClrLst/>
+    <dgm:txEffectClrLst/>
+  </dgm:styleLbl>
+  <dgm:styleLbl name="node4">
+    <dgm:fillClrLst>
+      <a:schemeClr val="accent2"/>
+    </dgm:fillClrLst>
+    <dgm:linClrLst meth="repeat">
+      <a:schemeClr val="lt1"/>
+    </dgm:linClrLst>
+    <dgm:effectClrLst/>
+    <dgm:txLinClrLst/>
+    <dgm:txFillClrLst/>
+    <dgm:txEffectClrLst/>
+  </dgm:styleLbl>
+  <dgm:styleLbl name="fgImgPlace1">
+    <dgm:fillClrLst>
+      <a:schemeClr val="accent5">
+        <a:tint val="50000"/>
+      </a:schemeClr>
+      <a:schemeClr val="accent6">
+        <a:tint val="50000"/>
+      </a:schemeClr>
+    </dgm:fillClrLst>
+    <dgm:linClrLst meth="repeat">
+      <a:schemeClr val="lt1"/>
+    </dgm:linClrLst>
+    <dgm:effectClrLst/>
+    <dgm:txLinClrLst/>
+    <dgm:txFillClrLst meth="repeat">
+      <a:schemeClr val="lt1"/>
+    </dgm:txFillClrLst>
+    <dgm:txEffectClrLst/>
+  </dgm:styleLbl>
+  <dgm:styleLbl name="alignImgPlace1">
+    <dgm:fillClrLst>
+      <a:schemeClr val="accent5">
+        <a:tint val="50000"/>
+      </a:schemeClr>
+      <a:schemeClr val="accent6">
+        <a:tint val="20000"/>
+      </a:schemeClr>
+    </dgm:fillClrLst>
+    <dgm:linClrLst meth="repeat">
+      <a:schemeClr val="lt1"/>
+    </dgm:linClrLst>
+    <dgm:effectClrLst/>
+    <dgm:txLinClrLst/>
+    <dgm:txFillClrLst meth="repeat">
+      <a:schemeClr val="lt1"/>
+    </dgm:txFillClrLst>
+    <dgm:txEffectClrLst/>
+  </dgm:styleLbl>
+  <dgm:styleLbl name="bgImgPlace1">
+    <dgm:fillClrLst>
+      <a:schemeClr val="accent5">
+        <a:tint val="50000"/>
+      </a:schemeClr>
+      <a:schemeClr val="accent6">
+        <a:tint val="20000"/>
+      </a:schemeClr>
+    </dgm:fillClrLst>
+    <dgm:linClrLst meth="repeat">
+      <a:schemeClr val="lt1"/>
+    </dgm:linClrLst>
+    <dgm:effectClrLst/>
+    <dgm:txLinClrLst/>
+    <dgm:txFillClrLst meth="repeat">
+      <a:schemeClr val="lt1"/>
+    </dgm:txFillClrLst>
+    <dgm:txEffectClrLst/>
+  </dgm:styleLbl>
+  <dgm:styleLbl name="sibTrans2D1">
+    <dgm:fillClrLst>
+      <a:schemeClr val="accent5"/>
+      <a:schemeClr val="accent6"/>
+    </dgm:fillClrLst>
+    <dgm:linClrLst meth="repeat">
+      <a:schemeClr val="lt1"/>
+    </dgm:linClrLst>
+    <dgm:effectClrLst/>
+    <dgm:txLinClrLst/>
+    <dgm:txFillClrLst/>
+    <dgm:txEffectClrLst/>
+  </dgm:styleLbl>
+  <dgm:styleLbl name="fgSibTrans2D1">
+    <dgm:fillClrLst>
+      <a:schemeClr val="accent5"/>
+      <a:schemeClr val="accent6"/>
+    </dgm:fillClrLst>
+    <dgm:linClrLst meth="repeat">
+      <a:schemeClr val="lt1"/>
+    </dgm:linClrLst>
+    <dgm:effectClrLst/>
+    <dgm:txLinClrLst/>
+    <dgm:txFillClrLst meth="repeat">
+      <a:schemeClr val="lt1"/>
+    </dgm:txFillClrLst>
+    <dgm:txEffectClrLst/>
+  </dgm:styleLbl>
+  <dgm:styleLbl name="bgSibTrans2D1">
+    <dgm:fillClrLst>
+      <a:schemeClr val="accent5"/>
+      <a:schemeClr val="accent6"/>
+    </dgm:fillClrLst>
+    <dgm:linClrLst meth="repeat">
+      <a:schemeClr val="lt1"/>
+    </dgm:linClrLst>
+    <dgm:effectClrLst/>
+    <dgm:txLinClrLst/>
+    <dgm:txFillClrLst meth="repeat">
+      <a:schemeClr val="lt1"/>
+    </dgm:txFillClrLst>
+    <dgm:txEffectClrLst/>
+  </dgm:styleLbl>
+  <dgm:styleLbl name="sibTrans1D1">
+    <dgm:fillClrLst/>
+    <dgm:linClrLst>
+      <a:schemeClr val="accent5"/>
+      <a:schemeClr val="accent6"/>
+    </dgm:linClrLst>
+    <dgm:effectClrLst/>
+    <dgm:txLinClrLst/>
+    <dgm:txFillClrLst meth="repeat">
+      <a:schemeClr val="tx1"/>
+    </dgm:txFillClrLst>
+    <dgm:txEffectClrLst/>
+  </dgm:styleLbl>
+  <dgm:styleLbl name="callout">
+    <dgm:fillClrLst meth="repeat">
+      <a:schemeClr val="accent5"/>
+    </dgm:fillClrLst>
+    <dgm:linClrLst meth="repeat">
+      <a:schemeClr val="accent5">
+        <a:tint val="50000"/>
+      </a:schemeClr>
+    </dgm:linClrLst>
+    <dgm:effectClrLst/>
+    <dgm:txLinClrLst/>
+    <dgm:txFillClrLst meth="repeat">
+      <a:schemeClr val="tx1"/>
+    </dgm:txFillClrLst>
+    <dgm:txEffectClrLst/>
+  </dgm:styleLbl>
+  <dgm:styleLbl name="asst0">
+    <dgm:fillClrLst meth="repeat">
+      <a:schemeClr val="accent5"/>
+    </dgm:fillClrLst>
+    <dgm:linClrLst meth="repeat">
+      <a:schemeClr val="lt1">
+        <a:shade val="80000"/>
+      </a:schemeClr>
+    </dgm:linClrLst>
+    <dgm:effectClrLst/>
+    <dgm:txLinClrLst/>
+    <dgm:txFillClrLst/>
+    <dgm:txEffectClrLst/>
+  </dgm:styleLbl>
+  <dgm:styleLbl name="asst1">
+    <dgm:fillClrLst meth="repeat">
+      <a:schemeClr val="accent6"/>
+    </dgm:fillClrLst>
+    <dgm:linClrLst meth="repeat">
+      <a:schemeClr val="lt1">
+        <a:shade val="80000"/>
+      </a:schemeClr>
+    </dgm:linClrLst>
+    <dgm:effectClrLst/>
+    <dgm:txLinClrLst/>
+    <dgm:txFillClrLst/>
+    <dgm:txEffectClrLst/>
+  </dgm:styleLbl>
+  <dgm:styleLbl name="asst2">
+    <dgm:fillClrLst>
+      <a:schemeClr val="accent1"/>
+    </dgm:fillClrLst>
+    <dgm:linClrLst meth="repeat">
+      <a:schemeClr val="lt1"/>
+    </dgm:linClrLst>
+    <dgm:effectClrLst/>
+    <dgm:txLinClrLst/>
+    <dgm:txFillClrLst/>
+    <dgm:txEffectClrLst/>
+  </dgm:styleLbl>
+  <dgm:styleLbl name="asst3">
+    <dgm:fillClrLst>
+      <a:schemeClr val="accent2"/>
+    </dgm:fillClrLst>
+    <dgm:linClrLst meth="repeat">
+      <a:schemeClr val="lt1"/>
+    </dgm:linClrLst>
+    <dgm:effectClrLst/>
+    <dgm:txLinClrLst/>
+    <dgm:txFillClrLst/>
+    <dgm:txEffectClrLst/>
+  </dgm:styleLbl>
+  <dgm:styleLbl name="asst4">
+    <dgm:fillClrLst>
+      <a:schemeClr val="accent3"/>
+    </dgm:fillClrLst>
+    <dgm:linClrLst meth="repeat">
+      <a:schemeClr val="lt1"/>
+    </dgm:linClrLst>
+    <dgm:effectClrLst/>
+    <dgm:txLinClrLst/>
+    <dgm:txFillClrLst/>
+    <dgm:txEffectClrLst/>
+  </dgm:styleLbl>
+  <dgm:styleLbl name="parChTrans2D1">
+    <dgm:fillClrLst meth="repeat">
+      <a:schemeClr val="accent5"/>
+    </dgm:fillClrLst>
+    <dgm:linClrLst meth="repeat">
+      <a:schemeClr val="lt1"/>
+    </dgm:linClrLst>
+    <dgm:effectClrLst/>
+    <dgm:txLinClrLst/>
+    <dgm:txFillClrLst meth="repeat">
+      <a:schemeClr val="lt1"/>
+    </dgm:txFillClrLst>
+    <dgm:txEffectClrLst/>
+  </dgm:styleLbl>
+  <dgm:styleLbl name="parChTrans2D2">
+    <dgm:fillClrLst meth="repeat">
+      <a:schemeClr val="accent6"/>
+    </dgm:fillClrLst>
+    <dgm:linClrLst meth="repeat">
+      <a:schemeClr val="lt1"/>
+    </dgm:linClrLst>
+    <dgm:effectClrLst/>
+    <dgm:txLinClrLst/>
+    <dgm:txFillClrLst/>
+    <dgm:txEffectClrLst/>
+  </dgm:styleLbl>
+  <dgm:styleLbl name="parChTrans2D3">
+    <dgm:fillClrLst meth="repeat">
+      <a:schemeClr val="accent6"/>
+    </dgm:fillClrLst>
+    <dgm:linClrLst meth="repeat">
+      <a:schemeClr val="lt1"/>
+    </dgm:linClrLst>
+    <dgm:effectClrLst/>
+    <dgm:txLinClrLst/>
+    <dgm:txFillClrLst/>
+    <dgm:txEffectClrLst/>
+  </dgm:styleLbl>
+  <dgm:styleLbl name="parChTrans2D4">
+    <dgm:fillClrLst meth="repeat">
+      <a:schemeClr val="accent1"/>
+    </dgm:fillClrLst>
+    <dgm:linClrLst meth="repeat">
+      <a:schemeClr val="lt1"/>
+    </dgm:linClrLst>
+    <dgm:effectClrLst/>
+    <dgm:txLinClrLst/>
+    <dgm:txFillClrLst meth="repeat">
+      <a:schemeClr val="lt1"/>
+    </dgm:txFillClrLst>
+    <dgm:txEffectClrLst/>
+  </dgm:styleLbl>
+  <dgm:styleLbl name="parChTrans1D1">
+    <dgm:fillClrLst meth="repeat">
+      <a:schemeClr val="accent5"/>
+    </dgm:fillClrLst>
+    <dgm:linClrLst meth="repeat">
+      <a:schemeClr val="accent5"/>
+    </dgm:linClrLst>
+    <dgm:effectClrLst/>
+    <dgm:txLinClrLst/>
+    <dgm:txFillClrLst meth="repeat">
+      <a:schemeClr val="tx1"/>
+    </dgm:txFillClrLst>
+    <dgm:txEffectClrLst/>
+  </dgm:styleLbl>
+  <dgm:styleLbl name="parChTrans1D2">
+    <dgm:fillClrLst meth="repeat">
+      <a:schemeClr val="accent6">
+        <a:tint val="90000"/>
+      </a:schemeClr>
+    </dgm:fillClrLst>
+    <dgm:linClrLst meth="repeat">
+      <a:schemeClr val="accent6"/>
+    </dgm:linClrLst>
+    <dgm:effectClrLst/>
+    <dgm:txLinClrLst/>
+    <dgm:txFillClrLst meth="repeat">
+      <a:schemeClr val="tx1"/>
+    </dgm:txFillClrLst>
+    <dgm:txEffectClrLst/>
+  </dgm:styleLbl>
+  <dgm:styleLbl name="parChTrans1D3">
+    <dgm:fillClrLst meth="repeat">
+      <a:schemeClr val="accent6">
+        <a:tint val="70000"/>
+      </a:schemeClr>
+    </dgm:fillClrLst>
+    <dgm:linClrLst meth="repeat">
+      <a:schemeClr val="accent1"/>
+    </dgm:linClrLst>
+    <dgm:effectClrLst/>
+    <dgm:txLinClrLst/>
+    <dgm:txFillClrLst meth="repeat">
+      <a:schemeClr val="tx1"/>
+    </dgm:txFillClrLst>
+    <dgm:txEffectClrLst/>
+  </dgm:styleLbl>
+  <dgm:styleLbl name="parChTrans1D4">
+    <dgm:fillClrLst meth="repeat">
+      <a:schemeClr val="accent6">
+        <a:tint val="50000"/>
+      </a:schemeClr>
+    </dgm:fillClrLst>
+    <dgm:linClrLst meth="repeat">
+      <a:schemeClr val="accent2"/>
+    </dgm:linClrLst>
+    <dgm:effectClrLst/>
+    <dgm:txLinClrLst/>
+    <dgm:txFillClrLst meth="repeat">
+      <a:schemeClr val="tx1"/>
+    </dgm:txFillClrLst>
+    <dgm:txEffectClrLst/>
+  </dgm:styleLbl>
+  <dgm:styleLbl name="fgAcc1">
+    <dgm:fillClrLst meth="repeat">
+      <a:schemeClr val="lt1">
+        <a:alpha val="90000"/>
+      </a:schemeClr>
+    </dgm:fillClrLst>
+    <dgm:linClrLst>
+      <a:schemeClr val="accent5"/>
+      <a:schemeClr val="accent6"/>
+    </dgm:linClrLst>
+    <dgm:effectClrLst/>
+    <dgm:txLinClrLst/>
+    <dgm:txFillClrLst meth="repeat">
+      <a:schemeClr val="dk1"/>
+    </dgm:txFillClrLst>
+    <dgm:txEffectClrLst/>
+  </dgm:styleLbl>
+  <dgm:styleLbl name="conFgAcc1">
+    <dgm:fillClrLst meth="repeat">
+      <a:schemeClr val="lt1">
+        <a:alpha val="90000"/>
+      </a:schemeClr>
+    </dgm:fillClrLst>
+    <dgm:linClrLst>
+      <a:schemeClr val="accent5"/>
+      <a:schemeClr val="accent6"/>
+    </dgm:linClrLst>
+    <dgm:effectClrLst/>
+    <dgm:txLinClrLst/>
+    <dgm:txFillClrLst meth="repeat">
+      <a:schemeClr val="dk1"/>
+    </dgm:txFillClrLst>
+    <dgm:txEffectClrLst/>
+  </dgm:styleLbl>
+  <dgm:styleLbl name="alignAcc1">
+    <dgm:fillClrLst meth="repeat">
+      <a:schemeClr val="lt1">
+        <a:alpha val="90000"/>
+      </a:schemeClr>
+    </dgm:fillClrLst>
+    <dgm:linClrLst>
+      <a:schemeClr val="accent5"/>
+      <a:schemeClr val="accent6"/>
+    </dgm:linClrLst>
+    <dgm:effectClrLst/>
+    <dgm:txLinClrLst/>
+    <dgm:txFillClrLst meth="repeat">
+      <a:schemeClr val="dk1"/>
+    </dgm:txFillClrLst>
+    <dgm:txEffectClrLst/>
+  </dgm:styleLbl>
+  <dgm:styleLbl name="trAlignAcc1">
+    <dgm:fillClrLst meth="repeat">
+      <a:schemeClr val="lt1">
+        <a:alpha val="40000"/>
+      </a:schemeClr>
+    </dgm:fillClrLst>
+    <dgm:linClrLst meth="repeat">
+      <a:schemeClr val="accent5"/>
+    </dgm:linClrLst>
+    <dgm:effectClrLst/>
+    <dgm:txLinClrLst/>
+    <dgm:txFillClrLst meth="repeat">
+      <a:schemeClr val="dk1"/>
+    </dgm:txFillClrLst>
+    <dgm:txEffectClrLst/>
+  </dgm:styleLbl>
+  <dgm:styleLbl name="bgAcc1">
+    <dgm:fillClrLst meth="repeat">
+      <a:schemeClr val="lt1">
+        <a:alpha val="90000"/>
+      </a:schemeClr>
+    </dgm:fillClrLst>
+    <dgm:linClrLst>
+      <a:schemeClr val="accent5"/>
+      <a:schemeClr val="accent6"/>
+    </dgm:linClrLst>
+    <dgm:effectClrLst/>
+    <dgm:txLinClrLst/>
+    <dgm:txFillClrLst meth="repeat">
+      <a:schemeClr val="dk1"/>
+    </dgm:txFillClrLst>
+    <dgm:txEffectClrLst/>
+  </dgm:styleLbl>
+  <dgm:styleLbl name="solidFgAcc1">
+    <dgm:fillClrLst meth="repeat">
+      <a:schemeClr val="lt1"/>
+    </dgm:fillClrLst>
+    <dgm:linClrLst>
+      <a:schemeClr val="accent5"/>
+      <a:schemeClr val="accent6"/>
+    </dgm:linClrLst>
+    <dgm:effectClrLst/>
+    <dgm:txLinClrLst/>
+    <dgm:txFillClrLst meth="repeat">
+      <a:schemeClr val="dk1"/>
+    </dgm:txFillClrLst>
+    <dgm:txEffectClrLst/>
+  </dgm:styleLbl>
+  <dgm:styleLbl name="solidAlignAcc1">
+    <dgm:fillClrLst meth="repeat">
+      <a:schemeClr val="lt1"/>
+    </dgm:fillClrLst>
+    <dgm:linClrLst>
+      <a:schemeClr val="accent5"/>
+      <a:schemeClr val="accent6"/>
+    </dgm:linClrLst>
+    <dgm:effectClrLst/>
+    <dgm:txLinClrLst/>
+    <dgm:txFillClrLst meth="repeat">
+      <a:schemeClr val="dk1"/>
+    </dgm:txFillClrLst>
+    <dgm:txEffectClrLst/>
+  </dgm:styleLbl>
+  <dgm:styleLbl name="solidBgAcc1">
+    <dgm:fillClrLst meth="repeat">
+      <a:schemeClr val="lt1"/>
+    </dgm:fillClrLst>
+    <dgm:linClrLst>
+      <a:schemeClr val="accent5"/>
+      <a:schemeClr val="accent6"/>
+    </dgm:linClrLst>
+    <dgm:effectClrLst/>
+    <dgm:txLinClrLst/>
+    <dgm:txFillClrLst meth="repeat">
+      <a:schemeClr val="dk1"/>
+    </dgm:txFillClrLst>
+    <dgm:txEffectClrLst/>
+  </dgm:styleLbl>
+  <dgm:styleLbl name="fgAccFollowNode1">
+    <dgm:fillClrLst>
+      <a:schemeClr val="accent5">
+        <a:tint val="40000"/>
+        <a:alpha val="90000"/>
+      </a:schemeClr>
+      <a:schemeClr val="accent6">
+        <a:tint val="40000"/>
+        <a:alpha val="90000"/>
+      </a:schemeClr>
+    </dgm:fillClrLst>
+    <dgm:linClrLst>
+      <a:schemeClr val="accent5">
+        <a:tint val="40000"/>
+        <a:alpha val="90000"/>
+      </a:schemeClr>
+      <a:schemeClr val="accent5">
+        <a:tint val="40000"/>
+        <a:alpha val="90000"/>
+      </a:schemeClr>
+    </dgm:linClrLst>
+    <dgm:effectClrLst/>
+    <dgm:txLinClrLst/>
+    <dgm:txFillClrLst meth="repeat">
+      <a:schemeClr val="dk1"/>
+    </dgm:txFillClrLst>
+    <dgm:txEffectClrLst/>
+  </dgm:styleLbl>
+  <dgm:styleLbl name="alignAccFollowNode1">
+    <dgm:fillClrLst>
+      <a:schemeClr val="accent5">
+        <a:tint val="40000"/>
+        <a:alpha val="90000"/>
+      </a:schemeClr>
+      <a:schemeClr val="accent6">
+        <a:tint val="40000"/>
+        <a:alpha val="90000"/>
+      </a:schemeClr>
+    </dgm:fillClrLst>
+    <dgm:linClrLst>
+      <a:schemeClr val="accent5">
+        <a:tint val="40000"/>
+        <a:alpha val="90000"/>
+      </a:schemeClr>
+      <a:schemeClr val="accent6">
+        <a:tint val="40000"/>
+        <a:alpha val="90000"/>
+      </a:schemeClr>
+    </dgm:linClrLst>
+    <dgm:effectClrLst/>
+    <dgm:txLinClrLst/>
+    <dgm:txFillClrLst meth="repeat">
+      <a:schemeClr val="dk1"/>
+    </dgm:txFillClrLst>
+    <dgm:txEffectClrLst/>
+  </dgm:styleLbl>
+  <dgm:styleLbl name="bgAccFollowNode1">
+    <dgm:fillClrLst>
+      <a:schemeClr val="accent5">
+        <a:tint val="40000"/>
+        <a:alpha val="90000"/>
+      </a:schemeClr>
+      <a:schemeClr val="accent6">
+        <a:tint val="40000"/>
+        <a:alpha val="90000"/>
+      </a:schemeClr>
+    </dgm:fillClrLst>
+    <dgm:linClrLst>
+      <a:schemeClr val="accent5">
+        <a:tint val="40000"/>
+        <a:alpha val="90000"/>
+      </a:schemeClr>
+      <a:schemeClr val="accent6">
+        <a:tint val="40000"/>
+        <a:alpha val="90000"/>
+      </a:schemeClr>
+    </dgm:linClrLst>
+    <dgm:effectClrLst/>
+    <dgm:txLinClrLst/>
+    <dgm:txFillClrLst meth="repeat">
+      <a:schemeClr val="dk1"/>
+    </dgm:txFillClrLst>
+    <dgm:txEffectClrLst/>
+  </dgm:styleLbl>
+  <dgm:styleLbl name="fgAcc0">
+    <dgm:fillClrLst meth="repeat">
+      <a:schemeClr val="lt1">
+        <a:alpha val="90000"/>
+      </a:schemeClr>
+    </dgm:fillClrLst>
+    <dgm:linClrLst>
+      <a:schemeClr val="accent4"/>
+    </dgm:linClrLst>
+    <dgm:effectClrLst/>
+    <dgm:txLinClrLst/>
+    <dgm:txFillClrLst meth="repeat">
+      <a:schemeClr val="dk1"/>
+    </dgm:txFillClrLst>
+    <dgm:txEffectClrLst/>
+  </dgm:styleLbl>
+  <dgm:styleLbl name="fgAcc2">
+    <dgm:fillClrLst meth="repeat">
+      <a:schemeClr val="lt1">
+        <a:alpha val="90000"/>
+      </a:schemeClr>
+    </dgm:fillClrLst>
+    <dgm:linClrLst>
+      <a:schemeClr val="accent6"/>
+    </dgm:linClrLst>
+    <dgm:effectClrLst/>
+    <dgm:txLinClrLst/>
+    <dgm:txFillClrLst meth="repeat">
+      <a:schemeClr val="dk1"/>
+    </dgm:txFillClrLst>
+    <dgm:txEffectClrLst/>
+  </dgm:styleLbl>
+  <dgm:styleLbl name="fgAcc3">
+    <dgm:fillClrLst meth="repeat">
+      <a:schemeClr val="lt1">
+        <a:alpha val="90000"/>
+      </a:schemeClr>
+    </dgm:fillClrLst>
+    <dgm:linClrLst>
+      <a:schemeClr val="accent1"/>
+    </dgm:linClrLst>
+    <dgm:effectClrLst/>
+    <dgm:txLinClrLst/>
+    <dgm:txFillClrLst meth="repeat">
+      <a:schemeClr val="dk1"/>
+    </dgm:txFillClrLst>
+    <dgm:txEffectClrLst/>
+  </dgm:styleLbl>
+  <dgm:styleLbl name="fgAcc4">
+    <dgm:fillClrLst meth="repeat">
+      <a:schemeClr val="lt1">
+        <a:alpha val="90000"/>
+      </a:schemeClr>
+    </dgm:fillClrLst>
+    <dgm:linClrLst>
+      <a:schemeClr val="accent2"/>
+    </dgm:linClrLst>
+    <dgm:effectClrLst/>
+    <dgm:txLinClrLst/>
+    <dgm:txFillClrLst meth="repeat">
+      <a:schemeClr val="dk1"/>
+    </dgm:txFillClrLst>
+    <dgm:txEffectClrLst/>
+  </dgm:styleLbl>
+  <dgm:styleLbl name="bgShp">
+    <dgm:fillClrLst meth="repeat">
+      <a:schemeClr val="accent5">
+        <a:tint val="40000"/>
+      </a:schemeClr>
+    </dgm:fillClrLst>
+    <dgm:linClrLst meth="repeat">
+      <a:schemeClr val="dk1"/>
+    </dgm:linClrLst>
+    <dgm:effectClrLst/>
+    <dgm:txLinClrLst/>
+    <dgm:txFillClrLst meth="repeat">
+      <a:schemeClr val="dk1"/>
+    </dgm:txFillClrLst>
+    <dgm:txEffectClrLst/>
+  </dgm:styleLbl>
+  <dgm:styleLbl name="dkBgShp">
+    <dgm:fillClrLst meth="repeat">
+      <a:schemeClr val="accent5">
+        <a:shade val="90000"/>
+      </a:schemeClr>
+    </dgm:fillClrLst>
+    <dgm:linClrLst meth="repeat">
+      <a:schemeClr val="dk1"/>
+    </dgm:linClrLst>
+    <dgm:effectClrLst/>
+    <dgm:txLinClrLst/>
+    <dgm:txFillClrLst meth="repeat">
+      <a:schemeClr val="lt1"/>
+    </dgm:txFillClrLst>
+    <dgm:txEffectClrLst/>
+  </dgm:styleLbl>
+  <dgm:styleLbl name="trBgShp">
+    <dgm:fillClrLst meth="repeat">
+      <a:schemeClr val="accent5">
+        <a:tint val="50000"/>
+        <a:alpha val="40000"/>
+      </a:schemeClr>
+    </dgm:fillClrLst>
+    <dgm:linClrLst meth="repeat">
+      <a:schemeClr val="accent5"/>
+    </dgm:linClrLst>
+    <dgm:effectClrLst/>
+    <dgm:txLinClrLst/>
+    <dgm:txFillClrLst meth="repeat">
+      <a:schemeClr val="lt1"/>
+    </dgm:txFillClrLst>
+    <dgm:txEffectClrLst/>
+  </dgm:styleLbl>
+  <dgm:styleLbl name="fgShp">
+    <dgm:fillClrLst meth="repeat">
+      <a:schemeClr val="accent5">
         <a:tint val="40000"/>
       </a:schemeClr>
     </dgm:fillClrLst>
@@ -3281,7 +2713,7 @@
             <a:rPr lang="de-DE" dirty="0">
               <a:latin typeface="Meiryo"/>
             </a:rPr>
-            <a:t>Blalal</a:t>
+            <a:t> Krieg macht Import in allen Bereichen (Holz schwieriger)</a:t>
           </a:r>
         </a:p>
       </dgm:t>
@@ -3308,11 +2740,12 @@
         <a:bodyPr/>
         <a:lstStyle/>
         <a:p>
+          <a:pPr rtl="0"/>
           <a:r>
             <a:rPr lang="de-DE" dirty="0">
               <a:latin typeface="Meiryo"/>
             </a:rPr>
-            <a:t>bla</a:t>
+            <a:t>Mais auf knapp einem Viertel der Ackerflächen (Deutschland)</a:t>
           </a:r>
         </a:p>
       </dgm:t>
@@ -3322,37 +2755,6 @@
       <dgm:spPr/>
     </dgm:pt>
     <dgm:pt modelId="{331E8C93-2E99-4EA4-B705-243D69324232}" type="sibTrans" cxnId="{8072E5A8-F9C9-4B3B-99D5-490569BFEBCB}">
-      <dgm:prSet/>
-      <dgm:spPr/>
-      <dgm:t>
-        <a:bodyPr/>
-        <a:lstStyle/>
-        <a:p>
-          <a:endParaRPr lang="de-DE"/>
-        </a:p>
-      </dgm:t>
-    </dgm:pt>
-    <dgm:pt modelId="{4EA4A7C6-B4C6-4C89-84D7-4AB6D5525A78}">
-      <dgm:prSet phldr="0"/>
-      <dgm:spPr/>
-      <dgm:t>
-        <a:bodyPr/>
-        <a:lstStyle/>
-        <a:p>
-          <a:r>
-            <a:rPr lang="de-DE" dirty="0">
-              <a:latin typeface="Meiryo"/>
-            </a:rPr>
-            <a:t>bla</a:t>
-          </a:r>
-        </a:p>
-      </dgm:t>
-    </dgm:pt>
-    <dgm:pt modelId="{82B33B52-CFA9-4D4D-934B-AFADFD97D469}" type="parTrans" cxnId="{0795EB21-D7A4-46C1-86D7-A3E67DBF8ED0}">
-      <dgm:prSet/>
-      <dgm:spPr/>
-    </dgm:pt>
-    <dgm:pt modelId="{E6CFF48D-9BED-4ADA-8B25-EEF9830ABAB5}" type="sibTrans" cxnId="{0795EB21-D7A4-46C1-86D7-A3E67DBF8ED0}">
       <dgm:prSet/>
       <dgm:spPr/>
       <dgm:t>
@@ -3375,7 +2777,7 @@
             <a:rPr lang="de-DE" dirty="0">
               <a:latin typeface="Meiryo"/>
             </a:rPr>
-            <a:t>Bla</a:t>
+            <a:t>Hohe Holzpreise aufgrund mangelndem Imports</a:t>
           </a:r>
         </a:p>
       </dgm:t>
@@ -3394,6 +2796,31 @@
           <a:endParaRPr lang="de-DE"/>
         </a:p>
       </dgm:t>
+    </dgm:pt>
+    <dgm:pt modelId="{D642C38D-A1BF-40AF-92AE-D83388148349}">
+      <dgm:prSet phldr="0"/>
+      <dgm:spPr/>
+      <dgm:t>
+        <a:bodyPr/>
+        <a:lstStyle/>
+        <a:p>
+          <a:pPr rtl="0"/>
+          <a:r>
+            <a:rPr lang="de-DE" dirty="0">
+              <a:latin typeface="Meiryo"/>
+            </a:rPr>
+            <a:t>Energieeffizienz ist gesetzlich vorgeschrieben</a:t>
+          </a:r>
+        </a:p>
+      </dgm:t>
+    </dgm:pt>
+    <dgm:pt modelId="{AC954211-87EA-42A1-917F-94297BBE65E9}" type="parTrans" cxnId="{5985BABA-D058-420B-85D4-3DDD84474517}">
+      <dgm:prSet/>
+      <dgm:spPr/>
+    </dgm:pt>
+    <dgm:pt modelId="{62DFA999-C209-436E-B89C-BE0E5AF1C40D}" type="sibTrans" cxnId="{5985BABA-D058-420B-85D4-3DDD84474517}">
+      <dgm:prSet/>
+      <dgm:spPr/>
     </dgm:pt>
     <dgm:pt modelId="{83EAC920-B323-47D6-8B94-B1F5FF06B1CA}" type="pres">
       <dgm:prSet presAssocID="{E9ACAD2E-79CB-4628-A7FF-BBDFECBBBA15}" presName="linear" presStyleCnt="0">
@@ -3469,32 +2896,32 @@
     </dgm:pt>
   </dgm:ptLst>
   <dgm:cxnLst>
-    <dgm:cxn modelId="{3390390A-F589-4982-8511-245D66C2C9D4}" type="presOf" srcId="{4EA4A7C6-B4C6-4C89-84D7-4AB6D5525A78}" destId="{A90D92D3-335E-4147-AC92-8226068D936F}" srcOrd="0" destOrd="1" presId="urn:microsoft.com/office/officeart/2005/8/layout/list1"/>
-    <dgm:cxn modelId="{0795EB21-D7A4-46C1-86D7-A3E67DBF8ED0}" srcId="{4C036793-24F7-46FE-86E6-463DB55040DC}" destId="{4EA4A7C6-B4C6-4C89-84D7-4AB6D5525A78}" srcOrd="1" destOrd="0" parTransId="{82B33B52-CFA9-4D4D-934B-AFADFD97D469}" sibTransId="{E6CFF48D-9BED-4ADA-8B25-EEF9830ABAB5}"/>
+    <dgm:cxn modelId="{7B869015-B46E-43B7-9DE9-366EBF39474B}" type="presOf" srcId="{D642C38D-A1BF-40AF-92AE-D83388148349}" destId="{A90D92D3-335E-4147-AC92-8226068D936F}" srcOrd="0" destOrd="1" presId="urn:microsoft.com/office/officeart/2005/8/layout/list1"/>
     <dgm:cxn modelId="{4F0E6427-8BA1-48C7-AA79-C67475AC2CCB}" srcId="{4C036793-24F7-46FE-86E6-463DB55040DC}" destId="{97A54F31-D69C-4F5A-AAC7-629765B67B1E}" srcOrd="0" destOrd="0" parTransId="{14426DF8-9FFE-4602-80DD-3FCFF7C44F0A}" sibTransId="{69C05C5F-AD19-43D7-A580-40818F0E10C8}"/>
     <dgm:cxn modelId="{6E30B728-6449-4FCB-82BE-84D77E012596}" type="presOf" srcId="{E9ACAD2E-79CB-4628-A7FF-BBDFECBBBA15}" destId="{83EAC920-B323-47D6-8B94-B1F5FF06B1CA}" srcOrd="0" destOrd="0" presId="urn:microsoft.com/office/officeart/2005/8/layout/list1"/>
+    <dgm:cxn modelId="{21B41C30-46E6-422F-B009-27A2A2D0885B}" type="presOf" srcId="{DCBED6AD-2E05-4FE8-AF3B-E1A39128CCA3}" destId="{3B6E1CE9-50E6-4319-AB22-7B2A289E4EBD}" srcOrd="0" destOrd="0" presId="urn:microsoft.com/office/officeart/2005/8/layout/list1"/>
     <dgm:cxn modelId="{F39E3636-4341-40F3-AD53-ADAF6A34FFB5}" srcId="{E9ACAD2E-79CB-4628-A7FF-BBDFECBBBA15}" destId="{DCBED6AD-2E05-4FE8-AF3B-E1A39128CCA3}" srcOrd="1" destOrd="0" parTransId="{B05C93A6-4F06-4319-A8FB-1AA4CE408B28}" sibTransId="{B18275F4-3445-4577-8B95-7FD06A6616D1}"/>
-    <dgm:cxn modelId="{AAF64B5D-EEFD-4354-ABE6-090E1DD3ACA7}" type="presOf" srcId="{A46D3AB5-9027-4867-9EE3-F288EFD734B5}" destId="{0A2A53A0-DAFA-4143-9451-6A755EDA2D13}" srcOrd="0" destOrd="1" presId="urn:microsoft.com/office/officeart/2005/8/layout/list1"/>
     <dgm:cxn modelId="{F389F860-0144-4A9B-8994-0E2F9B0C90C3}" srcId="{DCBED6AD-2E05-4FE8-AF3B-E1A39128CCA3}" destId="{8E4D7DB7-A039-4F09-9A40-967099910122}" srcOrd="0" destOrd="0" parTransId="{8129A847-8291-4C25-A5ED-29323F3EF289}" sibTransId="{E95327BB-806F-4CF5-8942-B4A938C1C1EF}"/>
-    <dgm:cxn modelId="{A2221B6A-F871-4E3F-A3F0-51460F85742D}" type="presOf" srcId="{DCBED6AD-2E05-4FE8-AF3B-E1A39128CCA3}" destId="{3B6E1CE9-50E6-4319-AB22-7B2A289E4EBD}" srcOrd="0" destOrd="0" presId="urn:microsoft.com/office/officeart/2005/8/layout/list1"/>
-    <dgm:cxn modelId="{87706853-D3B2-43AB-92D4-E909F2256539}" type="presOf" srcId="{DCBED6AD-2E05-4FE8-AF3B-E1A39128CCA3}" destId="{CEFD7030-D88D-427F-BDCF-C214814C3706}" srcOrd="1" destOrd="0" presId="urn:microsoft.com/office/officeart/2005/8/layout/list1"/>
-    <dgm:cxn modelId="{19320C7D-5A20-4F3A-9C4F-65D67ADE5B45}" type="presOf" srcId="{4C036793-24F7-46FE-86E6-463DB55040DC}" destId="{564EA6A7-6E63-4EB9-8EDD-5FCBC8514B1D}" srcOrd="0" destOrd="0" presId="urn:microsoft.com/office/officeart/2005/8/layout/list1"/>
-    <dgm:cxn modelId="{BFF02080-D206-43C2-A39E-DFAD66F1B54A}" type="presOf" srcId="{4C036793-24F7-46FE-86E6-463DB55040DC}" destId="{8810DDC4-5481-4CE6-9C60-A3669D884BB7}" srcOrd="1" destOrd="0" presId="urn:microsoft.com/office/officeart/2005/8/layout/list1"/>
-    <dgm:cxn modelId="{A0F42A81-CBEE-4715-A58A-AC2753820C4F}" type="presOf" srcId="{8E4D7DB7-A039-4F09-9A40-967099910122}" destId="{0A2A53A0-DAFA-4143-9451-6A755EDA2D13}" srcOrd="0" destOrd="0" presId="urn:microsoft.com/office/officeart/2005/8/layout/list1"/>
-    <dgm:cxn modelId="{45A0D993-0E53-4029-8285-979C74A36BF8}" type="presOf" srcId="{97A54F31-D69C-4F5A-AAC7-629765B67B1E}" destId="{A90D92D3-335E-4147-AC92-8226068D936F}" srcOrd="0" destOrd="0" presId="urn:microsoft.com/office/officeart/2005/8/layout/list1"/>
+    <dgm:cxn modelId="{1460C088-E2BB-4EFE-BD70-730567D6E6E7}" type="presOf" srcId="{DCBED6AD-2E05-4FE8-AF3B-E1A39128CCA3}" destId="{CEFD7030-D88D-427F-BDCF-C214814C3706}" srcOrd="1" destOrd="0" presId="urn:microsoft.com/office/officeart/2005/8/layout/list1"/>
+    <dgm:cxn modelId="{9E311C8B-51A0-4F55-8184-50E854A600BA}" type="presOf" srcId="{8E4D7DB7-A039-4F09-9A40-967099910122}" destId="{0A2A53A0-DAFA-4143-9451-6A755EDA2D13}" srcOrd="0" destOrd="0" presId="urn:microsoft.com/office/officeart/2005/8/layout/list1"/>
+    <dgm:cxn modelId="{906ED69D-277E-43F4-9884-37E5A00045B8}" type="presOf" srcId="{97A54F31-D69C-4F5A-AAC7-629765B67B1E}" destId="{A90D92D3-335E-4147-AC92-8226068D936F}" srcOrd="0" destOrd="0" presId="urn:microsoft.com/office/officeart/2005/8/layout/list1"/>
+    <dgm:cxn modelId="{41A9C5A0-EB6B-4F48-801B-5E7FA1C94952}" type="presOf" srcId="{4C036793-24F7-46FE-86E6-463DB55040DC}" destId="{8810DDC4-5481-4CE6-9C60-A3669D884BB7}" srcOrd="1" destOrd="0" presId="urn:microsoft.com/office/officeart/2005/8/layout/list1"/>
     <dgm:cxn modelId="{8072E5A8-F9C9-4B3B-99D5-490569BFEBCB}" srcId="{DCBED6AD-2E05-4FE8-AF3B-E1A39128CCA3}" destId="{A46D3AB5-9027-4867-9EE3-F288EFD734B5}" srcOrd="1" destOrd="0" parTransId="{5F49C75B-6795-4A12-945E-A9AFC003ECE5}" sibTransId="{331E8C93-2E99-4EA4-B705-243D69324232}"/>
     <dgm:cxn modelId="{B82FD8AB-530D-4077-87BC-A5D134D1C134}" srcId="{E9ACAD2E-79CB-4628-A7FF-BBDFECBBBA15}" destId="{4C036793-24F7-46FE-86E6-463DB55040DC}" srcOrd="0" destOrd="0" parTransId="{28088B39-AED7-4848-A7A2-F94F1149299A}" sibTransId="{DB09AC68-D0C9-49E9-9E32-BD0371548CE6}"/>
-    <dgm:cxn modelId="{CF8EA0BE-C06D-41B8-AE79-070B3BD950D6}" type="presParOf" srcId="{83EAC920-B323-47D6-8B94-B1F5FF06B1CA}" destId="{466E1317-94A5-43EF-96B6-0192C6C2F7E3}" srcOrd="0" destOrd="0" presId="urn:microsoft.com/office/officeart/2005/8/layout/list1"/>
-    <dgm:cxn modelId="{5E35B96C-61DC-4D9E-AAA0-22FC4466BBD5}" type="presParOf" srcId="{466E1317-94A5-43EF-96B6-0192C6C2F7E3}" destId="{564EA6A7-6E63-4EB9-8EDD-5FCBC8514B1D}" srcOrd="0" destOrd="0" presId="urn:microsoft.com/office/officeart/2005/8/layout/list1"/>
-    <dgm:cxn modelId="{599D7387-A399-4942-B18A-2670CAD7A219}" type="presParOf" srcId="{466E1317-94A5-43EF-96B6-0192C6C2F7E3}" destId="{8810DDC4-5481-4CE6-9C60-A3669D884BB7}" srcOrd="1" destOrd="0" presId="urn:microsoft.com/office/officeart/2005/8/layout/list1"/>
-    <dgm:cxn modelId="{3E989BB6-01DA-4957-B0B1-92578DFFA6C6}" type="presParOf" srcId="{83EAC920-B323-47D6-8B94-B1F5FF06B1CA}" destId="{DE945475-5C5B-448F-B22E-C16F7D582356}" srcOrd="1" destOrd="0" presId="urn:microsoft.com/office/officeart/2005/8/layout/list1"/>
-    <dgm:cxn modelId="{900A80FC-FAE4-4224-B251-2B58055CE5BC}" type="presParOf" srcId="{83EAC920-B323-47D6-8B94-B1F5FF06B1CA}" destId="{A90D92D3-335E-4147-AC92-8226068D936F}" srcOrd="2" destOrd="0" presId="urn:microsoft.com/office/officeart/2005/8/layout/list1"/>
-    <dgm:cxn modelId="{730F36CD-C8FC-447B-A58A-D55CC5F19295}" type="presParOf" srcId="{83EAC920-B323-47D6-8B94-B1F5FF06B1CA}" destId="{A5894FA6-565E-4E60-9769-E1EAD75EC3E9}" srcOrd="3" destOrd="0" presId="urn:microsoft.com/office/officeart/2005/8/layout/list1"/>
-    <dgm:cxn modelId="{18F3CCDA-91D4-49D6-8BCE-05683B7B407E}" type="presParOf" srcId="{83EAC920-B323-47D6-8B94-B1F5FF06B1CA}" destId="{7B429F60-A23B-48E9-938D-636CD7424D4E}" srcOrd="4" destOrd="0" presId="urn:microsoft.com/office/officeart/2005/8/layout/list1"/>
-    <dgm:cxn modelId="{A2E39503-3F9B-41A4-8418-8FC892DBE387}" type="presParOf" srcId="{7B429F60-A23B-48E9-938D-636CD7424D4E}" destId="{3B6E1CE9-50E6-4319-AB22-7B2A289E4EBD}" srcOrd="0" destOrd="0" presId="urn:microsoft.com/office/officeart/2005/8/layout/list1"/>
-    <dgm:cxn modelId="{D78A141D-B70A-4630-B6B9-510B8C1BF821}" type="presParOf" srcId="{7B429F60-A23B-48E9-938D-636CD7424D4E}" destId="{CEFD7030-D88D-427F-BDCF-C214814C3706}" srcOrd="1" destOrd="0" presId="urn:microsoft.com/office/officeart/2005/8/layout/list1"/>
-    <dgm:cxn modelId="{C9B1F2A0-8053-4B9E-A91A-7259306C9B9F}" type="presParOf" srcId="{83EAC920-B323-47D6-8B94-B1F5FF06B1CA}" destId="{CCEFCBC9-D345-412A-A74E-4376EF8AE55A}" srcOrd="5" destOrd="0" presId="urn:microsoft.com/office/officeart/2005/8/layout/list1"/>
-    <dgm:cxn modelId="{C34802CE-B815-4E1E-9B3E-718A28FF7D36}" type="presParOf" srcId="{83EAC920-B323-47D6-8B94-B1F5FF06B1CA}" destId="{0A2A53A0-DAFA-4143-9451-6A755EDA2D13}" srcOrd="6" destOrd="0" presId="urn:microsoft.com/office/officeart/2005/8/layout/list1"/>
+    <dgm:cxn modelId="{5985BABA-D058-420B-85D4-3DDD84474517}" srcId="{4C036793-24F7-46FE-86E6-463DB55040DC}" destId="{D642C38D-A1BF-40AF-92AE-D83388148349}" srcOrd="1" destOrd="0" parTransId="{AC954211-87EA-42A1-917F-94297BBE65E9}" sibTransId="{62DFA999-C209-436E-B89C-BE0E5AF1C40D}"/>
+    <dgm:cxn modelId="{A9CD0ABB-F917-4C46-8B1F-0BA59EC3A380}" type="presOf" srcId="{4C036793-24F7-46FE-86E6-463DB55040DC}" destId="{564EA6A7-6E63-4EB9-8EDD-5FCBC8514B1D}" srcOrd="0" destOrd="0" presId="urn:microsoft.com/office/officeart/2005/8/layout/list1"/>
+    <dgm:cxn modelId="{567588EF-7827-4F5C-A287-18E362A566C1}" type="presOf" srcId="{A46D3AB5-9027-4867-9EE3-F288EFD734B5}" destId="{0A2A53A0-DAFA-4143-9451-6A755EDA2D13}" srcOrd="0" destOrd="1" presId="urn:microsoft.com/office/officeart/2005/8/layout/list1"/>
+    <dgm:cxn modelId="{01DDD1EA-2711-49E8-9BAB-F72B2058A2F7}" type="presParOf" srcId="{83EAC920-B323-47D6-8B94-B1F5FF06B1CA}" destId="{466E1317-94A5-43EF-96B6-0192C6C2F7E3}" srcOrd="0" destOrd="0" presId="urn:microsoft.com/office/officeart/2005/8/layout/list1"/>
+    <dgm:cxn modelId="{82F0B014-ABFD-4F8A-B293-74309DB09925}" type="presParOf" srcId="{466E1317-94A5-43EF-96B6-0192C6C2F7E3}" destId="{564EA6A7-6E63-4EB9-8EDD-5FCBC8514B1D}" srcOrd="0" destOrd="0" presId="urn:microsoft.com/office/officeart/2005/8/layout/list1"/>
+    <dgm:cxn modelId="{F31AECDE-206A-4BCF-A0E4-BCA86C3F6852}" type="presParOf" srcId="{466E1317-94A5-43EF-96B6-0192C6C2F7E3}" destId="{8810DDC4-5481-4CE6-9C60-A3669D884BB7}" srcOrd="1" destOrd="0" presId="urn:microsoft.com/office/officeart/2005/8/layout/list1"/>
+    <dgm:cxn modelId="{FA1C3D53-A997-46DC-8D41-6E9AD820271A}" type="presParOf" srcId="{83EAC920-B323-47D6-8B94-B1F5FF06B1CA}" destId="{DE945475-5C5B-448F-B22E-C16F7D582356}" srcOrd="1" destOrd="0" presId="urn:microsoft.com/office/officeart/2005/8/layout/list1"/>
+    <dgm:cxn modelId="{C1561C74-00F7-4C63-B836-8310A8A1C30D}" type="presParOf" srcId="{83EAC920-B323-47D6-8B94-B1F5FF06B1CA}" destId="{A90D92D3-335E-4147-AC92-8226068D936F}" srcOrd="2" destOrd="0" presId="urn:microsoft.com/office/officeart/2005/8/layout/list1"/>
+    <dgm:cxn modelId="{91954613-E726-440C-AC62-D216FB2AE9ED}" type="presParOf" srcId="{83EAC920-B323-47D6-8B94-B1F5FF06B1CA}" destId="{A5894FA6-565E-4E60-9769-E1EAD75EC3E9}" srcOrd="3" destOrd="0" presId="urn:microsoft.com/office/officeart/2005/8/layout/list1"/>
+    <dgm:cxn modelId="{43E4F9B5-79DA-4321-961E-7220ACEC5A08}" type="presParOf" srcId="{83EAC920-B323-47D6-8B94-B1F5FF06B1CA}" destId="{7B429F60-A23B-48E9-938D-636CD7424D4E}" srcOrd="4" destOrd="0" presId="urn:microsoft.com/office/officeart/2005/8/layout/list1"/>
+    <dgm:cxn modelId="{C9B42F2D-5E0E-401B-BFC6-F83460FC363E}" type="presParOf" srcId="{7B429F60-A23B-48E9-938D-636CD7424D4E}" destId="{3B6E1CE9-50E6-4319-AB22-7B2A289E4EBD}" srcOrd="0" destOrd="0" presId="urn:microsoft.com/office/officeart/2005/8/layout/list1"/>
+    <dgm:cxn modelId="{D3361767-24EB-4E44-94DE-69BB9BA060E1}" type="presParOf" srcId="{7B429F60-A23B-48E9-938D-636CD7424D4E}" destId="{CEFD7030-D88D-427F-BDCF-C214814C3706}" srcOrd="1" destOrd="0" presId="urn:microsoft.com/office/officeart/2005/8/layout/list1"/>
+    <dgm:cxn modelId="{413B6D69-DB62-4AF4-9A7B-216157B1294A}" type="presParOf" srcId="{83EAC920-B323-47D6-8B94-B1F5FF06B1CA}" destId="{CCEFCBC9-D345-412A-A74E-4376EF8AE55A}" srcOrd="5" destOrd="0" presId="urn:microsoft.com/office/officeart/2005/8/layout/list1"/>
+    <dgm:cxn modelId="{A4F91BD8-5F5C-4DEA-A7D0-83E9A6617290}" type="presParOf" srcId="{83EAC920-B323-47D6-8B94-B1F5FF06B1CA}" destId="{0A2A53A0-DAFA-4143-9451-6A755EDA2D13}" srcOrd="6" destOrd="0" presId="urn:microsoft.com/office/officeart/2005/8/layout/list1"/>
   </dgm:cxnLst>
   <dgm:bg/>
   <dgm:whole/>
@@ -3517,36 +2944,6 @@
         <a:lstStyle/>
         <a:p>
           <a:endParaRPr lang="en-US"/>
-        </a:p>
-      </dgm:t>
-    </dgm:pt>
-    <dgm:pt modelId="{10D12B4C-0F18-4719-B069-54D6EBB5B193}">
-      <dgm:prSet phldr="0"/>
-      <dgm:spPr/>
-      <dgm:t>
-        <a:bodyPr/>
-        <a:lstStyle/>
-        <a:p>
-          <a:r>
-            <a:rPr lang="en-US" dirty="0"/>
-            <a:t>bla</a:t>
-          </a:r>
-          <a:endParaRPr lang="de-DE" dirty="0"/>
-        </a:p>
-      </dgm:t>
-    </dgm:pt>
-    <dgm:pt modelId="{0F985778-A4A5-48E4-A9E3-16697CEBEB1F}" type="parTrans" cxnId="{B747AA2A-21CD-4550-A2BA-090D949811DB}">
-      <dgm:prSet/>
-      <dgm:spPr/>
-    </dgm:pt>
-    <dgm:pt modelId="{802CEE5E-D4A6-49B9-814E-5216F04143BD}" type="sibTrans" cxnId="{B747AA2A-21CD-4550-A2BA-090D949811DB}">
-      <dgm:prSet/>
-      <dgm:spPr/>
-      <dgm:t>
-        <a:bodyPr/>
-        <a:lstStyle/>
-        <a:p>
-          <a:endParaRPr lang="de-DE"/>
         </a:p>
       </dgm:t>
     </dgm:pt>
@@ -3581,11 +2978,14 @@
         <a:bodyPr/>
         <a:lstStyle/>
         <a:p>
+          <a:pPr rtl="0"/>
           <a:r>
-            <a:rPr lang="de-DE" dirty="0" err="1"/>
-            <a:t>Bla</a:t>
+            <a:rPr lang="de-DE" dirty="0">
+              <a:latin typeface="Meiryo"/>
+            </a:rPr>
+            <a:t>Dämmung immer wichtiger aufgrund hoher Preise</a:t>
           </a:r>
-          <a:endParaRPr lang="en-US" dirty="0" err="1"/>
+          <a:endParaRPr lang="de-DE" dirty="0"/>
         </a:p>
       </dgm:t>
     </dgm:pt>
@@ -3594,29 +2994,6 @@
       <dgm:spPr/>
     </dgm:pt>
     <dgm:pt modelId="{37E44239-A882-4FE3-928F-CE7C4FECBE62}" type="sibTrans" cxnId="{448F6B3D-24ED-44A2-A418-0277E006AB1B}">
-      <dgm:prSet/>
-      <dgm:spPr/>
-    </dgm:pt>
-    <dgm:pt modelId="{9F880006-3068-4D6D-95E6-C439AA984406}">
-      <dgm:prSet phldr="0"/>
-      <dgm:spPr/>
-      <dgm:t>
-        <a:bodyPr/>
-        <a:lstStyle/>
-        <a:p>
-          <a:r>
-            <a:rPr lang="de-DE" dirty="0" err="1"/>
-            <a:t>bla</a:t>
-          </a:r>
-          <a:endParaRPr lang="en-US" dirty="0" err="1"/>
-        </a:p>
-      </dgm:t>
-    </dgm:pt>
-    <dgm:pt modelId="{308709D4-AF11-4100-A71E-D3385B252A4C}" type="parTrans" cxnId="{C1345FB6-35EE-45E6-BE02-E9856B47276B}">
-      <dgm:prSet/>
-      <dgm:spPr/>
-    </dgm:pt>
-    <dgm:pt modelId="{FEAE4127-14DB-4F33-926A-A5889C22CA34}" type="sibTrans" cxnId="{C1345FB6-35EE-45E6-BE02-E9856B47276B}">
       <dgm:prSet/>
       <dgm:spPr/>
     </dgm:pt>
@@ -3654,11 +3031,50 @@
         <a:bodyPr/>
         <a:lstStyle/>
         <a:p>
+          <a:pPr rtl="0"/>
           <a:r>
-            <a:rPr lang="en-US" dirty="0"/>
-            <a:t>Bla</a:t>
+            <a:rPr lang="en-US" dirty="0">
+              <a:latin typeface="Meiryo"/>
+            </a:rPr>
+            <a:t> </a:t>
           </a:r>
-          <a:endParaRPr lang="de-DE" dirty="0"/>
+          <a:r>
+            <a:rPr lang="en-US" dirty="0" err="1">
+              <a:latin typeface="Meiryo"/>
+            </a:rPr>
+            <a:t>Herkömmliche</a:t>
+          </a:r>
+          <a:r>
+            <a:rPr lang="en-US" dirty="0">
+              <a:latin typeface="Meiryo"/>
+            </a:rPr>
+            <a:t> </a:t>
+          </a:r>
+          <a:r>
+            <a:rPr lang="en-US" dirty="0" err="1">
+              <a:latin typeface="Meiryo"/>
+            </a:rPr>
+            <a:t>Spanplatten</a:t>
+          </a:r>
+          <a:r>
+            <a:rPr lang="en-US" dirty="0">
+              <a:latin typeface="Meiryo"/>
+            </a:rPr>
+            <a:t> </a:t>
+          </a:r>
+          <a:r>
+            <a:rPr lang="en-US" dirty="0" err="1">
+              <a:latin typeface="Meiryo"/>
+            </a:rPr>
+            <a:t>als</a:t>
+          </a:r>
+          <a:r>
+            <a:rPr lang="en-US" dirty="0">
+              <a:latin typeface="Meiryo"/>
+            </a:rPr>
+            <a:t> state-of-the-art</a:t>
+          </a:r>
+          <a:endParaRPr lang="en-US" dirty="0"/>
         </a:p>
       </dgm:t>
     </dgm:pt>
@@ -3667,6 +3083,31 @@
       <dgm:spPr/>
     </dgm:pt>
     <dgm:pt modelId="{54F8B717-19A0-45D5-81AD-963A3D31F5F9}" type="sibTrans" cxnId="{E55B1B58-37FA-48EC-8E5C-2109C6BF8CD2}">
+      <dgm:prSet/>
+      <dgm:spPr/>
+    </dgm:pt>
+    <dgm:pt modelId="{D1D7924B-2041-411C-B6B1-9E7962C08730}">
+      <dgm:prSet phldr="0"/>
+      <dgm:spPr/>
+      <dgm:t>
+        <a:bodyPr/>
+        <a:lstStyle/>
+        <a:p>
+          <a:pPr rtl="0"/>
+          <a:r>
+            <a:rPr lang="de-DE" dirty="0">
+              <a:latin typeface="Meiryo"/>
+            </a:rPr>
+            <a:t>Ressourcenschonung als großes Thema in der Gesellschaft</a:t>
+          </a:r>
+        </a:p>
+      </dgm:t>
+    </dgm:pt>
+    <dgm:pt modelId="{2138897A-6212-4E01-B5BB-6DB37D7DE527}" type="parTrans" cxnId="{1A3FE34A-7E19-4000-8D05-6F5C6167BC6A}">
+      <dgm:prSet/>
+      <dgm:spPr/>
+    </dgm:pt>
+    <dgm:pt modelId="{675A8643-F0FB-4F5F-AA44-1BDDC14BAF16}" type="sibTrans" cxnId="{1A3FE34A-7E19-4000-8D05-6F5C6167BC6A}">
       <dgm:prSet/>
       <dgm:spPr/>
     </dgm:pt>
@@ -3744,38 +3185,477 @@
     </dgm:pt>
   </dgm:ptLst>
   <dgm:cxnLst>
-    <dgm:cxn modelId="{6733B915-DAD9-4FF5-B58F-9429D159CAA7}" type="presOf" srcId="{3031B863-CCCA-42C3-BACE-6A0B0B000BF2}" destId="{FAF7CF0F-7563-4FC4-A5AD-6BA6C4C5A25B}" srcOrd="0" destOrd="0" presId="urn:microsoft.com/office/officeart/2005/8/layout/list1"/>
     <dgm:cxn modelId="{6E30B728-6449-4FCB-82BE-84D77E012596}" type="presOf" srcId="{E9ACAD2E-79CB-4628-A7FF-BBDFECBBBA15}" destId="{83EAC920-B323-47D6-8B94-B1F5FF06B1CA}" srcOrd="0" destOrd="0" presId="urn:microsoft.com/office/officeart/2005/8/layout/list1"/>
-    <dgm:cxn modelId="{B747AA2A-21CD-4550-A2BA-090D949811DB}" srcId="{94FF9DA3-716C-4E35-A4EA-0FA8342A7784}" destId="{10D12B4C-0F18-4719-B069-54D6EBB5B193}" srcOrd="1" destOrd="0" parTransId="{0F985778-A4A5-48E4-A9E3-16697CEBEB1F}" sibTransId="{802CEE5E-D4A6-49B9-814E-5216F04143BD}"/>
-    <dgm:cxn modelId="{C9DEE032-672D-4CCD-A5EF-A943990DF763}" type="presOf" srcId="{9F880006-3068-4D6D-95E6-C439AA984406}" destId="{92194BB2-A2FC-4C42-9A28-999CF47F310F}" srcOrd="0" destOrd="1" presId="urn:microsoft.com/office/officeart/2005/8/layout/list1"/>
+    <dgm:cxn modelId="{A8AB0F29-DC88-4F08-9835-A3577B44F25A}" type="presOf" srcId="{D1D7924B-2041-411C-B6B1-9E7962C08730}" destId="{92194BB2-A2FC-4C42-9A28-999CF47F310F}" srcOrd="0" destOrd="1" presId="urn:microsoft.com/office/officeart/2005/8/layout/list1"/>
     <dgm:cxn modelId="{448F6B3D-24ED-44A2-A418-0277E006AB1B}" srcId="{3031B863-CCCA-42C3-BACE-6A0B0B000BF2}" destId="{6FF3199A-2ADA-4B03-98CB-EFF2AEB8E809}" srcOrd="0" destOrd="0" parTransId="{B287BA63-5F32-4CFB-B135-909C3DF2C2D4}" sibTransId="{37E44239-A882-4FE3-928F-CE7C4FECBE62}"/>
-    <dgm:cxn modelId="{0526A761-F310-4B9F-850C-8E32643A522E}" type="presOf" srcId="{6FF3199A-2ADA-4B03-98CB-EFF2AEB8E809}" destId="{92194BB2-A2FC-4C42-9A28-999CF47F310F}" srcOrd="0" destOrd="0" presId="urn:microsoft.com/office/officeart/2005/8/layout/list1"/>
-    <dgm:cxn modelId="{67BA6242-296B-4204-996D-7C20DCB1C026}" type="presOf" srcId="{10D12B4C-0F18-4719-B069-54D6EBB5B193}" destId="{635C1C4C-32D8-47B9-97ED-DE7461918B11}" srcOrd="0" destOrd="1" presId="urn:microsoft.com/office/officeart/2005/8/layout/list1"/>
-    <dgm:cxn modelId="{AB058972-4C9F-4700-A6F3-C7C7CDCDCA1F}" type="presOf" srcId="{94FF9DA3-716C-4E35-A4EA-0FA8342A7784}" destId="{967E6AEB-D885-476B-9AB6-CDF8F1D82598}" srcOrd="1" destOrd="0" presId="urn:microsoft.com/office/officeart/2005/8/layout/list1"/>
+    <dgm:cxn modelId="{97925E5B-F871-44D8-8193-1BDBCFC0E913}" type="presOf" srcId="{3031B863-CCCA-42C3-BACE-6A0B0B000BF2}" destId="{4128F5F3-A1B8-46BC-AB73-F870AC0F4AA7}" srcOrd="1" destOrd="0" presId="urn:microsoft.com/office/officeart/2005/8/layout/list1"/>
+    <dgm:cxn modelId="{1A3FE34A-7E19-4000-8D05-6F5C6167BC6A}" srcId="{3031B863-CCCA-42C3-BACE-6A0B0B000BF2}" destId="{D1D7924B-2041-411C-B6B1-9E7962C08730}" srcOrd="1" destOrd="0" parTransId="{2138897A-6212-4E01-B5BB-6DB37D7DE527}" sibTransId="{675A8643-F0FB-4F5F-AA44-1BDDC14BAF16}"/>
+    <dgm:cxn modelId="{C4E93573-E3CC-43B4-9874-2FBB94E3E7C5}" type="presOf" srcId="{6FF3199A-2ADA-4B03-98CB-EFF2AEB8E809}" destId="{92194BB2-A2FC-4C42-9A28-999CF47F310F}" srcOrd="0" destOrd="0" presId="urn:microsoft.com/office/officeart/2005/8/layout/list1"/>
+    <dgm:cxn modelId="{11A1EE57-FADC-4ADC-B96E-4B2471419042}" type="presOf" srcId="{94FF9DA3-716C-4E35-A4EA-0FA8342A7784}" destId="{967E6AEB-D885-476B-9AB6-CDF8F1D82598}" srcOrd="1" destOrd="0" presId="urn:microsoft.com/office/officeart/2005/8/layout/list1"/>
     <dgm:cxn modelId="{B5E21578-A405-45FC-AD9D-2E72A31604A9}" srcId="{E9ACAD2E-79CB-4628-A7FF-BBDFECBBBA15}" destId="{94FF9DA3-716C-4E35-A4EA-0FA8342A7784}" srcOrd="1" destOrd="0" parTransId="{6E04B5A4-D8F0-4E3C-ACFE-D282C860E020}" sibTransId="{3BAE0A67-6A9A-4A0E-A266-0D473964038C}"/>
     <dgm:cxn modelId="{E55B1B58-37FA-48EC-8E5C-2109C6BF8CD2}" srcId="{94FF9DA3-716C-4E35-A4EA-0FA8342A7784}" destId="{F757C24E-20D5-46C3-8C15-FD2E31B358F0}" srcOrd="0" destOrd="0" parTransId="{BE49FA74-3B83-4BE7-A317-C782415776C5}" sibTransId="{54F8B717-19A0-45D5-81AD-963A3D31F5F9}"/>
-    <dgm:cxn modelId="{44B2897E-3CA7-41EE-8CFA-8618F342003F}" type="presOf" srcId="{F757C24E-20D5-46C3-8C15-FD2E31B358F0}" destId="{635C1C4C-32D8-47B9-97ED-DE7461918B11}" srcOrd="0" destOrd="0" presId="urn:microsoft.com/office/officeart/2005/8/layout/list1"/>
-    <dgm:cxn modelId="{CA5EE184-CB0D-431A-8ED4-BEDBEE645C55}" type="presOf" srcId="{94FF9DA3-716C-4E35-A4EA-0FA8342A7784}" destId="{45E018DF-30B4-44C9-A933-5ECA852F89C2}" srcOrd="0" destOrd="0" presId="urn:microsoft.com/office/officeart/2005/8/layout/list1"/>
-    <dgm:cxn modelId="{46E88C8B-0BCE-4CD9-B97B-3573C60D424E}" type="presOf" srcId="{3031B863-CCCA-42C3-BACE-6A0B0B000BF2}" destId="{4128F5F3-A1B8-46BC-AB73-F870AC0F4AA7}" srcOrd="1" destOrd="0" presId="urn:microsoft.com/office/officeart/2005/8/layout/list1"/>
-    <dgm:cxn modelId="{C1345FB6-35EE-45E6-BE02-E9856B47276B}" srcId="{3031B863-CCCA-42C3-BACE-6A0B0B000BF2}" destId="{9F880006-3068-4D6D-95E6-C439AA984406}" srcOrd="1" destOrd="0" parTransId="{308709D4-AF11-4100-A71E-D3385B252A4C}" sibTransId="{FEAE4127-14DB-4F33-926A-A5889C22CA34}"/>
+    <dgm:cxn modelId="{83E4FFC7-9592-4295-BE22-FD078E145049}" type="presOf" srcId="{3031B863-CCCA-42C3-BACE-6A0B0B000BF2}" destId="{FAF7CF0F-7563-4FC4-A5AD-6BA6C4C5A25B}" srcOrd="0" destOrd="0" presId="urn:microsoft.com/office/officeart/2005/8/layout/list1"/>
+    <dgm:cxn modelId="{924079DD-A7B2-4EA2-B098-E2FD291DD1F7}" type="presOf" srcId="{94FF9DA3-716C-4E35-A4EA-0FA8342A7784}" destId="{45E018DF-30B4-44C9-A933-5ECA852F89C2}" srcOrd="0" destOrd="0" presId="urn:microsoft.com/office/officeart/2005/8/layout/list1"/>
+    <dgm:cxn modelId="{0F4A85E4-A8C1-42D7-95F1-B4C9EDC0E528}" type="presOf" srcId="{F757C24E-20D5-46C3-8C15-FD2E31B358F0}" destId="{635C1C4C-32D8-47B9-97ED-DE7461918B11}" srcOrd="0" destOrd="0" presId="urn:microsoft.com/office/officeart/2005/8/layout/list1"/>
     <dgm:cxn modelId="{2750F5E5-73BC-4327-9561-4E10BEE30D9C}" srcId="{E9ACAD2E-79CB-4628-A7FF-BBDFECBBBA15}" destId="{3031B863-CCCA-42C3-BACE-6A0B0B000BF2}" srcOrd="0" destOrd="0" parTransId="{AB8BAE25-0B58-4BDF-9A07-9C1B02C81141}" sibTransId="{B1FF1FCB-4858-4B3F-B292-2A78066C77A5}"/>
-    <dgm:cxn modelId="{6936A7A2-DE16-400A-B21D-670FC70184A9}" type="presParOf" srcId="{83EAC920-B323-47D6-8B94-B1F5FF06B1CA}" destId="{F43ECAC1-60C9-4912-8270-619EDCA725C5}" srcOrd="0" destOrd="0" presId="urn:microsoft.com/office/officeart/2005/8/layout/list1"/>
-    <dgm:cxn modelId="{2757D30E-35A3-470F-A5E0-868D6EEAD656}" type="presParOf" srcId="{F43ECAC1-60C9-4912-8270-619EDCA725C5}" destId="{FAF7CF0F-7563-4FC4-A5AD-6BA6C4C5A25B}" srcOrd="0" destOrd="0" presId="urn:microsoft.com/office/officeart/2005/8/layout/list1"/>
-    <dgm:cxn modelId="{ACAA8B11-EAF1-4D62-97BF-3AEFDD60CF4F}" type="presParOf" srcId="{F43ECAC1-60C9-4912-8270-619EDCA725C5}" destId="{4128F5F3-A1B8-46BC-AB73-F870AC0F4AA7}" srcOrd="1" destOrd="0" presId="urn:microsoft.com/office/officeart/2005/8/layout/list1"/>
-    <dgm:cxn modelId="{D5E9307D-113C-44FC-9858-903F381FF22F}" type="presParOf" srcId="{83EAC920-B323-47D6-8B94-B1F5FF06B1CA}" destId="{AEB3E01F-B477-4451-AFC9-E449B9720942}" srcOrd="1" destOrd="0" presId="urn:microsoft.com/office/officeart/2005/8/layout/list1"/>
-    <dgm:cxn modelId="{36DD16EA-845F-4336-AE3F-969FFB040885}" type="presParOf" srcId="{83EAC920-B323-47D6-8B94-B1F5FF06B1CA}" destId="{92194BB2-A2FC-4C42-9A28-999CF47F310F}" srcOrd="2" destOrd="0" presId="urn:microsoft.com/office/officeart/2005/8/layout/list1"/>
-    <dgm:cxn modelId="{527572BC-1442-40F0-86ED-B26D6707F45B}" type="presParOf" srcId="{83EAC920-B323-47D6-8B94-B1F5FF06B1CA}" destId="{44FAA1EE-25ED-46E5-841E-D2F0B4BCA821}" srcOrd="3" destOrd="0" presId="urn:microsoft.com/office/officeart/2005/8/layout/list1"/>
-    <dgm:cxn modelId="{0181A38F-8603-4FBF-AB93-A02192CF4609}" type="presParOf" srcId="{83EAC920-B323-47D6-8B94-B1F5FF06B1CA}" destId="{A44D6ED1-EB17-46C9-BB1F-D37094B69A44}" srcOrd="4" destOrd="0" presId="urn:microsoft.com/office/officeart/2005/8/layout/list1"/>
-    <dgm:cxn modelId="{3817EC00-A39C-4D9A-947E-0E24F3AB793F}" type="presParOf" srcId="{A44D6ED1-EB17-46C9-BB1F-D37094B69A44}" destId="{45E018DF-30B4-44C9-A933-5ECA852F89C2}" srcOrd="0" destOrd="0" presId="urn:microsoft.com/office/officeart/2005/8/layout/list1"/>
-    <dgm:cxn modelId="{0ECB07AD-46A4-4F0B-AFFD-9D859D47A168}" type="presParOf" srcId="{A44D6ED1-EB17-46C9-BB1F-D37094B69A44}" destId="{967E6AEB-D885-476B-9AB6-CDF8F1D82598}" srcOrd="1" destOrd="0" presId="urn:microsoft.com/office/officeart/2005/8/layout/list1"/>
-    <dgm:cxn modelId="{3E791339-10F5-46D0-8822-C4517B247661}" type="presParOf" srcId="{83EAC920-B323-47D6-8B94-B1F5FF06B1CA}" destId="{6A75B1CD-1D16-419F-B667-15B21013F9C9}" srcOrd="5" destOrd="0" presId="urn:microsoft.com/office/officeart/2005/8/layout/list1"/>
-    <dgm:cxn modelId="{894FEB06-F370-410B-9C42-B0AE58CF675D}" type="presParOf" srcId="{83EAC920-B323-47D6-8B94-B1F5FF06B1CA}" destId="{635C1C4C-32D8-47B9-97ED-DE7461918B11}" srcOrd="6" destOrd="0" presId="urn:microsoft.com/office/officeart/2005/8/layout/list1"/>
+    <dgm:cxn modelId="{361C1AC9-6D8F-480A-91EC-BA03E501F57D}" type="presParOf" srcId="{83EAC920-B323-47D6-8B94-B1F5FF06B1CA}" destId="{F43ECAC1-60C9-4912-8270-619EDCA725C5}" srcOrd="0" destOrd="0" presId="urn:microsoft.com/office/officeart/2005/8/layout/list1"/>
+    <dgm:cxn modelId="{A045B920-AF46-43EF-B965-084ADC2CD029}" type="presParOf" srcId="{F43ECAC1-60C9-4912-8270-619EDCA725C5}" destId="{FAF7CF0F-7563-4FC4-A5AD-6BA6C4C5A25B}" srcOrd="0" destOrd="0" presId="urn:microsoft.com/office/officeart/2005/8/layout/list1"/>
+    <dgm:cxn modelId="{CC46B6A6-C6A7-48BF-87C0-34DEC29B1C70}" type="presParOf" srcId="{F43ECAC1-60C9-4912-8270-619EDCA725C5}" destId="{4128F5F3-A1B8-46BC-AB73-F870AC0F4AA7}" srcOrd="1" destOrd="0" presId="urn:microsoft.com/office/officeart/2005/8/layout/list1"/>
+    <dgm:cxn modelId="{932E70A2-7104-452E-81E1-E19C37238333}" type="presParOf" srcId="{83EAC920-B323-47D6-8B94-B1F5FF06B1CA}" destId="{AEB3E01F-B477-4451-AFC9-E449B9720942}" srcOrd="1" destOrd="0" presId="urn:microsoft.com/office/officeart/2005/8/layout/list1"/>
+    <dgm:cxn modelId="{174F51EF-6238-47DF-978F-37260E7CFE27}" type="presParOf" srcId="{83EAC920-B323-47D6-8B94-B1F5FF06B1CA}" destId="{92194BB2-A2FC-4C42-9A28-999CF47F310F}" srcOrd="2" destOrd="0" presId="urn:microsoft.com/office/officeart/2005/8/layout/list1"/>
+    <dgm:cxn modelId="{EDD94C24-3E31-4C57-8DEC-068404539295}" type="presParOf" srcId="{83EAC920-B323-47D6-8B94-B1F5FF06B1CA}" destId="{44FAA1EE-25ED-46E5-841E-D2F0B4BCA821}" srcOrd="3" destOrd="0" presId="urn:microsoft.com/office/officeart/2005/8/layout/list1"/>
+    <dgm:cxn modelId="{33E16278-A82C-44F9-BBE0-896CB9039F2F}" type="presParOf" srcId="{83EAC920-B323-47D6-8B94-B1F5FF06B1CA}" destId="{A44D6ED1-EB17-46C9-BB1F-D37094B69A44}" srcOrd="4" destOrd="0" presId="urn:microsoft.com/office/officeart/2005/8/layout/list1"/>
+    <dgm:cxn modelId="{107FEAA5-7E93-43BA-9729-B9C5B7D8125C}" type="presParOf" srcId="{A44D6ED1-EB17-46C9-BB1F-D37094B69A44}" destId="{45E018DF-30B4-44C9-A933-5ECA852F89C2}" srcOrd="0" destOrd="0" presId="urn:microsoft.com/office/officeart/2005/8/layout/list1"/>
+    <dgm:cxn modelId="{20C68EA5-57BD-423B-853F-563152DA668D}" type="presParOf" srcId="{A44D6ED1-EB17-46C9-BB1F-D37094B69A44}" destId="{967E6AEB-D885-476B-9AB6-CDF8F1D82598}" srcOrd="1" destOrd="0" presId="urn:microsoft.com/office/officeart/2005/8/layout/list1"/>
+    <dgm:cxn modelId="{7CBFE8B8-C1BB-4E99-8B88-194447F4BE99}" type="presParOf" srcId="{83EAC920-B323-47D6-8B94-B1F5FF06B1CA}" destId="{6A75B1CD-1D16-419F-B667-15B21013F9C9}" srcOrd="5" destOrd="0" presId="urn:microsoft.com/office/officeart/2005/8/layout/list1"/>
+    <dgm:cxn modelId="{9693EC7B-24BF-4CC0-8E8F-DF215A8B0E79}" type="presParOf" srcId="{83EAC920-B323-47D6-8B94-B1F5FF06B1CA}" destId="{635C1C4C-32D8-47B9-97ED-DE7461918B11}" srcOrd="6" destOrd="0" presId="urn:microsoft.com/office/officeart/2005/8/layout/list1"/>
   </dgm:cxnLst>
   <dgm:bg/>
   <dgm:whole/>
   <dgm:extLst>
     <a:ext uri="http://schemas.microsoft.com/office/drawing/2008/diagram">
       <dsp:dataModelExt xmlns:dsp="http://schemas.microsoft.com/office/drawing/2008/diagram" relId="rId11" minVer="http://schemas.openxmlformats.org/drawingml/2006/diagram"/>
+    </a:ext>
+  </dgm:extLst>
+</dgm:dataModel>
+</file>
+
+<file path=ppt/diagrams/data3.xml><?xml version="1.0" encoding="utf-8"?>
+<dgm:dataModel xmlns:dgm="http://schemas.openxmlformats.org/drawingml/2006/diagram" xmlns:a="http://schemas.openxmlformats.org/drawingml/2006/main">
+  <dgm:ptLst>
+    <dgm:pt modelId="{E9ACAD2E-79CB-4628-A7FF-BBDFECBBBA15}" type="doc">
+      <dgm:prSet loTypeId="urn:microsoft.com/office/officeart/2005/8/layout/hList1" loCatId="list" qsTypeId="urn:microsoft.com/office/officeart/2005/8/quickstyle/simple1" qsCatId="simple" csTypeId="urn:microsoft.com/office/officeart/2005/8/colors/colorful5" csCatId="colorful" phldr="1"/>
+      <dgm:spPr/>
+      <dgm:t>
+        <a:bodyPr/>
+        <a:lstStyle/>
+        <a:p>
+          <a:endParaRPr lang="en-US"/>
+        </a:p>
+      </dgm:t>
+    </dgm:pt>
+    <dgm:pt modelId="{4C036793-24F7-46FE-86E6-463DB55040DC}">
+      <dgm:prSet/>
+      <dgm:spPr/>
+      <dgm:t>
+        <a:bodyPr/>
+        <a:lstStyle/>
+        <a:p>
+          <a:r>
+            <a:rPr lang="de-DE" dirty="0"/>
+            <a:t>1. </a:t>
+          </a:r>
+          <a:r>
+            <a:rPr lang="de-DE" dirty="0">
+              <a:latin typeface="Meiryo"/>
+            </a:rPr>
+            <a:t>räumlich</a:t>
+          </a:r>
+          <a:endParaRPr lang="en-US" dirty="0"/>
+        </a:p>
+      </dgm:t>
+    </dgm:pt>
+    <dgm:pt modelId="{28088B39-AED7-4848-A7A2-F94F1149299A}" type="parTrans" cxnId="{B82FD8AB-530D-4077-87BC-A5D134D1C134}">
+      <dgm:prSet/>
+      <dgm:spPr/>
+      <dgm:t>
+        <a:bodyPr/>
+        <a:lstStyle/>
+        <a:p>
+          <a:endParaRPr lang="en-US"/>
+        </a:p>
+      </dgm:t>
+    </dgm:pt>
+    <dgm:pt modelId="{DB09AC68-D0C9-49E9-9E32-BD0371548CE6}" type="sibTrans" cxnId="{B82FD8AB-530D-4077-87BC-A5D134D1C134}">
+      <dgm:prSet/>
+      <dgm:spPr/>
+      <dgm:t>
+        <a:bodyPr/>
+        <a:lstStyle/>
+        <a:p>
+          <a:endParaRPr lang="en-US"/>
+        </a:p>
+      </dgm:t>
+    </dgm:pt>
+    <dgm:pt modelId="{DCBED6AD-2E05-4FE8-AF3B-E1A39128CCA3}">
+      <dgm:prSet/>
+      <dgm:spPr/>
+      <dgm:t>
+        <a:bodyPr/>
+        <a:lstStyle/>
+        <a:p>
+          <a:r>
+            <a:rPr lang="de-DE" dirty="0"/>
+            <a:t>2. </a:t>
+          </a:r>
+          <a:r>
+            <a:rPr lang="de-DE" dirty="0">
+              <a:latin typeface="Meiryo"/>
+            </a:rPr>
+            <a:t>zeitlich</a:t>
+          </a:r>
+          <a:endParaRPr lang="en-US" dirty="0"/>
+        </a:p>
+      </dgm:t>
+    </dgm:pt>
+    <dgm:pt modelId="{B05C93A6-4F06-4319-A8FB-1AA4CE408B28}" type="parTrans" cxnId="{F39E3636-4341-40F3-AD53-ADAF6A34FFB5}">
+      <dgm:prSet/>
+      <dgm:spPr/>
+      <dgm:t>
+        <a:bodyPr/>
+        <a:lstStyle/>
+        <a:p>
+          <a:endParaRPr lang="en-US"/>
+        </a:p>
+      </dgm:t>
+    </dgm:pt>
+    <dgm:pt modelId="{B18275F4-3445-4577-8B95-7FD06A6616D1}" type="sibTrans" cxnId="{F39E3636-4341-40F3-AD53-ADAF6A34FFB5}">
+      <dgm:prSet/>
+      <dgm:spPr/>
+      <dgm:t>
+        <a:bodyPr/>
+        <a:lstStyle/>
+        <a:p>
+          <a:endParaRPr lang="en-US"/>
+        </a:p>
+      </dgm:t>
+    </dgm:pt>
+    <dgm:pt modelId="{97A54F31-D69C-4F5A-AAC7-629765B67B1E}">
+      <dgm:prSet phldr="0"/>
+      <dgm:spPr/>
+      <dgm:t>
+        <a:bodyPr/>
+        <a:lstStyle/>
+        <a:p>
+          <a:pPr rtl="0"/>
+          <a:r>
+            <a:rPr lang="de-DE" dirty="0">
+              <a:latin typeface="Meiryo"/>
+            </a:rPr>
+            <a:t> Deutschsprachiger Raum</a:t>
+          </a:r>
+        </a:p>
+      </dgm:t>
+    </dgm:pt>
+    <dgm:pt modelId="{14426DF8-9FFE-4602-80DD-3FCFF7C44F0A}" type="parTrans" cxnId="{4F0E6427-8BA1-48C7-AA79-C67475AC2CCB}">
+      <dgm:prSet/>
+      <dgm:spPr/>
+    </dgm:pt>
+    <dgm:pt modelId="{69C05C5F-AD19-43D7-A580-40818F0E10C8}" type="sibTrans" cxnId="{4F0E6427-8BA1-48C7-AA79-C67475AC2CCB}">
+      <dgm:prSet/>
+      <dgm:spPr/>
+      <dgm:t>
+        <a:bodyPr/>
+        <a:lstStyle/>
+        <a:p>
+          <a:endParaRPr lang="de-DE"/>
+        </a:p>
+      </dgm:t>
+    </dgm:pt>
+    <dgm:pt modelId="{A46D3AB5-9027-4867-9EE3-F288EFD734B5}">
+      <dgm:prSet phldr="0"/>
+      <dgm:spPr/>
+      <dgm:t>
+        <a:bodyPr/>
+        <a:lstStyle/>
+        <a:p>
+          <a:pPr rtl="0"/>
+          <a:r>
+            <a:rPr lang="de-DE" dirty="0">
+              <a:latin typeface="Meiryo"/>
+            </a:rPr>
+            <a:t>Keine zeitliche Begrenzung, da Notwendigkeit für Baurohstoffe immer besteht und bestehen wird</a:t>
+          </a:r>
+        </a:p>
+      </dgm:t>
+    </dgm:pt>
+    <dgm:pt modelId="{5F49C75B-6795-4A12-945E-A9AFC003ECE5}" type="parTrans" cxnId="{8072E5A8-F9C9-4B3B-99D5-490569BFEBCB}">
+      <dgm:prSet/>
+      <dgm:spPr/>
+    </dgm:pt>
+    <dgm:pt modelId="{331E8C93-2E99-4EA4-B705-243D69324232}" type="sibTrans" cxnId="{8072E5A8-F9C9-4B3B-99D5-490569BFEBCB}">
+      <dgm:prSet/>
+      <dgm:spPr/>
+      <dgm:t>
+        <a:bodyPr/>
+        <a:lstStyle/>
+        <a:p>
+          <a:endParaRPr lang="de-DE"/>
+        </a:p>
+      </dgm:t>
+    </dgm:pt>
+    <dgm:pt modelId="{D642C38D-A1BF-40AF-92AE-D83388148349}">
+      <dgm:prSet phldr="0"/>
+      <dgm:spPr/>
+      <dgm:t>
+        <a:bodyPr/>
+        <a:lstStyle/>
+        <a:p>
+          <a:pPr rtl="0"/>
+          <a:r>
+            <a:rPr lang="de-DE" dirty="0">
+              <a:latin typeface="Meiryo"/>
+            </a:rPr>
+            <a:t>Expansion in naher Zukunft denkbar</a:t>
+          </a:r>
+        </a:p>
+      </dgm:t>
+    </dgm:pt>
+    <dgm:pt modelId="{AC954211-87EA-42A1-917F-94297BBE65E9}" type="parTrans" cxnId="{5985BABA-D058-420B-85D4-3DDD84474517}">
+      <dgm:prSet/>
+      <dgm:spPr/>
+    </dgm:pt>
+    <dgm:pt modelId="{62DFA999-C209-436E-B89C-BE0E5AF1C40D}" type="sibTrans" cxnId="{5985BABA-D058-420B-85D4-3DDD84474517}">
+      <dgm:prSet/>
+      <dgm:spPr/>
+      <dgm:t>
+        <a:bodyPr/>
+        <a:lstStyle/>
+        <a:p>
+          <a:endParaRPr lang="de-DE"/>
+        </a:p>
+      </dgm:t>
+    </dgm:pt>
+    <dgm:pt modelId="{DA83B699-57B8-4689-AB5E-3FEFFD470CA7}">
+      <dgm:prSet phldr="0"/>
+      <dgm:spPr/>
+      <dgm:t>
+        <a:bodyPr/>
+        <a:lstStyle/>
+        <a:p>
+          <a:endParaRPr lang="de-DE" dirty="0">
+            <a:latin typeface="Meiryo"/>
+          </a:endParaRPr>
+        </a:p>
+      </dgm:t>
+    </dgm:pt>
+    <dgm:pt modelId="{38EC0860-20C0-439F-B5A6-626BC76DE4B0}" type="parTrans" cxnId="{73D952A6-F318-46A3-B744-7D31E7FDBED9}">
+      <dgm:prSet/>
+      <dgm:spPr/>
+    </dgm:pt>
+    <dgm:pt modelId="{29A22E0F-02CA-4367-91E8-F0A616F1DCAA}" type="sibTrans" cxnId="{73D952A6-F318-46A3-B744-7D31E7FDBED9}">
+      <dgm:prSet/>
+      <dgm:spPr/>
+      <dgm:t>
+        <a:bodyPr/>
+        <a:lstStyle/>
+        <a:p>
+          <a:endParaRPr lang="de-DE"/>
+        </a:p>
+      </dgm:t>
+    </dgm:pt>
+    <dgm:pt modelId="{0F26A9CD-FEF3-4787-82F1-6876692FC6F4}">
+      <dgm:prSet phldr="0"/>
+      <dgm:spPr/>
+      <dgm:t>
+        <a:bodyPr/>
+        <a:lstStyle/>
+        <a:p>
+          <a:r>
+            <a:rPr lang="de-DE" dirty="0"/>
+            <a:t>3. Sachlich</a:t>
+          </a:r>
+          <a:endParaRPr lang="en-US" dirty="0"/>
+        </a:p>
+      </dgm:t>
+    </dgm:pt>
+    <dgm:pt modelId="{8DEDE0A1-E871-45BE-924A-FC648FAC98ED}" type="parTrans" cxnId="{432FB92D-0B82-42B2-96AE-0E04BEAF99CB}">
+      <dgm:prSet/>
+      <dgm:spPr/>
+    </dgm:pt>
+    <dgm:pt modelId="{E05B5687-5CFE-41C9-9E42-163A52821983}" type="sibTrans" cxnId="{432FB92D-0B82-42B2-96AE-0E04BEAF99CB}">
+      <dgm:prSet/>
+      <dgm:spPr/>
+      <dgm:t>
+        <a:bodyPr/>
+        <a:lstStyle/>
+        <a:p>
+          <a:endParaRPr lang="de-DE"/>
+        </a:p>
+      </dgm:t>
+    </dgm:pt>
+    <dgm:pt modelId="{9325CD89-25B7-42DE-ACD8-F2CD184EE460}">
+      <dgm:prSet phldr="0"/>
+      <dgm:spPr/>
+      <dgm:t>
+        <a:bodyPr/>
+        <a:lstStyle/>
+        <a:p>
+          <a:r>
+            <a:rPr lang="de-DE" dirty="0"/>
+            <a:t>Anwendungsgebiet von Spanplatten</a:t>
+          </a:r>
+          <a:endParaRPr lang="en-US" dirty="0"/>
+        </a:p>
+      </dgm:t>
+    </dgm:pt>
+    <dgm:pt modelId="{AD323885-15C8-490F-9BBF-BB418541E0D0}" type="parTrans" cxnId="{4EAE4909-C36F-4F85-B815-9A2492A09900}">
+      <dgm:prSet/>
+      <dgm:spPr/>
+    </dgm:pt>
+    <dgm:pt modelId="{AD8E208F-7981-449E-811A-A5A4FD41B373}" type="sibTrans" cxnId="{4EAE4909-C36F-4F85-B815-9A2492A09900}">
+      <dgm:prSet/>
+      <dgm:spPr/>
+      <dgm:t>
+        <a:bodyPr/>
+        <a:lstStyle/>
+        <a:p>
+          <a:endParaRPr lang="de-DE"/>
+        </a:p>
+      </dgm:t>
+    </dgm:pt>
+    <dgm:pt modelId="{4947A722-1CDE-47B0-BE48-7FD2D3C0E3DC}">
+      <dgm:prSet phldr="0"/>
+      <dgm:spPr/>
+      <dgm:t>
+        <a:bodyPr/>
+        <a:lstStyle/>
+        <a:p>
+          <a:r>
+            <a:rPr lang="de-DE" dirty="0"/>
+            <a:t>Möbelbau, Innenausbau</a:t>
+          </a:r>
+          <a:endParaRPr lang="en-US" dirty="0"/>
+        </a:p>
+      </dgm:t>
+    </dgm:pt>
+    <dgm:pt modelId="{15B87712-A248-4576-AEA5-2EA94F099604}" type="parTrans" cxnId="{8EEBA12A-87B6-42EE-8E4A-5934ABB6A7BC}">
+      <dgm:prSet/>
+      <dgm:spPr/>
+    </dgm:pt>
+    <dgm:pt modelId="{0FEF1A7F-7416-463D-9616-345C8F13FF57}" type="sibTrans" cxnId="{8EEBA12A-87B6-42EE-8E4A-5934ABB6A7BC}">
+      <dgm:prSet/>
+      <dgm:spPr/>
+      <dgm:t>
+        <a:bodyPr/>
+        <a:lstStyle/>
+        <a:p>
+          <a:endParaRPr lang="de-DE"/>
+        </a:p>
+      </dgm:t>
+    </dgm:pt>
+    <dgm:pt modelId="{A9F30340-F367-40FB-AFB3-49743EBF5AFB}" type="pres">
+      <dgm:prSet presAssocID="{E9ACAD2E-79CB-4628-A7FF-BBDFECBBBA15}" presName="Name0" presStyleCnt="0">
+        <dgm:presLayoutVars>
+          <dgm:dir/>
+          <dgm:animLvl val="lvl"/>
+          <dgm:resizeHandles val="exact"/>
+        </dgm:presLayoutVars>
+      </dgm:prSet>
+      <dgm:spPr/>
+    </dgm:pt>
+    <dgm:pt modelId="{CC8EE23C-396A-40F9-8BAA-E01FF8FCFA08}" type="pres">
+      <dgm:prSet presAssocID="{4C036793-24F7-46FE-86E6-463DB55040DC}" presName="composite" presStyleCnt="0"/>
+      <dgm:spPr/>
+    </dgm:pt>
+    <dgm:pt modelId="{582B3E72-7F91-4345-BFDE-8067A980A563}" type="pres">
+      <dgm:prSet presAssocID="{4C036793-24F7-46FE-86E6-463DB55040DC}" presName="parTx" presStyleLbl="alignNode1" presStyleIdx="0" presStyleCnt="3">
+        <dgm:presLayoutVars>
+          <dgm:chMax val="0"/>
+          <dgm:chPref val="0"/>
+          <dgm:bulletEnabled val="1"/>
+        </dgm:presLayoutVars>
+      </dgm:prSet>
+      <dgm:spPr/>
+    </dgm:pt>
+    <dgm:pt modelId="{D30DC4FE-9F8F-4CE6-AD46-27C558E6D8D1}" type="pres">
+      <dgm:prSet presAssocID="{4C036793-24F7-46FE-86E6-463DB55040DC}" presName="desTx" presStyleLbl="alignAccFollowNode1" presStyleIdx="0" presStyleCnt="3">
+        <dgm:presLayoutVars>
+          <dgm:bulletEnabled val="1"/>
+        </dgm:presLayoutVars>
+      </dgm:prSet>
+      <dgm:spPr/>
+    </dgm:pt>
+    <dgm:pt modelId="{E57559CF-1A3A-4C03-89E9-42F6F94226A4}" type="pres">
+      <dgm:prSet presAssocID="{DB09AC68-D0C9-49E9-9E32-BD0371548CE6}" presName="space" presStyleCnt="0"/>
+      <dgm:spPr/>
+    </dgm:pt>
+    <dgm:pt modelId="{EE5687AF-8808-4A46-AADF-7BC3E6A88DD8}" type="pres">
+      <dgm:prSet presAssocID="{DCBED6AD-2E05-4FE8-AF3B-E1A39128CCA3}" presName="composite" presStyleCnt="0"/>
+      <dgm:spPr/>
+    </dgm:pt>
+    <dgm:pt modelId="{13C61573-A5C9-4833-8524-62B9EE2516C0}" type="pres">
+      <dgm:prSet presAssocID="{DCBED6AD-2E05-4FE8-AF3B-E1A39128CCA3}" presName="parTx" presStyleLbl="alignNode1" presStyleIdx="1" presStyleCnt="3">
+        <dgm:presLayoutVars>
+          <dgm:chMax val="0"/>
+          <dgm:chPref val="0"/>
+          <dgm:bulletEnabled val="1"/>
+        </dgm:presLayoutVars>
+      </dgm:prSet>
+      <dgm:spPr/>
+    </dgm:pt>
+    <dgm:pt modelId="{E686B7F2-E268-4B9A-B144-9C83B4B33271}" type="pres">
+      <dgm:prSet presAssocID="{DCBED6AD-2E05-4FE8-AF3B-E1A39128CCA3}" presName="desTx" presStyleLbl="alignAccFollowNode1" presStyleIdx="1" presStyleCnt="3">
+        <dgm:presLayoutVars>
+          <dgm:bulletEnabled val="1"/>
+        </dgm:presLayoutVars>
+      </dgm:prSet>
+      <dgm:spPr/>
+    </dgm:pt>
+    <dgm:pt modelId="{C1DE3907-7E3F-492B-BBA3-08ED621C140C}" type="pres">
+      <dgm:prSet presAssocID="{B18275F4-3445-4577-8B95-7FD06A6616D1}" presName="space" presStyleCnt="0"/>
+      <dgm:spPr/>
+    </dgm:pt>
+    <dgm:pt modelId="{1B10054A-0B8F-4940-9CBD-B97183F8002F}" type="pres">
+      <dgm:prSet presAssocID="{0F26A9CD-FEF3-4787-82F1-6876692FC6F4}" presName="composite" presStyleCnt="0"/>
+      <dgm:spPr/>
+    </dgm:pt>
+    <dgm:pt modelId="{E061DDA9-EF73-4F19-B316-78B31A5D0899}" type="pres">
+      <dgm:prSet presAssocID="{0F26A9CD-FEF3-4787-82F1-6876692FC6F4}" presName="parTx" presStyleLbl="alignNode1" presStyleIdx="2" presStyleCnt="3">
+        <dgm:presLayoutVars>
+          <dgm:chMax val="0"/>
+          <dgm:chPref val="0"/>
+          <dgm:bulletEnabled val="1"/>
+        </dgm:presLayoutVars>
+      </dgm:prSet>
+      <dgm:spPr/>
+    </dgm:pt>
+    <dgm:pt modelId="{28C35698-B41F-44E1-AC26-2282CAC0A55C}" type="pres">
+      <dgm:prSet presAssocID="{0F26A9CD-FEF3-4787-82F1-6876692FC6F4}" presName="desTx" presStyleLbl="alignAccFollowNode1" presStyleIdx="2" presStyleCnt="3">
+        <dgm:presLayoutVars>
+          <dgm:bulletEnabled val="1"/>
+        </dgm:presLayoutVars>
+      </dgm:prSet>
+      <dgm:spPr/>
+    </dgm:pt>
+  </dgm:ptLst>
+  <dgm:cxnLst>
+    <dgm:cxn modelId="{4EAE4909-C36F-4F85-B815-9A2492A09900}" srcId="{0F26A9CD-FEF3-4787-82F1-6876692FC6F4}" destId="{9325CD89-25B7-42DE-ACD8-F2CD184EE460}" srcOrd="0" destOrd="0" parTransId="{AD323885-15C8-490F-9BBF-BB418541E0D0}" sibTransId="{AD8E208F-7981-449E-811A-A5A4FD41B373}"/>
+    <dgm:cxn modelId="{DD3AEC18-4673-4732-A550-E641C3438227}" type="presOf" srcId="{DCBED6AD-2E05-4FE8-AF3B-E1A39128CCA3}" destId="{13C61573-A5C9-4833-8524-62B9EE2516C0}" srcOrd="0" destOrd="0" presId="urn:microsoft.com/office/officeart/2005/8/layout/hList1"/>
+    <dgm:cxn modelId="{4F0E6427-8BA1-48C7-AA79-C67475AC2CCB}" srcId="{4C036793-24F7-46FE-86E6-463DB55040DC}" destId="{97A54F31-D69C-4F5A-AAC7-629765B67B1E}" srcOrd="0" destOrd="0" parTransId="{14426DF8-9FFE-4602-80DD-3FCFF7C44F0A}" sibTransId="{69C05C5F-AD19-43D7-A580-40818F0E10C8}"/>
+    <dgm:cxn modelId="{8EEBA12A-87B6-42EE-8E4A-5934ABB6A7BC}" srcId="{0F26A9CD-FEF3-4787-82F1-6876692FC6F4}" destId="{4947A722-1CDE-47B0-BE48-7FD2D3C0E3DC}" srcOrd="1" destOrd="0" parTransId="{15B87712-A248-4576-AEA5-2EA94F099604}" sibTransId="{0FEF1A7F-7416-463D-9616-345C8F13FF57}"/>
+    <dgm:cxn modelId="{432FB92D-0B82-42B2-96AE-0E04BEAF99CB}" srcId="{E9ACAD2E-79CB-4628-A7FF-BBDFECBBBA15}" destId="{0F26A9CD-FEF3-4787-82F1-6876692FC6F4}" srcOrd="2" destOrd="0" parTransId="{8DEDE0A1-E871-45BE-924A-FC648FAC98ED}" sibTransId="{E05B5687-5CFE-41C9-9E42-163A52821983}"/>
+    <dgm:cxn modelId="{C2EB3E31-32E9-4AE0-A50C-62FF4A3F307F}" type="presOf" srcId="{DA83B699-57B8-4689-AB5E-3FEFFD470CA7}" destId="{28C35698-B41F-44E1-AC26-2282CAC0A55C}" srcOrd="0" destOrd="2" presId="urn:microsoft.com/office/officeart/2005/8/layout/hList1"/>
+    <dgm:cxn modelId="{F39E3636-4341-40F3-AD53-ADAF6A34FFB5}" srcId="{E9ACAD2E-79CB-4628-A7FF-BBDFECBBBA15}" destId="{DCBED6AD-2E05-4FE8-AF3B-E1A39128CCA3}" srcOrd="1" destOrd="0" parTransId="{B05C93A6-4F06-4319-A8FB-1AA4CE408B28}" sibTransId="{B18275F4-3445-4577-8B95-7FD06A6616D1}"/>
+    <dgm:cxn modelId="{90D1F55B-4A80-449C-B3B9-7C78D674DEF9}" type="presOf" srcId="{9325CD89-25B7-42DE-ACD8-F2CD184EE460}" destId="{28C35698-B41F-44E1-AC26-2282CAC0A55C}" srcOrd="0" destOrd="0" presId="urn:microsoft.com/office/officeart/2005/8/layout/hList1"/>
+    <dgm:cxn modelId="{BFBC575F-9B53-4E43-AFCB-5DD65DCA96A5}" type="presOf" srcId="{A46D3AB5-9027-4867-9EE3-F288EFD734B5}" destId="{E686B7F2-E268-4B9A-B144-9C83B4B33271}" srcOrd="0" destOrd="0" presId="urn:microsoft.com/office/officeart/2005/8/layout/hList1"/>
+    <dgm:cxn modelId="{6ADFE650-69DD-4526-8E17-55EA96A94F55}" type="presOf" srcId="{0F26A9CD-FEF3-4787-82F1-6876692FC6F4}" destId="{E061DDA9-EF73-4F19-B316-78B31A5D0899}" srcOrd="0" destOrd="0" presId="urn:microsoft.com/office/officeart/2005/8/layout/hList1"/>
+    <dgm:cxn modelId="{89237954-2DD1-4939-8E9E-C59E70742DF4}" type="presOf" srcId="{97A54F31-D69C-4F5A-AAC7-629765B67B1E}" destId="{D30DC4FE-9F8F-4CE6-AD46-27C558E6D8D1}" srcOrd="0" destOrd="0" presId="urn:microsoft.com/office/officeart/2005/8/layout/hList1"/>
+    <dgm:cxn modelId="{E62AD579-55D8-4256-96F0-435AC842A7AC}" type="presOf" srcId="{4947A722-1CDE-47B0-BE48-7FD2D3C0E3DC}" destId="{28C35698-B41F-44E1-AC26-2282CAC0A55C}" srcOrd="0" destOrd="1" presId="urn:microsoft.com/office/officeart/2005/8/layout/hList1"/>
+    <dgm:cxn modelId="{85E2DF7D-1B26-432A-B0F7-66A185C75AA1}" type="presOf" srcId="{E9ACAD2E-79CB-4628-A7FF-BBDFECBBBA15}" destId="{A9F30340-F367-40FB-AFB3-49743EBF5AFB}" srcOrd="0" destOrd="0" presId="urn:microsoft.com/office/officeart/2005/8/layout/hList1"/>
+    <dgm:cxn modelId="{8B45D59B-E398-45DA-8C51-2D649262C0DE}" type="presOf" srcId="{4C036793-24F7-46FE-86E6-463DB55040DC}" destId="{582B3E72-7F91-4345-BFDE-8067A980A563}" srcOrd="0" destOrd="0" presId="urn:microsoft.com/office/officeart/2005/8/layout/hList1"/>
+    <dgm:cxn modelId="{73D952A6-F318-46A3-B744-7D31E7FDBED9}" srcId="{0F26A9CD-FEF3-4787-82F1-6876692FC6F4}" destId="{DA83B699-57B8-4689-AB5E-3FEFFD470CA7}" srcOrd="2" destOrd="0" parTransId="{38EC0860-20C0-439F-B5A6-626BC76DE4B0}" sibTransId="{29A22E0F-02CA-4367-91E8-F0A616F1DCAA}"/>
+    <dgm:cxn modelId="{8072E5A8-F9C9-4B3B-99D5-490569BFEBCB}" srcId="{DCBED6AD-2E05-4FE8-AF3B-E1A39128CCA3}" destId="{A46D3AB5-9027-4867-9EE3-F288EFD734B5}" srcOrd="0" destOrd="0" parTransId="{5F49C75B-6795-4A12-945E-A9AFC003ECE5}" sibTransId="{331E8C93-2E99-4EA4-B705-243D69324232}"/>
+    <dgm:cxn modelId="{B82FD8AB-530D-4077-87BC-A5D134D1C134}" srcId="{E9ACAD2E-79CB-4628-A7FF-BBDFECBBBA15}" destId="{4C036793-24F7-46FE-86E6-463DB55040DC}" srcOrd="0" destOrd="0" parTransId="{28088B39-AED7-4848-A7A2-F94F1149299A}" sibTransId="{DB09AC68-D0C9-49E9-9E32-BD0371548CE6}"/>
+    <dgm:cxn modelId="{5985BABA-D058-420B-85D4-3DDD84474517}" srcId="{4C036793-24F7-46FE-86E6-463DB55040DC}" destId="{D642C38D-A1BF-40AF-92AE-D83388148349}" srcOrd="1" destOrd="0" parTransId="{AC954211-87EA-42A1-917F-94297BBE65E9}" sibTransId="{62DFA999-C209-436E-B89C-BE0E5AF1C40D}"/>
+    <dgm:cxn modelId="{52DCAFF1-F93E-4ECB-826E-EF4DE5AFAD73}" type="presOf" srcId="{D642C38D-A1BF-40AF-92AE-D83388148349}" destId="{D30DC4FE-9F8F-4CE6-AD46-27C558E6D8D1}" srcOrd="0" destOrd="1" presId="urn:microsoft.com/office/officeart/2005/8/layout/hList1"/>
+    <dgm:cxn modelId="{D410018A-3B96-4D60-9B34-8496F46795F0}" type="presParOf" srcId="{A9F30340-F367-40FB-AFB3-49743EBF5AFB}" destId="{CC8EE23C-396A-40F9-8BAA-E01FF8FCFA08}" srcOrd="0" destOrd="0" presId="urn:microsoft.com/office/officeart/2005/8/layout/hList1"/>
+    <dgm:cxn modelId="{EDA4E950-8EC4-4745-8773-FA54CDD96088}" type="presParOf" srcId="{CC8EE23C-396A-40F9-8BAA-E01FF8FCFA08}" destId="{582B3E72-7F91-4345-BFDE-8067A980A563}" srcOrd="0" destOrd="0" presId="urn:microsoft.com/office/officeart/2005/8/layout/hList1"/>
+    <dgm:cxn modelId="{FCDBE20E-EA49-4771-A7F2-7F26045D8EF7}" type="presParOf" srcId="{CC8EE23C-396A-40F9-8BAA-E01FF8FCFA08}" destId="{D30DC4FE-9F8F-4CE6-AD46-27C558E6D8D1}" srcOrd="1" destOrd="0" presId="urn:microsoft.com/office/officeart/2005/8/layout/hList1"/>
+    <dgm:cxn modelId="{E2444F2E-84EA-41D0-AD04-A16DDFC19DA3}" type="presParOf" srcId="{A9F30340-F367-40FB-AFB3-49743EBF5AFB}" destId="{E57559CF-1A3A-4C03-89E9-42F6F94226A4}" srcOrd="1" destOrd="0" presId="urn:microsoft.com/office/officeart/2005/8/layout/hList1"/>
+    <dgm:cxn modelId="{E16F2AB6-8224-4DC1-8201-0F274D8C6C50}" type="presParOf" srcId="{A9F30340-F367-40FB-AFB3-49743EBF5AFB}" destId="{EE5687AF-8808-4A46-AADF-7BC3E6A88DD8}" srcOrd="2" destOrd="0" presId="urn:microsoft.com/office/officeart/2005/8/layout/hList1"/>
+    <dgm:cxn modelId="{F8C93F2A-C085-4DEA-8EA2-935D5AEE1546}" type="presParOf" srcId="{EE5687AF-8808-4A46-AADF-7BC3E6A88DD8}" destId="{13C61573-A5C9-4833-8524-62B9EE2516C0}" srcOrd="0" destOrd="0" presId="urn:microsoft.com/office/officeart/2005/8/layout/hList1"/>
+    <dgm:cxn modelId="{E0E93E30-98D6-4EF8-9B21-38816F8A1EF8}" type="presParOf" srcId="{EE5687AF-8808-4A46-AADF-7BC3E6A88DD8}" destId="{E686B7F2-E268-4B9A-B144-9C83B4B33271}" srcOrd="1" destOrd="0" presId="urn:microsoft.com/office/officeart/2005/8/layout/hList1"/>
+    <dgm:cxn modelId="{C6DEB980-58B8-4389-B923-BF4F72CBC911}" type="presParOf" srcId="{A9F30340-F367-40FB-AFB3-49743EBF5AFB}" destId="{C1DE3907-7E3F-492B-BBA3-08ED621C140C}" srcOrd="3" destOrd="0" presId="urn:microsoft.com/office/officeart/2005/8/layout/hList1"/>
+    <dgm:cxn modelId="{4F777603-CC7D-4B20-AA5E-715F6A31857B}" type="presParOf" srcId="{A9F30340-F367-40FB-AFB3-49743EBF5AFB}" destId="{1B10054A-0B8F-4940-9CBD-B97183F8002F}" srcOrd="4" destOrd="0" presId="urn:microsoft.com/office/officeart/2005/8/layout/hList1"/>
+    <dgm:cxn modelId="{B7E9087F-89B3-4FC0-B268-6A55508D0415}" type="presParOf" srcId="{1B10054A-0B8F-4940-9CBD-B97183F8002F}" destId="{E061DDA9-EF73-4F19-B316-78B31A5D0899}" srcOrd="0" destOrd="0" presId="urn:microsoft.com/office/officeart/2005/8/layout/hList1"/>
+    <dgm:cxn modelId="{A0E8397F-0ECF-4E51-8824-B19F3B447B7D}" type="presParOf" srcId="{1B10054A-0B8F-4940-9CBD-B97183F8002F}" destId="{28C35698-B41F-44E1-AC26-2282CAC0A55C}" srcOrd="1" destOrd="0" presId="urn:microsoft.com/office/officeart/2005/8/layout/hList1"/>
+  </dgm:cxnLst>
+  <dgm:bg/>
+  <dgm:whole/>
+  <dgm:extLst>
+    <a:ext uri="http://schemas.microsoft.com/office/drawing/2008/diagram">
+      <dsp:dataModelExt xmlns:dsp="http://schemas.microsoft.com/office/drawing/2008/diagram" relId="rId6" minVer="http://schemas.openxmlformats.org/drawingml/2006/diagram"/>
     </a:ext>
   </dgm:extLst>
 </dgm:dataModel>
@@ -3796,8 +3676,8 @@
       </dsp:nvSpPr>
       <dsp:spPr>
         <a:xfrm>
-          <a:off x="0" y="435315"/>
-          <a:ext cx="5076826" cy="2006550"/>
+          <a:off x="0" y="377715"/>
+          <a:ext cx="5076826" cy="2088450"/>
         </a:xfrm>
         <a:prstGeom prst="rect">
           <a:avLst/>
@@ -3837,12 +3717,12 @@
         <a:fontRef idx="minor"/>
       </dsp:style>
       <dsp:txBody>
-        <a:bodyPr spcFirstLastPara="0" vert="horz" wrap="square" lIns="394018" tIns="541528" rIns="394018" bIns="184912" numCol="1" spcCol="1270" anchor="t" anchorCtr="0">
+        <a:bodyPr spcFirstLastPara="0" vert="horz" wrap="square" lIns="394018" tIns="354076" rIns="394018" bIns="120904" numCol="1" spcCol="1270" anchor="t" anchorCtr="0">
           <a:noAutofit/>
         </a:bodyPr>
         <a:lstStyle/>
         <a:p>
-          <a:pPr marL="228600" lvl="1" indent="-228600" algn="l" defTabSz="1155700" rtl="0">
+          <a:pPr marL="171450" lvl="1" indent="-171450" algn="l" defTabSz="755650" rtl="0">
             <a:lnSpc>
               <a:spcPct val="90000"/>
             </a:lnSpc>
@@ -3855,14 +3735,14 @@
             <a:buChar char="•"/>
           </a:pPr>
           <a:r>
-            <a:rPr lang="de-DE" sz="2600" kern="1200" dirty="0">
+            <a:rPr lang="de-DE" sz="1700" kern="1200" dirty="0">
               <a:latin typeface="Meiryo"/>
             </a:rPr>
-            <a:t>Blalal</a:t>
+            <a:t> Krieg macht Import in allen Bereichen (Holz schwieriger)</a:t>
           </a:r>
         </a:p>
         <a:p>
-          <a:pPr marL="228600" lvl="1" indent="-228600" algn="l" defTabSz="1155700">
+          <a:pPr marL="171450" lvl="1" indent="-171450" algn="l" defTabSz="755650" rtl="0">
             <a:lnSpc>
               <a:spcPct val="90000"/>
             </a:lnSpc>
@@ -3875,16 +3755,16 @@
             <a:buChar char="•"/>
           </a:pPr>
           <a:r>
-            <a:rPr lang="de-DE" sz="2600" kern="1200" dirty="0">
+            <a:rPr lang="de-DE" sz="1700" kern="1200" dirty="0">
               <a:latin typeface="Meiryo"/>
             </a:rPr>
-            <a:t>bla</a:t>
+            <a:t>Energieeffizienz ist gesetzlich vorgeschrieben</a:t>
           </a:r>
         </a:p>
       </dsp:txBody>
       <dsp:txXfrm>
-        <a:off x="0" y="435315"/>
-        <a:ext cx="5076826" cy="2006550"/>
+        <a:off x="0" y="377715"/>
+        <a:ext cx="5076826" cy="2088450"/>
       </dsp:txXfrm>
     </dsp:sp>
     <dsp:sp modelId="{8810DDC4-5481-4CE6-9C60-A3669D884BB7}">
@@ -3894,8 +3774,8 @@
       </dsp:nvSpPr>
       <dsp:spPr>
         <a:xfrm>
-          <a:off x="253841" y="51555"/>
-          <a:ext cx="3553778" cy="767520"/>
+          <a:off x="253841" y="126795"/>
+          <a:ext cx="3553778" cy="501840"/>
         </a:xfrm>
         <a:prstGeom prst="roundRect">
           <a:avLst/>
@@ -3941,7 +3821,7 @@
         </a:bodyPr>
         <a:lstStyle/>
         <a:p>
-          <a:pPr marL="0" lvl="0" indent="0" algn="l" defTabSz="1155700">
+          <a:pPr marL="0" lvl="0" indent="0" algn="l" defTabSz="755650">
             <a:lnSpc>
               <a:spcPct val="90000"/>
             </a:lnSpc>
@@ -3954,15 +3834,15 @@
             <a:buNone/>
           </a:pPr>
           <a:r>
-            <a:rPr lang="de-DE" sz="2600" kern="1200" dirty="0"/>
+            <a:rPr lang="de-DE" sz="1700" kern="1200" dirty="0"/>
             <a:t>1. Politisch </a:t>
           </a:r>
-          <a:endParaRPr lang="en-US" sz="2600" kern="1200" dirty="0"/>
+          <a:endParaRPr lang="en-US" sz="1700" kern="1200" dirty="0"/>
         </a:p>
       </dsp:txBody>
       <dsp:txXfrm>
-        <a:off x="291308" y="89022"/>
-        <a:ext cx="3478844" cy="692586"/>
+        <a:off x="278339" y="151293"/>
+        <a:ext cx="3504782" cy="452844"/>
       </dsp:txXfrm>
     </dsp:sp>
     <dsp:sp modelId="{0A2A53A0-DAFA-4143-9451-6A755EDA2D13}">
@@ -3972,8 +3852,8 @@
       </dsp:nvSpPr>
       <dsp:spPr>
         <a:xfrm>
-          <a:off x="0" y="2966025"/>
-          <a:ext cx="5076826" cy="2006550"/>
+          <a:off x="0" y="2808885"/>
+          <a:ext cx="5076826" cy="2088450"/>
         </a:xfrm>
         <a:prstGeom prst="rect">
           <a:avLst/>
@@ -4013,12 +3893,12 @@
         <a:fontRef idx="minor"/>
       </dsp:style>
       <dsp:txBody>
-        <a:bodyPr spcFirstLastPara="0" vert="horz" wrap="square" lIns="394018" tIns="541528" rIns="394018" bIns="184912" numCol="1" spcCol="1270" anchor="t" anchorCtr="0">
+        <a:bodyPr spcFirstLastPara="0" vert="horz" wrap="square" lIns="394018" tIns="354076" rIns="394018" bIns="120904" numCol="1" spcCol="1270" anchor="t" anchorCtr="0">
           <a:noAutofit/>
         </a:bodyPr>
         <a:lstStyle/>
         <a:p>
-          <a:pPr marL="228600" lvl="1" indent="-228600" algn="l" defTabSz="1155700" rtl="0">
+          <a:pPr marL="171450" lvl="1" indent="-171450" algn="l" defTabSz="755650" rtl="0">
             <a:lnSpc>
               <a:spcPct val="90000"/>
             </a:lnSpc>
@@ -4031,14 +3911,14 @@
             <a:buChar char="•"/>
           </a:pPr>
           <a:r>
-            <a:rPr lang="de-DE" sz="2600" kern="1200" dirty="0">
+            <a:rPr lang="de-DE" sz="1700" kern="1200" dirty="0">
               <a:latin typeface="Meiryo"/>
             </a:rPr>
-            <a:t>Bla</a:t>
+            <a:t>Hohe Holzpreise aufgrund mangelndem Imports</a:t>
           </a:r>
         </a:p>
         <a:p>
-          <a:pPr marL="228600" lvl="1" indent="-228600" algn="l" defTabSz="1155700">
+          <a:pPr marL="171450" lvl="1" indent="-171450" algn="l" defTabSz="755650" rtl="0">
             <a:lnSpc>
               <a:spcPct val="90000"/>
             </a:lnSpc>
@@ -4051,16 +3931,16 @@
             <a:buChar char="•"/>
           </a:pPr>
           <a:r>
-            <a:rPr lang="de-DE" sz="2600" kern="1200" dirty="0">
+            <a:rPr lang="de-DE" sz="1700" kern="1200" dirty="0">
               <a:latin typeface="Meiryo"/>
             </a:rPr>
-            <a:t>bla</a:t>
+            <a:t>Mais auf knapp einem Viertel der Ackerflächen (Deutschland)</a:t>
           </a:r>
         </a:p>
       </dsp:txBody>
       <dsp:txXfrm>
-        <a:off x="0" y="2966025"/>
-        <a:ext cx="5076826" cy="2006550"/>
+        <a:off x="0" y="2808885"/>
+        <a:ext cx="5076826" cy="2088450"/>
       </dsp:txXfrm>
     </dsp:sp>
     <dsp:sp modelId="{CEFD7030-D88D-427F-BDCF-C214814C3706}">
@@ -4070,8 +3950,8 @@
       </dsp:nvSpPr>
       <dsp:spPr>
         <a:xfrm>
-          <a:off x="253841" y="2582265"/>
-          <a:ext cx="3553778" cy="767520"/>
+          <a:off x="253841" y="2557965"/>
+          <a:ext cx="3553778" cy="501840"/>
         </a:xfrm>
         <a:prstGeom prst="roundRect">
           <a:avLst/>
@@ -4117,7 +3997,7 @@
         </a:bodyPr>
         <a:lstStyle/>
         <a:p>
-          <a:pPr marL="0" lvl="0" indent="0" algn="l" defTabSz="1155700">
+          <a:pPr marL="0" lvl="0" indent="0" algn="l" defTabSz="755650">
             <a:lnSpc>
               <a:spcPct val="90000"/>
             </a:lnSpc>
@@ -4130,15 +4010,15 @@
             <a:buNone/>
           </a:pPr>
           <a:r>
-            <a:rPr lang="de-DE" sz="2600" kern="1200" dirty="0"/>
+            <a:rPr lang="de-DE" sz="1700" kern="1200" dirty="0"/>
             <a:t>2. Ökonomisch</a:t>
           </a:r>
-          <a:endParaRPr lang="en-US" sz="2600" kern="1200" dirty="0"/>
+          <a:endParaRPr lang="en-US" sz="1700" kern="1200" dirty="0"/>
         </a:p>
       </dsp:txBody>
       <dsp:txXfrm>
-        <a:off x="291308" y="2619732"/>
-        <a:ext cx="3478844" cy="692586"/>
+        <a:off x="278339" y="2582463"/>
+        <a:ext cx="3504782" cy="452844"/>
       </dsp:txXfrm>
     </dsp:sp>
   </dsp:spTree>
@@ -4160,8 +4040,8 @@
       </dsp:nvSpPr>
       <dsp:spPr>
         <a:xfrm>
-          <a:off x="0" y="435315"/>
-          <a:ext cx="5076826" cy="2006550"/>
+          <a:off x="0" y="489315"/>
+          <a:ext cx="5076826" cy="2457000"/>
         </a:xfrm>
         <a:prstGeom prst="rect">
           <a:avLst/>
@@ -4201,12 +4081,12 @@
         <a:fontRef idx="minor"/>
       </dsp:style>
       <dsp:txBody>
-        <a:bodyPr spcFirstLastPara="0" vert="horz" wrap="square" lIns="394018" tIns="541528" rIns="394018" bIns="184912" numCol="1" spcCol="1270" anchor="t" anchorCtr="0">
+        <a:bodyPr spcFirstLastPara="0" vert="horz" wrap="square" lIns="394018" tIns="416560" rIns="394018" bIns="142240" numCol="1" spcCol="1270" anchor="t" anchorCtr="0">
           <a:noAutofit/>
         </a:bodyPr>
         <a:lstStyle/>
         <a:p>
-          <a:pPr marL="228600" lvl="1" indent="-228600" algn="l" defTabSz="1155700">
+          <a:pPr marL="228600" lvl="1" indent="-228600" algn="l" defTabSz="889000" rtl="0">
             <a:lnSpc>
               <a:spcPct val="90000"/>
             </a:lnSpc>
@@ -4219,13 +4099,15 @@
             <a:buChar char="•"/>
           </a:pPr>
           <a:r>
-            <a:rPr lang="de-DE" sz="2600" kern="1200" dirty="0" err="1"/>
-            <a:t>Bla</a:t>
+            <a:rPr lang="de-DE" sz="2000" kern="1200" dirty="0">
+              <a:latin typeface="Meiryo"/>
+            </a:rPr>
+            <a:t>Dämmung immer wichtiger aufgrund hoher Preise</a:t>
           </a:r>
-          <a:endParaRPr lang="en-US" sz="2600" kern="1200" dirty="0" err="1"/>
+          <a:endParaRPr lang="de-DE" sz="2000" kern="1200" dirty="0"/>
         </a:p>
         <a:p>
-          <a:pPr marL="228600" lvl="1" indent="-228600" algn="l" defTabSz="1155700">
+          <a:pPr marL="228600" lvl="1" indent="-228600" algn="l" defTabSz="889000" rtl="0">
             <a:lnSpc>
               <a:spcPct val="90000"/>
             </a:lnSpc>
@@ -4238,15 +4120,16 @@
             <a:buChar char="•"/>
           </a:pPr>
           <a:r>
-            <a:rPr lang="de-DE" sz="2600" kern="1200" dirty="0" err="1"/>
-            <a:t>bla</a:t>
+            <a:rPr lang="de-DE" sz="2000" kern="1200" dirty="0">
+              <a:latin typeface="Meiryo"/>
+            </a:rPr>
+            <a:t>Ressourcenschonung als großes Thema in der Gesellschaft</a:t>
           </a:r>
-          <a:endParaRPr lang="en-US" sz="2600" kern="1200" dirty="0" err="1"/>
         </a:p>
       </dsp:txBody>
       <dsp:txXfrm>
-        <a:off x="0" y="435315"/>
-        <a:ext cx="5076826" cy="2006550"/>
+        <a:off x="0" y="489315"/>
+        <a:ext cx="5076826" cy="2457000"/>
       </dsp:txXfrm>
     </dsp:sp>
     <dsp:sp modelId="{4128F5F3-A1B8-46BC-AB73-F870AC0F4AA7}">
@@ -4256,8 +4139,8 @@
       </dsp:nvSpPr>
       <dsp:spPr>
         <a:xfrm>
-          <a:off x="253841" y="51555"/>
-          <a:ext cx="3553778" cy="767520"/>
+          <a:off x="253841" y="194115"/>
+          <a:ext cx="3553778" cy="590400"/>
         </a:xfrm>
         <a:prstGeom prst="roundRect">
           <a:avLst/>
@@ -4303,7 +4186,7 @@
         </a:bodyPr>
         <a:lstStyle/>
         <a:p>
-          <a:pPr marL="0" lvl="0" indent="0" algn="l" defTabSz="1155700" rtl="0">
+          <a:pPr marL="0" lvl="0" indent="0" algn="l" defTabSz="889000" rtl="0">
             <a:lnSpc>
               <a:spcPct val="90000"/>
             </a:lnSpc>
@@ -4316,15 +4199,15 @@
             <a:buNone/>
           </a:pPr>
           <a:r>
-            <a:rPr lang="de-DE" sz="2600" kern="1200" dirty="0"/>
+            <a:rPr lang="de-DE" sz="2000" kern="1200" dirty="0"/>
             <a:t>3. Soziokulturell</a:t>
           </a:r>
-          <a:endParaRPr lang="en-US" sz="2600" kern="1200" dirty="0"/>
+          <a:endParaRPr lang="en-US" sz="2000" kern="1200" dirty="0"/>
         </a:p>
       </dsp:txBody>
       <dsp:txXfrm>
-        <a:off x="291308" y="89022"/>
-        <a:ext cx="3478844" cy="692586"/>
+        <a:off x="282662" y="222936"/>
+        <a:ext cx="3496136" cy="532758"/>
       </dsp:txXfrm>
     </dsp:sp>
     <dsp:sp modelId="{635C1C4C-32D8-47B9-97ED-DE7461918B11}">
@@ -4334,8 +4217,8 @@
       </dsp:nvSpPr>
       <dsp:spPr>
         <a:xfrm>
-          <a:off x="0" y="2966025"/>
-          <a:ext cx="5076826" cy="2006550"/>
+          <a:off x="0" y="3349515"/>
+          <a:ext cx="5076826" cy="1480500"/>
         </a:xfrm>
         <a:prstGeom prst="rect">
           <a:avLst/>
@@ -4375,12 +4258,12 @@
         <a:fontRef idx="minor"/>
       </dsp:style>
       <dsp:txBody>
-        <a:bodyPr spcFirstLastPara="0" vert="horz" wrap="square" lIns="394018" tIns="541528" rIns="394018" bIns="184912" numCol="1" spcCol="1270" anchor="t" anchorCtr="0">
+        <a:bodyPr spcFirstLastPara="0" vert="horz" wrap="square" lIns="394018" tIns="416560" rIns="394018" bIns="142240" numCol="1" spcCol="1270" anchor="t" anchorCtr="0">
           <a:noAutofit/>
         </a:bodyPr>
         <a:lstStyle/>
         <a:p>
-          <a:pPr marL="228600" lvl="1" indent="-228600" algn="l" defTabSz="1155700">
+          <a:pPr marL="228600" lvl="1" indent="-228600" algn="l" defTabSz="889000" rtl="0">
             <a:lnSpc>
               <a:spcPct val="90000"/>
             </a:lnSpc>
@@ -4393,34 +4276,53 @@
             <a:buChar char="•"/>
           </a:pPr>
           <a:r>
-            <a:rPr lang="en-US" sz="2600" kern="1200" dirty="0"/>
-            <a:t>Bla</a:t>
+            <a:rPr lang="en-US" sz="2000" kern="1200" dirty="0">
+              <a:latin typeface="Meiryo"/>
+            </a:rPr>
+            <a:t> </a:t>
           </a:r>
-          <a:endParaRPr lang="de-DE" sz="2600" kern="1200" dirty="0"/>
-        </a:p>
-        <a:p>
-          <a:pPr marL="228600" lvl="1" indent="-228600" algn="l" defTabSz="1155700">
-            <a:lnSpc>
-              <a:spcPct val="90000"/>
-            </a:lnSpc>
-            <a:spcBef>
-              <a:spcPct val="0"/>
-            </a:spcBef>
-            <a:spcAft>
-              <a:spcPct val="15000"/>
-            </a:spcAft>
-            <a:buChar char="•"/>
-          </a:pPr>
           <a:r>
-            <a:rPr lang="en-US" sz="2600" kern="1200" dirty="0"/>
-            <a:t>bla</a:t>
+            <a:rPr lang="en-US" sz="2000" kern="1200" dirty="0" err="1">
+              <a:latin typeface="Meiryo"/>
+            </a:rPr>
+            <a:t>Herkömmliche</a:t>
           </a:r>
-          <a:endParaRPr lang="de-DE" sz="2600" kern="1200" dirty="0"/>
+          <a:r>
+            <a:rPr lang="en-US" sz="2000" kern="1200" dirty="0">
+              <a:latin typeface="Meiryo"/>
+            </a:rPr>
+            <a:t> </a:t>
+          </a:r>
+          <a:r>
+            <a:rPr lang="en-US" sz="2000" kern="1200" dirty="0" err="1">
+              <a:latin typeface="Meiryo"/>
+            </a:rPr>
+            <a:t>Spanplatten</a:t>
+          </a:r>
+          <a:r>
+            <a:rPr lang="en-US" sz="2000" kern="1200" dirty="0">
+              <a:latin typeface="Meiryo"/>
+            </a:rPr>
+            <a:t> </a:t>
+          </a:r>
+          <a:r>
+            <a:rPr lang="en-US" sz="2000" kern="1200" dirty="0" err="1">
+              <a:latin typeface="Meiryo"/>
+            </a:rPr>
+            <a:t>als</a:t>
+          </a:r>
+          <a:r>
+            <a:rPr lang="en-US" sz="2000" kern="1200" dirty="0">
+              <a:latin typeface="Meiryo"/>
+            </a:rPr>
+            <a:t> state-of-the-art</a:t>
+          </a:r>
+          <a:endParaRPr lang="en-US" sz="2000" kern="1200" dirty="0"/>
         </a:p>
       </dsp:txBody>
       <dsp:txXfrm>
-        <a:off x="0" y="2966025"/>
-        <a:ext cx="5076826" cy="2006550"/>
+        <a:off x="0" y="3349515"/>
+        <a:ext cx="5076826" cy="1480500"/>
       </dsp:txXfrm>
     </dsp:sp>
     <dsp:sp modelId="{967E6AEB-D885-476B-9AB6-CDF8F1D82598}">
@@ -4430,8 +4332,8 @@
       </dsp:nvSpPr>
       <dsp:spPr>
         <a:xfrm>
-          <a:off x="253841" y="2582265"/>
-          <a:ext cx="3553778" cy="767520"/>
+          <a:off x="253841" y="3054315"/>
+          <a:ext cx="3553778" cy="590400"/>
         </a:xfrm>
         <a:prstGeom prst="roundRect">
           <a:avLst/>
@@ -4477,7 +4379,7 @@
         </a:bodyPr>
         <a:lstStyle/>
         <a:p>
-          <a:pPr marL="0" lvl="0" indent="0" algn="l" defTabSz="1155700">
+          <a:pPr marL="0" lvl="0" indent="0" algn="l" defTabSz="889000">
             <a:lnSpc>
               <a:spcPct val="90000"/>
             </a:lnSpc>
@@ -4490,19 +4392,575 @@
             <a:buNone/>
           </a:pPr>
           <a:r>
-            <a:rPr lang="de-DE" sz="2600" kern="1200" dirty="0"/>
+            <a:rPr lang="de-DE" sz="2000" kern="1200" dirty="0"/>
             <a:t>4. </a:t>
           </a:r>
           <a:r>
-            <a:rPr lang="de-DE" sz="2600" kern="1200" dirty="0" err="1"/>
+            <a:rPr lang="de-DE" sz="2000" kern="1200" dirty="0" err="1"/>
             <a:t>Technlogisch</a:t>
           </a:r>
-          <a:endParaRPr lang="en-US" sz="2600" kern="1200" dirty="0" err="1"/>
+          <a:endParaRPr lang="en-US" sz="2000" kern="1200" dirty="0" err="1"/>
         </a:p>
       </dsp:txBody>
       <dsp:txXfrm>
-        <a:off x="291308" y="2619732"/>
-        <a:ext cx="3478844" cy="692586"/>
+        <a:off x="282662" y="3083136"/>
+        <a:ext cx="3496136" cy="532758"/>
+      </dsp:txXfrm>
+    </dsp:sp>
+  </dsp:spTree>
+</dsp:drawing>
+</file>
+
+<file path=ppt/diagrams/drawing3.xml><?xml version="1.0" encoding="utf-8"?>
+<dsp:drawing xmlns:dgm="http://schemas.openxmlformats.org/drawingml/2006/diagram" xmlns:dsp="http://schemas.microsoft.com/office/drawing/2008/diagram" xmlns:a="http://schemas.openxmlformats.org/drawingml/2006/main">
+  <dsp:spTree>
+    <dsp:nvGrpSpPr>
+      <dsp:cNvPr id="0" name=""/>
+      <dsp:cNvGrpSpPr/>
+    </dsp:nvGrpSpPr>
+    <dsp:grpSpPr/>
+    <dsp:sp modelId="{582B3E72-7F91-4345-BFDE-8067A980A563}">
+      <dsp:nvSpPr>
+        <dsp:cNvPr id="0" name=""/>
+        <dsp:cNvSpPr/>
+      </dsp:nvSpPr>
+      <dsp:spPr>
+        <a:xfrm>
+          <a:off x="2740" y="4897"/>
+          <a:ext cx="2671911" cy="569996"/>
+        </a:xfrm>
+        <a:prstGeom prst="rect">
+          <a:avLst/>
+        </a:prstGeom>
+        <a:solidFill>
+          <a:schemeClr val="accent5">
+            <a:hueOff val="0"/>
+            <a:satOff val="0"/>
+            <a:lumOff val="0"/>
+            <a:alphaOff val="0"/>
+          </a:schemeClr>
+        </a:solidFill>
+        <a:ln w="12700" cap="flat" cmpd="sng" algn="ctr">
+          <a:solidFill>
+            <a:schemeClr val="accent5">
+              <a:hueOff val="0"/>
+              <a:satOff val="0"/>
+              <a:lumOff val="0"/>
+              <a:alphaOff val="0"/>
+            </a:schemeClr>
+          </a:solidFill>
+          <a:prstDash val="solid"/>
+        </a:ln>
+        <a:effectLst/>
+      </dsp:spPr>
+      <dsp:style>
+        <a:lnRef idx="2">
+          <a:scrgbClr r="0" g="0" b="0"/>
+        </a:lnRef>
+        <a:fillRef idx="1">
+          <a:scrgbClr r="0" g="0" b="0"/>
+        </a:fillRef>
+        <a:effectRef idx="0">
+          <a:scrgbClr r="0" g="0" b="0"/>
+        </a:effectRef>
+        <a:fontRef idx="minor">
+          <a:schemeClr val="lt1"/>
+        </a:fontRef>
+      </dsp:style>
+      <dsp:txBody>
+        <a:bodyPr spcFirstLastPara="0" vert="horz" wrap="square" lIns="128016" tIns="73152" rIns="128016" bIns="73152" numCol="1" spcCol="1270" anchor="ctr" anchorCtr="0">
+          <a:noAutofit/>
+        </a:bodyPr>
+        <a:lstStyle/>
+        <a:p>
+          <a:pPr marL="0" lvl="0" indent="0" algn="ctr" defTabSz="800100">
+            <a:lnSpc>
+              <a:spcPct val="90000"/>
+            </a:lnSpc>
+            <a:spcBef>
+              <a:spcPct val="0"/>
+            </a:spcBef>
+            <a:spcAft>
+              <a:spcPct val="35000"/>
+            </a:spcAft>
+            <a:buNone/>
+          </a:pPr>
+          <a:r>
+            <a:rPr lang="de-DE" sz="1800" kern="1200" dirty="0"/>
+            <a:t>1. </a:t>
+          </a:r>
+          <a:r>
+            <a:rPr lang="de-DE" sz="1800" kern="1200" dirty="0">
+              <a:latin typeface="Meiryo"/>
+            </a:rPr>
+            <a:t>räumlich</a:t>
+          </a:r>
+          <a:endParaRPr lang="en-US" sz="1800" kern="1200" dirty="0"/>
+        </a:p>
+      </dsp:txBody>
+      <dsp:txXfrm>
+        <a:off x="2740" y="4897"/>
+        <a:ext cx="2671911" cy="569996"/>
+      </dsp:txXfrm>
+    </dsp:sp>
+    <dsp:sp modelId="{D30DC4FE-9F8F-4CE6-AD46-27C558E6D8D1}">
+      <dsp:nvSpPr>
+        <dsp:cNvPr id="0" name=""/>
+        <dsp:cNvSpPr/>
+      </dsp:nvSpPr>
+      <dsp:spPr>
+        <a:xfrm>
+          <a:off x="2740" y="574893"/>
+          <a:ext cx="2671911" cy="2709829"/>
+        </a:xfrm>
+        <a:prstGeom prst="rect">
+          <a:avLst/>
+        </a:prstGeom>
+        <a:solidFill>
+          <a:schemeClr val="accent5">
+            <a:tint val="40000"/>
+            <a:alpha val="90000"/>
+            <a:hueOff val="0"/>
+            <a:satOff val="0"/>
+            <a:lumOff val="0"/>
+            <a:alphaOff val="0"/>
+          </a:schemeClr>
+        </a:solidFill>
+        <a:ln w="12700" cap="flat" cmpd="sng" algn="ctr">
+          <a:solidFill>
+            <a:schemeClr val="accent5">
+              <a:tint val="40000"/>
+              <a:alpha val="90000"/>
+              <a:hueOff val="0"/>
+              <a:satOff val="0"/>
+              <a:lumOff val="0"/>
+              <a:alphaOff val="0"/>
+            </a:schemeClr>
+          </a:solidFill>
+          <a:prstDash val="solid"/>
+        </a:ln>
+        <a:effectLst/>
+      </dsp:spPr>
+      <dsp:style>
+        <a:lnRef idx="2">
+          <a:scrgbClr r="0" g="0" b="0"/>
+        </a:lnRef>
+        <a:fillRef idx="1">
+          <a:scrgbClr r="0" g="0" b="0"/>
+        </a:fillRef>
+        <a:effectRef idx="0">
+          <a:scrgbClr r="0" g="0" b="0"/>
+        </a:effectRef>
+        <a:fontRef idx="minor"/>
+      </dsp:style>
+      <dsp:txBody>
+        <a:bodyPr spcFirstLastPara="0" vert="horz" wrap="square" lIns="96012" tIns="96012" rIns="128016" bIns="144018" numCol="1" spcCol="1270" anchor="t" anchorCtr="0">
+          <a:noAutofit/>
+        </a:bodyPr>
+        <a:lstStyle/>
+        <a:p>
+          <a:pPr marL="171450" lvl="1" indent="-171450" algn="l" defTabSz="800100" rtl="0">
+            <a:lnSpc>
+              <a:spcPct val="90000"/>
+            </a:lnSpc>
+            <a:spcBef>
+              <a:spcPct val="0"/>
+            </a:spcBef>
+            <a:spcAft>
+              <a:spcPct val="15000"/>
+            </a:spcAft>
+            <a:buChar char="•"/>
+          </a:pPr>
+          <a:r>
+            <a:rPr lang="de-DE" sz="1800" kern="1200" dirty="0">
+              <a:latin typeface="Meiryo"/>
+            </a:rPr>
+            <a:t> Deutschsprachiger Raum</a:t>
+          </a:r>
+        </a:p>
+        <a:p>
+          <a:pPr marL="171450" lvl="1" indent="-171450" algn="l" defTabSz="800100" rtl="0">
+            <a:lnSpc>
+              <a:spcPct val="90000"/>
+            </a:lnSpc>
+            <a:spcBef>
+              <a:spcPct val="0"/>
+            </a:spcBef>
+            <a:spcAft>
+              <a:spcPct val="15000"/>
+            </a:spcAft>
+            <a:buChar char="•"/>
+          </a:pPr>
+          <a:r>
+            <a:rPr lang="de-DE" sz="1800" kern="1200" dirty="0">
+              <a:latin typeface="Meiryo"/>
+            </a:rPr>
+            <a:t>Expansion in naher Zukunft denkbar</a:t>
+          </a:r>
+        </a:p>
+      </dsp:txBody>
+      <dsp:txXfrm>
+        <a:off x="2740" y="574893"/>
+        <a:ext cx="2671911" cy="2709829"/>
+      </dsp:txXfrm>
+    </dsp:sp>
+    <dsp:sp modelId="{13C61573-A5C9-4833-8524-62B9EE2516C0}">
+      <dsp:nvSpPr>
+        <dsp:cNvPr id="0" name=""/>
+        <dsp:cNvSpPr/>
+      </dsp:nvSpPr>
+      <dsp:spPr>
+        <a:xfrm>
+          <a:off x="3048719" y="4897"/>
+          <a:ext cx="2671911" cy="569996"/>
+        </a:xfrm>
+        <a:prstGeom prst="rect">
+          <a:avLst/>
+        </a:prstGeom>
+        <a:solidFill>
+          <a:schemeClr val="accent5">
+            <a:hueOff val="-949971"/>
+            <a:satOff val="1533"/>
+            <a:lumOff val="-3726"/>
+            <a:alphaOff val="0"/>
+          </a:schemeClr>
+        </a:solidFill>
+        <a:ln w="12700" cap="flat" cmpd="sng" algn="ctr">
+          <a:solidFill>
+            <a:schemeClr val="accent5">
+              <a:hueOff val="-949971"/>
+              <a:satOff val="1533"/>
+              <a:lumOff val="-3726"/>
+              <a:alphaOff val="0"/>
+            </a:schemeClr>
+          </a:solidFill>
+          <a:prstDash val="solid"/>
+        </a:ln>
+        <a:effectLst/>
+      </dsp:spPr>
+      <dsp:style>
+        <a:lnRef idx="2">
+          <a:scrgbClr r="0" g="0" b="0"/>
+        </a:lnRef>
+        <a:fillRef idx="1">
+          <a:scrgbClr r="0" g="0" b="0"/>
+        </a:fillRef>
+        <a:effectRef idx="0">
+          <a:scrgbClr r="0" g="0" b="0"/>
+        </a:effectRef>
+        <a:fontRef idx="minor">
+          <a:schemeClr val="lt1"/>
+        </a:fontRef>
+      </dsp:style>
+      <dsp:txBody>
+        <a:bodyPr spcFirstLastPara="0" vert="horz" wrap="square" lIns="128016" tIns="73152" rIns="128016" bIns="73152" numCol="1" spcCol="1270" anchor="ctr" anchorCtr="0">
+          <a:noAutofit/>
+        </a:bodyPr>
+        <a:lstStyle/>
+        <a:p>
+          <a:pPr marL="0" lvl="0" indent="0" algn="ctr" defTabSz="800100">
+            <a:lnSpc>
+              <a:spcPct val="90000"/>
+            </a:lnSpc>
+            <a:spcBef>
+              <a:spcPct val="0"/>
+            </a:spcBef>
+            <a:spcAft>
+              <a:spcPct val="35000"/>
+            </a:spcAft>
+            <a:buNone/>
+          </a:pPr>
+          <a:r>
+            <a:rPr lang="de-DE" sz="1800" kern="1200" dirty="0"/>
+            <a:t>2. </a:t>
+          </a:r>
+          <a:r>
+            <a:rPr lang="de-DE" sz="1800" kern="1200" dirty="0">
+              <a:latin typeface="Meiryo"/>
+            </a:rPr>
+            <a:t>zeitlich</a:t>
+          </a:r>
+          <a:endParaRPr lang="en-US" sz="1800" kern="1200" dirty="0"/>
+        </a:p>
+      </dsp:txBody>
+      <dsp:txXfrm>
+        <a:off x="3048719" y="4897"/>
+        <a:ext cx="2671911" cy="569996"/>
+      </dsp:txXfrm>
+    </dsp:sp>
+    <dsp:sp modelId="{E686B7F2-E268-4B9A-B144-9C83B4B33271}">
+      <dsp:nvSpPr>
+        <dsp:cNvPr id="0" name=""/>
+        <dsp:cNvSpPr/>
+      </dsp:nvSpPr>
+      <dsp:spPr>
+        <a:xfrm>
+          <a:off x="3048719" y="574893"/>
+          <a:ext cx="2671911" cy="2709829"/>
+        </a:xfrm>
+        <a:prstGeom prst="rect">
+          <a:avLst/>
+        </a:prstGeom>
+        <a:solidFill>
+          <a:schemeClr val="accent5">
+            <a:tint val="40000"/>
+            <a:alpha val="90000"/>
+            <a:hueOff val="-882854"/>
+            <a:satOff val="-730"/>
+            <a:lumOff val="-710"/>
+            <a:alphaOff val="0"/>
+          </a:schemeClr>
+        </a:solidFill>
+        <a:ln w="12700" cap="flat" cmpd="sng" algn="ctr">
+          <a:solidFill>
+            <a:schemeClr val="accent5">
+              <a:tint val="40000"/>
+              <a:alpha val="90000"/>
+              <a:hueOff val="-882854"/>
+              <a:satOff val="-730"/>
+              <a:lumOff val="-710"/>
+              <a:alphaOff val="0"/>
+            </a:schemeClr>
+          </a:solidFill>
+          <a:prstDash val="solid"/>
+        </a:ln>
+        <a:effectLst/>
+      </dsp:spPr>
+      <dsp:style>
+        <a:lnRef idx="2">
+          <a:scrgbClr r="0" g="0" b="0"/>
+        </a:lnRef>
+        <a:fillRef idx="1">
+          <a:scrgbClr r="0" g="0" b="0"/>
+        </a:fillRef>
+        <a:effectRef idx="0">
+          <a:scrgbClr r="0" g="0" b="0"/>
+        </a:effectRef>
+        <a:fontRef idx="minor"/>
+      </dsp:style>
+      <dsp:txBody>
+        <a:bodyPr spcFirstLastPara="0" vert="horz" wrap="square" lIns="96012" tIns="96012" rIns="128016" bIns="144018" numCol="1" spcCol="1270" anchor="t" anchorCtr="0">
+          <a:noAutofit/>
+        </a:bodyPr>
+        <a:lstStyle/>
+        <a:p>
+          <a:pPr marL="171450" lvl="1" indent="-171450" algn="l" defTabSz="800100" rtl="0">
+            <a:lnSpc>
+              <a:spcPct val="90000"/>
+            </a:lnSpc>
+            <a:spcBef>
+              <a:spcPct val="0"/>
+            </a:spcBef>
+            <a:spcAft>
+              <a:spcPct val="15000"/>
+            </a:spcAft>
+            <a:buChar char="•"/>
+          </a:pPr>
+          <a:r>
+            <a:rPr lang="de-DE" sz="1800" kern="1200" dirty="0">
+              <a:latin typeface="Meiryo"/>
+            </a:rPr>
+            <a:t>Keine zeitliche Begrenzung, da Notwendigkeit für Baurohstoffe immer besteht und bestehen wird</a:t>
+          </a:r>
+        </a:p>
+      </dsp:txBody>
+      <dsp:txXfrm>
+        <a:off x="3048719" y="574893"/>
+        <a:ext cx="2671911" cy="2709829"/>
+      </dsp:txXfrm>
+    </dsp:sp>
+    <dsp:sp modelId="{E061DDA9-EF73-4F19-B316-78B31A5D0899}">
+      <dsp:nvSpPr>
+        <dsp:cNvPr id="0" name=""/>
+        <dsp:cNvSpPr/>
+      </dsp:nvSpPr>
+      <dsp:spPr>
+        <a:xfrm>
+          <a:off x="6094698" y="4897"/>
+          <a:ext cx="2671911" cy="569996"/>
+        </a:xfrm>
+        <a:prstGeom prst="rect">
+          <a:avLst/>
+        </a:prstGeom>
+        <a:solidFill>
+          <a:schemeClr val="accent5">
+            <a:hueOff val="-1899943"/>
+            <a:satOff val="3065"/>
+            <a:lumOff val="-7451"/>
+            <a:alphaOff val="0"/>
+          </a:schemeClr>
+        </a:solidFill>
+        <a:ln w="12700" cap="flat" cmpd="sng" algn="ctr">
+          <a:solidFill>
+            <a:schemeClr val="accent5">
+              <a:hueOff val="-1899943"/>
+              <a:satOff val="3065"/>
+              <a:lumOff val="-7451"/>
+              <a:alphaOff val="0"/>
+            </a:schemeClr>
+          </a:solidFill>
+          <a:prstDash val="solid"/>
+        </a:ln>
+        <a:effectLst/>
+      </dsp:spPr>
+      <dsp:style>
+        <a:lnRef idx="2">
+          <a:scrgbClr r="0" g="0" b="0"/>
+        </a:lnRef>
+        <a:fillRef idx="1">
+          <a:scrgbClr r="0" g="0" b="0"/>
+        </a:fillRef>
+        <a:effectRef idx="0">
+          <a:scrgbClr r="0" g="0" b="0"/>
+        </a:effectRef>
+        <a:fontRef idx="minor">
+          <a:schemeClr val="lt1"/>
+        </a:fontRef>
+      </dsp:style>
+      <dsp:txBody>
+        <a:bodyPr spcFirstLastPara="0" vert="horz" wrap="square" lIns="128016" tIns="73152" rIns="128016" bIns="73152" numCol="1" spcCol="1270" anchor="ctr" anchorCtr="0">
+          <a:noAutofit/>
+        </a:bodyPr>
+        <a:lstStyle/>
+        <a:p>
+          <a:pPr marL="0" lvl="0" indent="0" algn="ctr" defTabSz="800100">
+            <a:lnSpc>
+              <a:spcPct val="90000"/>
+            </a:lnSpc>
+            <a:spcBef>
+              <a:spcPct val="0"/>
+            </a:spcBef>
+            <a:spcAft>
+              <a:spcPct val="35000"/>
+            </a:spcAft>
+            <a:buNone/>
+          </a:pPr>
+          <a:r>
+            <a:rPr lang="de-DE" sz="1800" kern="1200" dirty="0"/>
+            <a:t>3. Sachlich</a:t>
+          </a:r>
+          <a:endParaRPr lang="en-US" sz="1800" kern="1200" dirty="0"/>
+        </a:p>
+      </dsp:txBody>
+      <dsp:txXfrm>
+        <a:off x="6094698" y="4897"/>
+        <a:ext cx="2671911" cy="569996"/>
+      </dsp:txXfrm>
+    </dsp:sp>
+    <dsp:sp modelId="{28C35698-B41F-44E1-AC26-2282CAC0A55C}">
+      <dsp:nvSpPr>
+        <dsp:cNvPr id="0" name=""/>
+        <dsp:cNvSpPr/>
+      </dsp:nvSpPr>
+      <dsp:spPr>
+        <a:xfrm>
+          <a:off x="6094698" y="574893"/>
+          <a:ext cx="2671911" cy="2709829"/>
+        </a:xfrm>
+        <a:prstGeom prst="rect">
+          <a:avLst/>
+        </a:prstGeom>
+        <a:solidFill>
+          <a:schemeClr val="accent5">
+            <a:tint val="40000"/>
+            <a:alpha val="90000"/>
+            <a:hueOff val="-1765708"/>
+            <a:satOff val="-1460"/>
+            <a:lumOff val="-1420"/>
+            <a:alphaOff val="0"/>
+          </a:schemeClr>
+        </a:solidFill>
+        <a:ln w="12700" cap="flat" cmpd="sng" algn="ctr">
+          <a:solidFill>
+            <a:schemeClr val="accent5">
+              <a:tint val="40000"/>
+              <a:alpha val="90000"/>
+              <a:hueOff val="-1765708"/>
+              <a:satOff val="-1460"/>
+              <a:lumOff val="-1420"/>
+              <a:alphaOff val="0"/>
+            </a:schemeClr>
+          </a:solidFill>
+          <a:prstDash val="solid"/>
+        </a:ln>
+        <a:effectLst/>
+      </dsp:spPr>
+      <dsp:style>
+        <a:lnRef idx="2">
+          <a:scrgbClr r="0" g="0" b="0"/>
+        </a:lnRef>
+        <a:fillRef idx="1">
+          <a:scrgbClr r="0" g="0" b="0"/>
+        </a:fillRef>
+        <a:effectRef idx="0">
+          <a:scrgbClr r="0" g="0" b="0"/>
+        </a:effectRef>
+        <a:fontRef idx="minor"/>
+      </dsp:style>
+      <dsp:txBody>
+        <a:bodyPr spcFirstLastPara="0" vert="horz" wrap="square" lIns="96012" tIns="96012" rIns="128016" bIns="144018" numCol="1" spcCol="1270" anchor="t" anchorCtr="0">
+          <a:noAutofit/>
+        </a:bodyPr>
+        <a:lstStyle/>
+        <a:p>
+          <a:pPr marL="171450" lvl="1" indent="-171450" algn="l" defTabSz="800100">
+            <a:lnSpc>
+              <a:spcPct val="90000"/>
+            </a:lnSpc>
+            <a:spcBef>
+              <a:spcPct val="0"/>
+            </a:spcBef>
+            <a:spcAft>
+              <a:spcPct val="15000"/>
+            </a:spcAft>
+            <a:buChar char="•"/>
+          </a:pPr>
+          <a:r>
+            <a:rPr lang="de-DE" sz="1800" kern="1200" dirty="0"/>
+            <a:t>Anwendungsgebiet von Spanplatten</a:t>
+          </a:r>
+          <a:endParaRPr lang="en-US" sz="1800" kern="1200" dirty="0"/>
+        </a:p>
+        <a:p>
+          <a:pPr marL="171450" lvl="1" indent="-171450" algn="l" defTabSz="800100">
+            <a:lnSpc>
+              <a:spcPct val="90000"/>
+            </a:lnSpc>
+            <a:spcBef>
+              <a:spcPct val="0"/>
+            </a:spcBef>
+            <a:spcAft>
+              <a:spcPct val="15000"/>
+            </a:spcAft>
+            <a:buChar char="•"/>
+          </a:pPr>
+          <a:r>
+            <a:rPr lang="de-DE" sz="1800" kern="1200" dirty="0"/>
+            <a:t>Möbelbau, Innenausbau</a:t>
+          </a:r>
+          <a:endParaRPr lang="en-US" sz="1800" kern="1200" dirty="0"/>
+        </a:p>
+        <a:p>
+          <a:pPr marL="171450" lvl="1" indent="-171450" algn="l" defTabSz="800100">
+            <a:lnSpc>
+              <a:spcPct val="90000"/>
+            </a:lnSpc>
+            <a:spcBef>
+              <a:spcPct val="0"/>
+            </a:spcBef>
+            <a:spcAft>
+              <a:spcPct val="15000"/>
+            </a:spcAft>
+            <a:buChar char="•"/>
+          </a:pPr>
+          <a:endParaRPr lang="de-DE" sz="1800" kern="1200" dirty="0">
+            <a:latin typeface="Meiryo"/>
+          </a:endParaRPr>
+        </a:p>
+      </dsp:txBody>
+      <dsp:txXfrm>
+        <a:off x="6094698" y="574893"/>
+        <a:ext cx="2671911" cy="2709829"/>
       </dsp:txXfrm>
     </dsp:sp>
   </dsp:spTree>
@@ -4959,6 +5417,223 @@
 </dgm:layoutDef>
 </file>
 
+<file path=ppt/diagrams/layout3.xml><?xml version="1.0" encoding="utf-8"?>
+<dgm:layoutDef xmlns:dgm="http://schemas.openxmlformats.org/drawingml/2006/diagram" xmlns:a="http://schemas.openxmlformats.org/drawingml/2006/main" uniqueId="urn:microsoft.com/office/officeart/2005/8/layout/hList1">
+  <dgm:title val=""/>
+  <dgm:desc val=""/>
+  <dgm:catLst>
+    <dgm:cat type="list" pri="5000"/>
+    <dgm:cat type="convert" pri="5000"/>
+  </dgm:catLst>
+  <dgm:sampData>
+    <dgm:dataModel>
+      <dgm:ptLst>
+        <dgm:pt modelId="0" type="doc"/>
+        <dgm:pt modelId="1">
+          <dgm:prSet phldr="1"/>
+        </dgm:pt>
+        <dgm:pt modelId="11">
+          <dgm:prSet phldr="1"/>
+        </dgm:pt>
+        <dgm:pt modelId="12">
+          <dgm:prSet phldr="1"/>
+        </dgm:pt>
+        <dgm:pt modelId="2">
+          <dgm:prSet phldr="1"/>
+        </dgm:pt>
+        <dgm:pt modelId="21">
+          <dgm:prSet phldr="1"/>
+        </dgm:pt>
+        <dgm:pt modelId="22">
+          <dgm:prSet phldr="1"/>
+        </dgm:pt>
+        <dgm:pt modelId="3">
+          <dgm:prSet phldr="1"/>
+        </dgm:pt>
+        <dgm:pt modelId="31">
+          <dgm:prSet phldr="1"/>
+        </dgm:pt>
+        <dgm:pt modelId="32">
+          <dgm:prSet phldr="1"/>
+        </dgm:pt>
+      </dgm:ptLst>
+      <dgm:cxnLst>
+        <dgm:cxn modelId="4" srcId="0" destId="1" srcOrd="0" destOrd="0"/>
+        <dgm:cxn modelId="5" srcId="0" destId="2" srcOrd="1" destOrd="0"/>
+        <dgm:cxn modelId="6" srcId="0" destId="3" srcOrd="2" destOrd="0"/>
+        <dgm:cxn modelId="13" srcId="1" destId="11" srcOrd="0" destOrd="0"/>
+        <dgm:cxn modelId="14" srcId="1" destId="12" srcOrd="1" destOrd="0"/>
+        <dgm:cxn modelId="23" srcId="2" destId="21" srcOrd="0" destOrd="0"/>
+        <dgm:cxn modelId="24" srcId="2" destId="22" srcOrd="1" destOrd="0"/>
+        <dgm:cxn modelId="33" srcId="3" destId="31" srcOrd="0" destOrd="0"/>
+        <dgm:cxn modelId="34" srcId="3" destId="32" srcOrd="1" destOrd="0"/>
+      </dgm:cxnLst>
+      <dgm:bg/>
+      <dgm:whole/>
+    </dgm:dataModel>
+  </dgm:sampData>
+  <dgm:styleData>
+    <dgm:dataModel>
+      <dgm:ptLst>
+        <dgm:pt modelId="0" type="doc"/>
+        <dgm:pt modelId="1">
+          <dgm:prSet phldr="1"/>
+        </dgm:pt>
+        <dgm:pt modelId="2">
+          <dgm:prSet phldr="1"/>
+        </dgm:pt>
+      </dgm:ptLst>
+      <dgm:cxnLst>
+        <dgm:cxn modelId="3" srcId="0" destId="1" srcOrd="0" destOrd="0"/>
+        <dgm:cxn modelId="4" srcId="0" destId="2" srcOrd="1" destOrd="0"/>
+      </dgm:cxnLst>
+      <dgm:bg/>
+      <dgm:whole/>
+    </dgm:dataModel>
+  </dgm:styleData>
+  <dgm:clrData>
+    <dgm:dataModel>
+      <dgm:ptLst>
+        <dgm:pt modelId="0" type="doc"/>
+        <dgm:pt modelId="1">
+          <dgm:prSet phldr="1"/>
+        </dgm:pt>
+        <dgm:pt modelId="2">
+          <dgm:prSet phldr="1"/>
+        </dgm:pt>
+        <dgm:pt modelId="3">
+          <dgm:prSet phldr="1"/>
+        </dgm:pt>
+        <dgm:pt modelId="4">
+          <dgm:prSet phldr="1"/>
+        </dgm:pt>
+      </dgm:ptLst>
+      <dgm:cxnLst>
+        <dgm:cxn modelId="5" srcId="0" destId="1" srcOrd="0" destOrd="0"/>
+        <dgm:cxn modelId="6" srcId="0" destId="2" srcOrd="1" destOrd="0"/>
+        <dgm:cxn modelId="7" srcId="0" destId="3" srcOrd="2" destOrd="0"/>
+        <dgm:cxn modelId="8" srcId="0" destId="4" srcOrd="3" destOrd="0"/>
+      </dgm:cxnLst>
+      <dgm:bg/>
+      <dgm:whole/>
+    </dgm:dataModel>
+  </dgm:clrData>
+  <dgm:layoutNode name="Name0">
+    <dgm:varLst>
+      <dgm:dir/>
+      <dgm:animLvl val="lvl"/>
+      <dgm:resizeHandles val="exact"/>
+    </dgm:varLst>
+    <dgm:choose name="Name1">
+      <dgm:if name="Name2" func="var" arg="dir" op="equ" val="norm">
+        <dgm:alg type="lin"/>
+      </dgm:if>
+      <dgm:else name="Name3">
+        <dgm:alg type="lin">
+          <dgm:param type="linDir" val="fromR"/>
+        </dgm:alg>
+      </dgm:else>
+    </dgm:choose>
+    <dgm:shape xmlns:r="http://schemas.openxmlformats.org/officeDocument/2006/relationships" r:blip="">
+      <dgm:adjLst/>
+    </dgm:shape>
+    <dgm:presOf/>
+    <dgm:constrLst>
+      <dgm:constr type="h" for="ch" forName="composite" refType="h"/>
+      <dgm:constr type="w" for="ch" forName="composite" refType="w"/>
+      <dgm:constr type="w" for="des" forName="parTx"/>
+      <dgm:constr type="h" for="des" forName="parTx" op="equ"/>
+      <dgm:constr type="w" for="des" forName="desTx"/>
+      <dgm:constr type="h" for="des" forName="desTx" op="equ"/>
+      <dgm:constr type="primFontSz" for="des" forName="parTx" val="65"/>
+      <dgm:constr type="secFontSz" for="des" forName="desTx" refType="primFontSz" refFor="des" refForName="parTx" op="equ"/>
+      <dgm:constr type="h" for="des" forName="parTx" refType="primFontSz" refFor="des" refForName="parTx" fact="0.8"/>
+      <dgm:constr type="h" for="des" forName="desTx" refType="primFontSz" refFor="des" refForName="parTx" fact="1.22"/>
+      <dgm:constr type="w" for="ch" forName="space" refType="w" refFor="ch" refForName="composite" op="equ" fact="0.14"/>
+    </dgm:constrLst>
+    <dgm:ruleLst>
+      <dgm:rule type="w" for="ch" forName="composite" val="0" fact="NaN" max="NaN"/>
+      <dgm:rule type="primFontSz" for="des" forName="parTx" val="5" fact="NaN" max="NaN"/>
+    </dgm:ruleLst>
+    <dgm:forEach name="Name4" axis="ch" ptType="node">
+      <dgm:layoutNode name="composite">
+        <dgm:alg type="composite"/>
+        <dgm:shape xmlns:r="http://schemas.openxmlformats.org/officeDocument/2006/relationships" r:blip="">
+          <dgm:adjLst/>
+        </dgm:shape>
+        <dgm:presOf/>
+        <dgm:constrLst>
+          <dgm:constr type="l" for="ch" forName="parTx"/>
+          <dgm:constr type="w" for="ch" forName="parTx" refType="w"/>
+          <dgm:constr type="t" for="ch" forName="parTx"/>
+          <dgm:constr type="l" for="ch" forName="desTx"/>
+          <dgm:constr type="w" for="ch" forName="desTx" refType="w" refFor="ch" refForName="parTx"/>
+          <dgm:constr type="t" for="ch" forName="desTx" refType="h" refFor="ch" refForName="parTx"/>
+        </dgm:constrLst>
+        <dgm:ruleLst>
+          <dgm:rule type="h" val="INF" fact="NaN" max="NaN"/>
+        </dgm:ruleLst>
+        <dgm:layoutNode name="parTx" styleLbl="alignNode1">
+          <dgm:varLst>
+            <dgm:chMax val="0"/>
+            <dgm:chPref val="0"/>
+            <dgm:bulletEnabled val="1"/>
+          </dgm:varLst>
+          <dgm:alg type="tx"/>
+          <dgm:shape xmlns:r="http://schemas.openxmlformats.org/officeDocument/2006/relationships" type="rect" r:blip="">
+            <dgm:adjLst/>
+          </dgm:shape>
+          <dgm:presOf axis="self" ptType="node"/>
+          <dgm:constrLst>
+            <dgm:constr type="h" refType="w" op="lte" fact="0.4"/>
+            <dgm:constr type="h"/>
+            <dgm:constr type="tMarg" refType="primFontSz" fact="0.32"/>
+            <dgm:constr type="bMarg" refType="primFontSz" fact="0.32"/>
+          </dgm:constrLst>
+          <dgm:ruleLst>
+            <dgm:rule type="h" val="INF" fact="NaN" max="NaN"/>
+          </dgm:ruleLst>
+        </dgm:layoutNode>
+        <dgm:layoutNode name="desTx" styleLbl="alignAccFollowNode1">
+          <dgm:varLst>
+            <dgm:bulletEnabled val="1"/>
+          </dgm:varLst>
+          <dgm:alg type="tx">
+            <dgm:param type="stBulletLvl" val="1"/>
+          </dgm:alg>
+          <dgm:shape xmlns:r="http://schemas.openxmlformats.org/officeDocument/2006/relationships" type="rect" r:blip="">
+            <dgm:adjLst/>
+          </dgm:shape>
+          <dgm:presOf axis="des" ptType="node"/>
+          <dgm:constrLst>
+            <dgm:constr type="secFontSz" val="65"/>
+            <dgm:constr type="primFontSz" refType="secFontSz"/>
+            <dgm:constr type="h"/>
+            <dgm:constr type="lMarg" refType="primFontSz" fact="0.42"/>
+            <dgm:constr type="tMarg" refType="primFontSz" fact="0.42"/>
+            <dgm:constr type="bMarg" refType="primFontSz" fact="0.63"/>
+          </dgm:constrLst>
+          <dgm:ruleLst>
+            <dgm:rule type="h" val="INF" fact="NaN" max="NaN"/>
+          </dgm:ruleLst>
+        </dgm:layoutNode>
+      </dgm:layoutNode>
+      <dgm:forEach name="Name5" axis="followSib" ptType="sibTrans" cnt="1">
+        <dgm:layoutNode name="space">
+          <dgm:alg type="sp"/>
+          <dgm:shape xmlns:r="http://schemas.openxmlformats.org/officeDocument/2006/relationships" r:blip="">
+            <dgm:adjLst/>
+          </dgm:shape>
+          <dgm:presOf/>
+          <dgm:constrLst/>
+          <dgm:ruleLst/>
+        </dgm:layoutNode>
+      </dgm:forEach>
+    </dgm:forEach>
+  </dgm:layoutNode>
+</dgm:layoutDef>
+</file>
+
 <file path=ppt/diagrams/quickStyle1.xml><?xml version="1.0" encoding="utf-8"?>
 <dgm:styleDef xmlns:dgm="http://schemas.openxmlformats.org/drawingml/2006/diagram" xmlns:a="http://schemas.openxmlformats.org/drawingml/2006/main" uniqueId="urn:microsoft.com/office/officeart/2005/8/quickstyle/simple1">
   <dgm:title val=""/>
@@ -5994,6 +6669,1040 @@
 </file>
 
 <file path=ppt/diagrams/quickStyle2.xml><?xml version="1.0" encoding="utf-8"?>
+<dgm:styleDef xmlns:dgm="http://schemas.openxmlformats.org/drawingml/2006/diagram" xmlns:a="http://schemas.openxmlformats.org/drawingml/2006/main" uniqueId="urn:microsoft.com/office/officeart/2005/8/quickstyle/simple1">
+  <dgm:title val=""/>
+  <dgm:desc val=""/>
+  <dgm:catLst>
+    <dgm:cat type="simple" pri="10100"/>
+  </dgm:catLst>
+  <dgm:scene3d>
+    <a:camera prst="orthographicFront"/>
+    <a:lightRig rig="threePt" dir="t"/>
+  </dgm:scene3d>
+  <dgm:styleLbl name="node0">
+    <dgm:scene3d>
+      <a:camera prst="orthographicFront"/>
+      <a:lightRig rig="threePt" dir="t"/>
+    </dgm:scene3d>
+    <dgm:sp3d/>
+    <dgm:txPr/>
+    <dgm:style>
+      <a:lnRef idx="2">
+        <a:scrgbClr r="0" g="0" b="0"/>
+      </a:lnRef>
+      <a:fillRef idx="1">
+        <a:scrgbClr r="0" g="0" b="0"/>
+      </a:fillRef>
+      <a:effectRef idx="0">
+        <a:scrgbClr r="0" g="0" b="0"/>
+      </a:effectRef>
+      <a:fontRef idx="minor">
+        <a:schemeClr val="lt1"/>
+      </a:fontRef>
+    </dgm:style>
+  </dgm:styleLbl>
+  <dgm:styleLbl name="lnNode1">
+    <dgm:scene3d>
+      <a:camera prst="orthographicFront"/>
+      <a:lightRig rig="threePt" dir="t"/>
+    </dgm:scene3d>
+    <dgm:sp3d/>
+    <dgm:txPr/>
+    <dgm:style>
+      <a:lnRef idx="2">
+        <a:scrgbClr r="0" g="0" b="0"/>
+      </a:lnRef>
+      <a:fillRef idx="1">
+        <a:scrgbClr r="0" g="0" b="0"/>
+      </a:fillRef>
+      <a:effectRef idx="0">
+        <a:scrgbClr r="0" g="0" b="0"/>
+      </a:effectRef>
+      <a:fontRef idx="minor">
+        <a:schemeClr val="lt1"/>
+      </a:fontRef>
+    </dgm:style>
+  </dgm:styleLbl>
+  <dgm:styleLbl name="vennNode1">
+    <dgm:scene3d>
+      <a:camera prst="orthographicFront"/>
+      <a:lightRig rig="threePt" dir="t"/>
+    </dgm:scene3d>
+    <dgm:sp3d/>
+    <dgm:txPr/>
+    <dgm:style>
+      <a:lnRef idx="2">
+        <a:scrgbClr r="0" g="0" b="0"/>
+      </a:lnRef>
+      <a:fillRef idx="1">
+        <a:scrgbClr r="0" g="0" b="0"/>
+      </a:fillRef>
+      <a:effectRef idx="0">
+        <a:scrgbClr r="0" g="0" b="0"/>
+      </a:effectRef>
+      <a:fontRef idx="minor">
+        <a:schemeClr val="tx1"/>
+      </a:fontRef>
+    </dgm:style>
+  </dgm:styleLbl>
+  <dgm:styleLbl name="alignNode1">
+    <dgm:scene3d>
+      <a:camera prst="orthographicFront"/>
+      <a:lightRig rig="threePt" dir="t"/>
+    </dgm:scene3d>
+    <dgm:sp3d/>
+    <dgm:txPr/>
+    <dgm:style>
+      <a:lnRef idx="2">
+        <a:scrgbClr r="0" g="0" b="0"/>
+      </a:lnRef>
+      <a:fillRef idx="1">
+        <a:scrgbClr r="0" g="0" b="0"/>
+      </a:fillRef>
+      <a:effectRef idx="0">
+        <a:scrgbClr r="0" g="0" b="0"/>
+      </a:effectRef>
+      <a:fontRef idx="minor">
+        <a:schemeClr val="lt1"/>
+      </a:fontRef>
+    </dgm:style>
+  </dgm:styleLbl>
+  <dgm:styleLbl name="node1">
+    <dgm:scene3d>
+      <a:camera prst="orthographicFront"/>
+      <a:lightRig rig="threePt" dir="t"/>
+    </dgm:scene3d>
+    <dgm:sp3d/>
+    <dgm:txPr/>
+    <dgm:style>
+      <a:lnRef idx="2">
+        <a:scrgbClr r="0" g="0" b="0"/>
+      </a:lnRef>
+      <a:fillRef idx="1">
+        <a:scrgbClr r="0" g="0" b="0"/>
+      </a:fillRef>
+      <a:effectRef idx="0">
+        <a:scrgbClr r="0" g="0" b="0"/>
+      </a:effectRef>
+      <a:fontRef idx="minor">
+        <a:schemeClr val="lt1"/>
+      </a:fontRef>
+    </dgm:style>
+  </dgm:styleLbl>
+  <dgm:styleLbl name="node2">
+    <dgm:scene3d>
+      <a:camera prst="orthographicFront"/>
+      <a:lightRig rig="threePt" dir="t"/>
+    </dgm:scene3d>
+    <dgm:sp3d/>
+    <dgm:txPr/>
+    <dgm:style>
+      <a:lnRef idx="2">
+        <a:scrgbClr r="0" g="0" b="0"/>
+      </a:lnRef>
+      <a:fillRef idx="1">
+        <a:scrgbClr r="0" g="0" b="0"/>
+      </a:fillRef>
+      <a:effectRef idx="0">
+        <a:scrgbClr r="0" g="0" b="0"/>
+      </a:effectRef>
+      <a:fontRef idx="minor">
+        <a:schemeClr val="lt1"/>
+      </a:fontRef>
+    </dgm:style>
+  </dgm:styleLbl>
+  <dgm:styleLbl name="node3">
+    <dgm:scene3d>
+      <a:camera prst="orthographicFront"/>
+      <a:lightRig rig="threePt" dir="t"/>
+    </dgm:scene3d>
+    <dgm:sp3d/>
+    <dgm:txPr/>
+    <dgm:style>
+      <a:lnRef idx="2">
+        <a:scrgbClr r="0" g="0" b="0"/>
+      </a:lnRef>
+      <a:fillRef idx="1">
+        <a:scrgbClr r="0" g="0" b="0"/>
+      </a:fillRef>
+      <a:effectRef idx="0">
+        <a:scrgbClr r="0" g="0" b="0"/>
+      </a:effectRef>
+      <a:fontRef idx="minor">
+        <a:schemeClr val="lt1"/>
+      </a:fontRef>
+    </dgm:style>
+  </dgm:styleLbl>
+  <dgm:styleLbl name="node4">
+    <dgm:scene3d>
+      <a:camera prst="orthographicFront"/>
+      <a:lightRig rig="threePt" dir="t"/>
+    </dgm:scene3d>
+    <dgm:sp3d/>
+    <dgm:txPr/>
+    <dgm:style>
+      <a:lnRef idx="2">
+        <a:scrgbClr r="0" g="0" b="0"/>
+      </a:lnRef>
+      <a:fillRef idx="1">
+        <a:scrgbClr r="0" g="0" b="0"/>
+      </a:fillRef>
+      <a:effectRef idx="0">
+        <a:scrgbClr r="0" g="0" b="0"/>
+      </a:effectRef>
+      <a:fontRef idx="minor">
+        <a:schemeClr val="lt1"/>
+      </a:fontRef>
+    </dgm:style>
+  </dgm:styleLbl>
+  <dgm:styleLbl name="fgImgPlace1">
+    <dgm:scene3d>
+      <a:camera prst="orthographicFront"/>
+      <a:lightRig rig="threePt" dir="t"/>
+    </dgm:scene3d>
+    <dgm:sp3d/>
+    <dgm:txPr/>
+    <dgm:style>
+      <a:lnRef idx="2">
+        <a:scrgbClr r="0" g="0" b="0"/>
+      </a:lnRef>
+      <a:fillRef idx="1">
+        <a:scrgbClr r="0" g="0" b="0"/>
+      </a:fillRef>
+      <a:effectRef idx="0">
+        <a:scrgbClr r="0" g="0" b="0"/>
+      </a:effectRef>
+      <a:fontRef idx="minor"/>
+    </dgm:style>
+  </dgm:styleLbl>
+  <dgm:styleLbl name="alignImgPlace1">
+    <dgm:scene3d>
+      <a:camera prst="orthographicFront"/>
+      <a:lightRig rig="threePt" dir="t"/>
+    </dgm:scene3d>
+    <dgm:sp3d/>
+    <dgm:txPr/>
+    <dgm:style>
+      <a:lnRef idx="2">
+        <a:scrgbClr r="0" g="0" b="0"/>
+      </a:lnRef>
+      <a:fillRef idx="1">
+        <a:scrgbClr r="0" g="0" b="0"/>
+      </a:fillRef>
+      <a:effectRef idx="0">
+        <a:scrgbClr r="0" g="0" b="0"/>
+      </a:effectRef>
+      <a:fontRef idx="minor"/>
+    </dgm:style>
+  </dgm:styleLbl>
+  <dgm:styleLbl name="bgImgPlace1">
+    <dgm:scene3d>
+      <a:camera prst="orthographicFront"/>
+      <a:lightRig rig="threePt" dir="t"/>
+    </dgm:scene3d>
+    <dgm:sp3d/>
+    <dgm:txPr/>
+    <dgm:style>
+      <a:lnRef idx="2">
+        <a:scrgbClr r="0" g="0" b="0"/>
+      </a:lnRef>
+      <a:fillRef idx="1">
+        <a:scrgbClr r="0" g="0" b="0"/>
+      </a:fillRef>
+      <a:effectRef idx="0">
+        <a:scrgbClr r="0" g="0" b="0"/>
+      </a:effectRef>
+      <a:fontRef idx="minor"/>
+    </dgm:style>
+  </dgm:styleLbl>
+  <dgm:styleLbl name="sibTrans2D1">
+    <dgm:scene3d>
+      <a:camera prst="orthographicFront"/>
+      <a:lightRig rig="threePt" dir="t"/>
+    </dgm:scene3d>
+    <dgm:sp3d/>
+    <dgm:txPr/>
+    <dgm:style>
+      <a:lnRef idx="0">
+        <a:scrgbClr r="0" g="0" b="0"/>
+      </a:lnRef>
+      <a:fillRef idx="1">
+        <a:scrgbClr r="0" g="0" b="0"/>
+      </a:fillRef>
+      <a:effectRef idx="0">
+        <a:scrgbClr r="0" g="0" b="0"/>
+      </a:effectRef>
+      <a:fontRef idx="minor">
+        <a:schemeClr val="lt1"/>
+      </a:fontRef>
+    </dgm:style>
+  </dgm:styleLbl>
+  <dgm:styleLbl name="fgSibTrans2D1">
+    <dgm:scene3d>
+      <a:camera prst="orthographicFront"/>
+      <a:lightRig rig="threePt" dir="t"/>
+    </dgm:scene3d>
+    <dgm:sp3d/>
+    <dgm:txPr/>
+    <dgm:style>
+      <a:lnRef idx="0">
+        <a:scrgbClr r="0" g="0" b="0"/>
+      </a:lnRef>
+      <a:fillRef idx="1">
+        <a:scrgbClr r="0" g="0" b="0"/>
+      </a:fillRef>
+      <a:effectRef idx="0">
+        <a:scrgbClr r="0" g="0" b="0"/>
+      </a:effectRef>
+      <a:fontRef idx="minor">
+        <a:schemeClr val="lt1"/>
+      </a:fontRef>
+    </dgm:style>
+  </dgm:styleLbl>
+  <dgm:styleLbl name="bgSibTrans2D1">
+    <dgm:scene3d>
+      <a:camera prst="orthographicFront"/>
+      <a:lightRig rig="threePt" dir="t"/>
+    </dgm:scene3d>
+    <dgm:sp3d/>
+    <dgm:txPr/>
+    <dgm:style>
+      <a:lnRef idx="0">
+        <a:scrgbClr r="0" g="0" b="0"/>
+      </a:lnRef>
+      <a:fillRef idx="1">
+        <a:scrgbClr r="0" g="0" b="0"/>
+      </a:fillRef>
+      <a:effectRef idx="0">
+        <a:scrgbClr r="0" g="0" b="0"/>
+      </a:effectRef>
+      <a:fontRef idx="minor">
+        <a:schemeClr val="lt1"/>
+      </a:fontRef>
+    </dgm:style>
+  </dgm:styleLbl>
+  <dgm:styleLbl name="sibTrans1D1">
+    <dgm:scene3d>
+      <a:camera prst="orthographicFront"/>
+      <a:lightRig rig="threePt" dir="t"/>
+    </dgm:scene3d>
+    <dgm:sp3d/>
+    <dgm:txPr/>
+    <dgm:style>
+      <a:lnRef idx="1">
+        <a:scrgbClr r="0" g="0" b="0"/>
+      </a:lnRef>
+      <a:fillRef idx="0">
+        <a:scrgbClr r="0" g="0" b="0"/>
+      </a:fillRef>
+      <a:effectRef idx="0">
+        <a:scrgbClr r="0" g="0" b="0"/>
+      </a:effectRef>
+      <a:fontRef idx="minor"/>
+    </dgm:style>
+  </dgm:styleLbl>
+  <dgm:styleLbl name="callout">
+    <dgm:scene3d>
+      <a:camera prst="orthographicFront"/>
+      <a:lightRig rig="threePt" dir="t"/>
+    </dgm:scene3d>
+    <dgm:sp3d/>
+    <dgm:txPr/>
+    <dgm:style>
+      <a:lnRef idx="2">
+        <a:scrgbClr r="0" g="0" b="0"/>
+      </a:lnRef>
+      <a:fillRef idx="1">
+        <a:scrgbClr r="0" g="0" b="0"/>
+      </a:fillRef>
+      <a:effectRef idx="0">
+        <a:scrgbClr r="0" g="0" b="0"/>
+      </a:effectRef>
+      <a:fontRef idx="minor"/>
+    </dgm:style>
+  </dgm:styleLbl>
+  <dgm:styleLbl name="asst0">
+    <dgm:scene3d>
+      <a:camera prst="orthographicFront"/>
+      <a:lightRig rig="threePt" dir="t"/>
+    </dgm:scene3d>
+    <dgm:sp3d/>
+    <dgm:txPr/>
+    <dgm:style>
+      <a:lnRef idx="2">
+        <a:scrgbClr r="0" g="0" b="0"/>
+      </a:lnRef>
+      <a:fillRef idx="1">
+        <a:scrgbClr r="0" g="0" b="0"/>
+      </a:fillRef>
+      <a:effectRef idx="0">
+        <a:scrgbClr r="0" g="0" b="0"/>
+      </a:effectRef>
+      <a:fontRef idx="minor">
+        <a:schemeClr val="lt1"/>
+      </a:fontRef>
+    </dgm:style>
+  </dgm:styleLbl>
+  <dgm:styleLbl name="asst1">
+    <dgm:scene3d>
+      <a:camera prst="orthographicFront"/>
+      <a:lightRig rig="threePt" dir="t"/>
+    </dgm:scene3d>
+    <dgm:sp3d/>
+    <dgm:txPr/>
+    <dgm:style>
+      <a:lnRef idx="2">
+        <a:scrgbClr r="0" g="0" b="0"/>
+      </a:lnRef>
+      <a:fillRef idx="1">
+        <a:scrgbClr r="0" g="0" b="0"/>
+      </a:fillRef>
+      <a:effectRef idx="0">
+        <a:scrgbClr r="0" g="0" b="0"/>
+      </a:effectRef>
+      <a:fontRef idx="minor">
+        <a:schemeClr val="lt1"/>
+      </a:fontRef>
+    </dgm:style>
+  </dgm:styleLbl>
+  <dgm:styleLbl name="asst2">
+    <dgm:scene3d>
+      <a:camera prst="orthographicFront"/>
+      <a:lightRig rig="threePt" dir="t"/>
+    </dgm:scene3d>
+    <dgm:sp3d/>
+    <dgm:txPr/>
+    <dgm:style>
+      <a:lnRef idx="2">
+        <a:scrgbClr r="0" g="0" b="0"/>
+      </a:lnRef>
+      <a:fillRef idx="1">
+        <a:scrgbClr r="0" g="0" b="0"/>
+      </a:fillRef>
+      <a:effectRef idx="0">
+        <a:scrgbClr r="0" g="0" b="0"/>
+      </a:effectRef>
+      <a:fontRef idx="minor">
+        <a:schemeClr val="lt1"/>
+      </a:fontRef>
+    </dgm:style>
+  </dgm:styleLbl>
+  <dgm:styleLbl name="asst3">
+    <dgm:scene3d>
+      <a:camera prst="orthographicFront"/>
+      <a:lightRig rig="threePt" dir="t"/>
+    </dgm:scene3d>
+    <dgm:sp3d/>
+    <dgm:txPr/>
+    <dgm:style>
+      <a:lnRef idx="2">
+        <a:scrgbClr r="0" g="0" b="0"/>
+      </a:lnRef>
+      <a:fillRef idx="1">
+        <a:scrgbClr r="0" g="0" b="0"/>
+      </a:fillRef>
+      <a:effectRef idx="0">
+        <a:scrgbClr r="0" g="0" b="0"/>
+      </a:effectRef>
+      <a:fontRef idx="minor">
+        <a:schemeClr val="lt1"/>
+      </a:fontRef>
+    </dgm:style>
+  </dgm:styleLbl>
+  <dgm:styleLbl name="asst4">
+    <dgm:scene3d>
+      <a:camera prst="orthographicFront"/>
+      <a:lightRig rig="threePt" dir="t"/>
+    </dgm:scene3d>
+    <dgm:sp3d/>
+    <dgm:txPr/>
+    <dgm:style>
+      <a:lnRef idx="2">
+        <a:scrgbClr r="0" g="0" b="0"/>
+      </a:lnRef>
+      <a:fillRef idx="1">
+        <a:scrgbClr r="0" g="0" b="0"/>
+      </a:fillRef>
+      <a:effectRef idx="0">
+        <a:scrgbClr r="0" g="0" b="0"/>
+      </a:effectRef>
+      <a:fontRef idx="minor">
+        <a:schemeClr val="lt1"/>
+      </a:fontRef>
+    </dgm:style>
+  </dgm:styleLbl>
+  <dgm:styleLbl name="parChTrans2D1">
+    <dgm:scene3d>
+      <a:camera prst="orthographicFront"/>
+      <a:lightRig rig="threePt" dir="t"/>
+    </dgm:scene3d>
+    <dgm:sp3d/>
+    <dgm:txPr/>
+    <dgm:style>
+      <a:lnRef idx="2">
+        <a:scrgbClr r="0" g="0" b="0"/>
+      </a:lnRef>
+      <a:fillRef idx="1">
+        <a:scrgbClr r="0" g="0" b="0"/>
+      </a:fillRef>
+      <a:effectRef idx="0">
+        <a:scrgbClr r="0" g="0" b="0"/>
+      </a:effectRef>
+      <a:fontRef idx="minor">
+        <a:schemeClr val="lt1"/>
+      </a:fontRef>
+    </dgm:style>
+  </dgm:styleLbl>
+  <dgm:styleLbl name="parChTrans2D2">
+    <dgm:scene3d>
+      <a:camera prst="orthographicFront"/>
+      <a:lightRig rig="threePt" dir="t"/>
+    </dgm:scene3d>
+    <dgm:sp3d/>
+    <dgm:txPr/>
+    <dgm:style>
+      <a:lnRef idx="2">
+        <a:scrgbClr r="0" g="0" b="0"/>
+      </a:lnRef>
+      <a:fillRef idx="1">
+        <a:scrgbClr r="0" g="0" b="0"/>
+      </a:fillRef>
+      <a:effectRef idx="0">
+        <a:scrgbClr r="0" g="0" b="0"/>
+      </a:effectRef>
+      <a:fontRef idx="minor">
+        <a:schemeClr val="lt1"/>
+      </a:fontRef>
+    </dgm:style>
+  </dgm:styleLbl>
+  <dgm:styleLbl name="parChTrans2D3">
+    <dgm:scene3d>
+      <a:camera prst="orthographicFront"/>
+      <a:lightRig rig="threePt" dir="t"/>
+    </dgm:scene3d>
+    <dgm:sp3d/>
+    <dgm:txPr/>
+    <dgm:style>
+      <a:lnRef idx="2">
+        <a:scrgbClr r="0" g="0" b="0"/>
+      </a:lnRef>
+      <a:fillRef idx="1">
+        <a:scrgbClr r="0" g="0" b="0"/>
+      </a:fillRef>
+      <a:effectRef idx="0">
+        <a:scrgbClr r="0" g="0" b="0"/>
+      </a:effectRef>
+      <a:fontRef idx="minor">
+        <a:schemeClr val="lt1"/>
+      </a:fontRef>
+    </dgm:style>
+  </dgm:styleLbl>
+  <dgm:styleLbl name="parChTrans2D4">
+    <dgm:scene3d>
+      <a:camera prst="orthographicFront"/>
+      <a:lightRig rig="threePt" dir="t"/>
+    </dgm:scene3d>
+    <dgm:sp3d/>
+    <dgm:txPr/>
+    <dgm:style>
+      <a:lnRef idx="2">
+        <a:scrgbClr r="0" g="0" b="0"/>
+      </a:lnRef>
+      <a:fillRef idx="1">
+        <a:scrgbClr r="0" g="0" b="0"/>
+      </a:fillRef>
+      <a:effectRef idx="0">
+        <a:scrgbClr r="0" g="0" b="0"/>
+      </a:effectRef>
+      <a:fontRef idx="minor">
+        <a:schemeClr val="lt1"/>
+      </a:fontRef>
+    </dgm:style>
+  </dgm:styleLbl>
+  <dgm:styleLbl name="parChTrans1D1">
+    <dgm:scene3d>
+      <a:camera prst="orthographicFront"/>
+      <a:lightRig rig="threePt" dir="t"/>
+    </dgm:scene3d>
+    <dgm:sp3d/>
+    <dgm:txPr/>
+    <dgm:style>
+      <a:lnRef idx="2">
+        <a:scrgbClr r="0" g="0" b="0"/>
+      </a:lnRef>
+      <a:fillRef idx="0">
+        <a:scrgbClr r="0" g="0" b="0"/>
+      </a:fillRef>
+      <a:effectRef idx="0">
+        <a:scrgbClr r="0" g="0" b="0"/>
+      </a:effectRef>
+      <a:fontRef idx="minor"/>
+    </dgm:style>
+  </dgm:styleLbl>
+  <dgm:styleLbl name="parChTrans1D2">
+    <dgm:scene3d>
+      <a:camera prst="orthographicFront"/>
+      <a:lightRig rig="threePt" dir="t"/>
+    </dgm:scene3d>
+    <dgm:sp3d/>
+    <dgm:txPr/>
+    <dgm:style>
+      <a:lnRef idx="2">
+        <a:scrgbClr r="0" g="0" b="0"/>
+      </a:lnRef>
+      <a:fillRef idx="0">
+        <a:scrgbClr r="0" g="0" b="0"/>
+      </a:fillRef>
+      <a:effectRef idx="0">
+        <a:scrgbClr r="0" g="0" b="0"/>
+      </a:effectRef>
+      <a:fontRef idx="minor"/>
+    </dgm:style>
+  </dgm:styleLbl>
+  <dgm:styleLbl name="parChTrans1D3">
+    <dgm:scene3d>
+      <a:camera prst="orthographicFront"/>
+      <a:lightRig rig="threePt" dir="t"/>
+    </dgm:scene3d>
+    <dgm:sp3d/>
+    <dgm:txPr/>
+    <dgm:style>
+      <a:lnRef idx="2">
+        <a:scrgbClr r="0" g="0" b="0"/>
+      </a:lnRef>
+      <a:fillRef idx="0">
+        <a:scrgbClr r="0" g="0" b="0"/>
+      </a:fillRef>
+      <a:effectRef idx="0">
+        <a:scrgbClr r="0" g="0" b="0"/>
+      </a:effectRef>
+      <a:fontRef idx="minor"/>
+    </dgm:style>
+  </dgm:styleLbl>
+  <dgm:styleLbl name="parChTrans1D4">
+    <dgm:scene3d>
+      <a:camera prst="orthographicFront"/>
+      <a:lightRig rig="threePt" dir="t"/>
+    </dgm:scene3d>
+    <dgm:sp3d/>
+    <dgm:txPr/>
+    <dgm:style>
+      <a:lnRef idx="2">
+        <a:scrgbClr r="0" g="0" b="0"/>
+      </a:lnRef>
+      <a:fillRef idx="0">
+        <a:scrgbClr r="0" g="0" b="0"/>
+      </a:fillRef>
+      <a:effectRef idx="0">
+        <a:scrgbClr r="0" g="0" b="0"/>
+      </a:effectRef>
+      <a:fontRef idx="minor"/>
+    </dgm:style>
+  </dgm:styleLbl>
+  <dgm:styleLbl name="fgAcc1">
+    <dgm:scene3d>
+      <a:camera prst="orthographicFront"/>
+      <a:lightRig rig="threePt" dir="t"/>
+    </dgm:scene3d>
+    <dgm:sp3d/>
+    <dgm:txPr/>
+    <dgm:style>
+      <a:lnRef idx="2">
+        <a:scrgbClr r="0" g="0" b="0"/>
+      </a:lnRef>
+      <a:fillRef idx="1">
+        <a:scrgbClr r="0" g="0" b="0"/>
+      </a:fillRef>
+      <a:effectRef idx="0">
+        <a:scrgbClr r="0" g="0" b="0"/>
+      </a:effectRef>
+      <a:fontRef idx="minor"/>
+    </dgm:style>
+  </dgm:styleLbl>
+  <dgm:styleLbl name="conFgAcc1">
+    <dgm:scene3d>
+      <a:camera prst="orthographicFront"/>
+      <a:lightRig rig="threePt" dir="t"/>
+    </dgm:scene3d>
+    <dgm:sp3d/>
+    <dgm:txPr/>
+    <dgm:style>
+      <a:lnRef idx="2">
+        <a:scrgbClr r="0" g="0" b="0"/>
+      </a:lnRef>
+      <a:fillRef idx="1">
+        <a:scrgbClr r="0" g="0" b="0"/>
+      </a:fillRef>
+      <a:effectRef idx="0">
+        <a:scrgbClr r="0" g="0" b="0"/>
+      </a:effectRef>
+      <a:fontRef idx="minor"/>
+    </dgm:style>
+  </dgm:styleLbl>
+  <dgm:styleLbl name="alignAcc1">
+    <dgm:scene3d>
+      <a:camera prst="orthographicFront"/>
+      <a:lightRig rig="threePt" dir="t"/>
+    </dgm:scene3d>
+    <dgm:sp3d/>
+    <dgm:txPr/>
+    <dgm:style>
+      <a:lnRef idx="2">
+        <a:scrgbClr r="0" g="0" b="0"/>
+      </a:lnRef>
+      <a:fillRef idx="1">
+        <a:scrgbClr r="0" g="0" b="0"/>
+      </a:fillRef>
+      <a:effectRef idx="0">
+        <a:scrgbClr r="0" g="0" b="0"/>
+      </a:effectRef>
+      <a:fontRef idx="minor"/>
+    </dgm:style>
+  </dgm:styleLbl>
+  <dgm:styleLbl name="trAlignAcc1">
+    <dgm:scene3d>
+      <a:camera prst="orthographicFront"/>
+      <a:lightRig rig="threePt" dir="t"/>
+    </dgm:scene3d>
+    <dgm:sp3d/>
+    <dgm:txPr/>
+    <dgm:style>
+      <a:lnRef idx="1">
+        <a:scrgbClr r="0" g="0" b="0"/>
+      </a:lnRef>
+      <a:fillRef idx="1">
+        <a:scrgbClr r="0" g="0" b="0"/>
+      </a:fillRef>
+      <a:effectRef idx="0">
+        <a:scrgbClr r="0" g="0" b="0"/>
+      </a:effectRef>
+      <a:fontRef idx="minor"/>
+    </dgm:style>
+  </dgm:styleLbl>
+  <dgm:styleLbl name="bgAcc1">
+    <dgm:scene3d>
+      <a:camera prst="orthographicFront"/>
+      <a:lightRig rig="threePt" dir="t"/>
+    </dgm:scene3d>
+    <dgm:sp3d/>
+    <dgm:txPr/>
+    <dgm:style>
+      <a:lnRef idx="2">
+        <a:scrgbClr r="0" g="0" b="0"/>
+      </a:lnRef>
+      <a:fillRef idx="1">
+        <a:scrgbClr r="0" g="0" b="0"/>
+      </a:fillRef>
+      <a:effectRef idx="0">
+        <a:scrgbClr r="0" g="0" b="0"/>
+      </a:effectRef>
+      <a:fontRef idx="minor"/>
+    </dgm:style>
+  </dgm:styleLbl>
+  <dgm:styleLbl name="solidFgAcc1">
+    <dgm:scene3d>
+      <a:camera prst="orthographicFront"/>
+      <a:lightRig rig="threePt" dir="t"/>
+    </dgm:scene3d>
+    <dgm:sp3d/>
+    <dgm:txPr/>
+    <dgm:style>
+      <a:lnRef idx="2">
+        <a:scrgbClr r="0" g="0" b="0"/>
+      </a:lnRef>
+      <a:fillRef idx="1">
+        <a:scrgbClr r="0" g="0" b="0"/>
+      </a:fillRef>
+      <a:effectRef idx="0">
+        <a:scrgbClr r="0" g="0" b="0"/>
+      </a:effectRef>
+      <a:fontRef idx="minor"/>
+    </dgm:style>
+  </dgm:styleLbl>
+  <dgm:styleLbl name="solidAlignAcc1">
+    <dgm:scene3d>
+      <a:camera prst="orthographicFront"/>
+      <a:lightRig rig="threePt" dir="t"/>
+    </dgm:scene3d>
+    <dgm:sp3d/>
+    <dgm:txPr/>
+    <dgm:style>
+      <a:lnRef idx="2">
+        <a:scrgbClr r="0" g="0" b="0"/>
+      </a:lnRef>
+      <a:fillRef idx="1">
+        <a:scrgbClr r="0" g="0" b="0"/>
+      </a:fillRef>
+      <a:effectRef idx="0">
+        <a:scrgbClr r="0" g="0" b="0"/>
+      </a:effectRef>
+      <a:fontRef idx="minor"/>
+    </dgm:style>
+  </dgm:styleLbl>
+  <dgm:styleLbl name="solidBgAcc1">
+    <dgm:scene3d>
+      <a:camera prst="orthographicFront"/>
+      <a:lightRig rig="threePt" dir="t"/>
+    </dgm:scene3d>
+    <dgm:sp3d/>
+    <dgm:txPr/>
+    <dgm:style>
+      <a:lnRef idx="2">
+        <a:scrgbClr r="0" g="0" b="0"/>
+      </a:lnRef>
+      <a:fillRef idx="1">
+        <a:scrgbClr r="0" g="0" b="0"/>
+      </a:fillRef>
+      <a:effectRef idx="0">
+        <a:scrgbClr r="0" g="0" b="0"/>
+      </a:effectRef>
+      <a:fontRef idx="minor"/>
+    </dgm:style>
+  </dgm:styleLbl>
+  <dgm:styleLbl name="fgAccFollowNode1">
+    <dgm:scene3d>
+      <a:camera prst="orthographicFront"/>
+      <a:lightRig rig="threePt" dir="t"/>
+    </dgm:scene3d>
+    <dgm:sp3d/>
+    <dgm:txPr/>
+    <dgm:style>
+      <a:lnRef idx="2">
+        <a:scrgbClr r="0" g="0" b="0"/>
+      </a:lnRef>
+      <a:fillRef idx="1">
+        <a:scrgbClr r="0" g="0" b="0"/>
+      </a:fillRef>
+      <a:effectRef idx="0">
+        <a:scrgbClr r="0" g="0" b="0"/>
+      </a:effectRef>
+      <a:fontRef idx="minor"/>
+    </dgm:style>
+  </dgm:styleLbl>
+  <dgm:styleLbl name="alignAccFollowNode1">
+    <dgm:scene3d>
+      <a:camera prst="orthographicFront"/>
+      <a:lightRig rig="threePt" dir="t"/>
+    </dgm:scene3d>
+    <dgm:sp3d/>
+    <dgm:txPr/>
+    <dgm:style>
+      <a:lnRef idx="2">
+        <a:scrgbClr r="0" g="0" b="0"/>
+      </a:lnRef>
+      <a:fillRef idx="1">
+        <a:scrgbClr r="0" g="0" b="0"/>
+      </a:fillRef>
+      <a:effectRef idx="0">
+        <a:scrgbClr r="0" g="0" b="0"/>
+      </a:effectRef>
+      <a:fontRef idx="minor"/>
+    </dgm:style>
+  </dgm:styleLbl>
+  <dgm:styleLbl name="bgAccFollowNode1">
+    <dgm:scene3d>
+      <a:camera prst="orthographicFront"/>
+      <a:lightRig rig="threePt" dir="t"/>
+    </dgm:scene3d>
+    <dgm:sp3d/>
+    <dgm:txPr/>
+    <dgm:style>
+      <a:lnRef idx="2">
+        <a:scrgbClr r="0" g="0" b="0"/>
+      </a:lnRef>
+      <a:fillRef idx="1">
+        <a:scrgbClr r="0" g="0" b="0"/>
+      </a:fillRef>
+      <a:effectRef idx="0">
+        <a:scrgbClr r="0" g="0" b="0"/>
+      </a:effectRef>
+      <a:fontRef idx="minor"/>
+    </dgm:style>
+  </dgm:styleLbl>
+  <dgm:styleLbl name="fgAcc0">
+    <dgm:scene3d>
+      <a:camera prst="orthographicFront"/>
+      <a:lightRig rig="threePt" dir="t"/>
+    </dgm:scene3d>
+    <dgm:sp3d/>
+    <dgm:txPr/>
+    <dgm:style>
+      <a:lnRef idx="2">
+        <a:scrgbClr r="0" g="0" b="0"/>
+      </a:lnRef>
+      <a:fillRef idx="1">
+        <a:scrgbClr r="0" g="0" b="0"/>
+      </a:fillRef>
+      <a:effectRef idx="0">
+        <a:scrgbClr r="0" g="0" b="0"/>
+      </a:effectRef>
+      <a:fontRef idx="minor"/>
+    </dgm:style>
+  </dgm:styleLbl>
+  <dgm:styleLbl name="fgAcc2">
+    <dgm:scene3d>
+      <a:camera prst="orthographicFront"/>
+      <a:lightRig rig="threePt" dir="t"/>
+    </dgm:scene3d>
+    <dgm:sp3d/>
+    <dgm:txPr/>
+    <dgm:style>
+      <a:lnRef idx="2">
+        <a:scrgbClr r="0" g="0" b="0"/>
+      </a:lnRef>
+      <a:fillRef idx="1">
+        <a:scrgbClr r="0" g="0" b="0"/>
+      </a:fillRef>
+      <a:effectRef idx="0">
+        <a:scrgbClr r="0" g="0" b="0"/>
+      </a:effectRef>
+      <a:fontRef idx="minor"/>
+    </dgm:style>
+  </dgm:styleLbl>
+  <dgm:styleLbl name="fgAcc3">
+    <dgm:scene3d>
+      <a:camera prst="orthographicFront"/>
+      <a:lightRig rig="threePt" dir="t"/>
+    </dgm:scene3d>
+    <dgm:sp3d/>
+    <dgm:txPr/>
+    <dgm:style>
+      <a:lnRef idx="2">
+        <a:scrgbClr r="0" g="0" b="0"/>
+      </a:lnRef>
+      <a:fillRef idx="1">
+        <a:scrgbClr r="0" g="0" b="0"/>
+      </a:fillRef>
+      <a:effectRef idx="0">
+        <a:scrgbClr r="0" g="0" b="0"/>
+      </a:effectRef>
+      <a:fontRef idx="minor"/>
+    </dgm:style>
+  </dgm:styleLbl>
+  <dgm:styleLbl name="fgAcc4">
+    <dgm:scene3d>
+      <a:camera prst="orthographicFront"/>
+      <a:lightRig rig="threePt" dir="t"/>
+    </dgm:scene3d>
+    <dgm:sp3d/>
+    <dgm:txPr/>
+    <dgm:style>
+      <a:lnRef idx="2">
+        <a:scrgbClr r="0" g="0" b="0"/>
+      </a:lnRef>
+      <a:fillRef idx="1">
+        <a:scrgbClr r="0" g="0" b="0"/>
+      </a:fillRef>
+      <a:effectRef idx="0">
+        <a:scrgbClr r="0" g="0" b="0"/>
+      </a:effectRef>
+      <a:fontRef idx="minor"/>
+    </dgm:style>
+  </dgm:styleLbl>
+  <dgm:styleLbl name="bgShp">
+    <dgm:scene3d>
+      <a:camera prst="orthographicFront"/>
+      <a:lightRig rig="threePt" dir="t"/>
+    </dgm:scene3d>
+    <dgm:sp3d/>
+    <dgm:txPr/>
+    <dgm:style>
+      <a:lnRef idx="0">
+        <a:scrgbClr r="0" g="0" b="0"/>
+      </a:lnRef>
+      <a:fillRef idx="1">
+        <a:scrgbClr r="0" g="0" b="0"/>
+      </a:fillRef>
+      <a:effectRef idx="0">
+        <a:scrgbClr r="0" g="0" b="0"/>
+      </a:effectRef>
+      <a:fontRef idx="minor"/>
+    </dgm:style>
+  </dgm:styleLbl>
+  <dgm:styleLbl name="dkBgShp">
+    <dgm:scene3d>
+      <a:camera prst="orthographicFront"/>
+      <a:lightRig rig="threePt" dir="t"/>
+    </dgm:scene3d>
+    <dgm:sp3d/>
+    <dgm:txPr/>
+    <dgm:style>
+      <a:lnRef idx="0">
+        <a:scrgbClr r="0" g="0" b="0"/>
+      </a:lnRef>
+      <a:fillRef idx="1">
+        <a:scrgbClr r="0" g="0" b="0"/>
+      </a:fillRef>
+      <a:effectRef idx="0">
+        <a:scrgbClr r="0" g="0" b="0"/>
+      </a:effectRef>
+      <a:fontRef idx="minor"/>
+    </dgm:style>
+  </dgm:styleLbl>
+  <dgm:styleLbl name="trBgShp">
+    <dgm:scene3d>
+      <a:camera prst="orthographicFront"/>
+      <a:lightRig rig="threePt" dir="t"/>
+    </dgm:scene3d>
+    <dgm:sp3d/>
+    <dgm:txPr/>
+    <dgm:style>
+      <a:lnRef idx="0">
+        <a:scrgbClr r="0" g="0" b="0"/>
+      </a:lnRef>
+      <a:fillRef idx="1">
+        <a:scrgbClr r="0" g="0" b="0"/>
+      </a:fillRef>
+      <a:effectRef idx="0">
+        <a:scrgbClr r="0" g="0" b="0"/>
+      </a:effectRef>
+      <a:fontRef idx="minor"/>
+    </dgm:style>
+  </dgm:styleLbl>
+  <dgm:styleLbl name="fgShp">
+    <dgm:scene3d>
+      <a:camera prst="orthographicFront"/>
+      <a:lightRig rig="threePt" dir="t"/>
+    </dgm:scene3d>
+    <dgm:sp3d/>
+    <dgm:txPr/>
+    <dgm:style>
+      <a:lnRef idx="2">
+        <a:scrgbClr r="0" g="0" b="0"/>
+      </a:lnRef>
+      <a:fillRef idx="1">
+        <a:scrgbClr r="0" g="0" b="0"/>
+      </a:fillRef>
+      <a:effectRef idx="0">
+        <a:scrgbClr r="0" g="0" b="0"/>
+      </a:effectRef>
+      <a:fontRef idx="minor"/>
+    </dgm:style>
+  </dgm:styleLbl>
+  <dgm:styleLbl name="revTx">
+    <dgm:scene3d>
+      <a:camera prst="orthographicFront"/>
+      <a:lightRig rig="threePt" dir="t"/>
+    </dgm:scene3d>
+    <dgm:sp3d/>
+    <dgm:txPr/>
+    <dgm:style>
+      <a:lnRef idx="0">
+        <a:scrgbClr r="0" g="0" b="0"/>
+      </a:lnRef>
+      <a:fillRef idx="0">
+        <a:scrgbClr r="0" g="0" b="0"/>
+      </a:fillRef>
+      <a:effectRef idx="0">
+        <a:scrgbClr r="0" g="0" b="0"/>
+      </a:effectRef>
+      <a:fontRef idx="minor"/>
+    </dgm:style>
+  </dgm:styleLbl>
+</dgm:styleDef>
+</file>
+
+<file path=ppt/diagrams/quickStyle3.xml><?xml version="1.0" encoding="utf-8"?>
 <dgm:styleDef xmlns:dgm="http://schemas.openxmlformats.org/drawingml/2006/diagram" xmlns:a="http://schemas.openxmlformats.org/drawingml/2006/main" uniqueId="urn:microsoft.com/office/officeart/2005/8/quickstyle/simple1">
   <dgm:title val=""/>
   <dgm:desc val=""/>
@@ -17089,7 +18798,7 @@
           <a:p>
             <a:r>
               <a:rPr lang="de-DE" dirty="0" err="1"/>
-              <a:t>Compolight</a:t>
+              <a:t>Stablelight</a:t>
             </a:r>
             <a:endParaRPr lang="de-DE" dirty="0" err="1">
               <a:ea typeface="Meiryo"/>
@@ -19110,6 +20819,47 @@
           </a:p>
         </p:txBody>
       </p:sp>
+      <p:sp>
+        <p:nvSpPr>
+          <p:cNvPr id="2" name="Textfeld 1">
+            <a:extLst>
+              <a:ext uri="{FF2B5EF4-FFF2-40B4-BE49-F238E27FC236}">
+                <a16:creationId xmlns:a16="http://schemas.microsoft.com/office/drawing/2014/main" id="{B977975A-DF42-FB1E-0FEA-57109DE2CD96}"/>
+              </a:ext>
+            </a:extLst>
+          </p:cNvPr>
+          <p:cNvSpPr txBox="1"/>
+          <p:nvPr/>
+        </p:nvSpPr>
+        <p:spPr>
+          <a:xfrm>
+            <a:off x="3947046" y="6550783"/>
+            <a:ext cx="1301086" cy="338554"/>
+          </a:xfrm>
+          <a:prstGeom prst="rect">
+            <a:avLst/>
+          </a:prstGeom>
+          <a:noFill/>
+        </p:spPr>
+        <p:txBody>
+          <a:bodyPr rot="0" spcFirstLastPara="0" vertOverflow="overflow" horzOverflow="overflow" vert="horz" wrap="square" lIns="91440" tIns="45720" rIns="91440" bIns="45720" numCol="1" spcCol="0" rtlCol="0" fromWordArt="0" anchor="t" anchorCtr="0" forceAA="0" compatLnSpc="1">
+            <a:prstTxWarp prst="textNoShape">
+              <a:avLst/>
+            </a:prstTxWarp>
+            <a:spAutoFit/>
+          </a:bodyPr>
+          <a:lstStyle/>
+          <a:p>
+            <a:r>
+              <a:rPr lang="de-DE" sz="1600" dirty="0">
+                <a:ea typeface="Meiryo"/>
+              </a:rPr>
+              <a:t>Abb. 2</a:t>
+            </a:r>
+            <a:endParaRPr lang="de-DE" sz="1600" dirty="0"/>
+          </a:p>
+        </p:txBody>
+      </p:sp>
     </p:spTree>
     <p:extLst>
       <p:ext uri="{BB962C8B-B14F-4D97-AF65-F5344CB8AC3E}">
@@ -19412,6 +21162,3867 @@
           <a:chExt cx="0" cy="0"/>
         </a:xfrm>
       </p:grpSpPr>
+      <p:cxnSp>
+        <p:nvCxnSpPr>
+          <p:cNvPr id="101" name="Straight Connector 100">
+            <a:extLst>
+              <a:ext uri="{FF2B5EF4-FFF2-40B4-BE49-F238E27FC236}">
+                <a16:creationId xmlns:a16="http://schemas.microsoft.com/office/drawing/2014/main" id="{430127AE-B29E-4FDF-99D2-A2F1E7003F74}"/>
+              </a:ext>
+              <a:ext uri="{C183D7F6-B498-43B3-948B-1728B52AA6E4}">
+                <adec:decorative xmlns:adec="http://schemas.microsoft.com/office/drawing/2017/decorative" val="1"/>
+              </a:ext>
+            </a:extLst>
+          </p:cNvPr>
+          <p:cNvCxnSpPr>
+            <a:cxnSpLocks noGrp="1" noRot="1" noChangeAspect="1" noMove="1" noResize="1" noEditPoints="1" noAdjustHandles="1" noChangeArrowheads="1" noChangeShapeType="1"/>
+          </p:cNvCxnSpPr>
+          <p:nvPr>
+            <p:extLst>
+              <p:ext uri="{386F3935-93C4-4BCD-93E2-E3B085C9AB24}">
+                <p16:designElem xmlns:p16="http://schemas.microsoft.com/office/powerpoint/2015/main" val="1"/>
+              </p:ext>
+            </p:extLst>
+          </p:nvPr>
+        </p:nvCxnSpPr>
+        <p:spPr>
+          <a:xfrm>
+            <a:off x="1920240" y="2176009"/>
+            <a:ext cx="8770571" cy="0"/>
+          </a:xfrm>
+          <a:prstGeom prst="line">
+            <a:avLst/>
+          </a:prstGeom>
+          <a:ln w="25400">
+            <a:solidFill>
+              <a:schemeClr val="tx1">
+                <a:lumMod val="50000"/>
+                <a:lumOff val="50000"/>
+              </a:schemeClr>
+            </a:solidFill>
+          </a:ln>
+        </p:spPr>
+        <p:style>
+          <a:lnRef idx="1">
+            <a:schemeClr val="accent1"/>
+          </a:lnRef>
+          <a:fillRef idx="0">
+            <a:schemeClr val="accent1"/>
+          </a:fillRef>
+          <a:effectRef idx="0">
+            <a:schemeClr val="accent1"/>
+          </a:effectRef>
+          <a:fontRef idx="minor">
+            <a:schemeClr val="tx1"/>
+          </a:fontRef>
+        </p:style>
+      </p:cxnSp>
+      <p:sp useBgFill="1">
+        <p:nvSpPr>
+          <p:cNvPr id="103" name="Rectangle 102">
+            <a:extLst>
+              <a:ext uri="{FF2B5EF4-FFF2-40B4-BE49-F238E27FC236}">
+                <a16:creationId xmlns:a16="http://schemas.microsoft.com/office/drawing/2014/main" id="{40ACA6C3-F2FA-4894-85C1-9FA6051045C5}"/>
+              </a:ext>
+              <a:ext uri="{C183D7F6-B498-43B3-948B-1728B52AA6E4}">
+                <adec:decorative xmlns:adec="http://schemas.microsoft.com/office/drawing/2017/decorative" val="1"/>
+              </a:ext>
+            </a:extLst>
+          </p:cNvPr>
+          <p:cNvSpPr>
+            <a:spLocks noGrp="1" noRot="1" noChangeAspect="1" noMove="1" noResize="1" noEditPoints="1" noAdjustHandles="1" noChangeArrowheads="1" noChangeShapeType="1" noTextEdit="1"/>
+          </p:cNvSpPr>
+          <p:nvPr>
+            <p:extLst>
+              <p:ext uri="{386F3935-93C4-4BCD-93E2-E3B085C9AB24}">
+                <p16:designElem xmlns:p16="http://schemas.microsoft.com/office/powerpoint/2015/main" val="1"/>
+              </p:ext>
+            </p:extLst>
+          </p:nvPr>
+        </p:nvSpPr>
+        <p:spPr>
+          <a:xfrm>
+            <a:off x="-1" y="0"/>
+            <a:ext cx="12191695" cy="6858000"/>
+          </a:xfrm>
+          <a:prstGeom prst="rect">
+            <a:avLst/>
+          </a:prstGeom>
+          <a:ln>
+            <a:noFill/>
+          </a:ln>
+        </p:spPr>
+        <p:style>
+          <a:lnRef idx="2">
+            <a:schemeClr val="accent1">
+              <a:shade val="50000"/>
+            </a:schemeClr>
+          </a:lnRef>
+          <a:fillRef idx="1">
+            <a:schemeClr val="accent1"/>
+          </a:fillRef>
+          <a:effectRef idx="0">
+            <a:schemeClr val="accent1"/>
+          </a:effectRef>
+          <a:fontRef idx="minor">
+            <a:schemeClr val="lt1"/>
+          </a:fontRef>
+        </p:style>
+        <p:txBody>
+          <a:bodyPr rtlCol="0" anchor="ctr"/>
+          <a:lstStyle/>
+          <a:p>
+            <a:pPr marL="0" marR="0" lvl="0" indent="0" algn="ctr" defTabSz="457200" rtl="0" eaLnBrk="1" fontAlgn="auto" latinLnBrk="0" hangingPunct="1">
+              <a:lnSpc>
+                <a:spcPct val="100000"/>
+              </a:lnSpc>
+              <a:spcBef>
+                <a:spcPts val="0"/>
+              </a:spcBef>
+              <a:spcAft>
+                <a:spcPts val="0"/>
+              </a:spcAft>
+              <a:buClrTx/>
+              <a:buSzTx/>
+              <a:buFontTx/>
+              <a:buNone/>
+              <a:tabLst/>
+              <a:defRPr/>
+            </a:pPr>
+            <a:endParaRPr kumimoji="0" lang="en-US" sz="1800" b="0" i="0" u="none" strike="noStrike" kern="1200" cap="none" spc="0" normalizeH="0" baseline="0" noProof="0" dirty="0">
+              <a:ln>
+                <a:noFill/>
+              </a:ln>
+              <a:solidFill>
+                <a:prstClr val="white"/>
+              </a:solidFill>
+              <a:effectLst/>
+              <a:uLnTx/>
+              <a:uFillTx/>
+              <a:latin typeface="Meiryo"/>
+              <a:ea typeface="+mn-ea"/>
+              <a:cs typeface="+mn-cs"/>
+            </a:endParaRPr>
+          </a:p>
+        </p:txBody>
+      </p:sp>
+      <p:sp>
+        <p:nvSpPr>
+          <p:cNvPr id="105" name="Freeform: Shape 104">
+            <a:extLst>
+              <a:ext uri="{FF2B5EF4-FFF2-40B4-BE49-F238E27FC236}">
+                <a16:creationId xmlns:a16="http://schemas.microsoft.com/office/drawing/2014/main" id="{76922BA5-6683-4195-97C3-F3D2A0BB16BD}"/>
+              </a:ext>
+              <a:ext uri="{C183D7F6-B498-43B3-948B-1728B52AA6E4}">
+                <adec:decorative xmlns:adec="http://schemas.microsoft.com/office/drawing/2017/decorative" val="1"/>
+              </a:ext>
+            </a:extLst>
+          </p:cNvPr>
+          <p:cNvSpPr>
+            <a:spLocks noGrp="1" noRot="1" noChangeAspect="1" noMove="1" noResize="1" noEditPoints="1" noAdjustHandles="1" noChangeArrowheads="1" noChangeShapeType="1" noTextEdit="1"/>
+          </p:cNvSpPr>
+          <p:nvPr>
+            <p:extLst>
+              <p:ext uri="{386F3935-93C4-4BCD-93E2-E3B085C9AB24}">
+                <p16:designElem xmlns:p16="http://schemas.microsoft.com/office/powerpoint/2015/main" val="1"/>
+              </p:ext>
+            </p:extLst>
+          </p:nvPr>
+        </p:nvSpPr>
+        <p:spPr>
+          <a:xfrm rot="5400000">
+            <a:off x="5026626" y="-5026319"/>
+            <a:ext cx="2138900" cy="12191541"/>
+          </a:xfrm>
+          <a:custGeom>
+            <a:avLst/>
+            <a:gdLst>
+              <a:gd name="connsiteX0" fmla="*/ 0 w 2382867"/>
+              <a:gd name="connsiteY0" fmla="*/ 12191541 h 12191541"/>
+              <a:gd name="connsiteX1" fmla="*/ 0 w 2382867"/>
+              <a:gd name="connsiteY1" fmla="*/ 0 h 12191541"/>
+              <a:gd name="connsiteX2" fmla="*/ 1758230 w 2382867"/>
+              <a:gd name="connsiteY2" fmla="*/ 0 h 12191541"/>
+              <a:gd name="connsiteX3" fmla="*/ 1849759 w 2382867"/>
+              <a:gd name="connsiteY3" fmla="*/ 405062 h 12191541"/>
+              <a:gd name="connsiteX4" fmla="*/ 2382867 w 2382867"/>
+              <a:gd name="connsiteY4" fmla="*/ 6524518 h 12191541"/>
+              <a:gd name="connsiteX5" fmla="*/ 1334945 w 2382867"/>
+              <a:gd name="connsiteY5" fmla="*/ 12017007 h 12191541"/>
+              <a:gd name="connsiteX6" fmla="*/ 1268170 w 2382867"/>
+              <a:gd name="connsiteY6" fmla="*/ 12191541 h 12191541"/>
+            </a:gdLst>
+            <a:ahLst/>
+            <a:cxnLst>
+              <a:cxn ang="0">
+                <a:pos x="connsiteX0" y="connsiteY0"/>
+              </a:cxn>
+              <a:cxn ang="0">
+                <a:pos x="connsiteX1" y="connsiteY1"/>
+              </a:cxn>
+              <a:cxn ang="0">
+                <a:pos x="connsiteX2" y="connsiteY2"/>
+              </a:cxn>
+              <a:cxn ang="0">
+                <a:pos x="connsiteX3" y="connsiteY3"/>
+              </a:cxn>
+              <a:cxn ang="0">
+                <a:pos x="connsiteX4" y="connsiteY4"/>
+              </a:cxn>
+              <a:cxn ang="0">
+                <a:pos x="connsiteX5" y="connsiteY5"/>
+              </a:cxn>
+              <a:cxn ang="0">
+                <a:pos x="connsiteX6" y="connsiteY6"/>
+              </a:cxn>
+            </a:cxnLst>
+            <a:rect l="l" t="t" r="r" b="b"/>
+            <a:pathLst>
+              <a:path w="2382867" h="12191541">
+                <a:moveTo>
+                  <a:pt x="0" y="12191541"/>
+                </a:moveTo>
+                <a:lnTo>
+                  <a:pt x="0" y="0"/>
+                </a:lnTo>
+                <a:lnTo>
+                  <a:pt x="1758230" y="0"/>
+                </a:lnTo>
+                <a:lnTo>
+                  <a:pt x="1849759" y="405062"/>
+                </a:lnTo>
+                <a:cubicBezTo>
+                  <a:pt x="2196195" y="2048010"/>
+                  <a:pt x="2382867" y="4186399"/>
+                  <a:pt x="2382867" y="6524518"/>
+                </a:cubicBezTo>
+                <a:cubicBezTo>
+                  <a:pt x="2382867" y="9147937"/>
+                  <a:pt x="1893395" y="10555417"/>
+                  <a:pt x="1334945" y="12017007"/>
+                </a:cubicBezTo>
+                <a:lnTo>
+                  <a:pt x="1268170" y="12191541"/>
+                </a:lnTo>
+                <a:close/>
+              </a:path>
+            </a:pathLst>
+          </a:custGeom>
+          <a:solidFill>
+            <a:schemeClr val="bg1">
+              <a:alpha val="60000"/>
+            </a:schemeClr>
+          </a:solidFill>
+          <a:ln>
+            <a:noFill/>
+          </a:ln>
+        </p:spPr>
+        <p:style>
+          <a:lnRef idx="2">
+            <a:schemeClr val="accent1">
+              <a:shade val="50000"/>
+            </a:schemeClr>
+          </a:lnRef>
+          <a:fillRef idx="1">
+            <a:schemeClr val="accent1"/>
+          </a:fillRef>
+          <a:effectRef idx="0">
+            <a:schemeClr val="accent1"/>
+          </a:effectRef>
+          <a:fontRef idx="minor">
+            <a:schemeClr val="lt1"/>
+          </a:fontRef>
+        </p:style>
+        <p:txBody>
+          <a:bodyPr wrap="square" rtlCol="0" anchor="ctr">
+            <a:noAutofit/>
+          </a:bodyPr>
+          <a:lstStyle/>
+          <a:p>
+            <a:pPr algn="ctr"/>
+            <a:endParaRPr lang="en-US" dirty="0"/>
+          </a:p>
+        </p:txBody>
+      </p:sp>
+      <p:sp>
+        <p:nvSpPr>
+          <p:cNvPr id="107" name="Freeform: Shape 106">
+            <a:extLst>
+              <a:ext uri="{FF2B5EF4-FFF2-40B4-BE49-F238E27FC236}">
+                <a16:creationId xmlns:a16="http://schemas.microsoft.com/office/drawing/2014/main" id="{E59169C9-0DBE-4B66-9C16-22A64324AA6C}"/>
+              </a:ext>
+              <a:ext uri="{C183D7F6-B498-43B3-948B-1728B52AA6E4}">
+                <adec:decorative xmlns:adec="http://schemas.microsoft.com/office/drawing/2017/decorative" val="1"/>
+              </a:ext>
+            </a:extLst>
+          </p:cNvPr>
+          <p:cNvSpPr>
+            <a:spLocks noGrp="1" noRot="1" noChangeAspect="1" noMove="1" noResize="1" noEditPoints="1" noAdjustHandles="1" noChangeArrowheads="1" noChangeShapeType="1" noTextEdit="1"/>
+          </p:cNvSpPr>
+          <p:nvPr>
+            <p:extLst>
+              <p:ext uri="{386F3935-93C4-4BCD-93E2-E3B085C9AB24}">
+                <p16:designElem xmlns:p16="http://schemas.microsoft.com/office/powerpoint/2015/main" val="1"/>
+              </p:ext>
+            </p:extLst>
+          </p:nvPr>
+        </p:nvSpPr>
+        <p:spPr>
+          <a:xfrm rot="5400000">
+            <a:off x="5527211" y="-4339476"/>
+            <a:ext cx="1137882" cy="12191694"/>
+          </a:xfrm>
+          <a:custGeom>
+            <a:avLst/>
+            <a:gdLst>
+              <a:gd name="connsiteX0" fmla="*/ 0 w 1240954"/>
+              <a:gd name="connsiteY0" fmla="*/ 12191694 h 12191694"/>
+              <a:gd name="connsiteX1" fmla="*/ 72823 w 1240954"/>
+              <a:gd name="connsiteY1" fmla="*/ 12017158 h 12191694"/>
+              <a:gd name="connsiteX2" fmla="*/ 1215669 w 1240954"/>
+              <a:gd name="connsiteY2" fmla="*/ 6524669 h 12191694"/>
+              <a:gd name="connsiteX3" fmla="*/ 634271 w 1240954"/>
+              <a:gd name="connsiteY3" fmla="*/ 405211 h 12191694"/>
+              <a:gd name="connsiteX4" fmla="*/ 534414 w 1240954"/>
+              <a:gd name="connsiteY4" fmla="*/ 0 h 12191694"/>
+              <a:gd name="connsiteX5" fmla="*/ 559698 w 1240954"/>
+              <a:gd name="connsiteY5" fmla="*/ 0 h 12191694"/>
+              <a:gd name="connsiteX6" fmla="*/ 659555 w 1240954"/>
+              <a:gd name="connsiteY6" fmla="*/ 405211 h 12191694"/>
+              <a:gd name="connsiteX7" fmla="*/ 1240954 w 1240954"/>
+              <a:gd name="connsiteY7" fmla="*/ 6524669 h 12191694"/>
+              <a:gd name="connsiteX8" fmla="*/ 98108 w 1240954"/>
+              <a:gd name="connsiteY8" fmla="*/ 12017158 h 12191694"/>
+              <a:gd name="connsiteX9" fmla="*/ 25285 w 1240954"/>
+              <a:gd name="connsiteY9" fmla="*/ 12191694 h 12191694"/>
+            </a:gdLst>
+            <a:ahLst/>
+            <a:cxnLst>
+              <a:cxn ang="0">
+                <a:pos x="connsiteX0" y="connsiteY0"/>
+              </a:cxn>
+              <a:cxn ang="0">
+                <a:pos x="connsiteX1" y="connsiteY1"/>
+              </a:cxn>
+              <a:cxn ang="0">
+                <a:pos x="connsiteX2" y="connsiteY2"/>
+              </a:cxn>
+              <a:cxn ang="0">
+                <a:pos x="connsiteX3" y="connsiteY3"/>
+              </a:cxn>
+              <a:cxn ang="0">
+                <a:pos x="connsiteX4" y="connsiteY4"/>
+              </a:cxn>
+              <a:cxn ang="0">
+                <a:pos x="connsiteX5" y="connsiteY5"/>
+              </a:cxn>
+              <a:cxn ang="0">
+                <a:pos x="connsiteX6" y="connsiteY6"/>
+              </a:cxn>
+              <a:cxn ang="0">
+                <a:pos x="connsiteX7" y="connsiteY7"/>
+              </a:cxn>
+              <a:cxn ang="0">
+                <a:pos x="connsiteX8" y="connsiteY8"/>
+              </a:cxn>
+              <a:cxn ang="0">
+                <a:pos x="connsiteX9" y="connsiteY9"/>
+              </a:cxn>
+            </a:cxnLst>
+            <a:rect l="l" t="t" r="r" b="b"/>
+            <a:pathLst>
+              <a:path w="1240954" h="12191694">
+                <a:moveTo>
+                  <a:pt x="0" y="12191694"/>
+                </a:moveTo>
+                <a:lnTo>
+                  <a:pt x="72823" y="12017158"/>
+                </a:lnTo>
+                <a:cubicBezTo>
+                  <a:pt x="681859" y="10555569"/>
+                  <a:pt x="1215669" y="9148088"/>
+                  <a:pt x="1215669" y="6524669"/>
+                </a:cubicBezTo>
+                <a:cubicBezTo>
+                  <a:pt x="1215670" y="4186551"/>
+                  <a:pt x="1012087" y="2048160"/>
+                  <a:pt x="634271" y="405211"/>
+                </a:cubicBezTo>
+                <a:lnTo>
+                  <a:pt x="534414" y="0"/>
+                </a:lnTo>
+                <a:lnTo>
+                  <a:pt x="559698" y="0"/>
+                </a:lnTo>
+                <a:lnTo>
+                  <a:pt x="659555" y="405211"/>
+                </a:lnTo>
+                <a:cubicBezTo>
+                  <a:pt x="1037372" y="2048160"/>
+                  <a:pt x="1240954" y="4186551"/>
+                  <a:pt x="1240954" y="6524669"/>
+                </a:cubicBezTo>
+                <a:cubicBezTo>
+                  <a:pt x="1240954" y="9148088"/>
+                  <a:pt x="707144" y="10555569"/>
+                  <a:pt x="98108" y="12017158"/>
+                </a:cubicBezTo>
+                <a:lnTo>
+                  <a:pt x="25285" y="12191694"/>
+                </a:lnTo>
+                <a:close/>
+              </a:path>
+            </a:pathLst>
+          </a:custGeom>
+          <a:solidFill>
+            <a:srgbClr val="FFFFFF"/>
+          </a:solidFill>
+          <a:ln>
+            <a:noFill/>
+          </a:ln>
+        </p:spPr>
+        <p:style>
+          <a:lnRef idx="2">
+            <a:schemeClr val="accent1">
+              <a:shade val="50000"/>
+            </a:schemeClr>
+          </a:lnRef>
+          <a:fillRef idx="1">
+            <a:schemeClr val="accent1"/>
+          </a:fillRef>
+          <a:effectRef idx="0">
+            <a:schemeClr val="accent1"/>
+          </a:effectRef>
+          <a:fontRef idx="minor">
+            <a:schemeClr val="lt1"/>
+          </a:fontRef>
+        </p:style>
+        <p:txBody>
+          <a:bodyPr wrap="square" rtlCol="0" anchor="ctr">
+            <a:noAutofit/>
+          </a:bodyPr>
+          <a:lstStyle/>
+          <a:p>
+            <a:pPr marL="0" marR="0" lvl="0" indent="0" algn="ctr" defTabSz="914400" rtl="0" eaLnBrk="1" fontAlgn="auto" latinLnBrk="0" hangingPunct="1">
+              <a:lnSpc>
+                <a:spcPct val="100000"/>
+              </a:lnSpc>
+              <a:spcBef>
+                <a:spcPts val="0"/>
+              </a:spcBef>
+              <a:spcAft>
+                <a:spcPts val="0"/>
+              </a:spcAft>
+              <a:buClrTx/>
+              <a:buSzTx/>
+              <a:buFontTx/>
+              <a:buNone/>
+              <a:tabLst/>
+              <a:defRPr/>
+            </a:pPr>
+            <a:endParaRPr kumimoji="0" lang="en-US" sz="1800" b="0" i="0" u="none" strike="noStrike" kern="1200" cap="none" spc="0" normalizeH="0" baseline="0" noProof="0" dirty="0">
+              <a:ln>
+                <a:noFill/>
+              </a:ln>
+              <a:solidFill>
+                <a:prstClr val="white"/>
+              </a:solidFill>
+              <a:effectLst/>
+              <a:uLnTx/>
+              <a:uFillTx/>
+              <a:latin typeface="Meiryo"/>
+              <a:ea typeface="+mn-ea"/>
+              <a:cs typeface="+mn-cs"/>
+            </a:endParaRPr>
+          </a:p>
+        </p:txBody>
+      </p:sp>
+      <p:sp>
+        <p:nvSpPr>
+          <p:cNvPr id="3" name="Textfeld 2">
+            <a:extLst>
+              <a:ext uri="{FF2B5EF4-FFF2-40B4-BE49-F238E27FC236}">
+                <a16:creationId xmlns:a16="http://schemas.microsoft.com/office/drawing/2014/main" id="{C33B3D6E-0567-14C0-60F1-A4D7EB11EA66}"/>
+              </a:ext>
+            </a:extLst>
+          </p:cNvPr>
+          <p:cNvSpPr txBox="1"/>
+          <p:nvPr/>
+        </p:nvSpPr>
+        <p:spPr>
+          <a:xfrm>
+            <a:off x="1217944" y="543687"/>
+            <a:ext cx="9756112" cy="1046868"/>
+          </a:xfrm>
+          <a:prstGeom prst="rect">
+            <a:avLst/>
+          </a:prstGeom>
+        </p:spPr>
+        <p:txBody>
+          <a:bodyPr rot="0" spcFirstLastPara="0" vertOverflow="overflow" horzOverflow="overflow" vert="horz" lIns="109728" tIns="109728" rIns="109728" bIns="91440" numCol="1" spcCol="0" rtlCol="0" fromWordArt="0" anchor="ctr" anchorCtr="0" forceAA="0" compatLnSpc="1">
+            <a:prstTxWarp prst="textNoShape">
+              <a:avLst/>
+            </a:prstTxWarp>
+            <a:normAutofit/>
+          </a:bodyPr>
+          <a:lstStyle/>
+          <a:p>
+            <a:pPr algn="ctr">
+              <a:lnSpc>
+                <a:spcPct val="130000"/>
+              </a:lnSpc>
+              <a:spcBef>
+                <a:spcPct val="0"/>
+              </a:spcBef>
+              <a:spcAft>
+                <a:spcPts val="600"/>
+              </a:spcAft>
+            </a:pPr>
+            <a:r>
+              <a:rPr lang="en-US" sz="3200" b="1" spc="150" dirty="0">
+                <a:solidFill>
+                  <a:schemeClr val="tx1">
+                    <a:lumMod val="75000"/>
+                    <a:lumOff val="25000"/>
+                  </a:schemeClr>
+                </a:solidFill>
+                <a:latin typeface="+mj-lt"/>
+                <a:ea typeface="+mj-ea"/>
+                <a:cs typeface="+mj-cs"/>
+              </a:rPr>
+              <a:t>3. </a:t>
+            </a:r>
+            <a:r>
+              <a:rPr lang="en-US" sz="3200" b="1" spc="150">
+                <a:solidFill>
+                  <a:schemeClr val="tx1">
+                    <a:lumMod val="75000"/>
+                    <a:lumOff val="25000"/>
+                  </a:schemeClr>
+                </a:solidFill>
+                <a:latin typeface="+mj-lt"/>
+                <a:ea typeface="+mj-ea"/>
+                <a:cs typeface="+mj-cs"/>
+              </a:rPr>
+              <a:t>Marktabgrenzung</a:t>
+            </a:r>
+          </a:p>
+        </p:txBody>
+      </p:sp>
+      <p:sp>
+        <p:nvSpPr>
+          <p:cNvPr id="109" name="Freeform: Shape 108">
+            <a:extLst>
+              <a:ext uri="{FF2B5EF4-FFF2-40B4-BE49-F238E27FC236}">
+                <a16:creationId xmlns:a16="http://schemas.microsoft.com/office/drawing/2014/main" id="{F0457BB4-CED7-4065-8959-D6B51491BBAB}"/>
+              </a:ext>
+              <a:ext uri="{C183D7F6-B498-43B3-948B-1728B52AA6E4}">
+                <adec:decorative xmlns:adec="http://schemas.microsoft.com/office/drawing/2017/decorative" val="1"/>
+              </a:ext>
+            </a:extLst>
+          </p:cNvPr>
+          <p:cNvSpPr>
+            <a:spLocks noGrp="1" noRot="1" noChangeAspect="1" noMove="1" noResize="1" noEditPoints="1" noAdjustHandles="1" noChangeArrowheads="1" noChangeShapeType="1" noTextEdit="1"/>
+          </p:cNvSpPr>
+          <p:nvPr>
+            <p:extLst>
+              <p:ext uri="{386F3935-93C4-4BCD-93E2-E3B085C9AB24}">
+                <p16:designElem xmlns:p16="http://schemas.microsoft.com/office/powerpoint/2015/main" val="1"/>
+              </p:ext>
+            </p:extLst>
+          </p:nvPr>
+        </p:nvSpPr>
+        <p:spPr>
+          <a:xfrm rot="5400000">
+            <a:off x="5590529" y="-4583452"/>
+            <a:ext cx="1011248" cy="12191695"/>
+          </a:xfrm>
+          <a:custGeom>
+            <a:avLst/>
+            <a:gdLst>
+              <a:gd name="connsiteX0" fmla="*/ 0 w 1102849"/>
+              <a:gd name="connsiteY0" fmla="*/ 12191695 h 12191695"/>
+              <a:gd name="connsiteX1" fmla="*/ 65312 w 1102849"/>
+              <a:gd name="connsiteY1" fmla="*/ 12017158 h 12191695"/>
+              <a:gd name="connsiteX2" fmla="*/ 1090278 w 1102849"/>
+              <a:gd name="connsiteY2" fmla="*/ 6524670 h 12191695"/>
+              <a:gd name="connsiteX3" fmla="*/ 568848 w 1102849"/>
+              <a:gd name="connsiteY3" fmla="*/ 405211 h 12191695"/>
+              <a:gd name="connsiteX4" fmla="*/ 479291 w 1102849"/>
+              <a:gd name="connsiteY4" fmla="*/ 0 h 12191695"/>
+              <a:gd name="connsiteX5" fmla="*/ 491862 w 1102849"/>
+              <a:gd name="connsiteY5" fmla="*/ 0 h 12191695"/>
+              <a:gd name="connsiteX6" fmla="*/ 581419 w 1102849"/>
+              <a:gd name="connsiteY6" fmla="*/ 405211 h 12191695"/>
+              <a:gd name="connsiteX7" fmla="*/ 1102849 w 1102849"/>
+              <a:gd name="connsiteY7" fmla="*/ 6524670 h 12191695"/>
+              <a:gd name="connsiteX8" fmla="*/ 77883 w 1102849"/>
+              <a:gd name="connsiteY8" fmla="*/ 12017158 h 12191695"/>
+              <a:gd name="connsiteX9" fmla="*/ 12571 w 1102849"/>
+              <a:gd name="connsiteY9" fmla="*/ 12191695 h 12191695"/>
+            </a:gdLst>
+            <a:ahLst/>
+            <a:cxnLst>
+              <a:cxn ang="0">
+                <a:pos x="connsiteX0" y="connsiteY0"/>
+              </a:cxn>
+              <a:cxn ang="0">
+                <a:pos x="connsiteX1" y="connsiteY1"/>
+              </a:cxn>
+              <a:cxn ang="0">
+                <a:pos x="connsiteX2" y="connsiteY2"/>
+              </a:cxn>
+              <a:cxn ang="0">
+                <a:pos x="connsiteX3" y="connsiteY3"/>
+              </a:cxn>
+              <a:cxn ang="0">
+                <a:pos x="connsiteX4" y="connsiteY4"/>
+              </a:cxn>
+              <a:cxn ang="0">
+                <a:pos x="connsiteX5" y="connsiteY5"/>
+              </a:cxn>
+              <a:cxn ang="0">
+                <a:pos x="connsiteX6" y="connsiteY6"/>
+              </a:cxn>
+              <a:cxn ang="0">
+                <a:pos x="connsiteX7" y="connsiteY7"/>
+              </a:cxn>
+              <a:cxn ang="0">
+                <a:pos x="connsiteX8" y="connsiteY8"/>
+              </a:cxn>
+              <a:cxn ang="0">
+                <a:pos x="connsiteX9" y="connsiteY9"/>
+              </a:cxn>
+            </a:cxnLst>
+            <a:rect l="l" t="t" r="r" b="b"/>
+            <a:pathLst>
+              <a:path w="1102849" h="12191695">
+                <a:moveTo>
+                  <a:pt x="0" y="12191695"/>
+                </a:moveTo>
+                <a:lnTo>
+                  <a:pt x="65312" y="12017158"/>
+                </a:lnTo>
+                <a:cubicBezTo>
+                  <a:pt x="611528" y="10555569"/>
+                  <a:pt x="1090278" y="9148088"/>
+                  <a:pt x="1090278" y="6524670"/>
+                </a:cubicBezTo>
+                <a:cubicBezTo>
+                  <a:pt x="1090278" y="4186551"/>
+                  <a:pt x="907694" y="2048159"/>
+                  <a:pt x="568848" y="405211"/>
+                </a:cubicBezTo>
+                <a:lnTo>
+                  <a:pt x="479291" y="0"/>
+                </a:lnTo>
+                <a:lnTo>
+                  <a:pt x="491862" y="0"/>
+                </a:lnTo>
+                <a:lnTo>
+                  <a:pt x="581419" y="405211"/>
+                </a:lnTo>
+                <a:cubicBezTo>
+                  <a:pt x="920265" y="2048159"/>
+                  <a:pt x="1102849" y="4186551"/>
+                  <a:pt x="1102849" y="6524670"/>
+                </a:cubicBezTo>
+                <a:cubicBezTo>
+                  <a:pt x="1102849" y="9148088"/>
+                  <a:pt x="624099" y="10555569"/>
+                  <a:pt x="77883" y="12017158"/>
+                </a:cubicBezTo>
+                <a:lnTo>
+                  <a:pt x="12571" y="12191695"/>
+                </a:lnTo>
+                <a:close/>
+              </a:path>
+            </a:pathLst>
+          </a:custGeom>
+          <a:solidFill>
+            <a:schemeClr val="bg2">
+              <a:lumMod val="90000"/>
+            </a:schemeClr>
+          </a:solidFill>
+          <a:ln>
+            <a:noFill/>
+          </a:ln>
+        </p:spPr>
+        <p:style>
+          <a:lnRef idx="2">
+            <a:schemeClr val="accent1">
+              <a:shade val="50000"/>
+            </a:schemeClr>
+          </a:lnRef>
+          <a:fillRef idx="1">
+            <a:schemeClr val="accent1"/>
+          </a:fillRef>
+          <a:effectRef idx="0">
+            <a:schemeClr val="accent1"/>
+          </a:effectRef>
+          <a:fontRef idx="minor">
+            <a:schemeClr val="lt1"/>
+          </a:fontRef>
+        </p:style>
+        <p:txBody>
+          <a:bodyPr wrap="square" rtlCol="0" anchor="ctr">
+            <a:noAutofit/>
+          </a:bodyPr>
+          <a:lstStyle/>
+          <a:p>
+            <a:pPr marL="0" marR="0" lvl="0" indent="0" algn="ctr" defTabSz="914400" rtl="0" eaLnBrk="1" fontAlgn="auto" latinLnBrk="0" hangingPunct="1">
+              <a:lnSpc>
+                <a:spcPct val="100000"/>
+              </a:lnSpc>
+              <a:spcBef>
+                <a:spcPts val="0"/>
+              </a:spcBef>
+              <a:spcAft>
+                <a:spcPts val="0"/>
+              </a:spcAft>
+              <a:buClrTx/>
+              <a:buSzTx/>
+              <a:buFontTx/>
+              <a:buNone/>
+              <a:tabLst/>
+              <a:defRPr/>
+            </a:pPr>
+            <a:endParaRPr kumimoji="0" lang="en-US" sz="1800" b="0" i="0" u="none" strike="noStrike" kern="1200" cap="none" spc="0" normalizeH="0" baseline="0" noProof="0">
+              <a:ln>
+                <a:noFill/>
+              </a:ln>
+              <a:solidFill>
+                <a:prstClr val="white"/>
+              </a:solidFill>
+              <a:effectLst/>
+              <a:uLnTx/>
+              <a:uFillTx/>
+              <a:latin typeface="Meiryo"/>
+              <a:ea typeface="+mn-ea"/>
+              <a:cs typeface="+mn-cs"/>
+            </a:endParaRPr>
+          </a:p>
+        </p:txBody>
+      </p:sp>
+      <p:graphicFrame>
+        <p:nvGraphicFramePr>
+          <p:cNvPr id="13" name="Textfeld 4">
+            <a:extLst>
+              <a:ext uri="{FF2B5EF4-FFF2-40B4-BE49-F238E27FC236}">
+                <a16:creationId xmlns:a16="http://schemas.microsoft.com/office/drawing/2014/main" id="{71423785-1D2F-8D29-CABF-7BC9F1CBB338}"/>
+              </a:ext>
+            </a:extLst>
+          </p:cNvPr>
+          <p:cNvGraphicFramePr/>
+          <p:nvPr>
+            <p:extLst>
+              <p:ext uri="{D42A27DB-BD31-4B8C-83A1-F6EECF244321}">
+                <p14:modId xmlns:p14="http://schemas.microsoft.com/office/powerpoint/2010/main" val="3148111696"/>
+              </p:ext>
+            </p:extLst>
+          </p:nvPr>
+        </p:nvGraphicFramePr>
+        <p:xfrm>
+          <a:off x="1920875" y="2812010"/>
+          <a:ext cx="8769350" cy="3289621"/>
+        </p:xfrm>
+        <a:graphic>
+          <a:graphicData uri="http://schemas.openxmlformats.org/drawingml/2006/diagram">
+            <dgm:relIds xmlns:dgm="http://schemas.openxmlformats.org/drawingml/2006/diagram" xmlns:r="http://schemas.openxmlformats.org/officeDocument/2006/relationships" r:dm="rId2" r:lo="rId3" r:qs="rId4" r:cs="rId5"/>
+          </a:graphicData>
+        </a:graphic>
+      </p:graphicFrame>
+    </p:spTree>
+    <p:extLst>
+      <p:ext uri="{BB962C8B-B14F-4D97-AF65-F5344CB8AC3E}">
+        <p14:creationId xmlns:p14="http://schemas.microsoft.com/office/powerpoint/2010/main" val="865884580"/>
+      </p:ext>
+    </p:extLst>
+  </p:cSld>
+  <p:clrMapOvr>
+    <a:masterClrMapping/>
+  </p:clrMapOvr>
+</p:sld>
+</file>
+
+<file path=ppt/slides/slide7.xml><?xml version="1.0" encoding="utf-8"?>
+<p:sld xmlns:a="http://schemas.openxmlformats.org/drawingml/2006/main" xmlns:r="http://schemas.openxmlformats.org/officeDocument/2006/relationships" xmlns:p="http://schemas.openxmlformats.org/presentationml/2006/main">
+  <p:cSld>
+    <p:bg>
+      <p:bgPr>
+        <a:solidFill>
+          <a:schemeClr val="bg2"/>
+        </a:solidFill>
+        <a:effectLst/>
+      </p:bgPr>
+    </p:bg>
+    <p:spTree>
+      <p:nvGrpSpPr>
+        <p:cNvPr id="1" name=""/>
+        <p:cNvGrpSpPr/>
+        <p:nvPr/>
+      </p:nvGrpSpPr>
+      <p:grpSpPr>
+        <a:xfrm>
+          <a:off x="0" y="0"/>
+          <a:ext cx="0" cy="0"/>
+          <a:chOff x="0" y="0"/>
+          <a:chExt cx="0" cy="0"/>
+        </a:xfrm>
+      </p:grpSpPr>
+      <p:sp useBgFill="1">
+        <p:nvSpPr>
+          <p:cNvPr id="167" name="Rectangle 166">
+            <a:extLst>
+              <a:ext uri="{FF2B5EF4-FFF2-40B4-BE49-F238E27FC236}">
+                <a16:creationId xmlns:a16="http://schemas.microsoft.com/office/drawing/2014/main" id="{0DBF1ABE-8590-450D-BB49-BDDCCF3EEA9E}"/>
+              </a:ext>
+              <a:ext uri="{C183D7F6-B498-43B3-948B-1728B52AA6E4}">
+                <adec:decorative xmlns:adec="http://schemas.microsoft.com/office/drawing/2017/decorative" val="1"/>
+              </a:ext>
+            </a:extLst>
+          </p:cNvPr>
+          <p:cNvSpPr>
+            <a:spLocks noGrp="1" noRot="1" noChangeAspect="1" noMove="1" noResize="1" noEditPoints="1" noAdjustHandles="1" noChangeArrowheads="1" noChangeShapeType="1" noTextEdit="1"/>
+          </p:cNvSpPr>
+          <p:nvPr>
+            <p:extLst>
+              <p:ext uri="{386F3935-93C4-4BCD-93E2-E3B085C9AB24}">
+                <p16:designElem xmlns:p16="http://schemas.microsoft.com/office/powerpoint/2015/main" val="1"/>
+              </p:ext>
+            </p:extLst>
+          </p:nvPr>
+        </p:nvSpPr>
+        <p:spPr>
+          <a:xfrm>
+            <a:off x="305" y="0"/>
+            <a:ext cx="12191695" cy="6858000"/>
+          </a:xfrm>
+          <a:prstGeom prst="rect">
+            <a:avLst/>
+          </a:prstGeom>
+          <a:ln>
+            <a:noFill/>
+          </a:ln>
+        </p:spPr>
+        <p:style>
+          <a:lnRef idx="2">
+            <a:schemeClr val="accent1">
+              <a:shade val="50000"/>
+            </a:schemeClr>
+          </a:lnRef>
+          <a:fillRef idx="1">
+            <a:schemeClr val="accent1"/>
+          </a:fillRef>
+          <a:effectRef idx="0">
+            <a:schemeClr val="accent1"/>
+          </a:effectRef>
+          <a:fontRef idx="minor">
+            <a:schemeClr val="lt1"/>
+          </a:fontRef>
+        </p:style>
+        <p:txBody>
+          <a:bodyPr rtlCol="0" anchor="ctr"/>
+          <a:lstStyle/>
+          <a:p>
+            <a:pPr marL="0" marR="0" lvl="0" indent="0" algn="ctr" defTabSz="457200" rtl="0" eaLnBrk="1" fontAlgn="auto" latinLnBrk="0" hangingPunct="1">
+              <a:lnSpc>
+                <a:spcPct val="100000"/>
+              </a:lnSpc>
+              <a:spcBef>
+                <a:spcPts val="0"/>
+              </a:spcBef>
+              <a:spcAft>
+                <a:spcPts val="0"/>
+              </a:spcAft>
+              <a:buClrTx/>
+              <a:buSzTx/>
+              <a:buFontTx/>
+              <a:buNone/>
+              <a:tabLst/>
+              <a:defRPr/>
+            </a:pPr>
+            <a:endParaRPr kumimoji="0" lang="en-US" sz="1800" b="0" i="0" u="none" strike="noStrike" kern="1200" cap="none" spc="0" normalizeH="0" baseline="0" noProof="0" dirty="0">
+              <a:ln>
+                <a:noFill/>
+              </a:ln>
+              <a:solidFill>
+                <a:prstClr val="white"/>
+              </a:solidFill>
+              <a:effectLst/>
+              <a:uLnTx/>
+              <a:uFillTx/>
+              <a:latin typeface="Meiryo"/>
+              <a:ea typeface="+mn-ea"/>
+              <a:cs typeface="+mn-cs"/>
+            </a:endParaRPr>
+          </a:p>
+        </p:txBody>
+      </p:sp>
+      <p:sp>
+        <p:nvSpPr>
+          <p:cNvPr id="169" name="Freeform: Shape 168">
+            <a:extLst>
+              <a:ext uri="{FF2B5EF4-FFF2-40B4-BE49-F238E27FC236}">
+                <a16:creationId xmlns:a16="http://schemas.microsoft.com/office/drawing/2014/main" id="{185FD2CF-35DE-4F7D-B04C-C7B7DC4DB00E}"/>
+              </a:ext>
+              <a:ext uri="{C183D7F6-B498-43B3-948B-1728B52AA6E4}">
+                <adec:decorative xmlns:adec="http://schemas.microsoft.com/office/drawing/2017/decorative" val="1"/>
+              </a:ext>
+            </a:extLst>
+          </p:cNvPr>
+          <p:cNvSpPr>
+            <a:spLocks noGrp="1" noRot="1" noChangeAspect="1" noMove="1" noResize="1" noEditPoints="1" noAdjustHandles="1" noChangeArrowheads="1" noChangeShapeType="1" noTextEdit="1"/>
+          </p:cNvSpPr>
+          <p:nvPr>
+            <p:extLst>
+              <p:ext uri="{386F3935-93C4-4BCD-93E2-E3B085C9AB24}">
+                <p16:designElem xmlns:p16="http://schemas.microsoft.com/office/powerpoint/2015/main" val="1"/>
+              </p:ext>
+            </p:extLst>
+          </p:nvPr>
+        </p:nvSpPr>
+        <p:spPr>
+          <a:xfrm>
+            <a:off x="6232156" y="3310821"/>
+            <a:ext cx="5959692" cy="3547180"/>
+          </a:xfrm>
+          <a:custGeom>
+            <a:avLst/>
+            <a:gdLst>
+              <a:gd name="connsiteX0" fmla="*/ 3008109 w 5959692"/>
+              <a:gd name="connsiteY0" fmla="*/ 42 h 3560169"/>
+              <a:gd name="connsiteX1" fmla="*/ 4702247 w 5959692"/>
+              <a:gd name="connsiteY1" fmla="*/ 626282 h 3560169"/>
+              <a:gd name="connsiteX2" fmla="*/ 5069411 w 5959692"/>
+              <a:gd name="connsiteY2" fmla="*/ 865826 h 3560169"/>
+              <a:gd name="connsiteX3" fmla="*/ 5895906 w 5959692"/>
+              <a:gd name="connsiteY3" fmla="*/ 1594994 h 3560169"/>
+              <a:gd name="connsiteX4" fmla="*/ 5959691 w 5959692"/>
+              <a:gd name="connsiteY4" fmla="*/ 1728783 h 3560169"/>
+              <a:gd name="connsiteX5" fmla="*/ 5959692 w 5959692"/>
+              <a:gd name="connsiteY5" fmla="*/ 3560169 h 3560169"/>
+              <a:gd name="connsiteX6" fmla="*/ 635 w 5959692"/>
+              <a:gd name="connsiteY6" fmla="*/ 3560169 h 3560169"/>
+              <a:gd name="connsiteX7" fmla="*/ 0 w 5959692"/>
+              <a:gd name="connsiteY7" fmla="*/ 3534810 h 3560169"/>
+              <a:gd name="connsiteX8" fmla="*/ 56896 w 5959692"/>
+              <a:gd name="connsiteY8" fmla="*/ 3142342 h 3560169"/>
+              <a:gd name="connsiteX9" fmla="*/ 605568 w 5959692"/>
+              <a:gd name="connsiteY9" fmla="*/ 1932853 h 3560169"/>
+              <a:gd name="connsiteX10" fmla="*/ 736162 w 5959692"/>
+              <a:gd name="connsiteY10" fmla="*/ 1690788 h 3560169"/>
+              <a:gd name="connsiteX11" fmla="*/ 2021319 w 5959692"/>
+              <a:gd name="connsiteY11" fmla="*/ 209863 h 3560169"/>
+              <a:gd name="connsiteX12" fmla="*/ 3008109 w 5959692"/>
+              <a:gd name="connsiteY12" fmla="*/ 42 h 3560169"/>
+            </a:gdLst>
+            <a:ahLst/>
+            <a:cxnLst>
+              <a:cxn ang="0">
+                <a:pos x="connsiteX0" y="connsiteY0"/>
+              </a:cxn>
+              <a:cxn ang="0">
+                <a:pos x="connsiteX1" y="connsiteY1"/>
+              </a:cxn>
+              <a:cxn ang="0">
+                <a:pos x="connsiteX2" y="connsiteY2"/>
+              </a:cxn>
+              <a:cxn ang="0">
+                <a:pos x="connsiteX3" y="connsiteY3"/>
+              </a:cxn>
+              <a:cxn ang="0">
+                <a:pos x="connsiteX4" y="connsiteY4"/>
+              </a:cxn>
+              <a:cxn ang="0">
+                <a:pos x="connsiteX5" y="connsiteY5"/>
+              </a:cxn>
+              <a:cxn ang="0">
+                <a:pos x="connsiteX6" y="connsiteY6"/>
+              </a:cxn>
+              <a:cxn ang="0">
+                <a:pos x="connsiteX7" y="connsiteY7"/>
+              </a:cxn>
+              <a:cxn ang="0">
+                <a:pos x="connsiteX8" y="connsiteY8"/>
+              </a:cxn>
+              <a:cxn ang="0">
+                <a:pos x="connsiteX9" y="connsiteY9"/>
+              </a:cxn>
+              <a:cxn ang="0">
+                <a:pos x="connsiteX10" y="connsiteY10"/>
+              </a:cxn>
+              <a:cxn ang="0">
+                <a:pos x="connsiteX11" y="connsiteY11"/>
+              </a:cxn>
+              <a:cxn ang="0">
+                <a:pos x="connsiteX12" y="connsiteY12"/>
+              </a:cxn>
+            </a:cxnLst>
+            <a:rect l="l" t="t" r="r" b="b"/>
+            <a:pathLst>
+              <a:path w="5959692" h="3560169">
+                <a:moveTo>
+                  <a:pt x="3008109" y="42"/>
+                </a:moveTo>
+                <a:cubicBezTo>
+                  <a:pt x="3549058" y="3372"/>
+                  <a:pt x="4091345" y="208628"/>
+                  <a:pt x="4702247" y="626282"/>
+                </a:cubicBezTo>
+                <a:cubicBezTo>
+                  <a:pt x="4830168" y="713755"/>
+                  <a:pt x="4951806" y="791097"/>
+                  <a:pt x="5069411" y="865826"/>
+                </a:cubicBezTo>
+                <a:cubicBezTo>
+                  <a:pt x="5495976" y="1136988"/>
+                  <a:pt x="5734167" y="1298128"/>
+                  <a:pt x="5895906" y="1594994"/>
+                </a:cubicBezTo>
+                <a:lnTo>
+                  <a:pt x="5959691" y="1728783"/>
+                </a:lnTo>
+                <a:lnTo>
+                  <a:pt x="5959692" y="3560169"/>
+                </a:lnTo>
+                <a:lnTo>
+                  <a:pt x="635" y="3560169"/>
+                </a:lnTo>
+                <a:lnTo>
+                  <a:pt x="0" y="3534810"/>
+                </a:lnTo>
+                <a:cubicBezTo>
+                  <a:pt x="2402" y="3407978"/>
+                  <a:pt x="21463" y="3278501"/>
+                  <a:pt x="56896" y="3142342"/>
+                </a:cubicBezTo>
+                <a:cubicBezTo>
+                  <a:pt x="155720" y="2762537"/>
+                  <a:pt x="374193" y="2359525"/>
+                  <a:pt x="605568" y="1932853"/>
+                </a:cubicBezTo>
+                <a:cubicBezTo>
+                  <a:pt x="648282" y="1854194"/>
+                  <a:pt x="692359" y="1772817"/>
+                  <a:pt x="736162" y="1690788"/>
+                </a:cubicBezTo>
+                <a:cubicBezTo>
+                  <a:pt x="1128289" y="956620"/>
+                  <a:pt x="1429537" y="456850"/>
+                  <a:pt x="2021319" y="209863"/>
+                </a:cubicBezTo>
+                <a:cubicBezTo>
+                  <a:pt x="2359453" y="68739"/>
+                  <a:pt x="2683541" y="-1956"/>
+                  <a:pt x="3008109" y="42"/>
+                </a:cubicBezTo>
+                <a:close/>
+              </a:path>
+            </a:pathLst>
+          </a:custGeom>
+          <a:noFill/>
+          <a:ln w="19050">
+            <a:solidFill>
+              <a:srgbClr val="FFFFFF"/>
+            </a:solidFill>
+          </a:ln>
+        </p:spPr>
+        <p:style>
+          <a:lnRef idx="2">
+            <a:schemeClr val="accent1">
+              <a:shade val="50000"/>
+            </a:schemeClr>
+          </a:lnRef>
+          <a:fillRef idx="1">
+            <a:schemeClr val="accent1"/>
+          </a:fillRef>
+          <a:effectRef idx="0">
+            <a:schemeClr val="accent1"/>
+          </a:effectRef>
+          <a:fontRef idx="minor">
+            <a:schemeClr val="lt1"/>
+          </a:fontRef>
+        </p:style>
+        <p:txBody>
+          <a:bodyPr wrap="square" rtlCol="0" anchor="ctr">
+            <a:noAutofit/>
+          </a:bodyPr>
+          <a:lstStyle/>
+          <a:p>
+            <a:pPr marL="0" marR="0" lvl="0" indent="0" algn="ctr" defTabSz="457200" rtl="0" eaLnBrk="1" fontAlgn="auto" latinLnBrk="0" hangingPunct="1">
+              <a:lnSpc>
+                <a:spcPct val="100000"/>
+              </a:lnSpc>
+              <a:spcBef>
+                <a:spcPts val="0"/>
+              </a:spcBef>
+              <a:spcAft>
+                <a:spcPts val="0"/>
+              </a:spcAft>
+              <a:buClrTx/>
+              <a:buSzTx/>
+              <a:buFontTx/>
+              <a:buNone/>
+              <a:tabLst/>
+              <a:defRPr/>
+            </a:pPr>
+            <a:endParaRPr kumimoji="0" lang="en-US" sz="1800" b="0" i="0" u="none" strike="noStrike" kern="1200" cap="none" spc="0" normalizeH="0" baseline="0" noProof="0" dirty="0">
+              <a:ln>
+                <a:noFill/>
+              </a:ln>
+              <a:solidFill>
+                <a:prstClr val="white"/>
+              </a:solidFill>
+              <a:effectLst/>
+              <a:uLnTx/>
+              <a:uFillTx/>
+              <a:latin typeface="Meiryo"/>
+              <a:ea typeface="+mn-ea"/>
+              <a:cs typeface="+mn-cs"/>
+            </a:endParaRPr>
+          </a:p>
+        </p:txBody>
+      </p:sp>
+      <p:sp>
+        <p:nvSpPr>
+          <p:cNvPr id="171" name="Freeform: Shape 170">
+            <a:extLst>
+              <a:ext uri="{FF2B5EF4-FFF2-40B4-BE49-F238E27FC236}">
+                <a16:creationId xmlns:a16="http://schemas.microsoft.com/office/drawing/2014/main" id="{3CB86892-9581-4F9E-8058-A94D5DEFF3B4}"/>
+              </a:ext>
+              <a:ext uri="{C183D7F6-B498-43B3-948B-1728B52AA6E4}">
+                <adec:decorative xmlns:adec="http://schemas.microsoft.com/office/drawing/2017/decorative" val="1"/>
+              </a:ext>
+            </a:extLst>
+          </p:cNvPr>
+          <p:cNvSpPr>
+            <a:spLocks noGrp="1" noRot="1" noChangeAspect="1" noMove="1" noResize="1" noEditPoints="1" noAdjustHandles="1" noChangeArrowheads="1" noChangeShapeType="1" noTextEdit="1"/>
+          </p:cNvSpPr>
+          <p:nvPr>
+            <p:extLst>
+              <p:ext uri="{386F3935-93C4-4BCD-93E2-E3B085C9AB24}">
+                <p16:designElem xmlns:p16="http://schemas.microsoft.com/office/powerpoint/2015/main" val="1"/>
+              </p:ext>
+            </p:extLst>
+          </p:nvPr>
+        </p:nvSpPr>
+        <p:spPr>
+          <a:xfrm>
+            <a:off x="5443499" y="319598"/>
+            <a:ext cx="3110997" cy="3301428"/>
+          </a:xfrm>
+          <a:custGeom>
+            <a:avLst/>
+            <a:gdLst>
+              <a:gd name="connsiteX0" fmla="*/ 1431069 w 3110997"/>
+              <a:gd name="connsiteY0" fmla="*/ 1514 h 3301428"/>
+              <a:gd name="connsiteX1" fmla="*/ 1946520 w 3110997"/>
+              <a:gd name="connsiteY1" fmla="*/ 42088 h 3301428"/>
+              <a:gd name="connsiteX2" fmla="*/ 2402721 w 3110997"/>
+              <a:gd name="connsiteY2" fmla="*/ 303594 h 3301428"/>
+              <a:gd name="connsiteX3" fmla="*/ 2762423 w 3110997"/>
+              <a:gd name="connsiteY3" fmla="*/ 889436 h 3301428"/>
+              <a:gd name="connsiteX4" fmla="*/ 2828518 w 3110997"/>
+              <a:gd name="connsiteY4" fmla="*/ 1015773 h 3301428"/>
+              <a:gd name="connsiteX5" fmla="*/ 3094962 w 3110997"/>
+              <a:gd name="connsiteY5" fmla="*/ 2001284 h 3301428"/>
+              <a:gd name="connsiteX6" fmla="*/ 2157067 w 3110997"/>
+              <a:gd name="connsiteY6" fmla="*/ 3054444 h 3301428"/>
+              <a:gd name="connsiteX7" fmla="*/ 1950853 w 3110997"/>
+              <a:gd name="connsiteY7" fmla="*/ 3146478 h 3301428"/>
+              <a:gd name="connsiteX8" fmla="*/ 1329246 w 3110997"/>
+              <a:gd name="connsiteY8" fmla="*/ 3288753 h 3301428"/>
+              <a:gd name="connsiteX9" fmla="*/ 740145 w 3110997"/>
+              <a:gd name="connsiteY9" fmla="*/ 3019378 h 3301428"/>
+              <a:gd name="connsiteX10" fmla="*/ 288773 w 3110997"/>
+              <a:gd name="connsiteY10" fmla="*/ 2499557 h 3301428"/>
+              <a:gd name="connsiteX11" fmla="*/ 35659 w 3110997"/>
+              <a:gd name="connsiteY11" fmla="*/ 1823964 h 3301428"/>
+              <a:gd name="connsiteX12" fmla="*/ 31208 w 3110997"/>
+              <a:gd name="connsiteY12" fmla="*/ 1116817 h 3301428"/>
+              <a:gd name="connsiteX13" fmla="*/ 266830 w 3110997"/>
+              <a:gd name="connsiteY13" fmla="*/ 556451 h 3301428"/>
+              <a:gd name="connsiteX14" fmla="*/ 683944 w 3110997"/>
+              <a:gd name="connsiteY14" fmla="*/ 194390 h 3301428"/>
+              <a:gd name="connsiteX15" fmla="*/ 1431069 w 3110997"/>
+              <a:gd name="connsiteY15" fmla="*/ 1514 h 3301428"/>
+            </a:gdLst>
+            <a:ahLst/>
+            <a:cxnLst>
+              <a:cxn ang="0">
+                <a:pos x="connsiteX0" y="connsiteY0"/>
+              </a:cxn>
+              <a:cxn ang="0">
+                <a:pos x="connsiteX1" y="connsiteY1"/>
+              </a:cxn>
+              <a:cxn ang="0">
+                <a:pos x="connsiteX2" y="connsiteY2"/>
+              </a:cxn>
+              <a:cxn ang="0">
+                <a:pos x="connsiteX3" y="connsiteY3"/>
+              </a:cxn>
+              <a:cxn ang="0">
+                <a:pos x="connsiteX4" y="connsiteY4"/>
+              </a:cxn>
+              <a:cxn ang="0">
+                <a:pos x="connsiteX5" y="connsiteY5"/>
+              </a:cxn>
+              <a:cxn ang="0">
+                <a:pos x="connsiteX6" y="connsiteY6"/>
+              </a:cxn>
+              <a:cxn ang="0">
+                <a:pos x="connsiteX7" y="connsiteY7"/>
+              </a:cxn>
+              <a:cxn ang="0">
+                <a:pos x="connsiteX8" y="connsiteY8"/>
+              </a:cxn>
+              <a:cxn ang="0">
+                <a:pos x="connsiteX9" y="connsiteY9"/>
+              </a:cxn>
+              <a:cxn ang="0">
+                <a:pos x="connsiteX10" y="connsiteY10"/>
+              </a:cxn>
+              <a:cxn ang="0">
+                <a:pos x="connsiteX11" y="connsiteY11"/>
+              </a:cxn>
+              <a:cxn ang="0">
+                <a:pos x="connsiteX12" y="connsiteY12"/>
+              </a:cxn>
+              <a:cxn ang="0">
+                <a:pos x="connsiteX13" y="connsiteY13"/>
+              </a:cxn>
+              <a:cxn ang="0">
+                <a:pos x="connsiteX14" y="connsiteY14"/>
+              </a:cxn>
+              <a:cxn ang="0">
+                <a:pos x="connsiteX15" y="connsiteY15"/>
+              </a:cxn>
+            </a:cxnLst>
+            <a:rect l="l" t="t" r="r" b="b"/>
+            <a:pathLst>
+              <a:path w="3110997" h="3301428">
+                <a:moveTo>
+                  <a:pt x="1431069" y="1514"/>
+                </a:moveTo>
+                <a:cubicBezTo>
+                  <a:pt x="1596908" y="-4789"/>
+                  <a:pt x="1770176" y="8561"/>
+                  <a:pt x="1946520" y="42088"/>
+                </a:cubicBezTo>
+                <a:cubicBezTo>
+                  <a:pt x="2134136" y="77759"/>
+                  <a:pt x="2274818" y="158432"/>
+                  <a:pt x="2402721" y="303594"/>
+                </a:cubicBezTo>
+                <a:cubicBezTo>
+                  <a:pt x="2536515" y="455435"/>
+                  <a:pt x="2646258" y="666231"/>
+                  <a:pt x="2762423" y="889436"/>
+                </a:cubicBezTo>
+                <a:cubicBezTo>
+                  <a:pt x="2783822" y="930610"/>
+                  <a:pt x="2805992" y="973158"/>
+                  <a:pt x="2828518" y="1015773"/>
+                </a:cubicBezTo>
+                <a:cubicBezTo>
+                  <a:pt x="3030101" y="1397216"/>
+                  <a:pt x="3157590" y="1671880"/>
+                  <a:pt x="3094962" y="2001284"/>
+                </a:cubicBezTo>
+                <a:cubicBezTo>
+                  <a:pt x="2999536" y="2503193"/>
+                  <a:pt x="2719052" y="2818175"/>
+                  <a:pt x="2157067" y="3054444"/>
+                </a:cubicBezTo>
+                <a:cubicBezTo>
+                  <a:pt x="2083511" y="3085361"/>
+                  <a:pt x="2016053" y="3116427"/>
+                  <a:pt x="1950853" y="3146478"/>
+                </a:cubicBezTo>
+                <a:cubicBezTo>
+                  <a:pt x="1680527" y="3271008"/>
+                  <a:pt x="1541221" y="3329055"/>
+                  <a:pt x="1329246" y="3288753"/>
+                </a:cubicBezTo>
+                <a:cubicBezTo>
+                  <a:pt x="1118766" y="3248736"/>
+                  <a:pt x="920572" y="3158068"/>
+                  <a:pt x="740145" y="3019378"/>
+                </a:cubicBezTo>
+                <a:cubicBezTo>
+                  <a:pt x="563651" y="2883673"/>
+                  <a:pt x="411737" y="2708752"/>
+                  <a:pt x="288773" y="2499557"/>
+                </a:cubicBezTo>
+                <a:cubicBezTo>
+                  <a:pt x="167863" y="2293930"/>
+                  <a:pt x="80312" y="2060356"/>
+                  <a:pt x="35659" y="1823964"/>
+                </a:cubicBezTo>
+                <a:cubicBezTo>
+                  <a:pt x="-10360" y="1581177"/>
+                  <a:pt x="-11829" y="1343178"/>
+                  <a:pt x="31208" y="1116817"/>
+                </a:cubicBezTo>
+                <a:cubicBezTo>
+                  <a:pt x="71795" y="903345"/>
+                  <a:pt x="151102" y="714850"/>
+                  <a:pt x="266830" y="556451"/>
+                </a:cubicBezTo>
+                <a:cubicBezTo>
+                  <a:pt x="375349" y="408016"/>
+                  <a:pt x="515707" y="286208"/>
+                  <a:pt x="683944" y="194390"/>
+                </a:cubicBezTo>
+                <a:cubicBezTo>
+                  <a:pt x="898912" y="77121"/>
+                  <a:pt x="1154672" y="12021"/>
+                  <a:pt x="1431069" y="1514"/>
+                </a:cubicBezTo>
+                <a:close/>
+              </a:path>
+            </a:pathLst>
+          </a:custGeom>
+          <a:noFill/>
+          <a:ln w="19050">
+            <a:solidFill>
+              <a:srgbClr val="FFFFFF"/>
+            </a:solidFill>
+          </a:ln>
+        </p:spPr>
+        <p:style>
+          <a:lnRef idx="2">
+            <a:schemeClr val="accent1">
+              <a:shade val="50000"/>
+            </a:schemeClr>
+          </a:lnRef>
+          <a:fillRef idx="1">
+            <a:schemeClr val="accent1"/>
+          </a:fillRef>
+          <a:effectRef idx="0">
+            <a:schemeClr val="accent1"/>
+          </a:effectRef>
+          <a:fontRef idx="minor">
+            <a:schemeClr val="lt1"/>
+          </a:fontRef>
+        </p:style>
+        <p:txBody>
+          <a:bodyPr wrap="square" rtlCol="0" anchor="ctr">
+            <a:noAutofit/>
+          </a:bodyPr>
+          <a:lstStyle/>
+          <a:p>
+            <a:pPr marL="0" marR="0" lvl="0" indent="0" algn="ctr" defTabSz="457200" rtl="0" eaLnBrk="1" fontAlgn="auto" latinLnBrk="0" hangingPunct="1">
+              <a:lnSpc>
+                <a:spcPct val="100000"/>
+              </a:lnSpc>
+              <a:spcBef>
+                <a:spcPts val="0"/>
+              </a:spcBef>
+              <a:spcAft>
+                <a:spcPts val="0"/>
+              </a:spcAft>
+              <a:buClrTx/>
+              <a:buSzTx/>
+              <a:buFontTx/>
+              <a:buNone/>
+              <a:tabLst/>
+              <a:defRPr/>
+            </a:pPr>
+            <a:endParaRPr kumimoji="0" lang="en-US" sz="1800" b="0" i="0" u="none" strike="noStrike" kern="1200" cap="none" spc="0" normalizeH="0" baseline="0" noProof="0" dirty="0">
+              <a:ln>
+                <a:noFill/>
+              </a:ln>
+              <a:solidFill>
+                <a:prstClr val="white"/>
+              </a:solidFill>
+              <a:effectLst/>
+              <a:uLnTx/>
+              <a:uFillTx/>
+              <a:latin typeface="Meiryo"/>
+              <a:ea typeface="+mn-ea"/>
+              <a:cs typeface="+mn-cs"/>
+            </a:endParaRPr>
+          </a:p>
+        </p:txBody>
+      </p:sp>
+      <p:sp>
+        <p:nvSpPr>
+          <p:cNvPr id="173" name="Freeform: Shape 172">
+            <a:extLst>
+              <a:ext uri="{FF2B5EF4-FFF2-40B4-BE49-F238E27FC236}">
+                <a16:creationId xmlns:a16="http://schemas.microsoft.com/office/drawing/2014/main" id="{B9563693-F617-44EE-8004-4D363DFABA90}"/>
+              </a:ext>
+              <a:ext uri="{C183D7F6-B498-43B3-948B-1728B52AA6E4}">
+                <adec:decorative xmlns:adec="http://schemas.microsoft.com/office/drawing/2017/decorative" val="1"/>
+              </a:ext>
+            </a:extLst>
+          </p:cNvPr>
+          <p:cNvSpPr>
+            <a:spLocks noGrp="1" noRot="1" noChangeAspect="1" noMove="1" noResize="1" noEditPoints="1" noAdjustHandles="1" noChangeArrowheads="1" noChangeShapeType="1" noTextEdit="1"/>
+          </p:cNvSpPr>
+          <p:nvPr>
+            <p:extLst>
+              <p:ext uri="{386F3935-93C4-4BCD-93E2-E3B085C9AB24}">
+                <p16:designElem xmlns:p16="http://schemas.microsoft.com/office/powerpoint/2015/main" val="1"/>
+              </p:ext>
+            </p:extLst>
+          </p:nvPr>
+        </p:nvSpPr>
+        <p:spPr>
+          <a:xfrm>
+            <a:off x="5575604" y="443150"/>
+            <a:ext cx="2805016" cy="3049345"/>
+          </a:xfrm>
+          <a:custGeom>
+            <a:avLst/>
+            <a:gdLst>
+              <a:gd name="connsiteX0" fmla="*/ 1448892 w 2805016"/>
+              <a:gd name="connsiteY0" fmla="*/ 1295 h 3049345"/>
+              <a:gd name="connsiteX1" fmla="*/ 1762036 w 2805016"/>
+              <a:gd name="connsiteY1" fmla="*/ 37054 h 3049345"/>
+              <a:gd name="connsiteX2" fmla="*/ 2172496 w 2805016"/>
+              <a:gd name="connsiteY2" fmla="*/ 276646 h 3049345"/>
+              <a:gd name="connsiteX3" fmla="*/ 2494528 w 2805016"/>
+              <a:gd name="connsiteY3" fmla="*/ 816190 h 3049345"/>
+              <a:gd name="connsiteX4" fmla="*/ 2553622 w 2805016"/>
+              <a:gd name="connsiteY4" fmla="*/ 932591 h 3049345"/>
+              <a:gd name="connsiteX5" fmla="*/ 2789833 w 2805016"/>
+              <a:gd name="connsiteY5" fmla="*/ 1841650 h 3049345"/>
+              <a:gd name="connsiteX6" fmla="*/ 1939259 w 2805016"/>
+              <a:gd name="connsiteY6" fmla="*/ 2818274 h 3049345"/>
+              <a:gd name="connsiteX7" fmla="*/ 1752834 w 2805016"/>
+              <a:gd name="connsiteY7" fmla="*/ 2904144 h 3049345"/>
+              <a:gd name="connsiteX8" fmla="*/ 1191447 w 2805016"/>
+              <a:gd name="connsiteY8" fmla="*/ 3038170 h 3049345"/>
+              <a:gd name="connsiteX9" fmla="*/ 661126 w 2805016"/>
+              <a:gd name="connsiteY9" fmla="*/ 2791872 h 3049345"/>
+              <a:gd name="connsiteX10" fmla="*/ 256115 w 2805016"/>
+              <a:gd name="connsiteY10" fmla="*/ 2313690 h 3049345"/>
+              <a:gd name="connsiteX11" fmla="*/ 30620 w 2805016"/>
+              <a:gd name="connsiteY11" fmla="*/ 1690804 h 3049345"/>
+              <a:gd name="connsiteX12" fmla="*/ 29591 w 2805016"/>
+              <a:gd name="connsiteY12" fmla="*/ 1037726 h 3049345"/>
+              <a:gd name="connsiteX13" fmla="*/ 244525 w 2805016"/>
+              <a:gd name="connsiteY13" fmla="*/ 519197 h 3049345"/>
+              <a:gd name="connsiteX14" fmla="*/ 622356 w 2805016"/>
+              <a:gd name="connsiteY14" fmla="*/ 183048 h 3049345"/>
+              <a:gd name="connsiteX15" fmla="*/ 1448892 w 2805016"/>
+              <a:gd name="connsiteY15" fmla="*/ 1295 h 3049345"/>
+            </a:gdLst>
+            <a:ahLst/>
+            <a:cxnLst>
+              <a:cxn ang="0">
+                <a:pos x="connsiteX0" y="connsiteY0"/>
+              </a:cxn>
+              <a:cxn ang="0">
+                <a:pos x="connsiteX1" y="connsiteY1"/>
+              </a:cxn>
+              <a:cxn ang="0">
+                <a:pos x="connsiteX2" y="connsiteY2"/>
+              </a:cxn>
+              <a:cxn ang="0">
+                <a:pos x="connsiteX3" y="connsiteY3"/>
+              </a:cxn>
+              <a:cxn ang="0">
+                <a:pos x="connsiteX4" y="connsiteY4"/>
+              </a:cxn>
+              <a:cxn ang="0">
+                <a:pos x="connsiteX5" y="connsiteY5"/>
+              </a:cxn>
+              <a:cxn ang="0">
+                <a:pos x="connsiteX6" y="connsiteY6"/>
+              </a:cxn>
+              <a:cxn ang="0">
+                <a:pos x="connsiteX7" y="connsiteY7"/>
+              </a:cxn>
+              <a:cxn ang="0">
+                <a:pos x="connsiteX8" y="connsiteY8"/>
+              </a:cxn>
+              <a:cxn ang="0">
+                <a:pos x="connsiteX9" y="connsiteY9"/>
+              </a:cxn>
+              <a:cxn ang="0">
+                <a:pos x="connsiteX10" y="connsiteY10"/>
+              </a:cxn>
+              <a:cxn ang="0">
+                <a:pos x="connsiteX11" y="connsiteY11"/>
+              </a:cxn>
+              <a:cxn ang="0">
+                <a:pos x="connsiteX12" y="connsiteY12"/>
+              </a:cxn>
+              <a:cxn ang="0">
+                <a:pos x="connsiteX13" y="connsiteY13"/>
+              </a:cxn>
+              <a:cxn ang="0">
+                <a:pos x="connsiteX14" y="connsiteY14"/>
+              </a:cxn>
+              <a:cxn ang="0">
+                <a:pos x="connsiteX15" y="connsiteY15"/>
+              </a:cxn>
+            </a:cxnLst>
+            <a:rect l="l" t="t" r="r" b="b"/>
+            <a:pathLst>
+              <a:path w="2805016" h="3049345">
+                <a:moveTo>
+                  <a:pt x="1448892" y="1295"/>
+                </a:moveTo>
+                <a:cubicBezTo>
+                  <a:pt x="1551302" y="5038"/>
+                  <a:pt x="1656071" y="16908"/>
+                  <a:pt x="1762036" y="37054"/>
+                </a:cubicBezTo>
+                <a:cubicBezTo>
+                  <a:pt x="1931145" y="69206"/>
+                  <a:pt x="2057720" y="143119"/>
+                  <a:pt x="2172496" y="276646"/>
+                </a:cubicBezTo>
+                <a:cubicBezTo>
+                  <a:pt x="2292557" y="416316"/>
+                  <a:pt x="2390672" y="610536"/>
+                  <a:pt x="2494528" y="816190"/>
+                </a:cubicBezTo>
+                <a:cubicBezTo>
+                  <a:pt x="2513659" y="854126"/>
+                  <a:pt x="2533480" y="893328"/>
+                  <a:pt x="2553622" y="932591"/>
+                </a:cubicBezTo>
+                <a:cubicBezTo>
+                  <a:pt x="2733870" y="1284027"/>
+                  <a:pt x="2847724" y="1537159"/>
+                  <a:pt x="2789833" y="1841650"/>
+                </a:cubicBezTo>
+                <a:cubicBezTo>
+                  <a:pt x="2701624" y="2305599"/>
+                  <a:pt x="2447254" y="2597690"/>
+                  <a:pt x="1939259" y="2818274"/>
+                </a:cubicBezTo>
+                <a:cubicBezTo>
+                  <a:pt x="1872770" y="2847138"/>
+                  <a:pt x="1811781" y="2876114"/>
+                  <a:pt x="1752834" y="2904144"/>
+                </a:cubicBezTo>
+                <a:cubicBezTo>
+                  <a:pt x="1508432" y="3020297"/>
+                  <a:pt x="1382512" y="3074496"/>
+                  <a:pt x="1191447" y="3038170"/>
+                </a:cubicBezTo>
+                <a:cubicBezTo>
+                  <a:pt x="1001732" y="3002100"/>
+                  <a:pt x="823313" y="2919199"/>
+                  <a:pt x="661126" y="2791872"/>
+                </a:cubicBezTo>
+                <a:cubicBezTo>
+                  <a:pt x="502474" y="2667286"/>
+                  <a:pt x="366163" y="2506376"/>
+                  <a:pt x="256115" y="2313690"/>
+                </a:cubicBezTo>
+                <a:cubicBezTo>
+                  <a:pt x="147904" y="2124290"/>
+                  <a:pt x="69906" y="1908939"/>
+                  <a:pt x="30620" y="1690804"/>
+                </a:cubicBezTo>
+                <a:cubicBezTo>
+                  <a:pt x="-9871" y="1466769"/>
+                  <a:pt x="-10191" y="1246967"/>
+                  <a:pt x="29591" y="1037726"/>
+                </a:cubicBezTo>
+                <a:cubicBezTo>
+                  <a:pt x="67109" y="840400"/>
+                  <a:pt x="139452" y="665977"/>
+                  <a:pt x="244525" y="519197"/>
+                </a:cubicBezTo>
+                <a:cubicBezTo>
+                  <a:pt x="343054" y="381648"/>
+                  <a:pt x="470192" y="268558"/>
+                  <a:pt x="622356" y="183048"/>
+                </a:cubicBezTo>
+                <a:cubicBezTo>
+                  <a:pt x="855671" y="51991"/>
+                  <a:pt x="1141662" y="-9932"/>
+                  <a:pt x="1448892" y="1295"/>
+                </a:cubicBezTo>
+                <a:close/>
+              </a:path>
+            </a:pathLst>
+          </a:custGeom>
+          <a:noFill/>
+          <a:ln w="19050">
+            <a:solidFill>
+              <a:srgbClr val="FFFFFF"/>
+            </a:solidFill>
+          </a:ln>
+        </p:spPr>
+        <p:style>
+          <a:lnRef idx="2">
+            <a:schemeClr val="accent1">
+              <a:shade val="50000"/>
+            </a:schemeClr>
+          </a:lnRef>
+          <a:fillRef idx="1">
+            <a:schemeClr val="accent1"/>
+          </a:fillRef>
+          <a:effectRef idx="0">
+            <a:schemeClr val="accent1"/>
+          </a:effectRef>
+          <a:fontRef idx="minor">
+            <a:schemeClr val="lt1"/>
+          </a:fontRef>
+        </p:style>
+        <p:txBody>
+          <a:bodyPr wrap="square" rtlCol="0" anchor="ctr">
+            <a:noAutofit/>
+          </a:bodyPr>
+          <a:lstStyle/>
+          <a:p>
+            <a:pPr marL="0" marR="0" lvl="0" indent="0" algn="ctr" defTabSz="457200" rtl="0" eaLnBrk="1" fontAlgn="auto" latinLnBrk="0" hangingPunct="1">
+              <a:lnSpc>
+                <a:spcPct val="100000"/>
+              </a:lnSpc>
+              <a:spcBef>
+                <a:spcPts val="0"/>
+              </a:spcBef>
+              <a:spcAft>
+                <a:spcPts val="0"/>
+              </a:spcAft>
+              <a:buClrTx/>
+              <a:buSzTx/>
+              <a:buFontTx/>
+              <a:buNone/>
+              <a:tabLst/>
+              <a:defRPr/>
+            </a:pPr>
+            <a:endParaRPr kumimoji="0" lang="en-US" sz="1800" b="0" i="0" u="none" strike="noStrike" kern="1200" cap="none" spc="0" normalizeH="0" baseline="0" noProof="0" dirty="0">
+              <a:ln>
+                <a:noFill/>
+              </a:ln>
+              <a:solidFill>
+                <a:prstClr val="white"/>
+              </a:solidFill>
+              <a:effectLst/>
+              <a:uLnTx/>
+              <a:uFillTx/>
+              <a:latin typeface="Meiryo"/>
+              <a:ea typeface="+mn-ea"/>
+              <a:cs typeface="+mn-cs"/>
+            </a:endParaRPr>
+          </a:p>
+        </p:txBody>
+      </p:sp>
+      <p:sp>
+        <p:nvSpPr>
+          <p:cNvPr id="175" name="Freeform: Shape 174">
+            <a:extLst>
+              <a:ext uri="{FF2B5EF4-FFF2-40B4-BE49-F238E27FC236}">
+                <a16:creationId xmlns:a16="http://schemas.microsoft.com/office/drawing/2014/main" id="{0B3A0E94-CF00-4A2C-A1A1-1DF74388E6A7}"/>
+              </a:ext>
+              <a:ext uri="{C183D7F6-B498-43B3-948B-1728B52AA6E4}">
+                <adec:decorative xmlns:adec="http://schemas.microsoft.com/office/drawing/2017/decorative" val="1"/>
+              </a:ext>
+            </a:extLst>
+          </p:cNvPr>
+          <p:cNvSpPr>
+            <a:spLocks noGrp="1" noRot="1" noChangeAspect="1" noMove="1" noResize="1" noEditPoints="1" noAdjustHandles="1" noChangeArrowheads="1" noChangeShapeType="1" noTextEdit="1"/>
+          </p:cNvSpPr>
+          <p:nvPr>
+            <p:extLst>
+              <p:ext uri="{386F3935-93C4-4BCD-93E2-E3B085C9AB24}">
+                <p16:designElem xmlns:p16="http://schemas.microsoft.com/office/powerpoint/2015/main" val="1"/>
+              </p:ext>
+            </p:extLst>
+          </p:nvPr>
+        </p:nvSpPr>
+        <p:spPr>
+          <a:xfrm>
+            <a:off x="5674538" y="561252"/>
+            <a:ext cx="2586829" cy="2749569"/>
+          </a:xfrm>
+          <a:custGeom>
+            <a:avLst/>
+            <a:gdLst>
+              <a:gd name="connsiteX0" fmla="*/ 1177679 w 2567901"/>
+              <a:gd name="connsiteY0" fmla="*/ 1063 h 2687367"/>
+              <a:gd name="connsiteX1" fmla="*/ 1603094 w 2567901"/>
+              <a:gd name="connsiteY1" fmla="*/ 35223 h 2687367"/>
+              <a:gd name="connsiteX2" fmla="*/ 1980105 w 2567901"/>
+              <a:gd name="connsiteY2" fmla="*/ 249099 h 2687367"/>
+              <a:gd name="connsiteX3" fmla="*/ 2278200 w 2567901"/>
+              <a:gd name="connsiteY3" fmla="*/ 726784 h 2687367"/>
+              <a:gd name="connsiteX4" fmla="*/ 2333016 w 2567901"/>
+              <a:gd name="connsiteY4" fmla="*/ 829771 h 2687367"/>
+              <a:gd name="connsiteX5" fmla="*/ 2555036 w 2567901"/>
+              <a:gd name="connsiteY5" fmla="*/ 1632596 h 2687367"/>
+              <a:gd name="connsiteX6" fmla="*/ 1783436 w 2567901"/>
+              <a:gd name="connsiteY6" fmla="*/ 2487849 h 2687367"/>
+              <a:gd name="connsiteX7" fmla="*/ 1613480 w 2567901"/>
+              <a:gd name="connsiteY7" fmla="*/ 2562316 h 2687367"/>
+              <a:gd name="connsiteX8" fmla="*/ 1100869 w 2567901"/>
+              <a:gd name="connsiteY8" fmla="*/ 2676769 h 2687367"/>
+              <a:gd name="connsiteX9" fmla="*/ 614178 w 2567901"/>
+              <a:gd name="connsiteY9" fmla="*/ 2456196 h 2687367"/>
+              <a:gd name="connsiteX10" fmla="*/ 240586 w 2567901"/>
+              <a:gd name="connsiteY10" fmla="*/ 2032054 h 2687367"/>
+              <a:gd name="connsiteX11" fmla="*/ 30245 w 2567901"/>
+              <a:gd name="connsiteY11" fmla="*/ 1481541 h 2687367"/>
+              <a:gd name="connsiteX12" fmla="*/ 25021 w 2567901"/>
+              <a:gd name="connsiteY12" fmla="*/ 905889 h 2687367"/>
+              <a:gd name="connsiteX13" fmla="*/ 218217 w 2567901"/>
+              <a:gd name="connsiteY13" fmla="*/ 450248 h 2687367"/>
+              <a:gd name="connsiteX14" fmla="*/ 561607 w 2567901"/>
+              <a:gd name="connsiteY14" fmla="*/ 156432 h 2687367"/>
+              <a:gd name="connsiteX15" fmla="*/ 1177679 w 2567901"/>
+              <a:gd name="connsiteY15" fmla="*/ 1063 h 2687367"/>
+            </a:gdLst>
+            <a:ahLst/>
+            <a:cxnLst>
+              <a:cxn ang="0">
+                <a:pos x="connsiteX0" y="connsiteY0"/>
+              </a:cxn>
+              <a:cxn ang="0">
+                <a:pos x="connsiteX1" y="connsiteY1"/>
+              </a:cxn>
+              <a:cxn ang="0">
+                <a:pos x="connsiteX2" y="connsiteY2"/>
+              </a:cxn>
+              <a:cxn ang="0">
+                <a:pos x="connsiteX3" y="connsiteY3"/>
+              </a:cxn>
+              <a:cxn ang="0">
+                <a:pos x="connsiteX4" y="connsiteY4"/>
+              </a:cxn>
+              <a:cxn ang="0">
+                <a:pos x="connsiteX5" y="connsiteY5"/>
+              </a:cxn>
+              <a:cxn ang="0">
+                <a:pos x="connsiteX6" y="connsiteY6"/>
+              </a:cxn>
+              <a:cxn ang="0">
+                <a:pos x="connsiteX7" y="connsiteY7"/>
+              </a:cxn>
+              <a:cxn ang="0">
+                <a:pos x="connsiteX8" y="connsiteY8"/>
+              </a:cxn>
+              <a:cxn ang="0">
+                <a:pos x="connsiteX9" y="connsiteY9"/>
+              </a:cxn>
+              <a:cxn ang="0">
+                <a:pos x="connsiteX10" y="connsiteY10"/>
+              </a:cxn>
+              <a:cxn ang="0">
+                <a:pos x="connsiteX11" y="connsiteY11"/>
+              </a:cxn>
+              <a:cxn ang="0">
+                <a:pos x="connsiteX12" y="connsiteY12"/>
+              </a:cxn>
+              <a:cxn ang="0">
+                <a:pos x="connsiteX13" y="connsiteY13"/>
+              </a:cxn>
+              <a:cxn ang="0">
+                <a:pos x="connsiteX14" y="connsiteY14"/>
+              </a:cxn>
+              <a:cxn ang="0">
+                <a:pos x="connsiteX15" y="connsiteY15"/>
+              </a:cxn>
+            </a:cxnLst>
+            <a:rect l="l" t="t" r="r" b="b"/>
+            <a:pathLst>
+              <a:path w="2567901" h="2687367">
+                <a:moveTo>
+                  <a:pt x="1177679" y="1063"/>
+                </a:moveTo>
+                <a:cubicBezTo>
+                  <a:pt x="1314507" y="-3704"/>
+                  <a:pt x="1457510" y="7543"/>
+                  <a:pt x="1603094" y="35223"/>
+                </a:cubicBezTo>
+                <a:cubicBezTo>
+                  <a:pt x="1757985" y="64671"/>
+                  <a:pt x="1874247" y="130651"/>
+                  <a:pt x="1980105" y="249099"/>
+                </a:cubicBezTo>
+                <a:cubicBezTo>
+                  <a:pt x="2090840" y="372996"/>
+                  <a:pt x="2181857" y="544832"/>
+                  <a:pt x="2278200" y="726784"/>
+                </a:cubicBezTo>
+                <a:cubicBezTo>
+                  <a:pt x="2295948" y="760348"/>
+                  <a:pt x="2314335" y="795032"/>
+                  <a:pt x="2333016" y="829771"/>
+                </a:cubicBezTo>
+                <a:cubicBezTo>
+                  <a:pt x="2500190" y="1140721"/>
+                  <a:pt x="2605991" y="1364587"/>
+                  <a:pt x="2555036" y="1632596"/>
+                </a:cubicBezTo>
+                <a:cubicBezTo>
+                  <a:pt x="2477395" y="2040959"/>
+                  <a:pt x="2246644" y="2296751"/>
+                  <a:pt x="1783436" y="2487849"/>
+                </a:cubicBezTo>
+                <a:cubicBezTo>
+                  <a:pt x="1722809" y="2512855"/>
+                  <a:pt x="1667214" y="2537996"/>
+                  <a:pt x="1613480" y="2562316"/>
+                </a:cubicBezTo>
+                <a:cubicBezTo>
+                  <a:pt x="1390692" y="2663095"/>
+                  <a:pt x="1275870" y="2710042"/>
+                  <a:pt x="1100869" y="2676769"/>
+                </a:cubicBezTo>
+                <a:cubicBezTo>
+                  <a:pt x="927103" y="2643732"/>
+                  <a:pt x="763363" y="2569490"/>
+                  <a:pt x="614178" y="2456196"/>
+                </a:cubicBezTo>
+                <a:cubicBezTo>
+                  <a:pt x="468245" y="2345340"/>
+                  <a:pt x="342509" y="2202615"/>
+                  <a:pt x="240586" y="2032054"/>
+                </a:cubicBezTo>
+                <a:cubicBezTo>
+                  <a:pt x="140365" y="1864400"/>
+                  <a:pt x="67610" y="1674071"/>
+                  <a:pt x="30245" y="1481541"/>
+                </a:cubicBezTo>
+                <a:cubicBezTo>
+                  <a:pt x="-8261" y="1283803"/>
+                  <a:pt x="-9994" y="1090060"/>
+                  <a:pt x="25021" y="905889"/>
+                </a:cubicBezTo>
+                <a:cubicBezTo>
+                  <a:pt x="58043" y="732204"/>
+                  <a:pt x="123071" y="578936"/>
+                  <a:pt x="218217" y="450248"/>
+                </a:cubicBezTo>
+                <a:cubicBezTo>
+                  <a:pt x="307436" y="329654"/>
+                  <a:pt x="422987" y="230806"/>
+                  <a:pt x="561607" y="156432"/>
+                </a:cubicBezTo>
+                <a:cubicBezTo>
+                  <a:pt x="738731" y="61442"/>
+                  <a:pt x="949631" y="9010"/>
+                  <a:pt x="1177679" y="1063"/>
+                </a:cubicBezTo>
+                <a:close/>
+              </a:path>
+            </a:pathLst>
+          </a:custGeom>
+          <a:solidFill>
+            <a:srgbClr val="FFFFFF">
+              <a:alpha val="60000"/>
+            </a:srgbClr>
+          </a:solidFill>
+          <a:ln>
+            <a:noFill/>
+          </a:ln>
+        </p:spPr>
+        <p:style>
+          <a:lnRef idx="2">
+            <a:schemeClr val="accent1">
+              <a:shade val="50000"/>
+            </a:schemeClr>
+          </a:lnRef>
+          <a:fillRef idx="1">
+            <a:schemeClr val="accent1"/>
+          </a:fillRef>
+          <a:effectRef idx="0">
+            <a:schemeClr val="accent1"/>
+          </a:effectRef>
+          <a:fontRef idx="minor">
+            <a:schemeClr val="lt1"/>
+          </a:fontRef>
+        </p:style>
+        <p:txBody>
+          <a:bodyPr wrap="square" rtlCol="0" anchor="ctr">
+            <a:noAutofit/>
+          </a:bodyPr>
+          <a:lstStyle/>
+          <a:p>
+            <a:pPr marL="0" marR="0" lvl="0" indent="0" algn="ctr" defTabSz="457200" rtl="0" eaLnBrk="1" fontAlgn="auto" latinLnBrk="0" hangingPunct="1">
+              <a:lnSpc>
+                <a:spcPct val="100000"/>
+              </a:lnSpc>
+              <a:spcBef>
+                <a:spcPts val="0"/>
+              </a:spcBef>
+              <a:spcAft>
+                <a:spcPts val="0"/>
+              </a:spcAft>
+              <a:buClrTx/>
+              <a:buSzTx/>
+              <a:buFontTx/>
+              <a:buNone/>
+              <a:tabLst/>
+              <a:defRPr/>
+            </a:pPr>
+            <a:endParaRPr kumimoji="0" lang="en-US" sz="1800" b="0" i="0" u="none" strike="noStrike" kern="1200" cap="none" spc="0" normalizeH="0" baseline="0" noProof="0" dirty="0">
+              <a:ln>
+                <a:noFill/>
+              </a:ln>
+              <a:solidFill>
+                <a:prstClr val="white"/>
+              </a:solidFill>
+              <a:effectLst/>
+              <a:uLnTx/>
+              <a:uFillTx/>
+              <a:latin typeface="Meiryo"/>
+              <a:ea typeface="+mn-ea"/>
+              <a:cs typeface="+mn-cs"/>
+            </a:endParaRPr>
+          </a:p>
+        </p:txBody>
+      </p:sp>
+      <p:sp>
+        <p:nvSpPr>
+          <p:cNvPr id="177" name="Freeform: Shape 176">
+            <a:extLst>
+              <a:ext uri="{FF2B5EF4-FFF2-40B4-BE49-F238E27FC236}">
+                <a16:creationId xmlns:a16="http://schemas.microsoft.com/office/drawing/2014/main" id="{D00382C6-249C-4F5B-A1AB-9531B53983FF}"/>
+              </a:ext>
+              <a:ext uri="{C183D7F6-B498-43B3-948B-1728B52AA6E4}">
+                <adec:decorative xmlns:adec="http://schemas.microsoft.com/office/drawing/2017/decorative" val="1"/>
+              </a:ext>
+            </a:extLst>
+          </p:cNvPr>
+          <p:cNvSpPr>
+            <a:spLocks noGrp="1" noRot="1" noChangeAspect="1" noMove="1" noResize="1" noEditPoints="1" noAdjustHandles="1" noChangeArrowheads="1" noChangeShapeType="1" noTextEdit="1"/>
+          </p:cNvSpPr>
+          <p:nvPr>
+            <p:extLst>
+              <p:ext uri="{386F3935-93C4-4BCD-93E2-E3B085C9AB24}">
+                <p16:designElem xmlns:p16="http://schemas.microsoft.com/office/powerpoint/2015/main" val="1"/>
+              </p:ext>
+            </p:extLst>
+          </p:nvPr>
+        </p:nvSpPr>
+        <p:spPr>
+          <a:xfrm>
+            <a:off x="8787256" y="0"/>
+            <a:ext cx="3404592" cy="2880968"/>
+          </a:xfrm>
+          <a:custGeom>
+            <a:avLst/>
+            <a:gdLst>
+              <a:gd name="connsiteX0" fmla="*/ 30625 w 3404592"/>
+              <a:gd name="connsiteY0" fmla="*/ 0 h 2880968"/>
+              <a:gd name="connsiteX1" fmla="*/ 3404591 w 3404592"/>
+              <a:gd name="connsiteY1" fmla="*/ 0 h 2880968"/>
+              <a:gd name="connsiteX2" fmla="*/ 3404592 w 3404592"/>
+              <a:gd name="connsiteY2" fmla="*/ 2363677 h 2880968"/>
+              <a:gd name="connsiteX3" fmla="*/ 3368234 w 3404592"/>
+              <a:gd name="connsiteY3" fmla="*/ 2400463 h 2880968"/>
+              <a:gd name="connsiteX4" fmla="*/ 2673169 w 3404592"/>
+              <a:gd name="connsiteY4" fmla="*/ 2691710 h 2880968"/>
+              <a:gd name="connsiteX5" fmla="*/ 2383908 w 3404592"/>
+              <a:gd name="connsiteY5" fmla="*/ 2766733 h 2880968"/>
+              <a:gd name="connsiteX6" fmla="*/ 580011 w 3404592"/>
+              <a:gd name="connsiteY6" fmla="*/ 2455996 h 2880968"/>
+              <a:gd name="connsiteX7" fmla="*/ 103935 w 3404592"/>
+              <a:gd name="connsiteY7" fmla="*/ 1224395 h 2880968"/>
+              <a:gd name="connsiteX8" fmla="*/ 76737 w 3404592"/>
+              <a:gd name="connsiteY8" fmla="*/ 1040246 h 2880968"/>
+              <a:gd name="connsiteX9" fmla="*/ 6986 w 3404592"/>
+              <a:gd name="connsiteY9" fmla="*/ 142569 h 2880968"/>
+            </a:gdLst>
+            <a:ahLst/>
+            <a:cxnLst>
+              <a:cxn ang="0">
+                <a:pos x="connsiteX0" y="connsiteY0"/>
+              </a:cxn>
+              <a:cxn ang="0">
+                <a:pos x="connsiteX1" y="connsiteY1"/>
+              </a:cxn>
+              <a:cxn ang="0">
+                <a:pos x="connsiteX2" y="connsiteY2"/>
+              </a:cxn>
+              <a:cxn ang="0">
+                <a:pos x="connsiteX3" y="connsiteY3"/>
+              </a:cxn>
+              <a:cxn ang="0">
+                <a:pos x="connsiteX4" y="connsiteY4"/>
+              </a:cxn>
+              <a:cxn ang="0">
+                <a:pos x="connsiteX5" y="connsiteY5"/>
+              </a:cxn>
+              <a:cxn ang="0">
+                <a:pos x="connsiteX6" y="connsiteY6"/>
+              </a:cxn>
+              <a:cxn ang="0">
+                <a:pos x="connsiteX7" y="connsiteY7"/>
+              </a:cxn>
+              <a:cxn ang="0">
+                <a:pos x="connsiteX8" y="connsiteY8"/>
+              </a:cxn>
+              <a:cxn ang="0">
+                <a:pos x="connsiteX9" y="connsiteY9"/>
+              </a:cxn>
+            </a:cxnLst>
+            <a:rect l="l" t="t" r="r" b="b"/>
+            <a:pathLst>
+              <a:path w="3404592" h="2880968">
+                <a:moveTo>
+                  <a:pt x="30625" y="0"/>
+                </a:moveTo>
+                <a:lnTo>
+                  <a:pt x="3404591" y="0"/>
+                </a:lnTo>
+                <a:lnTo>
+                  <a:pt x="3404592" y="2363677"/>
+                </a:lnTo>
+                <a:lnTo>
+                  <a:pt x="3368234" y="2400463"/>
+                </a:lnTo>
+                <a:cubicBezTo>
+                  <a:pt x="3196560" y="2556781"/>
+                  <a:pt x="3007578" y="2609148"/>
+                  <a:pt x="2673169" y="2691710"/>
+                </a:cubicBezTo>
+                <a:cubicBezTo>
+                  <a:pt x="2580978" y="2714454"/>
+                  <a:pt x="2485617" y="2738008"/>
+                  <a:pt x="2383908" y="2766733"/>
+                </a:cubicBezTo>
+                <a:cubicBezTo>
+                  <a:pt x="1606788" y="2986132"/>
+                  <a:pt x="1067300" y="2893177"/>
+                  <a:pt x="580011" y="2455996"/>
+                </a:cubicBezTo>
+                <a:cubicBezTo>
+                  <a:pt x="260201" y="2169073"/>
+                  <a:pt x="183906" y="1782048"/>
+                  <a:pt x="103935" y="1224395"/>
+                </a:cubicBezTo>
+                <a:cubicBezTo>
+                  <a:pt x="95007" y="1162089"/>
+                  <a:pt x="85753" y="1100145"/>
+                  <a:pt x="76737" y="1040246"/>
+                </a:cubicBezTo>
+                <a:cubicBezTo>
+                  <a:pt x="28042" y="715402"/>
+                  <a:pt x="-17905" y="408591"/>
+                  <a:pt x="6986" y="142569"/>
+                </a:cubicBezTo>
+                <a:close/>
+              </a:path>
+            </a:pathLst>
+          </a:custGeom>
+          <a:noFill/>
+          <a:ln w="19050">
+            <a:solidFill>
+              <a:srgbClr val="FFFFFF"/>
+            </a:solidFill>
+          </a:ln>
+        </p:spPr>
+        <p:style>
+          <a:lnRef idx="2">
+            <a:schemeClr val="accent1">
+              <a:shade val="50000"/>
+            </a:schemeClr>
+          </a:lnRef>
+          <a:fillRef idx="1">
+            <a:schemeClr val="accent1"/>
+          </a:fillRef>
+          <a:effectRef idx="0">
+            <a:schemeClr val="accent1"/>
+          </a:effectRef>
+          <a:fontRef idx="minor">
+            <a:schemeClr val="lt1"/>
+          </a:fontRef>
+        </p:style>
+        <p:txBody>
+          <a:bodyPr wrap="square" rtlCol="0" anchor="ctr">
+            <a:noAutofit/>
+          </a:bodyPr>
+          <a:lstStyle/>
+          <a:p>
+            <a:pPr marL="0" marR="0" lvl="0" indent="0" algn="ctr" defTabSz="457200" rtl="0" eaLnBrk="1" fontAlgn="auto" latinLnBrk="0" hangingPunct="1">
+              <a:lnSpc>
+                <a:spcPct val="100000"/>
+              </a:lnSpc>
+              <a:spcBef>
+                <a:spcPts val="0"/>
+              </a:spcBef>
+              <a:spcAft>
+                <a:spcPts val="0"/>
+              </a:spcAft>
+              <a:buClrTx/>
+              <a:buSzTx/>
+              <a:buFontTx/>
+              <a:buNone/>
+              <a:tabLst/>
+              <a:defRPr/>
+            </a:pPr>
+            <a:endParaRPr kumimoji="0" lang="en-US" sz="1800" b="0" i="0" u="none" strike="noStrike" kern="1200" cap="none" spc="0" normalizeH="0" baseline="0" noProof="0" dirty="0">
+              <a:ln>
+                <a:noFill/>
+              </a:ln>
+              <a:solidFill>
+                <a:prstClr val="white"/>
+              </a:solidFill>
+              <a:effectLst/>
+              <a:uLnTx/>
+              <a:uFillTx/>
+              <a:latin typeface="Meiryo"/>
+              <a:ea typeface="+mn-ea"/>
+              <a:cs typeface="+mn-cs"/>
+            </a:endParaRPr>
+          </a:p>
+        </p:txBody>
+      </p:sp>
+      <p:sp>
+        <p:nvSpPr>
+          <p:cNvPr id="179" name="Freeform: Shape 178">
+            <a:extLst>
+              <a:ext uri="{FF2B5EF4-FFF2-40B4-BE49-F238E27FC236}">
+                <a16:creationId xmlns:a16="http://schemas.microsoft.com/office/drawing/2014/main" id="{EE4C8343-9B2C-4A33-AE54-5945E6E9D44F}"/>
+              </a:ext>
+              <a:ext uri="{C183D7F6-B498-43B3-948B-1728B52AA6E4}">
+                <adec:decorative xmlns:adec="http://schemas.microsoft.com/office/drawing/2017/decorative" val="1"/>
+              </a:ext>
+            </a:extLst>
+          </p:cNvPr>
+          <p:cNvSpPr>
+            <a:spLocks noGrp="1" noRot="1" noChangeAspect="1" noMove="1" noResize="1" noEditPoints="1" noAdjustHandles="1" noChangeArrowheads="1" noChangeShapeType="1" noTextEdit="1"/>
+          </p:cNvSpPr>
+          <p:nvPr>
+            <p:extLst>
+              <p:ext uri="{386F3935-93C4-4BCD-93E2-E3B085C9AB24}">
+                <p16:designElem xmlns:p16="http://schemas.microsoft.com/office/powerpoint/2015/main" val="1"/>
+              </p:ext>
+            </p:extLst>
+          </p:nvPr>
+        </p:nvSpPr>
+        <p:spPr>
+          <a:xfrm>
+            <a:off x="8611772" y="0"/>
+            <a:ext cx="3580076" cy="3029264"/>
+          </a:xfrm>
+          <a:custGeom>
+            <a:avLst/>
+            <a:gdLst>
+              <a:gd name="connsiteX0" fmla="*/ 19381 w 3580076"/>
+              <a:gd name="connsiteY0" fmla="*/ 0 h 3029264"/>
+              <a:gd name="connsiteX1" fmla="*/ 3580076 w 3580076"/>
+              <a:gd name="connsiteY1" fmla="*/ 0 h 3029264"/>
+              <a:gd name="connsiteX2" fmla="*/ 3580076 w 3580076"/>
+              <a:gd name="connsiteY2" fmla="*/ 2559343 h 3029264"/>
+              <a:gd name="connsiteX3" fmla="*/ 3556258 w 3580076"/>
+              <a:gd name="connsiteY3" fmla="*/ 2578706 h 3029264"/>
+              <a:gd name="connsiteX4" fmla="*/ 2887450 w 3580076"/>
+              <a:gd name="connsiteY4" fmla="*/ 2826324 h 3029264"/>
+              <a:gd name="connsiteX5" fmla="*/ 2575407 w 3580076"/>
+              <a:gd name="connsiteY5" fmla="*/ 2906908 h 3029264"/>
+              <a:gd name="connsiteX6" fmla="*/ 628491 w 3580076"/>
+              <a:gd name="connsiteY6" fmla="*/ 2569492 h 3029264"/>
+              <a:gd name="connsiteX7" fmla="*/ 113276 w 3580076"/>
+              <a:gd name="connsiteY7" fmla="*/ 1240251 h 3029264"/>
+              <a:gd name="connsiteX8" fmla="*/ 83702 w 3580076"/>
+              <a:gd name="connsiteY8" fmla="*/ 1041556 h 3029264"/>
+              <a:gd name="connsiteX9" fmla="*/ 7347 w 3580076"/>
+              <a:gd name="connsiteY9" fmla="*/ 73049 h 3029264"/>
+            </a:gdLst>
+            <a:ahLst/>
+            <a:cxnLst>
+              <a:cxn ang="0">
+                <a:pos x="connsiteX0" y="connsiteY0"/>
+              </a:cxn>
+              <a:cxn ang="0">
+                <a:pos x="connsiteX1" y="connsiteY1"/>
+              </a:cxn>
+              <a:cxn ang="0">
+                <a:pos x="connsiteX2" y="connsiteY2"/>
+              </a:cxn>
+              <a:cxn ang="0">
+                <a:pos x="connsiteX3" y="connsiteY3"/>
+              </a:cxn>
+              <a:cxn ang="0">
+                <a:pos x="connsiteX4" y="connsiteY4"/>
+              </a:cxn>
+              <a:cxn ang="0">
+                <a:pos x="connsiteX5" y="connsiteY5"/>
+              </a:cxn>
+              <a:cxn ang="0">
+                <a:pos x="connsiteX6" y="connsiteY6"/>
+              </a:cxn>
+              <a:cxn ang="0">
+                <a:pos x="connsiteX7" y="connsiteY7"/>
+              </a:cxn>
+              <a:cxn ang="0">
+                <a:pos x="connsiteX8" y="connsiteY8"/>
+              </a:cxn>
+              <a:cxn ang="0">
+                <a:pos x="connsiteX9" y="connsiteY9"/>
+              </a:cxn>
+            </a:cxnLst>
+            <a:rect l="l" t="t" r="r" b="b"/>
+            <a:pathLst>
+              <a:path w="3580076" h="3029264">
+                <a:moveTo>
+                  <a:pt x="19381" y="0"/>
+                </a:moveTo>
+                <a:lnTo>
+                  <a:pt x="3580076" y="0"/>
+                </a:lnTo>
+                <a:lnTo>
+                  <a:pt x="3580076" y="2559343"/>
+                </a:lnTo>
+                <a:lnTo>
+                  <a:pt x="3556258" y="2578706"/>
+                </a:lnTo>
+                <a:cubicBezTo>
+                  <a:pt x="3390615" y="2698133"/>
+                  <a:pt x="3196665" y="2750327"/>
+                  <a:pt x="2887450" y="2826324"/>
+                </a:cubicBezTo>
+                <a:cubicBezTo>
+                  <a:pt x="2787996" y="2850747"/>
+                  <a:pt x="2685123" y="2876042"/>
+                  <a:pt x="2575407" y="2906908"/>
+                </a:cubicBezTo>
+                <a:cubicBezTo>
+                  <a:pt x="1737105" y="3142655"/>
+                  <a:pt x="1154843" y="3041718"/>
+                  <a:pt x="628491" y="2569492"/>
+                </a:cubicBezTo>
+                <a:cubicBezTo>
+                  <a:pt x="283045" y="2259569"/>
+                  <a:pt x="200247" y="1841949"/>
+                  <a:pt x="113276" y="1240251"/>
+                </a:cubicBezTo>
+                <a:cubicBezTo>
+                  <a:pt x="103566" y="1173024"/>
+                  <a:pt x="93505" y="1106186"/>
+                  <a:pt x="83702" y="1041556"/>
+                </a:cubicBezTo>
+                <a:cubicBezTo>
+                  <a:pt x="30763" y="691052"/>
+                  <a:pt x="-19190" y="360006"/>
+                  <a:pt x="7347" y="73049"/>
+                </a:cubicBezTo>
+                <a:close/>
+              </a:path>
+            </a:pathLst>
+          </a:custGeom>
+          <a:noFill/>
+          <a:ln w="19050">
+            <a:solidFill>
+              <a:srgbClr val="FFFFFF"/>
+            </a:solidFill>
+          </a:ln>
+        </p:spPr>
+        <p:style>
+          <a:lnRef idx="2">
+            <a:schemeClr val="accent1">
+              <a:shade val="50000"/>
+            </a:schemeClr>
+          </a:lnRef>
+          <a:fillRef idx="1">
+            <a:schemeClr val="accent1"/>
+          </a:fillRef>
+          <a:effectRef idx="0">
+            <a:schemeClr val="accent1"/>
+          </a:effectRef>
+          <a:fontRef idx="minor">
+            <a:schemeClr val="lt1"/>
+          </a:fontRef>
+        </p:style>
+        <p:txBody>
+          <a:bodyPr wrap="square" rtlCol="0" anchor="ctr">
+            <a:noAutofit/>
+          </a:bodyPr>
+          <a:lstStyle/>
+          <a:p>
+            <a:pPr marL="0" marR="0" lvl="0" indent="0" algn="ctr" defTabSz="457200" rtl="0" eaLnBrk="1" fontAlgn="auto" latinLnBrk="0" hangingPunct="1">
+              <a:lnSpc>
+                <a:spcPct val="100000"/>
+              </a:lnSpc>
+              <a:spcBef>
+                <a:spcPts val="0"/>
+              </a:spcBef>
+              <a:spcAft>
+                <a:spcPts val="0"/>
+              </a:spcAft>
+              <a:buClrTx/>
+              <a:buSzTx/>
+              <a:buFontTx/>
+              <a:buNone/>
+              <a:tabLst/>
+              <a:defRPr/>
+            </a:pPr>
+            <a:endParaRPr kumimoji="0" lang="en-US" sz="1800" b="0" i="0" u="none" strike="noStrike" kern="1200" cap="none" spc="0" normalizeH="0" baseline="0" noProof="0" dirty="0">
+              <a:ln>
+                <a:noFill/>
+              </a:ln>
+              <a:solidFill>
+                <a:prstClr val="white"/>
+              </a:solidFill>
+              <a:effectLst/>
+              <a:uLnTx/>
+              <a:uFillTx/>
+              <a:latin typeface="Meiryo"/>
+              <a:ea typeface="+mn-ea"/>
+              <a:cs typeface="+mn-cs"/>
+            </a:endParaRPr>
+          </a:p>
+        </p:txBody>
+      </p:sp>
+      <p:sp>
+        <p:nvSpPr>
+          <p:cNvPr id="181" name="Freeform: Shape 180">
+            <a:extLst>
+              <a:ext uri="{FF2B5EF4-FFF2-40B4-BE49-F238E27FC236}">
+                <a16:creationId xmlns:a16="http://schemas.microsoft.com/office/drawing/2014/main" id="{B76FEFBE-09C1-441E-BB53-303E4CED5DA9}"/>
+              </a:ext>
+              <a:ext uri="{C183D7F6-B498-43B3-948B-1728B52AA6E4}">
+                <adec:decorative xmlns:adec="http://schemas.microsoft.com/office/drawing/2017/decorative" val="1"/>
+              </a:ext>
+            </a:extLst>
+          </p:cNvPr>
+          <p:cNvSpPr>
+            <a:spLocks noGrp="1" noRot="1" noChangeAspect="1" noMove="1" noResize="1" noEditPoints="1" noAdjustHandles="1" noChangeArrowheads="1" noChangeShapeType="1" noTextEdit="1"/>
+          </p:cNvSpPr>
+          <p:nvPr>
+            <p:extLst>
+              <p:ext uri="{386F3935-93C4-4BCD-93E2-E3B085C9AB24}">
+                <p16:designElem xmlns:p16="http://schemas.microsoft.com/office/powerpoint/2015/main" val="1"/>
+              </p:ext>
+            </p:extLst>
+          </p:nvPr>
+        </p:nvSpPr>
+        <p:spPr>
+          <a:xfrm>
+            <a:off x="8885446" y="0"/>
+            <a:ext cx="3306402" cy="2745775"/>
+          </a:xfrm>
+          <a:custGeom>
+            <a:avLst/>
+            <a:gdLst>
+              <a:gd name="connsiteX0" fmla="*/ 37772 w 3293877"/>
+              <a:gd name="connsiteY0" fmla="*/ 0 h 2743212"/>
+              <a:gd name="connsiteX1" fmla="*/ 3293877 w 3293877"/>
+              <a:gd name="connsiteY1" fmla="*/ 0 h 2743212"/>
+              <a:gd name="connsiteX2" fmla="*/ 3293877 w 3293877"/>
+              <a:gd name="connsiteY2" fmla="*/ 2133887 h 2743212"/>
+              <a:gd name="connsiteX3" fmla="*/ 3222757 w 3293877"/>
+              <a:gd name="connsiteY3" fmla="*/ 2223039 h 2743212"/>
+              <a:gd name="connsiteX4" fmla="*/ 2503136 w 3293877"/>
+              <a:gd name="connsiteY4" fmla="*/ 2565392 h 2743212"/>
+              <a:gd name="connsiteX5" fmla="*/ 2232111 w 3293877"/>
+              <a:gd name="connsiteY5" fmla="*/ 2635826 h 2743212"/>
+              <a:gd name="connsiteX6" fmla="*/ 542319 w 3293877"/>
+              <a:gd name="connsiteY6" fmla="*/ 2345567 h 2743212"/>
+              <a:gd name="connsiteX7" fmla="*/ 96920 w 3293877"/>
+              <a:gd name="connsiteY7" fmla="*/ 1191868 h 2743212"/>
+              <a:gd name="connsiteX8" fmla="*/ 71529 w 3293877"/>
+              <a:gd name="connsiteY8" fmla="*/ 1019346 h 2743212"/>
+              <a:gd name="connsiteX9" fmla="*/ 6623 w 3293877"/>
+              <a:gd name="connsiteY9" fmla="*/ 178315 h 2743212"/>
+              <a:gd name="connsiteX10" fmla="*/ 34833 w 3293877"/>
+              <a:gd name="connsiteY10" fmla="*/ 8680 h 2743212"/>
+            </a:gdLst>
+            <a:ahLst/>
+            <a:cxnLst>
+              <a:cxn ang="0">
+                <a:pos x="connsiteX0" y="connsiteY0"/>
+              </a:cxn>
+              <a:cxn ang="0">
+                <a:pos x="connsiteX1" y="connsiteY1"/>
+              </a:cxn>
+              <a:cxn ang="0">
+                <a:pos x="connsiteX2" y="connsiteY2"/>
+              </a:cxn>
+              <a:cxn ang="0">
+                <a:pos x="connsiteX3" y="connsiteY3"/>
+              </a:cxn>
+              <a:cxn ang="0">
+                <a:pos x="connsiteX4" y="connsiteY4"/>
+              </a:cxn>
+              <a:cxn ang="0">
+                <a:pos x="connsiteX5" y="connsiteY5"/>
+              </a:cxn>
+              <a:cxn ang="0">
+                <a:pos x="connsiteX6" y="connsiteY6"/>
+              </a:cxn>
+              <a:cxn ang="0">
+                <a:pos x="connsiteX7" y="connsiteY7"/>
+              </a:cxn>
+              <a:cxn ang="0">
+                <a:pos x="connsiteX8" y="connsiteY8"/>
+              </a:cxn>
+              <a:cxn ang="0">
+                <a:pos x="connsiteX9" y="connsiteY9"/>
+              </a:cxn>
+              <a:cxn ang="0">
+                <a:pos x="connsiteX10" y="connsiteY10"/>
+              </a:cxn>
+            </a:cxnLst>
+            <a:rect l="l" t="t" r="r" b="b"/>
+            <a:pathLst>
+              <a:path w="3293877" h="2743212">
+                <a:moveTo>
+                  <a:pt x="37772" y="0"/>
+                </a:moveTo>
+                <a:lnTo>
+                  <a:pt x="3293877" y="0"/>
+                </a:lnTo>
+                <a:lnTo>
+                  <a:pt x="3293877" y="2133887"/>
+                </a:lnTo>
+                <a:lnTo>
+                  <a:pt x="3222757" y="2223039"/>
+                </a:lnTo>
+                <a:cubicBezTo>
+                  <a:pt x="3041339" y="2425251"/>
+                  <a:pt x="2861221" y="2476800"/>
+                  <a:pt x="2503136" y="2565392"/>
+                </a:cubicBezTo>
+                <a:cubicBezTo>
+                  <a:pt x="2416757" y="2586746"/>
+                  <a:pt x="2327408" y="2608861"/>
+                  <a:pt x="2232111" y="2635826"/>
+                </a:cubicBezTo>
+                <a:cubicBezTo>
+                  <a:pt x="1503976" y="2841768"/>
+                  <a:pt x="998612" y="2754939"/>
+                  <a:pt x="542319" y="2345567"/>
+                </a:cubicBezTo>
+                <a:cubicBezTo>
+                  <a:pt x="242852" y="2076894"/>
+                  <a:pt x="171565" y="1714314"/>
+                  <a:pt x="96920" y="1191868"/>
+                </a:cubicBezTo>
+                <a:cubicBezTo>
+                  <a:pt x="88586" y="1133496"/>
+                  <a:pt x="79946" y="1075462"/>
+                  <a:pt x="71529" y="1019346"/>
+                </a:cubicBezTo>
+                <a:cubicBezTo>
+                  <a:pt x="26070" y="715012"/>
+                  <a:pt x="-16826" y="427572"/>
+                  <a:pt x="6623" y="178315"/>
+                </a:cubicBezTo>
+                <a:cubicBezTo>
+                  <a:pt x="12226" y="118742"/>
+                  <a:pt x="21526" y="62431"/>
+                  <a:pt x="34833" y="8680"/>
+                </a:cubicBezTo>
+                <a:close/>
+              </a:path>
+            </a:pathLst>
+          </a:custGeom>
+          <a:solidFill>
+            <a:srgbClr val="FFFFFF">
+              <a:alpha val="60000"/>
+            </a:srgbClr>
+          </a:solidFill>
+          <a:ln>
+            <a:noFill/>
+          </a:ln>
+        </p:spPr>
+        <p:style>
+          <a:lnRef idx="2">
+            <a:schemeClr val="accent1">
+              <a:shade val="50000"/>
+            </a:schemeClr>
+          </a:lnRef>
+          <a:fillRef idx="1">
+            <a:schemeClr val="accent1"/>
+          </a:fillRef>
+          <a:effectRef idx="0">
+            <a:schemeClr val="accent1"/>
+          </a:effectRef>
+          <a:fontRef idx="minor">
+            <a:schemeClr val="lt1"/>
+          </a:fontRef>
+        </p:style>
+        <p:txBody>
+          <a:bodyPr wrap="square" rtlCol="0" anchor="ctr">
+            <a:noAutofit/>
+          </a:bodyPr>
+          <a:lstStyle/>
+          <a:p>
+            <a:pPr marL="0" marR="0" lvl="0" indent="0" algn="ctr" defTabSz="457200" rtl="0" eaLnBrk="1" fontAlgn="auto" latinLnBrk="0" hangingPunct="1">
+              <a:lnSpc>
+                <a:spcPct val="100000"/>
+              </a:lnSpc>
+              <a:spcBef>
+                <a:spcPts val="0"/>
+              </a:spcBef>
+              <a:spcAft>
+                <a:spcPts val="0"/>
+              </a:spcAft>
+              <a:buClrTx/>
+              <a:buSzTx/>
+              <a:buFontTx/>
+              <a:buNone/>
+              <a:tabLst/>
+              <a:defRPr/>
+            </a:pPr>
+            <a:endParaRPr kumimoji="0" lang="en-US" sz="1800" b="0" i="0" u="none" strike="noStrike" kern="1200" cap="none" spc="0" normalizeH="0" baseline="0" noProof="0">
+              <a:ln>
+                <a:noFill/>
+              </a:ln>
+              <a:solidFill>
+                <a:prstClr val="white"/>
+              </a:solidFill>
+              <a:effectLst/>
+              <a:uLnTx/>
+              <a:uFillTx/>
+              <a:latin typeface="Meiryo"/>
+              <a:ea typeface="+mn-ea"/>
+              <a:cs typeface="+mn-cs"/>
+            </a:endParaRPr>
+          </a:p>
+        </p:txBody>
+      </p:sp>
+      <p:sp>
+        <p:nvSpPr>
+          <p:cNvPr id="183" name="Freeform: Shape 182">
+            <a:extLst>
+              <a:ext uri="{FF2B5EF4-FFF2-40B4-BE49-F238E27FC236}">
+                <a16:creationId xmlns:a16="http://schemas.microsoft.com/office/drawing/2014/main" id="{6B357D90-5835-41AD-A093-F73220E272A2}"/>
+              </a:ext>
+              <a:ext uri="{C183D7F6-B498-43B3-948B-1728B52AA6E4}">
+                <adec:decorative xmlns:adec="http://schemas.microsoft.com/office/drawing/2017/decorative" val="1"/>
+              </a:ext>
+            </a:extLst>
+          </p:cNvPr>
+          <p:cNvSpPr>
+            <a:spLocks noGrp="1" noRot="1" noChangeAspect="1" noMove="1" noResize="1" noEditPoints="1" noAdjustHandles="1" noChangeArrowheads="1" noChangeShapeType="1" noTextEdit="1"/>
+          </p:cNvSpPr>
+          <p:nvPr>
+            <p:extLst>
+              <p:ext uri="{386F3935-93C4-4BCD-93E2-E3B085C9AB24}">
+                <p16:designElem xmlns:p16="http://schemas.microsoft.com/office/powerpoint/2015/main" val="1"/>
+              </p:ext>
+            </p:extLst>
+          </p:nvPr>
+        </p:nvSpPr>
+        <p:spPr>
+          <a:xfrm>
+            <a:off x="6050493" y="3105611"/>
+            <a:ext cx="6141507" cy="3752389"/>
+          </a:xfrm>
+          <a:custGeom>
+            <a:avLst/>
+            <a:gdLst>
+              <a:gd name="connsiteX0" fmla="*/ 3215595 w 6141507"/>
+              <a:gd name="connsiteY0" fmla="*/ 37 h 3752389"/>
+              <a:gd name="connsiteX1" fmla="*/ 5025810 w 6141507"/>
+              <a:gd name="connsiteY1" fmla="*/ 667544 h 3752389"/>
+              <a:gd name="connsiteX2" fmla="*/ 5418068 w 6141507"/>
+              <a:gd name="connsiteY2" fmla="*/ 923043 h 3752389"/>
+              <a:gd name="connsiteX3" fmla="*/ 6130109 w 6141507"/>
+              <a:gd name="connsiteY3" fmla="*/ 1458777 h 3752389"/>
+              <a:gd name="connsiteX4" fmla="*/ 6141506 w 6141507"/>
+              <a:gd name="connsiteY4" fmla="*/ 1473047 h 3752389"/>
+              <a:gd name="connsiteX5" fmla="*/ 6141507 w 6141507"/>
+              <a:gd name="connsiteY5" fmla="*/ 3752389 h 3752389"/>
+              <a:gd name="connsiteX6" fmla="*/ 0 w 6141507"/>
+              <a:gd name="connsiteY6" fmla="*/ 3752389 h 3752389"/>
+              <a:gd name="connsiteX7" fmla="*/ 7127 w 6141507"/>
+              <a:gd name="connsiteY7" fmla="*/ 3638865 h 3752389"/>
+              <a:gd name="connsiteX8" fmla="*/ 59603 w 6141507"/>
+              <a:gd name="connsiteY8" fmla="*/ 3356358 h 3752389"/>
+              <a:gd name="connsiteX9" fmla="*/ 646726 w 6141507"/>
+              <a:gd name="connsiteY9" fmla="*/ 2064848 h 3752389"/>
+              <a:gd name="connsiteX10" fmla="*/ 786444 w 6141507"/>
+              <a:gd name="connsiteY10" fmla="*/ 1806355 h 3752389"/>
+              <a:gd name="connsiteX11" fmla="*/ 2160845 w 6141507"/>
+              <a:gd name="connsiteY11" fmla="*/ 224629 h 3752389"/>
+              <a:gd name="connsiteX12" fmla="*/ 3215595 w 6141507"/>
+              <a:gd name="connsiteY12" fmla="*/ 37 h 3752389"/>
+            </a:gdLst>
+            <a:ahLst/>
+            <a:cxnLst>
+              <a:cxn ang="0">
+                <a:pos x="connsiteX0" y="connsiteY0"/>
+              </a:cxn>
+              <a:cxn ang="0">
+                <a:pos x="connsiteX1" y="connsiteY1"/>
+              </a:cxn>
+              <a:cxn ang="0">
+                <a:pos x="connsiteX2" y="connsiteY2"/>
+              </a:cxn>
+              <a:cxn ang="0">
+                <a:pos x="connsiteX3" y="connsiteY3"/>
+              </a:cxn>
+              <a:cxn ang="0">
+                <a:pos x="connsiteX4" y="connsiteY4"/>
+              </a:cxn>
+              <a:cxn ang="0">
+                <a:pos x="connsiteX5" y="connsiteY5"/>
+              </a:cxn>
+              <a:cxn ang="0">
+                <a:pos x="connsiteX6" y="connsiteY6"/>
+              </a:cxn>
+              <a:cxn ang="0">
+                <a:pos x="connsiteX7" y="connsiteY7"/>
+              </a:cxn>
+              <a:cxn ang="0">
+                <a:pos x="connsiteX8" y="connsiteY8"/>
+              </a:cxn>
+              <a:cxn ang="0">
+                <a:pos x="connsiteX9" y="connsiteY9"/>
+              </a:cxn>
+              <a:cxn ang="0">
+                <a:pos x="connsiteX10" y="connsiteY10"/>
+              </a:cxn>
+              <a:cxn ang="0">
+                <a:pos x="connsiteX11" y="connsiteY11"/>
+              </a:cxn>
+              <a:cxn ang="0">
+                <a:pos x="connsiteX12" y="connsiteY12"/>
+              </a:cxn>
+            </a:cxnLst>
+            <a:rect l="l" t="t" r="r" b="b"/>
+            <a:pathLst>
+              <a:path w="6141507" h="3752389">
+                <a:moveTo>
+                  <a:pt x="3215595" y="37"/>
+                </a:moveTo>
+                <a:cubicBezTo>
+                  <a:pt x="3793727" y="3265"/>
+                  <a:pt x="4373168" y="222053"/>
+                  <a:pt x="5025810" y="667544"/>
+                </a:cubicBezTo>
+                <a:cubicBezTo>
+                  <a:pt x="5162471" y="760846"/>
+                  <a:pt x="5292423" y="843339"/>
+                  <a:pt x="5418068" y="923043"/>
+                </a:cubicBezTo>
+                <a:cubicBezTo>
+                  <a:pt x="5743584" y="1129628"/>
+                  <a:pt x="5966418" y="1276344"/>
+                  <a:pt x="6130109" y="1458777"/>
+                </a:cubicBezTo>
+                <a:lnTo>
+                  <a:pt x="6141506" y="1473047"/>
+                </a:lnTo>
+                <a:lnTo>
+                  <a:pt x="6141507" y="3752389"/>
+                </a:lnTo>
+                <a:lnTo>
+                  <a:pt x="0" y="3752389"/>
+                </a:lnTo>
+                <a:lnTo>
+                  <a:pt x="7127" y="3638865"/>
+                </a:lnTo>
+                <a:cubicBezTo>
+                  <a:pt x="16780" y="3547020"/>
+                  <a:pt x="34303" y="3453276"/>
+                  <a:pt x="59603" y="3356358"/>
+                </a:cubicBezTo>
+                <a:cubicBezTo>
+                  <a:pt x="165452" y="2950843"/>
+                  <a:pt x="399187" y="2520480"/>
+                  <a:pt x="646726" y="2064848"/>
+                </a:cubicBezTo>
+                <a:cubicBezTo>
+                  <a:pt x="692424" y="1980851"/>
+                  <a:pt x="739580" y="1893951"/>
+                  <a:pt x="786444" y="1806355"/>
+                </a:cubicBezTo>
+                <a:cubicBezTo>
+                  <a:pt x="1205972" y="1022363"/>
+                  <a:pt x="1528233" y="488656"/>
+                  <a:pt x="2160845" y="224629"/>
+                </a:cubicBezTo>
+                <a:cubicBezTo>
+                  <a:pt x="2522310" y="73767"/>
+                  <a:pt x="2868717" y="-1899"/>
+                  <a:pt x="3215595" y="37"/>
+                </a:cubicBezTo>
+                <a:close/>
+              </a:path>
+            </a:pathLst>
+          </a:custGeom>
+          <a:noFill/>
+          <a:ln w="19050">
+            <a:solidFill>
+              <a:srgbClr val="FFFFFF"/>
+            </a:solidFill>
+          </a:ln>
+        </p:spPr>
+        <p:style>
+          <a:lnRef idx="2">
+            <a:schemeClr val="accent1">
+              <a:shade val="50000"/>
+            </a:schemeClr>
+          </a:lnRef>
+          <a:fillRef idx="1">
+            <a:schemeClr val="accent1"/>
+          </a:fillRef>
+          <a:effectRef idx="0">
+            <a:schemeClr val="accent1"/>
+          </a:effectRef>
+          <a:fontRef idx="minor">
+            <a:schemeClr val="lt1"/>
+          </a:fontRef>
+        </p:style>
+        <p:txBody>
+          <a:bodyPr wrap="square" rtlCol="0" anchor="ctr">
+            <a:noAutofit/>
+          </a:bodyPr>
+          <a:lstStyle/>
+          <a:p>
+            <a:pPr marL="0" marR="0" lvl="0" indent="0" algn="ctr" defTabSz="457200" rtl="0" eaLnBrk="1" fontAlgn="auto" latinLnBrk="0" hangingPunct="1">
+              <a:lnSpc>
+                <a:spcPct val="100000"/>
+              </a:lnSpc>
+              <a:spcBef>
+                <a:spcPts val="0"/>
+              </a:spcBef>
+              <a:spcAft>
+                <a:spcPts val="0"/>
+              </a:spcAft>
+              <a:buClrTx/>
+              <a:buSzTx/>
+              <a:buFontTx/>
+              <a:buNone/>
+              <a:tabLst/>
+              <a:defRPr/>
+            </a:pPr>
+            <a:endParaRPr kumimoji="0" lang="en-US" sz="1800" b="0" i="0" u="none" strike="noStrike" kern="1200" cap="none" spc="0" normalizeH="0" baseline="0" noProof="0" dirty="0">
+              <a:ln>
+                <a:noFill/>
+              </a:ln>
+              <a:solidFill>
+                <a:prstClr val="white"/>
+              </a:solidFill>
+              <a:effectLst/>
+              <a:uLnTx/>
+              <a:uFillTx/>
+              <a:latin typeface="Meiryo"/>
+              <a:ea typeface="+mn-ea"/>
+              <a:cs typeface="+mn-cs"/>
+            </a:endParaRPr>
+          </a:p>
+        </p:txBody>
+      </p:sp>
+      <p:pic>
+        <p:nvPicPr>
+          <p:cNvPr id="25" name="Grafik 25" descr="Ein Bild, das Person, Mann, draußen, Boden enthält.&#10;&#10;Beschreibung automatisch generiert.">
+            <a:extLst>
+              <a:ext uri="{FF2B5EF4-FFF2-40B4-BE49-F238E27FC236}">
+                <a16:creationId xmlns:a16="http://schemas.microsoft.com/office/drawing/2014/main" id="{A93ABC5C-D88D-00C3-F318-146C8B027A0C}"/>
+              </a:ext>
+            </a:extLst>
+          </p:cNvPr>
+          <p:cNvPicPr>
+            <a:picLocks noChangeAspect="1"/>
+          </p:cNvPicPr>
+          <p:nvPr/>
+        </p:nvPicPr>
+        <p:blipFill rotWithShape="1">
+          <a:blip r:embed="rId2"/>
+          <a:srcRect l="1478" r="37526" b="3"/>
+          <a:stretch/>
+        </p:blipFill>
+        <p:spPr>
+          <a:xfrm>
+            <a:off x="5799899" y="748245"/>
+            <a:ext cx="2299801" cy="2394133"/>
+          </a:xfrm>
+          <a:custGeom>
+            <a:avLst/>
+            <a:gdLst/>
+            <a:ahLst/>
+            <a:cxnLst/>
+            <a:rect l="l" t="t" r="r" b="b"/>
+            <a:pathLst>
+              <a:path w="2246489" h="2351005">
+                <a:moveTo>
+                  <a:pt x="1151661" y="1443"/>
+                </a:moveTo>
+                <a:cubicBezTo>
+                  <a:pt x="1233631" y="4917"/>
+                  <a:pt x="1317535" y="14671"/>
+                  <a:pt x="1402443" y="30814"/>
+                </a:cubicBezTo>
+                <a:cubicBezTo>
+                  <a:pt x="1537948" y="56577"/>
+                  <a:pt x="1639656" y="114298"/>
+                  <a:pt x="1732265" y="217920"/>
+                </a:cubicBezTo>
+                <a:cubicBezTo>
+                  <a:pt x="1829139" y="326311"/>
+                  <a:pt x="1908765" y="476638"/>
+                  <a:pt x="1993051" y="635816"/>
+                </a:cubicBezTo>
+                <a:cubicBezTo>
+                  <a:pt x="2008576" y="665180"/>
+                  <a:pt x="2024662" y="695523"/>
+                  <a:pt x="2041004" y="725913"/>
+                </a:cubicBezTo>
+                <a:cubicBezTo>
+                  <a:pt x="2187254" y="997942"/>
+                  <a:pt x="2279812" y="1193790"/>
+                  <a:pt x="2235234" y="1428254"/>
+                </a:cubicBezTo>
+                <a:cubicBezTo>
+                  <a:pt x="2167312" y="1785504"/>
+                  <a:pt x="1965442" y="2009279"/>
+                  <a:pt x="1560212" y="2176460"/>
+                </a:cubicBezTo>
+                <a:cubicBezTo>
+                  <a:pt x="1507174" y="2198335"/>
+                  <a:pt x="1458538" y="2220330"/>
+                  <a:pt x="1411529" y="2241605"/>
+                </a:cubicBezTo>
+                <a:cubicBezTo>
+                  <a:pt x="1216626" y="2329770"/>
+                  <a:pt x="1116176" y="2370842"/>
+                  <a:pt x="963078" y="2341734"/>
+                </a:cubicBezTo>
+                <a:cubicBezTo>
+                  <a:pt x="811062" y="2312832"/>
+                  <a:pt x="667816" y="2247882"/>
+                  <a:pt x="537304" y="2148767"/>
+                </a:cubicBezTo>
+                <a:cubicBezTo>
+                  <a:pt x="409636" y="2051788"/>
+                  <a:pt x="299638" y="1926926"/>
+                  <a:pt x="210472" y="1777713"/>
+                </a:cubicBezTo>
+                <a:cubicBezTo>
+                  <a:pt x="122796" y="1631044"/>
+                  <a:pt x="59147" y="1464537"/>
+                  <a:pt x="26459" y="1296106"/>
+                </a:cubicBezTo>
+                <a:cubicBezTo>
+                  <a:pt x="-7227" y="1123116"/>
+                  <a:pt x="-8744" y="953623"/>
+                  <a:pt x="21889" y="792504"/>
+                </a:cubicBezTo>
+                <a:cubicBezTo>
+                  <a:pt x="50778" y="640558"/>
+                  <a:pt x="107667" y="506474"/>
+                  <a:pt x="190903" y="393892"/>
+                </a:cubicBezTo>
+                <a:cubicBezTo>
+                  <a:pt x="268956" y="288393"/>
+                  <a:pt x="370042" y="201917"/>
+                  <a:pt x="491313" y="136852"/>
+                </a:cubicBezTo>
+                <a:cubicBezTo>
+                  <a:pt x="677259" y="37131"/>
+                  <a:pt x="905753" y="-8977"/>
+                  <a:pt x="1151661" y="1443"/>
+                </a:cubicBezTo>
+                <a:close/>
+              </a:path>
+            </a:pathLst>
+          </a:custGeom>
+        </p:spPr>
+      </p:pic>
+      <p:pic>
+        <p:nvPicPr>
+          <p:cNvPr id="23" name="Grafik 23" descr="Baumärkte&#10;">
+            <a:extLst>
+              <a:ext uri="{FF2B5EF4-FFF2-40B4-BE49-F238E27FC236}">
+                <a16:creationId xmlns:a16="http://schemas.microsoft.com/office/drawing/2014/main" id="{D66E7BEA-2EAA-BB18-779D-7DC0F1164304}"/>
+              </a:ext>
+            </a:extLst>
+          </p:cNvPr>
+          <p:cNvPicPr>
+            <a:picLocks noChangeAspect="1"/>
+          </p:cNvPicPr>
+          <p:nvPr/>
+        </p:nvPicPr>
+        <p:blipFill rotWithShape="1">
+          <a:blip r:embed="rId3"/>
+          <a:srcRect l="14558" r="16371" b="-4"/>
+          <a:stretch/>
+        </p:blipFill>
+        <p:spPr>
+          <a:xfrm>
+            <a:off x="9109899" y="-9273"/>
+            <a:ext cx="3093269" cy="2530405"/>
+          </a:xfrm>
+          <a:custGeom>
+            <a:avLst/>
+            <a:gdLst/>
+            <a:ahLst/>
+            <a:cxnLst/>
+            <a:rect l="l" t="t" r="r" b="b"/>
+            <a:pathLst>
+              <a:path w="3093269" h="2530405">
+                <a:moveTo>
+                  <a:pt x="60381" y="0"/>
+                </a:moveTo>
+                <a:lnTo>
+                  <a:pt x="3093269" y="0"/>
+                </a:lnTo>
+                <a:lnTo>
+                  <a:pt x="3093269" y="1760938"/>
+                </a:lnTo>
+                <a:lnTo>
+                  <a:pt x="3091357" y="1764934"/>
+                </a:lnTo>
+                <a:cubicBezTo>
+                  <a:pt x="3032651" y="1871844"/>
+                  <a:pt x="2962668" y="1970741"/>
+                  <a:pt x="2881807" y="2060870"/>
+                </a:cubicBezTo>
+                <a:cubicBezTo>
+                  <a:pt x="2718935" y="2242410"/>
+                  <a:pt x="2557541" y="2288971"/>
+                  <a:pt x="2236713" y="2369092"/>
+                </a:cubicBezTo>
+                <a:cubicBezTo>
+                  <a:pt x="2159321" y="2388405"/>
+                  <a:pt x="2079268" y="2408405"/>
+                  <a:pt x="1993879" y="2432762"/>
+                </a:cubicBezTo>
+                <a:cubicBezTo>
+                  <a:pt x="1341447" y="2618793"/>
+                  <a:pt x="889107" y="2542063"/>
+                  <a:pt x="481384" y="2176267"/>
+                </a:cubicBezTo>
+                <a:cubicBezTo>
+                  <a:pt x="213794" y="1936193"/>
+                  <a:pt x="150722" y="1611509"/>
+                  <a:pt x="84978" y="1143609"/>
+                </a:cubicBezTo>
+                <a:cubicBezTo>
+                  <a:pt x="77638" y="1091332"/>
+                  <a:pt x="70023" y="1039358"/>
+                  <a:pt x="62604" y="989101"/>
+                </a:cubicBezTo>
+                <a:cubicBezTo>
+                  <a:pt x="22537" y="716545"/>
+                  <a:pt x="-15270" y="459119"/>
+                  <a:pt x="6250" y="235762"/>
+                </a:cubicBezTo>
+                <a:cubicBezTo>
+                  <a:pt x="11393" y="182380"/>
+                  <a:pt x="19838" y="131912"/>
+                  <a:pt x="31866" y="83728"/>
+                </a:cubicBezTo>
+                <a:close/>
+              </a:path>
+            </a:pathLst>
+          </a:custGeom>
+        </p:spPr>
+      </p:pic>
+      <p:sp>
+        <p:nvSpPr>
+          <p:cNvPr id="185" name="Freeform: Shape 184">
+            <a:extLst>
+              <a:ext uri="{FF2B5EF4-FFF2-40B4-BE49-F238E27FC236}">
+                <a16:creationId xmlns:a16="http://schemas.microsoft.com/office/drawing/2014/main" id="{E188EC29-E620-4E9C-9ABB-0CD603CCF1A3}"/>
+              </a:ext>
+              <a:ext uri="{C183D7F6-B498-43B3-948B-1728B52AA6E4}">
+                <adec:decorative xmlns:adec="http://schemas.microsoft.com/office/drawing/2017/decorative" val="1"/>
+              </a:ext>
+            </a:extLst>
+          </p:cNvPr>
+          <p:cNvSpPr>
+            <a:spLocks noGrp="1" noRot="1" noChangeAspect="1" noMove="1" noResize="1" noEditPoints="1" noAdjustHandles="1" noChangeArrowheads="1" noChangeShapeType="1" noTextEdit="1"/>
+          </p:cNvSpPr>
+          <p:nvPr>
+            <p:extLst>
+              <p:ext uri="{386F3935-93C4-4BCD-93E2-E3B085C9AB24}">
+                <p16:designElem xmlns:p16="http://schemas.microsoft.com/office/powerpoint/2015/main" val="1"/>
+              </p:ext>
+            </p:extLst>
+          </p:nvPr>
+        </p:nvSpPr>
+        <p:spPr>
+          <a:xfrm>
+            <a:off x="6467814" y="3406834"/>
+            <a:ext cx="5724034" cy="3451167"/>
+          </a:xfrm>
+          <a:custGeom>
+            <a:avLst/>
+            <a:gdLst>
+              <a:gd name="connsiteX0" fmla="*/ 2808622 w 5724034"/>
+              <a:gd name="connsiteY0" fmla="*/ 207 h 3451167"/>
+              <a:gd name="connsiteX1" fmla="*/ 4400004 w 5724034"/>
+              <a:gd name="connsiteY1" fmla="*/ 607462 h 3451167"/>
+              <a:gd name="connsiteX2" fmla="*/ 4745277 w 5724034"/>
+              <a:gd name="connsiteY2" fmla="*/ 837612 h 3451167"/>
+              <a:gd name="connsiteX3" fmla="*/ 5584627 w 5724034"/>
+              <a:gd name="connsiteY3" fmla="*/ 1665805 h 3451167"/>
+              <a:gd name="connsiteX4" fmla="*/ 5682689 w 5724034"/>
+              <a:gd name="connsiteY4" fmla="*/ 1947596 h 3451167"/>
+              <a:gd name="connsiteX5" fmla="*/ 5724034 w 5724034"/>
+              <a:gd name="connsiteY5" fmla="*/ 2133764 h 3451167"/>
+              <a:gd name="connsiteX6" fmla="*/ 5724034 w 5724034"/>
+              <a:gd name="connsiteY6" fmla="*/ 3254784 h 3451167"/>
+              <a:gd name="connsiteX7" fmla="*/ 5682668 w 5724034"/>
+              <a:gd name="connsiteY7" fmla="*/ 3451167 h 3451167"/>
+              <a:gd name="connsiteX8" fmla="*/ 3398 w 5724034"/>
+              <a:gd name="connsiteY8" fmla="*/ 3451167 h 3451167"/>
+              <a:gd name="connsiteX9" fmla="*/ 0 w 5724034"/>
+              <a:gd name="connsiteY9" fmla="*/ 3332475 h 3451167"/>
+              <a:gd name="connsiteX10" fmla="*/ 51930 w 5724034"/>
+              <a:gd name="connsiteY10" fmla="*/ 2960389 h 3451167"/>
+              <a:gd name="connsiteX11" fmla="*/ 562146 w 5724034"/>
+              <a:gd name="connsiteY11" fmla="*/ 1816544 h 3451167"/>
+              <a:gd name="connsiteX12" fmla="*/ 683754 w 5724034"/>
+              <a:gd name="connsiteY12" fmla="*/ 1587775 h 3451167"/>
+              <a:gd name="connsiteX13" fmla="*/ 1883792 w 5724034"/>
+              <a:gd name="connsiteY13" fmla="*/ 191878 h 3451167"/>
+              <a:gd name="connsiteX14" fmla="*/ 2808622 w 5724034"/>
+              <a:gd name="connsiteY14" fmla="*/ 207 h 3451167"/>
+            </a:gdLst>
+            <a:ahLst/>
+            <a:cxnLst>
+              <a:cxn ang="0">
+                <a:pos x="connsiteX0" y="connsiteY0"/>
+              </a:cxn>
+              <a:cxn ang="0">
+                <a:pos x="connsiteX1" y="connsiteY1"/>
+              </a:cxn>
+              <a:cxn ang="0">
+                <a:pos x="connsiteX2" y="connsiteY2"/>
+              </a:cxn>
+              <a:cxn ang="0">
+                <a:pos x="connsiteX3" y="connsiteY3"/>
+              </a:cxn>
+              <a:cxn ang="0">
+                <a:pos x="connsiteX4" y="connsiteY4"/>
+              </a:cxn>
+              <a:cxn ang="0">
+                <a:pos x="connsiteX5" y="connsiteY5"/>
+              </a:cxn>
+              <a:cxn ang="0">
+                <a:pos x="connsiteX6" y="connsiteY6"/>
+              </a:cxn>
+              <a:cxn ang="0">
+                <a:pos x="connsiteX7" y="connsiteY7"/>
+              </a:cxn>
+              <a:cxn ang="0">
+                <a:pos x="connsiteX8" y="connsiteY8"/>
+              </a:cxn>
+              <a:cxn ang="0">
+                <a:pos x="connsiteX9" y="connsiteY9"/>
+              </a:cxn>
+              <a:cxn ang="0">
+                <a:pos x="connsiteX10" y="connsiteY10"/>
+              </a:cxn>
+              <a:cxn ang="0">
+                <a:pos x="connsiteX11" y="connsiteY11"/>
+              </a:cxn>
+              <a:cxn ang="0">
+                <a:pos x="connsiteX12" y="connsiteY12"/>
+              </a:cxn>
+              <a:cxn ang="0">
+                <a:pos x="connsiteX13" y="connsiteY13"/>
+              </a:cxn>
+              <a:cxn ang="0">
+                <a:pos x="connsiteX14" y="connsiteY14"/>
+              </a:cxn>
+            </a:cxnLst>
+            <a:rect l="l" t="t" r="r" b="b"/>
+            <a:pathLst>
+              <a:path w="5724034" h="3451167">
+                <a:moveTo>
+                  <a:pt x="2808622" y="207"/>
+                </a:moveTo>
+                <a:cubicBezTo>
+                  <a:pt x="3316039" y="7471"/>
+                  <a:pt x="3825452" y="206405"/>
+                  <a:pt x="4400004" y="607462"/>
+                </a:cubicBezTo>
+                <a:cubicBezTo>
+                  <a:pt x="4520314" y="691458"/>
+                  <a:pt x="4634691" y="765791"/>
+                  <a:pt x="4745277" y="837612"/>
+                </a:cubicBezTo>
+                <a:cubicBezTo>
+                  <a:pt x="5203686" y="1135457"/>
+                  <a:pt x="5430786" y="1295036"/>
+                  <a:pt x="5584627" y="1665805"/>
+                </a:cubicBezTo>
+                <a:cubicBezTo>
+                  <a:pt x="5622816" y="1757843"/>
+                  <a:pt x="5655511" y="1851832"/>
+                  <a:pt x="5682689" y="1947596"/>
+                </a:cubicBezTo>
+                <a:lnTo>
+                  <a:pt x="5724034" y="2133764"/>
+                </a:lnTo>
+                <a:lnTo>
+                  <a:pt x="5724034" y="3254784"/>
+                </a:lnTo>
+                <a:lnTo>
+                  <a:pt x="5682668" y="3451167"/>
+                </a:lnTo>
+                <a:lnTo>
+                  <a:pt x="3398" y="3451167"/>
+                </a:lnTo>
+                <a:lnTo>
+                  <a:pt x="0" y="3332475"/>
+                </a:lnTo>
+                <a:cubicBezTo>
+                  <a:pt x="1789" y="3212109"/>
+                  <a:pt x="19193" y="3089357"/>
+                  <a:pt x="51930" y="2960389"/>
+                </a:cubicBezTo>
+                <a:cubicBezTo>
+                  <a:pt x="143234" y="2600640"/>
+                  <a:pt x="346682" y="2219774"/>
+                  <a:pt x="562146" y="1816544"/>
+                </a:cubicBezTo>
+                <a:cubicBezTo>
+                  <a:pt x="601922" y="1742209"/>
+                  <a:pt x="642967" y="1665303"/>
+                  <a:pt x="683754" y="1587775"/>
+                </a:cubicBezTo>
+                <a:cubicBezTo>
+                  <a:pt x="1048876" y="893902"/>
+                  <a:pt x="1329611" y="421821"/>
+                  <a:pt x="1883792" y="191878"/>
+                </a:cubicBezTo>
+                <a:cubicBezTo>
+                  <a:pt x="2200442" y="60492"/>
+                  <a:pt x="2504173" y="-4151"/>
+                  <a:pt x="2808622" y="207"/>
+                </a:cubicBezTo>
+                <a:close/>
+              </a:path>
+            </a:pathLst>
+          </a:custGeom>
+          <a:solidFill>
+            <a:srgbClr val="FFFFFF">
+              <a:alpha val="60000"/>
+            </a:srgbClr>
+          </a:solidFill>
+          <a:ln>
+            <a:noFill/>
+          </a:ln>
+        </p:spPr>
+        <p:style>
+          <a:lnRef idx="2">
+            <a:schemeClr val="accent1">
+              <a:shade val="50000"/>
+            </a:schemeClr>
+          </a:lnRef>
+          <a:fillRef idx="1">
+            <a:schemeClr val="accent1"/>
+          </a:fillRef>
+          <a:effectRef idx="0">
+            <a:schemeClr val="accent1"/>
+          </a:effectRef>
+          <a:fontRef idx="minor">
+            <a:schemeClr val="lt1"/>
+          </a:fontRef>
+        </p:style>
+        <p:txBody>
+          <a:bodyPr wrap="square" rtlCol="0" anchor="ctr">
+            <a:noAutofit/>
+          </a:bodyPr>
+          <a:lstStyle/>
+          <a:p>
+            <a:pPr marL="0" marR="0" lvl="0" indent="0" algn="ctr" defTabSz="457200" rtl="0" eaLnBrk="1" fontAlgn="auto" latinLnBrk="0" hangingPunct="1">
+              <a:lnSpc>
+                <a:spcPct val="100000"/>
+              </a:lnSpc>
+              <a:spcBef>
+                <a:spcPts val="0"/>
+              </a:spcBef>
+              <a:spcAft>
+                <a:spcPts val="0"/>
+              </a:spcAft>
+              <a:buClrTx/>
+              <a:buSzTx/>
+              <a:buFontTx/>
+              <a:buNone/>
+              <a:tabLst/>
+              <a:defRPr/>
+            </a:pPr>
+            <a:endParaRPr kumimoji="0" lang="en-US" sz="1800" b="0" i="0" u="none" strike="noStrike" kern="1200" cap="none" spc="0" normalizeH="0" baseline="0" noProof="0" dirty="0">
+              <a:ln>
+                <a:noFill/>
+              </a:ln>
+              <a:solidFill>
+                <a:prstClr val="white"/>
+              </a:solidFill>
+              <a:effectLst/>
+              <a:uLnTx/>
+              <a:uFillTx/>
+              <a:latin typeface="Meiryo"/>
+              <a:ea typeface="+mn-ea"/>
+              <a:cs typeface="+mn-cs"/>
+            </a:endParaRPr>
+          </a:p>
+        </p:txBody>
+      </p:sp>
+      <p:sp>
+        <p:nvSpPr>
+          <p:cNvPr id="3" name="Textfeld 2">
+            <a:extLst>
+              <a:ext uri="{FF2B5EF4-FFF2-40B4-BE49-F238E27FC236}">
+                <a16:creationId xmlns:a16="http://schemas.microsoft.com/office/drawing/2014/main" id="{C33B3D6E-0567-14C0-60F1-A4D7EB11EA66}"/>
+              </a:ext>
+            </a:extLst>
+          </p:cNvPr>
+          <p:cNvSpPr txBox="1"/>
+          <p:nvPr/>
+        </p:nvSpPr>
+        <p:spPr>
+          <a:xfrm>
+            <a:off x="348997" y="3170701"/>
+            <a:ext cx="5574692" cy="889176"/>
+          </a:xfrm>
+          <a:prstGeom prst="rect">
+            <a:avLst/>
+          </a:prstGeom>
+        </p:spPr>
+        <p:txBody>
+          <a:bodyPr rot="0" spcFirstLastPara="0" vertOverflow="overflow" horzOverflow="overflow" vert="horz" lIns="109728" tIns="109728" rIns="109728" bIns="91440" numCol="1" spcCol="0" rtlCol="0" fromWordArt="0" anchor="b" anchorCtr="0" forceAA="0" compatLnSpc="1">
+            <a:prstTxWarp prst="textNoShape">
+              <a:avLst/>
+            </a:prstTxWarp>
+            <a:normAutofit/>
+          </a:bodyPr>
+          <a:lstStyle/>
+          <a:p>
+            <a:pPr>
+              <a:lnSpc>
+                <a:spcPct val="110000"/>
+              </a:lnSpc>
+              <a:spcBef>
+                <a:spcPct val="0"/>
+              </a:spcBef>
+              <a:spcAft>
+                <a:spcPts val="600"/>
+              </a:spcAft>
+            </a:pPr>
+            <a:r>
+              <a:rPr lang="en-US" sz="3700" b="1" spc="150" dirty="0">
+                <a:solidFill>
+                  <a:schemeClr val="tx1">
+                    <a:lumMod val="85000"/>
+                    <a:lumOff val="15000"/>
+                  </a:schemeClr>
+                </a:solidFill>
+                <a:latin typeface="+mj-lt"/>
+                <a:ea typeface="+mj-ea"/>
+                <a:cs typeface="+mj-cs"/>
+              </a:rPr>
+              <a:t>4. </a:t>
+            </a:r>
+            <a:r>
+              <a:rPr lang="en-US" sz="3700" b="1" spc="150" dirty="0" err="1">
+                <a:solidFill>
+                  <a:schemeClr val="tx1">
+                    <a:lumMod val="85000"/>
+                    <a:lumOff val="15000"/>
+                  </a:schemeClr>
+                </a:solidFill>
+                <a:latin typeface="+mj-lt"/>
+                <a:ea typeface="+mj-ea"/>
+                <a:cs typeface="+mj-cs"/>
+              </a:rPr>
+              <a:t>Zielgruppen</a:t>
+            </a:r>
+            <a:r>
+              <a:rPr lang="en-US" sz="3700" b="1" spc="150" dirty="0">
+                <a:solidFill>
+                  <a:schemeClr val="tx1">
+                    <a:lumMod val="85000"/>
+                    <a:lumOff val="15000"/>
+                  </a:schemeClr>
+                </a:solidFill>
+                <a:latin typeface="+mj-lt"/>
+                <a:ea typeface="+mj-ea"/>
+                <a:cs typeface="+mj-cs"/>
+              </a:rPr>
+              <a:t> </a:t>
+            </a:r>
+            <a:endParaRPr lang="en-US" sz="3700" b="1" spc="150" dirty="0">
+              <a:solidFill>
+                <a:schemeClr val="tx1">
+                  <a:lumMod val="85000"/>
+                  <a:lumOff val="15000"/>
+                </a:schemeClr>
+              </a:solidFill>
+              <a:latin typeface="+mj-lt"/>
+              <a:ea typeface="Meiryo"/>
+              <a:cs typeface="+mj-cs"/>
+            </a:endParaRPr>
+          </a:p>
+        </p:txBody>
+      </p:sp>
+      <p:pic>
+        <p:nvPicPr>
+          <p:cNvPr id="27" name="Grafik 27" descr="Ein Bild, das drinnen, aus Holz enthält.&#10;&#10;Beschreibung automatisch generiert.">
+            <a:extLst>
+              <a:ext uri="{FF2B5EF4-FFF2-40B4-BE49-F238E27FC236}">
+                <a16:creationId xmlns:a16="http://schemas.microsoft.com/office/drawing/2014/main" id="{1027DAA2-09F7-92F2-7B98-4EA3B2F9CC3E}"/>
+              </a:ext>
+            </a:extLst>
+          </p:cNvPr>
+          <p:cNvPicPr>
+            <a:picLocks noChangeAspect="1"/>
+          </p:cNvPicPr>
+          <p:nvPr/>
+        </p:nvPicPr>
+        <p:blipFill rotWithShape="1">
+          <a:blip r:embed="rId4"/>
+          <a:srcRect t="11556" r="-1" b="1250"/>
+          <a:stretch/>
+        </p:blipFill>
+        <p:spPr>
+          <a:xfrm>
+            <a:off x="6807199" y="3568842"/>
+            <a:ext cx="5185262" cy="3289158"/>
+          </a:xfrm>
+          <a:custGeom>
+            <a:avLst/>
+            <a:gdLst/>
+            <a:ahLst/>
+            <a:cxnLst/>
+            <a:rect l="l" t="t" r="r" b="b"/>
+            <a:pathLst>
+              <a:path w="5185262" h="3201454">
+                <a:moveTo>
+                  <a:pt x="2395657" y="533"/>
+                </a:moveTo>
+                <a:cubicBezTo>
+                  <a:pt x="2853132" y="-10568"/>
+                  <a:pt x="3320085" y="151875"/>
+                  <a:pt x="3853824" y="495130"/>
+                </a:cubicBezTo>
+                <a:cubicBezTo>
+                  <a:pt x="3965587" y="567021"/>
+                  <a:pt x="4071620" y="630367"/>
+                  <a:pt x="4174137" y="691568"/>
+                </a:cubicBezTo>
+                <a:cubicBezTo>
+                  <a:pt x="4599096" y="945381"/>
+                  <a:pt x="4810106" y="1082014"/>
+                  <a:pt x="4963571" y="1412493"/>
+                </a:cubicBezTo>
+                <a:cubicBezTo>
+                  <a:pt x="5115952" y="1740640"/>
+                  <a:pt x="5190392" y="2100122"/>
+                  <a:pt x="5184988" y="2480884"/>
+                </a:cubicBezTo>
+                <a:cubicBezTo>
+                  <a:pt x="5182321" y="2667133"/>
+                  <a:pt x="5160907" y="2854257"/>
+                  <a:pt x="5121020" y="3040915"/>
+                </a:cubicBezTo>
+                <a:lnTo>
+                  <a:pt x="5078712" y="3201454"/>
+                </a:lnTo>
+                <a:lnTo>
+                  <a:pt x="5755" y="3201454"/>
+                </a:lnTo>
+                <a:lnTo>
+                  <a:pt x="0" y="3006621"/>
+                </a:lnTo>
+                <a:cubicBezTo>
+                  <a:pt x="4041" y="2932436"/>
+                  <a:pt x="14231" y="2856537"/>
+                  <a:pt x="30450" y="2777898"/>
+                </a:cubicBezTo>
+                <a:cubicBezTo>
+                  <a:pt x="98304" y="2448859"/>
+                  <a:pt x="266355" y="2096783"/>
+                  <a:pt x="444335" y="1724033"/>
+                </a:cubicBezTo>
+                <a:cubicBezTo>
+                  <a:pt x="477196" y="1655314"/>
+                  <a:pt x="511097" y="1584223"/>
+                  <a:pt x="544740" y="1512578"/>
+                </a:cubicBezTo>
+                <a:cubicBezTo>
+                  <a:pt x="845919" y="871350"/>
+                  <a:pt x="1079952" y="433962"/>
+                  <a:pt x="1570060" y="206371"/>
+                </a:cubicBezTo>
+                <a:cubicBezTo>
+                  <a:pt x="1850099" y="76329"/>
+                  <a:pt x="2121172" y="7193"/>
+                  <a:pt x="2395657" y="533"/>
+                </a:cubicBezTo>
+                <a:close/>
+              </a:path>
+            </a:pathLst>
+          </a:custGeom>
+        </p:spPr>
+      </p:pic>
+      <p:sp>
+        <p:nvSpPr>
+          <p:cNvPr id="77" name="Textfeld 76">
+            <a:extLst>
+              <a:ext uri="{FF2B5EF4-FFF2-40B4-BE49-F238E27FC236}">
+                <a16:creationId xmlns:a16="http://schemas.microsoft.com/office/drawing/2014/main" id="{344EB071-204B-4F55-91D7-8374AF6A4D6B}"/>
+              </a:ext>
+            </a:extLst>
+          </p:cNvPr>
+          <p:cNvSpPr txBox="1"/>
+          <p:nvPr/>
+        </p:nvSpPr>
+        <p:spPr>
+          <a:xfrm>
+            <a:off x="7943850" y="4600575"/>
+            <a:ext cx="2743200" cy="369332"/>
+          </a:xfrm>
+          <a:prstGeom prst="rect">
+            <a:avLst/>
+          </a:prstGeom>
+          <a:noFill/>
+        </p:spPr>
+        <p:txBody>
+          <a:bodyPr rot="0" spcFirstLastPara="0" vertOverflow="overflow" horzOverflow="overflow" vert="horz" wrap="square" lIns="91440" tIns="45720" rIns="91440" bIns="45720" numCol="1" spcCol="0" rtlCol="0" fromWordArt="0" anchor="t" anchorCtr="0" forceAA="0" compatLnSpc="1">
+            <a:prstTxWarp prst="textNoShape">
+              <a:avLst/>
+            </a:prstTxWarp>
+            <a:spAutoFit/>
+          </a:bodyPr>
+          <a:lstStyle/>
+          <a:p>
+            <a:endParaRPr lang="de-DE" dirty="0">
+              <a:latin typeface="Calibri"/>
+              <a:cs typeface="Arial"/>
+            </a:endParaRPr>
+          </a:p>
+        </p:txBody>
+      </p:sp>
+      <p:sp>
+        <p:nvSpPr>
+          <p:cNvPr id="30" name="Textfeld 29">
+            <a:extLst>
+              <a:ext uri="{FF2B5EF4-FFF2-40B4-BE49-F238E27FC236}">
+                <a16:creationId xmlns:a16="http://schemas.microsoft.com/office/drawing/2014/main" id="{B5885FE9-9E98-1364-A3C9-DC6BF7818C6F}"/>
+              </a:ext>
+            </a:extLst>
+          </p:cNvPr>
+          <p:cNvSpPr txBox="1"/>
+          <p:nvPr/>
+        </p:nvSpPr>
+        <p:spPr>
+          <a:xfrm>
+            <a:off x="11363040" y="2744052"/>
+            <a:ext cx="1124945" cy="338554"/>
+          </a:xfrm>
+          <a:prstGeom prst="rect">
+            <a:avLst/>
+          </a:prstGeom>
+          <a:noFill/>
+        </p:spPr>
+        <p:txBody>
+          <a:bodyPr rot="0" spcFirstLastPara="0" vertOverflow="overflow" horzOverflow="overflow" vert="horz" wrap="square" lIns="91440" tIns="45720" rIns="91440" bIns="45720" numCol="1" spcCol="0" rtlCol="0" fromWordArt="0" anchor="t" anchorCtr="0" forceAA="0" compatLnSpc="1">
+            <a:prstTxWarp prst="textNoShape">
+              <a:avLst/>
+            </a:prstTxWarp>
+            <a:spAutoFit/>
+          </a:bodyPr>
+          <a:lstStyle/>
+          <a:p>
+            <a:r>
+              <a:rPr lang="de-DE" sz="1600" dirty="0">
+                <a:ea typeface="Meiryo"/>
+              </a:rPr>
+              <a:t>Abb. 3</a:t>
+            </a:r>
+          </a:p>
+        </p:txBody>
+      </p:sp>
+      <p:sp>
+        <p:nvSpPr>
+          <p:cNvPr id="31" name="Textfeld 1">
+            <a:extLst>
+              <a:ext uri="{FF2B5EF4-FFF2-40B4-BE49-F238E27FC236}">
+                <a16:creationId xmlns:a16="http://schemas.microsoft.com/office/drawing/2014/main" id="{8D3F31FC-F894-9E39-88FF-9789A89421F2}"/>
+              </a:ext>
+            </a:extLst>
+          </p:cNvPr>
+          <p:cNvSpPr txBox="1"/>
+          <p:nvPr/>
+        </p:nvSpPr>
+        <p:spPr>
+          <a:xfrm>
+            <a:off x="8258032" y="2740781"/>
+            <a:ext cx="1618539" cy="369332"/>
+          </a:xfrm>
+          <a:prstGeom prst="rect">
+            <a:avLst/>
+          </a:prstGeom>
+          <a:noFill/>
+        </p:spPr>
+        <p:txBody>
+          <a:bodyPr rot="0" spcFirstLastPara="0" vert="horz" wrap="square" lIns="91440" tIns="45720" rIns="91440" bIns="45720" numCol="1" spcCol="0" rtlCol="0" fromWordArt="0" anchor="t" anchorCtr="0" forceAA="0" compatLnSpc="1">
+            <a:prstTxWarp prst="textNoShape">
+              <a:avLst/>
+            </a:prstTxWarp>
+            <a:spAutoFit/>
+          </a:bodyPr>
+          <a:lstStyle>
+            <a:defPPr>
+              <a:defRPr lang="de-DE"/>
+            </a:defPPr>
+            <a:lvl1pPr marL="0" algn="l" defTabSz="914400" rtl="0" eaLnBrk="1" latinLnBrk="0" hangingPunct="1">
+              <a:defRPr sz="1800" kern="1200">
+                <a:solidFill>
+                  <a:schemeClr val="tx1"/>
+                </a:solidFill>
+                <a:latin typeface="+mn-lt"/>
+                <a:ea typeface="+mn-ea"/>
+                <a:cs typeface="+mn-cs"/>
+              </a:defRPr>
+            </a:lvl1pPr>
+            <a:lvl2pPr marL="457200" algn="l" defTabSz="914400" rtl="0" eaLnBrk="1" latinLnBrk="0" hangingPunct="1">
+              <a:defRPr sz="1800" kern="1200">
+                <a:solidFill>
+                  <a:schemeClr val="tx1"/>
+                </a:solidFill>
+                <a:latin typeface="+mn-lt"/>
+                <a:ea typeface="+mn-ea"/>
+                <a:cs typeface="+mn-cs"/>
+              </a:defRPr>
+            </a:lvl2pPr>
+            <a:lvl3pPr marL="914400" algn="l" defTabSz="914400" rtl="0" eaLnBrk="1" latinLnBrk="0" hangingPunct="1">
+              <a:defRPr sz="1800" kern="1200">
+                <a:solidFill>
+                  <a:schemeClr val="tx1"/>
+                </a:solidFill>
+                <a:latin typeface="+mn-lt"/>
+                <a:ea typeface="+mn-ea"/>
+                <a:cs typeface="+mn-cs"/>
+              </a:defRPr>
+            </a:lvl3pPr>
+            <a:lvl4pPr marL="1371600" algn="l" defTabSz="914400" rtl="0" eaLnBrk="1" latinLnBrk="0" hangingPunct="1">
+              <a:defRPr sz="1800" kern="1200">
+                <a:solidFill>
+                  <a:schemeClr val="tx1"/>
+                </a:solidFill>
+                <a:latin typeface="+mn-lt"/>
+                <a:ea typeface="+mn-ea"/>
+                <a:cs typeface="+mn-cs"/>
+              </a:defRPr>
+            </a:lvl4pPr>
+            <a:lvl5pPr marL="1828800" algn="l" defTabSz="914400" rtl="0" eaLnBrk="1" latinLnBrk="0" hangingPunct="1">
+              <a:defRPr sz="1800" kern="1200">
+                <a:solidFill>
+                  <a:schemeClr val="tx1"/>
+                </a:solidFill>
+                <a:latin typeface="+mn-lt"/>
+                <a:ea typeface="+mn-ea"/>
+                <a:cs typeface="+mn-cs"/>
+              </a:defRPr>
+            </a:lvl5pPr>
+            <a:lvl6pPr marL="2286000" algn="l" defTabSz="914400" rtl="0" eaLnBrk="1" latinLnBrk="0" hangingPunct="1">
+              <a:defRPr sz="1800" kern="1200">
+                <a:solidFill>
+                  <a:schemeClr val="tx1"/>
+                </a:solidFill>
+                <a:latin typeface="+mn-lt"/>
+                <a:ea typeface="+mn-ea"/>
+                <a:cs typeface="+mn-cs"/>
+              </a:defRPr>
+            </a:lvl6pPr>
+            <a:lvl7pPr marL="2743200" algn="l" defTabSz="914400" rtl="0" eaLnBrk="1" latinLnBrk="0" hangingPunct="1">
+              <a:defRPr sz="1800" kern="1200">
+                <a:solidFill>
+                  <a:schemeClr val="tx1"/>
+                </a:solidFill>
+                <a:latin typeface="+mn-lt"/>
+                <a:ea typeface="+mn-ea"/>
+                <a:cs typeface="+mn-cs"/>
+              </a:defRPr>
+            </a:lvl7pPr>
+            <a:lvl8pPr marL="3200400" algn="l" defTabSz="914400" rtl="0" eaLnBrk="1" latinLnBrk="0" hangingPunct="1">
+              <a:defRPr sz="1800" kern="1200">
+                <a:solidFill>
+                  <a:schemeClr val="tx1"/>
+                </a:solidFill>
+                <a:latin typeface="+mn-lt"/>
+                <a:ea typeface="+mn-ea"/>
+                <a:cs typeface="+mn-cs"/>
+              </a:defRPr>
+            </a:lvl8pPr>
+            <a:lvl9pPr marL="3657600" algn="l" defTabSz="914400" rtl="0" eaLnBrk="1" latinLnBrk="0" hangingPunct="1">
+              <a:defRPr sz="1800" kern="1200">
+                <a:solidFill>
+                  <a:schemeClr val="tx1"/>
+                </a:solidFill>
+                <a:latin typeface="+mn-lt"/>
+                <a:ea typeface="+mn-ea"/>
+                <a:cs typeface="+mn-cs"/>
+              </a:defRPr>
+            </a:lvl9pPr>
+          </a:lstStyle>
+          <a:p>
+            <a:r>
+              <a:rPr lang="de-DE" dirty="0">
+                <a:ea typeface="Meiryo"/>
+              </a:rPr>
+              <a:t>Abb. 4</a:t>
+            </a:r>
+            <a:endParaRPr lang="de-DE" dirty="0"/>
+          </a:p>
+        </p:txBody>
+      </p:sp>
+      <p:sp>
+        <p:nvSpPr>
+          <p:cNvPr id="32" name="Textfeld 1">
+            <a:extLst>
+              <a:ext uri="{FF2B5EF4-FFF2-40B4-BE49-F238E27FC236}">
+                <a16:creationId xmlns:a16="http://schemas.microsoft.com/office/drawing/2014/main" id="{8D3F31FC-F894-9E39-88FF-9789A89421F2}"/>
+              </a:ext>
+            </a:extLst>
+          </p:cNvPr>
+          <p:cNvSpPr txBox="1"/>
+          <p:nvPr/>
+        </p:nvSpPr>
+        <p:spPr>
+          <a:xfrm>
+            <a:off x="5114782" y="6474581"/>
+            <a:ext cx="1618539" cy="369332"/>
+          </a:xfrm>
+          <a:prstGeom prst="rect">
+            <a:avLst/>
+          </a:prstGeom>
+          <a:noFill/>
+        </p:spPr>
+        <p:txBody>
+          <a:bodyPr rot="0" spcFirstLastPara="0" vert="horz" wrap="square" lIns="91440" tIns="45720" rIns="91440" bIns="45720" numCol="1" spcCol="0" rtlCol="0" fromWordArt="0" anchor="t" anchorCtr="0" forceAA="0" compatLnSpc="1">
+            <a:prstTxWarp prst="textNoShape">
+              <a:avLst/>
+            </a:prstTxWarp>
+            <a:spAutoFit/>
+          </a:bodyPr>
+          <a:lstStyle>
+            <a:defPPr>
+              <a:defRPr lang="de-DE"/>
+            </a:defPPr>
+            <a:lvl1pPr marL="0" algn="l" defTabSz="914400" rtl="0" eaLnBrk="1" latinLnBrk="0" hangingPunct="1">
+              <a:defRPr sz="1800" kern="1200">
+                <a:solidFill>
+                  <a:schemeClr val="tx1"/>
+                </a:solidFill>
+                <a:latin typeface="+mn-lt"/>
+                <a:ea typeface="+mn-ea"/>
+                <a:cs typeface="+mn-cs"/>
+              </a:defRPr>
+            </a:lvl1pPr>
+            <a:lvl2pPr marL="457200" algn="l" defTabSz="914400" rtl="0" eaLnBrk="1" latinLnBrk="0" hangingPunct="1">
+              <a:defRPr sz="1800" kern="1200">
+                <a:solidFill>
+                  <a:schemeClr val="tx1"/>
+                </a:solidFill>
+                <a:latin typeface="+mn-lt"/>
+                <a:ea typeface="+mn-ea"/>
+                <a:cs typeface="+mn-cs"/>
+              </a:defRPr>
+            </a:lvl2pPr>
+            <a:lvl3pPr marL="914400" algn="l" defTabSz="914400" rtl="0" eaLnBrk="1" latinLnBrk="0" hangingPunct="1">
+              <a:defRPr sz="1800" kern="1200">
+                <a:solidFill>
+                  <a:schemeClr val="tx1"/>
+                </a:solidFill>
+                <a:latin typeface="+mn-lt"/>
+                <a:ea typeface="+mn-ea"/>
+                <a:cs typeface="+mn-cs"/>
+              </a:defRPr>
+            </a:lvl3pPr>
+            <a:lvl4pPr marL="1371600" algn="l" defTabSz="914400" rtl="0" eaLnBrk="1" latinLnBrk="0" hangingPunct="1">
+              <a:defRPr sz="1800" kern="1200">
+                <a:solidFill>
+                  <a:schemeClr val="tx1"/>
+                </a:solidFill>
+                <a:latin typeface="+mn-lt"/>
+                <a:ea typeface="+mn-ea"/>
+                <a:cs typeface="+mn-cs"/>
+              </a:defRPr>
+            </a:lvl4pPr>
+            <a:lvl5pPr marL="1828800" algn="l" defTabSz="914400" rtl="0" eaLnBrk="1" latinLnBrk="0" hangingPunct="1">
+              <a:defRPr sz="1800" kern="1200">
+                <a:solidFill>
+                  <a:schemeClr val="tx1"/>
+                </a:solidFill>
+                <a:latin typeface="+mn-lt"/>
+                <a:ea typeface="+mn-ea"/>
+                <a:cs typeface="+mn-cs"/>
+              </a:defRPr>
+            </a:lvl5pPr>
+            <a:lvl6pPr marL="2286000" algn="l" defTabSz="914400" rtl="0" eaLnBrk="1" latinLnBrk="0" hangingPunct="1">
+              <a:defRPr sz="1800" kern="1200">
+                <a:solidFill>
+                  <a:schemeClr val="tx1"/>
+                </a:solidFill>
+                <a:latin typeface="+mn-lt"/>
+                <a:ea typeface="+mn-ea"/>
+                <a:cs typeface="+mn-cs"/>
+              </a:defRPr>
+            </a:lvl6pPr>
+            <a:lvl7pPr marL="2743200" algn="l" defTabSz="914400" rtl="0" eaLnBrk="1" latinLnBrk="0" hangingPunct="1">
+              <a:defRPr sz="1800" kern="1200">
+                <a:solidFill>
+                  <a:schemeClr val="tx1"/>
+                </a:solidFill>
+                <a:latin typeface="+mn-lt"/>
+                <a:ea typeface="+mn-ea"/>
+                <a:cs typeface="+mn-cs"/>
+              </a:defRPr>
+            </a:lvl7pPr>
+            <a:lvl8pPr marL="3200400" algn="l" defTabSz="914400" rtl="0" eaLnBrk="1" latinLnBrk="0" hangingPunct="1">
+              <a:defRPr sz="1800" kern="1200">
+                <a:solidFill>
+                  <a:schemeClr val="tx1"/>
+                </a:solidFill>
+                <a:latin typeface="+mn-lt"/>
+                <a:ea typeface="+mn-ea"/>
+                <a:cs typeface="+mn-cs"/>
+              </a:defRPr>
+            </a:lvl8pPr>
+            <a:lvl9pPr marL="3657600" algn="l" defTabSz="914400" rtl="0" eaLnBrk="1" latinLnBrk="0" hangingPunct="1">
+              <a:defRPr sz="1800" kern="1200">
+                <a:solidFill>
+                  <a:schemeClr val="tx1"/>
+                </a:solidFill>
+                <a:latin typeface="+mn-lt"/>
+                <a:ea typeface="+mn-ea"/>
+                <a:cs typeface="+mn-cs"/>
+              </a:defRPr>
+            </a:lvl9pPr>
+          </a:lstStyle>
+          <a:p>
+            <a:r>
+              <a:rPr lang="de-DE" dirty="0">
+                <a:ea typeface="Meiryo"/>
+              </a:rPr>
+              <a:t>Abb. 5</a:t>
+            </a:r>
+            <a:endParaRPr lang="de-DE" dirty="0"/>
+          </a:p>
+        </p:txBody>
+      </p:sp>
+    </p:spTree>
+    <p:extLst>
+      <p:ext uri="{BB962C8B-B14F-4D97-AF65-F5344CB8AC3E}">
+        <p14:creationId xmlns:p14="http://schemas.microsoft.com/office/powerpoint/2010/main" val="4242682494"/>
+      </p:ext>
+    </p:extLst>
+  </p:cSld>
+  <p:clrMapOvr>
+    <a:masterClrMapping/>
+  </p:clrMapOvr>
+</p:sld>
+</file>
+
+<file path=ppt/slides/slide8.xml><?xml version="1.0" encoding="utf-8"?>
+<p:sld xmlns:a="http://schemas.openxmlformats.org/drawingml/2006/main" xmlns:r="http://schemas.openxmlformats.org/officeDocument/2006/relationships" xmlns:p="http://schemas.openxmlformats.org/presentationml/2006/main">
+  <p:cSld>
+    <p:spTree>
+      <p:nvGrpSpPr>
+        <p:cNvPr id="1" name=""/>
+        <p:cNvGrpSpPr/>
+        <p:nvPr/>
+      </p:nvGrpSpPr>
+      <p:grpSpPr>
+        <a:xfrm>
+          <a:off x="0" y="0"/>
+          <a:ext cx="0" cy="0"/>
+          <a:chOff x="0" y="0"/>
+          <a:chExt cx="0" cy="0"/>
+        </a:xfrm>
+      </p:grpSpPr>
+      <p:sp>
+        <p:nvSpPr>
+          <p:cNvPr id="2" name="Titel 1">
+            <a:extLst>
+              <a:ext uri="{FF2B5EF4-FFF2-40B4-BE49-F238E27FC236}">
+                <a16:creationId xmlns:a16="http://schemas.microsoft.com/office/drawing/2014/main" id="{77F2AAE5-AEDA-7806-38BA-4EB4000B0485}"/>
+              </a:ext>
+            </a:extLst>
+          </p:cNvPr>
+          <p:cNvSpPr>
+            <a:spLocks noGrp="1"/>
+          </p:cNvSpPr>
+          <p:nvPr>
+            <p:ph type="title"/>
+          </p:nvPr>
+        </p:nvSpPr>
+        <p:spPr/>
+        <p:txBody>
+          <a:bodyPr/>
+          <a:lstStyle/>
+          <a:p>
+            <a:r>
+              <a:rPr lang="de-DE" dirty="0">
+                <a:ea typeface="Meiryo"/>
+              </a:rPr>
+              <a:t>5. Kundennutzen</a:t>
+            </a:r>
+            <a:endParaRPr lang="de-DE" dirty="0"/>
+          </a:p>
+        </p:txBody>
+      </p:sp>
+      <p:sp>
+        <p:nvSpPr>
+          <p:cNvPr id="3" name="Inhaltsplatzhalter 2">
+            <a:extLst>
+              <a:ext uri="{FF2B5EF4-FFF2-40B4-BE49-F238E27FC236}">
+                <a16:creationId xmlns:a16="http://schemas.microsoft.com/office/drawing/2014/main" id="{5893476A-FFC5-EC36-7B9F-BCE88C554DF5}"/>
+              </a:ext>
+            </a:extLst>
+          </p:cNvPr>
+          <p:cNvSpPr>
+            <a:spLocks noGrp="1"/>
+          </p:cNvSpPr>
+          <p:nvPr>
+            <p:ph idx="1"/>
+          </p:nvPr>
+        </p:nvSpPr>
+        <p:spPr/>
+        <p:txBody>
+          <a:bodyPr/>
+          <a:lstStyle/>
+          <a:p>
+            <a:endParaRPr lang="de-DE"/>
+          </a:p>
+        </p:txBody>
+      </p:sp>
+    </p:spTree>
+    <p:extLst>
+      <p:ext uri="{BB962C8B-B14F-4D97-AF65-F5344CB8AC3E}">
+        <p14:creationId xmlns:p14="http://schemas.microsoft.com/office/powerpoint/2010/main" val="157434637"/>
+      </p:ext>
+    </p:extLst>
+  </p:cSld>
+  <p:clrMapOvr>
+    <a:masterClrMapping/>
+  </p:clrMapOvr>
+</p:sld>
+</file>
+
+<file path=ppt/slides/slide9.xml><?xml version="1.0" encoding="utf-8"?>
+<p:sld xmlns:a="http://schemas.openxmlformats.org/drawingml/2006/main" xmlns:r="http://schemas.openxmlformats.org/officeDocument/2006/relationships" xmlns:p="http://schemas.openxmlformats.org/presentationml/2006/main">
+  <p:cSld>
+    <p:bg>
+      <p:bgPr>
+        <a:solidFill>
+          <a:schemeClr val="bg2"/>
+        </a:solidFill>
+        <a:effectLst/>
+      </p:bgPr>
+    </p:bg>
+    <p:spTree>
+      <p:nvGrpSpPr>
+        <p:cNvPr id="1" name=""/>
+        <p:cNvGrpSpPr/>
+        <p:nvPr/>
+      </p:nvGrpSpPr>
+      <p:grpSpPr>
+        <a:xfrm>
+          <a:off x="0" y="0"/>
+          <a:ext cx="0" cy="0"/>
+          <a:chOff x="0" y="0"/>
+          <a:chExt cx="0" cy="0"/>
+        </a:xfrm>
+      </p:grpSpPr>
       <p:sp>
         <p:nvSpPr>
           <p:cNvPr id="3" name="Untertitel 2"/>
@@ -19443,7 +25054,7 @@
                 <a:ea typeface="+mn-lt"/>
                 <a:cs typeface="+mn-lt"/>
               </a:rPr>
-              <a:t>Abb1: </a:t>
+              <a:t>Abb. 1: </a:t>
             </a:r>
             <a:r>
               <a:rPr lang="de-DE" dirty="0">
@@ -19467,7 +25078,7 @@
               <a:rPr lang="de-DE" dirty="0">
                 <a:ea typeface="Meiryo"/>
               </a:rPr>
-              <a:t>Abb2: </a:t>
+              <a:t>Abb. 2: </a:t>
             </a:r>
             <a:r>
               <a:rPr lang="de-DE" dirty="0">
@@ -19479,6 +25090,73 @@
             </a:r>
             <a:endParaRPr lang="de-DE">
               <a:ea typeface="Meiryo"/>
+            </a:endParaRPr>
+          </a:p>
+          <a:p>
+            <a:pPr marL="342900" indent="-342900">
+              <a:buFont typeface="Arial" panose="020B0503020204020204" pitchFamily="34" charset="0"/>
+              <a:buChar char="•"/>
+            </a:pPr>
+            <a:r>
+              <a:rPr lang="de-DE" dirty="0">
+                <a:ea typeface="+mn-lt"/>
+                <a:cs typeface="+mn-lt"/>
+              </a:rPr>
+              <a:t>Abb. 3: </a:t>
+            </a:r>
+            <a:r>
+              <a:rPr lang="de-DE" dirty="0">
+                <a:ea typeface="+mn-lt"/>
+                <a:cs typeface="+mn-lt"/>
+                <a:hlinkClick r:id="rId4"/>
+              </a:rPr>
+              <a:t>https://www.wuv.de/Archiv/Baumarkt-N%C3%A4he-sticht-Marke</a:t>
+            </a:r>
+          </a:p>
+          <a:p>
+            <a:pPr marL="342900" indent="-342900">
+              <a:buFont typeface="Arial" panose="020B0503020204020204" pitchFamily="34" charset="0"/>
+              <a:buChar char="•"/>
+            </a:pPr>
+            <a:r>
+              <a:rPr lang="de-DE" dirty="0">
+                <a:ea typeface="+mn-lt"/>
+                <a:cs typeface="+mn-lt"/>
+              </a:rPr>
+              <a:t>Abb. 4: </a:t>
+            </a:r>
+            <a:r>
+              <a:rPr lang="de-DE" dirty="0">
+                <a:ea typeface="+mn-lt"/>
+                <a:cs typeface="+mn-lt"/>
+                <a:hlinkClick r:id="rId5"/>
+              </a:rPr>
+              <a:t>https://www.holzland-stoellger.de/bauen/platten/dekor-und-spanplatten/</a:t>
+            </a:r>
+          </a:p>
+          <a:p>
+            <a:pPr marL="342900" indent="-342900">
+              <a:buFont typeface="Arial" panose="020B0503020204020204" pitchFamily="34" charset="0"/>
+              <a:buChar char="•"/>
+            </a:pPr>
+            <a:r>
+              <a:rPr lang="de-DE" dirty="0">
+                <a:ea typeface="+mn-lt"/>
+                <a:cs typeface="+mn-lt"/>
+              </a:rPr>
+              <a:t>Abb. 5: </a:t>
+            </a:r>
+            <a:r>
+              <a:rPr lang="de-DE" dirty="0">
+                <a:ea typeface="+mn-lt"/>
+                <a:cs typeface="+mn-lt"/>
+                <a:hlinkClick r:id="rId6"/>
+              </a:rPr>
+              <a:t>https://www.livarea.de/trendblog/welche-vorteile-hat-die-furnierte-spanplatte-mdf-platte-gegenueber-massivholz/</a:t>
+            </a:r>
+            <a:endParaRPr lang="de-DE" dirty="0">
+              <a:ea typeface="+mn-lt"/>
+              <a:cs typeface="+mn-lt"/>
             </a:endParaRPr>
           </a:p>
           <a:p>

--- a/Teil2/Teil2.pptx
+++ b/Teil2/Teil2.pptx
@@ -12,8 +12,9 @@
     <p:sldId id="261" r:id="rId6"/>
     <p:sldId id="265" r:id="rId7"/>
     <p:sldId id="264" r:id="rId8"/>
-    <p:sldId id="266" r:id="rId9"/>
-    <p:sldId id="259" r:id="rId10"/>
+    <p:sldId id="267" r:id="rId9"/>
+    <p:sldId id="268" r:id="rId10"/>
+    <p:sldId id="259" r:id="rId11"/>
   </p:sldIdLst>
   <p:sldSz cx="12192000" cy="6858000"/>
   <p:notesSz cx="6858000" cy="9144000"/>
@@ -123,6 +124,7 @@
 <file path=ppt/revisionInfo.xml><?xml version="1.0" encoding="utf-8"?>
 <p1510:revInfo xmlns:a="http://schemas.openxmlformats.org/drawingml/2006/main" xmlns:r="http://schemas.openxmlformats.org/officeDocument/2006/relationships" xmlns:p1510="http://schemas.microsoft.com/office/powerpoint/2015/10/main">
   <p1510:revLst>
+    <p1510:client id="{678AAAA5-B0ED-8D3B-953C-C968D7662AEF}" v="412" dt="2022-11-24T23:02:45.274"/>
     <p1510:client id="{75E04B9F-045C-45FF-B5C4-4FCB88812246}" v="338" dt="2022-11-24T16:18:48.718"/>
     <p1510:client id="{A2DBF853-F462-4956-82BF-5226F1DE29C2}" v="660" dt="2022-11-24T12:03:05.539"/>
     <p1510:client id="{D18659C0-9C34-FFD4-6529-77F964009280}" v="7" dt="2022-11-24T15:14:52.652"/>
@@ -2613,6 +2615,925 @@
 </dgm:colorsDef>
 </file>
 
+<file path=ppt/diagrams/colors4.xml><?xml version="1.0" encoding="utf-8"?>
+<dgm:colorsDef xmlns:dgm="http://schemas.openxmlformats.org/drawingml/2006/diagram" xmlns:a="http://schemas.openxmlformats.org/drawingml/2006/main" uniqueId="urn:microsoft.com/office/officeart/2005/8/colors/colorful1">
+  <dgm:title val=""/>
+  <dgm:desc val=""/>
+  <dgm:catLst>
+    <dgm:cat type="colorful" pri="10100"/>
+  </dgm:catLst>
+  <dgm:styleLbl name="node0">
+    <dgm:fillClrLst meth="repeat">
+      <a:schemeClr val="accent1"/>
+    </dgm:fillClrLst>
+    <dgm:linClrLst meth="repeat">
+      <a:schemeClr val="lt1"/>
+    </dgm:linClrLst>
+    <dgm:effectClrLst/>
+    <dgm:txLinClrLst/>
+    <dgm:txFillClrLst/>
+    <dgm:txEffectClrLst/>
+  </dgm:styleLbl>
+  <dgm:styleLbl name="node1">
+    <dgm:fillClrLst meth="repeat">
+      <a:schemeClr val="accent2"/>
+      <a:schemeClr val="accent3"/>
+      <a:schemeClr val="accent4"/>
+      <a:schemeClr val="accent5"/>
+      <a:schemeClr val="accent6"/>
+    </dgm:fillClrLst>
+    <dgm:linClrLst meth="repeat">
+      <a:schemeClr val="lt1"/>
+    </dgm:linClrLst>
+    <dgm:effectClrLst/>
+    <dgm:txLinClrLst/>
+    <dgm:txFillClrLst/>
+    <dgm:txEffectClrLst/>
+  </dgm:styleLbl>
+  <dgm:styleLbl name="alignNode1">
+    <dgm:fillClrLst meth="repeat">
+      <a:schemeClr val="accent2"/>
+      <a:schemeClr val="accent3"/>
+      <a:schemeClr val="accent4"/>
+      <a:schemeClr val="accent5"/>
+      <a:schemeClr val="accent6"/>
+    </dgm:fillClrLst>
+    <dgm:linClrLst meth="repeat">
+      <a:schemeClr val="accent2"/>
+      <a:schemeClr val="accent3"/>
+      <a:schemeClr val="accent4"/>
+      <a:schemeClr val="accent5"/>
+      <a:schemeClr val="accent6"/>
+    </dgm:linClrLst>
+    <dgm:effectClrLst/>
+    <dgm:txLinClrLst/>
+    <dgm:txFillClrLst/>
+    <dgm:txEffectClrLst/>
+  </dgm:styleLbl>
+  <dgm:styleLbl name="lnNode1">
+    <dgm:fillClrLst meth="repeat">
+      <a:schemeClr val="accent2"/>
+      <a:schemeClr val="accent3"/>
+      <a:schemeClr val="accent4"/>
+      <a:schemeClr val="accent5"/>
+      <a:schemeClr val="accent6"/>
+    </dgm:fillClrLst>
+    <dgm:linClrLst meth="repeat">
+      <a:schemeClr val="lt1"/>
+    </dgm:linClrLst>
+    <dgm:effectClrLst/>
+    <dgm:txLinClrLst/>
+    <dgm:txFillClrLst/>
+    <dgm:txEffectClrLst/>
+  </dgm:styleLbl>
+  <dgm:styleLbl name="vennNode1">
+    <dgm:fillClrLst meth="repeat">
+      <a:schemeClr val="accent2">
+        <a:alpha val="50000"/>
+      </a:schemeClr>
+      <a:schemeClr val="accent3">
+        <a:alpha val="50000"/>
+      </a:schemeClr>
+      <a:schemeClr val="accent4">
+        <a:alpha val="50000"/>
+      </a:schemeClr>
+      <a:schemeClr val="accent5">
+        <a:alpha val="50000"/>
+      </a:schemeClr>
+      <a:schemeClr val="accent6">
+        <a:alpha val="50000"/>
+      </a:schemeClr>
+    </dgm:fillClrLst>
+    <dgm:linClrLst meth="repeat">
+      <a:schemeClr val="lt1"/>
+    </dgm:linClrLst>
+    <dgm:effectClrLst/>
+    <dgm:txLinClrLst/>
+    <dgm:txFillClrLst/>
+    <dgm:txEffectClrLst/>
+  </dgm:styleLbl>
+  <dgm:styleLbl name="node2">
+    <dgm:fillClrLst>
+      <a:schemeClr val="accent2"/>
+    </dgm:fillClrLst>
+    <dgm:linClrLst meth="repeat">
+      <a:schemeClr val="lt1"/>
+    </dgm:linClrLst>
+    <dgm:effectClrLst/>
+    <dgm:txLinClrLst/>
+    <dgm:txFillClrLst/>
+    <dgm:txEffectClrLst/>
+  </dgm:styleLbl>
+  <dgm:styleLbl name="node3">
+    <dgm:fillClrLst>
+      <a:schemeClr val="accent3"/>
+    </dgm:fillClrLst>
+    <dgm:linClrLst meth="repeat">
+      <a:schemeClr val="lt1"/>
+    </dgm:linClrLst>
+    <dgm:effectClrLst/>
+    <dgm:txLinClrLst/>
+    <dgm:txFillClrLst/>
+    <dgm:txEffectClrLst/>
+  </dgm:styleLbl>
+  <dgm:styleLbl name="node4">
+    <dgm:fillClrLst>
+      <a:schemeClr val="accent4"/>
+    </dgm:fillClrLst>
+    <dgm:linClrLst meth="repeat">
+      <a:schemeClr val="lt1"/>
+    </dgm:linClrLst>
+    <dgm:effectClrLst/>
+    <dgm:txLinClrLst/>
+    <dgm:txFillClrLst/>
+    <dgm:txEffectClrLst/>
+  </dgm:styleLbl>
+  <dgm:styleLbl name="fgImgPlace1">
+    <dgm:fillClrLst meth="repeat">
+      <a:schemeClr val="accent2">
+        <a:tint val="50000"/>
+      </a:schemeClr>
+      <a:schemeClr val="accent3">
+        <a:tint val="50000"/>
+      </a:schemeClr>
+      <a:schemeClr val="accent4">
+        <a:tint val="50000"/>
+      </a:schemeClr>
+      <a:schemeClr val="accent5">
+        <a:tint val="50000"/>
+      </a:schemeClr>
+      <a:schemeClr val="accent6">
+        <a:tint val="50000"/>
+      </a:schemeClr>
+    </dgm:fillClrLst>
+    <dgm:linClrLst meth="repeat">
+      <a:schemeClr val="lt1"/>
+    </dgm:linClrLst>
+    <dgm:effectClrLst/>
+    <dgm:txLinClrLst/>
+    <dgm:txFillClrLst meth="repeat">
+      <a:schemeClr val="lt1"/>
+    </dgm:txFillClrLst>
+    <dgm:txEffectClrLst/>
+  </dgm:styleLbl>
+  <dgm:styleLbl name="alignImgPlace1">
+    <dgm:fillClrLst>
+      <a:schemeClr val="accent1">
+        <a:tint val="50000"/>
+      </a:schemeClr>
+      <a:schemeClr val="accent2">
+        <a:tint val="20000"/>
+      </a:schemeClr>
+    </dgm:fillClrLst>
+    <dgm:linClrLst meth="repeat">
+      <a:schemeClr val="lt1"/>
+    </dgm:linClrLst>
+    <dgm:effectClrLst/>
+    <dgm:txLinClrLst/>
+    <dgm:txFillClrLst meth="repeat">
+      <a:schemeClr val="lt1"/>
+    </dgm:txFillClrLst>
+    <dgm:txEffectClrLst/>
+  </dgm:styleLbl>
+  <dgm:styleLbl name="bgImgPlace1">
+    <dgm:fillClrLst>
+      <a:schemeClr val="accent1">
+        <a:tint val="50000"/>
+      </a:schemeClr>
+      <a:schemeClr val="accent2">
+        <a:tint val="20000"/>
+      </a:schemeClr>
+    </dgm:fillClrLst>
+    <dgm:linClrLst meth="repeat">
+      <a:schemeClr val="lt1"/>
+    </dgm:linClrLst>
+    <dgm:effectClrLst/>
+    <dgm:txLinClrLst/>
+    <dgm:txFillClrLst meth="repeat">
+      <a:schemeClr val="lt1"/>
+    </dgm:txFillClrLst>
+    <dgm:txEffectClrLst/>
+  </dgm:styleLbl>
+  <dgm:styleLbl name="sibTrans2D1">
+    <dgm:fillClrLst meth="repeat">
+      <a:schemeClr val="accent2"/>
+      <a:schemeClr val="accent3"/>
+      <a:schemeClr val="accent4"/>
+      <a:schemeClr val="accent5"/>
+      <a:schemeClr val="accent6"/>
+    </dgm:fillClrLst>
+    <dgm:linClrLst meth="cycle">
+      <a:schemeClr val="lt1"/>
+    </dgm:linClrLst>
+    <dgm:effectClrLst/>
+    <dgm:txLinClrLst/>
+    <dgm:txFillClrLst/>
+    <dgm:txEffectClrLst/>
+  </dgm:styleLbl>
+  <dgm:styleLbl name="fgSibTrans2D1">
+    <dgm:fillClrLst meth="repeat">
+      <a:schemeClr val="accent2"/>
+      <a:schemeClr val="accent3"/>
+      <a:schemeClr val="accent4"/>
+      <a:schemeClr val="accent5"/>
+      <a:schemeClr val="accent6"/>
+    </dgm:fillClrLst>
+    <dgm:linClrLst meth="cycle">
+      <a:schemeClr val="lt1"/>
+    </dgm:linClrLst>
+    <dgm:effectClrLst/>
+    <dgm:txLinClrLst/>
+    <dgm:txFillClrLst meth="repeat">
+      <a:schemeClr val="lt1"/>
+    </dgm:txFillClrLst>
+    <dgm:txEffectClrLst/>
+  </dgm:styleLbl>
+  <dgm:styleLbl name="bgSibTrans2D1">
+    <dgm:fillClrLst meth="repeat">
+      <a:schemeClr val="accent2"/>
+      <a:schemeClr val="accent3"/>
+      <a:schemeClr val="accent4"/>
+      <a:schemeClr val="accent5"/>
+      <a:schemeClr val="accent6"/>
+    </dgm:fillClrLst>
+    <dgm:linClrLst meth="cycle">
+      <a:schemeClr val="lt1"/>
+    </dgm:linClrLst>
+    <dgm:effectClrLst/>
+    <dgm:txLinClrLst/>
+    <dgm:txFillClrLst meth="repeat">
+      <a:schemeClr val="lt1"/>
+    </dgm:txFillClrLst>
+    <dgm:txEffectClrLst/>
+  </dgm:styleLbl>
+  <dgm:styleLbl name="sibTrans1D1">
+    <dgm:fillClrLst meth="repeat">
+      <a:schemeClr val="accent2"/>
+      <a:schemeClr val="accent3"/>
+      <a:schemeClr val="accent4"/>
+      <a:schemeClr val="accent5"/>
+      <a:schemeClr val="accent6"/>
+    </dgm:fillClrLst>
+    <dgm:linClrLst meth="repeat">
+      <a:schemeClr val="accent2"/>
+      <a:schemeClr val="accent3"/>
+      <a:schemeClr val="accent4"/>
+      <a:schemeClr val="accent5"/>
+      <a:schemeClr val="accent6"/>
+    </dgm:linClrLst>
+    <dgm:effectClrLst/>
+    <dgm:txLinClrLst/>
+    <dgm:txFillClrLst meth="repeat">
+      <a:schemeClr val="tx1"/>
+    </dgm:txFillClrLst>
+    <dgm:txEffectClrLst/>
+  </dgm:styleLbl>
+  <dgm:styleLbl name="callout">
+    <dgm:fillClrLst meth="repeat">
+      <a:schemeClr val="accent2"/>
+    </dgm:fillClrLst>
+    <dgm:linClrLst meth="repeat">
+      <a:schemeClr val="accent2">
+        <a:tint val="50000"/>
+      </a:schemeClr>
+    </dgm:linClrLst>
+    <dgm:effectClrLst/>
+    <dgm:txLinClrLst/>
+    <dgm:txFillClrLst meth="repeat">
+      <a:schemeClr val="tx1"/>
+    </dgm:txFillClrLst>
+    <dgm:txEffectClrLst/>
+  </dgm:styleLbl>
+  <dgm:styleLbl name="asst0">
+    <dgm:fillClrLst meth="repeat">
+      <a:schemeClr val="accent1"/>
+    </dgm:fillClrLst>
+    <dgm:linClrLst meth="repeat">
+      <a:schemeClr val="lt1"/>
+    </dgm:linClrLst>
+    <dgm:effectClrLst/>
+    <dgm:txLinClrLst/>
+    <dgm:txFillClrLst/>
+    <dgm:txEffectClrLst/>
+  </dgm:styleLbl>
+  <dgm:styleLbl name="asst1">
+    <dgm:fillClrLst meth="repeat">
+      <a:schemeClr val="accent2"/>
+    </dgm:fillClrLst>
+    <dgm:linClrLst meth="repeat">
+      <a:schemeClr val="lt1"/>
+    </dgm:linClrLst>
+    <dgm:effectClrLst/>
+    <dgm:txLinClrLst/>
+    <dgm:txFillClrLst/>
+    <dgm:txEffectClrLst/>
+  </dgm:styleLbl>
+  <dgm:styleLbl name="asst2">
+    <dgm:fillClrLst>
+      <a:schemeClr val="accent3"/>
+    </dgm:fillClrLst>
+    <dgm:linClrLst meth="repeat">
+      <a:schemeClr val="lt1"/>
+    </dgm:linClrLst>
+    <dgm:effectClrLst/>
+    <dgm:txLinClrLst/>
+    <dgm:txFillClrLst/>
+    <dgm:txEffectClrLst/>
+  </dgm:styleLbl>
+  <dgm:styleLbl name="asst3">
+    <dgm:fillClrLst>
+      <a:schemeClr val="accent4"/>
+    </dgm:fillClrLst>
+    <dgm:linClrLst meth="repeat">
+      <a:schemeClr val="lt1"/>
+    </dgm:linClrLst>
+    <dgm:effectClrLst/>
+    <dgm:txLinClrLst/>
+    <dgm:txFillClrLst/>
+    <dgm:txEffectClrLst/>
+  </dgm:styleLbl>
+  <dgm:styleLbl name="asst4">
+    <dgm:fillClrLst>
+      <a:schemeClr val="accent5"/>
+    </dgm:fillClrLst>
+    <dgm:linClrLst meth="repeat">
+      <a:schemeClr val="lt1"/>
+    </dgm:linClrLst>
+    <dgm:effectClrLst/>
+    <dgm:txLinClrLst/>
+    <dgm:txFillClrLst/>
+    <dgm:txEffectClrLst/>
+  </dgm:styleLbl>
+  <dgm:styleLbl name="parChTrans2D1">
+    <dgm:fillClrLst meth="repeat">
+      <a:schemeClr val="accent2"/>
+    </dgm:fillClrLst>
+    <dgm:linClrLst meth="repeat">
+      <a:schemeClr val="lt1"/>
+    </dgm:linClrLst>
+    <dgm:effectClrLst/>
+    <dgm:txLinClrLst/>
+    <dgm:txFillClrLst meth="repeat">
+      <a:schemeClr val="lt1"/>
+    </dgm:txFillClrLst>
+    <dgm:txEffectClrLst/>
+  </dgm:styleLbl>
+  <dgm:styleLbl name="parChTrans2D2">
+    <dgm:fillClrLst meth="repeat">
+      <a:schemeClr val="accent3"/>
+    </dgm:fillClrLst>
+    <dgm:linClrLst meth="repeat">
+      <a:schemeClr val="lt1"/>
+    </dgm:linClrLst>
+    <dgm:effectClrLst/>
+    <dgm:txLinClrLst/>
+    <dgm:txFillClrLst/>
+    <dgm:txEffectClrLst/>
+  </dgm:styleLbl>
+  <dgm:styleLbl name="parChTrans2D3">
+    <dgm:fillClrLst meth="repeat">
+      <a:schemeClr val="accent4"/>
+    </dgm:fillClrLst>
+    <dgm:linClrLst meth="repeat">
+      <a:schemeClr val="lt1"/>
+    </dgm:linClrLst>
+    <dgm:effectClrLst/>
+    <dgm:txLinClrLst/>
+    <dgm:txFillClrLst/>
+    <dgm:txEffectClrLst/>
+  </dgm:styleLbl>
+  <dgm:styleLbl name="parChTrans2D4">
+    <dgm:fillClrLst meth="repeat">
+      <a:schemeClr val="accent5"/>
+    </dgm:fillClrLst>
+    <dgm:linClrLst meth="repeat">
+      <a:schemeClr val="lt1"/>
+    </dgm:linClrLst>
+    <dgm:effectClrLst/>
+    <dgm:txLinClrLst/>
+    <dgm:txFillClrLst meth="repeat">
+      <a:schemeClr val="lt1"/>
+    </dgm:txFillClrLst>
+    <dgm:txEffectClrLst/>
+  </dgm:styleLbl>
+  <dgm:styleLbl name="parChTrans1D1">
+    <dgm:fillClrLst meth="repeat">
+      <a:schemeClr val="accent2"/>
+    </dgm:fillClrLst>
+    <dgm:linClrLst meth="repeat">
+      <a:schemeClr val="accent1"/>
+    </dgm:linClrLst>
+    <dgm:effectClrLst/>
+    <dgm:txLinClrLst/>
+    <dgm:txFillClrLst meth="repeat">
+      <a:schemeClr val="tx1"/>
+    </dgm:txFillClrLst>
+    <dgm:txEffectClrLst/>
+  </dgm:styleLbl>
+  <dgm:styleLbl name="parChTrans1D2">
+    <dgm:fillClrLst meth="repeat">
+      <a:schemeClr val="accent3">
+        <a:tint val="90000"/>
+      </a:schemeClr>
+    </dgm:fillClrLst>
+    <dgm:linClrLst meth="repeat">
+      <a:schemeClr val="accent2"/>
+    </dgm:linClrLst>
+    <dgm:effectClrLst/>
+    <dgm:txLinClrLst/>
+    <dgm:txFillClrLst meth="repeat">
+      <a:schemeClr val="tx1"/>
+    </dgm:txFillClrLst>
+    <dgm:txEffectClrLst/>
+  </dgm:styleLbl>
+  <dgm:styleLbl name="parChTrans1D3">
+    <dgm:fillClrLst meth="repeat">
+      <a:schemeClr val="accent4">
+        <a:tint val="70000"/>
+      </a:schemeClr>
+    </dgm:fillClrLst>
+    <dgm:linClrLst meth="repeat">
+      <a:schemeClr val="accent3"/>
+    </dgm:linClrLst>
+    <dgm:effectClrLst/>
+    <dgm:txLinClrLst/>
+    <dgm:txFillClrLst meth="repeat">
+      <a:schemeClr val="tx1"/>
+    </dgm:txFillClrLst>
+    <dgm:txEffectClrLst/>
+  </dgm:styleLbl>
+  <dgm:styleLbl name="parChTrans1D4">
+    <dgm:fillClrLst meth="repeat">
+      <a:schemeClr val="accent5">
+        <a:tint val="50000"/>
+      </a:schemeClr>
+    </dgm:fillClrLst>
+    <dgm:linClrLst meth="repeat">
+      <a:schemeClr val="accent4"/>
+    </dgm:linClrLst>
+    <dgm:effectClrLst/>
+    <dgm:txLinClrLst/>
+    <dgm:txFillClrLst meth="repeat">
+      <a:schemeClr val="tx1"/>
+    </dgm:txFillClrLst>
+    <dgm:txEffectClrLst/>
+  </dgm:styleLbl>
+  <dgm:styleLbl name="fgAcc1">
+    <dgm:fillClrLst meth="repeat">
+      <a:schemeClr val="lt1">
+        <a:alpha val="90000"/>
+      </a:schemeClr>
+    </dgm:fillClrLst>
+    <dgm:linClrLst meth="repeat">
+      <a:schemeClr val="accent2"/>
+      <a:schemeClr val="accent3"/>
+      <a:schemeClr val="accent4"/>
+      <a:schemeClr val="accent5"/>
+      <a:schemeClr val="accent6"/>
+    </dgm:linClrLst>
+    <dgm:effectClrLst/>
+    <dgm:txLinClrLst/>
+    <dgm:txFillClrLst meth="repeat">
+      <a:schemeClr val="dk1"/>
+    </dgm:txFillClrLst>
+    <dgm:txEffectClrLst/>
+  </dgm:styleLbl>
+  <dgm:styleLbl name="conFgAcc1">
+    <dgm:fillClrLst meth="repeat">
+      <a:schemeClr val="lt1">
+        <a:alpha val="90000"/>
+      </a:schemeClr>
+    </dgm:fillClrLst>
+    <dgm:linClrLst meth="repeat">
+      <a:schemeClr val="accent2"/>
+      <a:schemeClr val="accent3"/>
+      <a:schemeClr val="accent4"/>
+      <a:schemeClr val="accent5"/>
+      <a:schemeClr val="accent6"/>
+    </dgm:linClrLst>
+    <dgm:effectClrLst/>
+    <dgm:txLinClrLst/>
+    <dgm:txFillClrLst meth="repeat">
+      <a:schemeClr val="dk1"/>
+    </dgm:txFillClrLst>
+    <dgm:txEffectClrLst/>
+  </dgm:styleLbl>
+  <dgm:styleLbl name="alignAcc1">
+    <dgm:fillClrLst meth="repeat">
+      <a:schemeClr val="lt1">
+        <a:alpha val="90000"/>
+      </a:schemeClr>
+    </dgm:fillClrLst>
+    <dgm:linClrLst meth="repeat">
+      <a:schemeClr val="accent2"/>
+      <a:schemeClr val="accent3"/>
+      <a:schemeClr val="accent4"/>
+      <a:schemeClr val="accent5"/>
+      <a:schemeClr val="accent6"/>
+    </dgm:linClrLst>
+    <dgm:effectClrLst/>
+    <dgm:txLinClrLst/>
+    <dgm:txFillClrLst meth="repeat">
+      <a:schemeClr val="dk1"/>
+    </dgm:txFillClrLst>
+    <dgm:txEffectClrLst/>
+  </dgm:styleLbl>
+  <dgm:styleLbl name="trAlignAcc1">
+    <dgm:fillClrLst meth="repeat">
+      <a:schemeClr val="lt1">
+        <a:alpha val="40000"/>
+      </a:schemeClr>
+    </dgm:fillClrLst>
+    <dgm:linClrLst meth="repeat">
+      <a:schemeClr val="accent1"/>
+    </dgm:linClrLst>
+    <dgm:effectClrLst/>
+    <dgm:txLinClrLst/>
+    <dgm:txFillClrLst meth="repeat">
+      <a:schemeClr val="dk1"/>
+    </dgm:txFillClrLst>
+    <dgm:txEffectClrLst/>
+  </dgm:styleLbl>
+  <dgm:styleLbl name="bgAcc1">
+    <dgm:fillClrLst meth="repeat">
+      <a:schemeClr val="lt1">
+        <a:alpha val="90000"/>
+      </a:schemeClr>
+    </dgm:fillClrLst>
+    <dgm:linClrLst meth="repeat">
+      <a:schemeClr val="accent2"/>
+      <a:schemeClr val="accent3"/>
+      <a:schemeClr val="accent4"/>
+      <a:schemeClr val="accent5"/>
+      <a:schemeClr val="accent6"/>
+    </dgm:linClrLst>
+    <dgm:effectClrLst/>
+    <dgm:txLinClrLst/>
+    <dgm:txFillClrLst meth="repeat">
+      <a:schemeClr val="dk1"/>
+    </dgm:txFillClrLst>
+    <dgm:txEffectClrLst/>
+  </dgm:styleLbl>
+  <dgm:styleLbl name="solidFgAcc1">
+    <dgm:fillClrLst meth="repeat">
+      <a:schemeClr val="lt1"/>
+    </dgm:fillClrLst>
+    <dgm:linClrLst meth="repeat">
+      <a:schemeClr val="accent2"/>
+      <a:schemeClr val="accent3"/>
+      <a:schemeClr val="accent4"/>
+      <a:schemeClr val="accent5"/>
+      <a:schemeClr val="accent6"/>
+    </dgm:linClrLst>
+    <dgm:effectClrLst/>
+    <dgm:txLinClrLst/>
+    <dgm:txFillClrLst meth="repeat">
+      <a:schemeClr val="dk1"/>
+    </dgm:txFillClrLst>
+    <dgm:txEffectClrLst/>
+  </dgm:styleLbl>
+  <dgm:styleLbl name="solidAlignAcc1">
+    <dgm:fillClrLst meth="repeat">
+      <a:schemeClr val="lt1"/>
+    </dgm:fillClrLst>
+    <dgm:linClrLst meth="repeat">
+      <a:schemeClr val="accent2"/>
+      <a:schemeClr val="accent3"/>
+      <a:schemeClr val="accent4"/>
+      <a:schemeClr val="accent5"/>
+      <a:schemeClr val="accent6"/>
+    </dgm:linClrLst>
+    <dgm:effectClrLst/>
+    <dgm:txLinClrLst/>
+    <dgm:txFillClrLst meth="repeat">
+      <a:schemeClr val="dk1"/>
+    </dgm:txFillClrLst>
+    <dgm:txEffectClrLst/>
+  </dgm:styleLbl>
+  <dgm:styleLbl name="solidBgAcc1">
+    <dgm:fillClrLst meth="repeat">
+      <a:schemeClr val="lt1"/>
+    </dgm:fillClrLst>
+    <dgm:linClrLst meth="repeat">
+      <a:schemeClr val="accent2"/>
+      <a:schemeClr val="accent3"/>
+      <a:schemeClr val="accent4"/>
+      <a:schemeClr val="accent5"/>
+      <a:schemeClr val="accent6"/>
+    </dgm:linClrLst>
+    <dgm:effectClrLst/>
+    <dgm:txLinClrLst/>
+    <dgm:txFillClrLst meth="repeat">
+      <a:schemeClr val="dk1"/>
+    </dgm:txFillClrLst>
+    <dgm:txEffectClrLst/>
+  </dgm:styleLbl>
+  <dgm:styleLbl name="fgAccFollowNode1">
+    <dgm:fillClrLst meth="repeat">
+      <a:schemeClr val="accent2">
+        <a:tint val="40000"/>
+        <a:alpha val="90000"/>
+      </a:schemeClr>
+      <a:schemeClr val="accent3">
+        <a:tint val="40000"/>
+        <a:alpha val="90000"/>
+      </a:schemeClr>
+      <a:schemeClr val="accent4">
+        <a:tint val="40000"/>
+        <a:alpha val="90000"/>
+      </a:schemeClr>
+      <a:schemeClr val="accent5">
+        <a:tint val="40000"/>
+        <a:alpha val="90000"/>
+      </a:schemeClr>
+      <a:schemeClr val="accent6">
+        <a:tint val="40000"/>
+        <a:alpha val="90000"/>
+      </a:schemeClr>
+    </dgm:fillClrLst>
+    <dgm:linClrLst meth="repeat">
+      <a:schemeClr val="accent2">
+        <a:tint val="40000"/>
+        <a:alpha val="90000"/>
+      </a:schemeClr>
+      <a:schemeClr val="accent3">
+        <a:tint val="40000"/>
+        <a:alpha val="90000"/>
+      </a:schemeClr>
+      <a:schemeClr val="accent4">
+        <a:tint val="40000"/>
+        <a:alpha val="90000"/>
+      </a:schemeClr>
+      <a:schemeClr val="accent5">
+        <a:tint val="40000"/>
+        <a:alpha val="90000"/>
+      </a:schemeClr>
+      <a:schemeClr val="accent6">
+        <a:tint val="40000"/>
+        <a:alpha val="90000"/>
+      </a:schemeClr>
+    </dgm:linClrLst>
+    <dgm:effectClrLst/>
+    <dgm:txLinClrLst/>
+    <dgm:txFillClrLst meth="repeat">
+      <a:schemeClr val="dk1"/>
+    </dgm:txFillClrLst>
+    <dgm:txEffectClrLst/>
+  </dgm:styleLbl>
+  <dgm:styleLbl name="alignAccFollowNode1">
+    <dgm:fillClrLst meth="repeat">
+      <a:schemeClr val="accent2">
+        <a:tint val="40000"/>
+        <a:alpha val="90000"/>
+      </a:schemeClr>
+      <a:schemeClr val="accent3">
+        <a:tint val="40000"/>
+        <a:alpha val="90000"/>
+      </a:schemeClr>
+      <a:schemeClr val="accent4">
+        <a:tint val="40000"/>
+        <a:alpha val="90000"/>
+      </a:schemeClr>
+      <a:schemeClr val="accent5">
+        <a:tint val="40000"/>
+        <a:alpha val="90000"/>
+      </a:schemeClr>
+      <a:schemeClr val="accent6">
+        <a:tint val="40000"/>
+        <a:alpha val="90000"/>
+      </a:schemeClr>
+    </dgm:fillClrLst>
+    <dgm:linClrLst meth="repeat">
+      <a:schemeClr val="accent2">
+        <a:tint val="40000"/>
+        <a:alpha val="90000"/>
+      </a:schemeClr>
+      <a:schemeClr val="accent3">
+        <a:tint val="40000"/>
+        <a:alpha val="90000"/>
+      </a:schemeClr>
+      <a:schemeClr val="accent4">
+        <a:tint val="40000"/>
+        <a:alpha val="90000"/>
+      </a:schemeClr>
+      <a:schemeClr val="accent5">
+        <a:tint val="40000"/>
+        <a:alpha val="90000"/>
+      </a:schemeClr>
+      <a:schemeClr val="accent6">
+        <a:tint val="40000"/>
+        <a:alpha val="90000"/>
+      </a:schemeClr>
+    </dgm:linClrLst>
+    <dgm:effectClrLst/>
+    <dgm:txLinClrLst/>
+    <dgm:txFillClrLst meth="repeat">
+      <a:schemeClr val="dk1"/>
+    </dgm:txFillClrLst>
+    <dgm:txEffectClrLst/>
+  </dgm:styleLbl>
+  <dgm:styleLbl name="bgAccFollowNode1">
+    <dgm:fillClrLst meth="repeat">
+      <a:schemeClr val="accent2">
+        <a:tint val="40000"/>
+        <a:alpha val="90000"/>
+      </a:schemeClr>
+      <a:schemeClr val="accent3">
+        <a:tint val="40000"/>
+        <a:alpha val="90000"/>
+      </a:schemeClr>
+      <a:schemeClr val="accent4">
+        <a:tint val="40000"/>
+        <a:alpha val="90000"/>
+      </a:schemeClr>
+      <a:schemeClr val="accent5">
+        <a:tint val="40000"/>
+        <a:alpha val="90000"/>
+      </a:schemeClr>
+      <a:schemeClr val="accent6">
+        <a:tint val="40000"/>
+        <a:alpha val="90000"/>
+      </a:schemeClr>
+    </dgm:fillClrLst>
+    <dgm:linClrLst meth="repeat">
+      <a:schemeClr val="accent2">
+        <a:tint val="40000"/>
+        <a:alpha val="90000"/>
+      </a:schemeClr>
+      <a:schemeClr val="accent3">
+        <a:tint val="40000"/>
+        <a:alpha val="90000"/>
+      </a:schemeClr>
+      <a:schemeClr val="accent4">
+        <a:tint val="40000"/>
+        <a:alpha val="90000"/>
+      </a:schemeClr>
+      <a:schemeClr val="accent5">
+        <a:tint val="40000"/>
+        <a:alpha val="90000"/>
+      </a:schemeClr>
+      <a:schemeClr val="accent6">
+        <a:tint val="40000"/>
+        <a:alpha val="90000"/>
+      </a:schemeClr>
+    </dgm:linClrLst>
+    <dgm:effectClrLst/>
+    <dgm:txLinClrLst/>
+    <dgm:txFillClrLst meth="repeat">
+      <a:schemeClr val="dk1"/>
+    </dgm:txFillClrLst>
+    <dgm:txEffectClrLst/>
+  </dgm:styleLbl>
+  <dgm:styleLbl name="fgAcc0">
+    <dgm:fillClrLst meth="repeat">
+      <a:schemeClr val="lt1">
+        <a:alpha val="90000"/>
+      </a:schemeClr>
+    </dgm:fillClrLst>
+    <dgm:linClrLst>
+      <a:schemeClr val="accent1"/>
+    </dgm:linClrLst>
+    <dgm:effectClrLst/>
+    <dgm:txLinClrLst/>
+    <dgm:txFillClrLst meth="repeat">
+      <a:schemeClr val="dk1"/>
+    </dgm:txFillClrLst>
+    <dgm:txEffectClrLst/>
+  </dgm:styleLbl>
+  <dgm:styleLbl name="fgAcc2">
+    <dgm:fillClrLst meth="repeat">
+      <a:schemeClr val="lt1">
+        <a:alpha val="90000"/>
+      </a:schemeClr>
+    </dgm:fillClrLst>
+    <dgm:linClrLst>
+      <a:schemeClr val="accent2"/>
+    </dgm:linClrLst>
+    <dgm:effectClrLst/>
+    <dgm:txLinClrLst/>
+    <dgm:txFillClrLst meth="repeat">
+      <a:schemeClr val="dk1"/>
+    </dgm:txFillClrLst>
+    <dgm:txEffectClrLst/>
+  </dgm:styleLbl>
+  <dgm:styleLbl name="fgAcc3">
+    <dgm:fillClrLst meth="repeat">
+      <a:schemeClr val="lt1">
+        <a:alpha val="90000"/>
+      </a:schemeClr>
+    </dgm:fillClrLst>
+    <dgm:linClrLst>
+      <a:schemeClr val="accent3"/>
+    </dgm:linClrLst>
+    <dgm:effectClrLst/>
+    <dgm:txLinClrLst/>
+    <dgm:txFillClrLst meth="repeat">
+      <a:schemeClr val="dk1"/>
+    </dgm:txFillClrLst>
+    <dgm:txEffectClrLst/>
+  </dgm:styleLbl>
+  <dgm:styleLbl name="fgAcc4">
+    <dgm:fillClrLst meth="repeat">
+      <a:schemeClr val="lt1">
+        <a:alpha val="90000"/>
+      </a:schemeClr>
+    </dgm:fillClrLst>
+    <dgm:linClrLst>
+      <a:schemeClr val="accent4"/>
+    </dgm:linClrLst>
+    <dgm:effectClrLst/>
+    <dgm:txLinClrLst/>
+    <dgm:txFillClrLst meth="repeat">
+      <a:schemeClr val="dk1"/>
+    </dgm:txFillClrLst>
+    <dgm:txEffectClrLst/>
+  </dgm:styleLbl>
+  <dgm:styleLbl name="bgShp">
+    <dgm:fillClrLst meth="repeat">
+      <a:schemeClr val="accent2">
+        <a:tint val="40000"/>
+      </a:schemeClr>
+    </dgm:fillClrLst>
+    <dgm:linClrLst meth="repeat">
+      <a:schemeClr val="dk1"/>
+    </dgm:linClrLst>
+    <dgm:effectClrLst/>
+    <dgm:txLinClrLst/>
+    <dgm:txFillClrLst meth="repeat">
+      <a:schemeClr val="dk1"/>
+    </dgm:txFillClrLst>
+    <dgm:txEffectClrLst/>
+  </dgm:styleLbl>
+  <dgm:styleLbl name="dkBgShp">
+    <dgm:fillClrLst meth="repeat">
+      <a:schemeClr val="accent2">
+        <a:shade val="90000"/>
+      </a:schemeClr>
+    </dgm:fillClrLst>
+    <dgm:linClrLst meth="repeat">
+      <a:schemeClr val="dk1"/>
+    </dgm:linClrLst>
+    <dgm:effectClrLst/>
+    <dgm:txLinClrLst/>
+    <dgm:txFillClrLst meth="repeat">
+      <a:schemeClr val="lt1"/>
+    </dgm:txFillClrLst>
+    <dgm:txEffectClrLst/>
+  </dgm:styleLbl>
+  <dgm:styleLbl name="trBgShp">
+    <dgm:fillClrLst meth="repeat">
+      <a:schemeClr val="accent1">
+        <a:tint val="50000"/>
+        <a:alpha val="40000"/>
+      </a:schemeClr>
+    </dgm:fillClrLst>
+    <dgm:linClrLst meth="repeat">
+      <a:schemeClr val="accent2"/>
+    </dgm:linClrLst>
+    <dgm:effectClrLst/>
+    <dgm:txLinClrLst/>
+    <dgm:txFillClrLst meth="repeat">
+      <a:schemeClr val="lt1"/>
+    </dgm:txFillClrLst>
+    <dgm:txEffectClrLst/>
+  </dgm:styleLbl>
+  <dgm:styleLbl name="fgShp">
+    <dgm:fillClrLst meth="repeat">
+      <a:schemeClr val="accent2">
+        <a:tint val="40000"/>
+      </a:schemeClr>
+    </dgm:fillClrLst>
+    <dgm:linClrLst meth="repeat">
+      <a:schemeClr val="lt1"/>
+    </dgm:linClrLst>
+    <dgm:effectClrLst/>
+    <dgm:txLinClrLst/>
+    <dgm:txFillClrLst meth="repeat">
+      <a:schemeClr val="dk1"/>
+    </dgm:txFillClrLst>
+    <dgm:txEffectClrLst/>
+  </dgm:styleLbl>
+  <dgm:styleLbl name="revTx">
+    <dgm:fillClrLst meth="repeat">
+      <a:schemeClr val="lt1">
+        <a:alpha val="0"/>
+      </a:schemeClr>
+    </dgm:fillClrLst>
+    <dgm:linClrLst meth="repeat">
+      <a:schemeClr val="dk1">
+        <a:alpha val="0"/>
+      </a:schemeClr>
+    </dgm:linClrLst>
+    <dgm:effectClrLst/>
+    <dgm:txLinClrLst/>
+    <dgm:txFillClrLst meth="repeat">
+      <a:schemeClr val="tx1"/>
+    </dgm:txFillClrLst>
+    <dgm:txEffectClrLst/>
+  </dgm:styleLbl>
+</dgm:colorsDef>
+</file>
+
 <file path=ppt/diagrams/data1.xml><?xml version="1.0" encoding="utf-8"?>
 <dgm:dataModel xmlns:dgm="http://schemas.openxmlformats.org/drawingml/2006/diagram" xmlns:a="http://schemas.openxmlformats.org/drawingml/2006/main">
   <dgm:ptLst>
@@ -2635,10 +3556,10 @@
         <a:lstStyle/>
         <a:p>
           <a:r>
-            <a:rPr lang="de-DE" dirty="0"/>
+            <a:rPr lang="de-DE"/>
             <a:t>1. Politisch </a:t>
           </a:r>
-          <a:endParaRPr lang="en-US" dirty="0"/>
+          <a:endParaRPr lang="en-US"/>
         </a:p>
       </dgm:t>
     </dgm:pt>
@@ -2672,10 +3593,10 @@
         <a:lstStyle/>
         <a:p>
           <a:r>
-            <a:rPr lang="de-DE" dirty="0"/>
+            <a:rPr lang="de-DE"/>
             <a:t>2. Ökonomisch</a:t>
           </a:r>
-          <a:endParaRPr lang="en-US" dirty="0"/>
+          <a:endParaRPr lang="en-US"/>
         </a:p>
       </dgm:t>
     </dgm:pt>
@@ -2710,7 +3631,7 @@
         <a:p>
           <a:pPr rtl="0"/>
           <a:r>
-            <a:rPr lang="de-DE" dirty="0">
+            <a:rPr lang="de-DE">
               <a:latin typeface="Meiryo"/>
             </a:rPr>
             <a:t> Krieg macht Import in allen Bereichen (Holz schwieriger)</a:t>
@@ -2742,7 +3663,7 @@
         <a:p>
           <a:pPr rtl="0"/>
           <a:r>
-            <a:rPr lang="de-DE" dirty="0">
+            <a:rPr lang="de-DE">
               <a:latin typeface="Meiryo"/>
             </a:rPr>
             <a:t>Mais auf knapp einem Viertel der Ackerflächen (Deutschland)</a:t>
@@ -2774,7 +3695,7 @@
         <a:p>
           <a:pPr rtl="0"/>
           <a:r>
-            <a:rPr lang="de-DE" dirty="0">
+            <a:rPr lang="de-DE">
               <a:latin typeface="Meiryo"/>
             </a:rPr>
             <a:t>Hohe Holzpreise aufgrund mangelndem Imports</a:t>
@@ -2806,7 +3727,7 @@
         <a:p>
           <a:pPr rtl="0"/>
           <a:r>
-            <a:rPr lang="de-DE" dirty="0">
+            <a:rPr lang="de-DE">
               <a:latin typeface="Meiryo"/>
             </a:rPr>
             <a:t>Energieeffizienz ist gesetzlich vorgeschrieben</a:t>
@@ -2896,30 +3817,30 @@
     </dgm:pt>
   </dgm:ptLst>
   <dgm:cxnLst>
+    <dgm:cxn modelId="{EB326612-7BAE-482F-AA09-236535D454C7}" type="presOf" srcId="{DCBED6AD-2E05-4FE8-AF3B-E1A39128CCA3}" destId="{CEFD7030-D88D-427F-BDCF-C214814C3706}" srcOrd="1" destOrd="0" presId="urn:microsoft.com/office/officeart/2005/8/layout/list1"/>
     <dgm:cxn modelId="{7B869015-B46E-43B7-9DE9-366EBF39474B}" type="presOf" srcId="{D642C38D-A1BF-40AF-92AE-D83388148349}" destId="{A90D92D3-335E-4147-AC92-8226068D936F}" srcOrd="0" destOrd="1" presId="urn:microsoft.com/office/officeart/2005/8/layout/list1"/>
     <dgm:cxn modelId="{4F0E6427-8BA1-48C7-AA79-C67475AC2CCB}" srcId="{4C036793-24F7-46FE-86E6-463DB55040DC}" destId="{97A54F31-D69C-4F5A-AAC7-629765B67B1E}" srcOrd="0" destOrd="0" parTransId="{14426DF8-9FFE-4602-80DD-3FCFF7C44F0A}" sibTransId="{69C05C5F-AD19-43D7-A580-40818F0E10C8}"/>
     <dgm:cxn modelId="{6E30B728-6449-4FCB-82BE-84D77E012596}" type="presOf" srcId="{E9ACAD2E-79CB-4628-A7FF-BBDFECBBBA15}" destId="{83EAC920-B323-47D6-8B94-B1F5FF06B1CA}" srcOrd="0" destOrd="0" presId="urn:microsoft.com/office/officeart/2005/8/layout/list1"/>
-    <dgm:cxn modelId="{21B41C30-46E6-422F-B009-27A2A2D0885B}" type="presOf" srcId="{DCBED6AD-2E05-4FE8-AF3B-E1A39128CCA3}" destId="{3B6E1CE9-50E6-4319-AB22-7B2A289E4EBD}" srcOrd="0" destOrd="0" presId="urn:microsoft.com/office/officeart/2005/8/layout/list1"/>
+    <dgm:cxn modelId="{53C00934-7F2D-453A-AFD1-F763D9EAD696}" type="presOf" srcId="{4C036793-24F7-46FE-86E6-463DB55040DC}" destId="{564EA6A7-6E63-4EB9-8EDD-5FCBC8514B1D}" srcOrd="0" destOrd="0" presId="urn:microsoft.com/office/officeart/2005/8/layout/list1"/>
     <dgm:cxn modelId="{F39E3636-4341-40F3-AD53-ADAF6A34FFB5}" srcId="{E9ACAD2E-79CB-4628-A7FF-BBDFECBBBA15}" destId="{DCBED6AD-2E05-4FE8-AF3B-E1A39128CCA3}" srcOrd="1" destOrd="0" parTransId="{B05C93A6-4F06-4319-A8FB-1AA4CE408B28}" sibTransId="{B18275F4-3445-4577-8B95-7FD06A6616D1}"/>
     <dgm:cxn modelId="{F389F860-0144-4A9B-8994-0E2F9B0C90C3}" srcId="{DCBED6AD-2E05-4FE8-AF3B-E1A39128CCA3}" destId="{8E4D7DB7-A039-4F09-9A40-967099910122}" srcOrd="0" destOrd="0" parTransId="{8129A847-8291-4C25-A5ED-29323F3EF289}" sibTransId="{E95327BB-806F-4CF5-8942-B4A938C1C1EF}"/>
-    <dgm:cxn modelId="{1460C088-E2BB-4EFE-BD70-730567D6E6E7}" type="presOf" srcId="{DCBED6AD-2E05-4FE8-AF3B-E1A39128CCA3}" destId="{CEFD7030-D88D-427F-BDCF-C214814C3706}" srcOrd="1" destOrd="0" presId="urn:microsoft.com/office/officeart/2005/8/layout/list1"/>
+    <dgm:cxn modelId="{353BC364-A374-4652-BB57-11627D56FECA}" type="presOf" srcId="{4C036793-24F7-46FE-86E6-463DB55040DC}" destId="{8810DDC4-5481-4CE6-9C60-A3669D884BB7}" srcOrd="1" destOrd="0" presId="urn:microsoft.com/office/officeart/2005/8/layout/list1"/>
     <dgm:cxn modelId="{9E311C8B-51A0-4F55-8184-50E854A600BA}" type="presOf" srcId="{8E4D7DB7-A039-4F09-9A40-967099910122}" destId="{0A2A53A0-DAFA-4143-9451-6A755EDA2D13}" srcOrd="0" destOrd="0" presId="urn:microsoft.com/office/officeart/2005/8/layout/list1"/>
     <dgm:cxn modelId="{906ED69D-277E-43F4-9884-37E5A00045B8}" type="presOf" srcId="{97A54F31-D69C-4F5A-AAC7-629765B67B1E}" destId="{A90D92D3-335E-4147-AC92-8226068D936F}" srcOrd="0" destOrd="0" presId="urn:microsoft.com/office/officeart/2005/8/layout/list1"/>
-    <dgm:cxn modelId="{41A9C5A0-EB6B-4F48-801B-5E7FA1C94952}" type="presOf" srcId="{4C036793-24F7-46FE-86E6-463DB55040DC}" destId="{8810DDC4-5481-4CE6-9C60-A3669D884BB7}" srcOrd="1" destOrd="0" presId="urn:microsoft.com/office/officeart/2005/8/layout/list1"/>
     <dgm:cxn modelId="{8072E5A8-F9C9-4B3B-99D5-490569BFEBCB}" srcId="{DCBED6AD-2E05-4FE8-AF3B-E1A39128CCA3}" destId="{A46D3AB5-9027-4867-9EE3-F288EFD734B5}" srcOrd="1" destOrd="0" parTransId="{5F49C75B-6795-4A12-945E-A9AFC003ECE5}" sibTransId="{331E8C93-2E99-4EA4-B705-243D69324232}"/>
     <dgm:cxn modelId="{B82FD8AB-530D-4077-87BC-A5D134D1C134}" srcId="{E9ACAD2E-79CB-4628-A7FF-BBDFECBBBA15}" destId="{4C036793-24F7-46FE-86E6-463DB55040DC}" srcOrd="0" destOrd="0" parTransId="{28088B39-AED7-4848-A7A2-F94F1149299A}" sibTransId="{DB09AC68-D0C9-49E9-9E32-BD0371548CE6}"/>
     <dgm:cxn modelId="{5985BABA-D058-420B-85D4-3DDD84474517}" srcId="{4C036793-24F7-46FE-86E6-463DB55040DC}" destId="{D642C38D-A1BF-40AF-92AE-D83388148349}" srcOrd="1" destOrd="0" parTransId="{AC954211-87EA-42A1-917F-94297BBE65E9}" sibTransId="{62DFA999-C209-436E-B89C-BE0E5AF1C40D}"/>
-    <dgm:cxn modelId="{A9CD0ABB-F917-4C46-8B1F-0BA59EC3A380}" type="presOf" srcId="{4C036793-24F7-46FE-86E6-463DB55040DC}" destId="{564EA6A7-6E63-4EB9-8EDD-5FCBC8514B1D}" srcOrd="0" destOrd="0" presId="urn:microsoft.com/office/officeart/2005/8/layout/list1"/>
+    <dgm:cxn modelId="{A6D8BCD3-7A1D-44CA-9FE8-634A92998DFA}" type="presOf" srcId="{DCBED6AD-2E05-4FE8-AF3B-E1A39128CCA3}" destId="{3B6E1CE9-50E6-4319-AB22-7B2A289E4EBD}" srcOrd="0" destOrd="0" presId="urn:microsoft.com/office/officeart/2005/8/layout/list1"/>
     <dgm:cxn modelId="{567588EF-7827-4F5C-A287-18E362A566C1}" type="presOf" srcId="{A46D3AB5-9027-4867-9EE3-F288EFD734B5}" destId="{0A2A53A0-DAFA-4143-9451-6A755EDA2D13}" srcOrd="0" destOrd="1" presId="urn:microsoft.com/office/officeart/2005/8/layout/list1"/>
     <dgm:cxn modelId="{01DDD1EA-2711-49E8-9BAB-F72B2058A2F7}" type="presParOf" srcId="{83EAC920-B323-47D6-8B94-B1F5FF06B1CA}" destId="{466E1317-94A5-43EF-96B6-0192C6C2F7E3}" srcOrd="0" destOrd="0" presId="urn:microsoft.com/office/officeart/2005/8/layout/list1"/>
-    <dgm:cxn modelId="{82F0B014-ABFD-4F8A-B293-74309DB09925}" type="presParOf" srcId="{466E1317-94A5-43EF-96B6-0192C6C2F7E3}" destId="{564EA6A7-6E63-4EB9-8EDD-5FCBC8514B1D}" srcOrd="0" destOrd="0" presId="urn:microsoft.com/office/officeart/2005/8/layout/list1"/>
-    <dgm:cxn modelId="{F31AECDE-206A-4BCF-A0E4-BCA86C3F6852}" type="presParOf" srcId="{466E1317-94A5-43EF-96B6-0192C6C2F7E3}" destId="{8810DDC4-5481-4CE6-9C60-A3669D884BB7}" srcOrd="1" destOrd="0" presId="urn:microsoft.com/office/officeart/2005/8/layout/list1"/>
+    <dgm:cxn modelId="{81C42712-C38E-4130-A1D4-77A931B302D0}" type="presParOf" srcId="{466E1317-94A5-43EF-96B6-0192C6C2F7E3}" destId="{564EA6A7-6E63-4EB9-8EDD-5FCBC8514B1D}" srcOrd="0" destOrd="0" presId="urn:microsoft.com/office/officeart/2005/8/layout/list1"/>
+    <dgm:cxn modelId="{F3537604-A5F6-4BA5-A7DE-4EB217584ED8}" type="presParOf" srcId="{466E1317-94A5-43EF-96B6-0192C6C2F7E3}" destId="{8810DDC4-5481-4CE6-9C60-A3669D884BB7}" srcOrd="1" destOrd="0" presId="urn:microsoft.com/office/officeart/2005/8/layout/list1"/>
     <dgm:cxn modelId="{FA1C3D53-A997-46DC-8D41-6E9AD820271A}" type="presParOf" srcId="{83EAC920-B323-47D6-8B94-B1F5FF06B1CA}" destId="{DE945475-5C5B-448F-B22E-C16F7D582356}" srcOrd="1" destOrd="0" presId="urn:microsoft.com/office/officeart/2005/8/layout/list1"/>
     <dgm:cxn modelId="{C1561C74-00F7-4C63-B836-8310A8A1C30D}" type="presParOf" srcId="{83EAC920-B323-47D6-8B94-B1F5FF06B1CA}" destId="{A90D92D3-335E-4147-AC92-8226068D936F}" srcOrd="2" destOrd="0" presId="urn:microsoft.com/office/officeart/2005/8/layout/list1"/>
     <dgm:cxn modelId="{91954613-E726-440C-AC62-D216FB2AE9ED}" type="presParOf" srcId="{83EAC920-B323-47D6-8B94-B1F5FF06B1CA}" destId="{A5894FA6-565E-4E60-9769-E1EAD75EC3E9}" srcOrd="3" destOrd="0" presId="urn:microsoft.com/office/officeart/2005/8/layout/list1"/>
     <dgm:cxn modelId="{43E4F9B5-79DA-4321-961E-7220ACEC5A08}" type="presParOf" srcId="{83EAC920-B323-47D6-8B94-B1F5FF06B1CA}" destId="{7B429F60-A23B-48E9-938D-636CD7424D4E}" srcOrd="4" destOrd="0" presId="urn:microsoft.com/office/officeart/2005/8/layout/list1"/>
-    <dgm:cxn modelId="{C9B42F2D-5E0E-401B-BFC6-F83460FC363E}" type="presParOf" srcId="{7B429F60-A23B-48E9-938D-636CD7424D4E}" destId="{3B6E1CE9-50E6-4319-AB22-7B2A289E4EBD}" srcOrd="0" destOrd="0" presId="urn:microsoft.com/office/officeart/2005/8/layout/list1"/>
-    <dgm:cxn modelId="{D3361767-24EB-4E44-94DE-69BB9BA060E1}" type="presParOf" srcId="{7B429F60-A23B-48E9-938D-636CD7424D4E}" destId="{CEFD7030-D88D-427F-BDCF-C214814C3706}" srcOrd="1" destOrd="0" presId="urn:microsoft.com/office/officeart/2005/8/layout/list1"/>
+    <dgm:cxn modelId="{7AB767D4-7187-4A74-8CF0-2BE14B62002A}" type="presParOf" srcId="{7B429F60-A23B-48E9-938D-636CD7424D4E}" destId="{3B6E1CE9-50E6-4319-AB22-7B2A289E4EBD}" srcOrd="0" destOrd="0" presId="urn:microsoft.com/office/officeart/2005/8/layout/list1"/>
+    <dgm:cxn modelId="{82AC6F32-ED59-4E76-BC9C-D10AAE53C6FA}" type="presParOf" srcId="{7B429F60-A23B-48E9-938D-636CD7424D4E}" destId="{CEFD7030-D88D-427F-BDCF-C214814C3706}" srcOrd="1" destOrd="0" presId="urn:microsoft.com/office/officeart/2005/8/layout/list1"/>
     <dgm:cxn modelId="{413B6D69-DB62-4AF4-9A7B-216157B1294A}" type="presParOf" srcId="{83EAC920-B323-47D6-8B94-B1F5FF06B1CA}" destId="{CCEFCBC9-D345-412A-A74E-4376EF8AE55A}" srcOrd="5" destOrd="0" presId="urn:microsoft.com/office/officeart/2005/8/layout/list1"/>
     <dgm:cxn modelId="{A4F91BD8-5F5C-4DEA-A7D0-83E9A6617290}" type="presParOf" srcId="{83EAC920-B323-47D6-8B94-B1F5FF06B1CA}" destId="{0A2A53A0-DAFA-4143-9451-6A755EDA2D13}" srcOrd="6" destOrd="0" presId="urn:microsoft.com/office/officeart/2005/8/layout/list1"/>
   </dgm:cxnLst>
@@ -2956,10 +3877,10 @@
         <a:p>
           <a:pPr rtl="0"/>
           <a:r>
-            <a:rPr lang="de-DE" dirty="0"/>
+            <a:rPr lang="de-DE"/>
             <a:t>3. Soziokulturell</a:t>
           </a:r>
-          <a:endParaRPr lang="en-US" dirty="0"/>
+          <a:endParaRPr lang="en-US"/>
         </a:p>
       </dgm:t>
     </dgm:pt>
@@ -2980,12 +3901,12 @@
         <a:p>
           <a:pPr rtl="0"/>
           <a:r>
-            <a:rPr lang="de-DE" dirty="0">
+            <a:rPr lang="de-DE">
               <a:latin typeface="Meiryo"/>
             </a:rPr>
             <a:t>Dämmung immer wichtiger aufgrund hoher Preise</a:t>
           </a:r>
-          <a:endParaRPr lang="de-DE" dirty="0"/>
+          <a:endParaRPr lang="de-DE"/>
         </a:p>
       </dgm:t>
     </dgm:pt>
@@ -3005,14 +3926,14 @@
         <a:lstStyle/>
         <a:p>
           <a:r>
-            <a:rPr lang="de-DE" dirty="0"/>
+            <a:rPr lang="de-DE"/>
             <a:t>4. </a:t>
           </a:r>
           <a:r>
-            <a:rPr lang="de-DE" dirty="0" err="1"/>
+            <a:rPr lang="de-DE" err="1"/>
             <a:t>Technlogisch</a:t>
           </a:r>
-          <a:endParaRPr lang="en-US" dirty="0" err="1"/>
+          <a:endParaRPr lang="en-US" err="1"/>
         </a:p>
       </dgm:t>
     </dgm:pt>
@@ -3033,48 +3954,48 @@
         <a:p>
           <a:pPr rtl="0"/>
           <a:r>
-            <a:rPr lang="en-US" dirty="0">
+            <a:rPr lang="en-US">
               <a:latin typeface="Meiryo"/>
             </a:rPr>
             <a:t> </a:t>
           </a:r>
           <a:r>
-            <a:rPr lang="en-US" dirty="0" err="1">
+            <a:rPr lang="en-US" err="1">
               <a:latin typeface="Meiryo"/>
             </a:rPr>
             <a:t>Herkömmliche</a:t>
           </a:r>
           <a:r>
-            <a:rPr lang="en-US" dirty="0">
+            <a:rPr lang="en-US">
               <a:latin typeface="Meiryo"/>
             </a:rPr>
             <a:t> </a:t>
           </a:r>
           <a:r>
-            <a:rPr lang="en-US" dirty="0" err="1">
+            <a:rPr lang="en-US" err="1">
               <a:latin typeface="Meiryo"/>
             </a:rPr>
             <a:t>Spanplatten</a:t>
           </a:r>
           <a:r>
-            <a:rPr lang="en-US" dirty="0">
+            <a:rPr lang="en-US">
               <a:latin typeface="Meiryo"/>
             </a:rPr>
             <a:t> </a:t>
           </a:r>
           <a:r>
-            <a:rPr lang="en-US" dirty="0" err="1">
+            <a:rPr lang="en-US" err="1">
               <a:latin typeface="Meiryo"/>
             </a:rPr>
             <a:t>als</a:t>
           </a:r>
           <a:r>
-            <a:rPr lang="en-US" dirty="0">
+            <a:rPr lang="en-US">
               <a:latin typeface="Meiryo"/>
             </a:rPr>
             <a:t> state-of-the-art</a:t>
           </a:r>
-          <a:endParaRPr lang="en-US" dirty="0"/>
+          <a:endParaRPr lang="en-US"/>
         </a:p>
       </dgm:t>
     </dgm:pt>
@@ -3095,7 +4016,7 @@
         <a:p>
           <a:pPr rtl="0"/>
           <a:r>
-            <a:rPr lang="de-DE" dirty="0">
+            <a:rPr lang="de-DE">
               <a:latin typeface="Meiryo"/>
             </a:rPr>
             <a:t>Ressourcenschonung als großes Thema in der Gesellschaft</a:t>
@@ -3242,10 +4163,6 @@
         <a:lstStyle/>
         <a:p>
           <a:r>
-            <a:rPr lang="de-DE" dirty="0"/>
-            <a:t>1. </a:t>
-          </a:r>
-          <a:r>
             <a:rPr lang="de-DE" dirty="0">
               <a:latin typeface="Meiryo"/>
             </a:rPr>
@@ -3267,49 +4184,6 @@
       </dgm:t>
     </dgm:pt>
     <dgm:pt modelId="{DB09AC68-D0C9-49E9-9E32-BD0371548CE6}" type="sibTrans" cxnId="{B82FD8AB-530D-4077-87BC-A5D134D1C134}">
-      <dgm:prSet/>
-      <dgm:spPr/>
-      <dgm:t>
-        <a:bodyPr/>
-        <a:lstStyle/>
-        <a:p>
-          <a:endParaRPr lang="en-US"/>
-        </a:p>
-      </dgm:t>
-    </dgm:pt>
-    <dgm:pt modelId="{DCBED6AD-2E05-4FE8-AF3B-E1A39128CCA3}">
-      <dgm:prSet/>
-      <dgm:spPr/>
-      <dgm:t>
-        <a:bodyPr/>
-        <a:lstStyle/>
-        <a:p>
-          <a:r>
-            <a:rPr lang="de-DE" dirty="0"/>
-            <a:t>2. </a:t>
-          </a:r>
-          <a:r>
-            <a:rPr lang="de-DE" dirty="0">
-              <a:latin typeface="Meiryo"/>
-            </a:rPr>
-            <a:t>zeitlich</a:t>
-          </a:r>
-          <a:endParaRPr lang="en-US" dirty="0"/>
-        </a:p>
-      </dgm:t>
-    </dgm:pt>
-    <dgm:pt modelId="{B05C93A6-4F06-4319-A8FB-1AA4CE408B28}" type="parTrans" cxnId="{F39E3636-4341-40F3-AD53-ADAF6A34FFB5}">
-      <dgm:prSet/>
-      <dgm:spPr/>
-      <dgm:t>
-        <a:bodyPr/>
-        <a:lstStyle/>
-        <a:p>
-          <a:endParaRPr lang="en-US"/>
-        </a:p>
-      </dgm:t>
-    </dgm:pt>
-    <dgm:pt modelId="{B18275F4-3445-4577-8B95-7FD06A6616D1}" type="sibTrans" cxnId="{F39E3636-4341-40F3-AD53-ADAF6A34FFB5}">
       <dgm:prSet/>
       <dgm:spPr/>
       <dgm:t>
@@ -3423,7 +4297,7 @@
         <a:bodyPr/>
         <a:lstStyle/>
         <a:p>
-          <a:endParaRPr lang="de-DE" dirty="0">
+          <a:endParaRPr lang="de-DE">
             <a:latin typeface="Meiryo"/>
           </a:endParaRPr>
         </a:p>
@@ -3451,9 +4325,16 @@
         <a:bodyPr/>
         <a:lstStyle/>
         <a:p>
+          <a:pPr rtl="0"/>
+          <a:r>
+            <a:rPr lang="de-DE" dirty="0">
+              <a:latin typeface="Meiryo"/>
+            </a:rPr>
+            <a:t> </a:t>
+          </a:r>
           <a:r>
             <a:rPr lang="de-DE" dirty="0"/>
-            <a:t>3. Sachlich</a:t>
+            <a:t>Sachlich</a:t>
           </a:r>
           <a:endParaRPr lang="en-US" dirty="0"/>
         </a:p>
@@ -3534,6 +4415,31 @@
         </a:p>
       </dgm:t>
     </dgm:pt>
+    <dgm:pt modelId="{F540AFE1-1490-4F2A-9D0D-06BCD268FC6F}">
+      <dgm:prSet phldr="0"/>
+      <dgm:spPr/>
+      <dgm:t>
+        <a:bodyPr/>
+        <a:lstStyle/>
+        <a:p>
+          <a:r>
+            <a:rPr lang="de-DE" dirty="0">
+              <a:latin typeface="Meiryo"/>
+            </a:rPr>
+            <a:t> zeitlich</a:t>
+          </a:r>
+          <a:endParaRPr lang="de-DE" dirty="0"/>
+        </a:p>
+      </dgm:t>
+    </dgm:pt>
+    <dgm:pt modelId="{9AB4C6A8-9BC3-439A-BB76-834764151F03}" type="parTrans" cxnId="{F4205A32-DBF1-463E-BD26-B1E4149EED96}">
+      <dgm:prSet/>
+      <dgm:spPr/>
+    </dgm:pt>
+    <dgm:pt modelId="{77D15682-EF3A-4D90-8910-936ECE91C241}" type="sibTrans" cxnId="{F4205A32-DBF1-463E-BD26-B1E4149EED96}">
+      <dgm:prSet/>
+      <dgm:spPr/>
+    </dgm:pt>
     <dgm:pt modelId="{A9F30340-F367-40FB-AFB3-49743EBF5AFB}" type="pres">
       <dgm:prSet presAssocID="{E9ACAD2E-79CB-4628-A7FF-BBDFECBBBA15}" presName="Name0" presStyleCnt="0">
         <dgm:presLayoutVars>
@@ -3570,12 +4476,12 @@
       <dgm:prSet presAssocID="{DB09AC68-D0C9-49E9-9E32-BD0371548CE6}" presName="space" presStyleCnt="0"/>
       <dgm:spPr/>
     </dgm:pt>
-    <dgm:pt modelId="{EE5687AF-8808-4A46-AADF-7BC3E6A88DD8}" type="pres">
-      <dgm:prSet presAssocID="{DCBED6AD-2E05-4FE8-AF3B-E1A39128CCA3}" presName="composite" presStyleCnt="0"/>
+    <dgm:pt modelId="{1C8A5402-5ABE-44ED-A0EA-86D535FE2C05}" type="pres">
+      <dgm:prSet presAssocID="{F540AFE1-1490-4F2A-9D0D-06BCD268FC6F}" presName="composite" presStyleCnt="0"/>
       <dgm:spPr/>
     </dgm:pt>
-    <dgm:pt modelId="{13C61573-A5C9-4833-8524-62B9EE2516C0}" type="pres">
-      <dgm:prSet presAssocID="{DCBED6AD-2E05-4FE8-AF3B-E1A39128CCA3}" presName="parTx" presStyleLbl="alignNode1" presStyleIdx="1" presStyleCnt="3">
+    <dgm:pt modelId="{0007FAB6-9DB4-46E8-94EF-A28B8A2D5AE9}" type="pres">
+      <dgm:prSet presAssocID="{F540AFE1-1490-4F2A-9D0D-06BCD268FC6F}" presName="parTx" presStyleLbl="alignNode1" presStyleIdx="1" presStyleCnt="3">
         <dgm:presLayoutVars>
           <dgm:chMax val="0"/>
           <dgm:chPref val="0"/>
@@ -3584,16 +4490,16 @@
       </dgm:prSet>
       <dgm:spPr/>
     </dgm:pt>
-    <dgm:pt modelId="{E686B7F2-E268-4B9A-B144-9C83B4B33271}" type="pres">
-      <dgm:prSet presAssocID="{DCBED6AD-2E05-4FE8-AF3B-E1A39128CCA3}" presName="desTx" presStyleLbl="alignAccFollowNode1" presStyleIdx="1" presStyleCnt="3">
+    <dgm:pt modelId="{66A885F1-3BED-4F2C-9BCC-82EBB8337021}" type="pres">
+      <dgm:prSet presAssocID="{F540AFE1-1490-4F2A-9D0D-06BCD268FC6F}" presName="desTx" presStyleLbl="alignAccFollowNode1" presStyleIdx="1" presStyleCnt="3">
         <dgm:presLayoutVars>
           <dgm:bulletEnabled val="1"/>
         </dgm:presLayoutVars>
       </dgm:prSet>
       <dgm:spPr/>
     </dgm:pt>
-    <dgm:pt modelId="{C1DE3907-7E3F-492B-BBA3-08ED621C140C}" type="pres">
-      <dgm:prSet presAssocID="{B18275F4-3445-4577-8B95-7FD06A6616D1}" presName="space" presStyleCnt="0"/>
+    <dgm:pt modelId="{5221323B-C774-44F2-B338-6D4F14A7F2FB}" type="pres">
+      <dgm:prSet presAssocID="{77D15682-EF3A-4D90-8910-936ECE91C241}" presName="space" presStyleCnt="0"/>
       <dgm:spPr/>
     </dgm:pt>
     <dgm:pt modelId="{1B10054A-0B8F-4940-9CBD-B97183F8002F}" type="pres">
@@ -3621,35 +4527,576 @@
   </dgm:ptLst>
   <dgm:cxnLst>
     <dgm:cxn modelId="{4EAE4909-C36F-4F85-B815-9A2492A09900}" srcId="{0F26A9CD-FEF3-4787-82F1-6876692FC6F4}" destId="{9325CD89-25B7-42DE-ACD8-F2CD184EE460}" srcOrd="0" destOrd="0" parTransId="{AD323885-15C8-490F-9BBF-BB418541E0D0}" sibTransId="{AD8E208F-7981-449E-811A-A5A4FD41B373}"/>
-    <dgm:cxn modelId="{DD3AEC18-4673-4732-A550-E641C3438227}" type="presOf" srcId="{DCBED6AD-2E05-4FE8-AF3B-E1A39128CCA3}" destId="{13C61573-A5C9-4833-8524-62B9EE2516C0}" srcOrd="0" destOrd="0" presId="urn:microsoft.com/office/officeart/2005/8/layout/hList1"/>
+    <dgm:cxn modelId="{BC89E00E-B4CE-47F6-A337-EA0B80FE8D4D}" type="presOf" srcId="{9325CD89-25B7-42DE-ACD8-F2CD184EE460}" destId="{28C35698-B41F-44E1-AC26-2282CAC0A55C}" srcOrd="0" destOrd="0" presId="urn:microsoft.com/office/officeart/2005/8/layout/hList1"/>
     <dgm:cxn modelId="{4F0E6427-8BA1-48C7-AA79-C67475AC2CCB}" srcId="{4C036793-24F7-46FE-86E6-463DB55040DC}" destId="{97A54F31-D69C-4F5A-AAC7-629765B67B1E}" srcOrd="0" destOrd="0" parTransId="{14426DF8-9FFE-4602-80DD-3FCFF7C44F0A}" sibTransId="{69C05C5F-AD19-43D7-A580-40818F0E10C8}"/>
     <dgm:cxn modelId="{8EEBA12A-87B6-42EE-8E4A-5934ABB6A7BC}" srcId="{0F26A9CD-FEF3-4787-82F1-6876692FC6F4}" destId="{4947A722-1CDE-47B0-BE48-7FD2D3C0E3DC}" srcOrd="1" destOrd="0" parTransId="{15B87712-A248-4576-AEA5-2EA94F099604}" sibTransId="{0FEF1A7F-7416-463D-9616-345C8F13FF57}"/>
     <dgm:cxn modelId="{432FB92D-0B82-42B2-96AE-0E04BEAF99CB}" srcId="{E9ACAD2E-79CB-4628-A7FF-BBDFECBBBA15}" destId="{0F26A9CD-FEF3-4787-82F1-6876692FC6F4}" srcOrd="2" destOrd="0" parTransId="{8DEDE0A1-E871-45BE-924A-FC648FAC98ED}" sibTransId="{E05B5687-5CFE-41C9-9E42-163A52821983}"/>
-    <dgm:cxn modelId="{C2EB3E31-32E9-4AE0-A50C-62FF4A3F307F}" type="presOf" srcId="{DA83B699-57B8-4689-AB5E-3FEFFD470CA7}" destId="{28C35698-B41F-44E1-AC26-2282CAC0A55C}" srcOrd="0" destOrd="2" presId="urn:microsoft.com/office/officeart/2005/8/layout/hList1"/>
-    <dgm:cxn modelId="{F39E3636-4341-40F3-AD53-ADAF6A34FFB5}" srcId="{E9ACAD2E-79CB-4628-A7FF-BBDFECBBBA15}" destId="{DCBED6AD-2E05-4FE8-AF3B-E1A39128CCA3}" srcOrd="1" destOrd="0" parTransId="{B05C93A6-4F06-4319-A8FB-1AA4CE408B28}" sibTransId="{B18275F4-3445-4577-8B95-7FD06A6616D1}"/>
-    <dgm:cxn modelId="{90D1F55B-4A80-449C-B3B9-7C78D674DEF9}" type="presOf" srcId="{9325CD89-25B7-42DE-ACD8-F2CD184EE460}" destId="{28C35698-B41F-44E1-AC26-2282CAC0A55C}" srcOrd="0" destOrd="0" presId="urn:microsoft.com/office/officeart/2005/8/layout/hList1"/>
-    <dgm:cxn modelId="{BFBC575F-9B53-4E43-AFCB-5DD65DCA96A5}" type="presOf" srcId="{A46D3AB5-9027-4867-9EE3-F288EFD734B5}" destId="{E686B7F2-E268-4B9A-B144-9C83B4B33271}" srcOrd="0" destOrd="0" presId="urn:microsoft.com/office/officeart/2005/8/layout/hList1"/>
-    <dgm:cxn modelId="{6ADFE650-69DD-4526-8E17-55EA96A94F55}" type="presOf" srcId="{0F26A9CD-FEF3-4787-82F1-6876692FC6F4}" destId="{E061DDA9-EF73-4F19-B316-78B31A5D0899}" srcOrd="0" destOrd="0" presId="urn:microsoft.com/office/officeart/2005/8/layout/hList1"/>
-    <dgm:cxn modelId="{89237954-2DD1-4939-8E9E-C59E70742DF4}" type="presOf" srcId="{97A54F31-D69C-4F5A-AAC7-629765B67B1E}" destId="{D30DC4FE-9F8F-4CE6-AD46-27C558E6D8D1}" srcOrd="0" destOrd="0" presId="urn:microsoft.com/office/officeart/2005/8/layout/hList1"/>
-    <dgm:cxn modelId="{E62AD579-55D8-4256-96F0-435AC842A7AC}" type="presOf" srcId="{4947A722-1CDE-47B0-BE48-7FD2D3C0E3DC}" destId="{28C35698-B41F-44E1-AC26-2282CAC0A55C}" srcOrd="0" destOrd="1" presId="urn:microsoft.com/office/officeart/2005/8/layout/hList1"/>
+    <dgm:cxn modelId="{F4205A32-DBF1-463E-BD26-B1E4149EED96}" srcId="{E9ACAD2E-79CB-4628-A7FF-BBDFECBBBA15}" destId="{F540AFE1-1490-4F2A-9D0D-06BCD268FC6F}" srcOrd="1" destOrd="0" parTransId="{9AB4C6A8-9BC3-439A-BB76-834764151F03}" sibTransId="{77D15682-EF3A-4D90-8910-936ECE91C241}"/>
+    <dgm:cxn modelId="{977F6366-801E-4D83-96C9-448FFBC384B8}" type="presOf" srcId="{F540AFE1-1490-4F2A-9D0D-06BCD268FC6F}" destId="{0007FAB6-9DB4-46E8-94EF-A28B8A2D5AE9}" srcOrd="0" destOrd="0" presId="urn:microsoft.com/office/officeart/2005/8/layout/hList1"/>
+    <dgm:cxn modelId="{F612FD76-3D79-4CF5-B38F-68CEF2F81C0E}" type="presOf" srcId="{97A54F31-D69C-4F5A-AAC7-629765B67B1E}" destId="{D30DC4FE-9F8F-4CE6-AD46-27C558E6D8D1}" srcOrd="0" destOrd="0" presId="urn:microsoft.com/office/officeart/2005/8/layout/hList1"/>
+    <dgm:cxn modelId="{83AEFF77-522A-432E-9C95-5FD76651C648}" type="presOf" srcId="{4947A722-1CDE-47B0-BE48-7FD2D3C0E3DC}" destId="{28C35698-B41F-44E1-AC26-2282CAC0A55C}" srcOrd="0" destOrd="1" presId="urn:microsoft.com/office/officeart/2005/8/layout/hList1"/>
+    <dgm:cxn modelId="{0904D459-A43E-4D5D-BFA9-6F8D5EF0648A}" type="presOf" srcId="{DA83B699-57B8-4689-AB5E-3FEFFD470CA7}" destId="{28C35698-B41F-44E1-AC26-2282CAC0A55C}" srcOrd="0" destOrd="2" presId="urn:microsoft.com/office/officeart/2005/8/layout/hList1"/>
     <dgm:cxn modelId="{85E2DF7D-1B26-432A-B0F7-66A185C75AA1}" type="presOf" srcId="{E9ACAD2E-79CB-4628-A7FF-BBDFECBBBA15}" destId="{A9F30340-F367-40FB-AFB3-49743EBF5AFB}" srcOrd="0" destOrd="0" presId="urn:microsoft.com/office/officeart/2005/8/layout/hList1"/>
-    <dgm:cxn modelId="{8B45D59B-E398-45DA-8C51-2D649262C0DE}" type="presOf" srcId="{4C036793-24F7-46FE-86E6-463DB55040DC}" destId="{582B3E72-7F91-4345-BFDE-8067A980A563}" srcOrd="0" destOrd="0" presId="urn:microsoft.com/office/officeart/2005/8/layout/hList1"/>
+    <dgm:cxn modelId="{46C13E87-A25A-4E2A-B665-5F4FF69739A3}" type="presOf" srcId="{D642C38D-A1BF-40AF-92AE-D83388148349}" destId="{D30DC4FE-9F8F-4CE6-AD46-27C558E6D8D1}" srcOrd="0" destOrd="1" presId="urn:microsoft.com/office/officeart/2005/8/layout/hList1"/>
+    <dgm:cxn modelId="{1BC0AB88-E3A1-42C9-900E-9CA3AEEAA888}" type="presOf" srcId="{0F26A9CD-FEF3-4787-82F1-6876692FC6F4}" destId="{E061DDA9-EF73-4F19-B316-78B31A5D0899}" srcOrd="0" destOrd="0" presId="urn:microsoft.com/office/officeart/2005/8/layout/hList1"/>
+    <dgm:cxn modelId="{4BA5A88C-7A48-401E-A846-1DCBE28C1AB1}" type="presOf" srcId="{A46D3AB5-9027-4867-9EE3-F288EFD734B5}" destId="{66A885F1-3BED-4F2C-9BCC-82EBB8337021}" srcOrd="0" destOrd="0" presId="urn:microsoft.com/office/officeart/2005/8/layout/hList1"/>
     <dgm:cxn modelId="{73D952A6-F318-46A3-B744-7D31E7FDBED9}" srcId="{0F26A9CD-FEF3-4787-82F1-6876692FC6F4}" destId="{DA83B699-57B8-4689-AB5E-3FEFFD470CA7}" srcOrd="2" destOrd="0" parTransId="{38EC0860-20C0-439F-B5A6-626BC76DE4B0}" sibTransId="{29A22E0F-02CA-4367-91E8-F0A616F1DCAA}"/>
-    <dgm:cxn modelId="{8072E5A8-F9C9-4B3B-99D5-490569BFEBCB}" srcId="{DCBED6AD-2E05-4FE8-AF3B-E1A39128CCA3}" destId="{A46D3AB5-9027-4867-9EE3-F288EFD734B5}" srcOrd="0" destOrd="0" parTransId="{5F49C75B-6795-4A12-945E-A9AFC003ECE5}" sibTransId="{331E8C93-2E99-4EA4-B705-243D69324232}"/>
+    <dgm:cxn modelId="{8072E5A8-F9C9-4B3B-99D5-490569BFEBCB}" srcId="{F540AFE1-1490-4F2A-9D0D-06BCD268FC6F}" destId="{A46D3AB5-9027-4867-9EE3-F288EFD734B5}" srcOrd="0" destOrd="0" parTransId="{5F49C75B-6795-4A12-945E-A9AFC003ECE5}" sibTransId="{331E8C93-2E99-4EA4-B705-243D69324232}"/>
     <dgm:cxn modelId="{B82FD8AB-530D-4077-87BC-A5D134D1C134}" srcId="{E9ACAD2E-79CB-4628-A7FF-BBDFECBBBA15}" destId="{4C036793-24F7-46FE-86E6-463DB55040DC}" srcOrd="0" destOrd="0" parTransId="{28088B39-AED7-4848-A7A2-F94F1149299A}" sibTransId="{DB09AC68-D0C9-49E9-9E32-BD0371548CE6}"/>
     <dgm:cxn modelId="{5985BABA-D058-420B-85D4-3DDD84474517}" srcId="{4C036793-24F7-46FE-86E6-463DB55040DC}" destId="{D642C38D-A1BF-40AF-92AE-D83388148349}" srcOrd="1" destOrd="0" parTransId="{AC954211-87EA-42A1-917F-94297BBE65E9}" sibTransId="{62DFA999-C209-436E-B89C-BE0E5AF1C40D}"/>
-    <dgm:cxn modelId="{52DCAFF1-F93E-4ECB-826E-EF4DE5AFAD73}" type="presOf" srcId="{D642C38D-A1BF-40AF-92AE-D83388148349}" destId="{D30DC4FE-9F8F-4CE6-AD46-27C558E6D8D1}" srcOrd="0" destOrd="1" presId="urn:microsoft.com/office/officeart/2005/8/layout/hList1"/>
-    <dgm:cxn modelId="{D410018A-3B96-4D60-9B34-8496F46795F0}" type="presParOf" srcId="{A9F30340-F367-40FB-AFB3-49743EBF5AFB}" destId="{CC8EE23C-396A-40F9-8BAA-E01FF8FCFA08}" srcOrd="0" destOrd="0" presId="urn:microsoft.com/office/officeart/2005/8/layout/hList1"/>
-    <dgm:cxn modelId="{EDA4E950-8EC4-4745-8773-FA54CDD96088}" type="presParOf" srcId="{CC8EE23C-396A-40F9-8BAA-E01FF8FCFA08}" destId="{582B3E72-7F91-4345-BFDE-8067A980A563}" srcOrd="0" destOrd="0" presId="urn:microsoft.com/office/officeart/2005/8/layout/hList1"/>
-    <dgm:cxn modelId="{FCDBE20E-EA49-4771-A7F2-7F26045D8EF7}" type="presParOf" srcId="{CC8EE23C-396A-40F9-8BAA-E01FF8FCFA08}" destId="{D30DC4FE-9F8F-4CE6-AD46-27C558E6D8D1}" srcOrd="1" destOrd="0" presId="urn:microsoft.com/office/officeart/2005/8/layout/hList1"/>
-    <dgm:cxn modelId="{E2444F2E-84EA-41D0-AD04-A16DDFC19DA3}" type="presParOf" srcId="{A9F30340-F367-40FB-AFB3-49743EBF5AFB}" destId="{E57559CF-1A3A-4C03-89E9-42F6F94226A4}" srcOrd="1" destOrd="0" presId="urn:microsoft.com/office/officeart/2005/8/layout/hList1"/>
-    <dgm:cxn modelId="{E16F2AB6-8224-4DC1-8201-0F274D8C6C50}" type="presParOf" srcId="{A9F30340-F367-40FB-AFB3-49743EBF5AFB}" destId="{EE5687AF-8808-4A46-AADF-7BC3E6A88DD8}" srcOrd="2" destOrd="0" presId="urn:microsoft.com/office/officeart/2005/8/layout/hList1"/>
-    <dgm:cxn modelId="{F8C93F2A-C085-4DEA-8EA2-935D5AEE1546}" type="presParOf" srcId="{EE5687AF-8808-4A46-AADF-7BC3E6A88DD8}" destId="{13C61573-A5C9-4833-8524-62B9EE2516C0}" srcOrd="0" destOrd="0" presId="urn:microsoft.com/office/officeart/2005/8/layout/hList1"/>
-    <dgm:cxn modelId="{E0E93E30-98D6-4EF8-9B21-38816F8A1EF8}" type="presParOf" srcId="{EE5687AF-8808-4A46-AADF-7BC3E6A88DD8}" destId="{E686B7F2-E268-4B9A-B144-9C83B4B33271}" srcOrd="1" destOrd="0" presId="urn:microsoft.com/office/officeart/2005/8/layout/hList1"/>
-    <dgm:cxn modelId="{C6DEB980-58B8-4389-B923-BF4F72CBC911}" type="presParOf" srcId="{A9F30340-F367-40FB-AFB3-49743EBF5AFB}" destId="{C1DE3907-7E3F-492B-BBA3-08ED621C140C}" srcOrd="3" destOrd="0" presId="urn:microsoft.com/office/officeart/2005/8/layout/hList1"/>
-    <dgm:cxn modelId="{4F777603-CC7D-4B20-AA5E-715F6A31857B}" type="presParOf" srcId="{A9F30340-F367-40FB-AFB3-49743EBF5AFB}" destId="{1B10054A-0B8F-4940-9CBD-B97183F8002F}" srcOrd="4" destOrd="0" presId="urn:microsoft.com/office/officeart/2005/8/layout/hList1"/>
-    <dgm:cxn modelId="{B7E9087F-89B3-4FC0-B268-6A55508D0415}" type="presParOf" srcId="{1B10054A-0B8F-4940-9CBD-B97183F8002F}" destId="{E061DDA9-EF73-4F19-B316-78B31A5D0899}" srcOrd="0" destOrd="0" presId="urn:microsoft.com/office/officeart/2005/8/layout/hList1"/>
-    <dgm:cxn modelId="{A0E8397F-0ECF-4E51-8824-B19F3B447B7D}" type="presParOf" srcId="{1B10054A-0B8F-4940-9CBD-B97183F8002F}" destId="{28C35698-B41F-44E1-AC26-2282CAC0A55C}" srcOrd="1" destOrd="0" presId="urn:microsoft.com/office/officeart/2005/8/layout/hList1"/>
+    <dgm:cxn modelId="{56AA30ED-93D0-462D-A5C0-70CE89F14521}" type="presOf" srcId="{4C036793-24F7-46FE-86E6-463DB55040DC}" destId="{582B3E72-7F91-4345-BFDE-8067A980A563}" srcOrd="0" destOrd="0" presId="urn:microsoft.com/office/officeart/2005/8/layout/hList1"/>
+    <dgm:cxn modelId="{C01BFD8E-6D01-446B-A53F-D61BA0666B68}" type="presParOf" srcId="{A9F30340-F367-40FB-AFB3-49743EBF5AFB}" destId="{CC8EE23C-396A-40F9-8BAA-E01FF8FCFA08}" srcOrd="0" destOrd="0" presId="urn:microsoft.com/office/officeart/2005/8/layout/hList1"/>
+    <dgm:cxn modelId="{B9D81CB9-3B17-41B9-AF80-6185E8B2A7CE}" type="presParOf" srcId="{CC8EE23C-396A-40F9-8BAA-E01FF8FCFA08}" destId="{582B3E72-7F91-4345-BFDE-8067A980A563}" srcOrd="0" destOrd="0" presId="urn:microsoft.com/office/officeart/2005/8/layout/hList1"/>
+    <dgm:cxn modelId="{15A1624E-D6E9-428F-A1FC-F88C1E8E252F}" type="presParOf" srcId="{CC8EE23C-396A-40F9-8BAA-E01FF8FCFA08}" destId="{D30DC4FE-9F8F-4CE6-AD46-27C558E6D8D1}" srcOrd="1" destOrd="0" presId="urn:microsoft.com/office/officeart/2005/8/layout/hList1"/>
+    <dgm:cxn modelId="{E6D41228-A7B1-42C9-B7D2-772D88D19EA3}" type="presParOf" srcId="{A9F30340-F367-40FB-AFB3-49743EBF5AFB}" destId="{E57559CF-1A3A-4C03-89E9-42F6F94226A4}" srcOrd="1" destOrd="0" presId="urn:microsoft.com/office/officeart/2005/8/layout/hList1"/>
+    <dgm:cxn modelId="{1442B173-0BF5-4818-89D9-CF3D23348483}" type="presParOf" srcId="{A9F30340-F367-40FB-AFB3-49743EBF5AFB}" destId="{1C8A5402-5ABE-44ED-A0EA-86D535FE2C05}" srcOrd="2" destOrd="0" presId="urn:microsoft.com/office/officeart/2005/8/layout/hList1"/>
+    <dgm:cxn modelId="{69F4A538-051E-4A5F-B366-5D16ED3A5CFF}" type="presParOf" srcId="{1C8A5402-5ABE-44ED-A0EA-86D535FE2C05}" destId="{0007FAB6-9DB4-46E8-94EF-A28B8A2D5AE9}" srcOrd="0" destOrd="0" presId="urn:microsoft.com/office/officeart/2005/8/layout/hList1"/>
+    <dgm:cxn modelId="{BB278105-DDC2-453B-82DC-27377A42088A}" type="presParOf" srcId="{1C8A5402-5ABE-44ED-A0EA-86D535FE2C05}" destId="{66A885F1-3BED-4F2C-9BCC-82EBB8337021}" srcOrd="1" destOrd="0" presId="urn:microsoft.com/office/officeart/2005/8/layout/hList1"/>
+    <dgm:cxn modelId="{45D194F9-15B0-493C-A11C-951DD6011569}" type="presParOf" srcId="{A9F30340-F367-40FB-AFB3-49743EBF5AFB}" destId="{5221323B-C774-44F2-B338-6D4F14A7F2FB}" srcOrd="3" destOrd="0" presId="urn:microsoft.com/office/officeart/2005/8/layout/hList1"/>
+    <dgm:cxn modelId="{9830F2E1-5C73-4B77-9E4B-8339E7DCDC8C}" type="presParOf" srcId="{A9F30340-F367-40FB-AFB3-49743EBF5AFB}" destId="{1B10054A-0B8F-4940-9CBD-B97183F8002F}" srcOrd="4" destOrd="0" presId="urn:microsoft.com/office/officeart/2005/8/layout/hList1"/>
+    <dgm:cxn modelId="{89F6A0AC-7002-41DD-B363-40E1EBD68DC5}" type="presParOf" srcId="{1B10054A-0B8F-4940-9CBD-B97183F8002F}" destId="{E061DDA9-EF73-4F19-B316-78B31A5D0899}" srcOrd="0" destOrd="0" presId="urn:microsoft.com/office/officeart/2005/8/layout/hList1"/>
+    <dgm:cxn modelId="{445A7CE9-FCBB-427F-B568-EBE90B58AA4F}" type="presParOf" srcId="{1B10054A-0B8F-4940-9CBD-B97183F8002F}" destId="{28C35698-B41F-44E1-AC26-2282CAC0A55C}" srcOrd="1" destOrd="0" presId="urn:microsoft.com/office/officeart/2005/8/layout/hList1"/>
+  </dgm:cxnLst>
+  <dgm:bg/>
+  <dgm:whole/>
+  <dgm:extLst>
+    <a:ext uri="http://schemas.microsoft.com/office/drawing/2008/diagram">
+      <dsp:dataModelExt xmlns:dsp="http://schemas.microsoft.com/office/drawing/2008/diagram" relId="rId6" minVer="http://schemas.openxmlformats.org/drawingml/2006/diagram"/>
+    </a:ext>
+  </dgm:extLst>
+</dgm:dataModel>
+</file>
+
+<file path=ppt/diagrams/data4.xml><?xml version="1.0" encoding="utf-8"?>
+<dgm:dataModel xmlns:dgm="http://schemas.openxmlformats.org/drawingml/2006/diagram" xmlns:a="http://schemas.openxmlformats.org/drawingml/2006/main">
+  <dgm:ptLst>
+    <dgm:pt modelId="{CA084AD2-D027-4EA7-8DC5-5B53E0A2B05E}" type="doc">
+      <dgm:prSet loTypeId="urn:microsoft.com/office/officeart/2005/8/layout/process1" loCatId="process" qsTypeId="urn:microsoft.com/office/officeart/2005/8/quickstyle/simple5" qsCatId="simple" csTypeId="urn:microsoft.com/office/officeart/2005/8/colors/colorful1" csCatId="colorful" phldr="1"/>
+      <dgm:spPr/>
+    </dgm:pt>
+    <dgm:pt modelId="{FDDD20CA-B34D-420D-842E-747DDD2CD8D1}">
+      <dgm:prSet phldrT="[Text]" phldr="0"/>
+      <dgm:spPr/>
+      <dgm:t>
+        <a:bodyPr/>
+        <a:lstStyle/>
+        <a:p>
+          <a:pPr rtl="0"/>
+          <a:r>
+            <a:rPr lang="de-DE" dirty="0">
+              <a:latin typeface="Meiryo"/>
+            </a:rPr>
+            <a:t> Produktmerkmale </a:t>
+          </a:r>
+          <a:endParaRPr lang="de-DE" dirty="0"/>
+        </a:p>
+      </dgm:t>
+    </dgm:pt>
+    <dgm:pt modelId="{4846D083-D5E6-4BCE-957A-175F5AC51CCA}" type="parTrans" cxnId="{E0DC6CB4-03C0-4D8D-A281-0BCBC3077F30}">
+      <dgm:prSet/>
+      <dgm:spPr/>
+    </dgm:pt>
+    <dgm:pt modelId="{1D24DAF8-3EA9-4FCB-A833-12FF21A4AB64}" type="sibTrans" cxnId="{E0DC6CB4-03C0-4D8D-A281-0BCBC3077F30}">
+      <dgm:prSet/>
+      <dgm:spPr/>
+      <dgm:t>
+        <a:bodyPr/>
+        <a:lstStyle/>
+        <a:p>
+          <a:endParaRPr lang="de-DE"/>
+        </a:p>
+      </dgm:t>
+    </dgm:pt>
+    <dgm:pt modelId="{8A6ED75C-6150-413D-BD6D-D4956F604EB0}">
+      <dgm:prSet phldrT="[Text]" phldr="0"/>
+      <dgm:spPr/>
+      <dgm:t>
+        <a:bodyPr/>
+        <a:lstStyle/>
+        <a:p>
+          <a:pPr rtl="0"/>
+          <a:r>
+            <a:rPr lang="de-DE" dirty="0">
+              <a:latin typeface="Meiryo"/>
+            </a:rPr>
+            <a:t> Produktvorteile </a:t>
+          </a:r>
+          <a:endParaRPr lang="de-DE" dirty="0"/>
+        </a:p>
+      </dgm:t>
+    </dgm:pt>
+    <dgm:pt modelId="{04BF29EC-4122-422F-BFAA-172FD79D9C6A}" type="parTrans" cxnId="{21143412-33DF-40A7-965F-19B8BADFBAF8}">
+      <dgm:prSet/>
+      <dgm:spPr/>
+    </dgm:pt>
+    <dgm:pt modelId="{D1E07030-5B6A-46BB-9612-FE2D43875C1B}" type="sibTrans" cxnId="{21143412-33DF-40A7-965F-19B8BADFBAF8}">
+      <dgm:prSet/>
+      <dgm:spPr/>
+      <dgm:t>
+        <a:bodyPr/>
+        <a:lstStyle/>
+        <a:p>
+          <a:endParaRPr lang="de-DE"/>
+        </a:p>
+      </dgm:t>
+    </dgm:pt>
+    <dgm:pt modelId="{FD7E0C58-0C74-43D2-9BEF-3627768EF5B5}">
+      <dgm:prSet phldrT="[Text]" phldr="0"/>
+      <dgm:spPr/>
+      <dgm:t>
+        <a:bodyPr/>
+        <a:lstStyle/>
+        <a:p>
+          <a:pPr rtl="0"/>
+          <a:r>
+            <a:rPr lang="de-DE" dirty="0">
+              <a:latin typeface="Meiryo"/>
+            </a:rPr>
+            <a:t>Produktnutzen</a:t>
+          </a:r>
+          <a:endParaRPr lang="de-DE" dirty="0"/>
+        </a:p>
+      </dgm:t>
+    </dgm:pt>
+    <dgm:pt modelId="{0A3AD12B-E841-4B2C-ACF8-8F6FD9C7ABFD}" type="parTrans" cxnId="{7489826D-7F9B-4A73-9442-50CAD5F30167}">
+      <dgm:prSet/>
+      <dgm:spPr/>
+    </dgm:pt>
+    <dgm:pt modelId="{C2462F05-F198-4F1D-8BAA-970A7EF220F0}" type="sibTrans" cxnId="{7489826D-7F9B-4A73-9442-50CAD5F30167}">
+      <dgm:prSet/>
+      <dgm:spPr/>
+    </dgm:pt>
+    <dgm:pt modelId="{36A8DB2C-0877-4EB0-91E0-4770F54C8894}">
+      <dgm:prSet phldr="0"/>
+      <dgm:spPr/>
+      <dgm:t>
+        <a:bodyPr/>
+        <a:lstStyle/>
+        <a:p>
+          <a:r>
+            <a:rPr lang="de-DE" dirty="0">
+              <a:latin typeface="Meiryo"/>
+            </a:rPr>
+            <a:t>ressourcenschonend</a:t>
+          </a:r>
+        </a:p>
+      </dgm:t>
+    </dgm:pt>
+    <dgm:pt modelId="{56ACF03E-DF26-4EF9-BFDA-260695C88A51}" type="parTrans" cxnId="{BD111FAE-4D7A-4D5A-A851-67C3135E9431}">
+      <dgm:prSet/>
+      <dgm:spPr/>
+    </dgm:pt>
+    <dgm:pt modelId="{DB2F3DD1-F269-407B-87C0-2651ED1B7DF4}" type="sibTrans" cxnId="{BD111FAE-4D7A-4D5A-A851-67C3135E9431}">
+      <dgm:prSet/>
+      <dgm:spPr/>
+      <dgm:t>
+        <a:bodyPr/>
+        <a:lstStyle/>
+        <a:p>
+          <a:endParaRPr lang="de-DE"/>
+        </a:p>
+      </dgm:t>
+    </dgm:pt>
+    <dgm:pt modelId="{1D85AFC4-97BE-4F13-9200-182EC55C5D6C}">
+      <dgm:prSet phldr="0"/>
+      <dgm:spPr/>
+      <dgm:t>
+        <a:bodyPr/>
+        <a:lstStyle/>
+        <a:p>
+          <a:pPr rtl="0"/>
+          <a:r>
+            <a:rPr lang="de-DE" dirty="0">
+              <a:latin typeface="Meiryo"/>
+            </a:rPr>
+            <a:t>Gute Handhabung</a:t>
+          </a:r>
+        </a:p>
+      </dgm:t>
+    </dgm:pt>
+    <dgm:pt modelId="{2799D719-105F-4A61-928D-EA506EA7E2A5}" type="parTrans" cxnId="{FAFF56B2-253A-433D-9DAF-DC3B56723B23}">
+      <dgm:prSet/>
+      <dgm:spPr/>
+    </dgm:pt>
+    <dgm:pt modelId="{10D69318-29F8-42FF-A1AC-8A0434993C67}" type="sibTrans" cxnId="{FAFF56B2-253A-433D-9DAF-DC3B56723B23}">
+      <dgm:prSet/>
+      <dgm:spPr/>
+    </dgm:pt>
+    <dgm:pt modelId="{3DFE0C98-93DA-4194-A07F-CD0F6CDBB4D6}">
+      <dgm:prSet phldr="0"/>
+      <dgm:spPr/>
+      <dgm:t>
+        <a:bodyPr/>
+        <a:lstStyle/>
+        <a:p>
+          <a:pPr rtl="0"/>
+          <a:r>
+            <a:rPr lang="de-DE" dirty="0">
+              <a:latin typeface="Meiryo"/>
+            </a:rPr>
+            <a:t>Portabilität (von Möbeln)</a:t>
+          </a:r>
+        </a:p>
+      </dgm:t>
+    </dgm:pt>
+    <dgm:pt modelId="{19D78497-16D9-4B41-AD5A-390F74C7FD03}" type="parTrans" cxnId="{8B89D417-1B9F-4EC1-A479-F700248CBB86}">
+      <dgm:prSet/>
+      <dgm:spPr/>
+    </dgm:pt>
+    <dgm:pt modelId="{61A1259E-1483-473B-8D1C-9EAE68CD4E3B}" type="sibTrans" cxnId="{8B89D417-1B9F-4EC1-A479-F700248CBB86}">
+      <dgm:prSet/>
+      <dgm:spPr/>
+    </dgm:pt>
+    <dgm:pt modelId="{E10F4BF8-05C6-41CE-8723-5AC23A52DE7F}">
+      <dgm:prSet phldr="0"/>
+      <dgm:spPr/>
+      <dgm:t>
+        <a:bodyPr/>
+        <a:lstStyle/>
+        <a:p>
+          <a:pPr rtl="0"/>
+          <a:r>
+            <a:rPr lang="de-DE" dirty="0">
+              <a:latin typeface="Meiryo"/>
+            </a:rPr>
+            <a:t>leicht</a:t>
+          </a:r>
+        </a:p>
+      </dgm:t>
+    </dgm:pt>
+    <dgm:pt modelId="{01B99EAC-FB3C-4A61-A7A7-3BA54E91EFB2}" type="parTrans" cxnId="{22D92D7E-2E63-4EE9-A967-503DCF352111}">
+      <dgm:prSet/>
+      <dgm:spPr/>
+    </dgm:pt>
+    <dgm:pt modelId="{2D50BB5B-AF5A-44EA-A6C0-E15CB408142A}" type="sibTrans" cxnId="{22D92D7E-2E63-4EE9-A967-503DCF352111}">
+      <dgm:prSet/>
+      <dgm:spPr/>
+    </dgm:pt>
+    <dgm:pt modelId="{3E974CAF-C036-4DE0-9177-5EA1180F2325}">
+      <dgm:prSet phldr="0"/>
+      <dgm:spPr/>
+      <dgm:t>
+        <a:bodyPr/>
+        <a:lstStyle/>
+        <a:p>
+          <a:pPr rtl="0"/>
+          <a:r>
+            <a:rPr lang="de-DE" dirty="0">
+              <a:latin typeface="Meiryo"/>
+            </a:rPr>
+            <a:t>Stabil &amp; feuerfest</a:t>
+          </a:r>
+        </a:p>
+      </dgm:t>
+    </dgm:pt>
+    <dgm:pt modelId="{1F855133-4422-42B7-A5B4-F93092E9F67C}" type="parTrans" cxnId="{171359A8-6714-4302-BB6E-A184D3C25DA6}">
+      <dgm:prSet/>
+      <dgm:spPr/>
+    </dgm:pt>
+    <dgm:pt modelId="{40105E60-8CC7-4405-8CDB-F89B84297A74}" type="sibTrans" cxnId="{171359A8-6714-4302-BB6E-A184D3C25DA6}">
+      <dgm:prSet/>
+      <dgm:spPr/>
+      <dgm:t>
+        <a:bodyPr/>
+        <a:lstStyle/>
+        <a:p>
+          <a:endParaRPr lang="de-DE"/>
+        </a:p>
+      </dgm:t>
+    </dgm:pt>
+    <dgm:pt modelId="{E7607F56-7F54-4FF8-814C-9A2066C3EB88}">
+      <dgm:prSet phldr="0"/>
+      <dgm:spPr/>
+      <dgm:t>
+        <a:bodyPr/>
+        <a:lstStyle/>
+        <a:p>
+          <a:pPr rtl="0"/>
+          <a:r>
+            <a:rPr lang="de-DE" dirty="0">
+              <a:latin typeface="Meiryo"/>
+            </a:rPr>
+            <a:t>Dämmend</a:t>
+          </a:r>
+        </a:p>
+      </dgm:t>
+    </dgm:pt>
+    <dgm:pt modelId="{C28C54BD-0AB2-436A-92A7-A3BAE6B3F49A}" type="parTrans" cxnId="{637E5E2A-009B-4D51-B863-9E369401179E}">
+      <dgm:prSet/>
+      <dgm:spPr/>
+    </dgm:pt>
+    <dgm:pt modelId="{E60A401C-A7B0-4521-9806-8284E21739B7}" type="sibTrans" cxnId="{637E5E2A-009B-4D51-B863-9E369401179E}">
+      <dgm:prSet/>
+      <dgm:spPr/>
+      <dgm:t>
+        <a:bodyPr/>
+        <a:lstStyle/>
+        <a:p>
+          <a:endParaRPr lang="de-DE"/>
+        </a:p>
+      </dgm:t>
+    </dgm:pt>
+    <dgm:pt modelId="{A18A1E51-A2E9-4253-BEF9-68F42B028D2D}">
+      <dgm:prSet phldr="0"/>
+      <dgm:spPr/>
+      <dgm:t>
+        <a:bodyPr/>
+        <a:lstStyle/>
+        <a:p>
+          <a:pPr rtl="0"/>
+          <a:r>
+            <a:rPr lang="de-DE" dirty="0">
+              <a:latin typeface="Meiryo"/>
+            </a:rPr>
+            <a:t>Lange Nutzbarkeit</a:t>
+          </a:r>
+        </a:p>
+      </dgm:t>
+    </dgm:pt>
+    <dgm:pt modelId="{19E77B53-CBC9-498A-A145-210A89B17957}" type="parTrans" cxnId="{F18E41CE-E683-45D2-AA37-BFAF2A5CE446}">
+      <dgm:prSet/>
+      <dgm:spPr/>
+    </dgm:pt>
+    <dgm:pt modelId="{61B2D030-78B2-4477-8021-EE3911471233}" type="sibTrans" cxnId="{F18E41CE-E683-45D2-AA37-BFAF2A5CE446}">
+      <dgm:prSet/>
+      <dgm:spPr/>
+      <dgm:t>
+        <a:bodyPr/>
+        <a:lstStyle/>
+        <a:p>
+          <a:endParaRPr lang="de-DE"/>
+        </a:p>
+      </dgm:t>
+    </dgm:pt>
+    <dgm:pt modelId="{7B6A81B8-DBDA-447A-92DA-CD9F5EEA2112}">
+      <dgm:prSet phldr="0"/>
+      <dgm:spPr/>
+      <dgm:t>
+        <a:bodyPr/>
+        <a:lstStyle/>
+        <a:p>
+          <a:r>
+            <a:rPr lang="de-DE" dirty="0">
+              <a:latin typeface="Meiryo"/>
+            </a:rPr>
+            <a:t>Energiesparmöglichkeit</a:t>
+          </a:r>
+        </a:p>
+      </dgm:t>
+    </dgm:pt>
+    <dgm:pt modelId="{BA097BD8-D910-4B90-A7D7-23BC634A02E6}" type="parTrans" cxnId="{E7A7285B-53A1-4E57-A4BB-DBFF9A77FBAE}">
+      <dgm:prSet/>
+      <dgm:spPr/>
+    </dgm:pt>
+    <dgm:pt modelId="{51A907C5-E281-43B8-8AE3-1C208DB91163}" type="sibTrans" cxnId="{E7A7285B-53A1-4E57-A4BB-DBFF9A77FBAE}">
+      <dgm:prSet/>
+      <dgm:spPr/>
+      <dgm:t>
+        <a:bodyPr/>
+        <a:lstStyle/>
+        <a:p>
+          <a:endParaRPr lang="de-DE"/>
+        </a:p>
+      </dgm:t>
+    </dgm:pt>
+    <dgm:pt modelId="{F6C3CE1A-A0F9-4B1B-8D1C-8C992AD20024}">
+      <dgm:prSet phldr="0"/>
+      <dgm:spPr/>
+      <dgm:t>
+        <a:bodyPr/>
+        <a:lstStyle/>
+        <a:p>
+          <a:r>
+            <a:rPr lang="de-DE" dirty="0">
+              <a:latin typeface="Meiryo"/>
+            </a:rPr>
+            <a:t>Umweltfreundlich</a:t>
+          </a:r>
+        </a:p>
+      </dgm:t>
+    </dgm:pt>
+    <dgm:pt modelId="{6FDDB593-BD04-448C-AA81-CC6A888F398B}" type="parTrans" cxnId="{EED1D16A-D5D9-46E8-AFD6-5EB2622B321C}">
+      <dgm:prSet/>
+      <dgm:spPr/>
+    </dgm:pt>
+    <dgm:pt modelId="{1B23176B-0992-439C-91E2-8FC359B93A5F}" type="sibTrans" cxnId="{EED1D16A-D5D9-46E8-AFD6-5EB2622B321C}">
+      <dgm:prSet/>
+      <dgm:spPr/>
+      <dgm:t>
+        <a:bodyPr/>
+        <a:lstStyle/>
+        <a:p>
+          <a:endParaRPr lang="de-DE"/>
+        </a:p>
+      </dgm:t>
+    </dgm:pt>
+    <dgm:pt modelId="{2DEDB37C-3AE0-4E42-A8A8-656A5591802E}">
+      <dgm:prSet phldr="0"/>
+      <dgm:spPr/>
+      <dgm:t>
+        <a:bodyPr/>
+        <a:lstStyle/>
+        <a:p>
+          <a:pPr rtl="0"/>
+          <a:r>
+            <a:rPr lang="de-DE" dirty="0">
+              <a:latin typeface="Meiryo"/>
+            </a:rPr>
+            <a:t>Langfristige Investition</a:t>
+          </a:r>
+        </a:p>
+      </dgm:t>
+    </dgm:pt>
+    <dgm:pt modelId="{32A227B7-EFFC-4990-BE4D-6FCDBFBCF309}" type="parTrans" cxnId="{B1661AE1-4D3A-496A-A3A8-A6C9172DBFC9}">
+      <dgm:prSet/>
+      <dgm:spPr/>
+    </dgm:pt>
+    <dgm:pt modelId="{36920CE1-B94A-45E6-8159-B88FF2FE15CF}" type="sibTrans" cxnId="{B1661AE1-4D3A-496A-A3A8-A6C9172DBFC9}">
+      <dgm:prSet/>
+      <dgm:spPr/>
+    </dgm:pt>
+    <dgm:pt modelId="{2BDF99A4-2CBE-46E1-98E2-3130F2A5B5DB}">
+      <dgm:prSet phldr="0"/>
+      <dgm:spPr/>
+      <dgm:t>
+        <a:bodyPr/>
+        <a:lstStyle/>
+        <a:p>
+          <a:r>
+            <a:rPr lang="de-DE" dirty="0">
+              <a:latin typeface="Meiryo"/>
+            </a:rPr>
+            <a:t>Geldschonend</a:t>
+          </a:r>
+        </a:p>
+      </dgm:t>
+    </dgm:pt>
+    <dgm:pt modelId="{DB9128EE-0CB6-4CA2-AAEE-30FADFF8B329}" type="parTrans" cxnId="{25062D5F-AF85-4B0A-AE98-2E47F5FDC55F}">
+      <dgm:prSet/>
+      <dgm:spPr/>
+    </dgm:pt>
+    <dgm:pt modelId="{D7318AF0-17A3-4CD1-A236-A970A4125DC5}" type="sibTrans" cxnId="{25062D5F-AF85-4B0A-AE98-2E47F5FDC55F}">
+      <dgm:prSet/>
+      <dgm:spPr/>
+    </dgm:pt>
+    <dgm:pt modelId="{99D1893F-2EEE-43DA-B444-828B92C6AC0D}">
+      <dgm:prSet phldr="0"/>
+      <dgm:spPr/>
+      <dgm:t>
+        <a:bodyPr/>
+        <a:lstStyle/>
+        <a:p>
+          <a:pPr rtl="0"/>
+          <a:r>
+            <a:rPr lang="de-DE" dirty="0">
+              <a:latin typeface="Meiryo"/>
+            </a:rPr>
+            <a:t>Soziale Interessen</a:t>
+          </a:r>
+        </a:p>
+      </dgm:t>
+    </dgm:pt>
+    <dgm:pt modelId="{52D30B61-1014-4A19-ADEE-82095C1665B8}" type="parTrans" cxnId="{68726E31-46C5-452B-B65F-A080E34D3CD9}">
+      <dgm:prSet/>
+      <dgm:spPr/>
+    </dgm:pt>
+    <dgm:pt modelId="{DFE4FDD4-BD86-427D-966E-67D52FBC6C5E}" type="sibTrans" cxnId="{68726E31-46C5-452B-B65F-A080E34D3CD9}">
+      <dgm:prSet/>
+      <dgm:spPr/>
+    </dgm:pt>
+    <dgm:pt modelId="{C4CFC990-BFA1-43CD-9260-2E1BBE5B1278}" type="pres">
+      <dgm:prSet presAssocID="{CA084AD2-D027-4EA7-8DC5-5B53E0A2B05E}" presName="Name0" presStyleCnt="0">
+        <dgm:presLayoutVars>
+          <dgm:dir/>
+          <dgm:resizeHandles val="exact"/>
+        </dgm:presLayoutVars>
+      </dgm:prSet>
+      <dgm:spPr/>
+    </dgm:pt>
+    <dgm:pt modelId="{5907A61D-6F7E-4BC2-A692-33AE7D3D2641}" type="pres">
+      <dgm:prSet presAssocID="{FDDD20CA-B34D-420D-842E-747DDD2CD8D1}" presName="node" presStyleLbl="node1" presStyleIdx="0" presStyleCnt="3">
+        <dgm:presLayoutVars>
+          <dgm:bulletEnabled val="1"/>
+        </dgm:presLayoutVars>
+      </dgm:prSet>
+      <dgm:spPr/>
+    </dgm:pt>
+    <dgm:pt modelId="{D019D1B9-4046-4C50-AC37-BF2A7E0D51E4}" type="pres">
+      <dgm:prSet presAssocID="{1D24DAF8-3EA9-4FCB-A833-12FF21A4AB64}" presName="sibTrans" presStyleLbl="sibTrans2D1" presStyleIdx="0" presStyleCnt="2"/>
+      <dgm:spPr/>
+    </dgm:pt>
+    <dgm:pt modelId="{2DA4AC81-219C-40B6-9B16-2FEA5DA60684}" type="pres">
+      <dgm:prSet presAssocID="{1D24DAF8-3EA9-4FCB-A833-12FF21A4AB64}" presName="connectorText" presStyleLbl="sibTrans2D1" presStyleIdx="0" presStyleCnt="2"/>
+      <dgm:spPr/>
+    </dgm:pt>
+    <dgm:pt modelId="{AC90CF62-0B45-434E-A998-C40B5051C043}" type="pres">
+      <dgm:prSet presAssocID="{8A6ED75C-6150-413D-BD6D-D4956F604EB0}" presName="node" presStyleLbl="node1" presStyleIdx="1" presStyleCnt="3">
+        <dgm:presLayoutVars>
+          <dgm:bulletEnabled val="1"/>
+        </dgm:presLayoutVars>
+      </dgm:prSet>
+      <dgm:spPr/>
+    </dgm:pt>
+    <dgm:pt modelId="{1C51752B-DE1E-4BB9-BCCA-3EA78CC13BCC}" type="pres">
+      <dgm:prSet presAssocID="{D1E07030-5B6A-46BB-9612-FE2D43875C1B}" presName="sibTrans" presStyleLbl="sibTrans2D1" presStyleIdx="1" presStyleCnt="2"/>
+      <dgm:spPr/>
+    </dgm:pt>
+    <dgm:pt modelId="{B5B1EC28-546E-4307-9167-39446E1E135F}" type="pres">
+      <dgm:prSet presAssocID="{D1E07030-5B6A-46BB-9612-FE2D43875C1B}" presName="connectorText" presStyleLbl="sibTrans2D1" presStyleIdx="1" presStyleCnt="2"/>
+      <dgm:spPr/>
+    </dgm:pt>
+    <dgm:pt modelId="{4821226C-F13A-40CD-840B-8D9A0B1566EC}" type="pres">
+      <dgm:prSet presAssocID="{FD7E0C58-0C74-43D2-9BEF-3627768EF5B5}" presName="node" presStyleLbl="node1" presStyleIdx="2" presStyleCnt="3">
+        <dgm:presLayoutVars>
+          <dgm:bulletEnabled val="1"/>
+        </dgm:presLayoutVars>
+      </dgm:prSet>
+      <dgm:spPr/>
+    </dgm:pt>
+  </dgm:ptLst>
+  <dgm:cxnLst>
+    <dgm:cxn modelId="{3FC79607-EC8F-44A2-8539-D759DF70C4ED}" type="presOf" srcId="{CA084AD2-D027-4EA7-8DC5-5B53E0A2B05E}" destId="{C4CFC990-BFA1-43CD-9260-2E1BBE5B1278}" srcOrd="0" destOrd="0" presId="urn:microsoft.com/office/officeart/2005/8/layout/process1"/>
+    <dgm:cxn modelId="{D41AB30B-AC1E-42E4-BC4D-71BA49F40EE4}" type="presOf" srcId="{A18A1E51-A2E9-4253-BEF9-68F42B028D2D}" destId="{AC90CF62-0B45-434E-A998-C40B5051C043}" srcOrd="0" destOrd="2" presId="urn:microsoft.com/office/officeart/2005/8/layout/process1"/>
+    <dgm:cxn modelId="{21143412-33DF-40A7-965F-19B8BADFBAF8}" srcId="{CA084AD2-D027-4EA7-8DC5-5B53E0A2B05E}" destId="{8A6ED75C-6150-413D-BD6D-D4956F604EB0}" srcOrd="1" destOrd="0" parTransId="{04BF29EC-4122-422F-BFAA-172FD79D9C6A}" sibTransId="{D1E07030-5B6A-46BB-9612-FE2D43875C1B}"/>
+    <dgm:cxn modelId="{8B89D417-1B9F-4EC1-A479-F700248CBB86}" srcId="{FD7E0C58-0C74-43D2-9BEF-3627768EF5B5}" destId="{3DFE0C98-93DA-4194-A07F-CD0F6CDBB4D6}" srcOrd="0" destOrd="0" parTransId="{19D78497-16D9-4B41-AD5A-390F74C7FD03}" sibTransId="{61A1259E-1483-473B-8D1C-9EAE68CD4E3B}"/>
+    <dgm:cxn modelId="{637E5E2A-009B-4D51-B863-9E369401179E}" srcId="{FDDD20CA-B34D-420D-842E-747DDD2CD8D1}" destId="{E7607F56-7F54-4FF8-814C-9A2066C3EB88}" srcOrd="2" destOrd="0" parTransId="{C28C54BD-0AB2-436A-92A7-A3BAE6B3F49A}" sibTransId="{E60A401C-A7B0-4521-9806-8284E21739B7}"/>
+    <dgm:cxn modelId="{68726E31-46C5-452B-B65F-A080E34D3CD9}" srcId="{FD7E0C58-0C74-43D2-9BEF-3627768EF5B5}" destId="{99D1893F-2EEE-43DA-B444-828B92C6AC0D}" srcOrd="3" destOrd="0" parTransId="{52D30B61-1014-4A19-ADEE-82095C1665B8}" sibTransId="{DFE4FDD4-BD86-427D-966E-67D52FBC6C5E}"/>
+    <dgm:cxn modelId="{F9E24E32-8021-4A81-BD61-1999C54E29FD}" type="presOf" srcId="{1D24DAF8-3EA9-4FCB-A833-12FF21A4AB64}" destId="{2DA4AC81-219C-40B6-9B16-2FEA5DA60684}" srcOrd="1" destOrd="0" presId="urn:microsoft.com/office/officeart/2005/8/layout/process1"/>
+    <dgm:cxn modelId="{34A29940-AA3A-47BE-B9CD-344B77CE70BE}" type="presOf" srcId="{2BDF99A4-2CBE-46E1-98E2-3130F2A5B5DB}" destId="{4821226C-F13A-40CD-840B-8D9A0B1566EC}" srcOrd="0" destOrd="3" presId="urn:microsoft.com/office/officeart/2005/8/layout/process1"/>
+    <dgm:cxn modelId="{E7A7285B-53A1-4E57-A4BB-DBFF9A77FBAE}" srcId="{8A6ED75C-6150-413D-BD6D-D4956F604EB0}" destId="{7B6A81B8-DBDA-447A-92DA-CD9F5EEA2112}" srcOrd="2" destOrd="0" parTransId="{BA097BD8-D910-4B90-A7D7-23BC634A02E6}" sibTransId="{51A907C5-E281-43B8-8AE3-1C208DB91163}"/>
+    <dgm:cxn modelId="{25062D5F-AF85-4B0A-AE98-2E47F5FDC55F}" srcId="{FD7E0C58-0C74-43D2-9BEF-3627768EF5B5}" destId="{2BDF99A4-2CBE-46E1-98E2-3130F2A5B5DB}" srcOrd="2" destOrd="0" parTransId="{DB9128EE-0CB6-4CA2-AAEE-30FADFF8B329}" sibTransId="{D7318AF0-17A3-4CD1-A236-A970A4125DC5}"/>
+    <dgm:cxn modelId="{EED1D16A-D5D9-46E8-AFD6-5EB2622B321C}" srcId="{8A6ED75C-6150-413D-BD6D-D4956F604EB0}" destId="{F6C3CE1A-A0F9-4B1B-8D1C-8C992AD20024}" srcOrd="3" destOrd="0" parTransId="{6FDDB593-BD04-448C-AA81-CC6A888F398B}" sibTransId="{1B23176B-0992-439C-91E2-8FC359B93A5F}"/>
+    <dgm:cxn modelId="{7489826D-7F9B-4A73-9442-50CAD5F30167}" srcId="{CA084AD2-D027-4EA7-8DC5-5B53E0A2B05E}" destId="{FD7E0C58-0C74-43D2-9BEF-3627768EF5B5}" srcOrd="2" destOrd="0" parTransId="{0A3AD12B-E841-4B2C-ACF8-8F6FD9C7ABFD}" sibTransId="{C2462F05-F198-4F1D-8BAA-970A7EF220F0}"/>
+    <dgm:cxn modelId="{1BB29254-8CFB-4420-932E-1CBC64D11C1C}" type="presOf" srcId="{F6C3CE1A-A0F9-4B1B-8D1C-8C992AD20024}" destId="{AC90CF62-0B45-434E-A998-C40B5051C043}" srcOrd="0" destOrd="4" presId="urn:microsoft.com/office/officeart/2005/8/layout/process1"/>
+    <dgm:cxn modelId="{22D92D7E-2E63-4EE9-A967-503DCF352111}" srcId="{FDDD20CA-B34D-420D-842E-747DDD2CD8D1}" destId="{E10F4BF8-05C6-41CE-8723-5AC23A52DE7F}" srcOrd="0" destOrd="0" parTransId="{01B99EAC-FB3C-4A61-A7A7-3BA54E91EFB2}" sibTransId="{2D50BB5B-AF5A-44EA-A6C0-E15CB408142A}"/>
+    <dgm:cxn modelId="{93C09182-2A45-478E-94F4-DB9D9DB01AC0}" type="presOf" srcId="{2DEDB37C-3AE0-4E42-A8A8-656A5591802E}" destId="{4821226C-F13A-40CD-840B-8D9A0B1566EC}" srcOrd="0" destOrd="2" presId="urn:microsoft.com/office/officeart/2005/8/layout/process1"/>
+    <dgm:cxn modelId="{2DF79684-A2E7-4285-9762-637684FD150D}" type="presOf" srcId="{FDDD20CA-B34D-420D-842E-747DDD2CD8D1}" destId="{5907A61D-6F7E-4BC2-A692-33AE7D3D2641}" srcOrd="0" destOrd="0" presId="urn:microsoft.com/office/officeart/2005/8/layout/process1"/>
+    <dgm:cxn modelId="{6D275688-636C-4CB2-AC5B-CB38769CF72F}" type="presOf" srcId="{D1E07030-5B6A-46BB-9612-FE2D43875C1B}" destId="{1C51752B-DE1E-4BB9-BCCA-3EA78CC13BCC}" srcOrd="0" destOrd="0" presId="urn:microsoft.com/office/officeart/2005/8/layout/process1"/>
+    <dgm:cxn modelId="{655BA689-7A43-4200-A637-1D49824FEBF8}" type="presOf" srcId="{36A8DB2C-0877-4EB0-91E0-4770F54C8894}" destId="{5907A61D-6F7E-4BC2-A692-33AE7D3D2641}" srcOrd="0" destOrd="4" presId="urn:microsoft.com/office/officeart/2005/8/layout/process1"/>
+    <dgm:cxn modelId="{80422A9E-222D-44EF-98B3-F86B9505CA06}" type="presOf" srcId="{1D24DAF8-3EA9-4FCB-A833-12FF21A4AB64}" destId="{D019D1B9-4046-4C50-AC37-BF2A7E0D51E4}" srcOrd="0" destOrd="0" presId="urn:microsoft.com/office/officeart/2005/8/layout/process1"/>
+    <dgm:cxn modelId="{349F9DA3-501D-4743-980A-21C82A0A188B}" type="presOf" srcId="{3E974CAF-C036-4DE0-9177-5EA1180F2325}" destId="{5907A61D-6F7E-4BC2-A692-33AE7D3D2641}" srcOrd="0" destOrd="2" presId="urn:microsoft.com/office/officeart/2005/8/layout/process1"/>
+    <dgm:cxn modelId="{171359A8-6714-4302-BB6E-A184D3C25DA6}" srcId="{FDDD20CA-B34D-420D-842E-747DDD2CD8D1}" destId="{3E974CAF-C036-4DE0-9177-5EA1180F2325}" srcOrd="1" destOrd="0" parTransId="{1F855133-4422-42B7-A5B4-F93092E9F67C}" sibTransId="{40105E60-8CC7-4405-8CDB-F89B84297A74}"/>
+    <dgm:cxn modelId="{BD111FAE-4D7A-4D5A-A851-67C3135E9431}" srcId="{FDDD20CA-B34D-420D-842E-747DDD2CD8D1}" destId="{36A8DB2C-0877-4EB0-91E0-4770F54C8894}" srcOrd="3" destOrd="0" parTransId="{56ACF03E-DF26-4EF9-BFDA-260695C88A51}" sibTransId="{DB2F3DD1-F269-407B-87C0-2651ED1B7DF4}"/>
+    <dgm:cxn modelId="{FAFF56B2-253A-433D-9DAF-DC3B56723B23}" srcId="{8A6ED75C-6150-413D-BD6D-D4956F604EB0}" destId="{1D85AFC4-97BE-4F13-9200-182EC55C5D6C}" srcOrd="0" destOrd="0" parTransId="{2799D719-105F-4A61-928D-EA506EA7E2A5}" sibTransId="{10D69318-29F8-42FF-A1AC-8A0434993C67}"/>
+    <dgm:cxn modelId="{7D6CCBB3-E291-4FFD-B5F8-9B63C9612E54}" type="presOf" srcId="{FD7E0C58-0C74-43D2-9BEF-3627768EF5B5}" destId="{4821226C-F13A-40CD-840B-8D9A0B1566EC}" srcOrd="0" destOrd="0" presId="urn:microsoft.com/office/officeart/2005/8/layout/process1"/>
+    <dgm:cxn modelId="{E0DC6CB4-03C0-4D8D-A281-0BCBC3077F30}" srcId="{CA084AD2-D027-4EA7-8DC5-5B53E0A2B05E}" destId="{FDDD20CA-B34D-420D-842E-747DDD2CD8D1}" srcOrd="0" destOrd="0" parTransId="{4846D083-D5E6-4BCE-957A-175F5AC51CCA}" sibTransId="{1D24DAF8-3EA9-4FCB-A833-12FF21A4AB64}"/>
+    <dgm:cxn modelId="{B2F08CB7-007A-4CF1-A1AB-31F6A9F1B4FA}" type="presOf" srcId="{D1E07030-5B6A-46BB-9612-FE2D43875C1B}" destId="{B5B1EC28-546E-4307-9167-39446E1E135F}" srcOrd="1" destOrd="0" presId="urn:microsoft.com/office/officeart/2005/8/layout/process1"/>
+    <dgm:cxn modelId="{453741C0-67E3-4098-B243-33403CA01B76}" type="presOf" srcId="{E7607F56-7F54-4FF8-814C-9A2066C3EB88}" destId="{5907A61D-6F7E-4BC2-A692-33AE7D3D2641}" srcOrd="0" destOrd="3" presId="urn:microsoft.com/office/officeart/2005/8/layout/process1"/>
+    <dgm:cxn modelId="{4A3012C2-F066-4113-91C1-BA910F94FD58}" type="presOf" srcId="{99D1893F-2EEE-43DA-B444-828B92C6AC0D}" destId="{4821226C-F13A-40CD-840B-8D9A0B1566EC}" srcOrd="0" destOrd="4" presId="urn:microsoft.com/office/officeart/2005/8/layout/process1"/>
+    <dgm:cxn modelId="{F18E41CE-E683-45D2-AA37-BFAF2A5CE446}" srcId="{8A6ED75C-6150-413D-BD6D-D4956F604EB0}" destId="{A18A1E51-A2E9-4253-BEF9-68F42B028D2D}" srcOrd="1" destOrd="0" parTransId="{19E77B53-CBC9-498A-A145-210A89B17957}" sibTransId="{61B2D030-78B2-4477-8021-EE3911471233}"/>
+    <dgm:cxn modelId="{7FFBD6CF-36FA-4720-852C-2E5EEEBA91BE}" type="presOf" srcId="{3DFE0C98-93DA-4194-A07F-CD0F6CDBB4D6}" destId="{4821226C-F13A-40CD-840B-8D9A0B1566EC}" srcOrd="0" destOrd="1" presId="urn:microsoft.com/office/officeart/2005/8/layout/process1"/>
+    <dgm:cxn modelId="{CCB813D1-155D-4358-A333-84C835B05B96}" type="presOf" srcId="{E10F4BF8-05C6-41CE-8723-5AC23A52DE7F}" destId="{5907A61D-6F7E-4BC2-A692-33AE7D3D2641}" srcOrd="0" destOrd="1" presId="urn:microsoft.com/office/officeart/2005/8/layout/process1"/>
+    <dgm:cxn modelId="{B1661AE1-4D3A-496A-A3A8-A6C9172DBFC9}" srcId="{FD7E0C58-0C74-43D2-9BEF-3627768EF5B5}" destId="{2DEDB37C-3AE0-4E42-A8A8-656A5591802E}" srcOrd="1" destOrd="0" parTransId="{32A227B7-EFFC-4990-BE4D-6FCDBFBCF309}" sibTransId="{36920CE1-B94A-45E6-8159-B88FF2FE15CF}"/>
+    <dgm:cxn modelId="{936E31E4-A8BD-4560-BE69-C7485184599D}" type="presOf" srcId="{7B6A81B8-DBDA-447A-92DA-CD9F5EEA2112}" destId="{AC90CF62-0B45-434E-A998-C40B5051C043}" srcOrd="0" destOrd="3" presId="urn:microsoft.com/office/officeart/2005/8/layout/process1"/>
+    <dgm:cxn modelId="{F46584EB-A20D-42FC-BD8C-62064477E6E6}" type="presOf" srcId="{8A6ED75C-6150-413D-BD6D-D4956F604EB0}" destId="{AC90CF62-0B45-434E-A998-C40B5051C043}" srcOrd="0" destOrd="0" presId="urn:microsoft.com/office/officeart/2005/8/layout/process1"/>
+    <dgm:cxn modelId="{797030FF-B13B-4FA2-A46B-F2D1CF00D598}" type="presOf" srcId="{1D85AFC4-97BE-4F13-9200-182EC55C5D6C}" destId="{AC90CF62-0B45-434E-A998-C40B5051C043}" srcOrd="0" destOrd="1" presId="urn:microsoft.com/office/officeart/2005/8/layout/process1"/>
+    <dgm:cxn modelId="{DB22AF78-B84D-4830-9834-E75E790BC459}" type="presParOf" srcId="{C4CFC990-BFA1-43CD-9260-2E1BBE5B1278}" destId="{5907A61D-6F7E-4BC2-A692-33AE7D3D2641}" srcOrd="0" destOrd="0" presId="urn:microsoft.com/office/officeart/2005/8/layout/process1"/>
+    <dgm:cxn modelId="{8F21D700-28A9-402B-8649-1AA3E340C004}" type="presParOf" srcId="{C4CFC990-BFA1-43CD-9260-2E1BBE5B1278}" destId="{D019D1B9-4046-4C50-AC37-BF2A7E0D51E4}" srcOrd="1" destOrd="0" presId="urn:microsoft.com/office/officeart/2005/8/layout/process1"/>
+    <dgm:cxn modelId="{66043C8D-7C54-48D8-99AC-2AA2D0CFC148}" type="presParOf" srcId="{D019D1B9-4046-4C50-AC37-BF2A7E0D51E4}" destId="{2DA4AC81-219C-40B6-9B16-2FEA5DA60684}" srcOrd="0" destOrd="0" presId="urn:microsoft.com/office/officeart/2005/8/layout/process1"/>
+    <dgm:cxn modelId="{2B5A8EED-A929-4288-9523-00091C105A2A}" type="presParOf" srcId="{C4CFC990-BFA1-43CD-9260-2E1BBE5B1278}" destId="{AC90CF62-0B45-434E-A998-C40B5051C043}" srcOrd="2" destOrd="0" presId="urn:microsoft.com/office/officeart/2005/8/layout/process1"/>
+    <dgm:cxn modelId="{787DF79E-75A7-471F-86B1-5852D75F1BB1}" type="presParOf" srcId="{C4CFC990-BFA1-43CD-9260-2E1BBE5B1278}" destId="{1C51752B-DE1E-4BB9-BCCA-3EA78CC13BCC}" srcOrd="3" destOrd="0" presId="urn:microsoft.com/office/officeart/2005/8/layout/process1"/>
+    <dgm:cxn modelId="{A894B13B-C20F-4E3C-9591-AEAB597239CF}" type="presParOf" srcId="{1C51752B-DE1E-4BB9-BCCA-3EA78CC13BCC}" destId="{B5B1EC28-546E-4307-9167-39446E1E135F}" srcOrd="0" destOrd="0" presId="urn:microsoft.com/office/officeart/2005/8/layout/process1"/>
+    <dgm:cxn modelId="{6EB63062-25CC-486C-9A3F-35E0A443641D}" type="presParOf" srcId="{C4CFC990-BFA1-43CD-9260-2E1BBE5B1278}" destId="{4821226C-F13A-40CD-840B-8D9A0B1566EC}" srcOrd="4" destOrd="0" presId="urn:microsoft.com/office/officeart/2005/8/layout/process1"/>
   </dgm:cxnLst>
   <dgm:bg/>
   <dgm:whole/>
@@ -3735,7 +5182,7 @@
             <a:buChar char="•"/>
           </a:pPr>
           <a:r>
-            <a:rPr lang="de-DE" sz="1700" kern="1200" dirty="0">
+            <a:rPr lang="de-DE" sz="1700" kern="1200">
               <a:latin typeface="Meiryo"/>
             </a:rPr>
             <a:t> Krieg macht Import in allen Bereichen (Holz schwieriger)</a:t>
@@ -3755,7 +5202,7 @@
             <a:buChar char="•"/>
           </a:pPr>
           <a:r>
-            <a:rPr lang="de-DE" sz="1700" kern="1200" dirty="0">
+            <a:rPr lang="de-DE" sz="1700" kern="1200">
               <a:latin typeface="Meiryo"/>
             </a:rPr>
             <a:t>Energieeffizienz ist gesetzlich vorgeschrieben</a:t>
@@ -3834,10 +5281,10 @@
             <a:buNone/>
           </a:pPr>
           <a:r>
-            <a:rPr lang="de-DE" sz="1700" kern="1200" dirty="0"/>
+            <a:rPr lang="de-DE" sz="1700" kern="1200"/>
             <a:t>1. Politisch </a:t>
           </a:r>
-          <a:endParaRPr lang="en-US" sz="1700" kern="1200" dirty="0"/>
+          <a:endParaRPr lang="en-US" sz="1700" kern="1200"/>
         </a:p>
       </dsp:txBody>
       <dsp:txXfrm>
@@ -3911,7 +5358,7 @@
             <a:buChar char="•"/>
           </a:pPr>
           <a:r>
-            <a:rPr lang="de-DE" sz="1700" kern="1200" dirty="0">
+            <a:rPr lang="de-DE" sz="1700" kern="1200">
               <a:latin typeface="Meiryo"/>
             </a:rPr>
             <a:t>Hohe Holzpreise aufgrund mangelndem Imports</a:t>
@@ -3931,7 +5378,7 @@
             <a:buChar char="•"/>
           </a:pPr>
           <a:r>
-            <a:rPr lang="de-DE" sz="1700" kern="1200" dirty="0">
+            <a:rPr lang="de-DE" sz="1700" kern="1200">
               <a:latin typeface="Meiryo"/>
             </a:rPr>
             <a:t>Mais auf knapp einem Viertel der Ackerflächen (Deutschland)</a:t>
@@ -4010,10 +5457,10 @@
             <a:buNone/>
           </a:pPr>
           <a:r>
-            <a:rPr lang="de-DE" sz="1700" kern="1200" dirty="0"/>
+            <a:rPr lang="de-DE" sz="1700" kern="1200"/>
             <a:t>2. Ökonomisch</a:t>
           </a:r>
-          <a:endParaRPr lang="en-US" sz="1700" kern="1200" dirty="0"/>
+          <a:endParaRPr lang="en-US" sz="1700" kern="1200"/>
         </a:p>
       </dsp:txBody>
       <dsp:txXfrm>
@@ -4099,12 +5546,12 @@
             <a:buChar char="•"/>
           </a:pPr>
           <a:r>
-            <a:rPr lang="de-DE" sz="2000" kern="1200" dirty="0">
+            <a:rPr lang="de-DE" sz="2000" kern="1200">
               <a:latin typeface="Meiryo"/>
             </a:rPr>
             <a:t>Dämmung immer wichtiger aufgrund hoher Preise</a:t>
           </a:r>
-          <a:endParaRPr lang="de-DE" sz="2000" kern="1200" dirty="0"/>
+          <a:endParaRPr lang="de-DE" sz="2000" kern="1200"/>
         </a:p>
         <a:p>
           <a:pPr marL="228600" lvl="1" indent="-228600" algn="l" defTabSz="889000" rtl="0">
@@ -4120,7 +5567,7 @@
             <a:buChar char="•"/>
           </a:pPr>
           <a:r>
-            <a:rPr lang="de-DE" sz="2000" kern="1200" dirty="0">
+            <a:rPr lang="de-DE" sz="2000" kern="1200">
               <a:latin typeface="Meiryo"/>
             </a:rPr>
             <a:t>Ressourcenschonung als großes Thema in der Gesellschaft</a:t>
@@ -4199,10 +5646,10 @@
             <a:buNone/>
           </a:pPr>
           <a:r>
-            <a:rPr lang="de-DE" sz="2000" kern="1200" dirty="0"/>
+            <a:rPr lang="de-DE" sz="2000" kern="1200"/>
             <a:t>3. Soziokulturell</a:t>
           </a:r>
-          <a:endParaRPr lang="en-US" sz="2000" kern="1200" dirty="0"/>
+          <a:endParaRPr lang="en-US" sz="2000" kern="1200"/>
         </a:p>
       </dsp:txBody>
       <dsp:txXfrm>
@@ -4276,48 +5723,48 @@
             <a:buChar char="•"/>
           </a:pPr>
           <a:r>
-            <a:rPr lang="en-US" sz="2000" kern="1200" dirty="0">
+            <a:rPr lang="en-US" sz="2000" kern="1200">
               <a:latin typeface="Meiryo"/>
             </a:rPr>
             <a:t> </a:t>
           </a:r>
           <a:r>
-            <a:rPr lang="en-US" sz="2000" kern="1200" dirty="0" err="1">
+            <a:rPr lang="en-US" sz="2000" kern="1200" err="1">
               <a:latin typeface="Meiryo"/>
             </a:rPr>
             <a:t>Herkömmliche</a:t>
           </a:r>
           <a:r>
-            <a:rPr lang="en-US" sz="2000" kern="1200" dirty="0">
+            <a:rPr lang="en-US" sz="2000" kern="1200">
               <a:latin typeface="Meiryo"/>
             </a:rPr>
             <a:t> </a:t>
           </a:r>
           <a:r>
-            <a:rPr lang="en-US" sz="2000" kern="1200" dirty="0" err="1">
+            <a:rPr lang="en-US" sz="2000" kern="1200" err="1">
               <a:latin typeface="Meiryo"/>
             </a:rPr>
             <a:t>Spanplatten</a:t>
           </a:r>
           <a:r>
-            <a:rPr lang="en-US" sz="2000" kern="1200" dirty="0">
+            <a:rPr lang="en-US" sz="2000" kern="1200">
               <a:latin typeface="Meiryo"/>
             </a:rPr>
             <a:t> </a:t>
           </a:r>
           <a:r>
-            <a:rPr lang="en-US" sz="2000" kern="1200" dirty="0" err="1">
+            <a:rPr lang="en-US" sz="2000" kern="1200" err="1">
               <a:latin typeface="Meiryo"/>
             </a:rPr>
             <a:t>als</a:t>
           </a:r>
           <a:r>
-            <a:rPr lang="en-US" sz="2000" kern="1200" dirty="0">
+            <a:rPr lang="en-US" sz="2000" kern="1200">
               <a:latin typeface="Meiryo"/>
             </a:rPr>
             <a:t> state-of-the-art</a:t>
           </a:r>
-          <a:endParaRPr lang="en-US" sz="2000" kern="1200" dirty="0"/>
+          <a:endParaRPr lang="en-US" sz="2000" kern="1200"/>
         </a:p>
       </dsp:txBody>
       <dsp:txXfrm>
@@ -4392,14 +5839,14 @@
             <a:buNone/>
           </a:pPr>
           <a:r>
-            <a:rPr lang="de-DE" sz="2000" kern="1200" dirty="0"/>
+            <a:rPr lang="de-DE" sz="2000" kern="1200"/>
             <a:t>4. </a:t>
           </a:r>
           <a:r>
-            <a:rPr lang="de-DE" sz="2000" kern="1200" dirty="0" err="1"/>
+            <a:rPr lang="de-DE" sz="2000" kern="1200" err="1"/>
             <a:t>Technlogisch</a:t>
           </a:r>
-          <a:endParaRPr lang="en-US" sz="2000" kern="1200" dirty="0" err="1"/>
+          <a:endParaRPr lang="en-US" sz="2000" kern="1200" err="1"/>
         </a:p>
       </dsp:txBody>
       <dsp:txXfrm>
@@ -4485,10 +5932,6 @@
             </a:spcAft>
             <a:buNone/>
           </a:pPr>
-          <a:r>
-            <a:rPr lang="de-DE" sz="1800" kern="1200" dirty="0"/>
-            <a:t>1. </a:t>
-          </a:r>
           <a:r>
             <a:rPr lang="de-DE" sz="1800" kern="1200" dirty="0">
               <a:latin typeface="Meiryo"/>
@@ -4604,7 +6047,7 @@
         <a:ext cx="2671911" cy="2709829"/>
       </dsp:txXfrm>
     </dsp:sp>
-    <dsp:sp modelId="{13C61573-A5C9-4833-8524-62B9EE2516C0}">
+    <dsp:sp modelId="{0007FAB6-9DB4-46E8-94EF-A28B8A2D5AE9}">
       <dsp:nvSpPr>
         <dsp:cNvPr id="0" name=""/>
         <dsp:cNvSpPr/>
@@ -4671,16 +6114,12 @@
             <a:buNone/>
           </a:pPr>
           <a:r>
-            <a:rPr lang="de-DE" sz="1800" kern="1200" dirty="0"/>
-            <a:t>2. </a:t>
-          </a:r>
-          <a:r>
             <a:rPr lang="de-DE" sz="1800" kern="1200" dirty="0">
               <a:latin typeface="Meiryo"/>
             </a:rPr>
-            <a:t>zeitlich</a:t>
+            <a:t> zeitlich</a:t>
           </a:r>
-          <a:endParaRPr lang="en-US" sz="1800" kern="1200" dirty="0"/>
+          <a:endParaRPr lang="de-DE" sz="1800" kern="1200" dirty="0"/>
         </a:p>
       </dsp:txBody>
       <dsp:txXfrm>
@@ -4688,7 +6127,7 @@
         <a:ext cx="2671911" cy="569996"/>
       </dsp:txXfrm>
     </dsp:sp>
-    <dsp:sp modelId="{E686B7F2-E268-4B9A-B144-9C83B4B33271}">
+    <dsp:sp modelId="{66A885F1-3BED-4F2C-9BCC-82EBB8337021}">
       <dsp:nvSpPr>
         <dsp:cNvPr id="0" name=""/>
         <dsp:cNvSpPr/>
@@ -4823,7 +6262,7 @@
         </a:bodyPr>
         <a:lstStyle/>
         <a:p>
-          <a:pPr marL="0" lvl="0" indent="0" algn="ctr" defTabSz="800100">
+          <a:pPr marL="0" lvl="0" indent="0" algn="ctr" defTabSz="800100" rtl="0">
             <a:lnSpc>
               <a:spcPct val="90000"/>
             </a:lnSpc>
@@ -4836,8 +6275,14 @@
             <a:buNone/>
           </a:pPr>
           <a:r>
+            <a:rPr lang="de-DE" sz="1800" kern="1200" dirty="0">
+              <a:latin typeface="Meiryo"/>
+            </a:rPr>
+            <a:t> </a:t>
+          </a:r>
+          <a:r>
             <a:rPr lang="de-DE" sz="1800" kern="1200" dirty="0"/>
-            <a:t>3. Sachlich</a:t>
+            <a:t>Sachlich</a:t>
           </a:r>
           <a:endParaRPr lang="en-US" sz="1800" kern="1200" dirty="0"/>
         </a:p>
@@ -4953,7 +6398,7 @@
             </a:spcAft>
             <a:buChar char="•"/>
           </a:pPr>
-          <a:endParaRPr lang="de-DE" sz="1800" kern="1200" dirty="0">
+          <a:endParaRPr lang="de-DE" sz="1800" kern="1200">
             <a:latin typeface="Meiryo"/>
           </a:endParaRPr>
         </a:p>
@@ -4961,6 +6406,808 @@
       <dsp:txXfrm>
         <a:off x="6094698" y="574893"/>
         <a:ext cx="2671911" cy="2709829"/>
+      </dsp:txXfrm>
+    </dsp:sp>
+  </dsp:spTree>
+</dsp:drawing>
+</file>
+
+<file path=ppt/diagrams/drawing4.xml><?xml version="1.0" encoding="utf-8"?>
+<dsp:drawing xmlns:dgm="http://schemas.openxmlformats.org/drawingml/2006/diagram" xmlns:dsp="http://schemas.microsoft.com/office/drawing/2008/diagram" xmlns:a="http://schemas.openxmlformats.org/drawingml/2006/main">
+  <dsp:spTree>
+    <dsp:nvGrpSpPr>
+      <dsp:cNvPr id="0" name=""/>
+      <dsp:cNvGrpSpPr/>
+    </dsp:nvGrpSpPr>
+    <dsp:grpSpPr/>
+    <dsp:sp modelId="{5907A61D-6F7E-4BC2-A692-33AE7D3D2641}">
+      <dsp:nvSpPr>
+        <dsp:cNvPr id="0" name=""/>
+        <dsp:cNvSpPr/>
+      </dsp:nvSpPr>
+      <dsp:spPr>
+        <a:xfrm>
+          <a:off x="7375" y="451912"/>
+          <a:ext cx="2204530" cy="1942742"/>
+        </a:xfrm>
+        <a:prstGeom prst="roundRect">
+          <a:avLst>
+            <a:gd name="adj" fmla="val 10000"/>
+          </a:avLst>
+        </a:prstGeom>
+        <a:gradFill rotWithShape="0">
+          <a:gsLst>
+            <a:gs pos="0">
+              <a:schemeClr val="accent2">
+                <a:hueOff val="0"/>
+                <a:satOff val="0"/>
+                <a:lumOff val="0"/>
+                <a:alphaOff val="0"/>
+                <a:tint val="94000"/>
+                <a:satMod val="103000"/>
+                <a:lumMod val="102000"/>
+              </a:schemeClr>
+            </a:gs>
+            <a:gs pos="50000">
+              <a:schemeClr val="accent2">
+                <a:hueOff val="0"/>
+                <a:satOff val="0"/>
+                <a:lumOff val="0"/>
+                <a:alphaOff val="0"/>
+                <a:shade val="100000"/>
+                <a:satMod val="110000"/>
+                <a:lumMod val="100000"/>
+              </a:schemeClr>
+            </a:gs>
+            <a:gs pos="100000">
+              <a:schemeClr val="accent2">
+                <a:hueOff val="0"/>
+                <a:satOff val="0"/>
+                <a:lumOff val="0"/>
+                <a:alphaOff val="0"/>
+                <a:shade val="70000"/>
+                <a:satMod val="120000"/>
+                <a:lumMod val="99000"/>
+              </a:schemeClr>
+            </a:gs>
+          </a:gsLst>
+          <a:path path="circle">
+            <a:fillToRect l="100000" t="100000" r="100000" b="100000"/>
+          </a:path>
+        </a:gradFill>
+        <a:ln>
+          <a:noFill/>
+        </a:ln>
+        <a:effectLst>
+          <a:outerShdw blurRad="57150" dist="25400" dir="5400000" algn="ctr" rotWithShape="0">
+            <a:srgbClr val="000000">
+              <a:alpha val="20000"/>
+            </a:srgbClr>
+          </a:outerShdw>
+        </a:effectLst>
+      </dsp:spPr>
+      <dsp:style>
+        <a:lnRef idx="0">
+          <a:scrgbClr r="0" g="0" b="0"/>
+        </a:lnRef>
+        <a:fillRef idx="3">
+          <a:scrgbClr r="0" g="0" b="0"/>
+        </a:fillRef>
+        <a:effectRef idx="3">
+          <a:scrgbClr r="0" g="0" b="0"/>
+        </a:effectRef>
+        <a:fontRef idx="minor">
+          <a:schemeClr val="lt1"/>
+        </a:fontRef>
+      </dsp:style>
+      <dsp:txBody>
+        <a:bodyPr spcFirstLastPara="0" vert="horz" wrap="square" lIns="60960" tIns="60960" rIns="60960" bIns="60960" numCol="1" spcCol="1270" anchor="t" anchorCtr="0">
+          <a:noAutofit/>
+        </a:bodyPr>
+        <a:lstStyle/>
+        <a:p>
+          <a:pPr marL="0" lvl="0" indent="0" algn="l" defTabSz="711200" rtl="0">
+            <a:lnSpc>
+              <a:spcPct val="90000"/>
+            </a:lnSpc>
+            <a:spcBef>
+              <a:spcPct val="0"/>
+            </a:spcBef>
+            <a:spcAft>
+              <a:spcPct val="35000"/>
+            </a:spcAft>
+            <a:buNone/>
+          </a:pPr>
+          <a:r>
+            <a:rPr lang="de-DE" sz="1600" kern="1200" dirty="0">
+              <a:latin typeface="Meiryo"/>
+            </a:rPr>
+            <a:t> Produktmerkmale </a:t>
+          </a:r>
+          <a:endParaRPr lang="de-DE" sz="1600" kern="1200" dirty="0"/>
+        </a:p>
+        <a:p>
+          <a:pPr marL="114300" lvl="1" indent="-114300" algn="l" defTabSz="533400" rtl="0">
+            <a:lnSpc>
+              <a:spcPct val="90000"/>
+            </a:lnSpc>
+            <a:spcBef>
+              <a:spcPct val="0"/>
+            </a:spcBef>
+            <a:spcAft>
+              <a:spcPct val="15000"/>
+            </a:spcAft>
+            <a:buChar char="•"/>
+          </a:pPr>
+          <a:r>
+            <a:rPr lang="de-DE" sz="1200" kern="1200" dirty="0">
+              <a:latin typeface="Meiryo"/>
+            </a:rPr>
+            <a:t>leicht</a:t>
+          </a:r>
+        </a:p>
+        <a:p>
+          <a:pPr marL="114300" lvl="1" indent="-114300" algn="l" defTabSz="533400" rtl="0">
+            <a:lnSpc>
+              <a:spcPct val="90000"/>
+            </a:lnSpc>
+            <a:spcBef>
+              <a:spcPct val="0"/>
+            </a:spcBef>
+            <a:spcAft>
+              <a:spcPct val="15000"/>
+            </a:spcAft>
+            <a:buChar char="•"/>
+          </a:pPr>
+          <a:r>
+            <a:rPr lang="de-DE" sz="1200" kern="1200" dirty="0">
+              <a:latin typeface="Meiryo"/>
+            </a:rPr>
+            <a:t>Stabil &amp; feuerfest</a:t>
+          </a:r>
+        </a:p>
+        <a:p>
+          <a:pPr marL="114300" lvl="1" indent="-114300" algn="l" defTabSz="533400" rtl="0">
+            <a:lnSpc>
+              <a:spcPct val="90000"/>
+            </a:lnSpc>
+            <a:spcBef>
+              <a:spcPct val="0"/>
+            </a:spcBef>
+            <a:spcAft>
+              <a:spcPct val="15000"/>
+            </a:spcAft>
+            <a:buChar char="•"/>
+          </a:pPr>
+          <a:r>
+            <a:rPr lang="de-DE" sz="1200" kern="1200" dirty="0">
+              <a:latin typeface="Meiryo"/>
+            </a:rPr>
+            <a:t>Dämmend</a:t>
+          </a:r>
+        </a:p>
+        <a:p>
+          <a:pPr marL="114300" lvl="1" indent="-114300" algn="l" defTabSz="533400">
+            <a:lnSpc>
+              <a:spcPct val="90000"/>
+            </a:lnSpc>
+            <a:spcBef>
+              <a:spcPct val="0"/>
+            </a:spcBef>
+            <a:spcAft>
+              <a:spcPct val="15000"/>
+            </a:spcAft>
+            <a:buChar char="•"/>
+          </a:pPr>
+          <a:r>
+            <a:rPr lang="de-DE" sz="1200" kern="1200" dirty="0">
+              <a:latin typeface="Meiryo"/>
+            </a:rPr>
+            <a:t>ressourcenschonend</a:t>
+          </a:r>
+        </a:p>
+      </dsp:txBody>
+      <dsp:txXfrm>
+        <a:off x="64276" y="508813"/>
+        <a:ext cx="2090728" cy="1828940"/>
+      </dsp:txXfrm>
+    </dsp:sp>
+    <dsp:sp modelId="{D019D1B9-4046-4C50-AC37-BF2A7E0D51E4}">
+      <dsp:nvSpPr>
+        <dsp:cNvPr id="0" name=""/>
+        <dsp:cNvSpPr/>
+      </dsp:nvSpPr>
+      <dsp:spPr>
+        <a:xfrm>
+          <a:off x="2432359" y="1149921"/>
+          <a:ext cx="467360" cy="546723"/>
+        </a:xfrm>
+        <a:prstGeom prst="rightArrow">
+          <a:avLst>
+            <a:gd name="adj1" fmla="val 60000"/>
+            <a:gd name="adj2" fmla="val 50000"/>
+          </a:avLst>
+        </a:prstGeom>
+        <a:gradFill rotWithShape="0">
+          <a:gsLst>
+            <a:gs pos="0">
+              <a:schemeClr val="accent2">
+                <a:hueOff val="0"/>
+                <a:satOff val="0"/>
+                <a:lumOff val="0"/>
+                <a:alphaOff val="0"/>
+                <a:tint val="94000"/>
+                <a:satMod val="103000"/>
+                <a:lumMod val="102000"/>
+              </a:schemeClr>
+            </a:gs>
+            <a:gs pos="50000">
+              <a:schemeClr val="accent2">
+                <a:hueOff val="0"/>
+                <a:satOff val="0"/>
+                <a:lumOff val="0"/>
+                <a:alphaOff val="0"/>
+                <a:shade val="100000"/>
+                <a:satMod val="110000"/>
+                <a:lumMod val="100000"/>
+              </a:schemeClr>
+            </a:gs>
+            <a:gs pos="100000">
+              <a:schemeClr val="accent2">
+                <a:hueOff val="0"/>
+                <a:satOff val="0"/>
+                <a:lumOff val="0"/>
+                <a:alphaOff val="0"/>
+                <a:shade val="70000"/>
+                <a:satMod val="120000"/>
+                <a:lumMod val="99000"/>
+              </a:schemeClr>
+            </a:gs>
+          </a:gsLst>
+          <a:path path="circle">
+            <a:fillToRect l="100000" t="100000" r="100000" b="100000"/>
+          </a:path>
+        </a:gradFill>
+        <a:ln>
+          <a:noFill/>
+        </a:ln>
+        <a:effectLst>
+          <a:outerShdw blurRad="57150" dist="25400" dir="5400000" algn="ctr" rotWithShape="0">
+            <a:srgbClr val="000000">
+              <a:alpha val="20000"/>
+            </a:srgbClr>
+          </a:outerShdw>
+        </a:effectLst>
+      </dsp:spPr>
+      <dsp:style>
+        <a:lnRef idx="0">
+          <a:scrgbClr r="0" g="0" b="0"/>
+        </a:lnRef>
+        <a:fillRef idx="3">
+          <a:scrgbClr r="0" g="0" b="0"/>
+        </a:fillRef>
+        <a:effectRef idx="3">
+          <a:scrgbClr r="0" g="0" b="0"/>
+        </a:effectRef>
+        <a:fontRef idx="minor">
+          <a:schemeClr val="lt1"/>
+        </a:fontRef>
+      </dsp:style>
+      <dsp:txBody>
+        <a:bodyPr spcFirstLastPara="0" vert="horz" wrap="square" lIns="0" tIns="0" rIns="0" bIns="0" numCol="1" spcCol="1270" anchor="ctr" anchorCtr="0">
+          <a:noAutofit/>
+        </a:bodyPr>
+        <a:lstStyle/>
+        <a:p>
+          <a:pPr marL="0" lvl="0" indent="0" algn="ctr" defTabSz="577850">
+            <a:lnSpc>
+              <a:spcPct val="90000"/>
+            </a:lnSpc>
+            <a:spcBef>
+              <a:spcPct val="0"/>
+            </a:spcBef>
+            <a:spcAft>
+              <a:spcPct val="35000"/>
+            </a:spcAft>
+            <a:buNone/>
+          </a:pPr>
+          <a:endParaRPr lang="de-DE" sz="1300" kern="1200"/>
+        </a:p>
+      </dsp:txBody>
+      <dsp:txXfrm>
+        <a:off x="2432359" y="1259266"/>
+        <a:ext cx="327152" cy="328033"/>
+      </dsp:txXfrm>
+    </dsp:sp>
+    <dsp:sp modelId="{AC90CF62-0B45-434E-A998-C40B5051C043}">
+      <dsp:nvSpPr>
+        <dsp:cNvPr id="0" name=""/>
+        <dsp:cNvSpPr/>
+      </dsp:nvSpPr>
+      <dsp:spPr>
+        <a:xfrm>
+          <a:off x="3093718" y="451912"/>
+          <a:ext cx="2204530" cy="1942742"/>
+        </a:xfrm>
+        <a:prstGeom prst="roundRect">
+          <a:avLst>
+            <a:gd name="adj" fmla="val 10000"/>
+          </a:avLst>
+        </a:prstGeom>
+        <a:gradFill rotWithShape="0">
+          <a:gsLst>
+            <a:gs pos="0">
+              <a:schemeClr val="accent3">
+                <a:hueOff val="0"/>
+                <a:satOff val="0"/>
+                <a:lumOff val="0"/>
+                <a:alphaOff val="0"/>
+                <a:tint val="94000"/>
+                <a:satMod val="103000"/>
+                <a:lumMod val="102000"/>
+              </a:schemeClr>
+            </a:gs>
+            <a:gs pos="50000">
+              <a:schemeClr val="accent3">
+                <a:hueOff val="0"/>
+                <a:satOff val="0"/>
+                <a:lumOff val="0"/>
+                <a:alphaOff val="0"/>
+                <a:shade val="100000"/>
+                <a:satMod val="110000"/>
+                <a:lumMod val="100000"/>
+              </a:schemeClr>
+            </a:gs>
+            <a:gs pos="100000">
+              <a:schemeClr val="accent3">
+                <a:hueOff val="0"/>
+                <a:satOff val="0"/>
+                <a:lumOff val="0"/>
+                <a:alphaOff val="0"/>
+                <a:shade val="70000"/>
+                <a:satMod val="120000"/>
+                <a:lumMod val="99000"/>
+              </a:schemeClr>
+            </a:gs>
+          </a:gsLst>
+          <a:path path="circle">
+            <a:fillToRect l="100000" t="100000" r="100000" b="100000"/>
+          </a:path>
+        </a:gradFill>
+        <a:ln>
+          <a:noFill/>
+        </a:ln>
+        <a:effectLst>
+          <a:outerShdw blurRad="57150" dist="25400" dir="5400000" algn="ctr" rotWithShape="0">
+            <a:srgbClr val="000000">
+              <a:alpha val="20000"/>
+            </a:srgbClr>
+          </a:outerShdw>
+        </a:effectLst>
+      </dsp:spPr>
+      <dsp:style>
+        <a:lnRef idx="0">
+          <a:scrgbClr r="0" g="0" b="0"/>
+        </a:lnRef>
+        <a:fillRef idx="3">
+          <a:scrgbClr r="0" g="0" b="0"/>
+        </a:fillRef>
+        <a:effectRef idx="3">
+          <a:scrgbClr r="0" g="0" b="0"/>
+        </a:effectRef>
+        <a:fontRef idx="minor">
+          <a:schemeClr val="lt1"/>
+        </a:fontRef>
+      </dsp:style>
+      <dsp:txBody>
+        <a:bodyPr spcFirstLastPara="0" vert="horz" wrap="square" lIns="60960" tIns="60960" rIns="60960" bIns="60960" numCol="1" spcCol="1270" anchor="t" anchorCtr="0">
+          <a:noAutofit/>
+        </a:bodyPr>
+        <a:lstStyle/>
+        <a:p>
+          <a:pPr marL="0" lvl="0" indent="0" algn="l" defTabSz="711200" rtl="0">
+            <a:lnSpc>
+              <a:spcPct val="90000"/>
+            </a:lnSpc>
+            <a:spcBef>
+              <a:spcPct val="0"/>
+            </a:spcBef>
+            <a:spcAft>
+              <a:spcPct val="35000"/>
+            </a:spcAft>
+            <a:buNone/>
+          </a:pPr>
+          <a:r>
+            <a:rPr lang="de-DE" sz="1600" kern="1200" dirty="0">
+              <a:latin typeface="Meiryo"/>
+            </a:rPr>
+            <a:t> Produktvorteile </a:t>
+          </a:r>
+          <a:endParaRPr lang="de-DE" sz="1600" kern="1200" dirty="0"/>
+        </a:p>
+        <a:p>
+          <a:pPr marL="114300" lvl="1" indent="-114300" algn="l" defTabSz="533400" rtl="0">
+            <a:lnSpc>
+              <a:spcPct val="90000"/>
+            </a:lnSpc>
+            <a:spcBef>
+              <a:spcPct val="0"/>
+            </a:spcBef>
+            <a:spcAft>
+              <a:spcPct val="15000"/>
+            </a:spcAft>
+            <a:buChar char="•"/>
+          </a:pPr>
+          <a:r>
+            <a:rPr lang="de-DE" sz="1200" kern="1200" dirty="0">
+              <a:latin typeface="Meiryo"/>
+            </a:rPr>
+            <a:t>Gute Handhabung</a:t>
+          </a:r>
+        </a:p>
+        <a:p>
+          <a:pPr marL="114300" lvl="1" indent="-114300" algn="l" defTabSz="533400" rtl="0">
+            <a:lnSpc>
+              <a:spcPct val="90000"/>
+            </a:lnSpc>
+            <a:spcBef>
+              <a:spcPct val="0"/>
+            </a:spcBef>
+            <a:spcAft>
+              <a:spcPct val="15000"/>
+            </a:spcAft>
+            <a:buChar char="•"/>
+          </a:pPr>
+          <a:r>
+            <a:rPr lang="de-DE" sz="1200" kern="1200" dirty="0">
+              <a:latin typeface="Meiryo"/>
+            </a:rPr>
+            <a:t>Lange Nutzbarkeit</a:t>
+          </a:r>
+        </a:p>
+        <a:p>
+          <a:pPr marL="114300" lvl="1" indent="-114300" algn="l" defTabSz="533400">
+            <a:lnSpc>
+              <a:spcPct val="90000"/>
+            </a:lnSpc>
+            <a:spcBef>
+              <a:spcPct val="0"/>
+            </a:spcBef>
+            <a:spcAft>
+              <a:spcPct val="15000"/>
+            </a:spcAft>
+            <a:buChar char="•"/>
+          </a:pPr>
+          <a:r>
+            <a:rPr lang="de-DE" sz="1200" kern="1200" dirty="0">
+              <a:latin typeface="Meiryo"/>
+            </a:rPr>
+            <a:t>Energiesparmöglichkeit</a:t>
+          </a:r>
+        </a:p>
+        <a:p>
+          <a:pPr marL="114300" lvl="1" indent="-114300" algn="l" defTabSz="533400">
+            <a:lnSpc>
+              <a:spcPct val="90000"/>
+            </a:lnSpc>
+            <a:spcBef>
+              <a:spcPct val="0"/>
+            </a:spcBef>
+            <a:spcAft>
+              <a:spcPct val="15000"/>
+            </a:spcAft>
+            <a:buChar char="•"/>
+          </a:pPr>
+          <a:r>
+            <a:rPr lang="de-DE" sz="1200" kern="1200" dirty="0">
+              <a:latin typeface="Meiryo"/>
+            </a:rPr>
+            <a:t>Umweltfreundlich</a:t>
+          </a:r>
+        </a:p>
+      </dsp:txBody>
+      <dsp:txXfrm>
+        <a:off x="3150619" y="508813"/>
+        <a:ext cx="2090728" cy="1828940"/>
+      </dsp:txXfrm>
+    </dsp:sp>
+    <dsp:sp modelId="{1C51752B-DE1E-4BB9-BCCA-3EA78CC13BCC}">
+      <dsp:nvSpPr>
+        <dsp:cNvPr id="0" name=""/>
+        <dsp:cNvSpPr/>
+      </dsp:nvSpPr>
+      <dsp:spPr>
+        <a:xfrm>
+          <a:off x="5518701" y="1149921"/>
+          <a:ext cx="467360" cy="546723"/>
+        </a:xfrm>
+        <a:prstGeom prst="rightArrow">
+          <a:avLst>
+            <a:gd name="adj1" fmla="val 60000"/>
+            <a:gd name="adj2" fmla="val 50000"/>
+          </a:avLst>
+        </a:prstGeom>
+        <a:gradFill rotWithShape="0">
+          <a:gsLst>
+            <a:gs pos="0">
+              <a:schemeClr val="accent3">
+                <a:hueOff val="0"/>
+                <a:satOff val="0"/>
+                <a:lumOff val="0"/>
+                <a:alphaOff val="0"/>
+                <a:tint val="94000"/>
+                <a:satMod val="103000"/>
+                <a:lumMod val="102000"/>
+              </a:schemeClr>
+            </a:gs>
+            <a:gs pos="50000">
+              <a:schemeClr val="accent3">
+                <a:hueOff val="0"/>
+                <a:satOff val="0"/>
+                <a:lumOff val="0"/>
+                <a:alphaOff val="0"/>
+                <a:shade val="100000"/>
+                <a:satMod val="110000"/>
+                <a:lumMod val="100000"/>
+              </a:schemeClr>
+            </a:gs>
+            <a:gs pos="100000">
+              <a:schemeClr val="accent3">
+                <a:hueOff val="0"/>
+                <a:satOff val="0"/>
+                <a:lumOff val="0"/>
+                <a:alphaOff val="0"/>
+                <a:shade val="70000"/>
+                <a:satMod val="120000"/>
+                <a:lumMod val="99000"/>
+              </a:schemeClr>
+            </a:gs>
+          </a:gsLst>
+          <a:path path="circle">
+            <a:fillToRect l="100000" t="100000" r="100000" b="100000"/>
+          </a:path>
+        </a:gradFill>
+        <a:ln>
+          <a:noFill/>
+        </a:ln>
+        <a:effectLst>
+          <a:outerShdw blurRad="57150" dist="25400" dir="5400000" algn="ctr" rotWithShape="0">
+            <a:srgbClr val="000000">
+              <a:alpha val="20000"/>
+            </a:srgbClr>
+          </a:outerShdw>
+        </a:effectLst>
+      </dsp:spPr>
+      <dsp:style>
+        <a:lnRef idx="0">
+          <a:scrgbClr r="0" g="0" b="0"/>
+        </a:lnRef>
+        <a:fillRef idx="3">
+          <a:scrgbClr r="0" g="0" b="0"/>
+        </a:fillRef>
+        <a:effectRef idx="3">
+          <a:scrgbClr r="0" g="0" b="0"/>
+        </a:effectRef>
+        <a:fontRef idx="minor">
+          <a:schemeClr val="lt1"/>
+        </a:fontRef>
+      </dsp:style>
+      <dsp:txBody>
+        <a:bodyPr spcFirstLastPara="0" vert="horz" wrap="square" lIns="0" tIns="0" rIns="0" bIns="0" numCol="1" spcCol="1270" anchor="ctr" anchorCtr="0">
+          <a:noAutofit/>
+        </a:bodyPr>
+        <a:lstStyle/>
+        <a:p>
+          <a:pPr marL="0" lvl="0" indent="0" algn="ctr" defTabSz="577850">
+            <a:lnSpc>
+              <a:spcPct val="90000"/>
+            </a:lnSpc>
+            <a:spcBef>
+              <a:spcPct val="0"/>
+            </a:spcBef>
+            <a:spcAft>
+              <a:spcPct val="35000"/>
+            </a:spcAft>
+            <a:buNone/>
+          </a:pPr>
+          <a:endParaRPr lang="de-DE" sz="1300" kern="1200"/>
+        </a:p>
+      </dsp:txBody>
+      <dsp:txXfrm>
+        <a:off x="5518701" y="1259266"/>
+        <a:ext cx="327152" cy="328033"/>
+      </dsp:txXfrm>
+    </dsp:sp>
+    <dsp:sp modelId="{4821226C-F13A-40CD-840B-8D9A0B1566EC}">
+      <dsp:nvSpPr>
+        <dsp:cNvPr id="0" name=""/>
+        <dsp:cNvSpPr/>
+      </dsp:nvSpPr>
+      <dsp:spPr>
+        <a:xfrm>
+          <a:off x="6180060" y="451912"/>
+          <a:ext cx="2204530" cy="1942742"/>
+        </a:xfrm>
+        <a:prstGeom prst="roundRect">
+          <a:avLst>
+            <a:gd name="adj" fmla="val 10000"/>
+          </a:avLst>
+        </a:prstGeom>
+        <a:gradFill rotWithShape="0">
+          <a:gsLst>
+            <a:gs pos="0">
+              <a:schemeClr val="accent4">
+                <a:hueOff val="0"/>
+                <a:satOff val="0"/>
+                <a:lumOff val="0"/>
+                <a:alphaOff val="0"/>
+                <a:tint val="94000"/>
+                <a:satMod val="103000"/>
+                <a:lumMod val="102000"/>
+              </a:schemeClr>
+            </a:gs>
+            <a:gs pos="50000">
+              <a:schemeClr val="accent4">
+                <a:hueOff val="0"/>
+                <a:satOff val="0"/>
+                <a:lumOff val="0"/>
+                <a:alphaOff val="0"/>
+                <a:shade val="100000"/>
+                <a:satMod val="110000"/>
+                <a:lumMod val="100000"/>
+              </a:schemeClr>
+            </a:gs>
+            <a:gs pos="100000">
+              <a:schemeClr val="accent4">
+                <a:hueOff val="0"/>
+                <a:satOff val="0"/>
+                <a:lumOff val="0"/>
+                <a:alphaOff val="0"/>
+                <a:shade val="70000"/>
+                <a:satMod val="120000"/>
+                <a:lumMod val="99000"/>
+              </a:schemeClr>
+            </a:gs>
+          </a:gsLst>
+          <a:path path="circle">
+            <a:fillToRect l="100000" t="100000" r="100000" b="100000"/>
+          </a:path>
+        </a:gradFill>
+        <a:ln>
+          <a:noFill/>
+        </a:ln>
+        <a:effectLst>
+          <a:outerShdw blurRad="57150" dist="25400" dir="5400000" algn="ctr" rotWithShape="0">
+            <a:srgbClr val="000000">
+              <a:alpha val="20000"/>
+            </a:srgbClr>
+          </a:outerShdw>
+        </a:effectLst>
+      </dsp:spPr>
+      <dsp:style>
+        <a:lnRef idx="0">
+          <a:scrgbClr r="0" g="0" b="0"/>
+        </a:lnRef>
+        <a:fillRef idx="3">
+          <a:scrgbClr r="0" g="0" b="0"/>
+        </a:fillRef>
+        <a:effectRef idx="3">
+          <a:scrgbClr r="0" g="0" b="0"/>
+        </a:effectRef>
+        <a:fontRef idx="minor">
+          <a:schemeClr val="lt1"/>
+        </a:fontRef>
+      </dsp:style>
+      <dsp:txBody>
+        <a:bodyPr spcFirstLastPara="0" vert="horz" wrap="square" lIns="60960" tIns="60960" rIns="60960" bIns="60960" numCol="1" spcCol="1270" anchor="t" anchorCtr="0">
+          <a:noAutofit/>
+        </a:bodyPr>
+        <a:lstStyle/>
+        <a:p>
+          <a:pPr marL="0" lvl="0" indent="0" algn="l" defTabSz="711200" rtl="0">
+            <a:lnSpc>
+              <a:spcPct val="90000"/>
+            </a:lnSpc>
+            <a:spcBef>
+              <a:spcPct val="0"/>
+            </a:spcBef>
+            <a:spcAft>
+              <a:spcPct val="35000"/>
+            </a:spcAft>
+            <a:buNone/>
+          </a:pPr>
+          <a:r>
+            <a:rPr lang="de-DE" sz="1600" kern="1200" dirty="0">
+              <a:latin typeface="Meiryo"/>
+            </a:rPr>
+            <a:t>Produktnutzen</a:t>
+          </a:r>
+          <a:endParaRPr lang="de-DE" sz="1600" kern="1200" dirty="0"/>
+        </a:p>
+        <a:p>
+          <a:pPr marL="114300" lvl="1" indent="-114300" algn="l" defTabSz="533400" rtl="0">
+            <a:lnSpc>
+              <a:spcPct val="90000"/>
+            </a:lnSpc>
+            <a:spcBef>
+              <a:spcPct val="0"/>
+            </a:spcBef>
+            <a:spcAft>
+              <a:spcPct val="15000"/>
+            </a:spcAft>
+            <a:buChar char="•"/>
+          </a:pPr>
+          <a:r>
+            <a:rPr lang="de-DE" sz="1200" kern="1200" dirty="0">
+              <a:latin typeface="Meiryo"/>
+            </a:rPr>
+            <a:t>Portabilität (von Möbeln)</a:t>
+          </a:r>
+        </a:p>
+        <a:p>
+          <a:pPr marL="114300" lvl="1" indent="-114300" algn="l" defTabSz="533400" rtl="0">
+            <a:lnSpc>
+              <a:spcPct val="90000"/>
+            </a:lnSpc>
+            <a:spcBef>
+              <a:spcPct val="0"/>
+            </a:spcBef>
+            <a:spcAft>
+              <a:spcPct val="15000"/>
+            </a:spcAft>
+            <a:buChar char="•"/>
+          </a:pPr>
+          <a:r>
+            <a:rPr lang="de-DE" sz="1200" kern="1200" dirty="0">
+              <a:latin typeface="Meiryo"/>
+            </a:rPr>
+            <a:t>Langfristige Investition</a:t>
+          </a:r>
+        </a:p>
+        <a:p>
+          <a:pPr marL="114300" lvl="1" indent="-114300" algn="l" defTabSz="533400">
+            <a:lnSpc>
+              <a:spcPct val="90000"/>
+            </a:lnSpc>
+            <a:spcBef>
+              <a:spcPct val="0"/>
+            </a:spcBef>
+            <a:spcAft>
+              <a:spcPct val="15000"/>
+            </a:spcAft>
+            <a:buChar char="•"/>
+          </a:pPr>
+          <a:r>
+            <a:rPr lang="de-DE" sz="1200" kern="1200" dirty="0">
+              <a:latin typeface="Meiryo"/>
+            </a:rPr>
+            <a:t>Geldschonend</a:t>
+          </a:r>
+        </a:p>
+        <a:p>
+          <a:pPr marL="114300" lvl="1" indent="-114300" algn="l" defTabSz="533400" rtl="0">
+            <a:lnSpc>
+              <a:spcPct val="90000"/>
+            </a:lnSpc>
+            <a:spcBef>
+              <a:spcPct val="0"/>
+            </a:spcBef>
+            <a:spcAft>
+              <a:spcPct val="15000"/>
+            </a:spcAft>
+            <a:buChar char="•"/>
+          </a:pPr>
+          <a:r>
+            <a:rPr lang="de-DE" sz="1200" kern="1200" dirty="0">
+              <a:latin typeface="Meiryo"/>
+            </a:rPr>
+            <a:t>Soziale Interessen</a:t>
+          </a:r>
+        </a:p>
+      </dsp:txBody>
+      <dsp:txXfrm>
+        <a:off x="6236961" y="508813"/>
+        <a:ext cx="2090728" cy="1828940"/>
       </dsp:txXfrm>
     </dsp:sp>
   </dsp:spTree>
@@ -5634,6 +7881,152 @@
 </dgm:layoutDef>
 </file>
 
+<file path=ppt/diagrams/layout4.xml><?xml version="1.0" encoding="utf-8"?>
+<dgm:layoutDef xmlns:dgm="http://schemas.openxmlformats.org/drawingml/2006/diagram" xmlns:a="http://schemas.openxmlformats.org/drawingml/2006/main" uniqueId="urn:microsoft.com/office/officeart/2005/8/layout/process1">
+  <dgm:title val=""/>
+  <dgm:desc val=""/>
+  <dgm:catLst>
+    <dgm:cat type="process" pri="1000"/>
+    <dgm:cat type="convert" pri="15000"/>
+  </dgm:catLst>
+  <dgm:sampData useDef="1">
+    <dgm:dataModel>
+      <dgm:ptLst/>
+      <dgm:bg/>
+      <dgm:whole/>
+    </dgm:dataModel>
+  </dgm:sampData>
+  <dgm:styleData>
+    <dgm:dataModel>
+      <dgm:ptLst>
+        <dgm:pt modelId="0" type="doc"/>
+        <dgm:pt modelId="1"/>
+        <dgm:pt modelId="2"/>
+      </dgm:ptLst>
+      <dgm:cxnLst>
+        <dgm:cxn modelId="3" srcId="0" destId="1" srcOrd="0" destOrd="0"/>
+        <dgm:cxn modelId="4" srcId="0" destId="2" srcOrd="1" destOrd="0"/>
+      </dgm:cxnLst>
+      <dgm:bg/>
+      <dgm:whole/>
+    </dgm:dataModel>
+  </dgm:styleData>
+  <dgm:clrData>
+    <dgm:dataModel>
+      <dgm:ptLst>
+        <dgm:pt modelId="0" type="doc"/>
+        <dgm:pt modelId="1"/>
+        <dgm:pt modelId="2"/>
+        <dgm:pt modelId="3"/>
+        <dgm:pt modelId="4"/>
+      </dgm:ptLst>
+      <dgm:cxnLst>
+        <dgm:cxn modelId="5" srcId="0" destId="1" srcOrd="0" destOrd="0"/>
+        <dgm:cxn modelId="6" srcId="0" destId="2" srcOrd="1" destOrd="0"/>
+        <dgm:cxn modelId="7" srcId="0" destId="3" srcOrd="2" destOrd="0"/>
+        <dgm:cxn modelId="8" srcId="0" destId="4" srcOrd="3" destOrd="0"/>
+      </dgm:cxnLst>
+      <dgm:bg/>
+      <dgm:whole/>
+    </dgm:dataModel>
+  </dgm:clrData>
+  <dgm:layoutNode name="Name0">
+    <dgm:varLst>
+      <dgm:dir/>
+      <dgm:resizeHandles val="exact"/>
+    </dgm:varLst>
+    <dgm:choose name="Name1">
+      <dgm:if name="Name2" func="var" arg="dir" op="equ" val="norm">
+        <dgm:alg type="lin"/>
+      </dgm:if>
+      <dgm:else name="Name3">
+        <dgm:alg type="lin">
+          <dgm:param type="linDir" val="fromR"/>
+        </dgm:alg>
+      </dgm:else>
+    </dgm:choose>
+    <dgm:shape xmlns:r="http://schemas.openxmlformats.org/officeDocument/2006/relationships" r:blip="">
+      <dgm:adjLst/>
+    </dgm:shape>
+    <dgm:presOf/>
+    <dgm:constrLst>
+      <dgm:constr type="w" for="ch" ptType="node" refType="w"/>
+      <dgm:constr type="h" for="ch" ptType="node" op="equ"/>
+      <dgm:constr type="primFontSz" for="ch" ptType="node" op="equ" val="65"/>
+      <dgm:constr type="w" for="ch" ptType="sibTrans" refType="w" refFor="ch" refPtType="node" op="equ" fact="0.4"/>
+      <dgm:constr type="h" for="ch" ptType="sibTrans" op="equ"/>
+      <dgm:constr type="primFontSz" for="des" forName="connectorText" op="equ" val="55"/>
+      <dgm:constr type="primFontSz" for="des" forName="connectorText" refType="primFontSz" refFor="ch" refPtType="node" op="lte" fact="0.8"/>
+    </dgm:constrLst>
+    <dgm:ruleLst/>
+    <dgm:forEach name="nodesForEach" axis="ch" ptType="node">
+      <dgm:layoutNode name="node">
+        <dgm:varLst>
+          <dgm:bulletEnabled val="1"/>
+        </dgm:varLst>
+        <dgm:alg type="tx"/>
+        <dgm:shape xmlns:r="http://schemas.openxmlformats.org/officeDocument/2006/relationships" type="roundRect" r:blip="">
+          <dgm:adjLst>
+            <dgm:adj idx="1" val="0.1"/>
+          </dgm:adjLst>
+        </dgm:shape>
+        <dgm:presOf axis="desOrSelf" ptType="node"/>
+        <dgm:constrLst>
+          <dgm:constr type="h" refType="w" fact="0.6"/>
+          <dgm:constr type="tMarg" refType="primFontSz" fact="0.3"/>
+          <dgm:constr type="bMarg" refType="primFontSz" fact="0.3"/>
+          <dgm:constr type="lMarg" refType="primFontSz" fact="0.3"/>
+          <dgm:constr type="rMarg" refType="primFontSz" fact="0.3"/>
+        </dgm:constrLst>
+        <dgm:ruleLst>
+          <dgm:rule type="primFontSz" val="18" fact="NaN" max="NaN"/>
+          <dgm:rule type="h" val="NaN" fact="1.5" max="NaN"/>
+          <dgm:rule type="primFontSz" val="5" fact="NaN" max="NaN"/>
+          <dgm:rule type="h" val="INF" fact="NaN" max="NaN"/>
+        </dgm:ruleLst>
+      </dgm:layoutNode>
+      <dgm:forEach name="sibTransForEach" axis="followSib" ptType="sibTrans" cnt="1">
+        <dgm:layoutNode name="sibTrans">
+          <dgm:alg type="conn">
+            <dgm:param type="begPts" val="auto"/>
+            <dgm:param type="endPts" val="auto"/>
+          </dgm:alg>
+          <dgm:shape xmlns:r="http://schemas.openxmlformats.org/officeDocument/2006/relationships" type="conn" r:blip="">
+            <dgm:adjLst/>
+          </dgm:shape>
+          <dgm:presOf axis="self"/>
+          <dgm:constrLst>
+            <dgm:constr type="h" refType="w" fact="0.62"/>
+            <dgm:constr type="connDist"/>
+            <dgm:constr type="begPad" refType="connDist" fact="0.25"/>
+            <dgm:constr type="endPad" refType="connDist" fact="0.22"/>
+          </dgm:constrLst>
+          <dgm:ruleLst/>
+          <dgm:layoutNode name="connectorText">
+            <dgm:alg type="tx">
+              <dgm:param type="autoTxRot" val="grav"/>
+            </dgm:alg>
+            <dgm:shape xmlns:r="http://schemas.openxmlformats.org/officeDocument/2006/relationships" type="conn" r:blip="" hideGeom="1">
+              <dgm:adjLst/>
+            </dgm:shape>
+            <dgm:presOf axis="self"/>
+            <dgm:constrLst>
+              <dgm:constr type="lMarg"/>
+              <dgm:constr type="rMarg"/>
+              <dgm:constr type="tMarg"/>
+              <dgm:constr type="bMarg"/>
+            </dgm:constrLst>
+            <dgm:ruleLst>
+              <dgm:rule type="primFontSz" val="5" fact="NaN" max="NaN"/>
+            </dgm:ruleLst>
+          </dgm:layoutNode>
+        </dgm:layoutNode>
+      </dgm:forEach>
+    </dgm:forEach>
+  </dgm:layoutNode>
+</dgm:layoutDef>
+</file>
+
 <file path=ppt/diagrams/quickStyle1.xml><?xml version="1.0" encoding="utf-8"?>
 <dgm:styleDef xmlns:dgm="http://schemas.openxmlformats.org/drawingml/2006/diagram" xmlns:a="http://schemas.openxmlformats.org/drawingml/2006/main" uniqueId="urn:microsoft.com/office/officeart/2005/8/quickstyle/simple1">
   <dgm:title val=""/>
@@ -8708,6 +11101,1040 @@
         <a:scrgbClr r="0" g="0" b="0"/>
       </a:fillRef>
       <a:effectRef idx="0">
+        <a:scrgbClr r="0" g="0" b="0"/>
+      </a:effectRef>
+      <a:fontRef idx="minor"/>
+    </dgm:style>
+  </dgm:styleLbl>
+  <dgm:styleLbl name="revTx">
+    <dgm:scene3d>
+      <a:camera prst="orthographicFront"/>
+      <a:lightRig rig="threePt" dir="t"/>
+    </dgm:scene3d>
+    <dgm:sp3d/>
+    <dgm:txPr/>
+    <dgm:style>
+      <a:lnRef idx="0">
+        <a:scrgbClr r="0" g="0" b="0"/>
+      </a:lnRef>
+      <a:fillRef idx="0">
+        <a:scrgbClr r="0" g="0" b="0"/>
+      </a:fillRef>
+      <a:effectRef idx="0">
+        <a:scrgbClr r="0" g="0" b="0"/>
+      </a:effectRef>
+      <a:fontRef idx="minor"/>
+    </dgm:style>
+  </dgm:styleLbl>
+</dgm:styleDef>
+</file>
+
+<file path=ppt/diagrams/quickStyle4.xml><?xml version="1.0" encoding="utf-8"?>
+<dgm:styleDef xmlns:dgm="http://schemas.openxmlformats.org/drawingml/2006/diagram" xmlns:a="http://schemas.openxmlformats.org/drawingml/2006/main" uniqueId="urn:microsoft.com/office/officeart/2005/8/quickstyle/simple5">
+  <dgm:title val=""/>
+  <dgm:desc val=""/>
+  <dgm:catLst>
+    <dgm:cat type="simple" pri="10500"/>
+  </dgm:catLst>
+  <dgm:scene3d>
+    <a:camera prst="orthographicFront"/>
+    <a:lightRig rig="threePt" dir="t"/>
+  </dgm:scene3d>
+  <dgm:styleLbl name="node0">
+    <dgm:scene3d>
+      <a:camera prst="orthographicFront"/>
+      <a:lightRig rig="threePt" dir="t"/>
+    </dgm:scene3d>
+    <dgm:sp3d/>
+    <dgm:txPr/>
+    <dgm:style>
+      <a:lnRef idx="0">
+        <a:scrgbClr r="0" g="0" b="0"/>
+      </a:lnRef>
+      <a:fillRef idx="3">
+        <a:scrgbClr r="0" g="0" b="0"/>
+      </a:fillRef>
+      <a:effectRef idx="3">
+        <a:scrgbClr r="0" g="0" b="0"/>
+      </a:effectRef>
+      <a:fontRef idx="minor">
+        <a:schemeClr val="lt1"/>
+      </a:fontRef>
+    </dgm:style>
+  </dgm:styleLbl>
+  <dgm:styleLbl name="lnNode1">
+    <dgm:scene3d>
+      <a:camera prst="orthographicFront"/>
+      <a:lightRig rig="threePt" dir="t"/>
+    </dgm:scene3d>
+    <dgm:sp3d/>
+    <dgm:txPr/>
+    <dgm:style>
+      <a:lnRef idx="0">
+        <a:scrgbClr r="0" g="0" b="0"/>
+      </a:lnRef>
+      <a:fillRef idx="3">
+        <a:scrgbClr r="0" g="0" b="0"/>
+      </a:fillRef>
+      <a:effectRef idx="3">
+        <a:scrgbClr r="0" g="0" b="0"/>
+      </a:effectRef>
+      <a:fontRef idx="minor">
+        <a:schemeClr val="lt1"/>
+      </a:fontRef>
+    </dgm:style>
+  </dgm:styleLbl>
+  <dgm:styleLbl name="vennNode1">
+    <dgm:scene3d>
+      <a:camera prst="orthographicFront"/>
+      <a:lightRig rig="threePt" dir="t"/>
+    </dgm:scene3d>
+    <dgm:sp3d/>
+    <dgm:txPr/>
+    <dgm:style>
+      <a:lnRef idx="0">
+        <a:scrgbClr r="0" g="0" b="0"/>
+      </a:lnRef>
+      <a:fillRef idx="3">
+        <a:scrgbClr r="0" g="0" b="0"/>
+      </a:fillRef>
+      <a:effectRef idx="3">
+        <a:scrgbClr r="0" g="0" b="0"/>
+      </a:effectRef>
+      <a:fontRef idx="minor">
+        <a:schemeClr val="tx1"/>
+      </a:fontRef>
+    </dgm:style>
+  </dgm:styleLbl>
+  <dgm:styleLbl name="alignNode1">
+    <dgm:scene3d>
+      <a:camera prst="orthographicFront"/>
+      <a:lightRig rig="threePt" dir="t"/>
+    </dgm:scene3d>
+    <dgm:sp3d/>
+    <dgm:txPr/>
+    <dgm:style>
+      <a:lnRef idx="1">
+        <a:scrgbClr r="0" g="0" b="0"/>
+      </a:lnRef>
+      <a:fillRef idx="3">
+        <a:scrgbClr r="0" g="0" b="0"/>
+      </a:fillRef>
+      <a:effectRef idx="3">
+        <a:scrgbClr r="0" g="0" b="0"/>
+      </a:effectRef>
+      <a:fontRef idx="minor">
+        <a:schemeClr val="lt1"/>
+      </a:fontRef>
+    </dgm:style>
+  </dgm:styleLbl>
+  <dgm:styleLbl name="node1">
+    <dgm:scene3d>
+      <a:camera prst="orthographicFront"/>
+      <a:lightRig rig="threePt" dir="t"/>
+    </dgm:scene3d>
+    <dgm:sp3d/>
+    <dgm:txPr/>
+    <dgm:style>
+      <a:lnRef idx="0">
+        <a:scrgbClr r="0" g="0" b="0"/>
+      </a:lnRef>
+      <a:fillRef idx="3">
+        <a:scrgbClr r="0" g="0" b="0"/>
+      </a:fillRef>
+      <a:effectRef idx="3">
+        <a:scrgbClr r="0" g="0" b="0"/>
+      </a:effectRef>
+      <a:fontRef idx="minor">
+        <a:schemeClr val="lt1"/>
+      </a:fontRef>
+    </dgm:style>
+  </dgm:styleLbl>
+  <dgm:styleLbl name="node2">
+    <dgm:scene3d>
+      <a:camera prst="orthographicFront"/>
+      <a:lightRig rig="threePt" dir="t"/>
+    </dgm:scene3d>
+    <dgm:sp3d/>
+    <dgm:txPr/>
+    <dgm:style>
+      <a:lnRef idx="0">
+        <a:scrgbClr r="0" g="0" b="0"/>
+      </a:lnRef>
+      <a:fillRef idx="3">
+        <a:scrgbClr r="0" g="0" b="0"/>
+      </a:fillRef>
+      <a:effectRef idx="3">
+        <a:scrgbClr r="0" g="0" b="0"/>
+      </a:effectRef>
+      <a:fontRef idx="minor">
+        <a:schemeClr val="lt1"/>
+      </a:fontRef>
+    </dgm:style>
+  </dgm:styleLbl>
+  <dgm:styleLbl name="node3">
+    <dgm:scene3d>
+      <a:camera prst="orthographicFront"/>
+      <a:lightRig rig="threePt" dir="t"/>
+    </dgm:scene3d>
+    <dgm:sp3d/>
+    <dgm:txPr/>
+    <dgm:style>
+      <a:lnRef idx="0">
+        <a:scrgbClr r="0" g="0" b="0"/>
+      </a:lnRef>
+      <a:fillRef idx="3">
+        <a:scrgbClr r="0" g="0" b="0"/>
+      </a:fillRef>
+      <a:effectRef idx="3">
+        <a:scrgbClr r="0" g="0" b="0"/>
+      </a:effectRef>
+      <a:fontRef idx="minor">
+        <a:schemeClr val="lt1"/>
+      </a:fontRef>
+    </dgm:style>
+  </dgm:styleLbl>
+  <dgm:styleLbl name="node4">
+    <dgm:scene3d>
+      <a:camera prst="orthographicFront"/>
+      <a:lightRig rig="threePt" dir="t"/>
+    </dgm:scene3d>
+    <dgm:sp3d/>
+    <dgm:txPr/>
+    <dgm:style>
+      <a:lnRef idx="0">
+        <a:scrgbClr r="0" g="0" b="0"/>
+      </a:lnRef>
+      <a:fillRef idx="3">
+        <a:scrgbClr r="0" g="0" b="0"/>
+      </a:fillRef>
+      <a:effectRef idx="3">
+        <a:scrgbClr r="0" g="0" b="0"/>
+      </a:effectRef>
+      <a:fontRef idx="minor">
+        <a:schemeClr val="lt1"/>
+      </a:fontRef>
+    </dgm:style>
+  </dgm:styleLbl>
+  <dgm:styleLbl name="fgImgPlace1">
+    <dgm:scene3d>
+      <a:camera prst="orthographicFront"/>
+      <a:lightRig rig="threePt" dir="t"/>
+    </dgm:scene3d>
+    <dgm:sp3d/>
+    <dgm:txPr/>
+    <dgm:style>
+      <a:lnRef idx="0">
+        <a:scrgbClr r="0" g="0" b="0"/>
+      </a:lnRef>
+      <a:fillRef idx="1">
+        <a:scrgbClr r="0" g="0" b="0"/>
+      </a:fillRef>
+      <a:effectRef idx="3">
+        <a:scrgbClr r="0" g="0" b="0"/>
+      </a:effectRef>
+      <a:fontRef idx="minor"/>
+    </dgm:style>
+  </dgm:styleLbl>
+  <dgm:styleLbl name="alignImgPlace1">
+    <dgm:scene3d>
+      <a:camera prst="orthographicFront"/>
+      <a:lightRig rig="threePt" dir="t"/>
+    </dgm:scene3d>
+    <dgm:sp3d/>
+    <dgm:txPr/>
+    <dgm:style>
+      <a:lnRef idx="0">
+        <a:scrgbClr r="0" g="0" b="0"/>
+      </a:lnRef>
+      <a:fillRef idx="1">
+        <a:scrgbClr r="0" g="0" b="0"/>
+      </a:fillRef>
+      <a:effectRef idx="3">
+        <a:scrgbClr r="0" g="0" b="0"/>
+      </a:effectRef>
+      <a:fontRef idx="minor"/>
+    </dgm:style>
+  </dgm:styleLbl>
+  <dgm:styleLbl name="bgImgPlace1">
+    <dgm:scene3d>
+      <a:camera prst="orthographicFront"/>
+      <a:lightRig rig="threePt" dir="t"/>
+    </dgm:scene3d>
+    <dgm:sp3d/>
+    <dgm:txPr/>
+    <dgm:style>
+      <a:lnRef idx="0">
+        <a:scrgbClr r="0" g="0" b="0"/>
+      </a:lnRef>
+      <a:fillRef idx="1">
+        <a:scrgbClr r="0" g="0" b="0"/>
+      </a:fillRef>
+      <a:effectRef idx="3">
+        <a:scrgbClr r="0" g="0" b="0"/>
+      </a:effectRef>
+      <a:fontRef idx="minor"/>
+    </dgm:style>
+  </dgm:styleLbl>
+  <dgm:styleLbl name="sibTrans2D1">
+    <dgm:scene3d>
+      <a:camera prst="orthographicFront"/>
+      <a:lightRig rig="threePt" dir="t"/>
+    </dgm:scene3d>
+    <dgm:sp3d/>
+    <dgm:txPr/>
+    <dgm:style>
+      <a:lnRef idx="0">
+        <a:scrgbClr r="0" g="0" b="0"/>
+      </a:lnRef>
+      <a:fillRef idx="3">
+        <a:scrgbClr r="0" g="0" b="0"/>
+      </a:fillRef>
+      <a:effectRef idx="3">
+        <a:scrgbClr r="0" g="0" b="0"/>
+      </a:effectRef>
+      <a:fontRef idx="minor">
+        <a:schemeClr val="lt1"/>
+      </a:fontRef>
+    </dgm:style>
+  </dgm:styleLbl>
+  <dgm:styleLbl name="fgSibTrans2D1">
+    <dgm:scene3d>
+      <a:camera prst="orthographicFront"/>
+      <a:lightRig rig="threePt" dir="t"/>
+    </dgm:scene3d>
+    <dgm:sp3d/>
+    <dgm:txPr/>
+    <dgm:style>
+      <a:lnRef idx="0">
+        <a:scrgbClr r="0" g="0" b="0"/>
+      </a:lnRef>
+      <a:fillRef idx="3">
+        <a:scrgbClr r="0" g="0" b="0"/>
+      </a:fillRef>
+      <a:effectRef idx="3">
+        <a:scrgbClr r="0" g="0" b="0"/>
+      </a:effectRef>
+      <a:fontRef idx="minor">
+        <a:schemeClr val="lt1"/>
+      </a:fontRef>
+    </dgm:style>
+  </dgm:styleLbl>
+  <dgm:styleLbl name="bgSibTrans2D1">
+    <dgm:scene3d>
+      <a:camera prst="orthographicFront"/>
+      <a:lightRig rig="threePt" dir="t"/>
+    </dgm:scene3d>
+    <dgm:sp3d/>
+    <dgm:txPr/>
+    <dgm:style>
+      <a:lnRef idx="0">
+        <a:scrgbClr r="0" g="0" b="0"/>
+      </a:lnRef>
+      <a:fillRef idx="3">
+        <a:scrgbClr r="0" g="0" b="0"/>
+      </a:fillRef>
+      <a:effectRef idx="3">
+        <a:scrgbClr r="0" g="0" b="0"/>
+      </a:effectRef>
+      <a:fontRef idx="minor">
+        <a:schemeClr val="lt1"/>
+      </a:fontRef>
+    </dgm:style>
+  </dgm:styleLbl>
+  <dgm:styleLbl name="sibTrans1D1">
+    <dgm:scene3d>
+      <a:camera prst="orthographicFront"/>
+      <a:lightRig rig="threePt" dir="t"/>
+    </dgm:scene3d>
+    <dgm:sp3d/>
+    <dgm:txPr/>
+    <dgm:style>
+      <a:lnRef idx="1">
+        <a:scrgbClr r="0" g="0" b="0"/>
+      </a:lnRef>
+      <a:fillRef idx="0">
+        <a:scrgbClr r="0" g="0" b="0"/>
+      </a:fillRef>
+      <a:effectRef idx="0">
+        <a:scrgbClr r="0" g="0" b="0"/>
+      </a:effectRef>
+      <a:fontRef idx="minor"/>
+    </dgm:style>
+  </dgm:styleLbl>
+  <dgm:styleLbl name="callout">
+    <dgm:scene3d>
+      <a:camera prst="orthographicFront"/>
+      <a:lightRig rig="threePt" dir="t"/>
+    </dgm:scene3d>
+    <dgm:sp3d/>
+    <dgm:txPr/>
+    <dgm:style>
+      <a:lnRef idx="1">
+        <a:scrgbClr r="0" g="0" b="0"/>
+      </a:lnRef>
+      <a:fillRef idx="0">
+        <a:scrgbClr r="0" g="0" b="0"/>
+      </a:fillRef>
+      <a:effectRef idx="1">
+        <a:scrgbClr r="0" g="0" b="0"/>
+      </a:effectRef>
+      <a:fontRef idx="minor"/>
+    </dgm:style>
+  </dgm:styleLbl>
+  <dgm:styleLbl name="asst0">
+    <dgm:scene3d>
+      <a:camera prst="orthographicFront"/>
+      <a:lightRig rig="threePt" dir="t"/>
+    </dgm:scene3d>
+    <dgm:sp3d/>
+    <dgm:txPr/>
+    <dgm:style>
+      <a:lnRef idx="0">
+        <a:scrgbClr r="0" g="0" b="0"/>
+      </a:lnRef>
+      <a:fillRef idx="3">
+        <a:scrgbClr r="0" g="0" b="0"/>
+      </a:fillRef>
+      <a:effectRef idx="3">
+        <a:scrgbClr r="0" g="0" b="0"/>
+      </a:effectRef>
+      <a:fontRef idx="minor">
+        <a:schemeClr val="lt1"/>
+      </a:fontRef>
+    </dgm:style>
+  </dgm:styleLbl>
+  <dgm:styleLbl name="asst1">
+    <dgm:scene3d>
+      <a:camera prst="orthographicFront"/>
+      <a:lightRig rig="threePt" dir="t"/>
+    </dgm:scene3d>
+    <dgm:sp3d/>
+    <dgm:txPr/>
+    <dgm:style>
+      <a:lnRef idx="0">
+        <a:scrgbClr r="0" g="0" b="0"/>
+      </a:lnRef>
+      <a:fillRef idx="3">
+        <a:scrgbClr r="0" g="0" b="0"/>
+      </a:fillRef>
+      <a:effectRef idx="3">
+        <a:scrgbClr r="0" g="0" b="0"/>
+      </a:effectRef>
+      <a:fontRef idx="minor">
+        <a:schemeClr val="lt1"/>
+      </a:fontRef>
+    </dgm:style>
+  </dgm:styleLbl>
+  <dgm:styleLbl name="asst2">
+    <dgm:scene3d>
+      <a:camera prst="orthographicFront"/>
+      <a:lightRig rig="threePt" dir="t"/>
+    </dgm:scene3d>
+    <dgm:sp3d/>
+    <dgm:txPr/>
+    <dgm:style>
+      <a:lnRef idx="0">
+        <a:scrgbClr r="0" g="0" b="0"/>
+      </a:lnRef>
+      <a:fillRef idx="3">
+        <a:scrgbClr r="0" g="0" b="0"/>
+      </a:fillRef>
+      <a:effectRef idx="3">
+        <a:scrgbClr r="0" g="0" b="0"/>
+      </a:effectRef>
+      <a:fontRef idx="minor">
+        <a:schemeClr val="lt1"/>
+      </a:fontRef>
+    </dgm:style>
+  </dgm:styleLbl>
+  <dgm:styleLbl name="asst3">
+    <dgm:scene3d>
+      <a:camera prst="orthographicFront"/>
+      <a:lightRig rig="threePt" dir="t"/>
+    </dgm:scene3d>
+    <dgm:sp3d/>
+    <dgm:txPr/>
+    <dgm:style>
+      <a:lnRef idx="0">
+        <a:scrgbClr r="0" g="0" b="0"/>
+      </a:lnRef>
+      <a:fillRef idx="3">
+        <a:scrgbClr r="0" g="0" b="0"/>
+      </a:fillRef>
+      <a:effectRef idx="3">
+        <a:scrgbClr r="0" g="0" b="0"/>
+      </a:effectRef>
+      <a:fontRef idx="minor">
+        <a:schemeClr val="lt1"/>
+      </a:fontRef>
+    </dgm:style>
+  </dgm:styleLbl>
+  <dgm:styleLbl name="asst4">
+    <dgm:scene3d>
+      <a:camera prst="orthographicFront"/>
+      <a:lightRig rig="threePt" dir="t"/>
+    </dgm:scene3d>
+    <dgm:sp3d/>
+    <dgm:txPr/>
+    <dgm:style>
+      <a:lnRef idx="0">
+        <a:scrgbClr r="0" g="0" b="0"/>
+      </a:lnRef>
+      <a:fillRef idx="3">
+        <a:scrgbClr r="0" g="0" b="0"/>
+      </a:fillRef>
+      <a:effectRef idx="3">
+        <a:scrgbClr r="0" g="0" b="0"/>
+      </a:effectRef>
+      <a:fontRef idx="minor">
+        <a:schemeClr val="lt1"/>
+      </a:fontRef>
+    </dgm:style>
+  </dgm:styleLbl>
+  <dgm:styleLbl name="parChTrans2D1">
+    <dgm:scene3d>
+      <a:camera prst="orthographicFront"/>
+      <a:lightRig rig="threePt" dir="t"/>
+    </dgm:scene3d>
+    <dgm:sp3d/>
+    <dgm:txPr/>
+    <dgm:style>
+      <a:lnRef idx="0">
+        <a:scrgbClr r="0" g="0" b="0"/>
+      </a:lnRef>
+      <a:fillRef idx="3">
+        <a:scrgbClr r="0" g="0" b="0"/>
+      </a:fillRef>
+      <a:effectRef idx="3">
+        <a:scrgbClr r="0" g="0" b="0"/>
+      </a:effectRef>
+      <a:fontRef idx="minor">
+        <a:schemeClr val="lt1"/>
+      </a:fontRef>
+    </dgm:style>
+  </dgm:styleLbl>
+  <dgm:styleLbl name="parChTrans2D2">
+    <dgm:scene3d>
+      <a:camera prst="orthographicFront"/>
+      <a:lightRig rig="threePt" dir="t"/>
+    </dgm:scene3d>
+    <dgm:sp3d/>
+    <dgm:txPr/>
+    <dgm:style>
+      <a:lnRef idx="0">
+        <a:scrgbClr r="0" g="0" b="0"/>
+      </a:lnRef>
+      <a:fillRef idx="3">
+        <a:scrgbClr r="0" g="0" b="0"/>
+      </a:fillRef>
+      <a:effectRef idx="3">
+        <a:scrgbClr r="0" g="0" b="0"/>
+      </a:effectRef>
+      <a:fontRef idx="minor">
+        <a:schemeClr val="lt1"/>
+      </a:fontRef>
+    </dgm:style>
+  </dgm:styleLbl>
+  <dgm:styleLbl name="parChTrans2D3">
+    <dgm:scene3d>
+      <a:camera prst="orthographicFront"/>
+      <a:lightRig rig="threePt" dir="t"/>
+    </dgm:scene3d>
+    <dgm:sp3d/>
+    <dgm:txPr/>
+    <dgm:style>
+      <a:lnRef idx="0">
+        <a:scrgbClr r="0" g="0" b="0"/>
+      </a:lnRef>
+      <a:fillRef idx="3">
+        <a:scrgbClr r="0" g="0" b="0"/>
+      </a:fillRef>
+      <a:effectRef idx="3">
+        <a:scrgbClr r="0" g="0" b="0"/>
+      </a:effectRef>
+      <a:fontRef idx="minor">
+        <a:schemeClr val="lt1"/>
+      </a:fontRef>
+    </dgm:style>
+  </dgm:styleLbl>
+  <dgm:styleLbl name="parChTrans2D4">
+    <dgm:scene3d>
+      <a:camera prst="orthographicFront"/>
+      <a:lightRig rig="threePt" dir="t"/>
+    </dgm:scene3d>
+    <dgm:sp3d/>
+    <dgm:txPr/>
+    <dgm:style>
+      <a:lnRef idx="0">
+        <a:scrgbClr r="0" g="0" b="0"/>
+      </a:lnRef>
+      <a:fillRef idx="3">
+        <a:scrgbClr r="0" g="0" b="0"/>
+      </a:fillRef>
+      <a:effectRef idx="3">
+        <a:scrgbClr r="0" g="0" b="0"/>
+      </a:effectRef>
+      <a:fontRef idx="minor">
+        <a:schemeClr val="lt1"/>
+      </a:fontRef>
+    </dgm:style>
+  </dgm:styleLbl>
+  <dgm:styleLbl name="parChTrans1D1">
+    <dgm:scene3d>
+      <a:camera prst="orthographicFront"/>
+      <a:lightRig rig="threePt" dir="t"/>
+    </dgm:scene3d>
+    <dgm:sp3d/>
+    <dgm:txPr/>
+    <dgm:style>
+      <a:lnRef idx="2">
+        <a:scrgbClr r="0" g="0" b="0"/>
+      </a:lnRef>
+      <a:fillRef idx="0">
+        <a:scrgbClr r="0" g="0" b="0"/>
+      </a:fillRef>
+      <a:effectRef idx="0">
+        <a:scrgbClr r="0" g="0" b="0"/>
+      </a:effectRef>
+      <a:fontRef idx="minor"/>
+    </dgm:style>
+  </dgm:styleLbl>
+  <dgm:styleLbl name="parChTrans1D2">
+    <dgm:scene3d>
+      <a:camera prst="orthographicFront"/>
+      <a:lightRig rig="threePt" dir="t"/>
+    </dgm:scene3d>
+    <dgm:sp3d/>
+    <dgm:txPr/>
+    <dgm:style>
+      <a:lnRef idx="2">
+        <a:scrgbClr r="0" g="0" b="0"/>
+      </a:lnRef>
+      <a:fillRef idx="0">
+        <a:scrgbClr r="0" g="0" b="0"/>
+      </a:fillRef>
+      <a:effectRef idx="0">
+        <a:scrgbClr r="0" g="0" b="0"/>
+      </a:effectRef>
+      <a:fontRef idx="minor"/>
+    </dgm:style>
+  </dgm:styleLbl>
+  <dgm:styleLbl name="parChTrans1D3">
+    <dgm:scene3d>
+      <a:camera prst="orthographicFront"/>
+      <a:lightRig rig="threePt" dir="t"/>
+    </dgm:scene3d>
+    <dgm:sp3d/>
+    <dgm:txPr/>
+    <dgm:style>
+      <a:lnRef idx="2">
+        <a:scrgbClr r="0" g="0" b="0"/>
+      </a:lnRef>
+      <a:fillRef idx="0">
+        <a:scrgbClr r="0" g="0" b="0"/>
+      </a:fillRef>
+      <a:effectRef idx="0">
+        <a:scrgbClr r="0" g="0" b="0"/>
+      </a:effectRef>
+      <a:fontRef idx="minor"/>
+    </dgm:style>
+  </dgm:styleLbl>
+  <dgm:styleLbl name="parChTrans1D4">
+    <dgm:scene3d>
+      <a:camera prst="orthographicFront"/>
+      <a:lightRig rig="threePt" dir="t"/>
+    </dgm:scene3d>
+    <dgm:sp3d/>
+    <dgm:txPr/>
+    <dgm:style>
+      <a:lnRef idx="2">
+        <a:scrgbClr r="0" g="0" b="0"/>
+      </a:lnRef>
+      <a:fillRef idx="0">
+        <a:scrgbClr r="0" g="0" b="0"/>
+      </a:fillRef>
+      <a:effectRef idx="0">
+        <a:scrgbClr r="0" g="0" b="0"/>
+      </a:effectRef>
+      <a:fontRef idx="minor"/>
+    </dgm:style>
+  </dgm:styleLbl>
+  <dgm:styleLbl name="fgAcc1">
+    <dgm:scene3d>
+      <a:camera prst="orthographicFront"/>
+      <a:lightRig rig="threePt" dir="t"/>
+    </dgm:scene3d>
+    <dgm:sp3d/>
+    <dgm:txPr/>
+    <dgm:style>
+      <a:lnRef idx="1">
+        <a:scrgbClr r="0" g="0" b="0"/>
+      </a:lnRef>
+      <a:fillRef idx="1">
+        <a:scrgbClr r="0" g="0" b="0"/>
+      </a:fillRef>
+      <a:effectRef idx="2">
+        <a:scrgbClr r="0" g="0" b="0"/>
+      </a:effectRef>
+      <a:fontRef idx="minor"/>
+    </dgm:style>
+  </dgm:styleLbl>
+  <dgm:styleLbl name="conFgAcc1">
+    <dgm:scene3d>
+      <a:camera prst="orthographicFront"/>
+      <a:lightRig rig="threePt" dir="t"/>
+    </dgm:scene3d>
+    <dgm:sp3d/>
+    <dgm:txPr/>
+    <dgm:style>
+      <a:lnRef idx="1">
+        <a:scrgbClr r="0" g="0" b="0"/>
+      </a:lnRef>
+      <a:fillRef idx="1">
+        <a:scrgbClr r="0" g="0" b="0"/>
+      </a:fillRef>
+      <a:effectRef idx="2">
+        <a:scrgbClr r="0" g="0" b="0"/>
+      </a:effectRef>
+      <a:fontRef idx="minor"/>
+    </dgm:style>
+  </dgm:styleLbl>
+  <dgm:styleLbl name="alignAcc1">
+    <dgm:scene3d>
+      <a:camera prst="orthographicFront"/>
+      <a:lightRig rig="threePt" dir="t"/>
+    </dgm:scene3d>
+    <dgm:sp3d/>
+    <dgm:txPr/>
+    <dgm:style>
+      <a:lnRef idx="1">
+        <a:scrgbClr r="0" g="0" b="0"/>
+      </a:lnRef>
+      <a:fillRef idx="1">
+        <a:scrgbClr r="0" g="0" b="0"/>
+      </a:fillRef>
+      <a:effectRef idx="2">
+        <a:scrgbClr r="0" g="0" b="0"/>
+      </a:effectRef>
+      <a:fontRef idx="minor"/>
+    </dgm:style>
+  </dgm:styleLbl>
+  <dgm:styleLbl name="trAlignAcc1">
+    <dgm:scene3d>
+      <a:camera prst="orthographicFront"/>
+      <a:lightRig rig="threePt" dir="t"/>
+    </dgm:scene3d>
+    <dgm:sp3d/>
+    <dgm:txPr/>
+    <dgm:style>
+      <a:lnRef idx="1">
+        <a:scrgbClr r="0" g="0" b="0"/>
+      </a:lnRef>
+      <a:fillRef idx="1">
+        <a:scrgbClr r="0" g="0" b="0"/>
+      </a:fillRef>
+      <a:effectRef idx="0">
+        <a:scrgbClr r="0" g="0" b="0"/>
+      </a:effectRef>
+      <a:fontRef idx="minor"/>
+    </dgm:style>
+  </dgm:styleLbl>
+  <dgm:styleLbl name="bgAcc1">
+    <dgm:scene3d>
+      <a:camera prst="orthographicFront"/>
+      <a:lightRig rig="threePt" dir="t"/>
+    </dgm:scene3d>
+    <dgm:sp3d/>
+    <dgm:txPr/>
+    <dgm:style>
+      <a:lnRef idx="1">
+        <a:scrgbClr r="0" g="0" b="0"/>
+      </a:lnRef>
+      <a:fillRef idx="1">
+        <a:scrgbClr r="0" g="0" b="0"/>
+      </a:fillRef>
+      <a:effectRef idx="2">
+        <a:scrgbClr r="0" g="0" b="0"/>
+      </a:effectRef>
+      <a:fontRef idx="minor"/>
+    </dgm:style>
+  </dgm:styleLbl>
+  <dgm:styleLbl name="solidFgAcc1">
+    <dgm:scene3d>
+      <a:camera prst="orthographicFront"/>
+      <a:lightRig rig="threePt" dir="t"/>
+    </dgm:scene3d>
+    <dgm:sp3d/>
+    <dgm:txPr/>
+    <dgm:style>
+      <a:lnRef idx="1">
+        <a:scrgbClr r="0" g="0" b="0"/>
+      </a:lnRef>
+      <a:fillRef idx="1">
+        <a:scrgbClr r="0" g="0" b="0"/>
+      </a:fillRef>
+      <a:effectRef idx="2">
+        <a:scrgbClr r="0" g="0" b="0"/>
+      </a:effectRef>
+      <a:fontRef idx="minor"/>
+    </dgm:style>
+  </dgm:styleLbl>
+  <dgm:styleLbl name="solidAlignAcc1">
+    <dgm:scene3d>
+      <a:camera prst="orthographicFront"/>
+      <a:lightRig rig="threePt" dir="t"/>
+    </dgm:scene3d>
+    <dgm:sp3d/>
+    <dgm:txPr/>
+    <dgm:style>
+      <a:lnRef idx="1">
+        <a:scrgbClr r="0" g="0" b="0"/>
+      </a:lnRef>
+      <a:fillRef idx="1">
+        <a:scrgbClr r="0" g="0" b="0"/>
+      </a:fillRef>
+      <a:effectRef idx="3">
+        <a:scrgbClr r="0" g="0" b="0"/>
+      </a:effectRef>
+      <a:fontRef idx="minor"/>
+    </dgm:style>
+  </dgm:styleLbl>
+  <dgm:styleLbl name="solidBgAcc1">
+    <dgm:scene3d>
+      <a:camera prst="orthographicFront"/>
+      <a:lightRig rig="threePt" dir="t"/>
+    </dgm:scene3d>
+    <dgm:sp3d/>
+    <dgm:txPr/>
+    <dgm:style>
+      <a:lnRef idx="1">
+        <a:scrgbClr r="0" g="0" b="0"/>
+      </a:lnRef>
+      <a:fillRef idx="1">
+        <a:scrgbClr r="0" g="0" b="0"/>
+      </a:fillRef>
+      <a:effectRef idx="3">
+        <a:scrgbClr r="0" g="0" b="0"/>
+      </a:effectRef>
+      <a:fontRef idx="minor"/>
+    </dgm:style>
+  </dgm:styleLbl>
+  <dgm:styleLbl name="fgAccFollowNode1">
+    <dgm:scene3d>
+      <a:camera prst="orthographicFront"/>
+      <a:lightRig rig="threePt" dir="t"/>
+    </dgm:scene3d>
+    <dgm:sp3d/>
+    <dgm:txPr/>
+    <dgm:style>
+      <a:lnRef idx="1">
+        <a:scrgbClr r="0" g="0" b="0"/>
+      </a:lnRef>
+      <a:fillRef idx="1">
+        <a:scrgbClr r="0" g="0" b="0"/>
+      </a:fillRef>
+      <a:effectRef idx="2">
+        <a:scrgbClr r="0" g="0" b="0"/>
+      </a:effectRef>
+      <a:fontRef idx="minor"/>
+    </dgm:style>
+  </dgm:styleLbl>
+  <dgm:styleLbl name="alignAccFollowNode1">
+    <dgm:scene3d>
+      <a:camera prst="orthographicFront"/>
+      <a:lightRig rig="threePt" dir="t"/>
+    </dgm:scene3d>
+    <dgm:sp3d/>
+    <dgm:txPr/>
+    <dgm:style>
+      <a:lnRef idx="1">
+        <a:scrgbClr r="0" g="0" b="0"/>
+      </a:lnRef>
+      <a:fillRef idx="1">
+        <a:scrgbClr r="0" g="0" b="0"/>
+      </a:fillRef>
+      <a:effectRef idx="2">
+        <a:scrgbClr r="0" g="0" b="0"/>
+      </a:effectRef>
+      <a:fontRef idx="minor"/>
+    </dgm:style>
+  </dgm:styleLbl>
+  <dgm:styleLbl name="bgAccFollowNode1">
+    <dgm:scene3d>
+      <a:camera prst="orthographicFront"/>
+      <a:lightRig rig="threePt" dir="t"/>
+    </dgm:scene3d>
+    <dgm:sp3d/>
+    <dgm:txPr/>
+    <dgm:style>
+      <a:lnRef idx="1">
+        <a:scrgbClr r="0" g="0" b="0"/>
+      </a:lnRef>
+      <a:fillRef idx="1">
+        <a:scrgbClr r="0" g="0" b="0"/>
+      </a:fillRef>
+      <a:effectRef idx="2">
+        <a:scrgbClr r="0" g="0" b="0"/>
+      </a:effectRef>
+      <a:fontRef idx="minor"/>
+    </dgm:style>
+  </dgm:styleLbl>
+  <dgm:styleLbl name="fgAcc0">
+    <dgm:scene3d>
+      <a:camera prst="orthographicFront"/>
+      <a:lightRig rig="threePt" dir="t"/>
+    </dgm:scene3d>
+    <dgm:sp3d/>
+    <dgm:txPr/>
+    <dgm:style>
+      <a:lnRef idx="1">
+        <a:scrgbClr r="0" g="0" b="0"/>
+      </a:lnRef>
+      <a:fillRef idx="1">
+        <a:scrgbClr r="0" g="0" b="0"/>
+      </a:fillRef>
+      <a:effectRef idx="2">
+        <a:scrgbClr r="0" g="0" b="0"/>
+      </a:effectRef>
+      <a:fontRef idx="minor"/>
+    </dgm:style>
+  </dgm:styleLbl>
+  <dgm:styleLbl name="fgAcc2">
+    <dgm:scene3d>
+      <a:camera prst="orthographicFront"/>
+      <a:lightRig rig="threePt" dir="t"/>
+    </dgm:scene3d>
+    <dgm:sp3d/>
+    <dgm:txPr/>
+    <dgm:style>
+      <a:lnRef idx="1">
+        <a:scrgbClr r="0" g="0" b="0"/>
+      </a:lnRef>
+      <a:fillRef idx="1">
+        <a:scrgbClr r="0" g="0" b="0"/>
+      </a:fillRef>
+      <a:effectRef idx="2">
+        <a:scrgbClr r="0" g="0" b="0"/>
+      </a:effectRef>
+      <a:fontRef idx="minor"/>
+    </dgm:style>
+  </dgm:styleLbl>
+  <dgm:styleLbl name="fgAcc3">
+    <dgm:scene3d>
+      <a:camera prst="orthographicFront"/>
+      <a:lightRig rig="threePt" dir="t"/>
+    </dgm:scene3d>
+    <dgm:sp3d/>
+    <dgm:txPr/>
+    <dgm:style>
+      <a:lnRef idx="1">
+        <a:scrgbClr r="0" g="0" b="0"/>
+      </a:lnRef>
+      <a:fillRef idx="1">
+        <a:scrgbClr r="0" g="0" b="0"/>
+      </a:fillRef>
+      <a:effectRef idx="2">
+        <a:scrgbClr r="0" g="0" b="0"/>
+      </a:effectRef>
+      <a:fontRef idx="minor"/>
+    </dgm:style>
+  </dgm:styleLbl>
+  <dgm:styleLbl name="fgAcc4">
+    <dgm:scene3d>
+      <a:camera prst="orthographicFront"/>
+      <a:lightRig rig="threePt" dir="t"/>
+    </dgm:scene3d>
+    <dgm:sp3d/>
+    <dgm:txPr/>
+    <dgm:style>
+      <a:lnRef idx="1">
+        <a:scrgbClr r="0" g="0" b="0"/>
+      </a:lnRef>
+      <a:fillRef idx="1">
+        <a:scrgbClr r="0" g="0" b="0"/>
+      </a:fillRef>
+      <a:effectRef idx="2">
+        <a:scrgbClr r="0" g="0" b="0"/>
+      </a:effectRef>
+      <a:fontRef idx="minor"/>
+    </dgm:style>
+  </dgm:styleLbl>
+  <dgm:styleLbl name="bgShp">
+    <dgm:scene3d>
+      <a:camera prst="orthographicFront"/>
+      <a:lightRig rig="threePt" dir="t"/>
+    </dgm:scene3d>
+    <dgm:sp3d/>
+    <dgm:txPr/>
+    <dgm:style>
+      <a:lnRef idx="0">
+        <a:scrgbClr r="0" g="0" b="0"/>
+      </a:lnRef>
+      <a:fillRef idx="1">
+        <a:scrgbClr r="0" g="0" b="0"/>
+      </a:fillRef>
+      <a:effectRef idx="2">
+        <a:scrgbClr r="0" g="0" b="0"/>
+      </a:effectRef>
+      <a:fontRef idx="minor"/>
+    </dgm:style>
+  </dgm:styleLbl>
+  <dgm:styleLbl name="dkBgShp">
+    <dgm:scene3d>
+      <a:camera prst="orthographicFront"/>
+      <a:lightRig rig="threePt" dir="t"/>
+    </dgm:scene3d>
+    <dgm:sp3d/>
+    <dgm:txPr/>
+    <dgm:style>
+      <a:lnRef idx="0">
+        <a:scrgbClr r="0" g="0" b="0"/>
+      </a:lnRef>
+      <a:fillRef idx="1">
+        <a:scrgbClr r="0" g="0" b="0"/>
+      </a:fillRef>
+      <a:effectRef idx="3">
+        <a:scrgbClr r="0" g="0" b="0"/>
+      </a:effectRef>
+      <a:fontRef idx="minor"/>
+    </dgm:style>
+  </dgm:styleLbl>
+  <dgm:styleLbl name="trBgShp">
+    <dgm:scene3d>
+      <a:camera prst="orthographicFront"/>
+      <a:lightRig rig="threePt" dir="t"/>
+    </dgm:scene3d>
+    <dgm:sp3d/>
+    <dgm:txPr/>
+    <dgm:style>
+      <a:lnRef idx="0">
+        <a:scrgbClr r="0" g="0" b="0"/>
+      </a:lnRef>
+      <a:fillRef idx="1">
+        <a:scrgbClr r="0" g="0" b="0"/>
+      </a:fillRef>
+      <a:effectRef idx="0">
+        <a:scrgbClr r="0" g="0" b="0"/>
+      </a:effectRef>
+      <a:fontRef idx="minor"/>
+    </dgm:style>
+  </dgm:styleLbl>
+  <dgm:styleLbl name="fgShp">
+    <dgm:scene3d>
+      <a:camera prst="orthographicFront"/>
+      <a:lightRig rig="threePt" dir="t"/>
+    </dgm:scene3d>
+    <dgm:sp3d/>
+    <dgm:txPr/>
+    <dgm:style>
+      <a:lnRef idx="0">
+        <a:scrgbClr r="0" g="0" b="0"/>
+      </a:lnRef>
+      <a:fillRef idx="3">
+        <a:scrgbClr r="0" g="0" b="0"/>
+      </a:fillRef>
+      <a:effectRef idx="3">
         <a:scrgbClr r="0" g="0" b="0"/>
       </a:effectRef>
       <a:fontRef idx="minor"/>
@@ -8886,7 +12313,7 @@
           <a:lstStyle/>
           <a:p>
             <a:pPr algn="ctr"/>
-            <a:endParaRPr lang="en-US" dirty="0"/>
+            <a:endParaRPr lang="en-US"/>
           </a:p>
         </p:txBody>
       </p:sp>
@@ -8930,7 +12357,6 @@
               <a:rPr lang="en-US"/>
               <a:t>Click to edit Master title style</a:t>
             </a:r>
-            <a:endParaRPr lang="en-US" dirty="0"/>
           </a:p>
         </p:txBody>
       </p:sp>
@@ -9007,7 +12433,6 @@
               <a:rPr lang="en-US"/>
               <a:t>Click to edit Master subtitle style</a:t>
             </a:r>
-            <a:endParaRPr lang="en-US" dirty="0"/>
           </a:p>
         </p:txBody>
       </p:sp>
@@ -9045,7 +12470,7 @@
               <a:rPr lang="en-US" smtClean="0"/>
               <a:t>11/24/2022</a:t>
             </a:fld>
-            <a:endParaRPr lang="en-US" dirty="0"/>
+            <a:endParaRPr lang="en-US"/>
           </a:p>
         </p:txBody>
       </p:sp>
@@ -9075,7 +12500,7 @@
           <a:bodyPr/>
           <a:lstStyle/>
           <a:p>
-            <a:endParaRPr lang="en-US" dirty="0"/>
+            <a:endParaRPr lang="en-US"/>
           </a:p>
         </p:txBody>
       </p:sp>
@@ -9114,7 +12539,7 @@
               <a:pPr/>
               <a:t>‹Nr.›</a:t>
             </a:fld>
-            <a:endParaRPr lang="en-US" dirty="0"/>
+            <a:endParaRPr lang="en-US"/>
           </a:p>
         </p:txBody>
       </p:sp>
@@ -9303,7 +12728,7 @@
               <a:tabLst/>
               <a:defRPr/>
             </a:pPr>
-            <a:endParaRPr kumimoji="0" lang="en-US" sz="1800" b="0" i="0" u="none" strike="noStrike" kern="1200" cap="none" spc="0" normalizeH="0" baseline="0" noProof="0" dirty="0">
+            <a:endParaRPr kumimoji="0" lang="en-US" sz="1800" b="0" i="0" u="none" strike="noStrike" kern="1200" cap="none" spc="0" normalizeH="0" baseline="0" noProof="0">
               <a:ln>
                 <a:noFill/>
               </a:ln>
@@ -9505,7 +12930,7 @@
               <a:tabLst/>
               <a:defRPr/>
             </a:pPr>
-            <a:endParaRPr kumimoji="0" lang="en-US" sz="1800" b="0" i="0" u="none" strike="noStrike" kern="1200" cap="none" spc="0" normalizeH="0" baseline="0" noProof="0" dirty="0">
+            <a:endParaRPr kumimoji="0" lang="en-US" sz="1800" b="0" i="0" u="none" strike="noStrike" kern="1200" cap="none" spc="0" normalizeH="0" baseline="0" noProof="0">
               <a:ln>
                 <a:noFill/>
               </a:ln>
@@ -9775,7 +13200,6 @@
               <a:rPr lang="en-US"/>
               <a:t>Click to edit Master title style</a:t>
             </a:r>
-            <a:endParaRPr lang="en-US" dirty="0"/>
           </a:p>
         </p:txBody>
       </p:sp>
@@ -9827,7 +13251,6 @@
               <a:rPr lang="en-US"/>
               <a:t>Fifth level</a:t>
             </a:r>
-            <a:endParaRPr lang="en-US" dirty="0"/>
           </a:p>
         </p:txBody>
       </p:sp>
@@ -9856,7 +13279,7 @@
               <a:rPr lang="en-US" smtClean="0"/>
               <a:t>11/24/2022</a:t>
             </a:fld>
-            <a:endParaRPr lang="en-US" dirty="0"/>
+            <a:endParaRPr lang="en-US"/>
           </a:p>
         </p:txBody>
       </p:sp>
@@ -9881,7 +13304,7 @@
           <a:bodyPr/>
           <a:lstStyle/>
           <a:p>
-            <a:endParaRPr lang="en-US" dirty="0"/>
+            <a:endParaRPr lang="en-US"/>
           </a:p>
         </p:txBody>
       </p:sp>
@@ -9912,7 +13335,7 @@
               <a:pPr algn="l"/>
               <a:t>‹Nr.›</a:t>
             </a:fld>
-            <a:endParaRPr lang="en-US" dirty="0"/>
+            <a:endParaRPr lang="en-US"/>
           </a:p>
         </p:txBody>
       </p:sp>
@@ -9970,7 +13393,6 @@
               <a:rPr lang="en-US"/>
               <a:t>Click to edit Master title style</a:t>
             </a:r>
-            <a:endParaRPr lang="en-US" dirty="0"/>
           </a:p>
         </p:txBody>
       </p:sp>
@@ -10027,7 +13449,6 @@
               <a:rPr lang="en-US"/>
               <a:t>Fifth level</a:t>
             </a:r>
-            <a:endParaRPr lang="en-US" dirty="0"/>
           </a:p>
         </p:txBody>
       </p:sp>
@@ -10055,7 +13476,7 @@
               <a:rPr lang="en-US" smtClean="0"/>
               <a:t>11/24/2022</a:t>
             </a:fld>
-            <a:endParaRPr lang="en-US" dirty="0"/>
+            <a:endParaRPr lang="en-US"/>
           </a:p>
         </p:txBody>
       </p:sp>
@@ -10079,7 +13500,7 @@
           <a:bodyPr/>
           <a:lstStyle/>
           <a:p>
-            <a:endParaRPr lang="en-US" dirty="0"/>
+            <a:endParaRPr lang="en-US"/>
           </a:p>
         </p:txBody>
       </p:sp>
@@ -10112,7 +13533,7 @@
               <a:pPr/>
               <a:t>‹Nr.›</a:t>
             </a:fld>
-            <a:endParaRPr lang="en-US" dirty="0"/>
+            <a:endParaRPr lang="en-US"/>
           </a:p>
         </p:txBody>
       </p:sp>
@@ -10209,7 +13630,6 @@
               <a:rPr lang="en-US"/>
               <a:t>Click to edit Master title style</a:t>
             </a:r>
-            <a:endParaRPr lang="en-US" dirty="0"/>
           </a:p>
         </p:txBody>
       </p:sp>
@@ -10261,7 +13681,6 @@
               <a:rPr lang="en-US"/>
               <a:t>Fifth level</a:t>
             </a:r>
-            <a:endParaRPr lang="en-US" dirty="0"/>
           </a:p>
         </p:txBody>
       </p:sp>
@@ -10290,7 +13709,7 @@
               <a:rPr lang="en-US" smtClean="0"/>
               <a:t>11/24/2022</a:t>
             </a:fld>
-            <a:endParaRPr lang="en-US" dirty="0"/>
+            <a:endParaRPr lang="en-US"/>
           </a:p>
         </p:txBody>
       </p:sp>
@@ -10315,7 +13734,7 @@
           <a:bodyPr/>
           <a:lstStyle/>
           <a:p>
-            <a:endParaRPr lang="en-US" dirty="0"/>
+            <a:endParaRPr lang="en-US"/>
           </a:p>
         </p:txBody>
       </p:sp>
@@ -10346,7 +13765,7 @@
               <a:pPr algn="l"/>
               <a:t>‹Nr.›</a:t>
             </a:fld>
-            <a:endParaRPr lang="en-US" dirty="0"/>
+            <a:endParaRPr lang="en-US"/>
           </a:p>
         </p:txBody>
       </p:sp>
@@ -11626,7 +15045,7 @@
             <a:lstStyle/>
             <a:p>
               <a:pPr algn="ctr"/>
-              <a:endParaRPr lang="en-US" dirty="0"/>
+              <a:endParaRPr lang="en-US"/>
             </a:p>
           </p:txBody>
         </p:sp>
@@ -11821,7 +15240,7 @@
             <a:lstStyle/>
             <a:p>
               <a:pPr algn="ctr"/>
-              <a:endParaRPr lang="en-US" dirty="0"/>
+              <a:endParaRPr lang="en-US"/>
             </a:p>
           </p:txBody>
         </p:sp>
@@ -11978,7 +15397,7 @@
             <a:lstStyle/>
             <a:p>
               <a:pPr algn="ctr"/>
-              <a:endParaRPr lang="en-US" dirty="0"/>
+              <a:endParaRPr lang="en-US"/>
             </a:p>
           </p:txBody>
         </p:sp>
@@ -12522,7 +15941,7 @@
                 <a:tabLst/>
                 <a:defRPr/>
               </a:pPr>
-              <a:endParaRPr kumimoji="0" lang="en-US" sz="1800" b="0" i="0" u="none" strike="noStrike" kern="1200" cap="none" spc="0" normalizeH="0" baseline="0" noProof="0" dirty="0">
+              <a:endParaRPr kumimoji="0" lang="en-US" sz="1800" b="0" i="0" u="none" strike="noStrike" kern="1200" cap="none" spc="0" normalizeH="0" baseline="0" noProof="0">
                 <a:ln>
                   <a:noFill/>
                 </a:ln>
@@ -12698,7 +16117,7 @@
                 <a:tabLst/>
                 <a:defRPr/>
               </a:pPr>
-              <a:endParaRPr kumimoji="0" lang="en-US" sz="1800" b="0" i="0" u="none" strike="noStrike" kern="1200" cap="none" spc="0" normalizeH="0" baseline="0" noProof="0" dirty="0">
+              <a:endParaRPr kumimoji="0" lang="en-US" sz="1800" b="0" i="0" u="none" strike="noStrike" kern="1200" cap="none" spc="0" normalizeH="0" baseline="0" noProof="0">
                 <a:ln>
                   <a:noFill/>
                 </a:ln>
@@ -12756,7 +16175,6 @@
               <a:rPr lang="en-US"/>
               <a:t>Click to edit Master title style</a:t>
             </a:r>
-            <a:endParaRPr lang="en-US" dirty="0"/>
           </a:p>
         </p:txBody>
       </p:sp>
@@ -12786,7 +16204,7 @@
           <a:bodyPr/>
           <a:lstStyle/>
           <a:p>
-            <a:endParaRPr lang="en-US" dirty="0"/>
+            <a:endParaRPr lang="en-US"/>
           </a:p>
         </p:txBody>
       </p:sp>
@@ -12817,7 +16235,7 @@
               <a:pPr algn="l"/>
               <a:t>‹Nr.›</a:t>
             </a:fld>
-            <a:endParaRPr lang="en-US" dirty="0"/>
+            <a:endParaRPr lang="en-US"/>
           </a:p>
         </p:txBody>
       </p:sp>
@@ -12983,7 +16401,7 @@
               <a:rPr lang="en-US" smtClean="0"/>
               <a:t>11/24/2022</a:t>
             </a:fld>
-            <a:endParaRPr lang="en-US" dirty="0"/>
+            <a:endParaRPr lang="en-US"/>
           </a:p>
         </p:txBody>
       </p:sp>
@@ -13036,7 +16454,6 @@
               <a:rPr lang="en-US"/>
               <a:t>Click to edit Master title style</a:t>
             </a:r>
-            <a:endParaRPr lang="en-US" dirty="0"/>
           </a:p>
         </p:txBody>
       </p:sp>
@@ -13093,7 +16510,6 @@
               <a:rPr lang="en-US"/>
               <a:t>Fifth level</a:t>
             </a:r>
-            <a:endParaRPr lang="en-US" dirty="0"/>
           </a:p>
         </p:txBody>
       </p:sp>
@@ -13150,7 +16566,6 @@
               <a:rPr lang="en-US"/>
               <a:t>Fifth level</a:t>
             </a:r>
-            <a:endParaRPr lang="en-US" dirty="0"/>
           </a:p>
         </p:txBody>
       </p:sp>
@@ -13179,7 +16594,7 @@
               <a:rPr lang="en-US" smtClean="0"/>
               <a:t>11/24/2022</a:t>
             </a:fld>
-            <a:endParaRPr lang="en-US" dirty="0"/>
+            <a:endParaRPr lang="en-US"/>
           </a:p>
         </p:txBody>
       </p:sp>
@@ -13204,7 +16619,7 @@
           <a:bodyPr/>
           <a:lstStyle/>
           <a:p>
-            <a:endParaRPr lang="en-US" dirty="0"/>
+            <a:endParaRPr lang="en-US"/>
           </a:p>
         </p:txBody>
       </p:sp>
@@ -13235,7 +16650,7 @@
               <a:pPr algn="l"/>
               <a:t>‹Nr.›</a:t>
             </a:fld>
-            <a:endParaRPr lang="en-US" dirty="0"/>
+            <a:endParaRPr lang="en-US"/>
           </a:p>
         </p:txBody>
       </p:sp>
@@ -13396,7 +16811,6 @@
               <a:rPr lang="en-US"/>
               <a:t>Fifth level</a:t>
             </a:r>
-            <a:endParaRPr lang="en-US" dirty="0"/>
           </a:p>
         </p:txBody>
       </p:sp>
@@ -13539,7 +16953,6 @@
               <a:rPr lang="en-US"/>
               <a:t>Fifth level</a:t>
             </a:r>
-            <a:endParaRPr lang="en-US" dirty="0"/>
           </a:p>
         </p:txBody>
       </p:sp>
@@ -13568,7 +16981,7 @@
               <a:rPr lang="en-US" smtClean="0"/>
               <a:t>11/24/2022</a:t>
             </a:fld>
-            <a:endParaRPr lang="en-US" dirty="0"/>
+            <a:endParaRPr lang="en-US"/>
           </a:p>
         </p:txBody>
       </p:sp>
@@ -13593,7 +17006,7 @@
           <a:bodyPr/>
           <a:lstStyle/>
           <a:p>
-            <a:endParaRPr lang="en-US" dirty="0"/>
+            <a:endParaRPr lang="en-US"/>
           </a:p>
         </p:txBody>
       </p:sp>
@@ -13624,7 +17037,7 @@
               <a:pPr algn="l"/>
               <a:t>‹Nr.›</a:t>
             </a:fld>
-            <a:endParaRPr lang="en-US" dirty="0"/>
+            <a:endParaRPr lang="en-US"/>
           </a:p>
         </p:txBody>
       </p:sp>
@@ -13705,7 +17118,6 @@
               <a:rPr lang="en-US"/>
               <a:t>Click to edit Master title style</a:t>
             </a:r>
-            <a:endParaRPr lang="en-US" dirty="0"/>
           </a:p>
         </p:txBody>
       </p:sp>
@@ -13734,7 +17146,7 @@
               <a:rPr lang="en-US" smtClean="0"/>
               <a:t>11/24/2022</a:t>
             </a:fld>
-            <a:endParaRPr lang="en-US" dirty="0"/>
+            <a:endParaRPr lang="en-US"/>
           </a:p>
         </p:txBody>
       </p:sp>
@@ -13759,7 +17171,7 @@
           <a:bodyPr/>
           <a:lstStyle/>
           <a:p>
-            <a:endParaRPr lang="en-US" dirty="0"/>
+            <a:endParaRPr lang="en-US"/>
           </a:p>
         </p:txBody>
       </p:sp>
@@ -13790,7 +17202,7 @@
               <a:pPr algn="l"/>
               <a:t>‹Nr.›</a:t>
             </a:fld>
-            <a:endParaRPr lang="en-US" dirty="0"/>
+            <a:endParaRPr lang="en-US"/>
           </a:p>
         </p:txBody>
       </p:sp>
@@ -13857,7 +17269,7 @@
               <a:rPr lang="en-US" smtClean="0"/>
               <a:t>11/24/2022</a:t>
             </a:fld>
-            <a:endParaRPr lang="en-US" dirty="0"/>
+            <a:endParaRPr lang="en-US"/>
           </a:p>
         </p:txBody>
       </p:sp>
@@ -13882,7 +17294,7 @@
           <a:bodyPr/>
           <a:lstStyle/>
           <a:p>
-            <a:endParaRPr lang="en-US" dirty="0"/>
+            <a:endParaRPr lang="en-US"/>
           </a:p>
         </p:txBody>
       </p:sp>
@@ -13913,7 +17325,7 @@
               <a:pPr algn="l"/>
               <a:t>‹Nr.›</a:t>
             </a:fld>
-            <a:endParaRPr lang="en-US" dirty="0"/>
+            <a:endParaRPr lang="en-US"/>
           </a:p>
         </p:txBody>
       </p:sp>
@@ -13980,7 +17392,6 @@
               <a:rPr lang="en-US"/>
               <a:t>Click to edit Master title style</a:t>
             </a:r>
-            <a:endParaRPr lang="en-US" dirty="0"/>
           </a:p>
         </p:txBody>
       </p:sp>
@@ -14065,7 +17476,6 @@
               <a:rPr lang="en-US"/>
               <a:t>Fifth level</a:t>
             </a:r>
-            <a:endParaRPr lang="en-US" dirty="0"/>
           </a:p>
         </p:txBody>
       </p:sp>
@@ -14167,7 +17577,7 @@
               <a:rPr lang="en-US" smtClean="0"/>
               <a:t>11/24/2022</a:t>
             </a:fld>
-            <a:endParaRPr lang="en-US" dirty="0"/>
+            <a:endParaRPr lang="en-US"/>
           </a:p>
         </p:txBody>
       </p:sp>
@@ -14197,7 +17607,7 @@
           <a:bodyPr/>
           <a:lstStyle/>
           <a:p>
-            <a:endParaRPr lang="en-US" dirty="0"/>
+            <a:endParaRPr lang="en-US"/>
           </a:p>
         </p:txBody>
       </p:sp>
@@ -14228,7 +17638,7 @@
               <a:pPr algn="l"/>
               <a:t>‹Nr.›</a:t>
             </a:fld>
-            <a:endParaRPr lang="en-US" dirty="0"/>
+            <a:endParaRPr lang="en-US"/>
           </a:p>
         </p:txBody>
       </p:sp>
@@ -14328,7 +17738,6 @@
               <a:rPr lang="en-US"/>
               <a:t>Click icon to add picture</a:t>
             </a:r>
-            <a:endParaRPr lang="en-US" dirty="0"/>
           </a:p>
         </p:txBody>
       </p:sp>
@@ -14365,7 +17774,6 @@
               <a:rPr lang="en-US"/>
               <a:t>Click to edit Master title style</a:t>
             </a:r>
-            <a:endParaRPr lang="en-US" dirty="0"/>
           </a:p>
         </p:txBody>
       </p:sp>
@@ -14467,7 +17875,7 @@
               <a:rPr lang="en-US" smtClean="0"/>
               <a:t>11/24/2022</a:t>
             </a:fld>
-            <a:endParaRPr lang="en-US" dirty="0"/>
+            <a:endParaRPr lang="en-US"/>
           </a:p>
         </p:txBody>
       </p:sp>
@@ -14512,7 +17920,7 @@
             </a:lvl1pPr>
           </a:lstStyle>
           <a:p>
-            <a:endParaRPr lang="en-US" dirty="0"/>
+            <a:endParaRPr lang="en-US"/>
           </a:p>
         </p:txBody>
       </p:sp>
@@ -14543,7 +17951,7 @@
               <a:pPr algn="l"/>
               <a:t>‹Nr.›</a:t>
             </a:fld>
-            <a:endParaRPr lang="en-US" dirty="0"/>
+            <a:endParaRPr lang="en-US"/>
           </a:p>
         </p:txBody>
       </p:sp>
@@ -14614,7 +18022,6 @@
               <a:rPr lang="en-US"/>
               <a:t>Click to edit Master title style</a:t>
             </a:r>
-            <a:endParaRPr lang="en-US" dirty="0"/>
           </a:p>
         </p:txBody>
       </p:sp>
@@ -14676,7 +18083,6 @@
               <a:rPr lang="en-US"/>
               <a:t>Fifth level</a:t>
             </a:r>
-            <a:endParaRPr lang="en-US" dirty="0"/>
           </a:p>
         </p:txBody>
       </p:sp>
@@ -14719,7 +18125,7 @@
               <a:rPr lang="en-US" smtClean="0"/>
               <a:t>11/24/2022</a:t>
             </a:fld>
-            <a:endParaRPr lang="en-US" dirty="0"/>
+            <a:endParaRPr lang="en-US"/>
           </a:p>
         </p:txBody>
       </p:sp>
@@ -14758,7 +18164,7 @@
             </a:lvl1pPr>
           </a:lstStyle>
           <a:p>
-            <a:endParaRPr lang="en-US" dirty="0"/>
+            <a:endParaRPr lang="en-US"/>
           </a:p>
         </p:txBody>
       </p:sp>
@@ -14803,7 +18209,7 @@
               <a:pPr algn="l"/>
               <a:t>‹Nr.›</a:t>
             </a:fld>
-            <a:endParaRPr lang="en-US" dirty="0"/>
+            <a:endParaRPr lang="en-US"/>
           </a:p>
         </p:txBody>
       </p:sp>
@@ -15279,7 +18685,7 @@
               <a:tabLst/>
               <a:defRPr/>
             </a:pPr>
-            <a:endParaRPr kumimoji="0" lang="en-US" sz="1800" b="0" i="0" u="none" strike="noStrike" kern="1200" cap="none" spc="0" normalizeH="0" baseline="0" noProof="0" dirty="0">
+            <a:endParaRPr kumimoji="0" lang="en-US" sz="1800" b="0" i="0" u="none" strike="noStrike" kern="1200" cap="none" spc="0" normalizeH="0" baseline="0" noProof="0">
               <a:ln>
                 <a:noFill/>
               </a:ln>
@@ -15769,7 +19175,7 @@
                 <a:tabLst/>
                 <a:defRPr/>
               </a:pPr>
-              <a:endParaRPr kumimoji="0" lang="en-US" sz="1800" b="0" i="0" u="none" strike="noStrike" kern="1200" cap="none" spc="0" normalizeH="0" baseline="0" noProof="0" dirty="0">
+              <a:endParaRPr kumimoji="0" lang="en-US" sz="1800" b="0" i="0" u="none" strike="noStrike" kern="1200" cap="none" spc="0" normalizeH="0" baseline="0" noProof="0">
                 <a:ln>
                   <a:noFill/>
                 </a:ln>
@@ -15980,7 +19386,7 @@
                 <a:tabLst/>
                 <a:defRPr/>
               </a:pPr>
-              <a:endParaRPr kumimoji="0" lang="en-US" sz="1800" b="0" i="0" u="none" strike="noStrike" kern="1200" cap="none" spc="0" normalizeH="0" baseline="0" noProof="0" dirty="0">
+              <a:endParaRPr kumimoji="0" lang="en-US" sz="1800" b="0" i="0" u="none" strike="noStrike" kern="1200" cap="none" spc="0" normalizeH="0" baseline="0" noProof="0">
                 <a:ln>
                   <a:noFill/>
                 </a:ln>
@@ -16404,7 +19810,7 @@
                 <a:tabLst/>
                 <a:defRPr/>
               </a:pPr>
-              <a:endParaRPr kumimoji="0" lang="en-US" sz="1800" b="0" i="0" u="none" strike="noStrike" kern="1200" cap="none" spc="0" normalizeH="0" baseline="0" noProof="0" dirty="0">
+              <a:endParaRPr kumimoji="0" lang="en-US" sz="1800" b="0" i="0" u="none" strike="noStrike" kern="1200" cap="none" spc="0" normalizeH="0" baseline="0" noProof="0">
                 <a:ln>
                   <a:noFill/>
                 </a:ln>
@@ -16615,7 +20021,7 @@
                 <a:tabLst/>
                 <a:defRPr/>
               </a:pPr>
-              <a:endParaRPr kumimoji="0" lang="en-US" sz="1800" b="0" i="0" u="none" strike="noStrike" kern="1200" cap="none" spc="0" normalizeH="0" baseline="0" noProof="0" dirty="0">
+              <a:endParaRPr kumimoji="0" lang="en-US" sz="1800" b="0" i="0" u="none" strike="noStrike" kern="1200" cap="none" spc="0" normalizeH="0" baseline="0" noProof="0">
                 <a:ln>
                   <a:noFill/>
                 </a:ln>
@@ -16874,10 +20280,10 @@
               </a:lnSpc>
             </a:pPr>
             <a:r>
-              <a:rPr lang="de-DE" sz="4500" dirty="0"/>
+              <a:rPr lang="de-DE" sz="4500"/>
               <a:t>Marketingmanagement und Technologiemarketing </a:t>
             </a:r>
-            <a:endParaRPr lang="de-DE" sz="4500" dirty="0">
+            <a:endParaRPr lang="de-DE" sz="4500">
               <a:ea typeface="Meiryo"/>
             </a:endParaRPr>
           </a:p>
@@ -16911,7 +20317,7 @@
               </a:lnSpc>
             </a:pPr>
             <a:r>
-              <a:rPr lang="de-DE" sz="2000" dirty="0">
+              <a:rPr lang="de-DE" sz="2000">
                 <a:ea typeface="Meiryo"/>
               </a:rPr>
               <a:t>Teil 2</a:t>
@@ -16924,7 +20330,7 @@
               </a:lnSpc>
             </a:pPr>
             <a:r>
-              <a:rPr lang="de-DE" sz="2000" dirty="0">
+              <a:rPr lang="de-DE" sz="2000">
                 <a:ea typeface="Meiryo"/>
               </a:rPr>
               <a:t>Fallbeispiel 5: Hersteller eines leichten und hochfesten Verbundwerkstoffs</a:t>
@@ -16965,31 +20371,28 @@
           <a:p>
             <a:pPr algn="ctr"/>
             <a:r>
-              <a:rPr lang="de-DE" dirty="0">
+              <a:rPr lang="de-DE">
                 <a:ea typeface="Meiryo"/>
               </a:rPr>
               <a:t>Gruppenmitglieder: </a:t>
             </a:r>
-            <a:endParaRPr lang="de-DE" dirty="0" err="1">
+            <a:endParaRPr lang="de-DE" err="1">
               <a:ea typeface="Meiryo"/>
             </a:endParaRPr>
           </a:p>
           <a:p>
             <a:pPr algn="ctr"/>
             <a:r>
-              <a:rPr lang="de-DE" dirty="0">
+              <a:rPr lang="de-DE">
                 <a:ea typeface="Meiryo"/>
               </a:rPr>
               <a:t>Göran Hegenberg, Marius Huke, </a:t>
             </a:r>
-            <a:endParaRPr lang="de-DE">
-              <a:ea typeface="Meiryo"/>
-            </a:endParaRPr>
           </a:p>
           <a:p>
             <a:pPr algn="ctr"/>
             <a:r>
-              <a:rPr lang="de-DE" dirty="0">
+              <a:rPr lang="de-DE">
                 <a:ea typeface="Meiryo"/>
               </a:rPr>
               <a:t>Maximilian Ostrowski, Ron Rödel, </a:t>
@@ -16998,18 +20401,18 @@
           <a:p>
             <a:pPr algn="ctr"/>
             <a:r>
-              <a:rPr lang="de-DE" dirty="0">
+              <a:rPr lang="de-DE">
                 <a:ea typeface="Meiryo"/>
               </a:rPr>
               <a:t>Dominic Pascal </a:t>
             </a:r>
             <a:r>
-              <a:rPr lang="de-DE" dirty="0" err="1">
+              <a:rPr lang="de-DE" err="1">
                 <a:ea typeface="Meiryo"/>
               </a:rPr>
               <a:t>Lischtschuk</a:t>
             </a:r>
-            <a:endParaRPr lang="de-DE" dirty="0">
+            <a:endParaRPr lang="de-DE">
               <a:ea typeface="Meiryo"/>
             </a:endParaRPr>
           </a:p>
@@ -17231,6 +20634,310 @@
 </p:sld>
 </file>
 
+<file path=ppt/slides/slide10.xml><?xml version="1.0" encoding="utf-8"?>
+<p:sld xmlns:a="http://schemas.openxmlformats.org/drawingml/2006/main" xmlns:r="http://schemas.openxmlformats.org/officeDocument/2006/relationships" xmlns:p="http://schemas.openxmlformats.org/presentationml/2006/main">
+  <p:cSld>
+    <p:bg>
+      <p:bgPr>
+        <a:solidFill>
+          <a:schemeClr val="bg2"/>
+        </a:solidFill>
+        <a:effectLst/>
+      </p:bgPr>
+    </p:bg>
+    <p:spTree>
+      <p:nvGrpSpPr>
+        <p:cNvPr id="1" name=""/>
+        <p:cNvGrpSpPr/>
+        <p:nvPr/>
+      </p:nvGrpSpPr>
+      <p:grpSpPr>
+        <a:xfrm>
+          <a:off x="0" y="0"/>
+          <a:ext cx="0" cy="0"/>
+          <a:chOff x="0" y="0"/>
+          <a:chExt cx="0" cy="0"/>
+        </a:xfrm>
+      </p:grpSpPr>
+      <p:sp>
+        <p:nvSpPr>
+          <p:cNvPr id="3" name="Untertitel 2"/>
+          <p:cNvSpPr>
+            <a:spLocks noGrp="1"/>
+          </p:cNvSpPr>
+          <p:nvPr>
+            <p:ph idx="4294967295"/>
+          </p:nvPr>
+        </p:nvSpPr>
+        <p:spPr>
+          <a:xfrm>
+            <a:off x="304466" y="1380541"/>
+            <a:ext cx="11707060" cy="5133686"/>
+          </a:xfrm>
+        </p:spPr>
+        <p:txBody>
+          <a:bodyPr vert="horz" lIns="91440" tIns="45720" rIns="91440" bIns="45720" rtlCol="0" anchor="t">
+            <a:normAutofit fontScale="92500" lnSpcReduction="10000"/>
+          </a:bodyPr>
+          <a:lstStyle/>
+          <a:p>
+            <a:pPr marL="342900" indent="-342900">
+              <a:buFont typeface="Arial" panose="020B0503020204020204" pitchFamily="34" charset="0"/>
+              <a:buChar char="•"/>
+            </a:pPr>
+            <a:r>
+              <a:rPr lang="de-DE" dirty="0">
+                <a:ea typeface="+mn-lt"/>
+                <a:cs typeface="+mn-lt"/>
+              </a:rPr>
+              <a:t>Abb. 1: </a:t>
+            </a:r>
+            <a:r>
+              <a:rPr lang="de-DE" dirty="0">
+                <a:ea typeface="+mn-lt"/>
+                <a:cs typeface="+mn-lt"/>
+                <a:hlinkClick r:id="rId2"/>
+              </a:rPr>
+              <a:t>https://www.cleanpng.com/png-lightweight-computer-icons-symbol-2389137/download-png.html</a:t>
+            </a:r>
+            <a:endParaRPr lang="de-DE" dirty="0">
+              <a:ea typeface="+mn-lt"/>
+              <a:cs typeface="+mn-lt"/>
+            </a:endParaRPr>
+          </a:p>
+          <a:p>
+            <a:pPr marL="342900" indent="-342900">
+              <a:buFont typeface="Arial" panose="020B0503020204020204" pitchFamily="34" charset="0"/>
+              <a:buChar char="•"/>
+            </a:pPr>
+            <a:r>
+              <a:rPr lang="de-DE" dirty="0">
+                <a:ea typeface="Meiryo"/>
+              </a:rPr>
+              <a:t>Abb. 2: </a:t>
+            </a:r>
+            <a:r>
+              <a:rPr lang="de-DE" dirty="0">
+                <a:ea typeface="+mn-lt"/>
+                <a:cs typeface="+mn-lt"/>
+                <a:hlinkClick r:id="rId3"/>
+              </a:rPr>
+              <a:t>https://www.detail.de/de/de_de/nicht-knabbern-mit-popcorn-daemmen-32271</a:t>
+            </a:r>
+            <a:endParaRPr lang="de-DE" dirty="0">
+              <a:ea typeface="Meiryo"/>
+            </a:endParaRPr>
+          </a:p>
+          <a:p>
+            <a:pPr marL="342900" indent="-342900">
+              <a:buFont typeface="Arial" panose="020B0503020204020204" pitchFamily="34" charset="0"/>
+              <a:buChar char="•"/>
+            </a:pPr>
+            <a:r>
+              <a:rPr lang="de-DE" dirty="0">
+                <a:ea typeface="+mn-lt"/>
+                <a:cs typeface="+mn-lt"/>
+              </a:rPr>
+              <a:t>Abb. 3: </a:t>
+            </a:r>
+            <a:r>
+              <a:rPr lang="de-DE" dirty="0">
+                <a:ea typeface="+mn-lt"/>
+                <a:cs typeface="+mn-lt"/>
+                <a:hlinkClick r:id="rId4"/>
+              </a:rPr>
+              <a:t>https://www.wuv.de/Archiv/Baumarkt-N%C3%A4he-sticht-Marke</a:t>
+            </a:r>
+          </a:p>
+          <a:p>
+            <a:pPr marL="342900" indent="-342900">
+              <a:buFont typeface="Arial" panose="020B0503020204020204" pitchFamily="34" charset="0"/>
+              <a:buChar char="•"/>
+            </a:pPr>
+            <a:r>
+              <a:rPr lang="de-DE" dirty="0">
+                <a:ea typeface="+mn-lt"/>
+                <a:cs typeface="+mn-lt"/>
+              </a:rPr>
+              <a:t>Abb. 4: </a:t>
+            </a:r>
+            <a:r>
+              <a:rPr lang="de-DE" dirty="0">
+                <a:ea typeface="+mn-lt"/>
+                <a:cs typeface="+mn-lt"/>
+                <a:hlinkClick r:id="rId5"/>
+              </a:rPr>
+              <a:t>https://www.holzland-stoellger.de/bauen/platten/dekor-und-spanplatten/</a:t>
+            </a:r>
+          </a:p>
+          <a:p>
+            <a:pPr marL="342900" indent="-342900">
+              <a:buFont typeface="Arial" panose="020B0503020204020204" pitchFamily="34" charset="0"/>
+              <a:buChar char="•"/>
+            </a:pPr>
+            <a:r>
+              <a:rPr lang="de-DE" dirty="0">
+                <a:ea typeface="+mn-lt"/>
+                <a:cs typeface="+mn-lt"/>
+              </a:rPr>
+              <a:t>Abb. 5: </a:t>
+            </a:r>
+            <a:r>
+              <a:rPr lang="de-DE" dirty="0">
+                <a:ea typeface="+mn-lt"/>
+                <a:cs typeface="+mn-lt"/>
+                <a:hlinkClick r:id="rId6"/>
+              </a:rPr>
+              <a:t>https://www.livarea.de/trendblog/welche-vorteile-hat-die-furnierte-spanplatte-mdf-platte-gegenueber-massivholz/</a:t>
+            </a:r>
+            <a:endParaRPr lang="de-DE" dirty="0">
+              <a:ea typeface="+mn-lt"/>
+              <a:cs typeface="+mn-lt"/>
+            </a:endParaRPr>
+          </a:p>
+          <a:p>
+            <a:pPr marL="342900" indent="-342900">
+              <a:buFont typeface="Arial" panose="020B0503020204020204" pitchFamily="34" charset="0"/>
+              <a:buChar char="•"/>
+            </a:pPr>
+            <a:r>
+              <a:rPr lang="de-DE" dirty="0">
+                <a:ea typeface="+mn-lt"/>
+                <a:cs typeface="+mn-lt"/>
+              </a:rPr>
+              <a:t>Abb. 6: </a:t>
+            </a:r>
+            <a:r>
+              <a:rPr lang="de-DE" dirty="0">
+                <a:ea typeface="+mn-lt"/>
+                <a:cs typeface="+mn-lt"/>
+                <a:hlinkClick r:id="rId7"/>
+              </a:rPr>
+              <a:t>http://www.konform-moebel.de/</a:t>
+            </a:r>
+          </a:p>
+          <a:p>
+            <a:pPr marL="342900" indent="-342900">
+              <a:buFont typeface="Arial" panose="020B0503020204020204" pitchFamily="34" charset="0"/>
+              <a:buChar char="•"/>
+            </a:pPr>
+            <a:r>
+              <a:rPr lang="de-DE" dirty="0">
+                <a:ea typeface="+mn-lt"/>
+                <a:cs typeface="+mn-lt"/>
+              </a:rPr>
+              <a:t>Abb. 7: </a:t>
+            </a:r>
+            <a:r>
+              <a:rPr lang="de-DE" dirty="0">
+                <a:ea typeface="+mn-lt"/>
+                <a:cs typeface="+mn-lt"/>
+                <a:hlinkClick r:id="rId8"/>
+              </a:rPr>
+              <a:t>https://www.moebel-hartmann.com/home.html</a:t>
+            </a:r>
+            <a:endParaRPr lang="de-DE" dirty="0">
+              <a:ea typeface="+mn-lt"/>
+              <a:cs typeface="+mn-lt"/>
+            </a:endParaRPr>
+          </a:p>
+          <a:p>
+            <a:pPr marL="342900" indent="-342900">
+              <a:buFont typeface="Arial" panose="020B0503020204020204" pitchFamily="34" charset="0"/>
+              <a:buChar char="•"/>
+            </a:pPr>
+            <a:r>
+              <a:rPr lang="de-DE" dirty="0">
+                <a:ea typeface="+mn-lt"/>
+                <a:cs typeface="+mn-lt"/>
+              </a:rPr>
+              <a:t>Abb. 8: </a:t>
+            </a:r>
+            <a:r>
+              <a:rPr lang="de-DE" dirty="0">
+                <a:ea typeface="+mn-lt"/>
+                <a:cs typeface="+mn-lt"/>
+                <a:hlinkClick r:id="rId9"/>
+              </a:rPr>
+              <a:t>https://www.umweltbundesamt.de/umwelttipps-fuer-den-alltag/heizen-bauen/spanplatten-andere-holzwerkstoffe</a:t>
+            </a:r>
+          </a:p>
+          <a:p>
+            <a:pPr marL="342900" indent="-342900">
+              <a:buFont typeface="Arial" panose="020B0503020204020204" pitchFamily="34" charset="0"/>
+              <a:buChar char="•"/>
+            </a:pPr>
+            <a:r>
+              <a:rPr lang="de-DE" dirty="0">
+                <a:ea typeface="+mn-lt"/>
+                <a:cs typeface="+mn-lt"/>
+              </a:rPr>
+              <a:t>Abb. 9: </a:t>
+            </a:r>
+            <a:r>
+              <a:rPr lang="de-DE" dirty="0">
+                <a:ea typeface="+mn-lt"/>
+                <a:cs typeface="+mn-lt"/>
+                <a:hlinkClick r:id="rId10"/>
+              </a:rPr>
+              <a:t>https://www.egger.com/shop/de_LU/</a:t>
+            </a:r>
+          </a:p>
+        </p:txBody>
+      </p:sp>
+      <p:sp>
+        <p:nvSpPr>
+          <p:cNvPr id="4" name="Textfeld 3">
+            <a:extLst>
+              <a:ext uri="{FF2B5EF4-FFF2-40B4-BE49-F238E27FC236}">
+                <a16:creationId xmlns:a16="http://schemas.microsoft.com/office/drawing/2014/main" id="{296A58A0-7CC4-3F2B-1AE6-636D7A0BE4B4}"/>
+              </a:ext>
+            </a:extLst>
+          </p:cNvPr>
+          <p:cNvSpPr txBox="1"/>
+          <p:nvPr/>
+        </p:nvSpPr>
+        <p:spPr>
+          <a:xfrm>
+            <a:off x="300788" y="601579"/>
+            <a:ext cx="6387263" cy="584775"/>
+          </a:xfrm>
+          <a:prstGeom prst="rect">
+            <a:avLst/>
+          </a:prstGeom>
+          <a:noFill/>
+        </p:spPr>
+        <p:txBody>
+          <a:bodyPr rot="0" spcFirstLastPara="0" vertOverflow="overflow" horzOverflow="overflow" vert="horz" wrap="square" lIns="91440" tIns="45720" rIns="91440" bIns="45720" numCol="1" spcCol="0" rtlCol="0" fromWordArt="0" anchor="t" anchorCtr="0" forceAA="0" compatLnSpc="1">
+            <a:prstTxWarp prst="textNoShape">
+              <a:avLst/>
+            </a:prstTxWarp>
+            <a:spAutoFit/>
+          </a:bodyPr>
+          <a:lstStyle/>
+          <a:p>
+            <a:r>
+              <a:rPr lang="de-DE" sz="3200" b="1">
+                <a:ea typeface="Meiryo"/>
+              </a:rPr>
+              <a:t>Bildquellen</a:t>
+            </a:r>
+          </a:p>
+        </p:txBody>
+      </p:sp>
+    </p:spTree>
+    <p:extLst>
+      <p:ext uri="{BB962C8B-B14F-4D97-AF65-F5344CB8AC3E}">
+        <p14:creationId xmlns:p14="http://schemas.microsoft.com/office/powerpoint/2010/main" val="1189878764"/>
+      </p:ext>
+    </p:extLst>
+  </p:cSld>
+  <p:clrMapOvr>
+    <a:masterClrMapping/>
+  </p:clrMapOvr>
+</p:sld>
+</file>
+
 <file path=ppt/slides/slide2.xml><?xml version="1.0" encoding="utf-8"?>
 <p:sld xmlns:a="http://schemas.openxmlformats.org/drawingml/2006/main" xmlns:r="http://schemas.openxmlformats.org/officeDocument/2006/relationships" xmlns:p="http://schemas.openxmlformats.org/presentationml/2006/main">
   <p:cSld>
@@ -17383,7 +21090,7 @@
               <a:tabLst/>
               <a:defRPr/>
             </a:pPr>
-            <a:endParaRPr kumimoji="0" lang="en-US" sz="1800" b="0" i="0" u="none" strike="noStrike" kern="1200" cap="none" spc="0" normalizeH="0" baseline="0" noProof="0" dirty="0">
+            <a:endParaRPr kumimoji="0" lang="en-US" sz="1800" b="0" i="0" u="none" strike="noStrike" kern="1200" cap="none" spc="0" normalizeH="0" baseline="0" noProof="0">
               <a:ln>
                 <a:noFill/>
               </a:ln>
@@ -17812,7 +21519,7 @@
                 <a:tabLst/>
                 <a:defRPr/>
               </a:pPr>
-              <a:endParaRPr kumimoji="0" lang="en-US" sz="1800" b="0" i="0" u="none" strike="noStrike" kern="1200" cap="none" spc="0" normalizeH="0" baseline="0" noProof="0" dirty="0">
+              <a:endParaRPr kumimoji="0" lang="en-US" sz="1800" b="0" i="0" u="none" strike="noStrike" kern="1200" cap="none" spc="0" normalizeH="0" baseline="0" noProof="0">
                 <a:ln>
                   <a:noFill/>
                 </a:ln>
@@ -18023,7 +21730,7 @@
                 <a:tabLst/>
                 <a:defRPr/>
               </a:pPr>
-              <a:endParaRPr kumimoji="0" lang="en-US" sz="1800" b="0" i="0" u="none" strike="noStrike" kern="1200" cap="none" spc="0" normalizeH="0" baseline="0" noProof="0" dirty="0">
+              <a:endParaRPr kumimoji="0" lang="en-US" sz="1800" b="0" i="0" u="none" strike="noStrike" kern="1200" cap="none" spc="0" normalizeH="0" baseline="0" noProof="0">
                 <a:ln>
                   <a:noFill/>
                 </a:ln>
@@ -18070,7 +21777,7 @@
               <a:buAutoNum type="arabicPeriod"/>
             </a:pPr>
             <a:r>
-              <a:rPr lang="en-US" dirty="0" err="1">
+              <a:rPr lang="en-US" err="1">
                 <a:solidFill>
                   <a:schemeClr val="tx1">
                     <a:lumMod val="75000"/>
@@ -18080,7 +21787,7 @@
               </a:rPr>
               <a:t>Unternehmensvorstellung</a:t>
             </a:r>
-            <a:endParaRPr lang="en-US" dirty="0" err="1">
+            <a:endParaRPr lang="en-US" err="1">
               <a:solidFill>
                 <a:schemeClr val="tx1">
                   <a:lumMod val="75000"/>
@@ -18099,7 +21806,7 @@
               <a:buAutoNum type="arabicPeriod"/>
             </a:pPr>
             <a:r>
-              <a:rPr lang="en-US" dirty="0" err="1">
+              <a:rPr lang="en-US" err="1">
                 <a:solidFill>
                   <a:schemeClr val="tx1">
                     <a:lumMod val="75000"/>
@@ -18110,7 +21817,7 @@
               <a:t>Globale</a:t>
             </a:r>
             <a:r>
-              <a:rPr lang="en-US" dirty="0">
+              <a:rPr lang="en-US">
                 <a:solidFill>
                   <a:schemeClr val="tx1">
                     <a:lumMod val="75000"/>
@@ -18121,7 +21828,7 @@
               <a:t> </a:t>
             </a:r>
             <a:r>
-              <a:rPr lang="en-US" dirty="0" err="1">
+              <a:rPr lang="en-US" err="1">
                 <a:solidFill>
                   <a:schemeClr val="tx1">
                     <a:lumMod val="75000"/>
@@ -18131,7 +21838,7 @@
               </a:rPr>
               <a:t>Umfeldanalyse</a:t>
             </a:r>
-            <a:endParaRPr lang="en-US" dirty="0" err="1">
+            <a:endParaRPr lang="en-US" err="1">
               <a:solidFill>
                 <a:schemeClr val="tx1">
                   <a:lumMod val="75000"/>
@@ -18150,7 +21857,7 @@
               <a:buAutoNum type="arabicPeriod"/>
             </a:pPr>
             <a:r>
-              <a:rPr lang="en-US" dirty="0" err="1">
+              <a:rPr lang="en-US" err="1">
                 <a:solidFill>
                   <a:schemeClr val="tx1">
                     <a:lumMod val="75000"/>
@@ -18160,7 +21867,7 @@
               </a:rPr>
               <a:t>Marktabgrenzung</a:t>
             </a:r>
-            <a:endParaRPr lang="en-US" dirty="0" err="1">
+            <a:endParaRPr lang="en-US" err="1">
               <a:solidFill>
                 <a:schemeClr val="tx1">
                   <a:lumMod val="75000"/>
@@ -18179,7 +21886,7 @@
               <a:buAutoNum type="arabicPeriod"/>
             </a:pPr>
             <a:r>
-              <a:rPr lang="en-US" dirty="0" err="1">
+              <a:rPr lang="en-US" err="1">
                 <a:solidFill>
                   <a:schemeClr val="tx1">
                     <a:lumMod val="75000"/>
@@ -18190,7 +21897,7 @@
               <a:t>Zielgruppen</a:t>
             </a:r>
             <a:r>
-              <a:rPr lang="en-US" dirty="0">
+              <a:rPr lang="en-US">
                 <a:solidFill>
                   <a:schemeClr val="tx1">
                     <a:lumMod val="75000"/>
@@ -18201,7 +21908,7 @@
               <a:t> und </a:t>
             </a:r>
             <a:r>
-              <a:rPr lang="en-US" dirty="0" err="1">
+              <a:rPr lang="en-US" err="1">
                 <a:solidFill>
                   <a:schemeClr val="tx1">
                     <a:lumMod val="75000"/>
@@ -18211,7 +21918,7 @@
               </a:rPr>
               <a:t>Kundennutzen</a:t>
             </a:r>
-            <a:endParaRPr lang="en-US" dirty="0" err="1">
+            <a:endParaRPr lang="en-US" err="1">
               <a:solidFill>
                 <a:schemeClr val="tx1">
                   <a:lumMod val="75000"/>
@@ -18230,7 +21937,7 @@
               <a:buAutoNum type="arabicPeriod"/>
             </a:pPr>
             <a:r>
-              <a:rPr lang="en-US" dirty="0" err="1">
+              <a:rPr lang="en-US" err="1">
                 <a:solidFill>
                   <a:schemeClr val="tx1">
                     <a:lumMod val="75000"/>
@@ -18240,7 +21947,7 @@
               </a:rPr>
               <a:t>Wettbewerbssituation</a:t>
             </a:r>
-            <a:endParaRPr lang="en-US" dirty="0" err="1">
+            <a:endParaRPr lang="en-US" err="1">
               <a:solidFill>
                 <a:schemeClr val="tx1">
                   <a:lumMod val="75000"/>
@@ -18757,7 +22464,7 @@
               <a:tabLst/>
               <a:defRPr/>
             </a:pPr>
-            <a:endParaRPr kumimoji="0" lang="en-US" sz="1800" b="0" i="0" u="none" strike="noStrike" kern="1200" cap="none" spc="0" normalizeH="0" baseline="0" noProof="0" dirty="0">
+            <a:endParaRPr kumimoji="0" lang="en-US" sz="1800" b="0" i="0" u="none" strike="noStrike" kern="1200" cap="none" spc="0" normalizeH="0" baseline="0" noProof="0">
               <a:ln>
                 <a:noFill/>
               </a:ln>
@@ -18797,10 +22504,10 @@
           <a:lstStyle/>
           <a:p>
             <a:r>
-              <a:rPr lang="de-DE" dirty="0" err="1"/>
+              <a:rPr lang="de-DE" err="1"/>
               <a:t>Stablelight</a:t>
             </a:r>
-            <a:endParaRPr lang="de-DE" dirty="0" err="1">
+            <a:endParaRPr lang="de-DE" err="1">
               <a:ea typeface="Meiryo"/>
             </a:endParaRPr>
           </a:p>
@@ -18829,7 +22536,7 @@
           <a:lstStyle/>
           <a:p>
             <a:r>
-              <a:rPr lang="de-DE" dirty="0"/>
+              <a:rPr lang="de-DE"/>
               <a:t>"federleichte Stabilität"</a:t>
             </a:r>
           </a:p>
@@ -19011,7 +22718,7 @@
           <a:lstStyle/>
           <a:p>
             <a:pPr algn="ctr"/>
-            <a:endParaRPr lang="en-US" dirty="0"/>
+            <a:endParaRPr lang="en-US"/>
           </a:p>
         </p:txBody>
       </p:sp>
@@ -19211,7 +22918,7 @@
               <a:tabLst/>
               <a:defRPr/>
             </a:pPr>
-            <a:endParaRPr kumimoji="0" lang="en-US" sz="1800" b="0" i="0" u="none" strike="noStrike" kern="1200" cap="none" spc="0" normalizeH="0" baseline="0" noProof="0" dirty="0">
+            <a:endParaRPr kumimoji="0" lang="en-US" sz="1800" b="0" i="0" u="none" strike="noStrike" kern="1200" cap="none" spc="0" normalizeH="0" baseline="0" noProof="0">
               <a:ln>
                 <a:noFill/>
               </a:ln>
@@ -19424,7 +23131,7 @@
               <a:tabLst/>
               <a:defRPr/>
             </a:pPr>
-            <a:endParaRPr kumimoji="0" lang="en-US" sz="1800" b="0" i="0" u="none" strike="noStrike" kern="1200" cap="none" spc="0" normalizeH="0" baseline="0" noProof="0" dirty="0">
+            <a:endParaRPr kumimoji="0" lang="en-US" sz="1800" b="0" i="0" u="none" strike="noStrike" kern="1200" cap="none" spc="0" normalizeH="0" baseline="0" noProof="0">
               <a:ln>
                 <a:noFill/>
               </a:ln>
@@ -19509,7 +23216,7 @@
                 </a:solidFill>
                 <a:ea typeface="Meiryo"/>
               </a:rPr>
-              <a:t>Compolight</a:t>
+              <a:t>Stablelight</a:t>
             </a:r>
             <a:r>
               <a:rPr lang="de-DE" sz="2400" dirty="0">
@@ -19552,14 +23259,11 @@
           <a:lstStyle/>
           <a:p>
             <a:r>
-              <a:rPr lang="de-DE" sz="3200" b="1" dirty="0">
+              <a:rPr lang="de-DE" sz="3200" b="1">
                 <a:ea typeface="Meiryo"/>
               </a:rPr>
               <a:t>1. Unternehmensvorstellung</a:t>
             </a:r>
-            <a:endParaRPr lang="de-DE" sz="3200" b="1">
-              <a:ea typeface="Meiryo"/>
-            </a:endParaRPr>
           </a:p>
         </p:txBody>
       </p:sp>
@@ -19596,14 +23300,11 @@
           <a:p>
             <a:pPr algn="l"/>
             <a:r>
-              <a:rPr lang="de-DE" sz="1600" dirty="0">
+              <a:rPr lang="de-DE" sz="1600">
                 <a:ea typeface="Meiryo"/>
               </a:rPr>
               <a:t>Abb.1</a:t>
             </a:r>
-            <a:endParaRPr lang="de-DE" sz="1600">
-              <a:ea typeface="Meiryo"/>
-            </a:endParaRPr>
           </a:p>
         </p:txBody>
       </p:sp>
@@ -19772,7 +23473,7 @@
               <a:tabLst/>
               <a:defRPr/>
             </a:pPr>
-            <a:endParaRPr kumimoji="0" lang="en-US" sz="1800" b="0" i="0" u="none" strike="noStrike" kern="1200" cap="none" spc="0" normalizeH="0" baseline="0" noProof="0" dirty="0">
+            <a:endParaRPr kumimoji="0" lang="en-US" sz="1800" b="0" i="0" u="none" strike="noStrike" kern="1200" cap="none" spc="0" normalizeH="0" baseline="0" noProof="0">
               <a:ln>
                 <a:noFill/>
               </a:ln>
@@ -20017,7 +23718,7 @@
               <a:tabLst/>
               <a:defRPr/>
             </a:pPr>
-            <a:endParaRPr kumimoji="0" lang="en-US" sz="1800" b="0" i="0" u="none" strike="noStrike" kern="1200" cap="none" spc="0" normalizeH="0" baseline="0" noProof="0" dirty="0">
+            <a:endParaRPr kumimoji="0" lang="en-US" sz="1800" b="0" i="0" u="none" strike="noStrike" kern="1200" cap="none" spc="0" normalizeH="0" baseline="0" noProof="0">
               <a:ln>
                 <a:noFill/>
               </a:ln>
@@ -20189,7 +23890,7 @@
               <a:tabLst/>
               <a:defRPr/>
             </a:pPr>
-            <a:endParaRPr kumimoji="0" lang="en-US" sz="1800" b="0" i="0" u="none" strike="noStrike" kern="1200" cap="none" spc="0" normalizeH="0" baseline="0" noProof="0" dirty="0">
+            <a:endParaRPr kumimoji="0" lang="en-US" sz="1800" b="0" i="0" u="none" strike="noStrike" kern="1200" cap="none" spc="0" normalizeH="0" baseline="0" noProof="0">
               <a:ln>
                 <a:noFill/>
               </a:ln>
@@ -20402,7 +24103,7 @@
               <a:tabLst/>
               <a:defRPr/>
             </a:pPr>
-            <a:endParaRPr kumimoji="0" lang="en-US" sz="1800" b="0" i="0" u="none" strike="noStrike" kern="1200" cap="none" spc="0" normalizeH="0" baseline="0" noProof="0" dirty="0">
+            <a:endParaRPr kumimoji="0" lang="en-US" sz="1800" b="0" i="0" u="none" strike="noStrike" kern="1200" cap="none" spc="0" normalizeH="0" baseline="0" noProof="0">
               <a:ln>
                 <a:noFill/>
               </a:ln>
@@ -20517,7 +24218,7 @@
               <a:buFont typeface="Corbel" panose="020B0503020204020204" pitchFamily="34" charset="0"/>
             </a:pPr>
             <a:r>
-              <a:rPr lang="en-US" spc="150" dirty="0" err="1">
+              <a:rPr lang="en-US" spc="150" err="1">
                 <a:solidFill>
                   <a:schemeClr val="tx1">
                     <a:lumMod val="75000"/>
@@ -20528,7 +24229,7 @@
               <a:t>Spanplattenersatz</a:t>
             </a:r>
             <a:r>
-              <a:rPr lang="en-US" spc="150" dirty="0">
+              <a:rPr lang="en-US" spc="150">
                 <a:solidFill>
                   <a:schemeClr val="tx1">
                     <a:lumMod val="75000"/>
@@ -20539,7 +24240,7 @@
               <a:t> </a:t>
             </a:r>
             <a:r>
-              <a:rPr lang="en-US" spc="150" dirty="0" err="1">
+              <a:rPr lang="en-US" spc="150" err="1">
                 <a:solidFill>
                   <a:schemeClr val="tx1">
                     <a:lumMod val="75000"/>
@@ -20550,7 +24251,7 @@
               <a:t>mit</a:t>
             </a:r>
             <a:r>
-              <a:rPr lang="en-US" spc="150" dirty="0">
+              <a:rPr lang="en-US" spc="150">
                 <a:solidFill>
                   <a:schemeClr val="tx1">
                     <a:lumMod val="75000"/>
@@ -20561,7 +24262,7 @@
               <a:t> </a:t>
             </a:r>
             <a:r>
-              <a:rPr lang="en-US" spc="150" dirty="0" err="1">
+              <a:rPr lang="en-US" spc="150" err="1">
                 <a:solidFill>
                   <a:schemeClr val="tx1">
                     <a:lumMod val="75000"/>
@@ -20571,7 +24272,7 @@
               </a:rPr>
               <a:t>Popcorngranulat</a:t>
             </a:r>
-            <a:endParaRPr lang="en-US" spc="150" dirty="0" err="1">
+            <a:endParaRPr lang="en-US" spc="150" err="1">
               <a:solidFill>
                 <a:schemeClr val="tx1">
                   <a:lumMod val="75000"/>
@@ -20593,7 +24294,7 @@
               <a:buChar char="Ø"/>
             </a:pPr>
             <a:r>
-              <a:rPr lang="en-US" spc="150" dirty="0">
+              <a:rPr lang="en-US" spc="150">
                 <a:solidFill>
                   <a:schemeClr val="tx1">
                     <a:lumMod val="75000"/>
@@ -20604,7 +24305,7 @@
               <a:t>35% </a:t>
             </a:r>
             <a:r>
-              <a:rPr lang="en-US" spc="150" dirty="0" err="1">
+              <a:rPr lang="en-US" spc="150" err="1">
                 <a:solidFill>
                   <a:schemeClr val="tx1">
                     <a:lumMod val="75000"/>
@@ -20614,7 +24315,7 @@
               </a:rPr>
               <a:t>leichter</a:t>
             </a:r>
-            <a:endParaRPr lang="en-US" spc="150" dirty="0" err="1">
+            <a:endParaRPr lang="en-US" spc="150" err="1">
               <a:solidFill>
                 <a:schemeClr val="tx1">
                   <a:lumMod val="75000"/>
@@ -20636,7 +24337,7 @@
               <a:buChar char="Ø"/>
             </a:pPr>
             <a:r>
-              <a:rPr lang="en-US" spc="150" dirty="0" err="1">
+              <a:rPr lang="en-US" spc="150" err="1">
                 <a:solidFill>
                   <a:schemeClr val="tx1">
                     <a:lumMod val="75000"/>
@@ -20647,7 +24348,7 @@
               <a:t>aus</a:t>
             </a:r>
             <a:r>
-              <a:rPr lang="en-US" spc="150" dirty="0">
+              <a:rPr lang="en-US" spc="150">
                 <a:solidFill>
                   <a:schemeClr val="tx1">
                     <a:lumMod val="75000"/>
@@ -20658,7 +24359,7 @@
               <a:t> schnell </a:t>
             </a:r>
             <a:r>
-              <a:rPr lang="en-US" spc="150" dirty="0" err="1">
+              <a:rPr lang="en-US" spc="150" err="1">
                 <a:solidFill>
                   <a:schemeClr val="tx1">
                     <a:lumMod val="75000"/>
@@ -20669,7 +24370,7 @@
               <a:t>nachwachsenden</a:t>
             </a:r>
             <a:r>
-              <a:rPr lang="en-US" spc="150" dirty="0">
+              <a:rPr lang="en-US" spc="150">
                 <a:solidFill>
                   <a:schemeClr val="tx1">
                     <a:lumMod val="75000"/>
@@ -20680,7 +24381,7 @@
               <a:t> </a:t>
             </a:r>
             <a:r>
-              <a:rPr lang="en-US" spc="150" dirty="0" err="1">
+              <a:rPr lang="en-US" spc="150" err="1">
                 <a:solidFill>
                   <a:schemeClr val="tx1">
                     <a:lumMod val="75000"/>
@@ -20712,7 +24413,7 @@
               <a:buChar char="Ø"/>
             </a:pPr>
             <a:r>
-              <a:rPr lang="en-US" spc="150" dirty="0" err="1">
+              <a:rPr lang="en-US" spc="150" err="1">
                 <a:solidFill>
                   <a:schemeClr val="tx1">
                     <a:lumMod val="75000"/>
@@ -20724,7 +24425,7 @@
               <a:t>technische</a:t>
             </a:r>
             <a:r>
-              <a:rPr lang="en-US" spc="150" dirty="0">
+              <a:rPr lang="en-US" spc="150">
                 <a:solidFill>
                   <a:schemeClr val="tx1">
                     <a:lumMod val="75000"/>
@@ -20736,7 +24437,7 @@
               <a:t> </a:t>
             </a:r>
             <a:r>
-              <a:rPr lang="en-US" spc="150" dirty="0" err="1">
+              <a:rPr lang="en-US" spc="150" err="1">
                 <a:solidFill>
                   <a:schemeClr val="tx1">
                     <a:lumMod val="75000"/>
@@ -20748,7 +24449,7 @@
               <a:t>Anforderungen</a:t>
             </a:r>
             <a:r>
-              <a:rPr lang="en-US" spc="150" dirty="0">
+              <a:rPr lang="en-US" spc="150">
                 <a:solidFill>
                   <a:schemeClr val="tx1">
                     <a:lumMod val="75000"/>
@@ -20760,7 +24461,7 @@
               <a:t> </a:t>
             </a:r>
             <a:r>
-              <a:rPr lang="en-US" spc="150" dirty="0" err="1">
+              <a:rPr lang="en-US" spc="150" err="1">
                 <a:solidFill>
                   <a:schemeClr val="tx1">
                     <a:lumMod val="75000"/>
@@ -20772,7 +24473,7 @@
               <a:t>einer</a:t>
             </a:r>
             <a:r>
-              <a:rPr lang="en-US" spc="150" dirty="0">
+              <a:rPr lang="en-US" spc="150">
                 <a:solidFill>
                   <a:schemeClr val="tx1">
                     <a:lumMod val="75000"/>
@@ -20784,7 +24485,7 @@
               <a:t> </a:t>
             </a:r>
             <a:r>
-              <a:rPr lang="en-US" spc="150" dirty="0" err="1">
+              <a:rPr lang="en-US" spc="150" err="1">
                 <a:solidFill>
                   <a:schemeClr val="tx1">
                     <a:lumMod val="75000"/>
@@ -20807,7 +24508,7 @@
               <a:buFont typeface="Wingdings" panose="020B0503020204020204" pitchFamily="34" charset="0"/>
               <a:buChar char="Ø"/>
             </a:pPr>
-            <a:endParaRPr lang="en-US" spc="150" dirty="0">
+            <a:endParaRPr lang="en-US" spc="150">
               <a:solidFill>
                 <a:schemeClr val="tx1">
                   <a:lumMod val="75000"/>
@@ -20851,12 +24552,12 @@
           <a:lstStyle/>
           <a:p>
             <a:r>
-              <a:rPr lang="de-DE" sz="1600" dirty="0">
+              <a:rPr lang="de-DE" sz="1600">
                 <a:ea typeface="Meiryo"/>
               </a:rPr>
               <a:t>Abb. 2</a:t>
             </a:r>
-            <a:endParaRPr lang="de-DE" sz="1600" dirty="0"/>
+            <a:endParaRPr lang="de-DE" sz="1600"/>
           </a:p>
         </p:txBody>
       </p:sp>
@@ -21000,7 +24701,7 @@
               </a:spcAft>
             </a:pPr>
             <a:r>
-              <a:rPr lang="en-US" sz="3200" b="1" spc="150" dirty="0">
+              <a:rPr lang="en-US" sz="3200" b="1" spc="150">
                 <a:solidFill>
                   <a:schemeClr val="tx1">
                     <a:lumMod val="75000"/>
@@ -21014,7 +24715,7 @@
               <a:t>2. </a:t>
             </a:r>
             <a:r>
-              <a:rPr lang="en-US" sz="3200" b="1" spc="150" dirty="0" err="1">
+              <a:rPr lang="en-US" sz="3200" b="1" spc="150" err="1">
                 <a:solidFill>
                   <a:schemeClr val="tx1">
                     <a:lumMod val="75000"/>
@@ -21028,7 +24729,7 @@
               <a:t>Globale</a:t>
             </a:r>
             <a:r>
-              <a:rPr lang="en-US" sz="3200" b="1" spc="150" dirty="0">
+              <a:rPr lang="en-US" sz="3200" b="1" spc="150">
                 <a:solidFill>
                   <a:schemeClr val="tx1">
                     <a:lumMod val="75000"/>
@@ -21042,7 +24743,7 @@
               <a:t> </a:t>
             </a:r>
             <a:r>
-              <a:rPr lang="en-US" sz="3200" b="1" spc="150" dirty="0" err="1">
+              <a:rPr lang="en-US" sz="3200" b="1" spc="150" err="1">
                 <a:solidFill>
                   <a:schemeClr val="tx1">
                     <a:lumMod val="75000"/>
@@ -21055,7 +24756,7 @@
               </a:rPr>
               <a:t>Umfeldanalyse</a:t>
             </a:r>
-            <a:endParaRPr lang="de-DE" dirty="0" err="1">
+            <a:endParaRPr lang="de-DE" err="1">
               <a:solidFill>
                 <a:schemeClr val="tx1">
                   <a:lumMod val="75000"/>
@@ -21289,7 +24990,7 @@
               <a:tabLst/>
               <a:defRPr/>
             </a:pPr>
-            <a:endParaRPr kumimoji="0" lang="en-US" sz="1800" b="0" i="0" u="none" strike="noStrike" kern="1200" cap="none" spc="0" normalizeH="0" baseline="0" noProof="0" dirty="0">
+            <a:endParaRPr kumimoji="0" lang="en-US" sz="1800" b="0" i="0" u="none" strike="noStrike" kern="1200" cap="none" spc="0" normalizeH="0" baseline="0" noProof="0">
               <a:ln>
                 <a:noFill/>
               </a:ln>
@@ -21440,7 +25141,7 @@
           <a:lstStyle/>
           <a:p>
             <a:pPr algn="ctr"/>
-            <a:endParaRPr lang="en-US" dirty="0"/>
+            <a:endParaRPr lang="en-US"/>
           </a:p>
         </p:txBody>
       </p:sp>
@@ -21620,7 +25321,7 @@
               <a:tabLst/>
               <a:defRPr/>
             </a:pPr>
-            <a:endParaRPr kumimoji="0" lang="en-US" sz="1800" b="0" i="0" u="none" strike="noStrike" kern="1200" cap="none" spc="0" normalizeH="0" baseline="0" noProof="0" dirty="0">
+            <a:endParaRPr kumimoji="0" lang="en-US" sz="1800" b="0" i="0" u="none" strike="noStrike" kern="1200" cap="none" spc="0" normalizeH="0" baseline="0" noProof="0">
               <a:ln>
                 <a:noFill/>
               </a:ln>
@@ -21679,20 +25380,6 @@
               </a:spcAft>
             </a:pPr>
             <a:r>
-              <a:rPr lang="en-US" sz="3200" b="1" spc="150" dirty="0">
-                <a:solidFill>
-                  <a:schemeClr val="tx1">
-                    <a:lumMod val="75000"/>
-                    <a:lumOff val="25000"/>
-                  </a:schemeClr>
-                </a:solidFill>
-                <a:latin typeface="+mj-lt"/>
-                <a:ea typeface="+mj-ea"/>
-                <a:cs typeface="+mj-cs"/>
-              </a:rPr>
-              <a:t>3. </a:t>
-            </a:r>
-            <a:r>
               <a:rPr lang="en-US" sz="3200" b="1" spc="150">
                 <a:solidFill>
                   <a:schemeClr val="tx1">
@@ -21704,7 +25391,7 @@
                 <a:ea typeface="+mj-ea"/>
                 <a:cs typeface="+mj-cs"/>
               </a:rPr>
-              <a:t>Marktabgrenzung</a:t>
+              <a:t>3. Marktabgrenzung</a:t>
             </a:r>
           </a:p>
         </p:txBody>
@@ -22042,7 +25729,7 @@
               <a:tabLst/>
               <a:defRPr/>
             </a:pPr>
-            <a:endParaRPr kumimoji="0" lang="en-US" sz="1800" b="0" i="0" u="none" strike="noStrike" kern="1200" cap="none" spc="0" normalizeH="0" baseline="0" noProof="0" dirty="0">
+            <a:endParaRPr kumimoji="0" lang="en-US" sz="1800" b="0" i="0" u="none" strike="noStrike" kern="1200" cap="none" spc="0" normalizeH="0" baseline="0" noProof="0">
               <a:ln>
                 <a:noFill/>
               </a:ln>
@@ -22267,7 +25954,7 @@
               <a:tabLst/>
               <a:defRPr/>
             </a:pPr>
-            <a:endParaRPr kumimoji="0" lang="en-US" sz="1800" b="0" i="0" u="none" strike="noStrike" kern="1200" cap="none" spc="0" normalizeH="0" baseline="0" noProof="0" dirty="0">
+            <a:endParaRPr kumimoji="0" lang="en-US" sz="1800" b="0" i="0" u="none" strike="noStrike" kern="1200" cap="none" spc="0" normalizeH="0" baseline="0" noProof="0">
               <a:ln>
                 <a:noFill/>
               </a:ln>
@@ -22530,7 +26217,7 @@
               <a:tabLst/>
               <a:defRPr/>
             </a:pPr>
-            <a:endParaRPr kumimoji="0" lang="en-US" sz="1800" b="0" i="0" u="none" strike="noStrike" kern="1200" cap="none" spc="0" normalizeH="0" baseline="0" noProof="0" dirty="0">
+            <a:endParaRPr kumimoji="0" lang="en-US" sz="1800" b="0" i="0" u="none" strike="noStrike" kern="1200" cap="none" spc="0" normalizeH="0" baseline="0" noProof="0">
               <a:ln>
                 <a:noFill/>
               </a:ln>
@@ -22793,7 +26480,7 @@
               <a:tabLst/>
               <a:defRPr/>
             </a:pPr>
-            <a:endParaRPr kumimoji="0" lang="en-US" sz="1800" b="0" i="0" u="none" strike="noStrike" kern="1200" cap="none" spc="0" normalizeH="0" baseline="0" noProof="0" dirty="0">
+            <a:endParaRPr kumimoji="0" lang="en-US" sz="1800" b="0" i="0" u="none" strike="noStrike" kern="1200" cap="none" spc="0" normalizeH="0" baseline="0" noProof="0">
               <a:ln>
                 <a:noFill/>
               </a:ln>
@@ -23058,7 +26745,7 @@
               <a:tabLst/>
               <a:defRPr/>
             </a:pPr>
-            <a:endParaRPr kumimoji="0" lang="en-US" sz="1800" b="0" i="0" u="none" strike="noStrike" kern="1200" cap="none" spc="0" normalizeH="0" baseline="0" noProof="0" dirty="0">
+            <a:endParaRPr kumimoji="0" lang="en-US" sz="1800" b="0" i="0" u="none" strike="noStrike" kern="1200" cap="none" spc="0" normalizeH="0" baseline="0" noProof="0">
               <a:ln>
                 <a:noFill/>
               </a:ln>
@@ -23255,7 +26942,7 @@
               <a:tabLst/>
               <a:defRPr/>
             </a:pPr>
-            <a:endParaRPr kumimoji="0" lang="en-US" sz="1800" b="0" i="0" u="none" strike="noStrike" kern="1200" cap="none" spc="0" normalizeH="0" baseline="0" noProof="0" dirty="0">
+            <a:endParaRPr kumimoji="0" lang="en-US" sz="1800" b="0" i="0" u="none" strike="noStrike" kern="1200" cap="none" spc="0" normalizeH="0" baseline="0" noProof="0">
               <a:ln>
                 <a:noFill/>
               </a:ln>
@@ -23452,7 +27139,7 @@
               <a:tabLst/>
               <a:defRPr/>
             </a:pPr>
-            <a:endParaRPr kumimoji="0" lang="en-US" sz="1800" b="0" i="0" u="none" strike="noStrike" kern="1200" cap="none" spc="0" normalizeH="0" baseline="0" noProof="0" dirty="0">
+            <a:endParaRPr kumimoji="0" lang="en-US" sz="1800" b="0" i="0" u="none" strike="noStrike" kern="1200" cap="none" spc="0" normalizeH="0" baseline="0" noProof="0">
               <a:ln>
                 <a:noFill/>
               </a:ln>
@@ -23886,7 +27573,7 @@
               <a:tabLst/>
               <a:defRPr/>
             </a:pPr>
-            <a:endParaRPr kumimoji="0" lang="en-US" sz="1800" b="0" i="0" u="none" strike="noStrike" kern="1200" cap="none" spc="0" normalizeH="0" baseline="0" noProof="0" dirty="0">
+            <a:endParaRPr kumimoji="0" lang="en-US" sz="1800" b="0" i="0" u="none" strike="noStrike" kern="1200" cap="none" spc="0" normalizeH="0" baseline="0" noProof="0">
               <a:ln>
                 <a:noFill/>
               </a:ln>
@@ -24337,7 +28024,7 @@
               <a:tabLst/>
               <a:defRPr/>
             </a:pPr>
-            <a:endParaRPr kumimoji="0" lang="en-US" sz="1800" b="0" i="0" u="none" strike="noStrike" kern="1200" cap="none" spc="0" normalizeH="0" baseline="0" noProof="0" dirty="0">
+            <a:endParaRPr kumimoji="0" lang="en-US" sz="1800" b="0" i="0" u="none" strike="noStrike" kern="1200" cap="none" spc="0" normalizeH="0" baseline="0" noProof="0">
               <a:ln>
                 <a:noFill/>
               </a:ln>
@@ -24396,7 +28083,7 @@
               </a:spcAft>
             </a:pPr>
             <a:r>
-              <a:rPr lang="en-US" sz="3700" b="1" spc="150" dirty="0">
+              <a:rPr lang="en-US" sz="3700" b="1" spc="150">
                 <a:solidFill>
                   <a:schemeClr val="tx1">
                     <a:lumMod val="85000"/>
@@ -24410,7 +28097,7 @@
               <a:t>4. </a:t>
             </a:r>
             <a:r>
-              <a:rPr lang="en-US" sz="3700" b="1" spc="150" dirty="0" err="1">
+              <a:rPr lang="en-US" sz="3700" b="1" spc="150" err="1">
                 <a:solidFill>
                   <a:schemeClr val="tx1">
                     <a:lumMod val="85000"/>
@@ -24424,7 +28111,7 @@
               <a:t>Zielgruppen</a:t>
             </a:r>
             <a:r>
-              <a:rPr lang="en-US" sz="3700" b="1" spc="150" dirty="0">
+              <a:rPr lang="en-US" sz="3700" b="1" spc="150">
                 <a:solidFill>
                   <a:schemeClr val="tx1">
                     <a:lumMod val="85000"/>
@@ -24437,7 +28124,7 @@
               </a:rPr>
               <a:t> </a:t>
             </a:r>
-            <a:endParaRPr lang="en-US" sz="3700" b="1" spc="150" dirty="0">
+            <a:endParaRPr lang="en-US" sz="3700" b="1" spc="150">
               <a:solidFill>
                 <a:schemeClr val="tx1">
                   <a:lumMod val="85000"/>
@@ -24582,7 +28269,7 @@
           </a:bodyPr>
           <a:lstStyle/>
           <a:p>
-            <a:endParaRPr lang="de-DE" dirty="0">
+            <a:endParaRPr lang="de-DE">
               <a:latin typeface="Calibri"/>
               <a:cs typeface="Arial"/>
             </a:endParaRPr>
@@ -24621,7 +28308,7 @@
           <a:lstStyle/>
           <a:p>
             <a:r>
-              <a:rPr lang="de-DE" sz="1600" dirty="0">
+              <a:rPr lang="de-DE" sz="1600">
                 <a:ea typeface="Meiryo"/>
               </a:rPr>
               <a:t>Abb. 3</a:t>
@@ -24755,12 +28442,12 @@
           </a:lstStyle>
           <a:p>
             <a:r>
-              <a:rPr lang="de-DE" dirty="0">
+              <a:rPr lang="de-DE">
                 <a:ea typeface="Meiryo"/>
               </a:rPr>
               <a:t>Abb. 4</a:t>
             </a:r>
-            <a:endParaRPr lang="de-DE" dirty="0"/>
+            <a:endParaRPr lang="de-DE"/>
           </a:p>
         </p:txBody>
       </p:sp>
@@ -24890,12 +28577,12 @@
           </a:lstStyle>
           <a:p>
             <a:r>
-              <a:rPr lang="de-DE" dirty="0">
+              <a:rPr lang="de-DE">
                 <a:ea typeface="Meiryo"/>
               </a:rPr>
               <a:t>Abb. 5</a:t>
             </a:r>
-            <a:endParaRPr lang="de-DE" dirty="0"/>
+            <a:endParaRPr lang="de-DE"/>
           </a:p>
         </p:txBody>
       </p:sp>
@@ -24915,6 +28602,14 @@
 <file path=ppt/slides/slide8.xml><?xml version="1.0" encoding="utf-8"?>
 <p:sld xmlns:a="http://schemas.openxmlformats.org/drawingml/2006/main" xmlns:r="http://schemas.openxmlformats.org/officeDocument/2006/relationships" xmlns:p="http://schemas.openxmlformats.org/presentationml/2006/main">
   <p:cSld>
+    <p:bg>
+      <p:bgPr>
+        <a:solidFill>
+          <a:schemeClr val="bg2"/>
+        </a:solidFill>
+        <a:effectLst/>
+      </p:bgPr>
+    </p:bg>
     <p:spTree>
       <p:nvGrpSpPr>
         <p:cNvPr id="1" name=""/>
@@ -24929,66 +28624,791 @@
           <a:chExt cx="0" cy="0"/>
         </a:xfrm>
       </p:grpSpPr>
-      <p:sp>
-        <p:nvSpPr>
-          <p:cNvPr id="2" name="Titel 1">
+      <p:cxnSp>
+        <p:nvCxnSpPr>
+          <p:cNvPr id="101" name="Straight Connector 100">
             <a:extLst>
               <a:ext uri="{FF2B5EF4-FFF2-40B4-BE49-F238E27FC236}">
-                <a16:creationId xmlns:a16="http://schemas.microsoft.com/office/drawing/2014/main" id="{77F2AAE5-AEDA-7806-38BA-4EB4000B0485}"/>
+                <a16:creationId xmlns:a16="http://schemas.microsoft.com/office/drawing/2014/main" id="{430127AE-B29E-4FDF-99D2-A2F1E7003F74}"/>
+              </a:ext>
+              <a:ext uri="{C183D7F6-B498-43B3-948B-1728B52AA6E4}">
+                <adec:decorative xmlns:adec="http://schemas.microsoft.com/office/drawing/2017/decorative" val="1"/>
+              </a:ext>
+            </a:extLst>
+          </p:cNvPr>
+          <p:cNvCxnSpPr>
+            <a:cxnSpLocks noGrp="1" noRot="1" noChangeAspect="1" noMove="1" noResize="1" noEditPoints="1" noAdjustHandles="1" noChangeArrowheads="1" noChangeShapeType="1"/>
+          </p:cNvCxnSpPr>
+          <p:nvPr>
+            <p:extLst>
+              <p:ext uri="{386F3935-93C4-4BCD-93E2-E3B085C9AB24}">
+                <p16:designElem xmlns:p16="http://schemas.microsoft.com/office/powerpoint/2015/main" val="1"/>
+              </p:ext>
+            </p:extLst>
+          </p:nvPr>
+        </p:nvCxnSpPr>
+        <p:spPr>
+          <a:xfrm>
+            <a:off x="1920240" y="2176009"/>
+            <a:ext cx="8770571" cy="0"/>
+          </a:xfrm>
+          <a:prstGeom prst="line">
+            <a:avLst/>
+          </a:prstGeom>
+          <a:ln w="25400">
+            <a:solidFill>
+              <a:schemeClr val="tx1">
+                <a:lumMod val="50000"/>
+                <a:lumOff val="50000"/>
+              </a:schemeClr>
+            </a:solidFill>
+          </a:ln>
+        </p:spPr>
+        <p:style>
+          <a:lnRef idx="1">
+            <a:schemeClr val="accent1"/>
+          </a:lnRef>
+          <a:fillRef idx="0">
+            <a:schemeClr val="accent1"/>
+          </a:fillRef>
+          <a:effectRef idx="0">
+            <a:schemeClr val="accent1"/>
+          </a:effectRef>
+          <a:fontRef idx="minor">
+            <a:schemeClr val="tx1"/>
+          </a:fontRef>
+        </p:style>
+      </p:cxnSp>
+      <p:sp useBgFill="1">
+        <p:nvSpPr>
+          <p:cNvPr id="103" name="Rectangle 102">
+            <a:extLst>
+              <a:ext uri="{FF2B5EF4-FFF2-40B4-BE49-F238E27FC236}">
+                <a16:creationId xmlns:a16="http://schemas.microsoft.com/office/drawing/2014/main" id="{40ACA6C3-F2FA-4894-85C1-9FA6051045C5}"/>
+              </a:ext>
+              <a:ext uri="{C183D7F6-B498-43B3-948B-1728B52AA6E4}">
+                <adec:decorative xmlns:adec="http://schemas.microsoft.com/office/drawing/2017/decorative" val="1"/>
               </a:ext>
             </a:extLst>
           </p:cNvPr>
           <p:cNvSpPr>
-            <a:spLocks noGrp="1"/>
+            <a:spLocks noGrp="1" noRot="1" noChangeAspect="1" noMove="1" noResize="1" noEditPoints="1" noAdjustHandles="1" noChangeArrowheads="1" noChangeShapeType="1" noTextEdit="1"/>
           </p:cNvSpPr>
           <p:nvPr>
-            <p:ph type="title"/>
+            <p:extLst>
+              <p:ext uri="{386F3935-93C4-4BCD-93E2-E3B085C9AB24}">
+                <p16:designElem xmlns:p16="http://schemas.microsoft.com/office/powerpoint/2015/main" val="1"/>
+              </p:ext>
+            </p:extLst>
           </p:nvPr>
         </p:nvSpPr>
-        <p:spPr/>
+        <p:spPr>
+          <a:xfrm>
+            <a:off x="-1" y="0"/>
+            <a:ext cx="12191695" cy="6858000"/>
+          </a:xfrm>
+          <a:prstGeom prst="rect">
+            <a:avLst/>
+          </a:prstGeom>
+          <a:ln>
+            <a:noFill/>
+          </a:ln>
+        </p:spPr>
+        <p:style>
+          <a:lnRef idx="2">
+            <a:schemeClr val="accent1">
+              <a:shade val="50000"/>
+            </a:schemeClr>
+          </a:lnRef>
+          <a:fillRef idx="1">
+            <a:schemeClr val="accent1"/>
+          </a:fillRef>
+          <a:effectRef idx="0">
+            <a:schemeClr val="accent1"/>
+          </a:effectRef>
+          <a:fontRef idx="minor">
+            <a:schemeClr val="lt1"/>
+          </a:fontRef>
+        </p:style>
         <p:txBody>
-          <a:bodyPr/>
+          <a:bodyPr rtlCol="0" anchor="ctr"/>
           <a:lstStyle/>
           <a:p>
-            <a:r>
-              <a:rPr lang="de-DE" dirty="0">
-                <a:ea typeface="Meiryo"/>
-              </a:rPr>
-              <a:t>5. Kundennutzen</a:t>
-            </a:r>
-            <a:endParaRPr lang="de-DE" dirty="0"/>
+            <a:pPr marL="0" marR="0" lvl="0" indent="0" algn="ctr" defTabSz="457200" rtl="0" eaLnBrk="1" fontAlgn="auto" latinLnBrk="0" hangingPunct="1">
+              <a:lnSpc>
+                <a:spcPct val="100000"/>
+              </a:lnSpc>
+              <a:spcBef>
+                <a:spcPts val="0"/>
+              </a:spcBef>
+              <a:spcAft>
+                <a:spcPts val="0"/>
+              </a:spcAft>
+              <a:buClrTx/>
+              <a:buSzTx/>
+              <a:buFontTx/>
+              <a:buNone/>
+              <a:tabLst/>
+              <a:defRPr/>
+            </a:pPr>
+            <a:endParaRPr kumimoji="0" lang="en-US" sz="1800" b="0" i="0" u="none" strike="noStrike" kern="1200" cap="none" spc="0" normalizeH="0" baseline="0" noProof="0">
+              <a:ln>
+                <a:noFill/>
+              </a:ln>
+              <a:solidFill>
+                <a:prstClr val="white"/>
+              </a:solidFill>
+              <a:effectLst/>
+              <a:uLnTx/>
+              <a:uFillTx/>
+              <a:latin typeface="Meiryo"/>
+              <a:ea typeface="+mn-ea"/>
+              <a:cs typeface="+mn-cs"/>
+            </a:endParaRPr>
           </a:p>
         </p:txBody>
       </p:sp>
       <p:sp>
         <p:nvSpPr>
-          <p:cNvPr id="3" name="Inhaltsplatzhalter 2">
+          <p:cNvPr id="105" name="Freeform: Shape 104">
             <a:extLst>
               <a:ext uri="{FF2B5EF4-FFF2-40B4-BE49-F238E27FC236}">
-                <a16:creationId xmlns:a16="http://schemas.microsoft.com/office/drawing/2014/main" id="{5893476A-FFC5-EC36-7B9F-BCE88C554DF5}"/>
+                <a16:creationId xmlns:a16="http://schemas.microsoft.com/office/drawing/2014/main" id="{76922BA5-6683-4195-97C3-F3D2A0BB16BD}"/>
+              </a:ext>
+              <a:ext uri="{C183D7F6-B498-43B3-948B-1728B52AA6E4}">
+                <adec:decorative xmlns:adec="http://schemas.microsoft.com/office/drawing/2017/decorative" val="1"/>
               </a:ext>
             </a:extLst>
           </p:cNvPr>
           <p:cNvSpPr>
-            <a:spLocks noGrp="1"/>
+            <a:spLocks noGrp="1" noRot="1" noChangeAspect="1" noMove="1" noResize="1" noEditPoints="1" noAdjustHandles="1" noChangeArrowheads="1" noChangeShapeType="1" noTextEdit="1"/>
           </p:cNvSpPr>
           <p:nvPr>
-            <p:ph idx="1"/>
+            <p:extLst>
+              <p:ext uri="{386F3935-93C4-4BCD-93E2-E3B085C9AB24}">
+                <p16:designElem xmlns:p16="http://schemas.microsoft.com/office/powerpoint/2015/main" val="1"/>
+              </p:ext>
+            </p:extLst>
           </p:nvPr>
         </p:nvSpPr>
-        <p:spPr/>
+        <p:spPr>
+          <a:xfrm rot="5400000">
+            <a:off x="5026626" y="-5026319"/>
+            <a:ext cx="2138900" cy="12191541"/>
+          </a:xfrm>
+          <a:custGeom>
+            <a:avLst/>
+            <a:gdLst>
+              <a:gd name="connsiteX0" fmla="*/ 0 w 2382867"/>
+              <a:gd name="connsiteY0" fmla="*/ 12191541 h 12191541"/>
+              <a:gd name="connsiteX1" fmla="*/ 0 w 2382867"/>
+              <a:gd name="connsiteY1" fmla="*/ 0 h 12191541"/>
+              <a:gd name="connsiteX2" fmla="*/ 1758230 w 2382867"/>
+              <a:gd name="connsiteY2" fmla="*/ 0 h 12191541"/>
+              <a:gd name="connsiteX3" fmla="*/ 1849759 w 2382867"/>
+              <a:gd name="connsiteY3" fmla="*/ 405062 h 12191541"/>
+              <a:gd name="connsiteX4" fmla="*/ 2382867 w 2382867"/>
+              <a:gd name="connsiteY4" fmla="*/ 6524518 h 12191541"/>
+              <a:gd name="connsiteX5" fmla="*/ 1334945 w 2382867"/>
+              <a:gd name="connsiteY5" fmla="*/ 12017007 h 12191541"/>
+              <a:gd name="connsiteX6" fmla="*/ 1268170 w 2382867"/>
+              <a:gd name="connsiteY6" fmla="*/ 12191541 h 12191541"/>
+            </a:gdLst>
+            <a:ahLst/>
+            <a:cxnLst>
+              <a:cxn ang="0">
+                <a:pos x="connsiteX0" y="connsiteY0"/>
+              </a:cxn>
+              <a:cxn ang="0">
+                <a:pos x="connsiteX1" y="connsiteY1"/>
+              </a:cxn>
+              <a:cxn ang="0">
+                <a:pos x="connsiteX2" y="connsiteY2"/>
+              </a:cxn>
+              <a:cxn ang="0">
+                <a:pos x="connsiteX3" y="connsiteY3"/>
+              </a:cxn>
+              <a:cxn ang="0">
+                <a:pos x="connsiteX4" y="connsiteY4"/>
+              </a:cxn>
+              <a:cxn ang="0">
+                <a:pos x="connsiteX5" y="connsiteY5"/>
+              </a:cxn>
+              <a:cxn ang="0">
+                <a:pos x="connsiteX6" y="connsiteY6"/>
+              </a:cxn>
+            </a:cxnLst>
+            <a:rect l="l" t="t" r="r" b="b"/>
+            <a:pathLst>
+              <a:path w="2382867" h="12191541">
+                <a:moveTo>
+                  <a:pt x="0" y="12191541"/>
+                </a:moveTo>
+                <a:lnTo>
+                  <a:pt x="0" y="0"/>
+                </a:lnTo>
+                <a:lnTo>
+                  <a:pt x="1758230" y="0"/>
+                </a:lnTo>
+                <a:lnTo>
+                  <a:pt x="1849759" y="405062"/>
+                </a:lnTo>
+                <a:cubicBezTo>
+                  <a:pt x="2196195" y="2048010"/>
+                  <a:pt x="2382867" y="4186399"/>
+                  <a:pt x="2382867" y="6524518"/>
+                </a:cubicBezTo>
+                <a:cubicBezTo>
+                  <a:pt x="2382867" y="9147937"/>
+                  <a:pt x="1893395" y="10555417"/>
+                  <a:pt x="1334945" y="12017007"/>
+                </a:cubicBezTo>
+                <a:lnTo>
+                  <a:pt x="1268170" y="12191541"/>
+                </a:lnTo>
+                <a:close/>
+              </a:path>
+            </a:pathLst>
+          </a:custGeom>
+          <a:solidFill>
+            <a:schemeClr val="bg1">
+              <a:alpha val="60000"/>
+            </a:schemeClr>
+          </a:solidFill>
+          <a:ln>
+            <a:noFill/>
+          </a:ln>
+        </p:spPr>
+        <p:style>
+          <a:lnRef idx="2">
+            <a:schemeClr val="accent1">
+              <a:shade val="50000"/>
+            </a:schemeClr>
+          </a:lnRef>
+          <a:fillRef idx="1">
+            <a:schemeClr val="accent1"/>
+          </a:fillRef>
+          <a:effectRef idx="0">
+            <a:schemeClr val="accent1"/>
+          </a:effectRef>
+          <a:fontRef idx="minor">
+            <a:schemeClr val="lt1"/>
+          </a:fontRef>
+        </p:style>
         <p:txBody>
-          <a:bodyPr/>
+          <a:bodyPr wrap="square" rtlCol="0" anchor="ctr">
+            <a:noAutofit/>
+          </a:bodyPr>
           <a:lstStyle/>
           <a:p>
-            <a:endParaRPr lang="de-DE"/>
+            <a:pPr algn="ctr"/>
+            <a:endParaRPr lang="en-US"/>
           </a:p>
         </p:txBody>
       </p:sp>
+      <p:sp>
+        <p:nvSpPr>
+          <p:cNvPr id="107" name="Freeform: Shape 106">
+            <a:extLst>
+              <a:ext uri="{FF2B5EF4-FFF2-40B4-BE49-F238E27FC236}">
+                <a16:creationId xmlns:a16="http://schemas.microsoft.com/office/drawing/2014/main" id="{E59169C9-0DBE-4B66-9C16-22A64324AA6C}"/>
+              </a:ext>
+              <a:ext uri="{C183D7F6-B498-43B3-948B-1728B52AA6E4}">
+                <adec:decorative xmlns:adec="http://schemas.microsoft.com/office/drawing/2017/decorative" val="1"/>
+              </a:ext>
+            </a:extLst>
+          </p:cNvPr>
+          <p:cNvSpPr>
+            <a:spLocks noGrp="1" noRot="1" noChangeAspect="1" noMove="1" noResize="1" noEditPoints="1" noAdjustHandles="1" noChangeArrowheads="1" noChangeShapeType="1" noTextEdit="1"/>
+          </p:cNvSpPr>
+          <p:nvPr>
+            <p:extLst>
+              <p:ext uri="{386F3935-93C4-4BCD-93E2-E3B085C9AB24}">
+                <p16:designElem xmlns:p16="http://schemas.microsoft.com/office/powerpoint/2015/main" val="1"/>
+              </p:ext>
+            </p:extLst>
+          </p:nvPr>
+        </p:nvSpPr>
+        <p:spPr>
+          <a:xfrm rot="5400000">
+            <a:off x="5527211" y="-4339476"/>
+            <a:ext cx="1137882" cy="12191694"/>
+          </a:xfrm>
+          <a:custGeom>
+            <a:avLst/>
+            <a:gdLst>
+              <a:gd name="connsiteX0" fmla="*/ 0 w 1240954"/>
+              <a:gd name="connsiteY0" fmla="*/ 12191694 h 12191694"/>
+              <a:gd name="connsiteX1" fmla="*/ 72823 w 1240954"/>
+              <a:gd name="connsiteY1" fmla="*/ 12017158 h 12191694"/>
+              <a:gd name="connsiteX2" fmla="*/ 1215669 w 1240954"/>
+              <a:gd name="connsiteY2" fmla="*/ 6524669 h 12191694"/>
+              <a:gd name="connsiteX3" fmla="*/ 634271 w 1240954"/>
+              <a:gd name="connsiteY3" fmla="*/ 405211 h 12191694"/>
+              <a:gd name="connsiteX4" fmla="*/ 534414 w 1240954"/>
+              <a:gd name="connsiteY4" fmla="*/ 0 h 12191694"/>
+              <a:gd name="connsiteX5" fmla="*/ 559698 w 1240954"/>
+              <a:gd name="connsiteY5" fmla="*/ 0 h 12191694"/>
+              <a:gd name="connsiteX6" fmla="*/ 659555 w 1240954"/>
+              <a:gd name="connsiteY6" fmla="*/ 405211 h 12191694"/>
+              <a:gd name="connsiteX7" fmla="*/ 1240954 w 1240954"/>
+              <a:gd name="connsiteY7" fmla="*/ 6524669 h 12191694"/>
+              <a:gd name="connsiteX8" fmla="*/ 98108 w 1240954"/>
+              <a:gd name="connsiteY8" fmla="*/ 12017158 h 12191694"/>
+              <a:gd name="connsiteX9" fmla="*/ 25285 w 1240954"/>
+              <a:gd name="connsiteY9" fmla="*/ 12191694 h 12191694"/>
+            </a:gdLst>
+            <a:ahLst/>
+            <a:cxnLst>
+              <a:cxn ang="0">
+                <a:pos x="connsiteX0" y="connsiteY0"/>
+              </a:cxn>
+              <a:cxn ang="0">
+                <a:pos x="connsiteX1" y="connsiteY1"/>
+              </a:cxn>
+              <a:cxn ang="0">
+                <a:pos x="connsiteX2" y="connsiteY2"/>
+              </a:cxn>
+              <a:cxn ang="0">
+                <a:pos x="connsiteX3" y="connsiteY3"/>
+              </a:cxn>
+              <a:cxn ang="0">
+                <a:pos x="connsiteX4" y="connsiteY4"/>
+              </a:cxn>
+              <a:cxn ang="0">
+                <a:pos x="connsiteX5" y="connsiteY5"/>
+              </a:cxn>
+              <a:cxn ang="0">
+                <a:pos x="connsiteX6" y="connsiteY6"/>
+              </a:cxn>
+              <a:cxn ang="0">
+                <a:pos x="connsiteX7" y="connsiteY7"/>
+              </a:cxn>
+              <a:cxn ang="0">
+                <a:pos x="connsiteX8" y="connsiteY8"/>
+              </a:cxn>
+              <a:cxn ang="0">
+                <a:pos x="connsiteX9" y="connsiteY9"/>
+              </a:cxn>
+            </a:cxnLst>
+            <a:rect l="l" t="t" r="r" b="b"/>
+            <a:pathLst>
+              <a:path w="1240954" h="12191694">
+                <a:moveTo>
+                  <a:pt x="0" y="12191694"/>
+                </a:moveTo>
+                <a:lnTo>
+                  <a:pt x="72823" y="12017158"/>
+                </a:lnTo>
+                <a:cubicBezTo>
+                  <a:pt x="681859" y="10555569"/>
+                  <a:pt x="1215669" y="9148088"/>
+                  <a:pt x="1215669" y="6524669"/>
+                </a:cubicBezTo>
+                <a:cubicBezTo>
+                  <a:pt x="1215670" y="4186551"/>
+                  <a:pt x="1012087" y="2048160"/>
+                  <a:pt x="634271" y="405211"/>
+                </a:cubicBezTo>
+                <a:lnTo>
+                  <a:pt x="534414" y="0"/>
+                </a:lnTo>
+                <a:lnTo>
+                  <a:pt x="559698" y="0"/>
+                </a:lnTo>
+                <a:lnTo>
+                  <a:pt x="659555" y="405211"/>
+                </a:lnTo>
+                <a:cubicBezTo>
+                  <a:pt x="1037372" y="2048160"/>
+                  <a:pt x="1240954" y="4186551"/>
+                  <a:pt x="1240954" y="6524669"/>
+                </a:cubicBezTo>
+                <a:cubicBezTo>
+                  <a:pt x="1240954" y="9148088"/>
+                  <a:pt x="707144" y="10555569"/>
+                  <a:pt x="98108" y="12017158"/>
+                </a:cubicBezTo>
+                <a:lnTo>
+                  <a:pt x="25285" y="12191694"/>
+                </a:lnTo>
+                <a:close/>
+              </a:path>
+            </a:pathLst>
+          </a:custGeom>
+          <a:solidFill>
+            <a:srgbClr val="FFFFFF"/>
+          </a:solidFill>
+          <a:ln>
+            <a:noFill/>
+          </a:ln>
+        </p:spPr>
+        <p:style>
+          <a:lnRef idx="2">
+            <a:schemeClr val="accent1">
+              <a:shade val="50000"/>
+            </a:schemeClr>
+          </a:lnRef>
+          <a:fillRef idx="1">
+            <a:schemeClr val="accent1"/>
+          </a:fillRef>
+          <a:effectRef idx="0">
+            <a:schemeClr val="accent1"/>
+          </a:effectRef>
+          <a:fontRef idx="minor">
+            <a:schemeClr val="lt1"/>
+          </a:fontRef>
+        </p:style>
+        <p:txBody>
+          <a:bodyPr wrap="square" rtlCol="0" anchor="ctr">
+            <a:noAutofit/>
+          </a:bodyPr>
+          <a:lstStyle/>
+          <a:p>
+            <a:pPr marL="0" marR="0" lvl="0" indent="0" algn="ctr" defTabSz="914400" rtl="0" eaLnBrk="1" fontAlgn="auto" latinLnBrk="0" hangingPunct="1">
+              <a:lnSpc>
+                <a:spcPct val="100000"/>
+              </a:lnSpc>
+              <a:spcBef>
+                <a:spcPts val="0"/>
+              </a:spcBef>
+              <a:spcAft>
+                <a:spcPts val="0"/>
+              </a:spcAft>
+              <a:buClrTx/>
+              <a:buSzTx/>
+              <a:buFontTx/>
+              <a:buNone/>
+              <a:tabLst/>
+              <a:defRPr/>
+            </a:pPr>
+            <a:endParaRPr kumimoji="0" lang="en-US" sz="1800" b="0" i="0" u="none" strike="noStrike" kern="1200" cap="none" spc="0" normalizeH="0" baseline="0" noProof="0">
+              <a:ln>
+                <a:noFill/>
+              </a:ln>
+              <a:solidFill>
+                <a:prstClr val="white"/>
+              </a:solidFill>
+              <a:effectLst/>
+              <a:uLnTx/>
+              <a:uFillTx/>
+              <a:latin typeface="Meiryo"/>
+              <a:ea typeface="+mn-ea"/>
+              <a:cs typeface="+mn-cs"/>
+            </a:endParaRPr>
+          </a:p>
+        </p:txBody>
+      </p:sp>
+      <p:sp>
+        <p:nvSpPr>
+          <p:cNvPr id="3" name="Textfeld 2">
+            <a:extLst>
+              <a:ext uri="{FF2B5EF4-FFF2-40B4-BE49-F238E27FC236}">
+                <a16:creationId xmlns:a16="http://schemas.microsoft.com/office/drawing/2014/main" id="{C33B3D6E-0567-14C0-60F1-A4D7EB11EA66}"/>
+              </a:ext>
+            </a:extLst>
+          </p:cNvPr>
+          <p:cNvSpPr txBox="1"/>
+          <p:nvPr/>
+        </p:nvSpPr>
+        <p:spPr>
+          <a:xfrm>
+            <a:off x="1217944" y="543687"/>
+            <a:ext cx="9756112" cy="1046868"/>
+          </a:xfrm>
+          <a:prstGeom prst="rect">
+            <a:avLst/>
+          </a:prstGeom>
+        </p:spPr>
+        <p:txBody>
+          <a:bodyPr rot="0" spcFirstLastPara="0" vertOverflow="overflow" horzOverflow="overflow" vert="horz" lIns="109728" tIns="109728" rIns="109728" bIns="91440" numCol="1" spcCol="0" rtlCol="0" fromWordArt="0" anchor="ctr" anchorCtr="0" forceAA="0" compatLnSpc="1">
+            <a:prstTxWarp prst="textNoShape">
+              <a:avLst/>
+            </a:prstTxWarp>
+            <a:normAutofit/>
+          </a:bodyPr>
+          <a:lstStyle/>
+          <a:p>
+            <a:pPr algn="ctr">
+              <a:lnSpc>
+                <a:spcPct val="130000"/>
+              </a:lnSpc>
+              <a:spcBef>
+                <a:spcPct val="0"/>
+              </a:spcBef>
+              <a:spcAft>
+                <a:spcPts val="600"/>
+              </a:spcAft>
+            </a:pPr>
+            <a:r>
+              <a:rPr lang="en-US" sz="3200" b="1" spc="150" dirty="0">
+                <a:solidFill>
+                  <a:schemeClr val="tx1">
+                    <a:lumMod val="75000"/>
+                    <a:lumOff val="25000"/>
+                  </a:schemeClr>
+                </a:solidFill>
+                <a:latin typeface="+mj-lt"/>
+                <a:ea typeface="+mj-ea"/>
+                <a:cs typeface="+mj-cs"/>
+              </a:rPr>
+              <a:t>4. </a:t>
+            </a:r>
+            <a:r>
+              <a:rPr lang="en-US" sz="3200" b="1" spc="150" dirty="0" err="1">
+                <a:solidFill>
+                  <a:schemeClr val="tx1">
+                    <a:lumMod val="75000"/>
+                    <a:lumOff val="25000"/>
+                  </a:schemeClr>
+                </a:solidFill>
+                <a:latin typeface="+mj-lt"/>
+                <a:ea typeface="+mj-ea"/>
+                <a:cs typeface="+mj-cs"/>
+              </a:rPr>
+              <a:t>Kundennutzen</a:t>
+            </a:r>
+            <a:endParaRPr lang="en-US" sz="3200" b="1" spc="150" dirty="0" err="1">
+              <a:solidFill>
+                <a:schemeClr val="tx1">
+                  <a:lumMod val="75000"/>
+                  <a:lumOff val="25000"/>
+                </a:schemeClr>
+              </a:solidFill>
+              <a:latin typeface="+mj-lt"/>
+              <a:ea typeface="Meiryo"/>
+              <a:cs typeface="+mj-cs"/>
+            </a:endParaRPr>
+          </a:p>
+        </p:txBody>
+      </p:sp>
+      <p:sp>
+        <p:nvSpPr>
+          <p:cNvPr id="109" name="Freeform: Shape 108">
+            <a:extLst>
+              <a:ext uri="{FF2B5EF4-FFF2-40B4-BE49-F238E27FC236}">
+                <a16:creationId xmlns:a16="http://schemas.microsoft.com/office/drawing/2014/main" id="{F0457BB4-CED7-4065-8959-D6B51491BBAB}"/>
+              </a:ext>
+              <a:ext uri="{C183D7F6-B498-43B3-948B-1728B52AA6E4}">
+                <adec:decorative xmlns:adec="http://schemas.microsoft.com/office/drawing/2017/decorative" val="1"/>
+              </a:ext>
+            </a:extLst>
+          </p:cNvPr>
+          <p:cNvSpPr>
+            <a:spLocks noGrp="1" noRot="1" noChangeAspect="1" noMove="1" noResize="1" noEditPoints="1" noAdjustHandles="1" noChangeArrowheads="1" noChangeShapeType="1" noTextEdit="1"/>
+          </p:cNvSpPr>
+          <p:nvPr>
+            <p:extLst>
+              <p:ext uri="{386F3935-93C4-4BCD-93E2-E3B085C9AB24}">
+                <p16:designElem xmlns:p16="http://schemas.microsoft.com/office/powerpoint/2015/main" val="1"/>
+              </p:ext>
+            </p:extLst>
+          </p:nvPr>
+        </p:nvSpPr>
+        <p:spPr>
+          <a:xfrm rot="5400000">
+            <a:off x="5590529" y="-4583452"/>
+            <a:ext cx="1011248" cy="12191695"/>
+          </a:xfrm>
+          <a:custGeom>
+            <a:avLst/>
+            <a:gdLst>
+              <a:gd name="connsiteX0" fmla="*/ 0 w 1102849"/>
+              <a:gd name="connsiteY0" fmla="*/ 12191695 h 12191695"/>
+              <a:gd name="connsiteX1" fmla="*/ 65312 w 1102849"/>
+              <a:gd name="connsiteY1" fmla="*/ 12017158 h 12191695"/>
+              <a:gd name="connsiteX2" fmla="*/ 1090278 w 1102849"/>
+              <a:gd name="connsiteY2" fmla="*/ 6524670 h 12191695"/>
+              <a:gd name="connsiteX3" fmla="*/ 568848 w 1102849"/>
+              <a:gd name="connsiteY3" fmla="*/ 405211 h 12191695"/>
+              <a:gd name="connsiteX4" fmla="*/ 479291 w 1102849"/>
+              <a:gd name="connsiteY4" fmla="*/ 0 h 12191695"/>
+              <a:gd name="connsiteX5" fmla="*/ 491862 w 1102849"/>
+              <a:gd name="connsiteY5" fmla="*/ 0 h 12191695"/>
+              <a:gd name="connsiteX6" fmla="*/ 581419 w 1102849"/>
+              <a:gd name="connsiteY6" fmla="*/ 405211 h 12191695"/>
+              <a:gd name="connsiteX7" fmla="*/ 1102849 w 1102849"/>
+              <a:gd name="connsiteY7" fmla="*/ 6524670 h 12191695"/>
+              <a:gd name="connsiteX8" fmla="*/ 77883 w 1102849"/>
+              <a:gd name="connsiteY8" fmla="*/ 12017158 h 12191695"/>
+              <a:gd name="connsiteX9" fmla="*/ 12571 w 1102849"/>
+              <a:gd name="connsiteY9" fmla="*/ 12191695 h 12191695"/>
+            </a:gdLst>
+            <a:ahLst/>
+            <a:cxnLst>
+              <a:cxn ang="0">
+                <a:pos x="connsiteX0" y="connsiteY0"/>
+              </a:cxn>
+              <a:cxn ang="0">
+                <a:pos x="connsiteX1" y="connsiteY1"/>
+              </a:cxn>
+              <a:cxn ang="0">
+                <a:pos x="connsiteX2" y="connsiteY2"/>
+              </a:cxn>
+              <a:cxn ang="0">
+                <a:pos x="connsiteX3" y="connsiteY3"/>
+              </a:cxn>
+              <a:cxn ang="0">
+                <a:pos x="connsiteX4" y="connsiteY4"/>
+              </a:cxn>
+              <a:cxn ang="0">
+                <a:pos x="connsiteX5" y="connsiteY5"/>
+              </a:cxn>
+              <a:cxn ang="0">
+                <a:pos x="connsiteX6" y="connsiteY6"/>
+              </a:cxn>
+              <a:cxn ang="0">
+                <a:pos x="connsiteX7" y="connsiteY7"/>
+              </a:cxn>
+              <a:cxn ang="0">
+                <a:pos x="connsiteX8" y="connsiteY8"/>
+              </a:cxn>
+              <a:cxn ang="0">
+                <a:pos x="connsiteX9" y="connsiteY9"/>
+              </a:cxn>
+            </a:cxnLst>
+            <a:rect l="l" t="t" r="r" b="b"/>
+            <a:pathLst>
+              <a:path w="1102849" h="12191695">
+                <a:moveTo>
+                  <a:pt x="0" y="12191695"/>
+                </a:moveTo>
+                <a:lnTo>
+                  <a:pt x="65312" y="12017158"/>
+                </a:lnTo>
+                <a:cubicBezTo>
+                  <a:pt x="611528" y="10555569"/>
+                  <a:pt x="1090278" y="9148088"/>
+                  <a:pt x="1090278" y="6524670"/>
+                </a:cubicBezTo>
+                <a:cubicBezTo>
+                  <a:pt x="1090278" y="4186551"/>
+                  <a:pt x="907694" y="2048159"/>
+                  <a:pt x="568848" y="405211"/>
+                </a:cubicBezTo>
+                <a:lnTo>
+                  <a:pt x="479291" y="0"/>
+                </a:lnTo>
+                <a:lnTo>
+                  <a:pt x="491862" y="0"/>
+                </a:lnTo>
+                <a:lnTo>
+                  <a:pt x="581419" y="405211"/>
+                </a:lnTo>
+                <a:cubicBezTo>
+                  <a:pt x="920265" y="2048159"/>
+                  <a:pt x="1102849" y="4186551"/>
+                  <a:pt x="1102849" y="6524670"/>
+                </a:cubicBezTo>
+                <a:cubicBezTo>
+                  <a:pt x="1102849" y="9148088"/>
+                  <a:pt x="624099" y="10555569"/>
+                  <a:pt x="77883" y="12017158"/>
+                </a:cubicBezTo>
+                <a:lnTo>
+                  <a:pt x="12571" y="12191695"/>
+                </a:lnTo>
+                <a:close/>
+              </a:path>
+            </a:pathLst>
+          </a:custGeom>
+          <a:solidFill>
+            <a:schemeClr val="bg2">
+              <a:lumMod val="90000"/>
+            </a:schemeClr>
+          </a:solidFill>
+          <a:ln>
+            <a:noFill/>
+          </a:ln>
+        </p:spPr>
+        <p:style>
+          <a:lnRef idx="2">
+            <a:schemeClr val="accent1">
+              <a:shade val="50000"/>
+            </a:schemeClr>
+          </a:lnRef>
+          <a:fillRef idx="1">
+            <a:schemeClr val="accent1"/>
+          </a:fillRef>
+          <a:effectRef idx="0">
+            <a:schemeClr val="accent1"/>
+          </a:effectRef>
+          <a:fontRef idx="minor">
+            <a:schemeClr val="lt1"/>
+          </a:fontRef>
+        </p:style>
+        <p:txBody>
+          <a:bodyPr wrap="square" rtlCol="0" anchor="ctr">
+            <a:noAutofit/>
+          </a:bodyPr>
+          <a:lstStyle/>
+          <a:p>
+            <a:pPr marL="0" marR="0" lvl="0" indent="0" algn="ctr" defTabSz="914400" rtl="0" eaLnBrk="1" fontAlgn="auto" latinLnBrk="0" hangingPunct="1">
+              <a:lnSpc>
+                <a:spcPct val="100000"/>
+              </a:lnSpc>
+              <a:spcBef>
+                <a:spcPts val="0"/>
+              </a:spcBef>
+              <a:spcAft>
+                <a:spcPts val="0"/>
+              </a:spcAft>
+              <a:buClrTx/>
+              <a:buSzTx/>
+              <a:buFontTx/>
+              <a:buNone/>
+              <a:tabLst/>
+              <a:defRPr/>
+            </a:pPr>
+            <a:endParaRPr kumimoji="0" lang="en-US" sz="1800" b="0" i="0" u="none" strike="noStrike" kern="1200" cap="none" spc="0" normalizeH="0" baseline="0" noProof="0">
+              <a:ln>
+                <a:noFill/>
+              </a:ln>
+              <a:solidFill>
+                <a:prstClr val="white"/>
+              </a:solidFill>
+              <a:effectLst/>
+              <a:uLnTx/>
+              <a:uFillTx/>
+              <a:latin typeface="Meiryo"/>
+              <a:ea typeface="+mn-ea"/>
+              <a:cs typeface="+mn-cs"/>
+            </a:endParaRPr>
+          </a:p>
+        </p:txBody>
+      </p:sp>
+      <p:graphicFrame>
+        <p:nvGraphicFramePr>
+          <p:cNvPr id="10" name="Diagramm 9">
+            <a:extLst>
+              <a:ext uri="{FF2B5EF4-FFF2-40B4-BE49-F238E27FC236}">
+                <a16:creationId xmlns:a16="http://schemas.microsoft.com/office/drawing/2014/main" id="{08AD368B-97CE-7B31-8BA5-8FFF4962E5C4}"/>
+              </a:ext>
+            </a:extLst>
+          </p:cNvPr>
+          <p:cNvGraphicFramePr/>
+          <p:nvPr>
+            <p:extLst>
+              <p:ext uri="{D42A27DB-BD31-4B8C-83A1-F6EECF244321}">
+                <p14:modId xmlns:p14="http://schemas.microsoft.com/office/powerpoint/2010/main" val="588746293"/>
+              </p:ext>
+            </p:extLst>
+          </p:nvPr>
+        </p:nvGraphicFramePr>
+        <p:xfrm>
+          <a:off x="1901825" y="2830996"/>
+          <a:ext cx="8391967" cy="2846567"/>
+        </p:xfrm>
+        <a:graphic>
+          <a:graphicData uri="http://schemas.openxmlformats.org/drawingml/2006/diagram">
+            <dgm:relIds xmlns:dgm="http://schemas.openxmlformats.org/drawingml/2006/diagram" xmlns:r="http://schemas.openxmlformats.org/officeDocument/2006/relationships" r:dm="rId2" r:lo="rId3" r:qs="rId4" r:cs="rId5"/>
+          </a:graphicData>
+        </a:graphic>
+      </p:graphicFrame>
     </p:spTree>
     <p:extLst>
       <p:ext uri="{BB962C8B-B14F-4D97-AF65-F5344CB8AC3E}">
-        <p14:creationId xmlns:p14="http://schemas.microsoft.com/office/powerpoint/2010/main" val="157434637"/>
+        <p14:creationId xmlns:p14="http://schemas.microsoft.com/office/powerpoint/2010/main" val="1040041758"/>
       </p:ext>
     </p:extLst>
   </p:cSld>
@@ -25023,160 +29443,487 @@
           <a:chExt cx="0" cy="0"/>
         </a:xfrm>
       </p:grpSpPr>
-      <p:sp>
+      <p:cxnSp>
+        <p:nvCxnSpPr>
+          <p:cNvPr id="101" name="Straight Connector 100">
+            <a:extLst>
+              <a:ext uri="{FF2B5EF4-FFF2-40B4-BE49-F238E27FC236}">
+                <a16:creationId xmlns:a16="http://schemas.microsoft.com/office/drawing/2014/main" id="{430127AE-B29E-4FDF-99D2-A2F1E7003F74}"/>
+              </a:ext>
+              <a:ext uri="{C183D7F6-B498-43B3-948B-1728B52AA6E4}">
+                <adec:decorative xmlns:adec="http://schemas.microsoft.com/office/drawing/2017/decorative" val="1"/>
+              </a:ext>
+            </a:extLst>
+          </p:cNvPr>
+          <p:cNvCxnSpPr>
+            <a:cxnSpLocks noGrp="1" noRot="1" noChangeAspect="1" noMove="1" noResize="1" noEditPoints="1" noAdjustHandles="1" noChangeArrowheads="1" noChangeShapeType="1"/>
+          </p:cNvCxnSpPr>
+          <p:nvPr>
+            <p:extLst>
+              <p:ext uri="{386F3935-93C4-4BCD-93E2-E3B085C9AB24}">
+                <p16:designElem xmlns:p16="http://schemas.microsoft.com/office/powerpoint/2015/main" val="1"/>
+              </p:ext>
+            </p:extLst>
+          </p:nvPr>
+        </p:nvCxnSpPr>
+        <p:spPr>
+          <a:xfrm>
+            <a:off x="1920240" y="2176009"/>
+            <a:ext cx="8770571" cy="0"/>
+          </a:xfrm>
+          <a:prstGeom prst="line">
+            <a:avLst/>
+          </a:prstGeom>
+          <a:ln w="25400">
+            <a:solidFill>
+              <a:schemeClr val="tx1">
+                <a:lumMod val="50000"/>
+                <a:lumOff val="50000"/>
+              </a:schemeClr>
+            </a:solidFill>
+          </a:ln>
+        </p:spPr>
+        <p:style>
+          <a:lnRef idx="1">
+            <a:schemeClr val="accent1"/>
+          </a:lnRef>
+          <a:fillRef idx="0">
+            <a:schemeClr val="accent1"/>
+          </a:fillRef>
+          <a:effectRef idx="0">
+            <a:schemeClr val="accent1"/>
+          </a:effectRef>
+          <a:fontRef idx="minor">
+            <a:schemeClr val="tx1"/>
+          </a:fontRef>
+        </p:style>
+      </p:cxnSp>
+      <p:sp useBgFill="1">
         <p:nvSpPr>
-          <p:cNvPr id="3" name="Untertitel 2"/>
+          <p:cNvPr id="103" name="Rectangle 102">
+            <a:extLst>
+              <a:ext uri="{FF2B5EF4-FFF2-40B4-BE49-F238E27FC236}">
+                <a16:creationId xmlns:a16="http://schemas.microsoft.com/office/drawing/2014/main" id="{40ACA6C3-F2FA-4894-85C1-9FA6051045C5}"/>
+              </a:ext>
+              <a:ext uri="{C183D7F6-B498-43B3-948B-1728B52AA6E4}">
+                <adec:decorative xmlns:adec="http://schemas.microsoft.com/office/drawing/2017/decorative" val="1"/>
+              </a:ext>
+            </a:extLst>
+          </p:cNvPr>
           <p:cNvSpPr>
-            <a:spLocks noGrp="1"/>
+            <a:spLocks noGrp="1" noRot="1" noChangeAspect="1" noMove="1" noResize="1" noEditPoints="1" noAdjustHandles="1" noChangeArrowheads="1" noChangeShapeType="1" noTextEdit="1"/>
           </p:cNvSpPr>
           <p:nvPr>
-            <p:ph idx="4294967295"/>
+            <p:extLst>
+              <p:ext uri="{386F3935-93C4-4BCD-93E2-E3B085C9AB24}">
+                <p16:designElem xmlns:p16="http://schemas.microsoft.com/office/powerpoint/2015/main" val="1"/>
+              </p:ext>
+            </p:extLst>
           </p:nvPr>
         </p:nvSpPr>
         <p:spPr>
           <a:xfrm>
-            <a:off x="304466" y="1380541"/>
-            <a:ext cx="11707060" cy="3651250"/>
+            <a:off x="-1" y="0"/>
+            <a:ext cx="12191695" cy="6858000"/>
           </a:xfrm>
+          <a:prstGeom prst="rect">
+            <a:avLst/>
+          </a:prstGeom>
+          <a:ln>
+            <a:noFill/>
+          </a:ln>
         </p:spPr>
+        <p:style>
+          <a:lnRef idx="2">
+            <a:schemeClr val="accent1">
+              <a:shade val="50000"/>
+            </a:schemeClr>
+          </a:lnRef>
+          <a:fillRef idx="1">
+            <a:schemeClr val="accent1"/>
+          </a:fillRef>
+          <a:effectRef idx="0">
+            <a:schemeClr val="accent1"/>
+          </a:effectRef>
+          <a:fontRef idx="minor">
+            <a:schemeClr val="lt1"/>
+          </a:fontRef>
+        </p:style>
         <p:txBody>
-          <a:bodyPr vert="horz" lIns="91440" tIns="45720" rIns="91440" bIns="45720" rtlCol="0" anchor="t">
-            <a:normAutofit/>
-          </a:bodyPr>
+          <a:bodyPr rtlCol="0" anchor="ctr"/>
           <a:lstStyle/>
           <a:p>
-            <a:pPr marL="342900" indent="-342900">
-              <a:buFont typeface="Arial" panose="020B0503020204020204" pitchFamily="34" charset="0"/>
-              <a:buChar char="•"/>
+            <a:pPr marL="0" marR="0" lvl="0" indent="0" algn="ctr" defTabSz="457200" rtl="0" eaLnBrk="1" fontAlgn="auto" latinLnBrk="0" hangingPunct="1">
+              <a:lnSpc>
+                <a:spcPct val="100000"/>
+              </a:lnSpc>
+              <a:spcBef>
+                <a:spcPts val="0"/>
+              </a:spcBef>
+              <a:spcAft>
+                <a:spcPts val="0"/>
+              </a:spcAft>
+              <a:buClrTx/>
+              <a:buSzTx/>
+              <a:buFontTx/>
+              <a:buNone/>
+              <a:tabLst/>
+              <a:defRPr/>
             </a:pPr>
-            <a:r>
-              <a:rPr lang="de-DE" dirty="0">
-                <a:ea typeface="+mn-lt"/>
-                <a:cs typeface="+mn-lt"/>
-              </a:rPr>
-              <a:t>Abb. 1: </a:t>
-            </a:r>
-            <a:r>
-              <a:rPr lang="de-DE" dirty="0">
-                <a:ea typeface="+mn-lt"/>
-                <a:cs typeface="+mn-lt"/>
-                <a:hlinkClick r:id="rId2"/>
-              </a:rPr>
-              <a:t>https://www.cleanpng.com/png-lightweight-computer-icons-symbol-2389137/download-png.html</a:t>
-            </a:r>
-            <a:endParaRPr lang="de-DE">
-              <a:ea typeface="+mn-lt"/>
-              <a:cs typeface="+mn-lt"/>
-            </a:endParaRPr>
-          </a:p>
-          <a:p>
-            <a:pPr marL="342900" indent="-342900">
-              <a:buFont typeface="Arial" panose="020B0503020204020204" pitchFamily="34" charset="0"/>
-              <a:buChar char="•"/>
-            </a:pPr>
-            <a:r>
-              <a:rPr lang="de-DE" dirty="0">
-                <a:ea typeface="Meiryo"/>
-              </a:rPr>
-              <a:t>Abb. 2: </a:t>
-            </a:r>
-            <a:r>
-              <a:rPr lang="de-DE" dirty="0">
-                <a:ea typeface="+mn-lt"/>
-                <a:cs typeface="+mn-lt"/>
-                <a:hlinkClick r:id="rId3"/>
-              </a:rPr>
-              <a:t>https://www.detail.de/de/de_de/nicht-knabbern-mit-popcorn-daemmen-32271</a:t>
-            </a:r>
-            <a:endParaRPr lang="de-DE">
-              <a:ea typeface="Meiryo"/>
-            </a:endParaRPr>
-          </a:p>
-          <a:p>
-            <a:pPr marL="342900" indent="-342900">
-              <a:buFont typeface="Arial" panose="020B0503020204020204" pitchFamily="34" charset="0"/>
-              <a:buChar char="•"/>
-            </a:pPr>
-            <a:r>
-              <a:rPr lang="de-DE" dirty="0">
-                <a:ea typeface="+mn-lt"/>
-                <a:cs typeface="+mn-lt"/>
-              </a:rPr>
-              <a:t>Abb. 3: </a:t>
-            </a:r>
-            <a:r>
-              <a:rPr lang="de-DE" dirty="0">
-                <a:ea typeface="+mn-lt"/>
-                <a:cs typeface="+mn-lt"/>
-                <a:hlinkClick r:id="rId4"/>
-              </a:rPr>
-              <a:t>https://www.wuv.de/Archiv/Baumarkt-N%C3%A4he-sticht-Marke</a:t>
-            </a:r>
-          </a:p>
-          <a:p>
-            <a:pPr marL="342900" indent="-342900">
-              <a:buFont typeface="Arial" panose="020B0503020204020204" pitchFamily="34" charset="0"/>
-              <a:buChar char="•"/>
-            </a:pPr>
-            <a:r>
-              <a:rPr lang="de-DE" dirty="0">
-                <a:ea typeface="+mn-lt"/>
-                <a:cs typeface="+mn-lt"/>
-              </a:rPr>
-              <a:t>Abb. 4: </a:t>
-            </a:r>
-            <a:r>
-              <a:rPr lang="de-DE" dirty="0">
-                <a:ea typeface="+mn-lt"/>
-                <a:cs typeface="+mn-lt"/>
-                <a:hlinkClick r:id="rId5"/>
-              </a:rPr>
-              <a:t>https://www.holzland-stoellger.de/bauen/platten/dekor-und-spanplatten/</a:t>
-            </a:r>
-          </a:p>
-          <a:p>
-            <a:pPr marL="342900" indent="-342900">
-              <a:buFont typeface="Arial" panose="020B0503020204020204" pitchFamily="34" charset="0"/>
-              <a:buChar char="•"/>
-            </a:pPr>
-            <a:r>
-              <a:rPr lang="de-DE" dirty="0">
-                <a:ea typeface="+mn-lt"/>
-                <a:cs typeface="+mn-lt"/>
-              </a:rPr>
-              <a:t>Abb. 5: </a:t>
-            </a:r>
-            <a:r>
-              <a:rPr lang="de-DE" dirty="0">
-                <a:ea typeface="+mn-lt"/>
-                <a:cs typeface="+mn-lt"/>
-                <a:hlinkClick r:id="rId6"/>
-              </a:rPr>
-              <a:t>https://www.livarea.de/trendblog/welche-vorteile-hat-die-furnierte-spanplatte-mdf-platte-gegenueber-massivholz/</a:t>
-            </a:r>
-            <a:endParaRPr lang="de-DE" dirty="0">
-              <a:ea typeface="+mn-lt"/>
-              <a:cs typeface="+mn-lt"/>
-            </a:endParaRPr>
-          </a:p>
-          <a:p>
-            <a:pPr marL="342900" indent="-342900">
-              <a:buFont typeface="Arial" panose="020B0503020204020204" pitchFamily="34" charset="0"/>
-              <a:buChar char="•"/>
-            </a:pPr>
-            <a:endParaRPr lang="de-DE" dirty="0">
-              <a:ea typeface="+mn-lt"/>
-              <a:cs typeface="+mn-lt"/>
+            <a:endParaRPr kumimoji="0" lang="en-US" sz="1800" b="0" i="0" u="none" strike="noStrike" kern="1200" cap="none" spc="0" normalizeH="0" baseline="0" noProof="0">
+              <a:ln>
+                <a:noFill/>
+              </a:ln>
+              <a:solidFill>
+                <a:prstClr val="white"/>
+              </a:solidFill>
+              <a:effectLst/>
+              <a:uLnTx/>
+              <a:uFillTx/>
+              <a:latin typeface="Meiryo"/>
+              <a:ea typeface="+mn-ea"/>
+              <a:cs typeface="+mn-cs"/>
             </a:endParaRPr>
           </a:p>
         </p:txBody>
       </p:sp>
       <p:sp>
         <p:nvSpPr>
-          <p:cNvPr id="4" name="Textfeld 3">
+          <p:cNvPr id="105" name="Freeform: Shape 104">
             <a:extLst>
               <a:ext uri="{FF2B5EF4-FFF2-40B4-BE49-F238E27FC236}">
-                <a16:creationId xmlns:a16="http://schemas.microsoft.com/office/drawing/2014/main" id="{296A58A0-7CC4-3F2B-1AE6-636D7A0BE4B4}"/>
+                <a16:creationId xmlns:a16="http://schemas.microsoft.com/office/drawing/2014/main" id="{76922BA5-6683-4195-97C3-F3D2A0BB16BD}"/>
+              </a:ext>
+              <a:ext uri="{C183D7F6-B498-43B3-948B-1728B52AA6E4}">
+                <adec:decorative xmlns:adec="http://schemas.microsoft.com/office/drawing/2017/decorative" val="1"/>
+              </a:ext>
+            </a:extLst>
+          </p:cNvPr>
+          <p:cNvSpPr>
+            <a:spLocks noGrp="1" noRot="1" noChangeAspect="1" noMove="1" noResize="1" noEditPoints="1" noAdjustHandles="1" noChangeArrowheads="1" noChangeShapeType="1" noTextEdit="1"/>
+          </p:cNvSpPr>
+          <p:nvPr>
+            <p:extLst>
+              <p:ext uri="{386F3935-93C4-4BCD-93E2-E3B085C9AB24}">
+                <p16:designElem xmlns:p16="http://schemas.microsoft.com/office/powerpoint/2015/main" val="1"/>
+              </p:ext>
+            </p:extLst>
+          </p:nvPr>
+        </p:nvSpPr>
+        <p:spPr>
+          <a:xfrm rot="5400000">
+            <a:off x="5026626" y="-5026319"/>
+            <a:ext cx="2138900" cy="12191541"/>
+          </a:xfrm>
+          <a:custGeom>
+            <a:avLst/>
+            <a:gdLst>
+              <a:gd name="connsiteX0" fmla="*/ 0 w 2382867"/>
+              <a:gd name="connsiteY0" fmla="*/ 12191541 h 12191541"/>
+              <a:gd name="connsiteX1" fmla="*/ 0 w 2382867"/>
+              <a:gd name="connsiteY1" fmla="*/ 0 h 12191541"/>
+              <a:gd name="connsiteX2" fmla="*/ 1758230 w 2382867"/>
+              <a:gd name="connsiteY2" fmla="*/ 0 h 12191541"/>
+              <a:gd name="connsiteX3" fmla="*/ 1849759 w 2382867"/>
+              <a:gd name="connsiteY3" fmla="*/ 405062 h 12191541"/>
+              <a:gd name="connsiteX4" fmla="*/ 2382867 w 2382867"/>
+              <a:gd name="connsiteY4" fmla="*/ 6524518 h 12191541"/>
+              <a:gd name="connsiteX5" fmla="*/ 1334945 w 2382867"/>
+              <a:gd name="connsiteY5" fmla="*/ 12017007 h 12191541"/>
+              <a:gd name="connsiteX6" fmla="*/ 1268170 w 2382867"/>
+              <a:gd name="connsiteY6" fmla="*/ 12191541 h 12191541"/>
+            </a:gdLst>
+            <a:ahLst/>
+            <a:cxnLst>
+              <a:cxn ang="0">
+                <a:pos x="connsiteX0" y="connsiteY0"/>
+              </a:cxn>
+              <a:cxn ang="0">
+                <a:pos x="connsiteX1" y="connsiteY1"/>
+              </a:cxn>
+              <a:cxn ang="0">
+                <a:pos x="connsiteX2" y="connsiteY2"/>
+              </a:cxn>
+              <a:cxn ang="0">
+                <a:pos x="connsiteX3" y="connsiteY3"/>
+              </a:cxn>
+              <a:cxn ang="0">
+                <a:pos x="connsiteX4" y="connsiteY4"/>
+              </a:cxn>
+              <a:cxn ang="0">
+                <a:pos x="connsiteX5" y="connsiteY5"/>
+              </a:cxn>
+              <a:cxn ang="0">
+                <a:pos x="connsiteX6" y="connsiteY6"/>
+              </a:cxn>
+            </a:cxnLst>
+            <a:rect l="l" t="t" r="r" b="b"/>
+            <a:pathLst>
+              <a:path w="2382867" h="12191541">
+                <a:moveTo>
+                  <a:pt x="0" y="12191541"/>
+                </a:moveTo>
+                <a:lnTo>
+                  <a:pt x="0" y="0"/>
+                </a:lnTo>
+                <a:lnTo>
+                  <a:pt x="1758230" y="0"/>
+                </a:lnTo>
+                <a:lnTo>
+                  <a:pt x="1849759" y="405062"/>
+                </a:lnTo>
+                <a:cubicBezTo>
+                  <a:pt x="2196195" y="2048010"/>
+                  <a:pt x="2382867" y="4186399"/>
+                  <a:pt x="2382867" y="6524518"/>
+                </a:cubicBezTo>
+                <a:cubicBezTo>
+                  <a:pt x="2382867" y="9147937"/>
+                  <a:pt x="1893395" y="10555417"/>
+                  <a:pt x="1334945" y="12017007"/>
+                </a:cubicBezTo>
+                <a:lnTo>
+                  <a:pt x="1268170" y="12191541"/>
+                </a:lnTo>
+                <a:close/>
+              </a:path>
+            </a:pathLst>
+          </a:custGeom>
+          <a:solidFill>
+            <a:schemeClr val="bg1">
+              <a:alpha val="60000"/>
+            </a:schemeClr>
+          </a:solidFill>
+          <a:ln>
+            <a:noFill/>
+          </a:ln>
+        </p:spPr>
+        <p:style>
+          <a:lnRef idx="2">
+            <a:schemeClr val="accent1">
+              <a:shade val="50000"/>
+            </a:schemeClr>
+          </a:lnRef>
+          <a:fillRef idx="1">
+            <a:schemeClr val="accent1"/>
+          </a:fillRef>
+          <a:effectRef idx="0">
+            <a:schemeClr val="accent1"/>
+          </a:effectRef>
+          <a:fontRef idx="minor">
+            <a:schemeClr val="lt1"/>
+          </a:fontRef>
+        </p:style>
+        <p:txBody>
+          <a:bodyPr wrap="square" rtlCol="0" anchor="ctr">
+            <a:noAutofit/>
+          </a:bodyPr>
+          <a:lstStyle/>
+          <a:p>
+            <a:pPr algn="ctr"/>
+            <a:endParaRPr lang="en-US"/>
+          </a:p>
+        </p:txBody>
+      </p:sp>
+      <p:sp>
+        <p:nvSpPr>
+          <p:cNvPr id="107" name="Freeform: Shape 106">
+            <a:extLst>
+              <a:ext uri="{FF2B5EF4-FFF2-40B4-BE49-F238E27FC236}">
+                <a16:creationId xmlns:a16="http://schemas.microsoft.com/office/drawing/2014/main" id="{E59169C9-0DBE-4B66-9C16-22A64324AA6C}"/>
+              </a:ext>
+              <a:ext uri="{C183D7F6-B498-43B3-948B-1728B52AA6E4}">
+                <adec:decorative xmlns:adec="http://schemas.microsoft.com/office/drawing/2017/decorative" val="1"/>
+              </a:ext>
+            </a:extLst>
+          </p:cNvPr>
+          <p:cNvSpPr>
+            <a:spLocks noGrp="1" noRot="1" noChangeAspect="1" noMove="1" noResize="1" noEditPoints="1" noAdjustHandles="1" noChangeArrowheads="1" noChangeShapeType="1" noTextEdit="1"/>
+          </p:cNvSpPr>
+          <p:nvPr>
+            <p:extLst>
+              <p:ext uri="{386F3935-93C4-4BCD-93E2-E3B085C9AB24}">
+                <p16:designElem xmlns:p16="http://schemas.microsoft.com/office/powerpoint/2015/main" val="1"/>
+              </p:ext>
+            </p:extLst>
+          </p:nvPr>
+        </p:nvSpPr>
+        <p:spPr>
+          <a:xfrm rot="5400000">
+            <a:off x="5527211" y="-4339476"/>
+            <a:ext cx="1137882" cy="12191694"/>
+          </a:xfrm>
+          <a:custGeom>
+            <a:avLst/>
+            <a:gdLst>
+              <a:gd name="connsiteX0" fmla="*/ 0 w 1240954"/>
+              <a:gd name="connsiteY0" fmla="*/ 12191694 h 12191694"/>
+              <a:gd name="connsiteX1" fmla="*/ 72823 w 1240954"/>
+              <a:gd name="connsiteY1" fmla="*/ 12017158 h 12191694"/>
+              <a:gd name="connsiteX2" fmla="*/ 1215669 w 1240954"/>
+              <a:gd name="connsiteY2" fmla="*/ 6524669 h 12191694"/>
+              <a:gd name="connsiteX3" fmla="*/ 634271 w 1240954"/>
+              <a:gd name="connsiteY3" fmla="*/ 405211 h 12191694"/>
+              <a:gd name="connsiteX4" fmla="*/ 534414 w 1240954"/>
+              <a:gd name="connsiteY4" fmla="*/ 0 h 12191694"/>
+              <a:gd name="connsiteX5" fmla="*/ 559698 w 1240954"/>
+              <a:gd name="connsiteY5" fmla="*/ 0 h 12191694"/>
+              <a:gd name="connsiteX6" fmla="*/ 659555 w 1240954"/>
+              <a:gd name="connsiteY6" fmla="*/ 405211 h 12191694"/>
+              <a:gd name="connsiteX7" fmla="*/ 1240954 w 1240954"/>
+              <a:gd name="connsiteY7" fmla="*/ 6524669 h 12191694"/>
+              <a:gd name="connsiteX8" fmla="*/ 98108 w 1240954"/>
+              <a:gd name="connsiteY8" fmla="*/ 12017158 h 12191694"/>
+              <a:gd name="connsiteX9" fmla="*/ 25285 w 1240954"/>
+              <a:gd name="connsiteY9" fmla="*/ 12191694 h 12191694"/>
+            </a:gdLst>
+            <a:ahLst/>
+            <a:cxnLst>
+              <a:cxn ang="0">
+                <a:pos x="connsiteX0" y="connsiteY0"/>
+              </a:cxn>
+              <a:cxn ang="0">
+                <a:pos x="connsiteX1" y="connsiteY1"/>
+              </a:cxn>
+              <a:cxn ang="0">
+                <a:pos x="connsiteX2" y="connsiteY2"/>
+              </a:cxn>
+              <a:cxn ang="0">
+                <a:pos x="connsiteX3" y="connsiteY3"/>
+              </a:cxn>
+              <a:cxn ang="0">
+                <a:pos x="connsiteX4" y="connsiteY4"/>
+              </a:cxn>
+              <a:cxn ang="0">
+                <a:pos x="connsiteX5" y="connsiteY5"/>
+              </a:cxn>
+              <a:cxn ang="0">
+                <a:pos x="connsiteX6" y="connsiteY6"/>
+              </a:cxn>
+              <a:cxn ang="0">
+                <a:pos x="connsiteX7" y="connsiteY7"/>
+              </a:cxn>
+              <a:cxn ang="0">
+                <a:pos x="connsiteX8" y="connsiteY8"/>
+              </a:cxn>
+              <a:cxn ang="0">
+                <a:pos x="connsiteX9" y="connsiteY9"/>
+              </a:cxn>
+            </a:cxnLst>
+            <a:rect l="l" t="t" r="r" b="b"/>
+            <a:pathLst>
+              <a:path w="1240954" h="12191694">
+                <a:moveTo>
+                  <a:pt x="0" y="12191694"/>
+                </a:moveTo>
+                <a:lnTo>
+                  <a:pt x="72823" y="12017158"/>
+                </a:lnTo>
+                <a:cubicBezTo>
+                  <a:pt x="681859" y="10555569"/>
+                  <a:pt x="1215669" y="9148088"/>
+                  <a:pt x="1215669" y="6524669"/>
+                </a:cubicBezTo>
+                <a:cubicBezTo>
+                  <a:pt x="1215670" y="4186551"/>
+                  <a:pt x="1012087" y="2048160"/>
+                  <a:pt x="634271" y="405211"/>
+                </a:cubicBezTo>
+                <a:lnTo>
+                  <a:pt x="534414" y="0"/>
+                </a:lnTo>
+                <a:lnTo>
+                  <a:pt x="559698" y="0"/>
+                </a:lnTo>
+                <a:lnTo>
+                  <a:pt x="659555" y="405211"/>
+                </a:lnTo>
+                <a:cubicBezTo>
+                  <a:pt x="1037372" y="2048160"/>
+                  <a:pt x="1240954" y="4186551"/>
+                  <a:pt x="1240954" y="6524669"/>
+                </a:cubicBezTo>
+                <a:cubicBezTo>
+                  <a:pt x="1240954" y="9148088"/>
+                  <a:pt x="707144" y="10555569"/>
+                  <a:pt x="98108" y="12017158"/>
+                </a:cubicBezTo>
+                <a:lnTo>
+                  <a:pt x="25285" y="12191694"/>
+                </a:lnTo>
+                <a:close/>
+              </a:path>
+            </a:pathLst>
+          </a:custGeom>
+          <a:solidFill>
+            <a:srgbClr val="FFFFFF"/>
+          </a:solidFill>
+          <a:ln>
+            <a:noFill/>
+          </a:ln>
+        </p:spPr>
+        <p:style>
+          <a:lnRef idx="2">
+            <a:schemeClr val="accent1">
+              <a:shade val="50000"/>
+            </a:schemeClr>
+          </a:lnRef>
+          <a:fillRef idx="1">
+            <a:schemeClr val="accent1"/>
+          </a:fillRef>
+          <a:effectRef idx="0">
+            <a:schemeClr val="accent1"/>
+          </a:effectRef>
+          <a:fontRef idx="minor">
+            <a:schemeClr val="lt1"/>
+          </a:fontRef>
+        </p:style>
+        <p:txBody>
+          <a:bodyPr wrap="square" rtlCol="0" anchor="ctr">
+            <a:noAutofit/>
+          </a:bodyPr>
+          <a:lstStyle/>
+          <a:p>
+            <a:pPr marL="0" marR="0" lvl="0" indent="0" algn="ctr" defTabSz="914400" rtl="0" eaLnBrk="1" fontAlgn="auto" latinLnBrk="0" hangingPunct="1">
+              <a:lnSpc>
+                <a:spcPct val="100000"/>
+              </a:lnSpc>
+              <a:spcBef>
+                <a:spcPts val="0"/>
+              </a:spcBef>
+              <a:spcAft>
+                <a:spcPts val="0"/>
+              </a:spcAft>
+              <a:buClrTx/>
+              <a:buSzTx/>
+              <a:buFontTx/>
+              <a:buNone/>
+              <a:tabLst/>
+              <a:defRPr/>
+            </a:pPr>
+            <a:endParaRPr kumimoji="0" lang="en-US" sz="1800" b="0" i="0" u="none" strike="noStrike" kern="1200" cap="none" spc="0" normalizeH="0" baseline="0" noProof="0">
+              <a:ln>
+                <a:noFill/>
+              </a:ln>
+              <a:solidFill>
+                <a:prstClr val="white"/>
+              </a:solidFill>
+              <a:effectLst/>
+              <a:uLnTx/>
+              <a:uFillTx/>
+              <a:latin typeface="Meiryo"/>
+              <a:ea typeface="+mn-ea"/>
+              <a:cs typeface="+mn-cs"/>
+            </a:endParaRPr>
+          </a:p>
+        </p:txBody>
+      </p:sp>
+      <p:sp>
+        <p:nvSpPr>
+          <p:cNvPr id="3" name="Textfeld 2">
+            <a:extLst>
+              <a:ext uri="{FF2B5EF4-FFF2-40B4-BE49-F238E27FC236}">
+                <a16:creationId xmlns:a16="http://schemas.microsoft.com/office/drawing/2014/main" id="{C33B3D6E-0567-14C0-60F1-A4D7EB11EA66}"/>
               </a:ext>
             </a:extLst>
           </p:cNvPr>
@@ -25185,8 +29932,406 @@
         </p:nvSpPr>
         <p:spPr>
           <a:xfrm>
-            <a:off x="300788" y="601579"/>
-            <a:ext cx="6387263" cy="584775"/>
+            <a:off x="1217944" y="543687"/>
+            <a:ext cx="9756112" cy="1046868"/>
+          </a:xfrm>
+          <a:prstGeom prst="rect">
+            <a:avLst/>
+          </a:prstGeom>
+        </p:spPr>
+        <p:txBody>
+          <a:bodyPr rot="0" spcFirstLastPara="0" vertOverflow="overflow" horzOverflow="overflow" vert="horz" lIns="109728" tIns="109728" rIns="109728" bIns="91440" numCol="1" spcCol="0" rtlCol="0" fromWordArt="0" anchor="ctr" anchorCtr="0" forceAA="0" compatLnSpc="1">
+            <a:prstTxWarp prst="textNoShape">
+              <a:avLst/>
+            </a:prstTxWarp>
+            <a:normAutofit/>
+          </a:bodyPr>
+          <a:lstStyle/>
+          <a:p>
+            <a:pPr algn="ctr">
+              <a:lnSpc>
+                <a:spcPct val="130000"/>
+              </a:lnSpc>
+              <a:spcBef>
+                <a:spcPct val="0"/>
+              </a:spcBef>
+              <a:spcAft>
+                <a:spcPts val="600"/>
+              </a:spcAft>
+            </a:pPr>
+            <a:r>
+              <a:rPr lang="en-US" sz="3200" b="1" spc="150" dirty="0">
+                <a:solidFill>
+                  <a:schemeClr val="tx1">
+                    <a:lumMod val="75000"/>
+                    <a:lumOff val="25000"/>
+                  </a:schemeClr>
+                </a:solidFill>
+                <a:latin typeface="+mj-lt"/>
+                <a:ea typeface="+mj-ea"/>
+                <a:cs typeface="+mj-cs"/>
+              </a:rPr>
+              <a:t>5. </a:t>
+            </a:r>
+            <a:r>
+              <a:rPr lang="en-US" sz="3200" b="1" spc="150" dirty="0" err="1">
+                <a:solidFill>
+                  <a:schemeClr val="tx1">
+                    <a:lumMod val="75000"/>
+                    <a:lumOff val="25000"/>
+                  </a:schemeClr>
+                </a:solidFill>
+                <a:latin typeface="+mj-lt"/>
+                <a:ea typeface="+mj-ea"/>
+                <a:cs typeface="+mj-cs"/>
+              </a:rPr>
+              <a:t>Wettbewerbssituation</a:t>
+            </a:r>
+            <a:endParaRPr lang="en-US" sz="3200" b="1" spc="150" dirty="0" err="1">
+              <a:solidFill>
+                <a:schemeClr val="tx1">
+                  <a:lumMod val="75000"/>
+                  <a:lumOff val="25000"/>
+                </a:schemeClr>
+              </a:solidFill>
+              <a:latin typeface="+mj-lt"/>
+              <a:ea typeface="Meiryo"/>
+              <a:cs typeface="+mj-cs"/>
+            </a:endParaRPr>
+          </a:p>
+        </p:txBody>
+      </p:sp>
+      <p:sp>
+        <p:nvSpPr>
+          <p:cNvPr id="109" name="Freeform: Shape 108">
+            <a:extLst>
+              <a:ext uri="{FF2B5EF4-FFF2-40B4-BE49-F238E27FC236}">
+                <a16:creationId xmlns:a16="http://schemas.microsoft.com/office/drawing/2014/main" id="{F0457BB4-CED7-4065-8959-D6B51491BBAB}"/>
+              </a:ext>
+              <a:ext uri="{C183D7F6-B498-43B3-948B-1728B52AA6E4}">
+                <adec:decorative xmlns:adec="http://schemas.microsoft.com/office/drawing/2017/decorative" val="1"/>
+              </a:ext>
+            </a:extLst>
+          </p:cNvPr>
+          <p:cNvSpPr>
+            <a:spLocks noGrp="1" noRot="1" noChangeAspect="1" noMove="1" noResize="1" noEditPoints="1" noAdjustHandles="1" noChangeArrowheads="1" noChangeShapeType="1" noTextEdit="1"/>
+          </p:cNvSpPr>
+          <p:nvPr>
+            <p:extLst>
+              <p:ext uri="{386F3935-93C4-4BCD-93E2-E3B085C9AB24}">
+                <p16:designElem xmlns:p16="http://schemas.microsoft.com/office/powerpoint/2015/main" val="1"/>
+              </p:ext>
+            </p:extLst>
+          </p:nvPr>
+        </p:nvSpPr>
+        <p:spPr>
+          <a:xfrm rot="5400000">
+            <a:off x="5590529" y="-4583452"/>
+            <a:ext cx="1011248" cy="12191695"/>
+          </a:xfrm>
+          <a:custGeom>
+            <a:avLst/>
+            <a:gdLst>
+              <a:gd name="connsiteX0" fmla="*/ 0 w 1102849"/>
+              <a:gd name="connsiteY0" fmla="*/ 12191695 h 12191695"/>
+              <a:gd name="connsiteX1" fmla="*/ 65312 w 1102849"/>
+              <a:gd name="connsiteY1" fmla="*/ 12017158 h 12191695"/>
+              <a:gd name="connsiteX2" fmla="*/ 1090278 w 1102849"/>
+              <a:gd name="connsiteY2" fmla="*/ 6524670 h 12191695"/>
+              <a:gd name="connsiteX3" fmla="*/ 568848 w 1102849"/>
+              <a:gd name="connsiteY3" fmla="*/ 405211 h 12191695"/>
+              <a:gd name="connsiteX4" fmla="*/ 479291 w 1102849"/>
+              <a:gd name="connsiteY4" fmla="*/ 0 h 12191695"/>
+              <a:gd name="connsiteX5" fmla="*/ 491862 w 1102849"/>
+              <a:gd name="connsiteY5" fmla="*/ 0 h 12191695"/>
+              <a:gd name="connsiteX6" fmla="*/ 581419 w 1102849"/>
+              <a:gd name="connsiteY6" fmla="*/ 405211 h 12191695"/>
+              <a:gd name="connsiteX7" fmla="*/ 1102849 w 1102849"/>
+              <a:gd name="connsiteY7" fmla="*/ 6524670 h 12191695"/>
+              <a:gd name="connsiteX8" fmla="*/ 77883 w 1102849"/>
+              <a:gd name="connsiteY8" fmla="*/ 12017158 h 12191695"/>
+              <a:gd name="connsiteX9" fmla="*/ 12571 w 1102849"/>
+              <a:gd name="connsiteY9" fmla="*/ 12191695 h 12191695"/>
+            </a:gdLst>
+            <a:ahLst/>
+            <a:cxnLst>
+              <a:cxn ang="0">
+                <a:pos x="connsiteX0" y="connsiteY0"/>
+              </a:cxn>
+              <a:cxn ang="0">
+                <a:pos x="connsiteX1" y="connsiteY1"/>
+              </a:cxn>
+              <a:cxn ang="0">
+                <a:pos x="connsiteX2" y="connsiteY2"/>
+              </a:cxn>
+              <a:cxn ang="0">
+                <a:pos x="connsiteX3" y="connsiteY3"/>
+              </a:cxn>
+              <a:cxn ang="0">
+                <a:pos x="connsiteX4" y="connsiteY4"/>
+              </a:cxn>
+              <a:cxn ang="0">
+                <a:pos x="connsiteX5" y="connsiteY5"/>
+              </a:cxn>
+              <a:cxn ang="0">
+                <a:pos x="connsiteX6" y="connsiteY6"/>
+              </a:cxn>
+              <a:cxn ang="0">
+                <a:pos x="connsiteX7" y="connsiteY7"/>
+              </a:cxn>
+              <a:cxn ang="0">
+                <a:pos x="connsiteX8" y="connsiteY8"/>
+              </a:cxn>
+              <a:cxn ang="0">
+                <a:pos x="connsiteX9" y="connsiteY9"/>
+              </a:cxn>
+            </a:cxnLst>
+            <a:rect l="l" t="t" r="r" b="b"/>
+            <a:pathLst>
+              <a:path w="1102849" h="12191695">
+                <a:moveTo>
+                  <a:pt x="0" y="12191695"/>
+                </a:moveTo>
+                <a:lnTo>
+                  <a:pt x="65312" y="12017158"/>
+                </a:lnTo>
+                <a:cubicBezTo>
+                  <a:pt x="611528" y="10555569"/>
+                  <a:pt x="1090278" y="9148088"/>
+                  <a:pt x="1090278" y="6524670"/>
+                </a:cubicBezTo>
+                <a:cubicBezTo>
+                  <a:pt x="1090278" y="4186551"/>
+                  <a:pt x="907694" y="2048159"/>
+                  <a:pt x="568848" y="405211"/>
+                </a:cubicBezTo>
+                <a:lnTo>
+                  <a:pt x="479291" y="0"/>
+                </a:lnTo>
+                <a:lnTo>
+                  <a:pt x="491862" y="0"/>
+                </a:lnTo>
+                <a:lnTo>
+                  <a:pt x="581419" y="405211"/>
+                </a:lnTo>
+                <a:cubicBezTo>
+                  <a:pt x="920265" y="2048159"/>
+                  <a:pt x="1102849" y="4186551"/>
+                  <a:pt x="1102849" y="6524670"/>
+                </a:cubicBezTo>
+                <a:cubicBezTo>
+                  <a:pt x="1102849" y="9148088"/>
+                  <a:pt x="624099" y="10555569"/>
+                  <a:pt x="77883" y="12017158"/>
+                </a:cubicBezTo>
+                <a:lnTo>
+                  <a:pt x="12571" y="12191695"/>
+                </a:lnTo>
+                <a:close/>
+              </a:path>
+            </a:pathLst>
+          </a:custGeom>
+          <a:solidFill>
+            <a:schemeClr val="bg2">
+              <a:lumMod val="90000"/>
+            </a:schemeClr>
+          </a:solidFill>
+          <a:ln>
+            <a:noFill/>
+          </a:ln>
+        </p:spPr>
+        <p:style>
+          <a:lnRef idx="2">
+            <a:schemeClr val="accent1">
+              <a:shade val="50000"/>
+            </a:schemeClr>
+          </a:lnRef>
+          <a:fillRef idx="1">
+            <a:schemeClr val="accent1"/>
+          </a:fillRef>
+          <a:effectRef idx="0">
+            <a:schemeClr val="accent1"/>
+          </a:effectRef>
+          <a:fontRef idx="minor">
+            <a:schemeClr val="lt1"/>
+          </a:fontRef>
+        </p:style>
+        <p:txBody>
+          <a:bodyPr wrap="square" rtlCol="0" anchor="ctr">
+            <a:noAutofit/>
+          </a:bodyPr>
+          <a:lstStyle/>
+          <a:p>
+            <a:pPr marL="0" marR="0" lvl="0" indent="0" algn="ctr" defTabSz="914400" rtl="0" eaLnBrk="1" fontAlgn="auto" latinLnBrk="0" hangingPunct="1">
+              <a:lnSpc>
+                <a:spcPct val="100000"/>
+              </a:lnSpc>
+              <a:spcBef>
+                <a:spcPts val="0"/>
+              </a:spcBef>
+              <a:spcAft>
+                <a:spcPts val="0"/>
+              </a:spcAft>
+              <a:buClrTx/>
+              <a:buSzTx/>
+              <a:buFontTx/>
+              <a:buNone/>
+              <a:tabLst/>
+              <a:defRPr/>
+            </a:pPr>
+            <a:endParaRPr kumimoji="0" lang="en-US" sz="1800" b="0" i="0" u="none" strike="noStrike" kern="1200" cap="none" spc="0" normalizeH="0" baseline="0" noProof="0">
+              <a:ln>
+                <a:noFill/>
+              </a:ln>
+              <a:solidFill>
+                <a:prstClr val="white"/>
+              </a:solidFill>
+              <a:effectLst/>
+              <a:uLnTx/>
+              <a:uFillTx/>
+              <a:latin typeface="Meiryo"/>
+              <a:ea typeface="+mn-ea"/>
+              <a:cs typeface="+mn-cs"/>
+            </a:endParaRPr>
+          </a:p>
+        </p:txBody>
+      </p:sp>
+      <p:pic>
+        <p:nvPicPr>
+          <p:cNvPr id="16" name="Grafik 16">
+            <a:extLst>
+              <a:ext uri="{FF2B5EF4-FFF2-40B4-BE49-F238E27FC236}">
+                <a16:creationId xmlns:a16="http://schemas.microsoft.com/office/drawing/2014/main" id="{A7C02786-4F30-39F0-B7EC-2E2592D16C87}"/>
+              </a:ext>
+            </a:extLst>
+          </p:cNvPr>
+          <p:cNvPicPr>
+            <a:picLocks noChangeAspect="1"/>
+          </p:cNvPicPr>
+          <p:nvPr/>
+        </p:nvPicPr>
+        <p:blipFill>
+          <a:blip r:embed="rId2"/>
+          <a:stretch>
+            <a:fillRect/>
+          </a:stretch>
+        </p:blipFill>
+        <p:spPr>
+          <a:xfrm>
+            <a:off x="1676400" y="5733288"/>
+            <a:ext cx="2743200" cy="877824"/>
+          </a:xfrm>
+          <a:prstGeom prst="rect">
+            <a:avLst/>
+          </a:prstGeom>
+        </p:spPr>
+      </p:pic>
+      <p:pic>
+        <p:nvPicPr>
+          <p:cNvPr id="17" name="Grafik 17" descr="Ein Bild, das Kasten, Container, Tisch, Holz enthält.&#10;&#10;Beschreibung automatisch generiert.">
+            <a:extLst>
+              <a:ext uri="{FF2B5EF4-FFF2-40B4-BE49-F238E27FC236}">
+                <a16:creationId xmlns:a16="http://schemas.microsoft.com/office/drawing/2014/main" id="{06175E00-21FB-FBDA-718B-6CDFF100246C}"/>
+              </a:ext>
+            </a:extLst>
+          </p:cNvPr>
+          <p:cNvPicPr>
+            <a:picLocks noChangeAspect="1"/>
+          </p:cNvPicPr>
+          <p:nvPr/>
+        </p:nvPicPr>
+        <p:blipFill>
+          <a:blip r:embed="rId3"/>
+          <a:stretch>
+            <a:fillRect/>
+          </a:stretch>
+        </p:blipFill>
+        <p:spPr>
+          <a:xfrm>
+            <a:off x="665019" y="3045032"/>
+            <a:ext cx="4752108" cy="2527464"/>
+          </a:xfrm>
+          <a:prstGeom prst="rect">
+            <a:avLst/>
+          </a:prstGeom>
+        </p:spPr>
+      </p:pic>
+      <p:pic>
+        <p:nvPicPr>
+          <p:cNvPr id="19" name="Grafik 19" descr="Ein Bild, das Boden, Gebäude, aus Holz, Beton enthält.&#10;&#10;Beschreibung automatisch generiert.">
+            <a:extLst>
+              <a:ext uri="{FF2B5EF4-FFF2-40B4-BE49-F238E27FC236}">
+                <a16:creationId xmlns:a16="http://schemas.microsoft.com/office/drawing/2014/main" id="{6CB5BF1E-C6A2-5311-6819-73F124D37C1E}"/>
+              </a:ext>
+            </a:extLst>
+          </p:cNvPr>
+          <p:cNvPicPr>
+            <a:picLocks noChangeAspect="1"/>
+          </p:cNvPicPr>
+          <p:nvPr/>
+        </p:nvPicPr>
+        <p:blipFill>
+          <a:blip r:embed="rId4"/>
+          <a:stretch>
+            <a:fillRect/>
+          </a:stretch>
+        </p:blipFill>
+        <p:spPr>
+          <a:xfrm>
+            <a:off x="7176656" y="2932401"/>
+            <a:ext cx="4225636" cy="2808143"/>
+          </a:xfrm>
+          <a:prstGeom prst="rect">
+            <a:avLst/>
+          </a:prstGeom>
+        </p:spPr>
+      </p:pic>
+      <p:pic>
+        <p:nvPicPr>
+          <p:cNvPr id="20" name="Grafik 20">
+            <a:extLst>
+              <a:ext uri="{FF2B5EF4-FFF2-40B4-BE49-F238E27FC236}">
+                <a16:creationId xmlns:a16="http://schemas.microsoft.com/office/drawing/2014/main" id="{0133ED36-C7BB-8704-7370-2B0B5596A267}"/>
+              </a:ext>
+            </a:extLst>
+          </p:cNvPr>
+          <p:cNvPicPr>
+            <a:picLocks noChangeAspect="1"/>
+          </p:cNvPicPr>
+          <p:nvPr/>
+        </p:nvPicPr>
+        <p:blipFill>
+          <a:blip r:embed="rId5"/>
+          <a:stretch>
+            <a:fillRect/>
+          </a:stretch>
+        </p:blipFill>
+        <p:spPr>
+          <a:xfrm>
+            <a:off x="7911378" y="5876059"/>
+            <a:ext cx="2520660" cy="578426"/>
+          </a:xfrm>
+          <a:prstGeom prst="rect">
+            <a:avLst/>
+          </a:prstGeom>
+        </p:spPr>
+      </p:pic>
+      <p:sp>
+        <p:nvSpPr>
+          <p:cNvPr id="21" name="Textfeld 20">
+            <a:extLst>
+              <a:ext uri="{FF2B5EF4-FFF2-40B4-BE49-F238E27FC236}">
+                <a16:creationId xmlns:a16="http://schemas.microsoft.com/office/drawing/2014/main" id="{99A64DD7-E201-1E0D-8594-5F7956F35FCE}"/>
+              </a:ext>
+            </a:extLst>
+          </p:cNvPr>
+          <p:cNvSpPr txBox="1"/>
+          <p:nvPr/>
+        </p:nvSpPr>
+        <p:spPr>
+          <a:xfrm>
+            <a:off x="5416506" y="5333173"/>
+            <a:ext cx="1233920" cy="338554"/>
           </a:xfrm>
           <a:prstGeom prst="rect">
             <a:avLst/>
@@ -25203,10 +30348,212 @@
           <a:lstStyle/>
           <a:p>
             <a:r>
-              <a:rPr lang="de-DE" sz="3200" b="1" dirty="0">
+              <a:rPr lang="de-DE" sz="1600" dirty="0">
                 <a:ea typeface="Meiryo"/>
               </a:rPr>
-              <a:t>Bildquellen</a:t>
+              <a:t>Abb. 6</a:t>
+            </a:r>
+          </a:p>
+        </p:txBody>
+      </p:sp>
+      <p:sp>
+        <p:nvSpPr>
+          <p:cNvPr id="22" name="Textfeld 21">
+            <a:extLst>
+              <a:ext uri="{FF2B5EF4-FFF2-40B4-BE49-F238E27FC236}">
+                <a16:creationId xmlns:a16="http://schemas.microsoft.com/office/drawing/2014/main" id="{25467DC4-FFDD-F921-DF36-F677D26EE524}"/>
+              </a:ext>
+            </a:extLst>
+          </p:cNvPr>
+          <p:cNvSpPr txBox="1"/>
+          <p:nvPr/>
+        </p:nvSpPr>
+        <p:spPr>
+          <a:xfrm>
+            <a:off x="4474397" y="6275281"/>
+            <a:ext cx="1233920" cy="338554"/>
+          </a:xfrm>
+          <a:prstGeom prst="rect">
+            <a:avLst/>
+          </a:prstGeom>
+          <a:noFill/>
+        </p:spPr>
+        <p:txBody>
+          <a:bodyPr rot="0" spcFirstLastPara="0" vertOverflow="overflow" horzOverflow="overflow" vert="horz" wrap="square" lIns="91440" tIns="45720" rIns="91440" bIns="45720" numCol="1" spcCol="0" rtlCol="0" fromWordArt="0" anchor="t" anchorCtr="0" forceAA="0" compatLnSpc="1">
+            <a:prstTxWarp prst="textNoShape">
+              <a:avLst/>
+            </a:prstTxWarp>
+            <a:spAutoFit/>
+          </a:bodyPr>
+          <a:lstStyle/>
+          <a:p>
+            <a:r>
+              <a:rPr lang="de-DE" sz="1600" dirty="0">
+                <a:ea typeface="Meiryo"/>
+              </a:rPr>
+              <a:t>Abb. 7</a:t>
+            </a:r>
+          </a:p>
+        </p:txBody>
+      </p:sp>
+      <p:sp>
+        <p:nvSpPr>
+          <p:cNvPr id="23" name="Textfeld 22">
+            <a:extLst>
+              <a:ext uri="{FF2B5EF4-FFF2-40B4-BE49-F238E27FC236}">
+                <a16:creationId xmlns:a16="http://schemas.microsoft.com/office/drawing/2014/main" id="{CEADC7A2-1A55-4411-E4DB-506F02452C60}"/>
+              </a:ext>
+            </a:extLst>
+          </p:cNvPr>
+          <p:cNvSpPr txBox="1"/>
+          <p:nvPr/>
+        </p:nvSpPr>
+        <p:spPr>
+          <a:xfrm>
+            <a:off x="11401668" y="5402444"/>
+            <a:ext cx="1233920" cy="338554"/>
+          </a:xfrm>
+          <a:prstGeom prst="rect">
+            <a:avLst/>
+          </a:prstGeom>
+          <a:noFill/>
+        </p:spPr>
+        <p:txBody>
+          <a:bodyPr rot="0" spcFirstLastPara="0" vertOverflow="overflow" horzOverflow="overflow" vert="horz" wrap="square" lIns="91440" tIns="45720" rIns="91440" bIns="45720" numCol="1" spcCol="0" rtlCol="0" fromWordArt="0" anchor="t" anchorCtr="0" forceAA="0" compatLnSpc="1">
+            <a:prstTxWarp prst="textNoShape">
+              <a:avLst/>
+            </a:prstTxWarp>
+            <a:spAutoFit/>
+          </a:bodyPr>
+          <a:lstStyle/>
+          <a:p>
+            <a:r>
+              <a:rPr lang="de-DE" sz="1600" dirty="0">
+                <a:ea typeface="Meiryo"/>
+              </a:rPr>
+              <a:t>Abb. 8</a:t>
+            </a:r>
+          </a:p>
+        </p:txBody>
+      </p:sp>
+      <p:sp>
+        <p:nvSpPr>
+          <p:cNvPr id="24" name="Textfeld 23">
+            <a:extLst>
+              <a:ext uri="{FF2B5EF4-FFF2-40B4-BE49-F238E27FC236}">
+                <a16:creationId xmlns:a16="http://schemas.microsoft.com/office/drawing/2014/main" id="{06298E34-F672-8A6F-8A03-93152B251A11}"/>
+              </a:ext>
+            </a:extLst>
+          </p:cNvPr>
+          <p:cNvSpPr txBox="1"/>
+          <p:nvPr/>
+        </p:nvSpPr>
+        <p:spPr>
+          <a:xfrm>
+            <a:off x="10431850" y="6275280"/>
+            <a:ext cx="1233920" cy="338554"/>
+          </a:xfrm>
+          <a:prstGeom prst="rect">
+            <a:avLst/>
+          </a:prstGeom>
+          <a:noFill/>
+        </p:spPr>
+        <p:txBody>
+          <a:bodyPr rot="0" spcFirstLastPara="0" vertOverflow="overflow" horzOverflow="overflow" vert="horz" wrap="square" lIns="91440" tIns="45720" rIns="91440" bIns="45720" numCol="1" spcCol="0" rtlCol="0" fromWordArt="0" anchor="t" anchorCtr="0" forceAA="0" compatLnSpc="1">
+            <a:prstTxWarp prst="textNoShape">
+              <a:avLst/>
+            </a:prstTxWarp>
+            <a:spAutoFit/>
+          </a:bodyPr>
+          <a:lstStyle/>
+          <a:p>
+            <a:r>
+              <a:rPr lang="de-DE" sz="1600" dirty="0">
+                <a:ea typeface="Meiryo"/>
+              </a:rPr>
+              <a:t>Abb. 9</a:t>
+            </a:r>
+          </a:p>
+        </p:txBody>
+      </p:sp>
+      <p:sp>
+        <p:nvSpPr>
+          <p:cNvPr id="25" name="Textfeld 24">
+            <a:extLst>
+              <a:ext uri="{FF2B5EF4-FFF2-40B4-BE49-F238E27FC236}">
+                <a16:creationId xmlns:a16="http://schemas.microsoft.com/office/drawing/2014/main" id="{C4D81079-6938-954B-55BE-D64325A6A44B}"/>
+              </a:ext>
+            </a:extLst>
+          </p:cNvPr>
+          <p:cNvSpPr txBox="1"/>
+          <p:nvPr/>
+        </p:nvSpPr>
+        <p:spPr>
+          <a:xfrm>
+            <a:off x="2016353" y="2318672"/>
+            <a:ext cx="1972721" cy="461665"/>
+          </a:xfrm>
+          <a:prstGeom prst="rect">
+            <a:avLst/>
+          </a:prstGeom>
+          <a:noFill/>
+        </p:spPr>
+        <p:txBody>
+          <a:bodyPr rot="0" spcFirstLastPara="0" vertOverflow="overflow" horzOverflow="overflow" vert="horz" wrap="square" lIns="91440" tIns="45720" rIns="91440" bIns="45720" numCol="1" spcCol="0" rtlCol="0" fromWordArt="0" anchor="t" anchorCtr="0" forceAA="0" compatLnSpc="1">
+            <a:prstTxWarp prst="textNoShape">
+              <a:avLst/>
+            </a:prstTxWarp>
+            <a:spAutoFit/>
+          </a:bodyPr>
+          <a:lstStyle/>
+          <a:p>
+            <a:pPr algn="ctr"/>
+            <a:r>
+              <a:rPr lang="de-DE" sz="2400" b="1" dirty="0">
+                <a:ea typeface="Meiryo"/>
+              </a:rPr>
+              <a:t>Massivholz</a:t>
+            </a:r>
+          </a:p>
+        </p:txBody>
+      </p:sp>
+      <p:sp>
+        <p:nvSpPr>
+          <p:cNvPr id="26" name="Textfeld 25">
+            <a:extLst>
+              <a:ext uri="{FF2B5EF4-FFF2-40B4-BE49-F238E27FC236}">
+                <a16:creationId xmlns:a16="http://schemas.microsoft.com/office/drawing/2014/main" id="{26149207-670F-1A74-A8AF-D144959E25B4}"/>
+              </a:ext>
+            </a:extLst>
+          </p:cNvPr>
+          <p:cNvSpPr txBox="1"/>
+          <p:nvPr/>
+        </p:nvSpPr>
+        <p:spPr>
+          <a:xfrm>
+            <a:off x="8306316" y="2318672"/>
+            <a:ext cx="1972721" cy="461665"/>
+          </a:xfrm>
+          <a:prstGeom prst="rect">
+            <a:avLst/>
+          </a:prstGeom>
+          <a:noFill/>
+        </p:spPr>
+        <p:txBody>
+          <a:bodyPr rot="0" spcFirstLastPara="0" vertOverflow="overflow" horzOverflow="overflow" vert="horz" wrap="square" lIns="91440" tIns="45720" rIns="91440" bIns="45720" numCol="1" spcCol="0" rtlCol="0" fromWordArt="0" anchor="t" anchorCtr="0" forceAA="0" compatLnSpc="1">
+            <a:prstTxWarp prst="textNoShape">
+              <a:avLst/>
+            </a:prstTxWarp>
+            <a:spAutoFit/>
+          </a:bodyPr>
+          <a:lstStyle/>
+          <a:p>
+            <a:pPr algn="ctr"/>
+            <a:r>
+              <a:rPr lang="de-DE" sz="2400" b="1" dirty="0">
+                <a:ea typeface="Meiryo"/>
+              </a:rPr>
+              <a:t>Spanplatte</a:t>
             </a:r>
           </a:p>
         </p:txBody>
@@ -25214,7 +30561,7 @@
     </p:spTree>
     <p:extLst>
       <p:ext uri="{BB962C8B-B14F-4D97-AF65-F5344CB8AC3E}">
-        <p14:creationId xmlns:p14="http://schemas.microsoft.com/office/powerpoint/2010/main" val="1189878764"/>
+        <p14:creationId xmlns:p14="http://schemas.microsoft.com/office/powerpoint/2010/main" val="1854353553"/>
       </p:ext>
     </p:extLst>
   </p:cSld>
